--- a/Angular summary/Angular.pptx
+++ b/Angular summary/Angular.pptx
@@ -6,6 +6,13 @@
   </p:sldMasterIdLst>
   <p:sldIdLst>
     <p:sldId id="256" r:id="rId2"/>
+    <p:sldId id="261" r:id="rId3"/>
+    <p:sldId id="262" r:id="rId4"/>
+    <p:sldId id="257" r:id="rId5"/>
+    <p:sldId id="260" r:id="rId6"/>
+    <p:sldId id="263" r:id="rId7"/>
+    <p:sldId id="258" r:id="rId8"/>
+    <p:sldId id="259" r:id="rId9"/>
   </p:sldIdLst>
   <p:sldSz cx="12192000" cy="6858000"/>
   <p:notesSz cx="6858000" cy="9144000"/>
@@ -2971,41 +2978,6 @@
       </p:grpSpPr>
       <p:sp>
         <p:nvSpPr>
-          <p:cNvPr id="2" name="标题 1"/>
-          <p:cNvSpPr>
-            <a:spLocks noGrp="1"/>
-          </p:cNvSpPr>
-          <p:nvPr>
-            <p:ph type="ctrTitle"/>
-          </p:nvPr>
-        </p:nvSpPr>
-        <p:spPr>
-          <a:xfrm>
-            <a:off x="1428466" y="194315"/>
-            <a:ext cx="8930185" cy="2603476"/>
-          </a:xfrm>
-        </p:spPr>
-        <p:txBody>
-          <a:bodyPr/>
-          <a:lstStyle/>
-          <a:p>
-            <a:r>
-              <a:rPr lang="zh-CN" altLang="en-US" sz="9600" b="1" dirty="0"/>
-              <a:t>模块</a:t>
-            </a:r>
-            <a:r>
-              <a:rPr lang="zh-CN" altLang="en-US" b="1" dirty="0"/>
-              <a:t/>
-            </a:r>
-            <a:br>
-              <a:rPr lang="zh-CN" altLang="en-US" b="1" dirty="0"/>
-            </a:br>
-            <a:endParaRPr lang="zh-CN" altLang="en-US" dirty="0"/>
-          </a:p>
-        </p:txBody>
-      </p:sp>
-      <p:sp>
-        <p:nvSpPr>
           <p:cNvPr id="6" name="矩形 5"/>
           <p:cNvSpPr/>
           <p:nvPr/>
@@ -3053,10 +3025,2377 @@
           </a:p>
         </p:txBody>
       </p:sp>
+      <p:sp>
+        <p:nvSpPr>
+          <p:cNvPr id="3" name="标题 2"/>
+          <p:cNvSpPr>
+            <a:spLocks noGrp="1"/>
+          </p:cNvSpPr>
+          <p:nvPr>
+            <p:ph type="ctrTitle"/>
+          </p:nvPr>
+        </p:nvSpPr>
+        <p:spPr>
+          <a:xfrm>
+            <a:off x="1332931" y="518614"/>
+            <a:ext cx="9144000" cy="998775"/>
+          </a:xfrm>
+        </p:spPr>
+        <p:txBody>
+          <a:bodyPr/>
+          <a:lstStyle/>
+          <a:p>
+            <a:r>
+              <a:rPr lang="zh-CN" altLang="en-US" dirty="0" smtClean="0"/>
+              <a:t>模块</a:t>
+            </a:r>
+            <a:endParaRPr lang="zh-CN" altLang="en-US" dirty="0"/>
+          </a:p>
+        </p:txBody>
+      </p:sp>
+      <p:sp>
+        <p:nvSpPr>
+          <p:cNvPr id="4" name="矩形 3"/>
+          <p:cNvSpPr/>
+          <p:nvPr/>
+        </p:nvSpPr>
+        <p:spPr>
+          <a:xfrm>
+            <a:off x="277505" y="2705752"/>
+            <a:ext cx="1223412" cy="369332"/>
+          </a:xfrm>
+          <a:prstGeom prst="rect">
+            <a:avLst/>
+          </a:prstGeom>
+        </p:spPr>
+        <p:txBody>
+          <a:bodyPr wrap="none">
+            <a:spAutoFit/>
+          </a:bodyPr>
+          <a:lstStyle/>
+          <a:p>
+            <a:r>
+              <a:rPr lang="en-US" altLang="zh-CN" dirty="0">
+                <a:solidFill>
+                  <a:srgbClr val="00796B"/>
+                </a:solidFill>
+                <a:latin typeface="Monaco"/>
+              </a:rPr>
+              <a:t>@</a:t>
+            </a:r>
+            <a:r>
+              <a:rPr lang="en-US" altLang="zh-CN" dirty="0" err="1">
+                <a:solidFill>
+                  <a:srgbClr val="00796B"/>
+                </a:solidFill>
+                <a:latin typeface="Monaco"/>
+              </a:rPr>
+              <a:t>NgModule</a:t>
+            </a:r>
+            <a:endParaRPr lang="zh-CN" altLang="en-US" dirty="0"/>
+          </a:p>
+        </p:txBody>
+      </p:sp>
+      <p:sp>
+        <p:nvSpPr>
+          <p:cNvPr id="11" name="矩形 10"/>
+          <p:cNvSpPr/>
+          <p:nvPr/>
+        </p:nvSpPr>
+        <p:spPr>
+          <a:xfrm>
+            <a:off x="670049" y="3628913"/>
+            <a:ext cx="5378395" cy="369332"/>
+          </a:xfrm>
+          <a:prstGeom prst="rect">
+            <a:avLst/>
+          </a:prstGeom>
+        </p:spPr>
+        <p:txBody>
+          <a:bodyPr wrap="none">
+            <a:spAutoFit/>
+          </a:bodyPr>
+          <a:lstStyle/>
+          <a:p>
+            <a:r>
+              <a:rPr lang="en-US" altLang="zh-CN" dirty="0" smtClean="0">
+                <a:solidFill>
+                  <a:srgbClr val="00796B"/>
+                </a:solidFill>
+                <a:latin typeface="Monaco"/>
+              </a:rPr>
+              <a:t>exports – Module, Pipe, Directive, Component</a:t>
+            </a:r>
+            <a:endParaRPr lang="zh-CN" altLang="en-US" dirty="0"/>
+          </a:p>
+        </p:txBody>
+      </p:sp>
+      <p:sp>
+        <p:nvSpPr>
+          <p:cNvPr id="13" name="矩形 12"/>
+          <p:cNvSpPr/>
+          <p:nvPr/>
+        </p:nvSpPr>
+        <p:spPr>
+          <a:xfrm>
+            <a:off x="670049" y="3131908"/>
+            <a:ext cx="5262979" cy="369332"/>
+          </a:xfrm>
+          <a:prstGeom prst="rect">
+            <a:avLst/>
+          </a:prstGeom>
+        </p:spPr>
+        <p:txBody>
+          <a:bodyPr wrap="none">
+            <a:spAutoFit/>
+          </a:bodyPr>
+          <a:lstStyle/>
+          <a:p>
+            <a:r>
+              <a:rPr lang="en-US" altLang="zh-CN" dirty="0" smtClean="0">
+                <a:solidFill>
+                  <a:srgbClr val="00796B"/>
+                </a:solidFill>
+                <a:latin typeface="Monaco"/>
+              </a:rPr>
+              <a:t>declarations – Component, Directive, Pipe </a:t>
+            </a:r>
+            <a:endParaRPr lang="zh-CN" altLang="en-US" dirty="0"/>
+          </a:p>
+        </p:txBody>
+      </p:sp>
+      <p:sp>
+        <p:nvSpPr>
+          <p:cNvPr id="14" name="矩形 13"/>
+          <p:cNvSpPr/>
+          <p:nvPr/>
+        </p:nvSpPr>
+        <p:spPr>
+          <a:xfrm>
+            <a:off x="670048" y="4125918"/>
+            <a:ext cx="2031325" cy="369332"/>
+          </a:xfrm>
+          <a:prstGeom prst="rect">
+            <a:avLst/>
+          </a:prstGeom>
+        </p:spPr>
+        <p:txBody>
+          <a:bodyPr wrap="none">
+            <a:spAutoFit/>
+          </a:bodyPr>
+          <a:lstStyle/>
+          <a:p>
+            <a:r>
+              <a:rPr lang="en-US" altLang="zh-CN" dirty="0" smtClean="0">
+                <a:solidFill>
+                  <a:srgbClr val="00796B"/>
+                </a:solidFill>
+                <a:latin typeface="Monaco"/>
+              </a:rPr>
+              <a:t>imports - Module</a:t>
+            </a:r>
+            <a:endParaRPr lang="zh-CN" altLang="en-US" dirty="0"/>
+          </a:p>
+        </p:txBody>
+      </p:sp>
+      <p:sp>
+        <p:nvSpPr>
+          <p:cNvPr id="15" name="矩形 14"/>
+          <p:cNvSpPr/>
+          <p:nvPr/>
+        </p:nvSpPr>
+        <p:spPr>
+          <a:xfrm>
+            <a:off x="670048" y="4622923"/>
+            <a:ext cx="3300904" cy="369332"/>
+          </a:xfrm>
+          <a:prstGeom prst="rect">
+            <a:avLst/>
+          </a:prstGeom>
+        </p:spPr>
+        <p:txBody>
+          <a:bodyPr wrap="none">
+            <a:spAutoFit/>
+          </a:bodyPr>
+          <a:lstStyle/>
+          <a:p>
+            <a:r>
+              <a:rPr lang="en-US" altLang="zh-CN" dirty="0" smtClean="0">
+                <a:solidFill>
+                  <a:srgbClr val="00796B"/>
+                </a:solidFill>
+                <a:latin typeface="Monaco"/>
+              </a:rPr>
+              <a:t>Providers – global Service</a:t>
+            </a:r>
+            <a:endParaRPr lang="zh-CN" altLang="en-US" dirty="0"/>
+          </a:p>
+        </p:txBody>
+      </p:sp>
+      <p:sp>
+        <p:nvSpPr>
+          <p:cNvPr id="16" name="矩形 15"/>
+          <p:cNvSpPr/>
+          <p:nvPr/>
+        </p:nvSpPr>
+        <p:spPr>
+          <a:xfrm>
+            <a:off x="670048" y="5176752"/>
+            <a:ext cx="1223412" cy="369332"/>
+          </a:xfrm>
+          <a:prstGeom prst="rect">
+            <a:avLst/>
+          </a:prstGeom>
+        </p:spPr>
+        <p:txBody>
+          <a:bodyPr wrap="none">
+            <a:spAutoFit/>
+          </a:bodyPr>
+          <a:lstStyle/>
+          <a:p>
+            <a:r>
+              <a:rPr lang="en-US" altLang="zh-CN" dirty="0">
+                <a:solidFill>
+                  <a:srgbClr val="00796B"/>
+                </a:solidFill>
+                <a:latin typeface="Monaco"/>
+              </a:rPr>
+              <a:t>bootstrap</a:t>
+            </a:r>
+            <a:endParaRPr lang="zh-CN" altLang="en-US" dirty="0"/>
+          </a:p>
+        </p:txBody>
+      </p:sp>
     </p:spTree>
     <p:extLst>
       <p:ext uri="{BB962C8B-B14F-4D97-AF65-F5344CB8AC3E}">
         <p14:creationId xmlns:p14="http://schemas.microsoft.com/office/powerpoint/2010/main" val="3949104791"/>
+      </p:ext>
+    </p:extLst>
+  </p:cSld>
+  <p:clrMapOvr>
+    <a:masterClrMapping/>
+  </p:clrMapOvr>
+</p:sld>
+</file>
+
+<file path=ppt/slides/slide2.xml><?xml version="1.0" encoding="utf-8"?>
+<p:sld xmlns:a="http://schemas.openxmlformats.org/drawingml/2006/main" xmlns:r="http://schemas.openxmlformats.org/officeDocument/2006/relationships" xmlns:p="http://schemas.openxmlformats.org/presentationml/2006/main">
+  <p:cSld>
+    <p:spTree>
+      <p:nvGrpSpPr>
+        <p:cNvPr id="1" name=""/>
+        <p:cNvGrpSpPr/>
+        <p:nvPr/>
+      </p:nvGrpSpPr>
+      <p:grpSpPr>
+        <a:xfrm>
+          <a:off x="0" y="0"/>
+          <a:ext cx="0" cy="0"/>
+          <a:chOff x="0" y="0"/>
+          <a:chExt cx="0" cy="0"/>
+        </a:xfrm>
+      </p:grpSpPr>
+      <p:sp>
+        <p:nvSpPr>
+          <p:cNvPr id="3" name="标题 2"/>
+          <p:cNvSpPr>
+            <a:spLocks noGrp="1"/>
+          </p:cNvSpPr>
+          <p:nvPr>
+            <p:ph type="ctrTitle"/>
+          </p:nvPr>
+        </p:nvSpPr>
+        <p:spPr>
+          <a:xfrm>
+            <a:off x="1332931" y="518614"/>
+            <a:ext cx="9144000" cy="998775"/>
+          </a:xfrm>
+        </p:spPr>
+        <p:txBody>
+          <a:bodyPr/>
+          <a:lstStyle/>
+          <a:p>
+            <a:r>
+              <a:rPr lang="zh-CN" altLang="en-US" dirty="0"/>
+              <a:t>装饰器</a:t>
+            </a:r>
+          </a:p>
+        </p:txBody>
+      </p:sp>
+      <p:sp>
+        <p:nvSpPr>
+          <p:cNvPr id="4" name="矩形 3"/>
+          <p:cNvSpPr/>
+          <p:nvPr/>
+        </p:nvSpPr>
+        <p:spPr>
+          <a:xfrm>
+            <a:off x="1457164" y="2418985"/>
+            <a:ext cx="1223412" cy="369332"/>
+          </a:xfrm>
+          <a:prstGeom prst="rect">
+            <a:avLst/>
+          </a:prstGeom>
+        </p:spPr>
+        <p:txBody>
+          <a:bodyPr wrap="none">
+            <a:spAutoFit/>
+          </a:bodyPr>
+          <a:lstStyle/>
+          <a:p>
+            <a:r>
+              <a:rPr lang="en-US" altLang="zh-CN" dirty="0">
+                <a:solidFill>
+                  <a:srgbClr val="00796B"/>
+                </a:solidFill>
+                <a:latin typeface="Monaco"/>
+              </a:rPr>
+              <a:t>@</a:t>
+            </a:r>
+            <a:r>
+              <a:rPr lang="en-US" altLang="zh-CN" dirty="0" err="1">
+                <a:solidFill>
+                  <a:srgbClr val="00796B"/>
+                </a:solidFill>
+                <a:latin typeface="Monaco"/>
+              </a:rPr>
+              <a:t>NgModule</a:t>
+            </a:r>
+            <a:endParaRPr lang="zh-CN" altLang="en-US" dirty="0"/>
+          </a:p>
+        </p:txBody>
+      </p:sp>
+      <p:sp>
+        <p:nvSpPr>
+          <p:cNvPr id="2" name="矩形 1"/>
+          <p:cNvSpPr/>
+          <p:nvPr/>
+        </p:nvSpPr>
+        <p:spPr>
+          <a:xfrm>
+            <a:off x="1510352" y="1755805"/>
+            <a:ext cx="10681648" cy="369332"/>
+          </a:xfrm>
+          <a:prstGeom prst="rect">
+            <a:avLst/>
+          </a:prstGeom>
+        </p:spPr>
+        <p:txBody>
+          <a:bodyPr wrap="square">
+            <a:spAutoFit/>
+          </a:bodyPr>
+          <a:lstStyle/>
+          <a:p>
+            <a:r>
+              <a:rPr lang="zh-CN" altLang="en-US" dirty="0">
+                <a:solidFill>
+                  <a:srgbClr val="455A64"/>
+                </a:solidFill>
+                <a:latin typeface="Helvetica Neue"/>
+              </a:rPr>
+              <a:t>装饰器是一个</a:t>
+            </a:r>
+            <a:r>
+              <a:rPr lang="zh-CN" altLang="en-US" b="1" dirty="0">
+                <a:solidFill>
+                  <a:srgbClr val="455A64"/>
+                </a:solidFill>
+                <a:latin typeface="Helvetica Neue"/>
+              </a:rPr>
+              <a:t>函数</a:t>
+            </a:r>
+            <a:r>
+              <a:rPr lang="zh-CN" altLang="en-US" dirty="0">
+                <a:solidFill>
+                  <a:srgbClr val="455A64"/>
+                </a:solidFill>
+                <a:latin typeface="Helvetica Neue"/>
+              </a:rPr>
+              <a:t>，它将元数据添加到类、类成员（属性、方法）和函数参数。</a:t>
+            </a:r>
+            <a:endParaRPr lang="zh-CN" altLang="en-US" dirty="0"/>
+          </a:p>
+        </p:txBody>
+      </p:sp>
+      <p:sp>
+        <p:nvSpPr>
+          <p:cNvPr id="5" name="矩形 4"/>
+          <p:cNvSpPr/>
+          <p:nvPr/>
+        </p:nvSpPr>
+        <p:spPr>
+          <a:xfrm>
+            <a:off x="1457164" y="3006682"/>
+            <a:ext cx="1354858" cy="369332"/>
+          </a:xfrm>
+          <a:prstGeom prst="rect">
+            <a:avLst/>
+          </a:prstGeom>
+        </p:spPr>
+        <p:txBody>
+          <a:bodyPr wrap="none">
+            <a:spAutoFit/>
+          </a:bodyPr>
+          <a:lstStyle/>
+          <a:p>
+            <a:r>
+              <a:rPr lang="en-US" altLang="zh-CN" b="1" dirty="0">
+                <a:solidFill>
+                  <a:srgbClr val="0097A7"/>
+                </a:solidFill>
+                <a:latin typeface="Monaco"/>
+              </a:rPr>
+              <a:t>@Component</a:t>
+            </a:r>
+            <a:endParaRPr lang="zh-CN" altLang="en-US" dirty="0"/>
+          </a:p>
+        </p:txBody>
+      </p:sp>
+      <p:sp>
+        <p:nvSpPr>
+          <p:cNvPr id="7" name="矩形 6"/>
+          <p:cNvSpPr/>
+          <p:nvPr/>
+        </p:nvSpPr>
+        <p:spPr>
+          <a:xfrm>
+            <a:off x="1457164" y="3594379"/>
+            <a:ext cx="1454244" cy="369332"/>
+          </a:xfrm>
+          <a:prstGeom prst="rect">
+            <a:avLst/>
+          </a:prstGeom>
+        </p:spPr>
+        <p:txBody>
+          <a:bodyPr wrap="none">
+            <a:spAutoFit/>
+          </a:bodyPr>
+          <a:lstStyle/>
+          <a:p>
+            <a:r>
+              <a:rPr lang="en-US" altLang="zh-CN" dirty="0">
+                <a:solidFill>
+                  <a:srgbClr val="546E7A"/>
+                </a:solidFill>
+                <a:latin typeface="Helvetica Neue"/>
+              </a:rPr>
+              <a:t>@Injectable</a:t>
+            </a:r>
+            <a:endParaRPr lang="zh-CN" altLang="en-US" dirty="0"/>
+          </a:p>
+        </p:txBody>
+      </p:sp>
+      <p:sp>
+        <p:nvSpPr>
+          <p:cNvPr id="8" name="矩形 7"/>
+          <p:cNvSpPr/>
+          <p:nvPr/>
+        </p:nvSpPr>
+        <p:spPr>
+          <a:xfrm>
+            <a:off x="1457164" y="4182076"/>
+            <a:ext cx="769763" cy="369332"/>
+          </a:xfrm>
+          <a:prstGeom prst="rect">
+            <a:avLst/>
+          </a:prstGeom>
+        </p:spPr>
+        <p:txBody>
+          <a:bodyPr wrap="none">
+            <a:spAutoFit/>
+          </a:bodyPr>
+          <a:lstStyle/>
+          <a:p>
+            <a:r>
+              <a:rPr lang="en-US" altLang="zh-CN" b="1" dirty="0">
+                <a:solidFill>
+                  <a:srgbClr val="00796B"/>
+                </a:solidFill>
+                <a:latin typeface="Monaco"/>
+              </a:rPr>
+              <a:t>@Pipe</a:t>
+            </a:r>
+            <a:endParaRPr lang="zh-CN" altLang="en-US" dirty="0"/>
+          </a:p>
+        </p:txBody>
+      </p:sp>
+      <p:sp>
+        <p:nvSpPr>
+          <p:cNvPr id="9" name="矩形 8"/>
+          <p:cNvSpPr/>
+          <p:nvPr/>
+        </p:nvSpPr>
+        <p:spPr>
+          <a:xfrm>
+            <a:off x="1332931" y="4769773"/>
+            <a:ext cx="1471878" cy="369332"/>
+          </a:xfrm>
+          <a:prstGeom prst="rect">
+            <a:avLst/>
+          </a:prstGeom>
+        </p:spPr>
+        <p:txBody>
+          <a:bodyPr wrap="none">
+            <a:spAutoFit/>
+          </a:bodyPr>
+          <a:lstStyle/>
+          <a:p>
+            <a:r>
+              <a:rPr lang="en-US" altLang="zh-CN" b="1" dirty="0">
+                <a:solidFill>
+                  <a:srgbClr val="00796B"/>
+                </a:solidFill>
+                <a:latin typeface="Monaco"/>
+              </a:rPr>
+              <a:t> @Directive</a:t>
+            </a:r>
+            <a:endParaRPr lang="zh-CN" altLang="en-US" dirty="0"/>
+          </a:p>
+        </p:txBody>
+      </p:sp>
+      <p:sp>
+        <p:nvSpPr>
+          <p:cNvPr id="12" name="矩形 11"/>
+          <p:cNvSpPr/>
+          <p:nvPr/>
+        </p:nvSpPr>
+        <p:spPr>
+          <a:xfrm>
+            <a:off x="124233" y="2418985"/>
+            <a:ext cx="1114408" cy="369332"/>
+          </a:xfrm>
+          <a:prstGeom prst="rect">
+            <a:avLst/>
+          </a:prstGeom>
+        </p:spPr>
+        <p:txBody>
+          <a:bodyPr wrap="none">
+            <a:spAutoFit/>
+          </a:bodyPr>
+          <a:lstStyle/>
+          <a:p>
+            <a:pPr latinLnBrk="1"/>
+            <a:r>
+              <a:rPr lang="zh-CN" altLang="en-US" b="1" dirty="0">
+                <a:solidFill>
+                  <a:srgbClr val="333333"/>
+                </a:solidFill>
+                <a:latin typeface="RobotoRegular"/>
+              </a:rPr>
+              <a:t>类装饰器</a:t>
+            </a:r>
+            <a:endParaRPr lang="zh-CN" altLang="en-US" b="1" i="0" dirty="0">
+              <a:solidFill>
+                <a:srgbClr val="333333"/>
+              </a:solidFill>
+              <a:effectLst/>
+              <a:latin typeface="RobotoRegular"/>
+            </a:endParaRPr>
+          </a:p>
+        </p:txBody>
+      </p:sp>
+    </p:spTree>
+    <p:extLst>
+      <p:ext uri="{BB962C8B-B14F-4D97-AF65-F5344CB8AC3E}">
+        <p14:creationId xmlns:p14="http://schemas.microsoft.com/office/powerpoint/2010/main" val="2057613772"/>
+      </p:ext>
+    </p:extLst>
+  </p:cSld>
+  <p:clrMapOvr>
+    <a:masterClrMapping/>
+  </p:clrMapOvr>
+</p:sld>
+</file>
+
+<file path=ppt/slides/slide3.xml><?xml version="1.0" encoding="utf-8"?>
+<p:sld xmlns:a="http://schemas.openxmlformats.org/drawingml/2006/main" xmlns:r="http://schemas.openxmlformats.org/officeDocument/2006/relationships" xmlns:p="http://schemas.openxmlformats.org/presentationml/2006/main">
+  <p:cSld>
+    <p:spTree>
+      <p:nvGrpSpPr>
+        <p:cNvPr id="1" name=""/>
+        <p:cNvGrpSpPr/>
+        <p:nvPr/>
+      </p:nvGrpSpPr>
+      <p:grpSpPr>
+        <a:xfrm>
+          <a:off x="0" y="0"/>
+          <a:ext cx="0" cy="0"/>
+          <a:chOff x="0" y="0"/>
+          <a:chExt cx="0" cy="0"/>
+        </a:xfrm>
+      </p:grpSpPr>
+      <p:sp>
+        <p:nvSpPr>
+          <p:cNvPr id="10" name="矩形 9"/>
+          <p:cNvSpPr/>
+          <p:nvPr/>
+        </p:nvSpPr>
+        <p:spPr>
+          <a:xfrm>
+            <a:off x="1602420" y="144026"/>
+            <a:ext cx="6096000" cy="2862322"/>
+          </a:xfrm>
+          <a:prstGeom prst="rect">
+            <a:avLst/>
+          </a:prstGeom>
+        </p:spPr>
+        <p:txBody>
+          <a:bodyPr>
+            <a:spAutoFit/>
+          </a:bodyPr>
+          <a:lstStyle/>
+          <a:p>
+            <a:r>
+              <a:rPr lang="en-US" altLang="zh-CN" b="1" dirty="0">
+                <a:solidFill>
+                  <a:srgbClr val="546E7A"/>
+                </a:solidFill>
+                <a:latin typeface="Roboto"/>
+              </a:rPr>
+              <a:t>  </a:t>
+            </a:r>
+            <a:endParaRPr lang="en-US" altLang="zh-CN" b="1" dirty="0" smtClean="0">
+              <a:solidFill>
+                <a:srgbClr val="546E7A"/>
+              </a:solidFill>
+              <a:latin typeface="Roboto"/>
+            </a:endParaRPr>
+          </a:p>
+          <a:p>
+            <a:r>
+              <a:rPr lang="en-US" altLang="zh-CN" b="1" dirty="0" smtClean="0">
+                <a:solidFill>
+                  <a:srgbClr val="546E7A"/>
+                </a:solidFill>
+                <a:latin typeface="Roboto"/>
+              </a:rPr>
+              <a:t>@</a:t>
+            </a:r>
+            <a:r>
+              <a:rPr lang="en-US" altLang="zh-CN" b="1" dirty="0">
+                <a:solidFill>
+                  <a:srgbClr val="546E7A"/>
+                </a:solidFill>
+                <a:latin typeface="Roboto"/>
+              </a:rPr>
+              <a:t>Input() </a:t>
+            </a:r>
+            <a:endParaRPr lang="en-US" altLang="zh-CN" b="1" dirty="0" smtClean="0">
+              <a:solidFill>
+                <a:srgbClr val="546E7A"/>
+              </a:solidFill>
+              <a:latin typeface="Roboto"/>
+            </a:endParaRPr>
+          </a:p>
+          <a:p>
+            <a:endParaRPr lang="en-US" altLang="zh-CN" b="1" dirty="0">
+              <a:solidFill>
+                <a:srgbClr val="546E7A"/>
+              </a:solidFill>
+              <a:latin typeface="Roboto"/>
+            </a:endParaRPr>
+          </a:p>
+          <a:p>
+            <a:r>
+              <a:rPr lang="en-US" altLang="zh-CN" b="1" dirty="0" smtClean="0">
+                <a:solidFill>
+                  <a:srgbClr val="546E7A"/>
+                </a:solidFill>
+                <a:latin typeface="Roboto"/>
+              </a:rPr>
+              <a:t>@</a:t>
+            </a:r>
+            <a:r>
+              <a:rPr lang="en-US" altLang="zh-CN" b="1" dirty="0">
+                <a:solidFill>
+                  <a:srgbClr val="546E7A"/>
+                </a:solidFill>
+                <a:latin typeface="Roboto"/>
+              </a:rPr>
+              <a:t>Output() </a:t>
+            </a:r>
+            <a:endParaRPr lang="en-US" altLang="zh-CN" b="1" dirty="0" smtClean="0">
+              <a:solidFill>
+                <a:srgbClr val="546E7A"/>
+              </a:solidFill>
+              <a:latin typeface="Roboto"/>
+            </a:endParaRPr>
+          </a:p>
+          <a:p>
+            <a:endParaRPr lang="en-US" altLang="zh-CN" b="1" dirty="0">
+              <a:solidFill>
+                <a:srgbClr val="546E7A"/>
+              </a:solidFill>
+              <a:latin typeface="Roboto"/>
+            </a:endParaRPr>
+          </a:p>
+          <a:p>
+            <a:r>
+              <a:rPr lang="en-US" altLang="zh-CN" b="1" dirty="0" smtClean="0">
+                <a:solidFill>
+                  <a:srgbClr val="546E7A"/>
+                </a:solidFill>
+                <a:latin typeface="Roboto"/>
+              </a:rPr>
+              <a:t>@</a:t>
+            </a:r>
+            <a:r>
+              <a:rPr lang="en-US" altLang="zh-CN" b="1" dirty="0" err="1">
+                <a:solidFill>
+                  <a:srgbClr val="546E7A"/>
+                </a:solidFill>
+                <a:latin typeface="Roboto"/>
+              </a:rPr>
+              <a:t>HostBinding</a:t>
+            </a:r>
+            <a:r>
+              <a:rPr lang="en-US" altLang="zh-CN" b="1" dirty="0">
+                <a:solidFill>
+                  <a:srgbClr val="546E7A"/>
+                </a:solidFill>
+                <a:latin typeface="Roboto"/>
+              </a:rPr>
+              <a:t> </a:t>
+            </a:r>
+            <a:endParaRPr lang="en-US" altLang="zh-CN" b="1" dirty="0" smtClean="0">
+              <a:solidFill>
+                <a:srgbClr val="546E7A"/>
+              </a:solidFill>
+              <a:latin typeface="Roboto"/>
+            </a:endParaRPr>
+          </a:p>
+          <a:p>
+            <a:endParaRPr lang="en-US" altLang="zh-CN" b="1" dirty="0">
+              <a:solidFill>
+                <a:srgbClr val="546E7A"/>
+              </a:solidFill>
+              <a:latin typeface="Roboto"/>
+            </a:endParaRPr>
+          </a:p>
+          <a:p>
+            <a:r>
+              <a:rPr lang="en-US" altLang="zh-CN" b="1" dirty="0" smtClean="0">
+                <a:solidFill>
+                  <a:srgbClr val="546E7A"/>
+                </a:solidFill>
+                <a:latin typeface="Roboto"/>
+              </a:rPr>
+              <a:t>@</a:t>
+            </a:r>
+            <a:r>
+              <a:rPr lang="en-US" altLang="zh-CN" b="1" dirty="0" err="1">
+                <a:solidFill>
+                  <a:srgbClr val="546E7A"/>
+                </a:solidFill>
+                <a:latin typeface="Roboto"/>
+              </a:rPr>
+              <a:t>HostListener</a:t>
+            </a:r>
+            <a:r>
+              <a:rPr lang="en-US" altLang="zh-CN" b="1" dirty="0">
+                <a:solidFill>
+                  <a:srgbClr val="546E7A"/>
+                </a:solidFill>
+                <a:latin typeface="Roboto"/>
+              </a:rPr>
+              <a:t> </a:t>
+            </a:r>
+            <a:endParaRPr lang="en-US" altLang="zh-CN" b="1" dirty="0" smtClean="0">
+              <a:solidFill>
+                <a:srgbClr val="546E7A"/>
+              </a:solidFill>
+              <a:latin typeface="Roboto"/>
+            </a:endParaRPr>
+          </a:p>
+          <a:p>
+            <a:endParaRPr lang="en-US" altLang="zh-CN" b="1" dirty="0">
+              <a:solidFill>
+                <a:srgbClr val="546E7A"/>
+              </a:solidFill>
+              <a:latin typeface="Roboto"/>
+            </a:endParaRPr>
+          </a:p>
+          <a:p>
+            <a:r>
+              <a:rPr lang="en-US" altLang="zh-CN" b="1" dirty="0" smtClean="0">
+                <a:solidFill>
+                  <a:srgbClr val="546E7A"/>
+                </a:solidFill>
+                <a:latin typeface="Roboto"/>
+              </a:rPr>
+              <a:t>@</a:t>
+            </a:r>
+            <a:r>
+              <a:rPr lang="en-US" altLang="zh-CN" b="1" dirty="0" err="1">
+                <a:solidFill>
+                  <a:srgbClr val="546E7A"/>
+                </a:solidFill>
+                <a:latin typeface="Roboto"/>
+              </a:rPr>
+              <a:t>ContentChild</a:t>
+            </a:r>
+            <a:endParaRPr lang="zh-CN" altLang="en-US" dirty="0"/>
+          </a:p>
+        </p:txBody>
+      </p:sp>
+      <p:sp>
+        <p:nvSpPr>
+          <p:cNvPr id="11" name="矩形 10"/>
+          <p:cNvSpPr/>
+          <p:nvPr/>
+        </p:nvSpPr>
+        <p:spPr>
+          <a:xfrm>
+            <a:off x="255576" y="439053"/>
+            <a:ext cx="1346844" cy="369332"/>
+          </a:xfrm>
+          <a:prstGeom prst="rect">
+            <a:avLst/>
+          </a:prstGeom>
+        </p:spPr>
+        <p:txBody>
+          <a:bodyPr wrap="none">
+            <a:spAutoFit/>
+          </a:bodyPr>
+          <a:lstStyle/>
+          <a:p>
+            <a:pPr latinLnBrk="1"/>
+            <a:r>
+              <a:rPr lang="zh-CN" altLang="en-US" b="1" dirty="0">
+                <a:solidFill>
+                  <a:srgbClr val="333333"/>
+                </a:solidFill>
+                <a:latin typeface="RobotoRegular"/>
+              </a:rPr>
+              <a:t>属性装饰器</a:t>
+            </a:r>
+            <a:endParaRPr lang="zh-CN" altLang="en-US" b="1" i="0" dirty="0">
+              <a:solidFill>
+                <a:srgbClr val="333333"/>
+              </a:solidFill>
+              <a:effectLst/>
+              <a:latin typeface="RobotoRegular"/>
+            </a:endParaRPr>
+          </a:p>
+        </p:txBody>
+      </p:sp>
+      <p:sp>
+        <p:nvSpPr>
+          <p:cNvPr id="13" name="矩形 12"/>
+          <p:cNvSpPr/>
+          <p:nvPr/>
+        </p:nvSpPr>
+        <p:spPr>
+          <a:xfrm>
+            <a:off x="255576" y="3301375"/>
+            <a:ext cx="1346844" cy="369332"/>
+          </a:xfrm>
+          <a:prstGeom prst="rect">
+            <a:avLst/>
+          </a:prstGeom>
+        </p:spPr>
+        <p:txBody>
+          <a:bodyPr wrap="none">
+            <a:spAutoFit/>
+          </a:bodyPr>
+          <a:lstStyle/>
+          <a:p>
+            <a:pPr latinLnBrk="1"/>
+            <a:r>
+              <a:rPr lang="zh-CN" altLang="en-US" b="1" dirty="0">
+                <a:solidFill>
+                  <a:srgbClr val="333333"/>
+                </a:solidFill>
+                <a:latin typeface="RobotoRegular"/>
+              </a:rPr>
+              <a:t>参数装饰器</a:t>
+            </a:r>
+            <a:endParaRPr lang="zh-CN" altLang="en-US" b="1" i="0" dirty="0">
+              <a:solidFill>
+                <a:srgbClr val="333333"/>
+              </a:solidFill>
+              <a:effectLst/>
+              <a:latin typeface="RobotoRegular"/>
+            </a:endParaRPr>
+          </a:p>
+        </p:txBody>
+      </p:sp>
+      <p:sp>
+        <p:nvSpPr>
+          <p:cNvPr id="14" name="矩形 13"/>
+          <p:cNvSpPr/>
+          <p:nvPr/>
+        </p:nvSpPr>
+        <p:spPr>
+          <a:xfrm>
+            <a:off x="1602420" y="3301375"/>
+            <a:ext cx="6096000" cy="3139321"/>
+          </a:xfrm>
+          <a:prstGeom prst="rect">
+            <a:avLst/>
+          </a:prstGeom>
+        </p:spPr>
+        <p:txBody>
+          <a:bodyPr>
+            <a:spAutoFit/>
+          </a:bodyPr>
+          <a:lstStyle/>
+          <a:p>
+            <a:pPr latinLnBrk="1"/>
+            <a:r>
+              <a:rPr lang="en-US" altLang="zh-CN" b="1" dirty="0">
+                <a:solidFill>
+                  <a:srgbClr val="333333"/>
+                </a:solidFill>
+                <a:latin typeface="RobotoRegular"/>
+              </a:rPr>
+              <a:t>@Inject</a:t>
+            </a:r>
+            <a:r>
+              <a:rPr lang="zh-CN" altLang="en-US" dirty="0">
+                <a:solidFill>
+                  <a:srgbClr val="333333"/>
+                </a:solidFill>
+                <a:latin typeface="RobotoRegular"/>
+              </a:rPr>
+              <a:t>指定依赖关系的参数装饰器</a:t>
+            </a:r>
+            <a:r>
+              <a:rPr lang="en-US" altLang="zh-CN" dirty="0">
+                <a:solidFill>
+                  <a:srgbClr val="333333"/>
+                </a:solidFill>
+                <a:latin typeface="RobotoRegular"/>
+              </a:rPr>
+              <a:t>(</a:t>
+            </a:r>
+            <a:r>
+              <a:rPr lang="zh-CN" altLang="en-US" dirty="0">
+                <a:solidFill>
+                  <a:srgbClr val="333333"/>
+                </a:solidFill>
+                <a:latin typeface="RobotoRegular"/>
+              </a:rPr>
+              <a:t>一般用来注入被标记</a:t>
+            </a:r>
+            <a:r>
+              <a:rPr lang="en-US" altLang="zh-CN" dirty="0">
+                <a:solidFill>
+                  <a:srgbClr val="333333"/>
+                </a:solidFill>
+                <a:latin typeface="RobotoRegular"/>
+              </a:rPr>
+              <a:t>Injectable</a:t>
+            </a:r>
+            <a:r>
+              <a:rPr lang="zh-CN" altLang="en-US" dirty="0">
+                <a:solidFill>
+                  <a:srgbClr val="333333"/>
+                </a:solidFill>
+                <a:latin typeface="RobotoRegular"/>
+              </a:rPr>
+              <a:t>的类</a:t>
+            </a:r>
+            <a:r>
+              <a:rPr lang="en-US" altLang="zh-CN" dirty="0" smtClean="0">
+                <a:solidFill>
+                  <a:srgbClr val="333333"/>
+                </a:solidFill>
+                <a:latin typeface="RobotoRegular"/>
+              </a:rPr>
+              <a:t>)</a:t>
+            </a:r>
+          </a:p>
+          <a:p>
+            <a:pPr latinLnBrk="1"/>
+            <a:endParaRPr lang="en-US" altLang="zh-CN" dirty="0">
+              <a:solidFill>
+                <a:srgbClr val="333333"/>
+              </a:solidFill>
+              <a:latin typeface="RobotoRegular"/>
+            </a:endParaRPr>
+          </a:p>
+          <a:p>
+            <a:pPr latinLnBrk="1"/>
+            <a:r>
+              <a:rPr lang="en-US" altLang="zh-CN" b="1" dirty="0">
+                <a:solidFill>
+                  <a:srgbClr val="333333"/>
+                </a:solidFill>
+                <a:latin typeface="RobotoRegular"/>
+              </a:rPr>
+              <a:t>@Optional</a:t>
+            </a:r>
+            <a:r>
+              <a:rPr lang="zh-CN" altLang="en-US" dirty="0">
+                <a:solidFill>
+                  <a:srgbClr val="333333"/>
+                </a:solidFill>
+                <a:latin typeface="RobotoRegular"/>
+              </a:rPr>
+              <a:t>将依赖项标记为可选的参数元数据</a:t>
+            </a:r>
+            <a:r>
+              <a:rPr lang="en-US" altLang="zh-CN" dirty="0">
+                <a:solidFill>
+                  <a:srgbClr val="333333"/>
+                </a:solidFill>
+                <a:latin typeface="RobotoRegular"/>
+              </a:rPr>
+              <a:t>. </a:t>
+            </a:r>
+            <a:r>
+              <a:rPr lang="zh-CN" altLang="en-US" dirty="0">
+                <a:solidFill>
+                  <a:srgbClr val="333333"/>
+                </a:solidFill>
+                <a:latin typeface="RobotoRegular"/>
+              </a:rPr>
+              <a:t>如果没有找到依赖关系</a:t>
+            </a:r>
+            <a:r>
+              <a:rPr lang="en-US" altLang="zh-CN" dirty="0">
+                <a:solidFill>
+                  <a:srgbClr val="333333"/>
+                </a:solidFill>
+                <a:latin typeface="RobotoRegular"/>
+              </a:rPr>
+              <a:t>,</a:t>
+            </a:r>
+            <a:r>
+              <a:rPr lang="zh-CN" altLang="en-US" dirty="0">
+                <a:solidFill>
+                  <a:srgbClr val="333333"/>
+                </a:solidFill>
+                <a:latin typeface="RobotoRegular"/>
+              </a:rPr>
+              <a:t>注射器将提供</a:t>
+            </a:r>
+            <a:r>
+              <a:rPr lang="en-US" altLang="zh-CN" dirty="0" smtClean="0">
+                <a:solidFill>
+                  <a:srgbClr val="333333"/>
+                </a:solidFill>
+                <a:latin typeface="RobotoRegular"/>
+              </a:rPr>
+              <a:t>null</a:t>
+            </a:r>
+          </a:p>
+          <a:p>
+            <a:pPr latinLnBrk="1"/>
+            <a:endParaRPr lang="en-US" altLang="zh-CN" dirty="0">
+              <a:solidFill>
+                <a:srgbClr val="333333"/>
+              </a:solidFill>
+              <a:latin typeface="RobotoRegular"/>
+            </a:endParaRPr>
+          </a:p>
+          <a:p>
+            <a:pPr latinLnBrk="1"/>
+            <a:r>
+              <a:rPr lang="en-US" altLang="zh-CN" b="1" dirty="0">
+                <a:solidFill>
+                  <a:srgbClr val="333333"/>
+                </a:solidFill>
+                <a:latin typeface="RobotoRegular"/>
+              </a:rPr>
+              <a:t>@Self</a:t>
+            </a:r>
+            <a:r>
+              <a:rPr lang="zh-CN" altLang="en-US" dirty="0">
+                <a:solidFill>
+                  <a:srgbClr val="333333"/>
+                </a:solidFill>
+                <a:latin typeface="RobotoRegular"/>
+              </a:rPr>
+              <a:t>指定注射器只能从本身检索依赖</a:t>
+            </a:r>
+            <a:r>
+              <a:rPr lang="zh-CN" altLang="en-US" dirty="0" smtClean="0">
+                <a:solidFill>
+                  <a:srgbClr val="333333"/>
+                </a:solidFill>
+                <a:latin typeface="RobotoRegular"/>
+              </a:rPr>
+              <a:t>关系</a:t>
+            </a:r>
+            <a:endParaRPr lang="en-US" altLang="zh-CN" dirty="0" smtClean="0">
+              <a:solidFill>
+                <a:srgbClr val="333333"/>
+              </a:solidFill>
+              <a:latin typeface="RobotoRegular"/>
+            </a:endParaRPr>
+          </a:p>
+          <a:p>
+            <a:pPr latinLnBrk="1"/>
+            <a:endParaRPr lang="zh-CN" altLang="en-US" dirty="0">
+              <a:solidFill>
+                <a:srgbClr val="333333"/>
+              </a:solidFill>
+              <a:latin typeface="RobotoRegular"/>
+            </a:endParaRPr>
+          </a:p>
+          <a:p>
+            <a:pPr latinLnBrk="1"/>
+            <a:r>
+              <a:rPr lang="en-US" altLang="zh-CN" b="1" dirty="0">
+                <a:solidFill>
+                  <a:srgbClr val="333333"/>
+                </a:solidFill>
+                <a:latin typeface="RobotoRegular"/>
+              </a:rPr>
+              <a:t>@</a:t>
+            </a:r>
+            <a:r>
+              <a:rPr lang="en-US" altLang="zh-CN" b="1" dirty="0" err="1">
+                <a:solidFill>
+                  <a:srgbClr val="333333"/>
+                </a:solidFill>
+                <a:latin typeface="RobotoRegular"/>
+              </a:rPr>
+              <a:t>SkipSelf</a:t>
+            </a:r>
+            <a:r>
+              <a:rPr lang="zh-CN" altLang="en-US" dirty="0">
+                <a:solidFill>
+                  <a:srgbClr val="333333"/>
+                </a:solidFill>
+                <a:latin typeface="RobotoRegular"/>
+              </a:rPr>
+              <a:t>指定注射器只能从父类检索依赖</a:t>
+            </a:r>
+            <a:r>
+              <a:rPr lang="zh-CN" altLang="en-US" dirty="0" smtClean="0">
+                <a:solidFill>
+                  <a:srgbClr val="333333"/>
+                </a:solidFill>
+                <a:latin typeface="RobotoRegular"/>
+              </a:rPr>
+              <a:t>关系</a:t>
+            </a:r>
+            <a:endParaRPr lang="en-US" altLang="zh-CN" dirty="0" smtClean="0">
+              <a:solidFill>
+                <a:srgbClr val="333333"/>
+              </a:solidFill>
+              <a:latin typeface="RobotoRegular"/>
+            </a:endParaRPr>
+          </a:p>
+          <a:p>
+            <a:pPr latinLnBrk="1"/>
+            <a:endParaRPr lang="zh-CN" altLang="en-US" dirty="0">
+              <a:solidFill>
+                <a:srgbClr val="333333"/>
+              </a:solidFill>
+              <a:latin typeface="RobotoRegular"/>
+            </a:endParaRPr>
+          </a:p>
+          <a:p>
+            <a:pPr latinLnBrk="1"/>
+            <a:r>
+              <a:rPr lang="en-US" altLang="zh-CN" b="1" dirty="0">
+                <a:solidFill>
+                  <a:srgbClr val="333333"/>
+                </a:solidFill>
+                <a:latin typeface="RobotoRegular"/>
+              </a:rPr>
+              <a:t>@Host</a:t>
+            </a:r>
+            <a:r>
+              <a:rPr lang="zh-CN" altLang="en-US" dirty="0">
+                <a:solidFill>
+                  <a:srgbClr val="333333"/>
+                </a:solidFill>
+                <a:latin typeface="RobotoRegular"/>
+              </a:rPr>
+              <a:t>按照依赖关系来检索</a:t>
+            </a:r>
+            <a:endParaRPr lang="zh-CN" altLang="en-US" b="0" i="0" dirty="0">
+              <a:solidFill>
+                <a:srgbClr val="333333"/>
+              </a:solidFill>
+              <a:effectLst/>
+              <a:latin typeface="RobotoRegular"/>
+            </a:endParaRPr>
+          </a:p>
+        </p:txBody>
+      </p:sp>
+    </p:spTree>
+    <p:extLst>
+      <p:ext uri="{BB962C8B-B14F-4D97-AF65-F5344CB8AC3E}">
+        <p14:creationId xmlns:p14="http://schemas.microsoft.com/office/powerpoint/2010/main" val="1603350427"/>
+      </p:ext>
+    </p:extLst>
+  </p:cSld>
+  <p:clrMapOvr>
+    <a:masterClrMapping/>
+  </p:clrMapOvr>
+</p:sld>
+</file>
+
+<file path=ppt/slides/slide4.xml><?xml version="1.0" encoding="utf-8"?>
+<p:sld xmlns:a="http://schemas.openxmlformats.org/drawingml/2006/main" xmlns:r="http://schemas.openxmlformats.org/officeDocument/2006/relationships" xmlns:p="http://schemas.openxmlformats.org/presentationml/2006/main">
+  <p:cSld>
+    <p:spTree>
+      <p:nvGrpSpPr>
+        <p:cNvPr id="1" name=""/>
+        <p:cNvGrpSpPr/>
+        <p:nvPr/>
+      </p:nvGrpSpPr>
+      <p:grpSpPr>
+        <a:xfrm>
+          <a:off x="0" y="0"/>
+          <a:ext cx="0" cy="0"/>
+          <a:chOff x="0" y="0"/>
+          <a:chExt cx="0" cy="0"/>
+        </a:xfrm>
+      </p:grpSpPr>
+      <p:sp>
+        <p:nvSpPr>
+          <p:cNvPr id="6" name="矩形 5"/>
+          <p:cNvSpPr/>
+          <p:nvPr/>
+        </p:nvSpPr>
+        <p:spPr>
+          <a:xfrm>
+            <a:off x="277505" y="1973071"/>
+            <a:ext cx="11691582" cy="369332"/>
+          </a:xfrm>
+          <a:prstGeom prst="rect">
+            <a:avLst/>
+          </a:prstGeom>
+        </p:spPr>
+        <p:txBody>
+          <a:bodyPr wrap="square">
+            <a:spAutoFit/>
+          </a:bodyPr>
+          <a:lstStyle/>
+          <a:p>
+            <a:r>
+              <a:rPr lang="en-US" altLang="zh-CN" dirty="0"/>
+              <a:t>A </a:t>
+            </a:r>
+            <a:r>
+              <a:rPr lang="en-US" altLang="zh-CN" b="1" dirty="0"/>
+              <a:t>component</a:t>
+            </a:r>
+            <a:r>
+              <a:rPr lang="en-US" altLang="zh-CN" dirty="0"/>
+              <a:t> controls a patch of screen called a </a:t>
+            </a:r>
+            <a:r>
+              <a:rPr lang="en-US" altLang="zh-CN" b="1" dirty="0"/>
+              <a:t>view</a:t>
+            </a:r>
+            <a:r>
+              <a:rPr lang="en-US" altLang="zh-CN" dirty="0"/>
+              <a:t>.</a:t>
+            </a:r>
+            <a:endParaRPr lang="zh-CN" altLang="en-US" dirty="0"/>
+          </a:p>
+        </p:txBody>
+      </p:sp>
+      <p:sp>
+        <p:nvSpPr>
+          <p:cNvPr id="3" name="标题 2"/>
+          <p:cNvSpPr>
+            <a:spLocks noGrp="1"/>
+          </p:cNvSpPr>
+          <p:nvPr>
+            <p:ph type="ctrTitle"/>
+          </p:nvPr>
+        </p:nvSpPr>
+        <p:spPr>
+          <a:xfrm>
+            <a:off x="1291988" y="450376"/>
+            <a:ext cx="9144000" cy="1039718"/>
+          </a:xfrm>
+        </p:spPr>
+        <p:txBody>
+          <a:bodyPr/>
+          <a:lstStyle/>
+          <a:p>
+            <a:r>
+              <a:rPr lang="zh-CN" altLang="en-US" dirty="0"/>
+              <a:t>组件</a:t>
+            </a:r>
+          </a:p>
+        </p:txBody>
+      </p:sp>
+    </p:spTree>
+    <p:extLst>
+      <p:ext uri="{BB962C8B-B14F-4D97-AF65-F5344CB8AC3E}">
+        <p14:creationId xmlns:p14="http://schemas.microsoft.com/office/powerpoint/2010/main" val="344364158"/>
+      </p:ext>
+    </p:extLst>
+  </p:cSld>
+  <p:clrMapOvr>
+    <a:masterClrMapping/>
+  </p:clrMapOvr>
+</p:sld>
+</file>
+
+<file path=ppt/slides/slide5.xml><?xml version="1.0" encoding="utf-8"?>
+<p:sld xmlns:a="http://schemas.openxmlformats.org/drawingml/2006/main" xmlns:r="http://schemas.openxmlformats.org/officeDocument/2006/relationships" xmlns:p="http://schemas.openxmlformats.org/presentationml/2006/main">
+  <p:cSld>
+    <p:spTree>
+      <p:nvGrpSpPr>
+        <p:cNvPr id="1" name=""/>
+        <p:cNvGrpSpPr/>
+        <p:nvPr/>
+      </p:nvGrpSpPr>
+      <p:grpSpPr>
+        <a:xfrm>
+          <a:off x="0" y="0"/>
+          <a:ext cx="0" cy="0"/>
+          <a:chOff x="0" y="0"/>
+          <a:chExt cx="0" cy="0"/>
+        </a:xfrm>
+      </p:grpSpPr>
+      <p:sp>
+        <p:nvSpPr>
+          <p:cNvPr id="3" name="标题 2"/>
+          <p:cNvSpPr>
+            <a:spLocks noGrp="1"/>
+          </p:cNvSpPr>
+          <p:nvPr>
+            <p:ph type="ctrTitle"/>
+          </p:nvPr>
+        </p:nvSpPr>
+        <p:spPr>
+          <a:xfrm>
+            <a:off x="1291988" y="450376"/>
+            <a:ext cx="9144000" cy="1039718"/>
+          </a:xfrm>
+        </p:spPr>
+        <p:txBody>
+          <a:bodyPr/>
+          <a:lstStyle/>
+          <a:p>
+            <a:r>
+              <a:rPr lang="zh-CN" altLang="en-US" b="1" dirty="0"/>
+              <a:t>元数据</a:t>
+            </a:r>
+          </a:p>
+        </p:txBody>
+      </p:sp>
+      <p:sp>
+        <p:nvSpPr>
+          <p:cNvPr id="2" name="矩形 1"/>
+          <p:cNvSpPr/>
+          <p:nvPr/>
+        </p:nvSpPr>
+        <p:spPr>
+          <a:xfrm>
+            <a:off x="919793" y="1620250"/>
+            <a:ext cx="5493812" cy="369332"/>
+          </a:xfrm>
+          <a:prstGeom prst="rect">
+            <a:avLst/>
+          </a:prstGeom>
+        </p:spPr>
+        <p:txBody>
+          <a:bodyPr wrap="none">
+            <a:spAutoFit/>
+          </a:bodyPr>
+          <a:lstStyle/>
+          <a:p>
+            <a:r>
+              <a:rPr lang="en-US" altLang="zh-CN" dirty="0">
+                <a:solidFill>
+                  <a:srgbClr val="546E7A"/>
+                </a:solidFill>
+                <a:latin typeface="Helvetica Neue"/>
+              </a:rPr>
+              <a:t>Metadata tells Angular how to process a class.</a:t>
+            </a:r>
+            <a:endParaRPr lang="zh-CN" altLang="en-US" dirty="0"/>
+          </a:p>
+        </p:txBody>
+      </p:sp>
+      <p:sp>
+        <p:nvSpPr>
+          <p:cNvPr id="4" name="矩形 3"/>
+          <p:cNvSpPr/>
+          <p:nvPr/>
+        </p:nvSpPr>
+        <p:spPr>
+          <a:xfrm>
+            <a:off x="902606" y="2119738"/>
+            <a:ext cx="11021998" cy="369332"/>
+          </a:xfrm>
+          <a:prstGeom prst="rect">
+            <a:avLst/>
+          </a:prstGeom>
+        </p:spPr>
+        <p:txBody>
+          <a:bodyPr wrap="square">
+            <a:spAutoFit/>
+          </a:bodyPr>
+          <a:lstStyle/>
+          <a:p>
+            <a:r>
+              <a:rPr lang="en-US" altLang="zh-CN" dirty="0">
+                <a:solidFill>
+                  <a:srgbClr val="546E7A"/>
+                </a:solidFill>
+                <a:latin typeface="Helvetica Neue"/>
+              </a:rPr>
+              <a:t>In </a:t>
+            </a:r>
+            <a:r>
+              <a:rPr lang="en-US" altLang="zh-CN" dirty="0" err="1">
+                <a:solidFill>
+                  <a:srgbClr val="546E7A"/>
+                </a:solidFill>
+                <a:latin typeface="Helvetica Neue"/>
+              </a:rPr>
+              <a:t>TypeScript</a:t>
+            </a:r>
+            <a:r>
+              <a:rPr lang="en-US" altLang="zh-CN" dirty="0">
+                <a:solidFill>
+                  <a:srgbClr val="546E7A"/>
+                </a:solidFill>
+                <a:latin typeface="Helvetica Neue"/>
+              </a:rPr>
+              <a:t>, you attach metadata by using a </a:t>
+            </a:r>
+            <a:r>
+              <a:rPr lang="en-US" altLang="zh-CN" b="1" dirty="0">
+                <a:solidFill>
+                  <a:srgbClr val="546E7A"/>
+                </a:solidFill>
+                <a:latin typeface="Helvetica Neue"/>
+              </a:rPr>
+              <a:t>decorator</a:t>
+            </a:r>
+            <a:r>
+              <a:rPr lang="en-US" altLang="zh-CN" dirty="0">
+                <a:solidFill>
+                  <a:srgbClr val="546E7A"/>
+                </a:solidFill>
+                <a:latin typeface="Helvetica Neue"/>
+              </a:rPr>
+              <a:t>. </a:t>
+            </a:r>
+            <a:endParaRPr lang="zh-CN" altLang="en-US" dirty="0"/>
+          </a:p>
+        </p:txBody>
+      </p:sp>
+    </p:spTree>
+    <p:extLst>
+      <p:ext uri="{BB962C8B-B14F-4D97-AF65-F5344CB8AC3E}">
+        <p14:creationId xmlns:p14="http://schemas.microsoft.com/office/powerpoint/2010/main" val="982976595"/>
+      </p:ext>
+    </p:extLst>
+  </p:cSld>
+  <p:clrMapOvr>
+    <a:masterClrMapping/>
+  </p:clrMapOvr>
+</p:sld>
+</file>
+
+<file path=ppt/slides/slide6.xml><?xml version="1.0" encoding="utf-8"?>
+<p:sld xmlns:a="http://schemas.openxmlformats.org/drawingml/2006/main" xmlns:r="http://schemas.openxmlformats.org/officeDocument/2006/relationships" xmlns:p="http://schemas.openxmlformats.org/presentationml/2006/main">
+  <p:cSld>
+    <p:bg>
+      <p:bgPr>
+        <a:noFill/>
+        <a:effectLst/>
+      </p:bgPr>
+    </p:bg>
+    <p:spTree>
+      <p:nvGrpSpPr>
+        <p:cNvPr id="1" name=""/>
+        <p:cNvGrpSpPr/>
+        <p:nvPr/>
+      </p:nvGrpSpPr>
+      <p:grpSpPr>
+        <a:xfrm>
+          <a:off x="0" y="0"/>
+          <a:ext cx="0" cy="0"/>
+          <a:chOff x="0" y="0"/>
+          <a:chExt cx="0" cy="0"/>
+        </a:xfrm>
+      </p:grpSpPr>
+      <p:sp>
+        <p:nvSpPr>
+          <p:cNvPr id="3" name="标题 2"/>
+          <p:cNvSpPr>
+            <a:spLocks noGrp="1"/>
+          </p:cNvSpPr>
+          <p:nvPr>
+            <p:ph type="ctrTitle"/>
+          </p:nvPr>
+        </p:nvSpPr>
+        <p:spPr>
+          <a:xfrm>
+            <a:off x="1291988" y="450376"/>
+            <a:ext cx="9144000" cy="1039718"/>
+          </a:xfrm>
+        </p:spPr>
+        <p:txBody>
+          <a:bodyPr/>
+          <a:lstStyle/>
+          <a:p>
+            <a:r>
+              <a:rPr lang="zh-CN" altLang="en-US" b="1" dirty="0"/>
+              <a:t>数据绑定</a:t>
+            </a:r>
+          </a:p>
+        </p:txBody>
+      </p:sp>
+      <p:sp>
+        <p:nvSpPr>
+          <p:cNvPr id="6" name="矩形 5"/>
+          <p:cNvSpPr/>
+          <p:nvPr/>
+        </p:nvSpPr>
+        <p:spPr>
+          <a:xfrm>
+            <a:off x="532263" y="1633898"/>
+            <a:ext cx="11423176" cy="369332"/>
+          </a:xfrm>
+          <a:prstGeom prst="rect">
+            <a:avLst/>
+          </a:prstGeom>
+        </p:spPr>
+        <p:txBody>
+          <a:bodyPr wrap="square">
+            <a:spAutoFit/>
+          </a:bodyPr>
+          <a:lstStyle/>
+          <a:p>
+            <a:r>
+              <a:rPr lang="en-US" altLang="zh-CN" b="1" dirty="0" smtClean="0">
+                <a:solidFill>
+                  <a:srgbClr val="1976D2"/>
+                </a:solidFill>
+                <a:latin typeface="Helvetica Neue"/>
+                <a:hlinkClick r:id="rId2"/>
+              </a:rPr>
+              <a:t>Interpolation</a:t>
+            </a:r>
+            <a:r>
+              <a:rPr lang="en-US" altLang="zh-CN" b="1" dirty="0" smtClean="0">
+                <a:solidFill>
+                  <a:srgbClr val="1976D2"/>
+                </a:solidFill>
+                <a:latin typeface="Helvetica Neue"/>
+              </a:rPr>
+              <a:t> - </a:t>
+            </a:r>
+            <a:r>
+              <a:rPr lang="zh-CN" altLang="en-US" b="1" dirty="0" smtClean="0">
+                <a:hlinkClick r:id="rId2"/>
+              </a:rPr>
+              <a:t>插值表达式</a:t>
+            </a:r>
+            <a:r>
+              <a:rPr lang="zh-CN" altLang="en-US" b="1" dirty="0" smtClean="0"/>
+              <a:t>  </a:t>
+            </a:r>
+            <a:r>
+              <a:rPr lang="en-US" altLang="zh-CN" dirty="0" smtClean="0">
+                <a:solidFill>
+                  <a:srgbClr val="FF0000"/>
+                </a:solidFill>
+              </a:rPr>
+              <a:t>{{</a:t>
+            </a:r>
+            <a:r>
+              <a:rPr lang="en-US" altLang="zh-CN" dirty="0">
+                <a:solidFill>
+                  <a:srgbClr val="FF0000"/>
+                </a:solidFill>
+              </a:rPr>
+              <a:t>hero.name</a:t>
+            </a:r>
+            <a:r>
+              <a:rPr lang="en-US" altLang="zh-CN" dirty="0" smtClean="0">
+                <a:solidFill>
+                  <a:srgbClr val="FF0000"/>
+                </a:solidFill>
+              </a:rPr>
+              <a:t>}}</a:t>
+            </a:r>
+            <a:r>
+              <a:rPr lang="zh-CN" altLang="en-US" dirty="0" smtClean="0"/>
+              <a:t>， 显示值</a:t>
+            </a:r>
+            <a:endParaRPr lang="zh-CN" altLang="en-US" dirty="0"/>
+          </a:p>
+        </p:txBody>
+      </p:sp>
+      <p:sp>
+        <p:nvSpPr>
+          <p:cNvPr id="7" name="矩形 6"/>
+          <p:cNvSpPr/>
+          <p:nvPr/>
+        </p:nvSpPr>
+        <p:spPr>
+          <a:xfrm>
+            <a:off x="532263" y="2106091"/>
+            <a:ext cx="11423176" cy="369332"/>
+          </a:xfrm>
+          <a:prstGeom prst="rect">
+            <a:avLst/>
+          </a:prstGeom>
+        </p:spPr>
+        <p:txBody>
+          <a:bodyPr wrap="square">
+            <a:spAutoFit/>
+          </a:bodyPr>
+          <a:lstStyle/>
+          <a:p>
+            <a:r>
+              <a:rPr lang="en-US" altLang="zh-CN" dirty="0"/>
+              <a:t> </a:t>
+            </a:r>
+            <a:r>
+              <a:rPr lang="en-US" altLang="zh-CN" b="1" dirty="0">
+                <a:hlinkClick r:id="rId3"/>
+              </a:rPr>
+              <a:t>property binding</a:t>
+            </a:r>
+            <a:r>
+              <a:rPr lang="en-US" altLang="zh-CN" b="1" dirty="0" smtClean="0">
+                <a:solidFill>
+                  <a:srgbClr val="1976D2"/>
+                </a:solidFill>
+                <a:latin typeface="Helvetica Neue"/>
+              </a:rPr>
+              <a:t> -</a:t>
+            </a:r>
+            <a:r>
+              <a:rPr lang="zh-CN" altLang="en-US" b="1" dirty="0">
+                <a:hlinkClick r:id="rId3"/>
+              </a:rPr>
+              <a:t>属性</a:t>
+            </a:r>
+            <a:r>
+              <a:rPr lang="zh-CN" altLang="en-US" b="1" dirty="0" smtClean="0">
+                <a:hlinkClick r:id="rId3"/>
+              </a:rPr>
+              <a:t>绑定</a:t>
+            </a:r>
+            <a:r>
+              <a:rPr lang="zh-CN" altLang="en-US" b="1" dirty="0" smtClean="0"/>
+              <a:t> </a:t>
+            </a:r>
+            <a:r>
+              <a:rPr lang="zh-CN" altLang="en-US" b="1" dirty="0" smtClean="0">
+                <a:solidFill>
+                  <a:srgbClr val="FF0000"/>
+                </a:solidFill>
+              </a:rPr>
+              <a:t> </a:t>
+            </a:r>
+            <a:r>
+              <a:rPr lang="en-US" altLang="zh-CN" dirty="0" smtClean="0">
+                <a:solidFill>
+                  <a:srgbClr val="FF0000"/>
+                </a:solidFill>
+              </a:rPr>
+              <a:t>[</a:t>
+            </a:r>
+            <a:r>
+              <a:rPr lang="en-US" altLang="zh-CN" dirty="0">
+                <a:solidFill>
+                  <a:srgbClr val="FF0000"/>
+                </a:solidFill>
+              </a:rPr>
+              <a:t>hero</a:t>
+            </a:r>
+            <a:r>
+              <a:rPr lang="en-US" altLang="zh-CN" dirty="0" smtClean="0">
+                <a:solidFill>
+                  <a:srgbClr val="FF0000"/>
+                </a:solidFill>
+              </a:rPr>
+              <a:t>] </a:t>
+            </a:r>
+            <a:r>
+              <a:rPr lang="zh-CN" altLang="en-US" dirty="0" smtClean="0"/>
+              <a:t>， 把父组件的值传到子组件的属性中去</a:t>
+            </a:r>
+            <a:endParaRPr lang="zh-CN" altLang="en-US" dirty="0"/>
+          </a:p>
+        </p:txBody>
+      </p:sp>
+      <p:sp>
+        <p:nvSpPr>
+          <p:cNvPr id="9" name="矩形 8"/>
+          <p:cNvSpPr/>
+          <p:nvPr/>
+        </p:nvSpPr>
+        <p:spPr>
+          <a:xfrm>
+            <a:off x="532263" y="2578284"/>
+            <a:ext cx="11423176" cy="369332"/>
+          </a:xfrm>
+          <a:prstGeom prst="rect">
+            <a:avLst/>
+          </a:prstGeom>
+        </p:spPr>
+        <p:txBody>
+          <a:bodyPr wrap="square">
+            <a:spAutoFit/>
+          </a:bodyPr>
+          <a:lstStyle/>
+          <a:p>
+            <a:r>
+              <a:rPr lang="en-US" altLang="zh-CN" dirty="0"/>
+              <a:t>  </a:t>
+            </a:r>
+            <a:r>
+              <a:rPr lang="en-US" altLang="zh-CN" b="1" dirty="0">
+                <a:hlinkClick r:id="rId4"/>
+              </a:rPr>
+              <a:t>event </a:t>
+            </a:r>
+            <a:r>
+              <a:rPr lang="en-US" altLang="zh-CN" b="1" dirty="0" smtClean="0">
+                <a:hlinkClick r:id="rId4"/>
+              </a:rPr>
+              <a:t>binding</a:t>
+            </a:r>
+            <a:r>
+              <a:rPr lang="en-US" altLang="zh-CN" b="1" dirty="0" smtClean="0"/>
+              <a:t> </a:t>
+            </a:r>
+            <a:r>
+              <a:rPr lang="en-US" altLang="zh-CN" b="1" dirty="0" smtClean="0">
+                <a:solidFill>
+                  <a:srgbClr val="1976D2"/>
+                </a:solidFill>
+                <a:latin typeface="Helvetica Neue"/>
+              </a:rPr>
+              <a:t>-</a:t>
+            </a:r>
+            <a:r>
+              <a:rPr lang="zh-CN" altLang="en-US" b="1" dirty="0" smtClean="0">
+                <a:hlinkClick r:id="rId3"/>
+              </a:rPr>
+              <a:t>事件绑定</a:t>
+            </a:r>
+            <a:r>
+              <a:rPr lang="zh-CN" altLang="en-US" b="1" dirty="0" smtClean="0"/>
+              <a:t>  </a:t>
+            </a:r>
+            <a:r>
+              <a:rPr lang="en-US" altLang="zh-CN" dirty="0" smtClean="0">
+                <a:solidFill>
+                  <a:srgbClr val="FF0000"/>
+                </a:solidFill>
+              </a:rPr>
+              <a:t>(</a:t>
+            </a:r>
+            <a:r>
+              <a:rPr lang="en-US" altLang="zh-CN" dirty="0">
+                <a:solidFill>
+                  <a:srgbClr val="FF0000"/>
+                </a:solidFill>
+              </a:rPr>
+              <a:t>click)</a:t>
+            </a:r>
+            <a:r>
+              <a:rPr lang="zh-CN" altLang="en-US" dirty="0" smtClean="0"/>
+              <a:t>， 调用组件方法</a:t>
+            </a:r>
+            <a:endParaRPr lang="zh-CN" altLang="en-US" dirty="0"/>
+          </a:p>
+        </p:txBody>
+      </p:sp>
+      <p:sp>
+        <p:nvSpPr>
+          <p:cNvPr id="10" name="矩形 9"/>
+          <p:cNvSpPr/>
+          <p:nvPr/>
+        </p:nvSpPr>
+        <p:spPr>
+          <a:xfrm>
+            <a:off x="532263" y="3050477"/>
+            <a:ext cx="11423176" cy="369332"/>
+          </a:xfrm>
+          <a:prstGeom prst="rect">
+            <a:avLst/>
+          </a:prstGeom>
+        </p:spPr>
+        <p:txBody>
+          <a:bodyPr wrap="square">
+            <a:spAutoFit/>
+          </a:bodyPr>
+          <a:lstStyle/>
+          <a:p>
+            <a:r>
+              <a:rPr lang="en-US" altLang="zh-CN" dirty="0"/>
+              <a:t>  </a:t>
+            </a:r>
+            <a:r>
+              <a:rPr lang="en-US" altLang="zh-CN" b="1" dirty="0"/>
+              <a:t>Two-way </a:t>
+            </a:r>
+            <a:r>
+              <a:rPr lang="en-US" altLang="zh-CN" b="1" dirty="0"/>
+              <a:t>data </a:t>
+            </a:r>
+            <a:r>
+              <a:rPr lang="en-US" altLang="zh-CN" b="1" dirty="0" smtClean="0"/>
+              <a:t>binding - </a:t>
+            </a:r>
+            <a:r>
+              <a:rPr lang="zh-CN" altLang="en-US" b="1" dirty="0" smtClean="0"/>
+              <a:t>双向</a:t>
+            </a:r>
+            <a:r>
+              <a:rPr lang="zh-CN" altLang="en-US" b="1" dirty="0"/>
+              <a:t>数据</a:t>
+            </a:r>
+            <a:r>
+              <a:rPr lang="zh-CN" altLang="en-US" b="1" dirty="0" smtClean="0"/>
+              <a:t>绑定 </a:t>
+            </a:r>
+            <a:r>
+              <a:rPr lang="en-US" altLang="zh-CN" b="1" dirty="0" smtClean="0"/>
+              <a:t>[</a:t>
+            </a:r>
+            <a:r>
+              <a:rPr lang="en-US" altLang="zh-CN" b="1" dirty="0"/>
+              <a:t>(</a:t>
+            </a:r>
+            <a:r>
+              <a:rPr lang="zh-CN" altLang="zh-CN" dirty="0" smtClean="0">
+                <a:solidFill>
+                  <a:srgbClr val="00796B"/>
+                </a:solidFill>
+                <a:latin typeface="Arial Unicode MS" panose="020B0604020202020204" pitchFamily="34" charset="-122"/>
+                <a:ea typeface="Monaco"/>
+              </a:rPr>
+              <a:t>ngModel</a:t>
+            </a:r>
+            <a:r>
+              <a:rPr lang="en-US" altLang="zh-CN" dirty="0" smtClean="0">
+                <a:solidFill>
+                  <a:srgbClr val="00796B"/>
+                </a:solidFill>
+                <a:latin typeface="Arial Unicode MS" panose="020B0604020202020204" pitchFamily="34" charset="-122"/>
+                <a:ea typeface="Monaco"/>
+              </a:rPr>
+              <a:t>)]</a:t>
+            </a:r>
+            <a:endParaRPr lang="zh-CN" altLang="en-US" dirty="0"/>
+          </a:p>
+        </p:txBody>
+      </p:sp>
+    </p:spTree>
+    <p:extLst>
+      <p:ext uri="{BB962C8B-B14F-4D97-AF65-F5344CB8AC3E}">
+        <p14:creationId xmlns:p14="http://schemas.microsoft.com/office/powerpoint/2010/main" val="4238728033"/>
+      </p:ext>
+    </p:extLst>
+  </p:cSld>
+  <p:clrMapOvr>
+    <a:masterClrMapping/>
+  </p:clrMapOvr>
+</p:sld>
+</file>
+
+<file path=ppt/slides/slide7.xml><?xml version="1.0" encoding="utf-8"?>
+<p:sld xmlns:a="http://schemas.openxmlformats.org/drawingml/2006/main" xmlns:r="http://schemas.openxmlformats.org/officeDocument/2006/relationships" xmlns:p="http://schemas.openxmlformats.org/presentationml/2006/main">
+  <p:cSld>
+    <p:spTree>
+      <p:nvGrpSpPr>
+        <p:cNvPr id="1" name=""/>
+        <p:cNvGrpSpPr/>
+        <p:nvPr/>
+      </p:nvGrpSpPr>
+      <p:grpSpPr>
+        <a:xfrm>
+          <a:off x="0" y="0"/>
+          <a:ext cx="0" cy="0"/>
+          <a:chOff x="0" y="0"/>
+          <a:chExt cx="0" cy="0"/>
+        </a:xfrm>
+      </p:grpSpPr>
+      <p:sp>
+        <p:nvSpPr>
+          <p:cNvPr id="3" name="标题 2"/>
+          <p:cNvSpPr>
+            <a:spLocks noGrp="1"/>
+          </p:cNvSpPr>
+          <p:nvPr>
+            <p:ph type="ctrTitle"/>
+          </p:nvPr>
+        </p:nvSpPr>
+        <p:spPr>
+          <a:xfrm>
+            <a:off x="1291988" y="450376"/>
+            <a:ext cx="9144000" cy="1039718"/>
+          </a:xfrm>
+        </p:spPr>
+        <p:txBody>
+          <a:bodyPr>
+            <a:normAutofit/>
+          </a:bodyPr>
+          <a:lstStyle/>
+          <a:p>
+            <a:r>
+              <a:rPr lang="zh-CN" altLang="en-US" dirty="0"/>
+              <a:t>模板语法</a:t>
+            </a:r>
+          </a:p>
+        </p:txBody>
+      </p:sp>
+      <p:sp>
+        <p:nvSpPr>
+          <p:cNvPr id="7" name="Rectangle 3"/>
+          <p:cNvSpPr>
+            <a:spLocks noChangeArrowheads="1"/>
+          </p:cNvSpPr>
+          <p:nvPr/>
+        </p:nvSpPr>
+        <p:spPr bwMode="auto">
+          <a:xfrm>
+            <a:off x="559558" y="1727553"/>
+            <a:ext cx="6346609" cy="523220"/>
+          </a:xfrm>
+          <a:prstGeom prst="rect">
+            <a:avLst/>
+          </a:prstGeom>
+          <a:noFill/>
+          <a:ln>
+            <a:noFill/>
+          </a:ln>
+          <a:effectLst/>
+          <a:extLst>
+            <a:ext uri="{909E8E84-426E-40DD-AFC4-6F175D3DCCD1}">
+              <a14:hiddenFill xmlns:a14="http://schemas.microsoft.com/office/drawing/2010/main">
+                <a:solidFill>
+                  <a:schemeClr val="accent1"/>
+                </a:solidFill>
+              </a14:hiddenFill>
+            </a:ext>
+            <a:ext uri="{91240B29-F687-4F45-9708-019B960494DF}">
+              <a14:hiddenLine xmlns:a14="http://schemas.microsoft.com/office/drawing/2010/main" w="9525">
+                <a:solidFill>
+                  <a:schemeClr val="tx1"/>
+                </a:solidFill>
+                <a:miter lim="800000"/>
+                <a:headEnd/>
+                <a:tailEnd/>
+              </a14:hiddenLine>
+            </a:ext>
+            <a:ext uri="{AF507438-7753-43E0-B8FC-AC1667EBCBE1}">
+              <a14:hiddenEffects xmlns:a14="http://schemas.microsoft.com/office/drawing/2010/main">
+                <a:effectLst>
+                  <a:outerShdw dist="35921" dir="2700000" algn="ctr" rotWithShape="0">
+                    <a:schemeClr val="bg2"/>
+                  </a:outerShdw>
+                </a:effectLst>
+              </a14:hiddenEffects>
+            </a:ext>
+          </a:extLst>
+        </p:spPr>
+        <p:txBody>
+          <a:bodyPr vert="horz" wrap="none" lIns="91440" tIns="45720" rIns="91440" bIns="45720" numCol="1" anchor="ctr" anchorCtr="0" compatLnSpc="1">
+            <a:prstTxWarp prst="textNoShape">
+              <a:avLst/>
+            </a:prstTxWarp>
+            <a:spAutoFit/>
+          </a:bodyPr>
+          <a:lstStyle>
+            <a:lvl1pPr eaLnBrk="0" fontAlgn="base" hangingPunct="0">
+              <a:spcBef>
+                <a:spcPct val="0"/>
+              </a:spcBef>
+              <a:spcAft>
+                <a:spcPct val="0"/>
+              </a:spcAft>
+              <a:defRPr>
+                <a:solidFill>
+                  <a:schemeClr val="tx1"/>
+                </a:solidFill>
+                <a:latin typeface="Arial" panose="020B0604020202020204" pitchFamily="34" charset="0"/>
+              </a:defRPr>
+            </a:lvl1pPr>
+            <a:lvl2pPr eaLnBrk="0" fontAlgn="base" hangingPunct="0">
+              <a:spcBef>
+                <a:spcPct val="0"/>
+              </a:spcBef>
+              <a:spcAft>
+                <a:spcPct val="0"/>
+              </a:spcAft>
+              <a:defRPr>
+                <a:solidFill>
+                  <a:schemeClr val="tx1"/>
+                </a:solidFill>
+                <a:latin typeface="Arial" panose="020B0604020202020204" pitchFamily="34" charset="0"/>
+              </a:defRPr>
+            </a:lvl2pPr>
+            <a:lvl3pPr eaLnBrk="0" fontAlgn="base" hangingPunct="0">
+              <a:spcBef>
+                <a:spcPct val="0"/>
+              </a:spcBef>
+              <a:spcAft>
+                <a:spcPct val="0"/>
+              </a:spcAft>
+              <a:defRPr>
+                <a:solidFill>
+                  <a:schemeClr val="tx1"/>
+                </a:solidFill>
+                <a:latin typeface="Arial" panose="020B0604020202020204" pitchFamily="34" charset="0"/>
+              </a:defRPr>
+            </a:lvl3pPr>
+            <a:lvl4pPr eaLnBrk="0" fontAlgn="base" hangingPunct="0">
+              <a:spcBef>
+                <a:spcPct val="0"/>
+              </a:spcBef>
+              <a:spcAft>
+                <a:spcPct val="0"/>
+              </a:spcAft>
+              <a:defRPr>
+                <a:solidFill>
+                  <a:schemeClr val="tx1"/>
+                </a:solidFill>
+                <a:latin typeface="Arial" panose="020B0604020202020204" pitchFamily="34" charset="0"/>
+              </a:defRPr>
+            </a:lvl4pPr>
+            <a:lvl5pPr eaLnBrk="0" fontAlgn="base" hangingPunct="0">
+              <a:spcBef>
+                <a:spcPct val="0"/>
+              </a:spcBef>
+              <a:spcAft>
+                <a:spcPct val="0"/>
+              </a:spcAft>
+              <a:defRPr>
+                <a:solidFill>
+                  <a:schemeClr val="tx1"/>
+                </a:solidFill>
+                <a:latin typeface="Arial" panose="020B0604020202020204" pitchFamily="34" charset="0"/>
+              </a:defRPr>
+            </a:lvl5pPr>
+            <a:lvl6pPr eaLnBrk="0" fontAlgn="base" hangingPunct="0">
+              <a:spcBef>
+                <a:spcPct val="0"/>
+              </a:spcBef>
+              <a:spcAft>
+                <a:spcPct val="0"/>
+              </a:spcAft>
+              <a:defRPr>
+                <a:solidFill>
+                  <a:schemeClr val="tx1"/>
+                </a:solidFill>
+                <a:latin typeface="Arial" panose="020B0604020202020204" pitchFamily="34" charset="0"/>
+              </a:defRPr>
+            </a:lvl6pPr>
+            <a:lvl7pPr eaLnBrk="0" fontAlgn="base" hangingPunct="0">
+              <a:spcBef>
+                <a:spcPct val="0"/>
+              </a:spcBef>
+              <a:spcAft>
+                <a:spcPct val="0"/>
+              </a:spcAft>
+              <a:defRPr>
+                <a:solidFill>
+                  <a:schemeClr val="tx1"/>
+                </a:solidFill>
+                <a:latin typeface="Arial" panose="020B0604020202020204" pitchFamily="34" charset="0"/>
+              </a:defRPr>
+            </a:lvl7pPr>
+            <a:lvl8pPr eaLnBrk="0" fontAlgn="base" hangingPunct="0">
+              <a:spcBef>
+                <a:spcPct val="0"/>
+              </a:spcBef>
+              <a:spcAft>
+                <a:spcPct val="0"/>
+              </a:spcAft>
+              <a:defRPr>
+                <a:solidFill>
+                  <a:schemeClr val="tx1"/>
+                </a:solidFill>
+                <a:latin typeface="Arial" panose="020B0604020202020204" pitchFamily="34" charset="0"/>
+              </a:defRPr>
+            </a:lvl8pPr>
+            <a:lvl9pPr eaLnBrk="0" fontAlgn="base" hangingPunct="0">
+              <a:spcBef>
+                <a:spcPct val="0"/>
+              </a:spcBef>
+              <a:spcAft>
+                <a:spcPct val="0"/>
+              </a:spcAft>
+              <a:defRPr>
+                <a:solidFill>
+                  <a:schemeClr val="tx1"/>
+                </a:solidFill>
+                <a:latin typeface="Arial" panose="020B0604020202020204" pitchFamily="34" charset="0"/>
+              </a:defRPr>
+            </a:lvl9pPr>
+          </a:lstStyle>
+          <a:p>
+            <a:pPr marL="0" marR="0" lvl="0" indent="0" algn="l" defTabSz="914400" rtl="0" eaLnBrk="0" fontAlgn="base" latinLnBrk="0" hangingPunct="0">
+              <a:lnSpc>
+                <a:spcPct val="100000"/>
+              </a:lnSpc>
+              <a:spcBef>
+                <a:spcPct val="0"/>
+              </a:spcBef>
+              <a:spcAft>
+                <a:spcPct val="0"/>
+              </a:spcAft>
+              <a:buClrTx/>
+              <a:buSzTx/>
+              <a:buFontTx/>
+              <a:buNone/>
+              <a:tabLst/>
+            </a:pPr>
+            <a:r>
+              <a:rPr kumimoji="0" lang="zh-CN" altLang="zh-CN" b="0" i="0" u="none" strike="noStrike" cap="none" normalizeH="0" baseline="0" dirty="0" smtClean="0">
+                <a:ln>
+                  <a:noFill/>
+                </a:ln>
+                <a:solidFill>
+                  <a:srgbClr val="00796B"/>
+                </a:solidFill>
+                <a:effectLst/>
+                <a:latin typeface="Arial Unicode MS" panose="020B0604020202020204" pitchFamily="34" charset="-122"/>
+                <a:ea typeface="Monaco"/>
+              </a:rPr>
+              <a:t>*ngFor</a:t>
+            </a:r>
+            <a:r>
+              <a:rPr kumimoji="0" lang="zh-CN" altLang="zh-CN" sz="2800" b="0" i="0" u="none" strike="noStrike" cap="none" normalizeH="0" baseline="0" dirty="0" smtClean="0">
+                <a:ln>
+                  <a:noFill/>
+                </a:ln>
+                <a:solidFill>
+                  <a:srgbClr val="546E7A"/>
+                </a:solidFill>
+                <a:effectLst/>
+                <a:ea typeface="Helvetica Neue"/>
+              </a:rPr>
+              <a:t>、</a:t>
+            </a:r>
+            <a:r>
+              <a:rPr kumimoji="0" lang="zh-CN" altLang="zh-CN" b="0" i="0" u="none" strike="noStrike" cap="none" normalizeH="0" baseline="0" dirty="0" smtClean="0">
+                <a:ln>
+                  <a:noFill/>
+                </a:ln>
+                <a:solidFill>
+                  <a:srgbClr val="00796B"/>
+                </a:solidFill>
+                <a:effectLst/>
+                <a:latin typeface="Arial Unicode MS" panose="020B0604020202020204" pitchFamily="34" charset="-122"/>
+                <a:ea typeface="Monaco"/>
+              </a:rPr>
+              <a:t>{{hero.name}}</a:t>
+            </a:r>
+            <a:r>
+              <a:rPr kumimoji="0" lang="zh-CN" altLang="zh-CN" sz="2800" b="0" i="0" u="none" strike="noStrike" cap="none" normalizeH="0" baseline="0" dirty="0" smtClean="0">
+                <a:ln>
+                  <a:noFill/>
+                </a:ln>
+                <a:solidFill>
+                  <a:srgbClr val="546E7A"/>
+                </a:solidFill>
+                <a:effectLst/>
+                <a:ea typeface="Helvetica Neue"/>
+              </a:rPr>
+              <a:t>、</a:t>
+            </a:r>
+            <a:r>
+              <a:rPr kumimoji="0" lang="zh-CN" altLang="zh-CN" b="0" i="0" u="none" strike="noStrike" cap="none" normalizeH="0" baseline="0" dirty="0" smtClean="0">
+                <a:ln>
+                  <a:noFill/>
+                </a:ln>
+                <a:solidFill>
+                  <a:srgbClr val="00796B"/>
+                </a:solidFill>
+                <a:effectLst/>
+                <a:latin typeface="Arial Unicode MS" panose="020B0604020202020204" pitchFamily="34" charset="-122"/>
+                <a:ea typeface="Monaco"/>
+              </a:rPr>
+              <a:t>(click)</a:t>
+            </a:r>
+            <a:r>
+              <a:rPr kumimoji="0" lang="zh-CN" altLang="zh-CN" sz="2800" b="0" i="0" u="none" strike="noStrike" cap="none" normalizeH="0" baseline="0" dirty="0" smtClean="0">
+                <a:ln>
+                  <a:noFill/>
+                </a:ln>
+                <a:solidFill>
+                  <a:srgbClr val="546E7A"/>
+                </a:solidFill>
+                <a:effectLst/>
+                <a:ea typeface="Helvetica Neue"/>
+              </a:rPr>
+              <a:t>、</a:t>
+            </a:r>
+            <a:r>
+              <a:rPr kumimoji="0" lang="zh-CN" altLang="zh-CN" b="0" i="0" u="none" strike="noStrike" cap="none" normalizeH="0" baseline="0" dirty="0" smtClean="0">
+                <a:ln>
+                  <a:noFill/>
+                </a:ln>
+                <a:solidFill>
+                  <a:srgbClr val="00796B"/>
+                </a:solidFill>
+                <a:effectLst/>
+                <a:latin typeface="Arial Unicode MS" panose="020B0604020202020204" pitchFamily="34" charset="-122"/>
+                <a:ea typeface="Monaco"/>
+              </a:rPr>
+              <a:t>[hero]</a:t>
+            </a:r>
+            <a:r>
+              <a:rPr kumimoji="0" lang="zh-CN" altLang="zh-CN" sz="2800" b="0" i="0" u="none" strike="noStrike" cap="none" normalizeH="0" baseline="0" dirty="0" smtClean="0">
+                <a:ln>
+                  <a:noFill/>
+                </a:ln>
+                <a:solidFill>
+                  <a:srgbClr val="546E7A"/>
+                </a:solidFill>
+                <a:effectLst/>
+                <a:ea typeface="Helvetica Neue"/>
+              </a:rPr>
+              <a:t>和</a:t>
+            </a:r>
+            <a:r>
+              <a:rPr kumimoji="0" lang="zh-CN" altLang="zh-CN" b="0" i="0" u="none" strike="noStrike" cap="none" normalizeH="0" baseline="0" dirty="0" smtClean="0">
+                <a:ln>
+                  <a:noFill/>
+                </a:ln>
+                <a:solidFill>
+                  <a:srgbClr val="00796B"/>
+                </a:solidFill>
+                <a:effectLst/>
+                <a:latin typeface="Arial Unicode MS" panose="020B0604020202020204" pitchFamily="34" charset="-122"/>
+                <a:ea typeface="Monaco"/>
+              </a:rPr>
+              <a:t>&lt;hero-detail&gt;</a:t>
+            </a:r>
+            <a:r>
+              <a:rPr kumimoji="0" lang="zh-CN" altLang="zh-CN" sz="2400" b="0" i="0" u="none" strike="noStrike" cap="none" normalizeH="0" baseline="0" dirty="0" smtClean="0">
+                <a:ln>
+                  <a:noFill/>
+                </a:ln>
+                <a:solidFill>
+                  <a:schemeClr val="tx1"/>
+                </a:solidFill>
+                <a:effectLst/>
+              </a:rPr>
+              <a:t> </a:t>
+            </a:r>
+            <a:endParaRPr kumimoji="0" lang="zh-CN" altLang="zh-CN" sz="4000" b="0" i="0" u="none" strike="noStrike" cap="none" normalizeH="0" baseline="0" dirty="0" smtClean="0">
+              <a:ln>
+                <a:noFill/>
+              </a:ln>
+              <a:solidFill>
+                <a:schemeClr val="tx1"/>
+              </a:solidFill>
+              <a:effectLst/>
+              <a:latin typeface="Arial" panose="020B0604020202020204" pitchFamily="34" charset="0"/>
+            </a:endParaRPr>
+          </a:p>
+        </p:txBody>
+      </p:sp>
+    </p:spTree>
+    <p:extLst>
+      <p:ext uri="{BB962C8B-B14F-4D97-AF65-F5344CB8AC3E}">
+        <p14:creationId xmlns:p14="http://schemas.microsoft.com/office/powerpoint/2010/main" val="2912784082"/>
+      </p:ext>
+    </p:extLst>
+  </p:cSld>
+  <p:clrMapOvr>
+    <a:masterClrMapping/>
+  </p:clrMapOvr>
+</p:sld>
+</file>
+
+<file path=ppt/slides/slide8.xml><?xml version="1.0" encoding="utf-8"?>
+<p:sld xmlns:a="http://schemas.openxmlformats.org/drawingml/2006/main" xmlns:r="http://schemas.openxmlformats.org/officeDocument/2006/relationships" xmlns:p="http://schemas.openxmlformats.org/presentationml/2006/main">
+  <p:cSld>
+    <p:spTree>
+      <p:nvGrpSpPr>
+        <p:cNvPr id="1" name=""/>
+        <p:cNvGrpSpPr/>
+        <p:nvPr/>
+      </p:nvGrpSpPr>
+      <p:grpSpPr>
+        <a:xfrm>
+          <a:off x="0" y="0"/>
+          <a:ext cx="0" cy="0"/>
+          <a:chOff x="0" y="0"/>
+          <a:chExt cx="0" cy="0"/>
+        </a:xfrm>
+      </p:grpSpPr>
+      <p:sp>
+        <p:nvSpPr>
+          <p:cNvPr id="3" name="标题 2"/>
+          <p:cNvSpPr>
+            <a:spLocks noGrp="1"/>
+          </p:cNvSpPr>
+          <p:nvPr>
+            <p:ph type="ctrTitle"/>
+          </p:nvPr>
+        </p:nvSpPr>
+        <p:spPr>
+          <a:xfrm>
+            <a:off x="1291988" y="450376"/>
+            <a:ext cx="9144000" cy="1039718"/>
+          </a:xfrm>
+        </p:spPr>
+        <p:txBody>
+          <a:bodyPr>
+            <a:normAutofit fontScale="90000"/>
+          </a:bodyPr>
+          <a:lstStyle/>
+          <a:p>
+            <a:r>
+              <a:rPr lang="zh-CN" altLang="en-US" cap="all" dirty="0"/>
+              <a:t>生命周期钩子</a:t>
+            </a:r>
+            <a:br>
+              <a:rPr lang="zh-CN" altLang="en-US" cap="all" dirty="0"/>
+            </a:br>
+            <a:r>
+              <a:rPr lang="zh-CN" altLang="en-US" dirty="0"/>
+              <a:t/>
+            </a:r>
+            <a:br>
+              <a:rPr lang="zh-CN" altLang="en-US" dirty="0"/>
+            </a:br>
+            <a:r>
+              <a:rPr lang="en-US" altLang="zh-CN" dirty="0" smtClean="0"/>
+              <a:t/>
+            </a:r>
+            <a:br>
+              <a:rPr lang="en-US" altLang="zh-CN" dirty="0" smtClean="0"/>
+            </a:br>
+            <a:r>
+              <a:rPr lang="en-US" altLang="zh-CN" dirty="0"/>
+              <a:t/>
+            </a:r>
+            <a:br>
+              <a:rPr lang="en-US" altLang="zh-CN" dirty="0"/>
+            </a:br>
+            <a:r>
+              <a:rPr lang="en-US" altLang="zh-CN" dirty="0" smtClean="0"/>
+              <a:t/>
+            </a:r>
+            <a:br>
+              <a:rPr lang="en-US" altLang="zh-CN" dirty="0" smtClean="0"/>
+            </a:br>
+            <a:r>
+              <a:rPr lang="zh-CN" altLang="en-US" sz="6700" dirty="0"/>
+              <a:t>生命周期钩子</a:t>
+            </a:r>
+            <a:endParaRPr lang="zh-CN" altLang="en-US" sz="6700" dirty="0"/>
+          </a:p>
+        </p:txBody>
+      </p:sp>
+    </p:spTree>
+    <p:extLst>
+      <p:ext uri="{BB962C8B-B14F-4D97-AF65-F5344CB8AC3E}">
+        <p14:creationId xmlns:p14="http://schemas.microsoft.com/office/powerpoint/2010/main" val="2456361016"/>
       </p:ext>
     </p:extLst>
   </p:cSld>

--- a/Angular summary/Angular.pptx
+++ b/Angular summary/Angular.pptx
@@ -5,14 +5,16 @@
     <p:sldMasterId id="2147483648" r:id="rId1"/>
   </p:sldMasterIdLst>
   <p:sldIdLst>
-    <p:sldId id="256" r:id="rId2"/>
-    <p:sldId id="261" r:id="rId3"/>
-    <p:sldId id="262" r:id="rId4"/>
+    <p:sldId id="261" r:id="rId2"/>
+    <p:sldId id="262" r:id="rId3"/>
+    <p:sldId id="256" r:id="rId4"/>
     <p:sldId id="257" r:id="rId5"/>
     <p:sldId id="260" r:id="rId6"/>
     <p:sldId id="263" r:id="rId7"/>
-    <p:sldId id="258" r:id="rId8"/>
-    <p:sldId id="259" r:id="rId9"/>
+    <p:sldId id="264" r:id="rId8"/>
+    <p:sldId id="265" r:id="rId9"/>
+    <p:sldId id="258" r:id="rId10"/>
+    <p:sldId id="259" r:id="rId11"/>
   </p:sldIdLst>
   <p:sldSz cx="12192000" cy="6858000"/>
   <p:notesSz cx="6858000" cy="9144000"/>
@@ -2978,55 +2980,6 @@
       </p:grpSpPr>
       <p:sp>
         <p:nvSpPr>
-          <p:cNvPr id="6" name="矩形 5"/>
-          <p:cNvSpPr/>
-          <p:nvPr/>
-        </p:nvSpPr>
-        <p:spPr>
-          <a:xfrm>
-            <a:off x="277505" y="1973071"/>
-            <a:ext cx="11691582" cy="646331"/>
-          </a:xfrm>
-          <a:prstGeom prst="rect">
-            <a:avLst/>
-          </a:prstGeom>
-        </p:spPr>
-        <p:txBody>
-          <a:bodyPr wrap="square">
-            <a:spAutoFit/>
-          </a:bodyPr>
-          <a:lstStyle/>
-          <a:p>
-            <a:r>
-              <a:rPr lang="en-US" altLang="zh-CN" dirty="0"/>
-              <a:t>While the </a:t>
-            </a:r>
-            <a:r>
-              <a:rPr lang="en-US" altLang="zh-CN" b="1" dirty="0"/>
-              <a:t>root module</a:t>
-            </a:r>
-            <a:r>
-              <a:rPr lang="en-US" altLang="zh-CN" dirty="0"/>
-              <a:t> may be the only module in a small application, most apps have many more </a:t>
-            </a:r>
-            <a:r>
-              <a:rPr lang="en-US" altLang="zh-CN" b="1" dirty="0"/>
-              <a:t>feature modules</a:t>
-            </a:r>
-            <a:r>
-              <a:rPr lang="en-US" altLang="zh-CN" dirty="0"/>
-              <a:t>, each a cohesive block of code dedicated to an application domain, a workflow, or a closely related set of capabilities</a:t>
-            </a:r>
-            <a:r>
-              <a:rPr lang="en-US" altLang="zh-CN" dirty="0" smtClean="0"/>
-              <a:t>.</a:t>
-            </a:r>
-            <a:endParaRPr lang="zh-CN" altLang="en-US" dirty="0"/>
-          </a:p>
-        </p:txBody>
-      </p:sp>
-      <p:sp>
-        <p:nvSpPr>
           <p:cNvPr id="3" name="标题 2"/>
           <p:cNvSpPr>
             <a:spLocks noGrp="1"/>
@@ -3046,10 +2999,9 @@
           <a:lstStyle/>
           <a:p>
             <a:r>
-              <a:rPr lang="zh-CN" altLang="en-US" dirty="0" smtClean="0"/>
-              <a:t>模块</a:t>
-            </a:r>
-            <a:endParaRPr lang="zh-CN" altLang="en-US" dirty="0"/>
+              <a:rPr lang="zh-CN" altLang="en-US" dirty="0"/>
+              <a:t>装饰器</a:t>
+            </a:r>
           </a:p>
         </p:txBody>
       </p:sp>
@@ -3061,7 +3013,7 @@
         </p:nvSpPr>
         <p:spPr>
           <a:xfrm>
-            <a:off x="277505" y="2705752"/>
+            <a:off x="1457164" y="2418985"/>
             <a:ext cx="1223412" cy="369332"/>
           </a:xfrm>
           <a:prstGeom prst="rect">
@@ -3098,33 +3050,51 @@
       </p:sp>
       <p:sp>
         <p:nvSpPr>
-          <p:cNvPr id="11" name="矩形 10"/>
+          <p:cNvPr id="2" name="矩形 1"/>
           <p:cNvSpPr/>
           <p:nvPr/>
         </p:nvSpPr>
         <p:spPr>
           <a:xfrm>
-            <a:off x="670049" y="3628913"/>
-            <a:ext cx="5378395" cy="369332"/>
+            <a:off x="1510352" y="1755805"/>
+            <a:ext cx="10681648" cy="369332"/>
           </a:xfrm>
           <a:prstGeom prst="rect">
             <a:avLst/>
           </a:prstGeom>
         </p:spPr>
         <p:txBody>
-          <a:bodyPr wrap="none">
+          <a:bodyPr wrap="square">
             <a:spAutoFit/>
           </a:bodyPr>
           <a:lstStyle/>
           <a:p>
             <a:r>
-              <a:rPr lang="en-US" altLang="zh-CN" dirty="0" smtClean="0">
-                <a:solidFill>
-                  <a:srgbClr val="00796B"/>
-                </a:solidFill>
-                <a:latin typeface="Monaco"/>
-              </a:rPr>
-              <a:t>exports – Module, Pipe, Directive, Component</a:t>
+              <a:rPr lang="zh-CN" altLang="en-US" dirty="0">
+                <a:solidFill>
+                  <a:srgbClr val="455A64"/>
+                </a:solidFill>
+                <a:latin typeface="Helvetica Neue"/>
+              </a:rPr>
+              <a:t>装饰器是一个</a:t>
+            </a:r>
+            <a:r>
+              <a:rPr lang="zh-CN" altLang="en-US" b="1" dirty="0">
+                <a:solidFill>
+                  <a:srgbClr val="455A64"/>
+                </a:solidFill>
+                <a:latin typeface="Helvetica Neue"/>
+              </a:rPr>
+              <a:t>函数</a:t>
+            </a:r>
+            <a:r>
+              <a:rPr lang="zh-CN" altLang="en-US" dirty="0">
+                <a:solidFill>
+                  <a:srgbClr val="455A64"/>
+                </a:solidFill>
+                <a:latin typeface="Helvetica Neue"/>
+              </a:rPr>
+              <a:t>，它将元数据添加到类、类成员（属性、方法）和函数参数。</a:t>
             </a:r>
             <a:endParaRPr lang="zh-CN" altLang="en-US" dirty="0"/>
           </a:p>
@@ -3132,14 +3102,14 @@
       </p:sp>
       <p:sp>
         <p:nvSpPr>
-          <p:cNvPr id="13" name="矩形 12"/>
+          <p:cNvPr id="5" name="矩形 4"/>
           <p:cNvSpPr/>
           <p:nvPr/>
         </p:nvSpPr>
         <p:spPr>
           <a:xfrm>
-            <a:off x="670049" y="3131908"/>
-            <a:ext cx="5262979" cy="369332"/>
+            <a:off x="1457164" y="3006682"/>
+            <a:ext cx="1354858" cy="369332"/>
           </a:xfrm>
           <a:prstGeom prst="rect">
             <a:avLst/>
@@ -3152,13 +3122,13 @@
           <a:lstStyle/>
           <a:p>
             <a:r>
-              <a:rPr lang="en-US" altLang="zh-CN" dirty="0" smtClean="0">
-                <a:solidFill>
-                  <a:srgbClr val="00796B"/>
+              <a:rPr lang="en-US" altLang="zh-CN" b="1" dirty="0">
+                <a:solidFill>
+                  <a:srgbClr val="0097A7"/>
                 </a:solidFill>
                 <a:latin typeface="Monaco"/>
               </a:rPr>
-              <a:t>declarations – Component, Directive, Pipe </a:t>
+              <a:t>@Component</a:t>
             </a:r>
             <a:endParaRPr lang="zh-CN" altLang="en-US" dirty="0"/>
           </a:p>
@@ -3166,14 +3136,14 @@
       </p:sp>
       <p:sp>
         <p:nvSpPr>
-          <p:cNvPr id="14" name="矩形 13"/>
+          <p:cNvPr id="7" name="矩形 6"/>
           <p:cNvSpPr/>
           <p:nvPr/>
         </p:nvSpPr>
         <p:spPr>
           <a:xfrm>
-            <a:off x="670048" y="4125918"/>
-            <a:ext cx="2031325" cy="369332"/>
+            <a:off x="1457164" y="3594379"/>
+            <a:ext cx="1454244" cy="369332"/>
           </a:xfrm>
           <a:prstGeom prst="rect">
             <a:avLst/>
@@ -3186,13 +3156,13 @@
           <a:lstStyle/>
           <a:p>
             <a:r>
-              <a:rPr lang="en-US" altLang="zh-CN" dirty="0" smtClean="0">
-                <a:solidFill>
-                  <a:srgbClr val="00796B"/>
-                </a:solidFill>
-                <a:latin typeface="Monaco"/>
-              </a:rPr>
-              <a:t>imports - Module</a:t>
+              <a:rPr lang="en-US" altLang="zh-CN" dirty="0">
+                <a:solidFill>
+                  <a:srgbClr val="546E7A"/>
+                </a:solidFill>
+                <a:latin typeface="Helvetica Neue"/>
+              </a:rPr>
+              <a:t>@Injectable</a:t>
             </a:r>
             <a:endParaRPr lang="zh-CN" altLang="en-US" dirty="0"/>
           </a:p>
@@ -3200,14 +3170,14 @@
       </p:sp>
       <p:sp>
         <p:nvSpPr>
-          <p:cNvPr id="15" name="矩形 14"/>
+          <p:cNvPr id="8" name="矩形 7"/>
           <p:cNvSpPr/>
           <p:nvPr/>
         </p:nvSpPr>
         <p:spPr>
           <a:xfrm>
-            <a:off x="670048" y="4622923"/>
-            <a:ext cx="3300904" cy="369332"/>
+            <a:off x="1457164" y="4182076"/>
+            <a:ext cx="769763" cy="369332"/>
           </a:xfrm>
           <a:prstGeom prst="rect">
             <a:avLst/>
@@ -3220,13 +3190,13 @@
           <a:lstStyle/>
           <a:p>
             <a:r>
-              <a:rPr lang="en-US" altLang="zh-CN" dirty="0" smtClean="0">
+              <a:rPr lang="en-US" altLang="zh-CN" b="1" dirty="0">
                 <a:solidFill>
                   <a:srgbClr val="00796B"/>
                 </a:solidFill>
                 <a:latin typeface="Monaco"/>
               </a:rPr>
-              <a:t>Providers – global Service</a:t>
+              <a:t>@Pipe</a:t>
             </a:r>
             <a:endParaRPr lang="zh-CN" altLang="en-US" dirty="0"/>
           </a:p>
@@ -3234,14 +3204,14 @@
       </p:sp>
       <p:sp>
         <p:nvSpPr>
-          <p:cNvPr id="16" name="矩形 15"/>
+          <p:cNvPr id="9" name="矩形 8"/>
           <p:cNvSpPr/>
           <p:nvPr/>
         </p:nvSpPr>
         <p:spPr>
           <a:xfrm>
-            <a:off x="670048" y="5176752"/>
-            <a:ext cx="1223412" cy="369332"/>
+            <a:off x="1332931" y="4769773"/>
+            <a:ext cx="1471878" cy="369332"/>
           </a:xfrm>
           <a:prstGeom prst="rect">
             <a:avLst/>
@@ -3254,22 +3224,157 @@
           <a:lstStyle/>
           <a:p>
             <a:r>
-              <a:rPr lang="en-US" altLang="zh-CN" dirty="0">
+              <a:rPr lang="en-US" altLang="zh-CN" b="1" dirty="0">
                 <a:solidFill>
                   <a:srgbClr val="00796B"/>
                 </a:solidFill>
                 <a:latin typeface="Monaco"/>
               </a:rPr>
-              <a:t>bootstrap</a:t>
+              <a:t> @Directive</a:t>
             </a:r>
             <a:endParaRPr lang="zh-CN" altLang="en-US" dirty="0"/>
+          </a:p>
+        </p:txBody>
+      </p:sp>
+      <p:sp>
+        <p:nvSpPr>
+          <p:cNvPr id="12" name="矩形 11"/>
+          <p:cNvSpPr/>
+          <p:nvPr/>
+        </p:nvSpPr>
+        <p:spPr>
+          <a:xfrm>
+            <a:off x="124233" y="2418985"/>
+            <a:ext cx="1114408" cy="369332"/>
+          </a:xfrm>
+          <a:prstGeom prst="rect">
+            <a:avLst/>
+          </a:prstGeom>
+        </p:spPr>
+        <p:txBody>
+          <a:bodyPr wrap="none">
+            <a:spAutoFit/>
+          </a:bodyPr>
+          <a:lstStyle/>
+          <a:p>
+            <a:pPr latinLnBrk="1"/>
+            <a:r>
+              <a:rPr lang="zh-CN" altLang="en-US" b="1" dirty="0">
+                <a:solidFill>
+                  <a:srgbClr val="333333"/>
+                </a:solidFill>
+                <a:latin typeface="RobotoRegular"/>
+              </a:rPr>
+              <a:t>类装饰器</a:t>
+            </a:r>
+            <a:endParaRPr lang="zh-CN" altLang="en-US" b="1" i="0" dirty="0">
+              <a:solidFill>
+                <a:srgbClr val="333333"/>
+              </a:solidFill>
+              <a:effectLst/>
+              <a:latin typeface="RobotoRegular"/>
+            </a:endParaRPr>
           </a:p>
         </p:txBody>
       </p:sp>
     </p:spTree>
     <p:extLst>
       <p:ext uri="{BB962C8B-B14F-4D97-AF65-F5344CB8AC3E}">
-        <p14:creationId xmlns:p14="http://schemas.microsoft.com/office/powerpoint/2010/main" val="3949104791"/>
+        <p14:creationId xmlns:p14="http://schemas.microsoft.com/office/powerpoint/2010/main" val="2057613772"/>
+      </p:ext>
+    </p:extLst>
+  </p:cSld>
+  <p:clrMapOvr>
+    <a:masterClrMapping/>
+  </p:clrMapOvr>
+</p:sld>
+</file>
+
+<file path=ppt/slides/slide10.xml><?xml version="1.0" encoding="utf-8"?>
+<p:sld xmlns:a="http://schemas.openxmlformats.org/drawingml/2006/main" xmlns:r="http://schemas.openxmlformats.org/officeDocument/2006/relationships" xmlns:p="http://schemas.openxmlformats.org/presentationml/2006/main">
+  <p:cSld>
+    <p:spTree>
+      <p:nvGrpSpPr>
+        <p:cNvPr id="1" name=""/>
+        <p:cNvGrpSpPr/>
+        <p:nvPr/>
+      </p:nvGrpSpPr>
+      <p:grpSpPr>
+        <a:xfrm>
+          <a:off x="0" y="0"/>
+          <a:ext cx="0" cy="0"/>
+          <a:chOff x="0" y="0"/>
+          <a:chExt cx="0" cy="0"/>
+        </a:xfrm>
+      </p:grpSpPr>
+      <p:sp>
+        <p:nvSpPr>
+          <p:cNvPr id="3" name="标题 2"/>
+          <p:cNvSpPr>
+            <a:spLocks noGrp="1"/>
+          </p:cNvSpPr>
+          <p:nvPr>
+            <p:ph type="ctrTitle"/>
+          </p:nvPr>
+        </p:nvSpPr>
+        <p:spPr>
+          <a:xfrm>
+            <a:off x="1291988" y="450376"/>
+            <a:ext cx="9144000" cy="1039718"/>
+          </a:xfrm>
+        </p:spPr>
+        <p:txBody>
+          <a:bodyPr>
+            <a:normAutofit fontScale="90000"/>
+          </a:bodyPr>
+          <a:lstStyle/>
+          <a:p>
+            <a:r>
+              <a:rPr lang="zh-CN" altLang="en-US" cap="all" dirty="0"/>
+              <a:t>生命周期钩子</a:t>
+            </a:r>
+            <a:br>
+              <a:rPr lang="zh-CN" altLang="en-US" cap="all" dirty="0"/>
+            </a:br>
+            <a:r>
+              <a:rPr lang="zh-CN" altLang="en-US" dirty="0"/>
+              <a:t/>
+            </a:r>
+            <a:br>
+              <a:rPr lang="zh-CN" altLang="en-US" dirty="0"/>
+            </a:br>
+            <a:r>
+              <a:rPr lang="en-US" altLang="zh-CN" dirty="0" smtClean="0"/>
+              <a:t/>
+            </a:r>
+            <a:br>
+              <a:rPr lang="en-US" altLang="zh-CN" dirty="0" smtClean="0"/>
+            </a:br>
+            <a:r>
+              <a:rPr lang="en-US" altLang="zh-CN" dirty="0"/>
+              <a:t/>
+            </a:r>
+            <a:br>
+              <a:rPr lang="en-US" altLang="zh-CN" dirty="0"/>
+            </a:br>
+            <a:r>
+              <a:rPr lang="en-US" altLang="zh-CN" dirty="0" smtClean="0"/>
+              <a:t/>
+            </a:r>
+            <a:br>
+              <a:rPr lang="en-US" altLang="zh-CN" dirty="0" smtClean="0"/>
+            </a:br>
+            <a:r>
+              <a:rPr lang="zh-CN" altLang="en-US" sz="6700" dirty="0"/>
+              <a:t>生命周期钩子</a:t>
+            </a:r>
+          </a:p>
+        </p:txBody>
+      </p:sp>
+    </p:spTree>
+    <p:extLst>
+      <p:ext uri="{BB962C8B-B14F-4D97-AF65-F5344CB8AC3E}">
+        <p14:creationId xmlns:p14="http://schemas.microsoft.com/office/powerpoint/2010/main" val="2456361016"/>
       </p:ext>
     </p:extLst>
   </p:cSld>
@@ -3298,69 +3403,213 @@
       </p:grpSpPr>
       <p:sp>
         <p:nvSpPr>
-          <p:cNvPr id="3" name="标题 2"/>
-          <p:cNvSpPr>
-            <a:spLocks noGrp="1"/>
-          </p:cNvSpPr>
-          <p:nvPr>
-            <p:ph type="ctrTitle"/>
-          </p:nvPr>
+          <p:cNvPr id="10" name="矩形 9"/>
+          <p:cNvSpPr/>
+          <p:nvPr/>
         </p:nvSpPr>
         <p:spPr>
           <a:xfrm>
-            <a:off x="1332931" y="518614"/>
-            <a:ext cx="9144000" cy="998775"/>
-          </a:xfrm>
-        </p:spPr>
-        <p:txBody>
-          <a:bodyPr/>
-          <a:lstStyle/>
-          <a:p>
-            <a:r>
-              <a:rPr lang="zh-CN" altLang="en-US" dirty="0"/>
-              <a:t>装饰器</a:t>
-            </a:r>
-          </a:p>
-        </p:txBody>
-      </p:sp>
-      <p:sp>
-        <p:nvSpPr>
-          <p:cNvPr id="4" name="矩形 3"/>
-          <p:cNvSpPr/>
-          <p:nvPr/>
-        </p:nvSpPr>
-        <p:spPr>
-          <a:xfrm>
-            <a:off x="1457164" y="2418985"/>
-            <a:ext cx="1223412" cy="369332"/>
+            <a:off x="1602420" y="144026"/>
+            <a:ext cx="6096000" cy="2862322"/>
           </a:xfrm>
           <a:prstGeom prst="rect">
             <a:avLst/>
           </a:prstGeom>
         </p:spPr>
         <p:txBody>
-          <a:bodyPr wrap="none">
+          <a:bodyPr>
             <a:spAutoFit/>
           </a:bodyPr>
           <a:lstStyle/>
           <a:p>
             <a:r>
-              <a:rPr lang="en-US" altLang="zh-CN" dirty="0">
-                <a:solidFill>
-                  <a:srgbClr val="00796B"/>
-                </a:solidFill>
-                <a:latin typeface="Monaco"/>
+              <a:rPr lang="en-US" altLang="zh-CN" b="1" dirty="0">
+                <a:solidFill>
+                  <a:srgbClr val="546E7A"/>
+                </a:solidFill>
+                <a:latin typeface="Roboto"/>
+              </a:rPr>
+              <a:t>  </a:t>
+            </a:r>
+            <a:endParaRPr lang="en-US" altLang="zh-CN" b="1" dirty="0" smtClean="0">
+              <a:solidFill>
+                <a:srgbClr val="546E7A"/>
+              </a:solidFill>
+              <a:latin typeface="Roboto"/>
+            </a:endParaRPr>
+          </a:p>
+          <a:p>
+            <a:r>
+              <a:rPr lang="en-US" altLang="zh-CN" b="1" dirty="0" smtClean="0">
+                <a:solidFill>
+                  <a:srgbClr val="546E7A"/>
+                </a:solidFill>
+                <a:latin typeface="Roboto"/>
               </a:rPr>
               <a:t>@</a:t>
             </a:r>
             <a:r>
-              <a:rPr lang="en-US" altLang="zh-CN" dirty="0" err="1">
-                <a:solidFill>
-                  <a:srgbClr val="00796B"/>
-                </a:solidFill>
-                <a:latin typeface="Monaco"/>
-              </a:rPr>
-              <a:t>NgModule</a:t>
+              <a:rPr lang="en-US" altLang="zh-CN" b="1" dirty="0">
+                <a:solidFill>
+                  <a:srgbClr val="546E7A"/>
+                </a:solidFill>
+                <a:latin typeface="Roboto"/>
+              </a:rPr>
+              <a:t>Input() </a:t>
+            </a:r>
+            <a:endParaRPr lang="en-US" altLang="zh-CN" b="1" dirty="0" smtClean="0">
+              <a:solidFill>
+                <a:srgbClr val="546E7A"/>
+              </a:solidFill>
+              <a:latin typeface="Roboto"/>
+            </a:endParaRPr>
+          </a:p>
+          <a:p>
+            <a:endParaRPr lang="en-US" altLang="zh-CN" b="1" dirty="0">
+              <a:solidFill>
+                <a:srgbClr val="546E7A"/>
+              </a:solidFill>
+              <a:latin typeface="Roboto"/>
+            </a:endParaRPr>
+          </a:p>
+          <a:p>
+            <a:r>
+              <a:rPr lang="en-US" altLang="zh-CN" b="1" dirty="0" smtClean="0">
+                <a:solidFill>
+                  <a:srgbClr val="546E7A"/>
+                </a:solidFill>
+                <a:latin typeface="Roboto"/>
+              </a:rPr>
+              <a:t>@</a:t>
+            </a:r>
+            <a:r>
+              <a:rPr lang="en-US" altLang="zh-CN" b="1" dirty="0">
+                <a:solidFill>
+                  <a:srgbClr val="546E7A"/>
+                </a:solidFill>
+                <a:latin typeface="Roboto"/>
+              </a:rPr>
+              <a:t>Output() </a:t>
+            </a:r>
+            <a:endParaRPr lang="en-US" altLang="zh-CN" b="1" dirty="0" smtClean="0">
+              <a:solidFill>
+                <a:srgbClr val="546E7A"/>
+              </a:solidFill>
+              <a:latin typeface="Roboto"/>
+            </a:endParaRPr>
+          </a:p>
+          <a:p>
+            <a:endParaRPr lang="en-US" altLang="zh-CN" b="1" dirty="0">
+              <a:solidFill>
+                <a:srgbClr val="546E7A"/>
+              </a:solidFill>
+              <a:latin typeface="Roboto"/>
+            </a:endParaRPr>
+          </a:p>
+          <a:p>
+            <a:r>
+              <a:rPr lang="en-US" altLang="zh-CN" b="1" dirty="0" smtClean="0">
+                <a:solidFill>
+                  <a:srgbClr val="546E7A"/>
+                </a:solidFill>
+                <a:latin typeface="Roboto"/>
+              </a:rPr>
+              <a:t>@</a:t>
+            </a:r>
+            <a:r>
+              <a:rPr lang="en-US" altLang="zh-CN" b="1" dirty="0" err="1">
+                <a:solidFill>
+                  <a:srgbClr val="546E7A"/>
+                </a:solidFill>
+                <a:latin typeface="Roboto"/>
+              </a:rPr>
+              <a:t>HostBinding</a:t>
+            </a:r>
+            <a:r>
+              <a:rPr lang="en-US" altLang="zh-CN" b="1" dirty="0">
+                <a:solidFill>
+                  <a:srgbClr val="546E7A"/>
+                </a:solidFill>
+                <a:latin typeface="Roboto"/>
+              </a:rPr>
+              <a:t> </a:t>
+            </a:r>
+            <a:endParaRPr lang="en-US" altLang="zh-CN" b="1" dirty="0" smtClean="0">
+              <a:solidFill>
+                <a:srgbClr val="546E7A"/>
+              </a:solidFill>
+              <a:latin typeface="Roboto"/>
+            </a:endParaRPr>
+          </a:p>
+          <a:p>
+            <a:endParaRPr lang="en-US" altLang="zh-CN" b="1" dirty="0">
+              <a:solidFill>
+                <a:srgbClr val="546E7A"/>
+              </a:solidFill>
+              <a:latin typeface="Roboto"/>
+            </a:endParaRPr>
+          </a:p>
+          <a:p>
+            <a:r>
+              <a:rPr lang="en-US" altLang="zh-CN" b="1" dirty="0" smtClean="0">
+                <a:solidFill>
+                  <a:srgbClr val="546E7A"/>
+                </a:solidFill>
+                <a:latin typeface="Roboto"/>
+              </a:rPr>
+              <a:t>@</a:t>
+            </a:r>
+            <a:r>
+              <a:rPr lang="en-US" altLang="zh-CN" b="1" dirty="0" err="1">
+                <a:solidFill>
+                  <a:srgbClr val="546E7A"/>
+                </a:solidFill>
+                <a:latin typeface="Roboto"/>
+              </a:rPr>
+              <a:t>HostListener</a:t>
+            </a:r>
+            <a:r>
+              <a:rPr lang="en-US" altLang="zh-CN" b="1" dirty="0">
+                <a:solidFill>
+                  <a:srgbClr val="546E7A"/>
+                </a:solidFill>
+                <a:latin typeface="Roboto"/>
+              </a:rPr>
+              <a:t> </a:t>
+            </a:r>
+            <a:endParaRPr lang="en-US" altLang="zh-CN" b="1" dirty="0" smtClean="0">
+              <a:solidFill>
+                <a:srgbClr val="546E7A"/>
+              </a:solidFill>
+              <a:latin typeface="Roboto"/>
+            </a:endParaRPr>
+          </a:p>
+          <a:p>
+            <a:endParaRPr lang="en-US" altLang="zh-CN" b="1" dirty="0">
+              <a:solidFill>
+                <a:srgbClr val="546E7A"/>
+              </a:solidFill>
+              <a:latin typeface="Roboto"/>
+            </a:endParaRPr>
+          </a:p>
+          <a:p>
+            <a:r>
+              <a:rPr lang="en-US" altLang="zh-CN" b="1" dirty="0" smtClean="0">
+                <a:solidFill>
+                  <a:srgbClr val="546E7A"/>
+                </a:solidFill>
+                <a:latin typeface="Roboto"/>
+              </a:rPr>
+              <a:t>@</a:t>
+            </a:r>
+            <a:r>
+              <a:rPr lang="en-US" altLang="zh-CN" b="1" dirty="0" err="1">
+                <a:solidFill>
+                  <a:srgbClr val="546E7A"/>
+                </a:solidFill>
+                <a:latin typeface="Roboto"/>
+              </a:rPr>
+              <a:t>ContentChild</a:t>
             </a:r>
             <a:endParaRPr lang="zh-CN" altLang="en-US" dirty="0"/>
           </a:p>
@@ -3368,213 +3617,25 @@
       </p:sp>
       <p:sp>
         <p:nvSpPr>
-          <p:cNvPr id="2" name="矩形 1"/>
+          <p:cNvPr id="11" name="矩形 10"/>
           <p:cNvSpPr/>
           <p:nvPr/>
         </p:nvSpPr>
         <p:spPr>
           <a:xfrm>
-            <a:off x="1510352" y="1755805"/>
-            <a:ext cx="10681648" cy="369332"/>
+            <a:off x="255576" y="439053"/>
+            <a:ext cx="1346844" cy="369332"/>
           </a:xfrm>
           <a:prstGeom prst="rect">
             <a:avLst/>
           </a:prstGeom>
         </p:spPr>
         <p:txBody>
-          <a:bodyPr wrap="square">
-            <a:spAutoFit/>
-          </a:bodyPr>
-          <a:lstStyle/>
-          <a:p>
-            <a:r>
-              <a:rPr lang="zh-CN" altLang="en-US" dirty="0">
-                <a:solidFill>
-                  <a:srgbClr val="455A64"/>
-                </a:solidFill>
-                <a:latin typeface="Helvetica Neue"/>
-              </a:rPr>
-              <a:t>装饰器是一个</a:t>
-            </a:r>
-            <a:r>
-              <a:rPr lang="zh-CN" altLang="en-US" b="1" dirty="0">
-                <a:solidFill>
-                  <a:srgbClr val="455A64"/>
-                </a:solidFill>
-                <a:latin typeface="Helvetica Neue"/>
-              </a:rPr>
-              <a:t>函数</a:t>
-            </a:r>
-            <a:r>
-              <a:rPr lang="zh-CN" altLang="en-US" dirty="0">
-                <a:solidFill>
-                  <a:srgbClr val="455A64"/>
-                </a:solidFill>
-                <a:latin typeface="Helvetica Neue"/>
-              </a:rPr>
-              <a:t>，它将元数据添加到类、类成员（属性、方法）和函数参数。</a:t>
-            </a:r>
-            <a:endParaRPr lang="zh-CN" altLang="en-US" dirty="0"/>
-          </a:p>
-        </p:txBody>
-      </p:sp>
-      <p:sp>
-        <p:nvSpPr>
-          <p:cNvPr id="5" name="矩形 4"/>
-          <p:cNvSpPr/>
-          <p:nvPr/>
-        </p:nvSpPr>
-        <p:spPr>
-          <a:xfrm>
-            <a:off x="1457164" y="3006682"/>
-            <a:ext cx="1354858" cy="369332"/>
-          </a:xfrm>
-          <a:prstGeom prst="rect">
-            <a:avLst/>
-          </a:prstGeom>
-        </p:spPr>
-        <p:txBody>
           <a:bodyPr wrap="none">
             <a:spAutoFit/>
           </a:bodyPr>
           <a:lstStyle/>
           <a:p>
-            <a:r>
-              <a:rPr lang="en-US" altLang="zh-CN" b="1" dirty="0">
-                <a:solidFill>
-                  <a:srgbClr val="0097A7"/>
-                </a:solidFill>
-                <a:latin typeface="Monaco"/>
-              </a:rPr>
-              <a:t>@Component</a:t>
-            </a:r>
-            <a:endParaRPr lang="zh-CN" altLang="en-US" dirty="0"/>
-          </a:p>
-        </p:txBody>
-      </p:sp>
-      <p:sp>
-        <p:nvSpPr>
-          <p:cNvPr id="7" name="矩形 6"/>
-          <p:cNvSpPr/>
-          <p:nvPr/>
-        </p:nvSpPr>
-        <p:spPr>
-          <a:xfrm>
-            <a:off x="1457164" y="3594379"/>
-            <a:ext cx="1454244" cy="369332"/>
-          </a:xfrm>
-          <a:prstGeom prst="rect">
-            <a:avLst/>
-          </a:prstGeom>
-        </p:spPr>
-        <p:txBody>
-          <a:bodyPr wrap="none">
-            <a:spAutoFit/>
-          </a:bodyPr>
-          <a:lstStyle/>
-          <a:p>
-            <a:r>
-              <a:rPr lang="en-US" altLang="zh-CN" dirty="0">
-                <a:solidFill>
-                  <a:srgbClr val="546E7A"/>
-                </a:solidFill>
-                <a:latin typeface="Helvetica Neue"/>
-              </a:rPr>
-              <a:t>@Injectable</a:t>
-            </a:r>
-            <a:endParaRPr lang="zh-CN" altLang="en-US" dirty="0"/>
-          </a:p>
-        </p:txBody>
-      </p:sp>
-      <p:sp>
-        <p:nvSpPr>
-          <p:cNvPr id="8" name="矩形 7"/>
-          <p:cNvSpPr/>
-          <p:nvPr/>
-        </p:nvSpPr>
-        <p:spPr>
-          <a:xfrm>
-            <a:off x="1457164" y="4182076"/>
-            <a:ext cx="769763" cy="369332"/>
-          </a:xfrm>
-          <a:prstGeom prst="rect">
-            <a:avLst/>
-          </a:prstGeom>
-        </p:spPr>
-        <p:txBody>
-          <a:bodyPr wrap="none">
-            <a:spAutoFit/>
-          </a:bodyPr>
-          <a:lstStyle/>
-          <a:p>
-            <a:r>
-              <a:rPr lang="en-US" altLang="zh-CN" b="1" dirty="0">
-                <a:solidFill>
-                  <a:srgbClr val="00796B"/>
-                </a:solidFill>
-                <a:latin typeface="Monaco"/>
-              </a:rPr>
-              <a:t>@Pipe</a:t>
-            </a:r>
-            <a:endParaRPr lang="zh-CN" altLang="en-US" dirty="0"/>
-          </a:p>
-        </p:txBody>
-      </p:sp>
-      <p:sp>
-        <p:nvSpPr>
-          <p:cNvPr id="9" name="矩形 8"/>
-          <p:cNvSpPr/>
-          <p:nvPr/>
-        </p:nvSpPr>
-        <p:spPr>
-          <a:xfrm>
-            <a:off x="1332931" y="4769773"/>
-            <a:ext cx="1471878" cy="369332"/>
-          </a:xfrm>
-          <a:prstGeom prst="rect">
-            <a:avLst/>
-          </a:prstGeom>
-        </p:spPr>
-        <p:txBody>
-          <a:bodyPr wrap="none">
-            <a:spAutoFit/>
-          </a:bodyPr>
-          <a:lstStyle/>
-          <a:p>
-            <a:r>
-              <a:rPr lang="en-US" altLang="zh-CN" b="1" dirty="0">
-                <a:solidFill>
-                  <a:srgbClr val="00796B"/>
-                </a:solidFill>
-                <a:latin typeface="Monaco"/>
-              </a:rPr>
-              <a:t> @Directive</a:t>
-            </a:r>
-            <a:endParaRPr lang="zh-CN" altLang="en-US" dirty="0"/>
-          </a:p>
-        </p:txBody>
-      </p:sp>
-      <p:sp>
-        <p:nvSpPr>
-          <p:cNvPr id="12" name="矩形 11"/>
-          <p:cNvSpPr/>
-          <p:nvPr/>
-        </p:nvSpPr>
-        <p:spPr>
-          <a:xfrm>
-            <a:off x="124233" y="2418985"/>
-            <a:ext cx="1114408" cy="369332"/>
-          </a:xfrm>
-          <a:prstGeom prst="rect">
-            <a:avLst/>
-          </a:prstGeom>
-        </p:spPr>
-        <p:txBody>
-          <a:bodyPr wrap="none">
-            <a:spAutoFit/>
-          </a:bodyPr>
-          <a:lstStyle/>
-          <a:p>
             <a:pPr latinLnBrk="1"/>
             <a:r>
               <a:rPr lang="zh-CN" altLang="en-US" b="1" dirty="0">
@@ -3583,7 +3644,7 @@
                 </a:solidFill>
                 <a:latin typeface="RobotoRegular"/>
               </a:rPr>
-              <a:t>类装饰器</a:t>
+              <a:t>属性装饰器</a:t>
             </a:r>
             <a:endParaRPr lang="zh-CN" altLang="en-US" b="1" i="0" dirty="0">
               <a:solidFill>
@@ -3595,10 +3656,350 @@
           </a:p>
         </p:txBody>
       </p:sp>
+      <p:sp>
+        <p:nvSpPr>
+          <p:cNvPr id="13" name="矩形 12"/>
+          <p:cNvSpPr/>
+          <p:nvPr/>
+        </p:nvSpPr>
+        <p:spPr>
+          <a:xfrm>
+            <a:off x="255576" y="3301375"/>
+            <a:ext cx="1346844" cy="369332"/>
+          </a:xfrm>
+          <a:prstGeom prst="rect">
+            <a:avLst/>
+          </a:prstGeom>
+        </p:spPr>
+        <p:txBody>
+          <a:bodyPr wrap="none">
+            <a:spAutoFit/>
+          </a:bodyPr>
+          <a:lstStyle/>
+          <a:p>
+            <a:pPr latinLnBrk="1"/>
+            <a:r>
+              <a:rPr lang="zh-CN" altLang="en-US" b="1" dirty="0">
+                <a:solidFill>
+                  <a:srgbClr val="333333"/>
+                </a:solidFill>
+                <a:latin typeface="RobotoRegular"/>
+              </a:rPr>
+              <a:t>参数装饰器</a:t>
+            </a:r>
+            <a:endParaRPr lang="zh-CN" altLang="en-US" b="1" i="0" dirty="0">
+              <a:solidFill>
+                <a:srgbClr val="333333"/>
+              </a:solidFill>
+              <a:effectLst/>
+              <a:latin typeface="RobotoRegular"/>
+            </a:endParaRPr>
+          </a:p>
+        </p:txBody>
+      </p:sp>
+      <p:sp>
+        <p:nvSpPr>
+          <p:cNvPr id="14" name="矩形 13"/>
+          <p:cNvSpPr/>
+          <p:nvPr/>
+        </p:nvSpPr>
+        <p:spPr>
+          <a:xfrm>
+            <a:off x="1602420" y="3301375"/>
+            <a:ext cx="6096000" cy="3139321"/>
+          </a:xfrm>
+          <a:prstGeom prst="rect">
+            <a:avLst/>
+          </a:prstGeom>
+        </p:spPr>
+        <p:txBody>
+          <a:bodyPr>
+            <a:spAutoFit/>
+          </a:bodyPr>
+          <a:lstStyle/>
+          <a:p>
+            <a:pPr latinLnBrk="1"/>
+            <a:r>
+              <a:rPr lang="en-US" altLang="zh-CN" b="1" dirty="0">
+                <a:solidFill>
+                  <a:srgbClr val="333333"/>
+                </a:solidFill>
+                <a:latin typeface="RobotoRegular"/>
+              </a:rPr>
+              <a:t>@Inject</a:t>
+            </a:r>
+            <a:r>
+              <a:rPr lang="zh-CN" altLang="en-US" dirty="0">
+                <a:solidFill>
+                  <a:srgbClr val="333333"/>
+                </a:solidFill>
+                <a:latin typeface="RobotoRegular"/>
+              </a:rPr>
+              <a:t>指定依赖关系的参数装饰器</a:t>
+            </a:r>
+            <a:r>
+              <a:rPr lang="en-US" altLang="zh-CN" dirty="0">
+                <a:solidFill>
+                  <a:srgbClr val="333333"/>
+                </a:solidFill>
+                <a:latin typeface="RobotoRegular"/>
+              </a:rPr>
+              <a:t>(</a:t>
+            </a:r>
+            <a:r>
+              <a:rPr lang="zh-CN" altLang="en-US" dirty="0">
+                <a:solidFill>
+                  <a:srgbClr val="333333"/>
+                </a:solidFill>
+                <a:latin typeface="RobotoRegular"/>
+              </a:rPr>
+              <a:t>一般用来注入被标记</a:t>
+            </a:r>
+            <a:r>
+              <a:rPr lang="en-US" altLang="zh-CN" dirty="0">
+                <a:solidFill>
+                  <a:srgbClr val="333333"/>
+                </a:solidFill>
+                <a:latin typeface="RobotoRegular"/>
+              </a:rPr>
+              <a:t>Injectable</a:t>
+            </a:r>
+            <a:r>
+              <a:rPr lang="zh-CN" altLang="en-US" dirty="0">
+                <a:solidFill>
+                  <a:srgbClr val="333333"/>
+                </a:solidFill>
+                <a:latin typeface="RobotoRegular"/>
+              </a:rPr>
+              <a:t>的类</a:t>
+            </a:r>
+            <a:r>
+              <a:rPr lang="en-US" altLang="zh-CN" dirty="0" smtClean="0">
+                <a:solidFill>
+                  <a:srgbClr val="333333"/>
+                </a:solidFill>
+                <a:latin typeface="RobotoRegular"/>
+              </a:rPr>
+              <a:t>)</a:t>
+            </a:r>
+          </a:p>
+          <a:p>
+            <a:pPr latinLnBrk="1"/>
+            <a:endParaRPr lang="en-US" altLang="zh-CN" dirty="0">
+              <a:solidFill>
+                <a:srgbClr val="333333"/>
+              </a:solidFill>
+              <a:latin typeface="RobotoRegular"/>
+            </a:endParaRPr>
+          </a:p>
+          <a:p>
+            <a:pPr latinLnBrk="1"/>
+            <a:r>
+              <a:rPr lang="en-US" altLang="zh-CN" b="1" dirty="0">
+                <a:solidFill>
+                  <a:srgbClr val="333333"/>
+                </a:solidFill>
+                <a:latin typeface="RobotoRegular"/>
+              </a:rPr>
+              <a:t>@Optional</a:t>
+            </a:r>
+            <a:r>
+              <a:rPr lang="zh-CN" altLang="en-US" dirty="0">
+                <a:solidFill>
+                  <a:srgbClr val="333333"/>
+                </a:solidFill>
+                <a:latin typeface="RobotoRegular"/>
+              </a:rPr>
+              <a:t>将依赖项标记为可选的参数元数据</a:t>
+            </a:r>
+            <a:r>
+              <a:rPr lang="en-US" altLang="zh-CN" dirty="0">
+                <a:solidFill>
+                  <a:srgbClr val="333333"/>
+                </a:solidFill>
+                <a:latin typeface="RobotoRegular"/>
+              </a:rPr>
+              <a:t>. </a:t>
+            </a:r>
+            <a:r>
+              <a:rPr lang="zh-CN" altLang="en-US" dirty="0">
+                <a:solidFill>
+                  <a:srgbClr val="333333"/>
+                </a:solidFill>
+                <a:latin typeface="RobotoRegular"/>
+              </a:rPr>
+              <a:t>如果没有找到依赖关系</a:t>
+            </a:r>
+            <a:r>
+              <a:rPr lang="en-US" altLang="zh-CN" dirty="0">
+                <a:solidFill>
+                  <a:srgbClr val="333333"/>
+                </a:solidFill>
+                <a:latin typeface="RobotoRegular"/>
+              </a:rPr>
+              <a:t>,</a:t>
+            </a:r>
+            <a:r>
+              <a:rPr lang="zh-CN" altLang="en-US" dirty="0">
+                <a:solidFill>
+                  <a:srgbClr val="333333"/>
+                </a:solidFill>
+                <a:latin typeface="RobotoRegular"/>
+              </a:rPr>
+              <a:t>注射器将提供</a:t>
+            </a:r>
+            <a:r>
+              <a:rPr lang="en-US" altLang="zh-CN" dirty="0" smtClean="0">
+                <a:solidFill>
+                  <a:srgbClr val="333333"/>
+                </a:solidFill>
+                <a:latin typeface="RobotoRegular"/>
+              </a:rPr>
+              <a:t>null</a:t>
+            </a:r>
+          </a:p>
+          <a:p>
+            <a:pPr latinLnBrk="1"/>
+            <a:endParaRPr lang="en-US" altLang="zh-CN" dirty="0">
+              <a:solidFill>
+                <a:srgbClr val="333333"/>
+              </a:solidFill>
+              <a:latin typeface="RobotoRegular"/>
+            </a:endParaRPr>
+          </a:p>
+          <a:p>
+            <a:pPr latinLnBrk="1"/>
+            <a:r>
+              <a:rPr lang="en-US" altLang="zh-CN" b="1" dirty="0">
+                <a:solidFill>
+                  <a:srgbClr val="333333"/>
+                </a:solidFill>
+                <a:latin typeface="RobotoRegular"/>
+              </a:rPr>
+              <a:t>@Self</a:t>
+            </a:r>
+            <a:r>
+              <a:rPr lang="zh-CN" altLang="en-US" dirty="0">
+                <a:solidFill>
+                  <a:srgbClr val="333333"/>
+                </a:solidFill>
+                <a:latin typeface="RobotoRegular"/>
+              </a:rPr>
+              <a:t>指定注射器只能从本身检索依赖</a:t>
+            </a:r>
+            <a:r>
+              <a:rPr lang="zh-CN" altLang="en-US" dirty="0" smtClean="0">
+                <a:solidFill>
+                  <a:srgbClr val="333333"/>
+                </a:solidFill>
+                <a:latin typeface="RobotoRegular"/>
+              </a:rPr>
+              <a:t>关系</a:t>
+            </a:r>
+            <a:endParaRPr lang="en-US" altLang="zh-CN" dirty="0" smtClean="0">
+              <a:solidFill>
+                <a:srgbClr val="333333"/>
+              </a:solidFill>
+              <a:latin typeface="RobotoRegular"/>
+            </a:endParaRPr>
+          </a:p>
+          <a:p>
+            <a:pPr latinLnBrk="1"/>
+            <a:endParaRPr lang="zh-CN" altLang="en-US" dirty="0">
+              <a:solidFill>
+                <a:srgbClr val="333333"/>
+              </a:solidFill>
+              <a:latin typeface="RobotoRegular"/>
+            </a:endParaRPr>
+          </a:p>
+          <a:p>
+            <a:pPr latinLnBrk="1"/>
+            <a:r>
+              <a:rPr lang="en-US" altLang="zh-CN" b="1" dirty="0">
+                <a:solidFill>
+                  <a:srgbClr val="333333"/>
+                </a:solidFill>
+                <a:latin typeface="RobotoRegular"/>
+              </a:rPr>
+              <a:t>@</a:t>
+            </a:r>
+            <a:r>
+              <a:rPr lang="en-US" altLang="zh-CN" b="1" dirty="0" err="1">
+                <a:solidFill>
+                  <a:srgbClr val="333333"/>
+                </a:solidFill>
+                <a:latin typeface="RobotoRegular"/>
+              </a:rPr>
+              <a:t>SkipSelf</a:t>
+            </a:r>
+            <a:r>
+              <a:rPr lang="zh-CN" altLang="en-US" dirty="0">
+                <a:solidFill>
+                  <a:srgbClr val="333333"/>
+                </a:solidFill>
+                <a:latin typeface="RobotoRegular"/>
+              </a:rPr>
+              <a:t>指定注射器只能从父类检索依赖</a:t>
+            </a:r>
+            <a:r>
+              <a:rPr lang="zh-CN" altLang="en-US" dirty="0" smtClean="0">
+                <a:solidFill>
+                  <a:srgbClr val="333333"/>
+                </a:solidFill>
+                <a:latin typeface="RobotoRegular"/>
+              </a:rPr>
+              <a:t>关系</a:t>
+            </a:r>
+            <a:endParaRPr lang="en-US" altLang="zh-CN" dirty="0" smtClean="0">
+              <a:solidFill>
+                <a:srgbClr val="333333"/>
+              </a:solidFill>
+              <a:latin typeface="RobotoRegular"/>
+            </a:endParaRPr>
+          </a:p>
+          <a:p>
+            <a:pPr latinLnBrk="1"/>
+            <a:endParaRPr lang="zh-CN" altLang="en-US" dirty="0">
+              <a:solidFill>
+                <a:srgbClr val="333333"/>
+              </a:solidFill>
+              <a:latin typeface="RobotoRegular"/>
+            </a:endParaRPr>
+          </a:p>
+          <a:p>
+            <a:pPr latinLnBrk="1"/>
+            <a:r>
+              <a:rPr lang="en-US" altLang="zh-CN" b="1" dirty="0">
+                <a:solidFill>
+                  <a:srgbClr val="333333"/>
+                </a:solidFill>
+                <a:latin typeface="RobotoRegular"/>
+              </a:rPr>
+              <a:t>@Host</a:t>
+            </a:r>
+            <a:r>
+              <a:rPr lang="zh-CN" altLang="en-US" dirty="0">
+                <a:solidFill>
+                  <a:srgbClr val="333333"/>
+                </a:solidFill>
+                <a:latin typeface="RobotoRegular"/>
+              </a:rPr>
+              <a:t>按照依赖关系来检索</a:t>
+            </a:r>
+            <a:endParaRPr lang="zh-CN" altLang="en-US" b="0" i="0" dirty="0">
+              <a:solidFill>
+                <a:srgbClr val="333333"/>
+              </a:solidFill>
+              <a:effectLst/>
+              <a:latin typeface="RobotoRegular"/>
+            </a:endParaRPr>
+          </a:p>
+        </p:txBody>
+      </p:sp>
     </p:spTree>
     <p:extLst>
       <p:ext uri="{BB962C8B-B14F-4D97-AF65-F5344CB8AC3E}">
-        <p14:creationId xmlns:p14="http://schemas.microsoft.com/office/powerpoint/2010/main" val="2057613772"/>
+        <p14:creationId xmlns:p14="http://schemas.microsoft.com/office/powerpoint/2010/main" val="1603350427"/>
       </p:ext>
     </p:extLst>
   </p:cSld>
@@ -3627,213 +4028,48 @@
       </p:grpSpPr>
       <p:sp>
         <p:nvSpPr>
-          <p:cNvPr id="10" name="矩形 9"/>
+          <p:cNvPr id="6" name="矩形 5"/>
           <p:cNvSpPr/>
           <p:nvPr/>
         </p:nvSpPr>
         <p:spPr>
           <a:xfrm>
-            <a:off x="1602420" y="144026"/>
-            <a:ext cx="6096000" cy="2862322"/>
+            <a:off x="277505" y="1973071"/>
+            <a:ext cx="11691582" cy="646331"/>
           </a:xfrm>
           <a:prstGeom prst="rect">
             <a:avLst/>
           </a:prstGeom>
         </p:spPr>
         <p:txBody>
-          <a:bodyPr>
+          <a:bodyPr wrap="square">
             <a:spAutoFit/>
           </a:bodyPr>
           <a:lstStyle/>
           <a:p>
             <a:r>
-              <a:rPr lang="en-US" altLang="zh-CN" b="1" dirty="0">
-                <a:solidFill>
-                  <a:srgbClr val="546E7A"/>
-                </a:solidFill>
-                <a:latin typeface="Roboto"/>
-              </a:rPr>
-              <a:t>  </a:t>
-            </a:r>
-            <a:endParaRPr lang="en-US" altLang="zh-CN" b="1" dirty="0" smtClean="0">
-              <a:solidFill>
-                <a:srgbClr val="546E7A"/>
-              </a:solidFill>
-              <a:latin typeface="Roboto"/>
-            </a:endParaRPr>
-          </a:p>
-          <a:p>
-            <a:r>
-              <a:rPr lang="en-US" altLang="zh-CN" b="1" dirty="0" smtClean="0">
-                <a:solidFill>
-                  <a:srgbClr val="546E7A"/>
-                </a:solidFill>
-                <a:latin typeface="Roboto"/>
-              </a:rPr>
-              <a:t>@</a:t>
-            </a:r>
-            <a:r>
-              <a:rPr lang="en-US" altLang="zh-CN" b="1" dirty="0">
-                <a:solidFill>
-                  <a:srgbClr val="546E7A"/>
-                </a:solidFill>
-                <a:latin typeface="Roboto"/>
-              </a:rPr>
-              <a:t>Input() </a:t>
-            </a:r>
-            <a:endParaRPr lang="en-US" altLang="zh-CN" b="1" dirty="0" smtClean="0">
-              <a:solidFill>
-                <a:srgbClr val="546E7A"/>
-              </a:solidFill>
-              <a:latin typeface="Roboto"/>
-            </a:endParaRPr>
-          </a:p>
-          <a:p>
-            <a:endParaRPr lang="en-US" altLang="zh-CN" b="1" dirty="0">
-              <a:solidFill>
-                <a:srgbClr val="546E7A"/>
-              </a:solidFill>
-              <a:latin typeface="Roboto"/>
-            </a:endParaRPr>
-          </a:p>
-          <a:p>
-            <a:r>
-              <a:rPr lang="en-US" altLang="zh-CN" b="1" dirty="0" smtClean="0">
-                <a:solidFill>
-                  <a:srgbClr val="546E7A"/>
-                </a:solidFill>
-                <a:latin typeface="Roboto"/>
-              </a:rPr>
-              <a:t>@</a:t>
-            </a:r>
-            <a:r>
-              <a:rPr lang="en-US" altLang="zh-CN" b="1" dirty="0">
-                <a:solidFill>
-                  <a:srgbClr val="546E7A"/>
-                </a:solidFill>
-                <a:latin typeface="Roboto"/>
-              </a:rPr>
-              <a:t>Output() </a:t>
-            </a:r>
-            <a:endParaRPr lang="en-US" altLang="zh-CN" b="1" dirty="0" smtClean="0">
-              <a:solidFill>
-                <a:srgbClr val="546E7A"/>
-              </a:solidFill>
-              <a:latin typeface="Roboto"/>
-            </a:endParaRPr>
-          </a:p>
-          <a:p>
-            <a:endParaRPr lang="en-US" altLang="zh-CN" b="1" dirty="0">
-              <a:solidFill>
-                <a:srgbClr val="546E7A"/>
-              </a:solidFill>
-              <a:latin typeface="Roboto"/>
-            </a:endParaRPr>
-          </a:p>
-          <a:p>
-            <a:r>
-              <a:rPr lang="en-US" altLang="zh-CN" b="1" dirty="0" smtClean="0">
-                <a:solidFill>
-                  <a:srgbClr val="546E7A"/>
-                </a:solidFill>
-                <a:latin typeface="Roboto"/>
-              </a:rPr>
-              <a:t>@</a:t>
-            </a:r>
-            <a:r>
-              <a:rPr lang="en-US" altLang="zh-CN" b="1" dirty="0" err="1">
-                <a:solidFill>
-                  <a:srgbClr val="546E7A"/>
-                </a:solidFill>
-                <a:latin typeface="Roboto"/>
-              </a:rPr>
-              <a:t>HostBinding</a:t>
-            </a:r>
-            <a:r>
-              <a:rPr lang="en-US" altLang="zh-CN" b="1" dirty="0">
-                <a:solidFill>
-                  <a:srgbClr val="546E7A"/>
-                </a:solidFill>
-                <a:latin typeface="Roboto"/>
-              </a:rPr>
-              <a:t> </a:t>
-            </a:r>
-            <a:endParaRPr lang="en-US" altLang="zh-CN" b="1" dirty="0" smtClean="0">
-              <a:solidFill>
-                <a:srgbClr val="546E7A"/>
-              </a:solidFill>
-              <a:latin typeface="Roboto"/>
-            </a:endParaRPr>
-          </a:p>
-          <a:p>
-            <a:endParaRPr lang="en-US" altLang="zh-CN" b="1" dirty="0">
-              <a:solidFill>
-                <a:srgbClr val="546E7A"/>
-              </a:solidFill>
-              <a:latin typeface="Roboto"/>
-            </a:endParaRPr>
-          </a:p>
-          <a:p>
-            <a:r>
-              <a:rPr lang="en-US" altLang="zh-CN" b="1" dirty="0" smtClean="0">
-                <a:solidFill>
-                  <a:srgbClr val="546E7A"/>
-                </a:solidFill>
-                <a:latin typeface="Roboto"/>
-              </a:rPr>
-              <a:t>@</a:t>
-            </a:r>
-            <a:r>
-              <a:rPr lang="en-US" altLang="zh-CN" b="1" dirty="0" err="1">
-                <a:solidFill>
-                  <a:srgbClr val="546E7A"/>
-                </a:solidFill>
-                <a:latin typeface="Roboto"/>
-              </a:rPr>
-              <a:t>HostListener</a:t>
-            </a:r>
-            <a:r>
-              <a:rPr lang="en-US" altLang="zh-CN" b="1" dirty="0">
-                <a:solidFill>
-                  <a:srgbClr val="546E7A"/>
-                </a:solidFill>
-                <a:latin typeface="Roboto"/>
-              </a:rPr>
-              <a:t> </a:t>
-            </a:r>
-            <a:endParaRPr lang="en-US" altLang="zh-CN" b="1" dirty="0" smtClean="0">
-              <a:solidFill>
-                <a:srgbClr val="546E7A"/>
-              </a:solidFill>
-              <a:latin typeface="Roboto"/>
-            </a:endParaRPr>
-          </a:p>
-          <a:p>
-            <a:endParaRPr lang="en-US" altLang="zh-CN" b="1" dirty="0">
-              <a:solidFill>
-                <a:srgbClr val="546E7A"/>
-              </a:solidFill>
-              <a:latin typeface="Roboto"/>
-            </a:endParaRPr>
-          </a:p>
-          <a:p>
-            <a:r>
-              <a:rPr lang="en-US" altLang="zh-CN" b="1" dirty="0" smtClean="0">
-                <a:solidFill>
-                  <a:srgbClr val="546E7A"/>
-                </a:solidFill>
-                <a:latin typeface="Roboto"/>
-              </a:rPr>
-              <a:t>@</a:t>
-            </a:r>
-            <a:r>
-              <a:rPr lang="en-US" altLang="zh-CN" b="1" dirty="0" err="1">
-                <a:solidFill>
-                  <a:srgbClr val="546E7A"/>
-                </a:solidFill>
-                <a:latin typeface="Roboto"/>
-              </a:rPr>
-              <a:t>ContentChild</a:t>
+              <a:rPr lang="en-US" altLang="zh-CN" dirty="0"/>
+              <a:t>While the </a:t>
+            </a:r>
+            <a:r>
+              <a:rPr lang="en-US" altLang="zh-CN" b="1" dirty="0"/>
+              <a:t>root module</a:t>
+            </a:r>
+            <a:r>
+              <a:rPr lang="en-US" altLang="zh-CN" dirty="0"/>
+              <a:t> may be the only module in a small application, most apps have many more </a:t>
+            </a:r>
+            <a:r>
+              <a:rPr lang="en-US" altLang="zh-CN" b="1" dirty="0"/>
+              <a:t>feature modules</a:t>
+            </a:r>
+            <a:r>
+              <a:rPr lang="en-US" altLang="zh-CN" dirty="0"/>
+              <a:t>, each a cohesive block of code dedicated to an application domain, a workflow, or a closely related set of capabilities</a:t>
+            </a:r>
+            <a:r>
+              <a:rPr lang="en-US" altLang="zh-CN" dirty="0" smtClean="0"/>
+              <a:t>.</a:t>
             </a:r>
             <a:endParaRPr lang="zh-CN" altLang="en-US" dirty="0"/>
           </a:p>
@@ -3841,14 +4077,42 @@
       </p:sp>
       <p:sp>
         <p:nvSpPr>
-          <p:cNvPr id="11" name="矩形 10"/>
+          <p:cNvPr id="3" name="标题 2"/>
+          <p:cNvSpPr>
+            <a:spLocks noGrp="1"/>
+          </p:cNvSpPr>
+          <p:nvPr>
+            <p:ph type="ctrTitle"/>
+          </p:nvPr>
+        </p:nvSpPr>
+        <p:spPr>
+          <a:xfrm>
+            <a:off x="1332931" y="518614"/>
+            <a:ext cx="9144000" cy="998775"/>
+          </a:xfrm>
+        </p:spPr>
+        <p:txBody>
+          <a:bodyPr/>
+          <a:lstStyle/>
+          <a:p>
+            <a:r>
+              <a:rPr lang="zh-CN" altLang="en-US" dirty="0" smtClean="0"/>
+              <a:t>模块</a:t>
+            </a:r>
+            <a:endParaRPr lang="zh-CN" altLang="en-US" dirty="0"/>
+          </a:p>
+        </p:txBody>
+      </p:sp>
+      <p:sp>
+        <p:nvSpPr>
+          <p:cNvPr id="4" name="矩形 3"/>
           <p:cNvSpPr/>
           <p:nvPr/>
         </p:nvSpPr>
         <p:spPr>
           <a:xfrm>
-            <a:off x="255576" y="439053"/>
-            <a:ext cx="1346844" cy="369332"/>
+            <a:off x="277505" y="2705752"/>
+            <a:ext cx="1223412" cy="369332"/>
           </a:xfrm>
           <a:prstGeom prst="rect">
             <a:avLst/>
@@ -3860,36 +4124,38 @@
           </a:bodyPr>
           <a:lstStyle/>
           <a:p>
-            <a:pPr latinLnBrk="1"/>
-            <a:r>
-              <a:rPr lang="zh-CN" altLang="en-US" b="1" dirty="0">
-                <a:solidFill>
-                  <a:srgbClr val="333333"/>
-                </a:solidFill>
-                <a:latin typeface="RobotoRegular"/>
-              </a:rPr>
-              <a:t>属性装饰器</a:t>
-            </a:r>
-            <a:endParaRPr lang="zh-CN" altLang="en-US" b="1" i="0" dirty="0">
-              <a:solidFill>
-                <a:srgbClr val="333333"/>
-              </a:solidFill>
-              <a:effectLst/>
-              <a:latin typeface="RobotoRegular"/>
-            </a:endParaRPr>
-          </a:p>
-        </p:txBody>
-      </p:sp>
-      <p:sp>
-        <p:nvSpPr>
-          <p:cNvPr id="13" name="矩形 12"/>
+            <a:r>
+              <a:rPr lang="en-US" altLang="zh-CN" dirty="0">
+                <a:solidFill>
+                  <a:srgbClr val="00796B"/>
+                </a:solidFill>
+                <a:latin typeface="Monaco"/>
+              </a:rPr>
+              <a:t>@</a:t>
+            </a:r>
+            <a:r>
+              <a:rPr lang="en-US" altLang="zh-CN" dirty="0" err="1">
+                <a:solidFill>
+                  <a:srgbClr val="00796B"/>
+                </a:solidFill>
+                <a:latin typeface="Monaco"/>
+              </a:rPr>
+              <a:t>NgModule</a:t>
+            </a:r>
+            <a:endParaRPr lang="zh-CN" altLang="en-US" dirty="0"/>
+          </a:p>
+        </p:txBody>
+      </p:sp>
+      <p:sp>
+        <p:nvSpPr>
+          <p:cNvPr id="11" name="矩形 10"/>
           <p:cNvSpPr/>
           <p:nvPr/>
         </p:nvSpPr>
         <p:spPr>
           <a:xfrm>
-            <a:off x="255576" y="3301375"/>
-            <a:ext cx="1346844" cy="369332"/>
+            <a:off x="670049" y="3628913"/>
+            <a:ext cx="5378395" cy="369332"/>
           </a:xfrm>
           <a:prstGeom prst="rect">
             <a:avLst/>
@@ -3901,329 +4167,168 @@
           </a:bodyPr>
           <a:lstStyle/>
           <a:p>
-            <a:pPr latinLnBrk="1"/>
-            <a:r>
-              <a:rPr lang="zh-CN" altLang="en-US" b="1" dirty="0">
-                <a:solidFill>
-                  <a:srgbClr val="333333"/>
-                </a:solidFill>
-                <a:latin typeface="RobotoRegular"/>
-              </a:rPr>
-              <a:t>参数装饰器</a:t>
-            </a:r>
-            <a:endParaRPr lang="zh-CN" altLang="en-US" b="1" i="0" dirty="0">
-              <a:solidFill>
-                <a:srgbClr val="333333"/>
-              </a:solidFill>
-              <a:effectLst/>
-              <a:latin typeface="RobotoRegular"/>
-            </a:endParaRPr>
-          </a:p>
-        </p:txBody>
-      </p:sp>
-      <p:sp>
-        <p:nvSpPr>
-          <p:cNvPr id="14" name="矩形 13"/>
+            <a:r>
+              <a:rPr lang="en-US" altLang="zh-CN" dirty="0" smtClean="0">
+                <a:solidFill>
+                  <a:srgbClr val="00796B"/>
+                </a:solidFill>
+                <a:latin typeface="Monaco"/>
+              </a:rPr>
+              <a:t>exports – Module, Pipe, Directive, Component</a:t>
+            </a:r>
+            <a:endParaRPr lang="zh-CN" altLang="en-US" dirty="0"/>
+          </a:p>
+        </p:txBody>
+      </p:sp>
+      <p:sp>
+        <p:nvSpPr>
+          <p:cNvPr id="13" name="矩形 12"/>
           <p:cNvSpPr/>
           <p:nvPr/>
         </p:nvSpPr>
         <p:spPr>
           <a:xfrm>
-            <a:off x="1602420" y="3301375"/>
-            <a:ext cx="6096000" cy="3139321"/>
+            <a:off x="670049" y="3131908"/>
+            <a:ext cx="5262979" cy="369332"/>
           </a:xfrm>
           <a:prstGeom prst="rect">
             <a:avLst/>
           </a:prstGeom>
         </p:spPr>
         <p:txBody>
-          <a:bodyPr>
+          <a:bodyPr wrap="none">
             <a:spAutoFit/>
           </a:bodyPr>
           <a:lstStyle/>
           <a:p>
-            <a:pPr latinLnBrk="1"/>
-            <a:r>
-              <a:rPr lang="en-US" altLang="zh-CN" b="1" dirty="0">
-                <a:solidFill>
-                  <a:srgbClr val="333333"/>
-                </a:solidFill>
-                <a:latin typeface="RobotoRegular"/>
-              </a:rPr>
-              <a:t>@Inject</a:t>
-            </a:r>
-            <a:r>
-              <a:rPr lang="zh-CN" altLang="en-US" dirty="0">
-                <a:solidFill>
-                  <a:srgbClr val="333333"/>
-                </a:solidFill>
-                <a:latin typeface="RobotoRegular"/>
-              </a:rPr>
-              <a:t>指定依赖关系的参数装饰器</a:t>
-            </a:r>
+            <a:r>
+              <a:rPr lang="en-US" altLang="zh-CN" dirty="0" smtClean="0">
+                <a:solidFill>
+                  <a:srgbClr val="00796B"/>
+                </a:solidFill>
+                <a:latin typeface="Monaco"/>
+              </a:rPr>
+              <a:t>declarations – Component, Directive, Pipe </a:t>
+            </a:r>
+            <a:endParaRPr lang="zh-CN" altLang="en-US" dirty="0"/>
+          </a:p>
+        </p:txBody>
+      </p:sp>
+      <p:sp>
+        <p:nvSpPr>
+          <p:cNvPr id="14" name="矩形 13"/>
+          <p:cNvSpPr/>
+          <p:nvPr/>
+        </p:nvSpPr>
+        <p:spPr>
+          <a:xfrm>
+            <a:off x="670048" y="4125918"/>
+            <a:ext cx="2031325" cy="369332"/>
+          </a:xfrm>
+          <a:prstGeom prst="rect">
+            <a:avLst/>
+          </a:prstGeom>
+        </p:spPr>
+        <p:txBody>
+          <a:bodyPr wrap="none">
+            <a:spAutoFit/>
+          </a:bodyPr>
+          <a:lstStyle/>
+          <a:p>
+            <a:r>
+              <a:rPr lang="en-US" altLang="zh-CN" dirty="0" smtClean="0">
+                <a:solidFill>
+                  <a:srgbClr val="00796B"/>
+                </a:solidFill>
+                <a:latin typeface="Monaco"/>
+              </a:rPr>
+              <a:t>imports - Module</a:t>
+            </a:r>
+            <a:endParaRPr lang="zh-CN" altLang="en-US" dirty="0"/>
+          </a:p>
+        </p:txBody>
+      </p:sp>
+      <p:sp>
+        <p:nvSpPr>
+          <p:cNvPr id="15" name="矩形 14"/>
+          <p:cNvSpPr/>
+          <p:nvPr/>
+        </p:nvSpPr>
+        <p:spPr>
+          <a:xfrm>
+            <a:off x="670048" y="4622923"/>
+            <a:ext cx="2377574" cy="369332"/>
+          </a:xfrm>
+          <a:prstGeom prst="rect">
+            <a:avLst/>
+          </a:prstGeom>
+        </p:spPr>
+        <p:txBody>
+          <a:bodyPr wrap="none">
+            <a:spAutoFit/>
+          </a:bodyPr>
+          <a:lstStyle/>
+          <a:p>
+            <a:r>
+              <a:rPr lang="en-US" altLang="zh-CN" dirty="0" smtClean="0">
+                <a:solidFill>
+                  <a:srgbClr val="00796B"/>
+                </a:solidFill>
+                <a:latin typeface="Monaco"/>
+              </a:rPr>
+              <a:t>Providers </a:t>
+            </a:r>
+            <a:r>
+              <a:rPr lang="en-US" altLang="zh-CN" dirty="0" smtClean="0">
+                <a:solidFill>
+                  <a:srgbClr val="00796B"/>
+                </a:solidFill>
+                <a:latin typeface="Monaco"/>
+              </a:rPr>
+              <a:t>–Service</a:t>
+            </a:r>
+            <a:endParaRPr lang="zh-CN" altLang="en-US" dirty="0"/>
+          </a:p>
+        </p:txBody>
+      </p:sp>
+      <p:sp>
+        <p:nvSpPr>
+          <p:cNvPr id="16" name="矩形 15"/>
+          <p:cNvSpPr/>
+          <p:nvPr/>
+        </p:nvSpPr>
+        <p:spPr>
+          <a:xfrm>
+            <a:off x="670048" y="5176752"/>
+            <a:ext cx="1223412" cy="369332"/>
+          </a:xfrm>
+          <a:prstGeom prst="rect">
+            <a:avLst/>
+          </a:prstGeom>
+        </p:spPr>
+        <p:txBody>
+          <a:bodyPr wrap="none">
+            <a:spAutoFit/>
+          </a:bodyPr>
+          <a:lstStyle/>
+          <a:p>
             <a:r>
               <a:rPr lang="en-US" altLang="zh-CN" dirty="0">
                 <a:solidFill>
-                  <a:srgbClr val="333333"/>
-                </a:solidFill>
-                <a:latin typeface="RobotoRegular"/>
-              </a:rPr>
-              <a:t>(</a:t>
-            </a:r>
-            <a:r>
-              <a:rPr lang="zh-CN" altLang="en-US" dirty="0">
-                <a:solidFill>
-                  <a:srgbClr val="333333"/>
-                </a:solidFill>
-                <a:latin typeface="RobotoRegular"/>
-              </a:rPr>
-              <a:t>一般用来注入被标记</a:t>
-            </a:r>
-            <a:r>
-              <a:rPr lang="en-US" altLang="zh-CN" dirty="0">
-                <a:solidFill>
-                  <a:srgbClr val="333333"/>
-                </a:solidFill>
-                <a:latin typeface="RobotoRegular"/>
-              </a:rPr>
-              <a:t>Injectable</a:t>
-            </a:r>
-            <a:r>
-              <a:rPr lang="zh-CN" altLang="en-US" dirty="0">
-                <a:solidFill>
-                  <a:srgbClr val="333333"/>
-                </a:solidFill>
-                <a:latin typeface="RobotoRegular"/>
-              </a:rPr>
-              <a:t>的类</a:t>
-            </a:r>
-            <a:r>
-              <a:rPr lang="en-US" altLang="zh-CN" dirty="0" smtClean="0">
-                <a:solidFill>
-                  <a:srgbClr val="333333"/>
-                </a:solidFill>
-                <a:latin typeface="RobotoRegular"/>
-              </a:rPr>
-              <a:t>)</a:t>
-            </a:r>
-          </a:p>
-          <a:p>
-            <a:pPr latinLnBrk="1"/>
-            <a:endParaRPr lang="en-US" altLang="zh-CN" dirty="0">
-              <a:solidFill>
-                <a:srgbClr val="333333"/>
-              </a:solidFill>
-              <a:latin typeface="RobotoRegular"/>
-            </a:endParaRPr>
-          </a:p>
-          <a:p>
-            <a:pPr latinLnBrk="1"/>
-            <a:r>
-              <a:rPr lang="en-US" altLang="zh-CN" b="1" dirty="0">
-                <a:solidFill>
-                  <a:srgbClr val="333333"/>
-                </a:solidFill>
-                <a:latin typeface="RobotoRegular"/>
-              </a:rPr>
-              <a:t>@Optional</a:t>
-            </a:r>
-            <a:r>
-              <a:rPr lang="zh-CN" altLang="en-US" dirty="0">
-                <a:solidFill>
-                  <a:srgbClr val="333333"/>
-                </a:solidFill>
-                <a:latin typeface="RobotoRegular"/>
-              </a:rPr>
-              <a:t>将依赖项标记为可选的参数元数据</a:t>
-            </a:r>
-            <a:r>
-              <a:rPr lang="en-US" altLang="zh-CN" dirty="0">
-                <a:solidFill>
-                  <a:srgbClr val="333333"/>
-                </a:solidFill>
-                <a:latin typeface="RobotoRegular"/>
-              </a:rPr>
-              <a:t>. </a:t>
-            </a:r>
-            <a:r>
-              <a:rPr lang="zh-CN" altLang="en-US" dirty="0">
-                <a:solidFill>
-                  <a:srgbClr val="333333"/>
-                </a:solidFill>
-                <a:latin typeface="RobotoRegular"/>
-              </a:rPr>
-              <a:t>如果没有找到依赖关系</a:t>
-            </a:r>
-            <a:r>
-              <a:rPr lang="en-US" altLang="zh-CN" dirty="0">
-                <a:solidFill>
-                  <a:srgbClr val="333333"/>
-                </a:solidFill>
-                <a:latin typeface="RobotoRegular"/>
-              </a:rPr>
-              <a:t>,</a:t>
-            </a:r>
-            <a:r>
-              <a:rPr lang="zh-CN" altLang="en-US" dirty="0">
-                <a:solidFill>
-                  <a:srgbClr val="333333"/>
-                </a:solidFill>
-                <a:latin typeface="RobotoRegular"/>
-              </a:rPr>
-              <a:t>注射器将提供</a:t>
-            </a:r>
-            <a:r>
-              <a:rPr lang="en-US" altLang="zh-CN" dirty="0" smtClean="0">
-                <a:solidFill>
-                  <a:srgbClr val="333333"/>
-                </a:solidFill>
-                <a:latin typeface="RobotoRegular"/>
-              </a:rPr>
-              <a:t>null</a:t>
-            </a:r>
-          </a:p>
-          <a:p>
-            <a:pPr latinLnBrk="1"/>
-            <a:endParaRPr lang="en-US" altLang="zh-CN" dirty="0">
-              <a:solidFill>
-                <a:srgbClr val="333333"/>
-              </a:solidFill>
-              <a:latin typeface="RobotoRegular"/>
-            </a:endParaRPr>
-          </a:p>
-          <a:p>
-            <a:pPr latinLnBrk="1"/>
-            <a:r>
-              <a:rPr lang="en-US" altLang="zh-CN" b="1" dirty="0">
-                <a:solidFill>
-                  <a:srgbClr val="333333"/>
-                </a:solidFill>
-                <a:latin typeface="RobotoRegular"/>
-              </a:rPr>
-              <a:t>@Self</a:t>
-            </a:r>
-            <a:r>
-              <a:rPr lang="zh-CN" altLang="en-US" dirty="0">
-                <a:solidFill>
-                  <a:srgbClr val="333333"/>
-                </a:solidFill>
-                <a:latin typeface="RobotoRegular"/>
-              </a:rPr>
-              <a:t>指定注射器只能从本身检索依赖</a:t>
-            </a:r>
-            <a:r>
-              <a:rPr lang="zh-CN" altLang="en-US" dirty="0" smtClean="0">
-                <a:solidFill>
-                  <a:srgbClr val="333333"/>
-                </a:solidFill>
-                <a:latin typeface="RobotoRegular"/>
-              </a:rPr>
-              <a:t>关系</a:t>
-            </a:r>
-            <a:endParaRPr lang="en-US" altLang="zh-CN" dirty="0" smtClean="0">
-              <a:solidFill>
-                <a:srgbClr val="333333"/>
-              </a:solidFill>
-              <a:latin typeface="RobotoRegular"/>
-            </a:endParaRPr>
-          </a:p>
-          <a:p>
-            <a:pPr latinLnBrk="1"/>
-            <a:endParaRPr lang="zh-CN" altLang="en-US" dirty="0">
-              <a:solidFill>
-                <a:srgbClr val="333333"/>
-              </a:solidFill>
-              <a:latin typeface="RobotoRegular"/>
-            </a:endParaRPr>
-          </a:p>
-          <a:p>
-            <a:pPr latinLnBrk="1"/>
-            <a:r>
-              <a:rPr lang="en-US" altLang="zh-CN" b="1" dirty="0">
-                <a:solidFill>
-                  <a:srgbClr val="333333"/>
-                </a:solidFill>
-                <a:latin typeface="RobotoRegular"/>
-              </a:rPr>
-              <a:t>@</a:t>
-            </a:r>
-            <a:r>
-              <a:rPr lang="en-US" altLang="zh-CN" b="1" dirty="0" err="1">
-                <a:solidFill>
-                  <a:srgbClr val="333333"/>
-                </a:solidFill>
-                <a:latin typeface="RobotoRegular"/>
-              </a:rPr>
-              <a:t>SkipSelf</a:t>
-            </a:r>
-            <a:r>
-              <a:rPr lang="zh-CN" altLang="en-US" dirty="0">
-                <a:solidFill>
-                  <a:srgbClr val="333333"/>
-                </a:solidFill>
-                <a:latin typeface="RobotoRegular"/>
-              </a:rPr>
-              <a:t>指定注射器只能从父类检索依赖</a:t>
-            </a:r>
-            <a:r>
-              <a:rPr lang="zh-CN" altLang="en-US" dirty="0" smtClean="0">
-                <a:solidFill>
-                  <a:srgbClr val="333333"/>
-                </a:solidFill>
-                <a:latin typeface="RobotoRegular"/>
-              </a:rPr>
-              <a:t>关系</a:t>
-            </a:r>
-            <a:endParaRPr lang="en-US" altLang="zh-CN" dirty="0" smtClean="0">
-              <a:solidFill>
-                <a:srgbClr val="333333"/>
-              </a:solidFill>
-              <a:latin typeface="RobotoRegular"/>
-            </a:endParaRPr>
-          </a:p>
-          <a:p>
-            <a:pPr latinLnBrk="1"/>
-            <a:endParaRPr lang="zh-CN" altLang="en-US" dirty="0">
-              <a:solidFill>
-                <a:srgbClr val="333333"/>
-              </a:solidFill>
-              <a:latin typeface="RobotoRegular"/>
-            </a:endParaRPr>
-          </a:p>
-          <a:p>
-            <a:pPr latinLnBrk="1"/>
-            <a:r>
-              <a:rPr lang="en-US" altLang="zh-CN" b="1" dirty="0">
-                <a:solidFill>
-                  <a:srgbClr val="333333"/>
-                </a:solidFill>
-                <a:latin typeface="RobotoRegular"/>
-              </a:rPr>
-              <a:t>@Host</a:t>
-            </a:r>
-            <a:r>
-              <a:rPr lang="zh-CN" altLang="en-US" dirty="0">
-                <a:solidFill>
-                  <a:srgbClr val="333333"/>
-                </a:solidFill>
-                <a:latin typeface="RobotoRegular"/>
-              </a:rPr>
-              <a:t>按照依赖关系来检索</a:t>
-            </a:r>
-            <a:endParaRPr lang="zh-CN" altLang="en-US" b="0" i="0" dirty="0">
-              <a:solidFill>
-                <a:srgbClr val="333333"/>
-              </a:solidFill>
-              <a:effectLst/>
-              <a:latin typeface="RobotoRegular"/>
-            </a:endParaRPr>
+                  <a:srgbClr val="00796B"/>
+                </a:solidFill>
+                <a:latin typeface="Monaco"/>
+              </a:rPr>
+              <a:t>bootstrap</a:t>
+            </a:r>
+            <a:endParaRPr lang="zh-CN" altLang="en-US" dirty="0"/>
           </a:p>
         </p:txBody>
       </p:sp>
     </p:spTree>
     <p:extLst>
       <p:ext uri="{BB962C8B-B14F-4D97-AF65-F5344CB8AC3E}">
-        <p14:creationId xmlns:p14="http://schemas.microsoft.com/office/powerpoint/2010/main" val="1603350427"/>
+        <p14:creationId xmlns:p14="http://schemas.microsoft.com/office/powerpoint/2010/main" val="3949104791"/>
       </p:ext>
     </p:extLst>
   </p:cSld>
@@ -4817,7 +4922,7 @@
         <p:spPr>
           <a:xfrm>
             <a:off x="532263" y="3050477"/>
-            <a:ext cx="11423176" cy="369332"/>
+            <a:ext cx="11423176" cy="923330"/>
           </a:xfrm>
           <a:prstGeom prst="rect">
             <a:avLst/>
@@ -4835,18 +4940,14 @@
             </a:r>
             <a:r>
               <a:rPr lang="en-US" altLang="zh-CN" b="1" dirty="0"/>
-              <a:t>Two-way </a:t>
-            </a:r>
-            <a:r>
-              <a:rPr lang="en-US" altLang="zh-CN" b="1" dirty="0"/>
-              <a:t>data </a:t>
+              <a:t>Two-way data </a:t>
             </a:r>
             <a:r>
               <a:rPr lang="en-US" altLang="zh-CN" b="1" dirty="0" smtClean="0"/>
               <a:t>binding - </a:t>
             </a:r>
             <a:r>
-              <a:rPr lang="zh-CN" altLang="en-US" b="1" dirty="0" smtClean="0"/>
+              <a:rPr lang="zh-CN" altLang="en-US" b="1" dirty="0"/>
               <a:t>双向</a:t>
             </a:r>
             <a:r>
@@ -4854,21 +4955,29 @@
               <a:t>数据</a:t>
             </a:r>
             <a:r>
-              <a:rPr lang="zh-CN" altLang="en-US" b="1" dirty="0" smtClean="0"/>
+              <a:rPr lang="zh-CN" altLang="en-US" b="1" dirty="0"/>
               <a:t>绑定 </a:t>
             </a:r>
             <a:r>
-              <a:rPr lang="en-US" altLang="zh-CN" b="1" dirty="0" smtClean="0"/>
+              <a:rPr lang="en-US" altLang="zh-CN" b="1" dirty="0" smtClean="0">
+                <a:solidFill>
+                  <a:srgbClr val="FF0000"/>
+                </a:solidFill>
+              </a:rPr>
               <a:t>[</a:t>
             </a:r>
             <a:r>
-              <a:rPr lang="en-US" altLang="zh-CN" b="1" dirty="0"/>
+              <a:rPr lang="en-US" altLang="zh-CN" b="1" dirty="0">
+                <a:solidFill>
+                  <a:srgbClr val="FF0000"/>
+                </a:solidFill>
+              </a:rPr>
               <a:t>(</a:t>
             </a:r>
             <a:r>
               <a:rPr lang="zh-CN" altLang="zh-CN" dirty="0" smtClean="0">
                 <a:solidFill>
-                  <a:srgbClr val="00796B"/>
+                  <a:srgbClr val="FF0000"/>
                 </a:solidFill>
                 <a:latin typeface="Arial Unicode MS" panose="020B0604020202020204" pitchFamily="34" charset="-122"/>
                 <a:ea typeface="Monaco"/>
@@ -4878,12 +4987,26 @@
             <a:r>
               <a:rPr lang="en-US" altLang="zh-CN" dirty="0" smtClean="0">
                 <a:solidFill>
-                  <a:srgbClr val="00796B"/>
+                  <a:srgbClr val="FF0000"/>
                 </a:solidFill>
                 <a:latin typeface="Arial Unicode MS" panose="020B0604020202020204" pitchFamily="34" charset="-122"/>
                 <a:ea typeface="Monaco"/>
               </a:rPr>
               <a:t>)]</a:t>
+            </a:r>
+            <a:r>
+              <a:rPr lang="zh-CN" altLang="en-US" dirty="0" smtClean="0">
+                <a:solidFill>
+                  <a:srgbClr val="00796B"/>
+                </a:solidFill>
+                <a:latin typeface="Arial Unicode MS" panose="020B0604020202020204" pitchFamily="34" charset="-122"/>
+                <a:ea typeface="Monaco"/>
+              </a:rPr>
+              <a:t>，</a:t>
+            </a:r>
+            <a:r>
+              <a:rPr lang="en-US" altLang="zh-CN" dirty="0"/>
+              <a:t>In two-way binding, a data property value flows to the input box from the component as with property binding. The user's changes also flow back to the component, resetting the property to the latest value, as with event binding.</a:t>
             </a:r>
             <a:endParaRPr lang="zh-CN" altLang="en-US" dirty="0"/>
           </a:p>
@@ -4905,6 +5028,910 @@
 <file path=ppt/slides/slide7.xml><?xml version="1.0" encoding="utf-8"?>
 <p:sld xmlns:a="http://schemas.openxmlformats.org/drawingml/2006/main" xmlns:r="http://schemas.openxmlformats.org/officeDocument/2006/relationships" xmlns:p="http://schemas.openxmlformats.org/presentationml/2006/main">
   <p:cSld>
+    <p:bg>
+      <p:bgPr>
+        <a:noFill/>
+        <a:effectLst/>
+      </p:bgPr>
+    </p:bg>
+    <p:spTree>
+      <p:nvGrpSpPr>
+        <p:cNvPr id="1" name=""/>
+        <p:cNvGrpSpPr/>
+        <p:nvPr/>
+      </p:nvGrpSpPr>
+      <p:grpSpPr>
+        <a:xfrm>
+          <a:off x="0" y="0"/>
+          <a:ext cx="0" cy="0"/>
+          <a:chOff x="0" y="0"/>
+          <a:chExt cx="0" cy="0"/>
+        </a:xfrm>
+      </p:grpSpPr>
+      <p:sp>
+        <p:nvSpPr>
+          <p:cNvPr id="3" name="标题 2"/>
+          <p:cNvSpPr>
+            <a:spLocks noGrp="1"/>
+          </p:cNvSpPr>
+          <p:nvPr>
+            <p:ph type="ctrTitle"/>
+          </p:nvPr>
+        </p:nvSpPr>
+        <p:spPr>
+          <a:xfrm>
+            <a:off x="1291988" y="450376"/>
+            <a:ext cx="9144000" cy="1039718"/>
+          </a:xfrm>
+        </p:spPr>
+        <p:txBody>
+          <a:bodyPr>
+            <a:normAutofit/>
+          </a:bodyPr>
+          <a:lstStyle/>
+          <a:p>
+            <a:r>
+              <a:rPr lang="zh-CN" altLang="en-US" b="1" dirty="0" smtClean="0"/>
+              <a:t>指令</a:t>
+            </a:r>
+            <a:endParaRPr lang="zh-CN" altLang="en-US" b="1" dirty="0"/>
+          </a:p>
+        </p:txBody>
+      </p:sp>
+      <p:sp>
+        <p:nvSpPr>
+          <p:cNvPr id="4" name="Rectangle 2"/>
+          <p:cNvSpPr>
+            <a:spLocks noChangeArrowheads="1"/>
+          </p:cNvSpPr>
+          <p:nvPr/>
+        </p:nvSpPr>
+        <p:spPr bwMode="auto">
+          <a:xfrm>
+            <a:off x="549360" y="1765223"/>
+            <a:ext cx="10629256" cy="400110"/>
+          </a:xfrm>
+          <a:prstGeom prst="rect">
+            <a:avLst/>
+          </a:prstGeom>
+          <a:solidFill>
+            <a:srgbClr val="FFFFFF"/>
+          </a:solidFill>
+          <a:ln>
+            <a:noFill/>
+          </a:ln>
+          <a:effectLst/>
+          <a:extLst>
+            <a:ext uri="{91240B29-F687-4F45-9708-019B960494DF}">
+              <a14:hiddenLine xmlns:a14="http://schemas.microsoft.com/office/drawing/2010/main" w="9525">
+                <a:solidFill>
+                  <a:schemeClr val="tx1"/>
+                </a:solidFill>
+                <a:miter lim="800000"/>
+                <a:headEnd/>
+                <a:tailEnd/>
+              </a14:hiddenLine>
+            </a:ext>
+            <a:ext uri="{AF507438-7753-43E0-B8FC-AC1667EBCBE1}">
+              <a14:hiddenEffects xmlns:a14="http://schemas.microsoft.com/office/drawing/2010/main">
+                <a:effectLst>
+                  <a:outerShdw dist="35921" dir="2700000" algn="ctr" rotWithShape="0">
+                    <a:schemeClr val="bg2"/>
+                  </a:outerShdw>
+                </a:effectLst>
+              </a14:hiddenEffects>
+            </a:ext>
+          </a:extLst>
+        </p:spPr>
+        <p:txBody>
+          <a:bodyPr vert="horz" wrap="none" lIns="91440" tIns="45720" rIns="91440" bIns="45720" numCol="1" anchor="ctr" anchorCtr="0" compatLnSpc="1">
+            <a:prstTxWarp prst="textNoShape">
+              <a:avLst/>
+            </a:prstTxWarp>
+            <a:spAutoFit/>
+          </a:bodyPr>
+          <a:lstStyle>
+            <a:lvl1pPr eaLnBrk="0" fontAlgn="base" hangingPunct="0">
+              <a:spcBef>
+                <a:spcPct val="0"/>
+              </a:spcBef>
+              <a:spcAft>
+                <a:spcPct val="0"/>
+              </a:spcAft>
+              <a:defRPr>
+                <a:solidFill>
+                  <a:schemeClr val="tx1"/>
+                </a:solidFill>
+                <a:latin typeface="Arial" panose="020B0604020202020204" pitchFamily="34" charset="0"/>
+              </a:defRPr>
+            </a:lvl1pPr>
+            <a:lvl2pPr eaLnBrk="0" fontAlgn="base" hangingPunct="0">
+              <a:spcBef>
+                <a:spcPct val="0"/>
+              </a:spcBef>
+              <a:spcAft>
+                <a:spcPct val="0"/>
+              </a:spcAft>
+              <a:defRPr>
+                <a:solidFill>
+                  <a:schemeClr val="tx1"/>
+                </a:solidFill>
+                <a:latin typeface="Arial" panose="020B0604020202020204" pitchFamily="34" charset="0"/>
+              </a:defRPr>
+            </a:lvl2pPr>
+            <a:lvl3pPr eaLnBrk="0" fontAlgn="base" hangingPunct="0">
+              <a:spcBef>
+                <a:spcPct val="0"/>
+              </a:spcBef>
+              <a:spcAft>
+                <a:spcPct val="0"/>
+              </a:spcAft>
+              <a:defRPr>
+                <a:solidFill>
+                  <a:schemeClr val="tx1"/>
+                </a:solidFill>
+                <a:latin typeface="Arial" panose="020B0604020202020204" pitchFamily="34" charset="0"/>
+              </a:defRPr>
+            </a:lvl3pPr>
+            <a:lvl4pPr eaLnBrk="0" fontAlgn="base" hangingPunct="0">
+              <a:spcBef>
+                <a:spcPct val="0"/>
+              </a:spcBef>
+              <a:spcAft>
+                <a:spcPct val="0"/>
+              </a:spcAft>
+              <a:defRPr>
+                <a:solidFill>
+                  <a:schemeClr val="tx1"/>
+                </a:solidFill>
+                <a:latin typeface="Arial" panose="020B0604020202020204" pitchFamily="34" charset="0"/>
+              </a:defRPr>
+            </a:lvl4pPr>
+            <a:lvl5pPr eaLnBrk="0" fontAlgn="base" hangingPunct="0">
+              <a:spcBef>
+                <a:spcPct val="0"/>
+              </a:spcBef>
+              <a:spcAft>
+                <a:spcPct val="0"/>
+              </a:spcAft>
+              <a:defRPr>
+                <a:solidFill>
+                  <a:schemeClr val="tx1"/>
+                </a:solidFill>
+                <a:latin typeface="Arial" panose="020B0604020202020204" pitchFamily="34" charset="0"/>
+              </a:defRPr>
+            </a:lvl5pPr>
+            <a:lvl6pPr eaLnBrk="0" fontAlgn="base" hangingPunct="0">
+              <a:spcBef>
+                <a:spcPct val="0"/>
+              </a:spcBef>
+              <a:spcAft>
+                <a:spcPct val="0"/>
+              </a:spcAft>
+              <a:defRPr>
+                <a:solidFill>
+                  <a:schemeClr val="tx1"/>
+                </a:solidFill>
+                <a:latin typeface="Arial" panose="020B0604020202020204" pitchFamily="34" charset="0"/>
+              </a:defRPr>
+            </a:lvl6pPr>
+            <a:lvl7pPr eaLnBrk="0" fontAlgn="base" hangingPunct="0">
+              <a:spcBef>
+                <a:spcPct val="0"/>
+              </a:spcBef>
+              <a:spcAft>
+                <a:spcPct val="0"/>
+              </a:spcAft>
+              <a:defRPr>
+                <a:solidFill>
+                  <a:schemeClr val="tx1"/>
+                </a:solidFill>
+                <a:latin typeface="Arial" panose="020B0604020202020204" pitchFamily="34" charset="0"/>
+              </a:defRPr>
+            </a:lvl7pPr>
+            <a:lvl8pPr eaLnBrk="0" fontAlgn="base" hangingPunct="0">
+              <a:spcBef>
+                <a:spcPct val="0"/>
+              </a:spcBef>
+              <a:spcAft>
+                <a:spcPct val="0"/>
+              </a:spcAft>
+              <a:defRPr>
+                <a:solidFill>
+                  <a:schemeClr val="tx1"/>
+                </a:solidFill>
+                <a:latin typeface="Arial" panose="020B0604020202020204" pitchFamily="34" charset="0"/>
+              </a:defRPr>
+            </a:lvl8pPr>
+            <a:lvl9pPr eaLnBrk="0" fontAlgn="base" hangingPunct="0">
+              <a:spcBef>
+                <a:spcPct val="0"/>
+              </a:spcBef>
+              <a:spcAft>
+                <a:spcPct val="0"/>
+              </a:spcAft>
+              <a:defRPr>
+                <a:solidFill>
+                  <a:schemeClr val="tx1"/>
+                </a:solidFill>
+                <a:latin typeface="Arial" panose="020B0604020202020204" pitchFamily="34" charset="0"/>
+              </a:defRPr>
+            </a:lvl9pPr>
+          </a:lstStyle>
+          <a:p>
+            <a:pPr marL="0" marR="0" lvl="0" indent="0" algn="l" defTabSz="914400" rtl="0" eaLnBrk="0" fontAlgn="base" latinLnBrk="0" hangingPunct="0">
+              <a:lnSpc>
+                <a:spcPct val="100000"/>
+              </a:lnSpc>
+              <a:spcBef>
+                <a:spcPct val="0"/>
+              </a:spcBef>
+              <a:spcAft>
+                <a:spcPct val="0"/>
+              </a:spcAft>
+              <a:buClrTx/>
+              <a:buSzTx/>
+              <a:buFontTx/>
+              <a:buNone/>
+              <a:tabLst/>
+            </a:pPr>
+            <a:r>
+              <a:rPr kumimoji="0" lang="zh-CN" altLang="zh-CN" sz="2000" b="0" i="0" u="none" strike="noStrike" cap="none" normalizeH="0" baseline="0" dirty="0" smtClean="0">
+                <a:ln>
+                  <a:noFill/>
+                </a:ln>
+                <a:solidFill>
+                  <a:srgbClr val="546E7A"/>
+                </a:solidFill>
+                <a:effectLst/>
+                <a:latin typeface="Arial" panose="020B0604020202020204" pitchFamily="34" charset="0"/>
+                <a:ea typeface="Helvetica Neue"/>
+              </a:rPr>
+              <a:t>A directive is a class with a </a:t>
+            </a:r>
+            <a:r>
+              <a:rPr kumimoji="0" lang="zh-CN" altLang="zh-CN" sz="1400" b="0" i="0" u="none" strike="noStrike" cap="none" normalizeH="0" baseline="0" dirty="0" smtClean="0">
+                <a:ln>
+                  <a:noFill/>
+                </a:ln>
+                <a:solidFill>
+                  <a:srgbClr val="00796B"/>
+                </a:solidFill>
+                <a:effectLst/>
+                <a:latin typeface="Arial Unicode MS" panose="020B0604020202020204" pitchFamily="34" charset="-122"/>
+                <a:ea typeface="Monaco"/>
+              </a:rPr>
+              <a:t>@Directive</a:t>
+            </a:r>
+            <a:r>
+              <a:rPr kumimoji="0" lang="zh-CN" altLang="zh-CN" sz="2000" b="0" i="0" u="none" strike="noStrike" cap="none" normalizeH="0" baseline="0" dirty="0" smtClean="0">
+                <a:ln>
+                  <a:noFill/>
+                </a:ln>
+                <a:solidFill>
+                  <a:srgbClr val="546E7A"/>
+                </a:solidFill>
+                <a:effectLst/>
+                <a:ea typeface="Helvetica Neue"/>
+              </a:rPr>
+              <a:t> decorator. A component is a </a:t>
+            </a:r>
+            <a:r>
+              <a:rPr kumimoji="0" lang="zh-CN" altLang="zh-CN" sz="2000" b="1" i="0" u="none" strike="noStrike" cap="none" normalizeH="0" baseline="0" dirty="0" smtClean="0">
+                <a:ln>
+                  <a:noFill/>
+                </a:ln>
+                <a:solidFill>
+                  <a:srgbClr val="546E7A"/>
+                </a:solidFill>
+                <a:effectLst/>
+                <a:ea typeface="Helvetica Neue"/>
+              </a:rPr>
+              <a:t>directive-with-a-template</a:t>
+            </a:r>
+            <a:r>
+              <a:rPr kumimoji="0" lang="zh-CN" altLang="zh-CN" sz="2000" b="0" i="0" u="none" strike="noStrike" cap="none" normalizeH="0" baseline="0" dirty="0" smtClean="0">
+                <a:ln>
+                  <a:noFill/>
+                </a:ln>
+                <a:solidFill>
+                  <a:srgbClr val="546E7A"/>
+                </a:solidFill>
+                <a:effectLst/>
+                <a:ea typeface="Helvetica Neue"/>
+              </a:rPr>
+              <a:t>;</a:t>
+            </a:r>
+            <a:r>
+              <a:rPr kumimoji="0" lang="zh-CN" altLang="zh-CN" b="0" i="0" u="none" strike="noStrike" cap="none" normalizeH="0" baseline="0" dirty="0" smtClean="0">
+                <a:ln>
+                  <a:noFill/>
+                </a:ln>
+                <a:solidFill>
+                  <a:schemeClr val="tx1"/>
+                </a:solidFill>
+                <a:effectLst/>
+                <a:latin typeface="Arial" panose="020B0604020202020204" pitchFamily="34" charset="0"/>
+              </a:rPr>
+              <a:t> </a:t>
+            </a:r>
+            <a:endParaRPr kumimoji="0" lang="zh-CN" altLang="zh-CN" sz="3200" b="0" i="0" u="none" strike="noStrike" cap="none" normalizeH="0" baseline="0" dirty="0" smtClean="0">
+              <a:ln>
+                <a:noFill/>
+              </a:ln>
+              <a:solidFill>
+                <a:schemeClr val="tx1"/>
+              </a:solidFill>
+              <a:effectLst/>
+              <a:latin typeface="Arial" panose="020B0604020202020204" pitchFamily="34" charset="0"/>
+            </a:endParaRPr>
+          </a:p>
+        </p:txBody>
+      </p:sp>
+      <p:sp>
+        <p:nvSpPr>
+          <p:cNvPr id="5" name="矩形 4"/>
+          <p:cNvSpPr/>
+          <p:nvPr/>
+        </p:nvSpPr>
+        <p:spPr>
+          <a:xfrm>
+            <a:off x="549359" y="2440462"/>
+            <a:ext cx="11174067" cy="369332"/>
+          </a:xfrm>
+          <a:prstGeom prst="rect">
+            <a:avLst/>
+          </a:prstGeom>
+        </p:spPr>
+        <p:txBody>
+          <a:bodyPr wrap="square">
+            <a:spAutoFit/>
+          </a:bodyPr>
+          <a:lstStyle/>
+          <a:p>
+            <a:r>
+              <a:rPr lang="zh-CN" altLang="en-US" b="1" dirty="0">
+                <a:solidFill>
+                  <a:srgbClr val="546E7A"/>
+                </a:solidFill>
+                <a:latin typeface="Helvetica Neue"/>
+              </a:rPr>
+              <a:t>结构型</a:t>
+            </a:r>
+            <a:r>
+              <a:rPr lang="zh-CN" altLang="en-US" dirty="0">
+                <a:solidFill>
+                  <a:srgbClr val="546E7A"/>
+                </a:solidFill>
+                <a:latin typeface="Helvetica Neue"/>
+              </a:rPr>
+              <a:t>指令和</a:t>
+            </a:r>
+            <a:r>
+              <a:rPr lang="zh-CN" altLang="en-US" b="1" dirty="0">
+                <a:solidFill>
+                  <a:srgbClr val="546E7A"/>
+                </a:solidFill>
+                <a:latin typeface="Helvetica Neue"/>
+              </a:rPr>
+              <a:t>属性 </a:t>
+            </a:r>
+            <a:r>
+              <a:rPr lang="en-US" altLang="zh-CN" b="1" dirty="0">
+                <a:solidFill>
+                  <a:srgbClr val="546E7A"/>
+                </a:solidFill>
+                <a:latin typeface="Helvetica Neue"/>
+              </a:rPr>
+              <a:t>(attribute) </a:t>
+            </a:r>
+            <a:r>
+              <a:rPr lang="zh-CN" altLang="en-US" b="1" dirty="0">
+                <a:solidFill>
+                  <a:srgbClr val="546E7A"/>
+                </a:solidFill>
+                <a:latin typeface="Helvetica Neue"/>
+              </a:rPr>
+              <a:t>型</a:t>
+            </a:r>
+            <a:r>
+              <a:rPr lang="zh-CN" altLang="en-US" dirty="0" smtClean="0">
+                <a:solidFill>
+                  <a:srgbClr val="546E7A"/>
+                </a:solidFill>
+                <a:latin typeface="Helvetica Neue"/>
+              </a:rPr>
+              <a:t>指令   </a:t>
+            </a:r>
+            <a:r>
+              <a:rPr lang="en-US" altLang="zh-CN" dirty="0" smtClean="0">
+                <a:solidFill>
+                  <a:srgbClr val="546E7A"/>
+                </a:solidFill>
+                <a:latin typeface="Helvetica Neue"/>
+              </a:rPr>
+              <a:t>	</a:t>
+            </a:r>
+            <a:r>
+              <a:rPr lang="en-US" altLang="zh-CN" b="1" dirty="0" smtClean="0"/>
+              <a:t>structural</a:t>
+            </a:r>
+            <a:r>
+              <a:rPr lang="en-US" altLang="zh-CN" dirty="0"/>
+              <a:t> and </a:t>
+            </a:r>
+            <a:r>
+              <a:rPr lang="en-US" altLang="zh-CN" b="1" dirty="0"/>
+              <a:t>attribute</a:t>
+            </a:r>
+            <a:r>
+              <a:rPr lang="en-US" altLang="zh-CN" dirty="0"/>
+              <a:t> directives</a:t>
+            </a:r>
+            <a:endParaRPr lang="zh-CN" altLang="en-US" dirty="0"/>
+          </a:p>
+        </p:txBody>
+      </p:sp>
+      <p:sp>
+        <p:nvSpPr>
+          <p:cNvPr id="11" name="矩形 10"/>
+          <p:cNvSpPr/>
+          <p:nvPr/>
+        </p:nvSpPr>
+        <p:spPr>
+          <a:xfrm>
+            <a:off x="549358" y="3084923"/>
+            <a:ext cx="11174067" cy="369332"/>
+          </a:xfrm>
+          <a:prstGeom prst="rect">
+            <a:avLst/>
+          </a:prstGeom>
+        </p:spPr>
+        <p:txBody>
+          <a:bodyPr wrap="square">
+            <a:spAutoFit/>
+          </a:bodyPr>
+          <a:lstStyle/>
+          <a:p>
+            <a:r>
+              <a:rPr lang="en-US" altLang="zh-CN" b="1" dirty="0">
+                <a:solidFill>
+                  <a:srgbClr val="546E7A"/>
+                </a:solidFill>
+                <a:latin typeface="Helvetica Neue"/>
+              </a:rPr>
+              <a:t>Structural</a:t>
+            </a:r>
+            <a:r>
+              <a:rPr lang="en-US" altLang="zh-CN" dirty="0">
+                <a:solidFill>
+                  <a:srgbClr val="546E7A"/>
+                </a:solidFill>
+                <a:latin typeface="Helvetica Neue"/>
+              </a:rPr>
+              <a:t> directives alter layout by adding, removing, and replacing elements in DOM.</a:t>
+            </a:r>
+            <a:endParaRPr lang="zh-CN" altLang="en-US" dirty="0"/>
+          </a:p>
+        </p:txBody>
+      </p:sp>
+      <p:sp>
+        <p:nvSpPr>
+          <p:cNvPr id="12" name="矩形 11"/>
+          <p:cNvSpPr/>
+          <p:nvPr/>
+        </p:nvSpPr>
+        <p:spPr>
+          <a:xfrm>
+            <a:off x="549357" y="3729384"/>
+            <a:ext cx="11174067" cy="646331"/>
+          </a:xfrm>
+          <a:prstGeom prst="rect">
+            <a:avLst/>
+          </a:prstGeom>
+        </p:spPr>
+        <p:txBody>
+          <a:bodyPr wrap="square">
+            <a:spAutoFit/>
+          </a:bodyPr>
+          <a:lstStyle/>
+          <a:p>
+            <a:r>
+              <a:rPr lang="en-US" altLang="zh-CN" b="1" dirty="0">
+                <a:solidFill>
+                  <a:srgbClr val="546E7A"/>
+                </a:solidFill>
+                <a:latin typeface="Helvetica Neue"/>
+              </a:rPr>
+              <a:t>Attribute</a:t>
+            </a:r>
+            <a:r>
+              <a:rPr lang="en-US" altLang="zh-CN" dirty="0">
+                <a:solidFill>
+                  <a:srgbClr val="546E7A"/>
+                </a:solidFill>
+                <a:latin typeface="Helvetica Neue"/>
+              </a:rPr>
+              <a:t> directives alter the appearance or behavior of an existing element. In templates they look like regular HTML attributes, hence the name.</a:t>
+            </a:r>
+            <a:endParaRPr lang="zh-CN" altLang="en-US" dirty="0"/>
+          </a:p>
+        </p:txBody>
+      </p:sp>
+    </p:spTree>
+    <p:extLst>
+      <p:ext uri="{BB962C8B-B14F-4D97-AF65-F5344CB8AC3E}">
+        <p14:creationId xmlns:p14="http://schemas.microsoft.com/office/powerpoint/2010/main" val="3228061503"/>
+      </p:ext>
+    </p:extLst>
+  </p:cSld>
+  <p:clrMapOvr>
+    <a:masterClrMapping/>
+  </p:clrMapOvr>
+</p:sld>
+</file>
+
+<file path=ppt/slides/slide8.xml><?xml version="1.0" encoding="utf-8"?>
+<p:sld xmlns:a="http://schemas.openxmlformats.org/drawingml/2006/main" xmlns:r="http://schemas.openxmlformats.org/officeDocument/2006/relationships" xmlns:p="http://schemas.openxmlformats.org/presentationml/2006/main">
+  <p:cSld>
+    <p:bg>
+      <p:bgPr>
+        <a:noFill/>
+        <a:effectLst/>
+      </p:bgPr>
+    </p:bg>
+    <p:spTree>
+      <p:nvGrpSpPr>
+        <p:cNvPr id="1" name=""/>
+        <p:cNvGrpSpPr/>
+        <p:nvPr/>
+      </p:nvGrpSpPr>
+      <p:grpSpPr>
+        <a:xfrm>
+          <a:off x="0" y="0"/>
+          <a:ext cx="0" cy="0"/>
+          <a:chOff x="0" y="0"/>
+          <a:chExt cx="0" cy="0"/>
+        </a:xfrm>
+      </p:grpSpPr>
+      <p:sp>
+        <p:nvSpPr>
+          <p:cNvPr id="3" name="标题 2"/>
+          <p:cNvSpPr>
+            <a:spLocks noGrp="1"/>
+          </p:cNvSpPr>
+          <p:nvPr>
+            <p:ph type="ctrTitle"/>
+          </p:nvPr>
+        </p:nvSpPr>
+        <p:spPr>
+          <a:xfrm>
+            <a:off x="1291988" y="450376"/>
+            <a:ext cx="9144000" cy="1039718"/>
+          </a:xfrm>
+        </p:spPr>
+        <p:txBody>
+          <a:bodyPr>
+            <a:normAutofit/>
+          </a:bodyPr>
+          <a:lstStyle/>
+          <a:p>
+            <a:r>
+              <a:rPr lang="zh-CN" altLang="en-US" b="1" dirty="0" smtClean="0"/>
+              <a:t>服务</a:t>
+            </a:r>
+            <a:endParaRPr lang="zh-CN" altLang="en-US" b="1" dirty="0"/>
+          </a:p>
+        </p:txBody>
+      </p:sp>
+      <p:sp>
+        <p:nvSpPr>
+          <p:cNvPr id="2" name="矩形 1"/>
+          <p:cNvSpPr/>
+          <p:nvPr/>
+        </p:nvSpPr>
+        <p:spPr>
+          <a:xfrm>
+            <a:off x="509516" y="1490094"/>
+            <a:ext cx="11404979" cy="646331"/>
+          </a:xfrm>
+          <a:prstGeom prst="rect">
+            <a:avLst/>
+          </a:prstGeom>
+        </p:spPr>
+        <p:txBody>
+          <a:bodyPr wrap="square">
+            <a:spAutoFit/>
+          </a:bodyPr>
+          <a:lstStyle/>
+          <a:p>
+            <a:r>
+              <a:rPr lang="en-US" altLang="zh-CN" dirty="0">
+                <a:solidFill>
+                  <a:srgbClr val="546E7A"/>
+                </a:solidFill>
+                <a:latin typeface="Helvetica Neue"/>
+              </a:rPr>
+              <a:t>Almost anything can be a service. A service is typically a class with a narrow, well-defined purpose. It should do something specific and do it well.</a:t>
+            </a:r>
+            <a:endParaRPr lang="zh-CN" altLang="en-US" dirty="0"/>
+          </a:p>
+        </p:txBody>
+      </p:sp>
+      <p:sp>
+        <p:nvSpPr>
+          <p:cNvPr id="6" name="矩形 5"/>
+          <p:cNvSpPr/>
+          <p:nvPr/>
+        </p:nvSpPr>
+        <p:spPr>
+          <a:xfrm>
+            <a:off x="509516" y="2345146"/>
+            <a:ext cx="1114408" cy="369332"/>
+          </a:xfrm>
+          <a:prstGeom prst="rect">
+            <a:avLst/>
+          </a:prstGeom>
+        </p:spPr>
+        <p:txBody>
+          <a:bodyPr wrap="none">
+            <a:spAutoFit/>
+          </a:bodyPr>
+          <a:lstStyle/>
+          <a:p>
+            <a:r>
+              <a:rPr lang="zh-CN" altLang="en-US" b="1" dirty="0">
+                <a:solidFill>
+                  <a:srgbClr val="546E7A"/>
+                </a:solidFill>
+                <a:latin typeface="Helvetica Neue"/>
+              </a:rPr>
+              <a:t>依赖注入</a:t>
+            </a:r>
+            <a:endParaRPr lang="zh-CN" altLang="en-US" b="1" i="0" dirty="0">
+              <a:solidFill>
+                <a:srgbClr val="546E7A"/>
+              </a:solidFill>
+              <a:effectLst/>
+              <a:latin typeface="Helvetica Neue"/>
+            </a:endParaRPr>
+          </a:p>
+        </p:txBody>
+      </p:sp>
+      <p:sp>
+        <p:nvSpPr>
+          <p:cNvPr id="7" name="矩形 6"/>
+          <p:cNvSpPr/>
+          <p:nvPr/>
+        </p:nvSpPr>
+        <p:spPr>
+          <a:xfrm>
+            <a:off x="1066720" y="2923199"/>
+            <a:ext cx="9369268" cy="1754326"/>
+          </a:xfrm>
+          <a:prstGeom prst="rect">
+            <a:avLst/>
+          </a:prstGeom>
+        </p:spPr>
+        <p:txBody>
+          <a:bodyPr wrap="square">
+            <a:spAutoFit/>
+          </a:bodyPr>
+          <a:lstStyle/>
+          <a:p>
+            <a:pPr>
+              <a:buFont typeface="Arial" panose="020B0604020202020204" pitchFamily="34" charset="0"/>
+              <a:buChar char="•"/>
+            </a:pPr>
+            <a:r>
+              <a:rPr lang="zh-CN" altLang="en-US" dirty="0">
+                <a:solidFill>
+                  <a:srgbClr val="546E7A"/>
+                </a:solidFill>
+                <a:latin typeface="Helvetica Neue"/>
+              </a:rPr>
+              <a:t>依赖注入渗透在整个 </a:t>
+            </a:r>
+            <a:r>
+              <a:rPr lang="en-US" altLang="zh-CN" dirty="0">
+                <a:solidFill>
+                  <a:srgbClr val="546E7A"/>
+                </a:solidFill>
+                <a:latin typeface="Helvetica Neue"/>
+              </a:rPr>
+              <a:t>Angular </a:t>
+            </a:r>
+            <a:r>
+              <a:rPr lang="zh-CN" altLang="en-US" dirty="0">
+                <a:solidFill>
+                  <a:srgbClr val="546E7A"/>
+                </a:solidFill>
+                <a:latin typeface="Helvetica Neue"/>
+              </a:rPr>
+              <a:t>框架中，被到处使用。</a:t>
+            </a:r>
+          </a:p>
+          <a:p>
+            <a:pPr>
+              <a:buFont typeface="Arial" panose="020B0604020202020204" pitchFamily="34" charset="0"/>
+              <a:buChar char="•"/>
+            </a:pPr>
+            <a:r>
+              <a:rPr lang="zh-CN" altLang="en-US" b="1" dirty="0">
+                <a:solidFill>
+                  <a:srgbClr val="546E7A"/>
+                </a:solidFill>
+                <a:latin typeface="Helvetica Neue"/>
+              </a:rPr>
+              <a:t>注入器 </a:t>
+            </a:r>
+            <a:r>
+              <a:rPr lang="en-US" altLang="zh-CN" b="1" dirty="0">
+                <a:solidFill>
+                  <a:srgbClr val="546E7A"/>
+                </a:solidFill>
+                <a:latin typeface="Helvetica Neue"/>
+              </a:rPr>
+              <a:t>(injector)</a:t>
+            </a:r>
+            <a:r>
+              <a:rPr lang="zh-CN" altLang="en-US" dirty="0">
+                <a:solidFill>
+                  <a:srgbClr val="546E7A"/>
+                </a:solidFill>
+                <a:latin typeface="Helvetica Neue"/>
+              </a:rPr>
+              <a:t> 是本机制的核心。</a:t>
+            </a:r>
+          </a:p>
+          <a:p>
+            <a:pPr marL="742950" lvl="1" indent="-285750">
+              <a:buFont typeface="Arial" panose="020B0604020202020204" pitchFamily="34" charset="0"/>
+              <a:buChar char="•"/>
+            </a:pPr>
+            <a:r>
+              <a:rPr lang="zh-CN" altLang="en-US" dirty="0">
+                <a:solidFill>
+                  <a:srgbClr val="546E7A"/>
+                </a:solidFill>
+                <a:latin typeface="Helvetica Neue"/>
+              </a:rPr>
+              <a:t>注入器负责维护一个</a:t>
+            </a:r>
+            <a:r>
+              <a:rPr lang="zh-CN" altLang="en-US" b="1" dirty="0">
+                <a:solidFill>
+                  <a:srgbClr val="546E7A"/>
+                </a:solidFill>
+                <a:latin typeface="Helvetica Neue"/>
+              </a:rPr>
+              <a:t>容器</a:t>
+            </a:r>
+            <a:r>
+              <a:rPr lang="zh-CN" altLang="en-US" dirty="0">
+                <a:solidFill>
+                  <a:srgbClr val="546E7A"/>
+                </a:solidFill>
+                <a:latin typeface="Helvetica Neue"/>
+              </a:rPr>
+              <a:t>，用于存放它创建过的服务实例。</a:t>
+            </a:r>
+          </a:p>
+          <a:p>
+            <a:pPr marL="742950" lvl="1" indent="-285750">
+              <a:buFont typeface="Arial" panose="020B0604020202020204" pitchFamily="34" charset="0"/>
+              <a:buChar char="•"/>
+            </a:pPr>
+            <a:r>
+              <a:rPr lang="zh-CN" altLang="en-US" dirty="0">
+                <a:solidFill>
+                  <a:srgbClr val="546E7A"/>
+                </a:solidFill>
+                <a:latin typeface="Helvetica Neue"/>
+              </a:rPr>
+              <a:t>注入器能使用</a:t>
+            </a:r>
+            <a:r>
+              <a:rPr lang="zh-CN" altLang="en-US" b="1" dirty="0">
+                <a:solidFill>
+                  <a:srgbClr val="546E7A"/>
+                </a:solidFill>
+                <a:latin typeface="Helvetica Neue"/>
+              </a:rPr>
+              <a:t>提供商</a:t>
+            </a:r>
+            <a:r>
+              <a:rPr lang="zh-CN" altLang="en-US" dirty="0">
+                <a:solidFill>
+                  <a:srgbClr val="546E7A"/>
+                </a:solidFill>
+                <a:latin typeface="Helvetica Neue"/>
+              </a:rPr>
+              <a:t>创建一个新的服务实例。</a:t>
+            </a:r>
+          </a:p>
+          <a:p>
+            <a:pPr>
+              <a:buFont typeface="Arial" panose="020B0604020202020204" pitchFamily="34" charset="0"/>
+              <a:buChar char="•"/>
+            </a:pPr>
+            <a:r>
+              <a:rPr lang="zh-CN" altLang="en-US" b="1" dirty="0">
+                <a:solidFill>
+                  <a:srgbClr val="546E7A"/>
+                </a:solidFill>
+                <a:latin typeface="Helvetica Neue"/>
+              </a:rPr>
+              <a:t>提供商</a:t>
+            </a:r>
+            <a:r>
+              <a:rPr lang="zh-CN" altLang="en-US" dirty="0">
+                <a:solidFill>
+                  <a:srgbClr val="546E7A"/>
+                </a:solidFill>
+                <a:latin typeface="Helvetica Neue"/>
+              </a:rPr>
+              <a:t>是一个用于创建服务的配方。</a:t>
+            </a:r>
+          </a:p>
+          <a:p>
+            <a:pPr>
+              <a:buFont typeface="Arial" panose="020B0604020202020204" pitchFamily="34" charset="0"/>
+              <a:buChar char="•"/>
+            </a:pPr>
+            <a:r>
+              <a:rPr lang="zh-CN" altLang="en-US" dirty="0">
+                <a:solidFill>
+                  <a:srgbClr val="546E7A"/>
+                </a:solidFill>
+                <a:latin typeface="Helvetica Neue"/>
+              </a:rPr>
+              <a:t>把</a:t>
+            </a:r>
+            <a:r>
+              <a:rPr lang="zh-CN" altLang="en-US" b="1" dirty="0">
+                <a:solidFill>
+                  <a:srgbClr val="546E7A"/>
+                </a:solidFill>
+                <a:latin typeface="Helvetica Neue"/>
+              </a:rPr>
+              <a:t>提供商</a:t>
+            </a:r>
+            <a:r>
+              <a:rPr lang="zh-CN" altLang="en-US" dirty="0">
+                <a:solidFill>
+                  <a:srgbClr val="546E7A"/>
+                </a:solidFill>
+                <a:latin typeface="Helvetica Neue"/>
+              </a:rPr>
+              <a:t>注册到注入器。</a:t>
+            </a:r>
+            <a:endParaRPr lang="zh-CN" altLang="en-US" b="0" i="0" dirty="0">
+              <a:solidFill>
+                <a:srgbClr val="546E7A"/>
+              </a:solidFill>
+              <a:effectLst/>
+              <a:latin typeface="Helvetica Neue"/>
+            </a:endParaRPr>
+          </a:p>
+        </p:txBody>
+      </p:sp>
+    </p:spTree>
+    <p:extLst>
+      <p:ext uri="{BB962C8B-B14F-4D97-AF65-F5344CB8AC3E}">
+        <p14:creationId xmlns:p14="http://schemas.microsoft.com/office/powerpoint/2010/main" val="2443509130"/>
+      </p:ext>
+    </p:extLst>
+  </p:cSld>
+  <p:clrMapOvr>
+    <a:masterClrMapping/>
+  </p:clrMapOvr>
+</p:sld>
+</file>
+
+<file path=ppt/slides/slide9.xml><?xml version="1.0" encoding="utf-8"?>
+<p:sld xmlns:a="http://schemas.openxmlformats.org/drawingml/2006/main" xmlns:r="http://schemas.openxmlformats.org/officeDocument/2006/relationships" xmlns:p="http://schemas.openxmlformats.org/presentationml/2006/main">
+  <p:cSld>
     <p:spTree>
       <p:nvGrpSpPr>
         <p:cNvPr id="1" name=""/>
@@ -5301,101 +6328,6 @@
     <p:extLst>
       <p:ext uri="{BB962C8B-B14F-4D97-AF65-F5344CB8AC3E}">
         <p14:creationId xmlns:p14="http://schemas.microsoft.com/office/powerpoint/2010/main" val="2912784082"/>
-      </p:ext>
-    </p:extLst>
-  </p:cSld>
-  <p:clrMapOvr>
-    <a:masterClrMapping/>
-  </p:clrMapOvr>
-</p:sld>
-</file>
-
-<file path=ppt/slides/slide8.xml><?xml version="1.0" encoding="utf-8"?>
-<p:sld xmlns:a="http://schemas.openxmlformats.org/drawingml/2006/main" xmlns:r="http://schemas.openxmlformats.org/officeDocument/2006/relationships" xmlns:p="http://schemas.openxmlformats.org/presentationml/2006/main">
-  <p:cSld>
-    <p:spTree>
-      <p:nvGrpSpPr>
-        <p:cNvPr id="1" name=""/>
-        <p:cNvGrpSpPr/>
-        <p:nvPr/>
-      </p:nvGrpSpPr>
-      <p:grpSpPr>
-        <a:xfrm>
-          <a:off x="0" y="0"/>
-          <a:ext cx="0" cy="0"/>
-          <a:chOff x="0" y="0"/>
-          <a:chExt cx="0" cy="0"/>
-        </a:xfrm>
-      </p:grpSpPr>
-      <p:sp>
-        <p:nvSpPr>
-          <p:cNvPr id="3" name="标题 2"/>
-          <p:cNvSpPr>
-            <a:spLocks noGrp="1"/>
-          </p:cNvSpPr>
-          <p:nvPr>
-            <p:ph type="ctrTitle"/>
-          </p:nvPr>
-        </p:nvSpPr>
-        <p:spPr>
-          <a:xfrm>
-            <a:off x="1291988" y="450376"/>
-            <a:ext cx="9144000" cy="1039718"/>
-          </a:xfrm>
-        </p:spPr>
-        <p:txBody>
-          <a:bodyPr>
-            <a:normAutofit fontScale="90000"/>
-          </a:bodyPr>
-          <a:lstStyle/>
-          <a:p>
-            <a:r>
-              <a:rPr lang="zh-CN" altLang="en-US" cap="all" dirty="0"/>
-              <a:t>生命周期钩子</a:t>
-            </a:r>
-            <a:br>
-              <a:rPr lang="zh-CN" altLang="en-US" cap="all" dirty="0"/>
-            </a:br>
-            <a:r>
-              <a:rPr lang="zh-CN" altLang="en-US" dirty="0"/>
-              <a:t/>
-            </a:r>
-            <a:br>
-              <a:rPr lang="zh-CN" altLang="en-US" dirty="0"/>
-            </a:br>
-            <a:r>
-              <a:rPr lang="en-US" altLang="zh-CN" dirty="0" smtClean="0"/>
-              <a:t/>
-            </a:r>
-            <a:br>
-              <a:rPr lang="en-US" altLang="zh-CN" dirty="0" smtClean="0"/>
-            </a:br>
-            <a:r>
-              <a:rPr lang="en-US" altLang="zh-CN" dirty="0"/>
-              <a:t/>
-            </a:r>
-            <a:br>
-              <a:rPr lang="en-US" altLang="zh-CN" dirty="0"/>
-            </a:br>
-            <a:r>
-              <a:rPr lang="en-US" altLang="zh-CN" dirty="0" smtClean="0"/>
-              <a:t/>
-            </a:r>
-            <a:br>
-              <a:rPr lang="en-US" altLang="zh-CN" dirty="0" smtClean="0"/>
-            </a:br>
-            <a:r>
-              <a:rPr lang="zh-CN" altLang="en-US" sz="6700" dirty="0"/>
-              <a:t>生命周期钩子</a:t>
-            </a:r>
-            <a:endParaRPr lang="zh-CN" altLang="en-US" sz="6700" dirty="0"/>
-          </a:p>
-        </p:txBody>
-      </p:sp>
-    </p:spTree>
-    <p:extLst>
-      <p:ext uri="{BB962C8B-B14F-4D97-AF65-F5344CB8AC3E}">
-        <p14:creationId xmlns:p14="http://schemas.microsoft.com/office/powerpoint/2010/main" val="2456361016"/>
       </p:ext>
     </p:extLst>
   </p:cSld>

--- a/Angular summary/Angular.pptx
+++ b/Angular summary/Angular.pptx
@@ -8,13 +8,16 @@
     <p:sldId id="261" r:id="rId2"/>
     <p:sldId id="262" r:id="rId3"/>
     <p:sldId id="256" r:id="rId4"/>
-    <p:sldId id="257" r:id="rId5"/>
-    <p:sldId id="260" r:id="rId6"/>
-    <p:sldId id="263" r:id="rId7"/>
-    <p:sldId id="264" r:id="rId8"/>
-    <p:sldId id="265" r:id="rId9"/>
-    <p:sldId id="258" r:id="rId10"/>
-    <p:sldId id="259" r:id="rId11"/>
+    <p:sldId id="266" r:id="rId5"/>
+    <p:sldId id="257" r:id="rId6"/>
+    <p:sldId id="260" r:id="rId7"/>
+    <p:sldId id="263" r:id="rId8"/>
+    <p:sldId id="264" r:id="rId9"/>
+    <p:sldId id="265" r:id="rId10"/>
+    <p:sldId id="267" r:id="rId11"/>
+    <p:sldId id="258" r:id="rId12"/>
+    <p:sldId id="259" r:id="rId13"/>
+    <p:sldId id="268" r:id="rId14"/>
   </p:sldIdLst>
   <p:sldSz cx="12192000" cy="6858000"/>
   <p:notesSz cx="6858000" cy="9144000"/>
@@ -252,7 +255,7 @@
           <a:p>
             <a:fld id="{5C5205B4-2139-4F1E-9E51-3064BBDFE32A}" type="datetimeFigureOut">
               <a:rPr lang="zh-CN" altLang="en-US" smtClean="0"/>
-              <a:t>2017/7/30 Sunday</a:t>
+              <a:t>2017/7/31</a:t>
             </a:fld>
             <a:endParaRPr lang="zh-CN" altLang="en-US"/>
           </a:p>
@@ -422,7 +425,7 @@
           <a:p>
             <a:fld id="{5C5205B4-2139-4F1E-9E51-3064BBDFE32A}" type="datetimeFigureOut">
               <a:rPr lang="zh-CN" altLang="en-US" smtClean="0"/>
-              <a:t>2017/7/30 Sunday</a:t>
+              <a:t>2017/7/31</a:t>
             </a:fld>
             <a:endParaRPr lang="zh-CN" altLang="en-US"/>
           </a:p>
@@ -602,7 +605,7 @@
           <a:p>
             <a:fld id="{5C5205B4-2139-4F1E-9E51-3064BBDFE32A}" type="datetimeFigureOut">
               <a:rPr lang="zh-CN" altLang="en-US" smtClean="0"/>
-              <a:t>2017/7/30 Sunday</a:t>
+              <a:t>2017/7/31</a:t>
             </a:fld>
             <a:endParaRPr lang="zh-CN" altLang="en-US"/>
           </a:p>
@@ -772,7 +775,7 @@
           <a:p>
             <a:fld id="{5C5205B4-2139-4F1E-9E51-3064BBDFE32A}" type="datetimeFigureOut">
               <a:rPr lang="zh-CN" altLang="en-US" smtClean="0"/>
-              <a:t>2017/7/30 Sunday</a:t>
+              <a:t>2017/7/31</a:t>
             </a:fld>
             <a:endParaRPr lang="zh-CN" altLang="en-US"/>
           </a:p>
@@ -1018,7 +1021,7 @@
           <a:p>
             <a:fld id="{5C5205B4-2139-4F1E-9E51-3064BBDFE32A}" type="datetimeFigureOut">
               <a:rPr lang="zh-CN" altLang="en-US" smtClean="0"/>
-              <a:t>2017/7/30 Sunday</a:t>
+              <a:t>2017/7/31</a:t>
             </a:fld>
             <a:endParaRPr lang="zh-CN" altLang="en-US"/>
           </a:p>
@@ -1250,7 +1253,7 @@
           <a:p>
             <a:fld id="{5C5205B4-2139-4F1E-9E51-3064BBDFE32A}" type="datetimeFigureOut">
               <a:rPr lang="zh-CN" altLang="en-US" smtClean="0"/>
-              <a:t>2017/7/30 Sunday</a:t>
+              <a:t>2017/7/31</a:t>
             </a:fld>
             <a:endParaRPr lang="zh-CN" altLang="en-US"/>
           </a:p>
@@ -1617,7 +1620,7 @@
           <a:p>
             <a:fld id="{5C5205B4-2139-4F1E-9E51-3064BBDFE32A}" type="datetimeFigureOut">
               <a:rPr lang="zh-CN" altLang="en-US" smtClean="0"/>
-              <a:t>2017/7/30 Sunday</a:t>
+              <a:t>2017/7/31</a:t>
             </a:fld>
             <a:endParaRPr lang="zh-CN" altLang="en-US"/>
           </a:p>
@@ -1735,7 +1738,7 @@
           <a:p>
             <a:fld id="{5C5205B4-2139-4F1E-9E51-3064BBDFE32A}" type="datetimeFigureOut">
               <a:rPr lang="zh-CN" altLang="en-US" smtClean="0"/>
-              <a:t>2017/7/30 Sunday</a:t>
+              <a:t>2017/7/31</a:t>
             </a:fld>
             <a:endParaRPr lang="zh-CN" altLang="en-US"/>
           </a:p>
@@ -1830,7 +1833,7 @@
           <a:p>
             <a:fld id="{5C5205B4-2139-4F1E-9E51-3064BBDFE32A}" type="datetimeFigureOut">
               <a:rPr lang="zh-CN" altLang="en-US" smtClean="0"/>
-              <a:t>2017/7/30 Sunday</a:t>
+              <a:t>2017/7/31</a:t>
             </a:fld>
             <a:endParaRPr lang="zh-CN" altLang="en-US"/>
           </a:p>
@@ -2107,7 +2110,7 @@
           <a:p>
             <a:fld id="{5C5205B4-2139-4F1E-9E51-3064BBDFE32A}" type="datetimeFigureOut">
               <a:rPr lang="zh-CN" altLang="en-US" smtClean="0"/>
-              <a:t>2017/7/30 Sunday</a:t>
+              <a:t>2017/7/31</a:t>
             </a:fld>
             <a:endParaRPr lang="zh-CN" altLang="en-US"/>
           </a:p>
@@ -2360,7 +2363,7 @@
           <a:p>
             <a:fld id="{5C5205B4-2139-4F1E-9E51-3064BBDFE32A}" type="datetimeFigureOut">
               <a:rPr lang="zh-CN" altLang="en-US" smtClean="0"/>
-              <a:t>2017/7/30 Sunday</a:t>
+              <a:t>2017/7/31</a:t>
             </a:fld>
             <a:endParaRPr lang="zh-CN" altLang="en-US"/>
           </a:p>
@@ -2573,7 +2576,7 @@
           <a:p>
             <a:fld id="{5C5205B4-2139-4F1E-9E51-3064BBDFE32A}" type="datetimeFigureOut">
               <a:rPr lang="zh-CN" altLang="en-US" smtClean="0"/>
-              <a:t>2017/7/30 Sunday</a:t>
+              <a:t>2017/7/31</a:t>
             </a:fld>
             <a:endParaRPr lang="zh-CN" altLang="en-US"/>
           </a:p>
@@ -3293,6 +3296,12 @@
 <file path=ppt/slides/slide10.xml><?xml version="1.0" encoding="utf-8"?>
 <p:sld xmlns:a="http://schemas.openxmlformats.org/drawingml/2006/main" xmlns:r="http://schemas.openxmlformats.org/officeDocument/2006/relationships" xmlns:p="http://schemas.openxmlformats.org/presentationml/2006/main">
   <p:cSld>
+    <p:bg>
+      <p:bgPr>
+        <a:noFill/>
+        <a:effectLst/>
+      </p:bgPr>
+    </p:bg>
     <p:spTree>
       <p:nvGrpSpPr>
         <p:cNvPr id="1" name=""/>
@@ -3319,12 +3328,598 @@
         </p:nvSpPr>
         <p:spPr>
           <a:xfrm>
+            <a:off x="1379073" y="241370"/>
+            <a:ext cx="9144000" cy="1039718"/>
+          </a:xfrm>
+        </p:spPr>
+        <p:txBody>
+          <a:bodyPr>
+            <a:normAutofit/>
+          </a:bodyPr>
+          <a:lstStyle/>
+          <a:p>
+            <a:r>
+              <a:rPr lang="zh-CN" altLang="en-US" dirty="0" smtClean="0"/>
+              <a:t>表单</a:t>
+            </a:r>
+            <a:endParaRPr lang="zh-CN" altLang="en-US" b="1" dirty="0"/>
+          </a:p>
+        </p:txBody>
+      </p:sp>
+      <p:sp>
+        <p:nvSpPr>
+          <p:cNvPr id="4" name="矩形 3"/>
+          <p:cNvSpPr/>
+          <p:nvPr/>
+        </p:nvSpPr>
+        <p:spPr>
+          <a:xfrm>
+            <a:off x="612756" y="1281088"/>
+            <a:ext cx="1811714" cy="2031325"/>
+          </a:xfrm>
+          <a:prstGeom prst="rect">
+            <a:avLst/>
+          </a:prstGeom>
+        </p:spPr>
+        <p:txBody>
+          <a:bodyPr wrap="none">
+            <a:spAutoFit/>
+          </a:bodyPr>
+          <a:lstStyle/>
+          <a:p>
+            <a:r>
+              <a:rPr lang="zh-CN" altLang="en-US" b="1" dirty="0">
+                <a:solidFill>
+                  <a:srgbClr val="455A64"/>
+                </a:solidFill>
+                <a:latin typeface="Helvetica Neue"/>
+              </a:rPr>
+              <a:t>模板驱动式表</a:t>
+            </a:r>
+            <a:r>
+              <a:rPr lang="zh-CN" altLang="en-US" b="1" dirty="0" smtClean="0">
+                <a:solidFill>
+                  <a:srgbClr val="455A64"/>
+                </a:solidFill>
+                <a:latin typeface="Helvetica Neue"/>
+              </a:rPr>
+              <a:t>单</a:t>
+            </a:r>
+            <a:endParaRPr lang="en-US" altLang="zh-CN" dirty="0" smtClean="0">
+              <a:solidFill>
+                <a:srgbClr val="455A64"/>
+              </a:solidFill>
+              <a:latin typeface="Helvetica Neue"/>
+            </a:endParaRPr>
+          </a:p>
+          <a:p>
+            <a:endParaRPr lang="en-US" altLang="zh-CN" dirty="0">
+              <a:solidFill>
+                <a:srgbClr val="455A64"/>
+              </a:solidFill>
+              <a:latin typeface="Helvetica Neue"/>
+            </a:endParaRPr>
+          </a:p>
+          <a:p>
+            <a:endParaRPr lang="en-US" altLang="zh-CN" dirty="0" smtClean="0">
+              <a:solidFill>
+                <a:srgbClr val="455A64"/>
+              </a:solidFill>
+              <a:latin typeface="Helvetica Neue"/>
+            </a:endParaRPr>
+          </a:p>
+          <a:p>
+            <a:endParaRPr lang="en-US" altLang="zh-CN" dirty="0">
+              <a:solidFill>
+                <a:srgbClr val="455A64"/>
+              </a:solidFill>
+              <a:latin typeface="Helvetica Neue"/>
+            </a:endParaRPr>
+          </a:p>
+          <a:p>
+            <a:r>
+              <a:rPr lang="zh-CN" altLang="en-US" dirty="0" smtClean="0">
+                <a:solidFill>
+                  <a:srgbClr val="455A64"/>
+                </a:solidFill>
+                <a:latin typeface="Helvetica Neue"/>
+              </a:rPr>
+              <a:t> </a:t>
+            </a:r>
+            <a:endParaRPr lang="en-US" altLang="zh-CN" dirty="0" smtClean="0">
+              <a:solidFill>
+                <a:srgbClr val="455A64"/>
+              </a:solidFill>
+              <a:latin typeface="Helvetica Neue"/>
+            </a:endParaRPr>
+          </a:p>
+          <a:p>
+            <a:endParaRPr lang="en-US" altLang="zh-CN" b="1" dirty="0">
+              <a:solidFill>
+                <a:srgbClr val="455A64"/>
+              </a:solidFill>
+              <a:latin typeface="Helvetica Neue"/>
+            </a:endParaRPr>
+          </a:p>
+          <a:p>
+            <a:r>
+              <a:rPr lang="zh-CN" altLang="en-US" b="1" dirty="0" smtClean="0">
+                <a:solidFill>
+                  <a:srgbClr val="455A64"/>
+                </a:solidFill>
+                <a:latin typeface="Helvetica Neue"/>
+              </a:rPr>
+              <a:t>响应</a:t>
+            </a:r>
+            <a:r>
+              <a:rPr lang="zh-CN" altLang="en-US" b="1" dirty="0">
+                <a:solidFill>
+                  <a:srgbClr val="455A64"/>
+                </a:solidFill>
+                <a:latin typeface="Helvetica Neue"/>
+              </a:rPr>
+              <a:t>式表单</a:t>
+            </a:r>
+            <a:endParaRPr lang="zh-CN" altLang="en-US" dirty="0"/>
+          </a:p>
+        </p:txBody>
+      </p:sp>
+    </p:spTree>
+    <p:extLst>
+      <p:ext uri="{BB962C8B-B14F-4D97-AF65-F5344CB8AC3E}">
+        <p14:creationId xmlns:p14="http://schemas.microsoft.com/office/powerpoint/2010/main" val="3941020985"/>
+      </p:ext>
+    </p:extLst>
+  </p:cSld>
+  <p:clrMapOvr>
+    <a:masterClrMapping/>
+  </p:clrMapOvr>
+</p:sld>
+</file>
+
+<file path=ppt/slides/slide11.xml><?xml version="1.0" encoding="utf-8"?>
+<p:sld xmlns:a="http://schemas.openxmlformats.org/drawingml/2006/main" xmlns:r="http://schemas.openxmlformats.org/officeDocument/2006/relationships" xmlns:p="http://schemas.openxmlformats.org/presentationml/2006/main">
+  <p:cSld>
+    <p:spTree>
+      <p:nvGrpSpPr>
+        <p:cNvPr id="1" name=""/>
+        <p:cNvGrpSpPr/>
+        <p:nvPr/>
+      </p:nvGrpSpPr>
+      <p:grpSpPr>
+        <a:xfrm>
+          <a:off x="0" y="0"/>
+          <a:ext cx="0" cy="0"/>
+          <a:chOff x="0" y="0"/>
+          <a:chExt cx="0" cy="0"/>
+        </a:xfrm>
+      </p:grpSpPr>
+      <p:sp>
+        <p:nvSpPr>
+          <p:cNvPr id="3" name="标题 2"/>
+          <p:cNvSpPr>
+            <a:spLocks noGrp="1"/>
+          </p:cNvSpPr>
+          <p:nvPr>
+            <p:ph type="ctrTitle"/>
+          </p:nvPr>
+        </p:nvSpPr>
+        <p:spPr>
+          <a:xfrm>
             <a:off x="1291988" y="450376"/>
             <a:ext cx="9144000" cy="1039718"/>
           </a:xfrm>
         </p:spPr>
         <p:txBody>
           <a:bodyPr>
+            <a:normAutofit/>
+          </a:bodyPr>
+          <a:lstStyle/>
+          <a:p>
+            <a:r>
+              <a:rPr lang="zh-CN" altLang="en-US" dirty="0"/>
+              <a:t>模板语法</a:t>
+            </a:r>
+          </a:p>
+        </p:txBody>
+      </p:sp>
+      <p:sp>
+        <p:nvSpPr>
+          <p:cNvPr id="7" name="Rectangle 3"/>
+          <p:cNvSpPr>
+            <a:spLocks noChangeArrowheads="1"/>
+          </p:cNvSpPr>
+          <p:nvPr/>
+        </p:nvSpPr>
+        <p:spPr bwMode="auto">
+          <a:xfrm>
+            <a:off x="559558" y="1727553"/>
+            <a:ext cx="6346609" cy="523220"/>
+          </a:xfrm>
+          <a:prstGeom prst="rect">
+            <a:avLst/>
+          </a:prstGeom>
+          <a:noFill/>
+          <a:ln>
+            <a:noFill/>
+          </a:ln>
+          <a:effectLst/>
+          <a:extLst>
+            <a:ext uri="{909E8E84-426E-40DD-AFC4-6F175D3DCCD1}">
+              <a14:hiddenFill xmlns:a14="http://schemas.microsoft.com/office/drawing/2010/main">
+                <a:solidFill>
+                  <a:schemeClr val="accent1"/>
+                </a:solidFill>
+              </a14:hiddenFill>
+            </a:ext>
+            <a:ext uri="{91240B29-F687-4F45-9708-019B960494DF}">
+              <a14:hiddenLine xmlns:a14="http://schemas.microsoft.com/office/drawing/2010/main" w="9525">
+                <a:solidFill>
+                  <a:schemeClr val="tx1"/>
+                </a:solidFill>
+                <a:miter lim="800000"/>
+                <a:headEnd/>
+                <a:tailEnd/>
+              </a14:hiddenLine>
+            </a:ext>
+            <a:ext uri="{AF507438-7753-43E0-B8FC-AC1667EBCBE1}">
+              <a14:hiddenEffects xmlns:a14="http://schemas.microsoft.com/office/drawing/2010/main">
+                <a:effectLst>
+                  <a:outerShdw dist="35921" dir="2700000" algn="ctr" rotWithShape="0">
+                    <a:schemeClr val="bg2"/>
+                  </a:outerShdw>
+                </a:effectLst>
+              </a14:hiddenEffects>
+            </a:ext>
+          </a:extLst>
+        </p:spPr>
+        <p:txBody>
+          <a:bodyPr vert="horz" wrap="none" lIns="91440" tIns="45720" rIns="91440" bIns="45720" numCol="1" anchor="ctr" anchorCtr="0" compatLnSpc="1">
+            <a:prstTxWarp prst="textNoShape">
+              <a:avLst/>
+            </a:prstTxWarp>
+            <a:spAutoFit/>
+          </a:bodyPr>
+          <a:lstStyle>
+            <a:lvl1pPr eaLnBrk="0" fontAlgn="base" hangingPunct="0">
+              <a:spcBef>
+                <a:spcPct val="0"/>
+              </a:spcBef>
+              <a:spcAft>
+                <a:spcPct val="0"/>
+              </a:spcAft>
+              <a:defRPr>
+                <a:solidFill>
+                  <a:schemeClr val="tx1"/>
+                </a:solidFill>
+                <a:latin typeface="Arial" panose="020B0604020202020204" pitchFamily="34" charset="0"/>
+              </a:defRPr>
+            </a:lvl1pPr>
+            <a:lvl2pPr eaLnBrk="0" fontAlgn="base" hangingPunct="0">
+              <a:spcBef>
+                <a:spcPct val="0"/>
+              </a:spcBef>
+              <a:spcAft>
+                <a:spcPct val="0"/>
+              </a:spcAft>
+              <a:defRPr>
+                <a:solidFill>
+                  <a:schemeClr val="tx1"/>
+                </a:solidFill>
+                <a:latin typeface="Arial" panose="020B0604020202020204" pitchFamily="34" charset="0"/>
+              </a:defRPr>
+            </a:lvl2pPr>
+            <a:lvl3pPr eaLnBrk="0" fontAlgn="base" hangingPunct="0">
+              <a:spcBef>
+                <a:spcPct val="0"/>
+              </a:spcBef>
+              <a:spcAft>
+                <a:spcPct val="0"/>
+              </a:spcAft>
+              <a:defRPr>
+                <a:solidFill>
+                  <a:schemeClr val="tx1"/>
+                </a:solidFill>
+                <a:latin typeface="Arial" panose="020B0604020202020204" pitchFamily="34" charset="0"/>
+              </a:defRPr>
+            </a:lvl3pPr>
+            <a:lvl4pPr eaLnBrk="0" fontAlgn="base" hangingPunct="0">
+              <a:spcBef>
+                <a:spcPct val="0"/>
+              </a:spcBef>
+              <a:spcAft>
+                <a:spcPct val="0"/>
+              </a:spcAft>
+              <a:defRPr>
+                <a:solidFill>
+                  <a:schemeClr val="tx1"/>
+                </a:solidFill>
+                <a:latin typeface="Arial" panose="020B0604020202020204" pitchFamily="34" charset="0"/>
+              </a:defRPr>
+            </a:lvl4pPr>
+            <a:lvl5pPr eaLnBrk="0" fontAlgn="base" hangingPunct="0">
+              <a:spcBef>
+                <a:spcPct val="0"/>
+              </a:spcBef>
+              <a:spcAft>
+                <a:spcPct val="0"/>
+              </a:spcAft>
+              <a:defRPr>
+                <a:solidFill>
+                  <a:schemeClr val="tx1"/>
+                </a:solidFill>
+                <a:latin typeface="Arial" panose="020B0604020202020204" pitchFamily="34" charset="0"/>
+              </a:defRPr>
+            </a:lvl5pPr>
+            <a:lvl6pPr eaLnBrk="0" fontAlgn="base" hangingPunct="0">
+              <a:spcBef>
+                <a:spcPct val="0"/>
+              </a:spcBef>
+              <a:spcAft>
+                <a:spcPct val="0"/>
+              </a:spcAft>
+              <a:defRPr>
+                <a:solidFill>
+                  <a:schemeClr val="tx1"/>
+                </a:solidFill>
+                <a:latin typeface="Arial" panose="020B0604020202020204" pitchFamily="34" charset="0"/>
+              </a:defRPr>
+            </a:lvl6pPr>
+            <a:lvl7pPr eaLnBrk="0" fontAlgn="base" hangingPunct="0">
+              <a:spcBef>
+                <a:spcPct val="0"/>
+              </a:spcBef>
+              <a:spcAft>
+                <a:spcPct val="0"/>
+              </a:spcAft>
+              <a:defRPr>
+                <a:solidFill>
+                  <a:schemeClr val="tx1"/>
+                </a:solidFill>
+                <a:latin typeface="Arial" panose="020B0604020202020204" pitchFamily="34" charset="0"/>
+              </a:defRPr>
+            </a:lvl7pPr>
+            <a:lvl8pPr eaLnBrk="0" fontAlgn="base" hangingPunct="0">
+              <a:spcBef>
+                <a:spcPct val="0"/>
+              </a:spcBef>
+              <a:spcAft>
+                <a:spcPct val="0"/>
+              </a:spcAft>
+              <a:defRPr>
+                <a:solidFill>
+                  <a:schemeClr val="tx1"/>
+                </a:solidFill>
+                <a:latin typeface="Arial" panose="020B0604020202020204" pitchFamily="34" charset="0"/>
+              </a:defRPr>
+            </a:lvl8pPr>
+            <a:lvl9pPr eaLnBrk="0" fontAlgn="base" hangingPunct="0">
+              <a:spcBef>
+                <a:spcPct val="0"/>
+              </a:spcBef>
+              <a:spcAft>
+                <a:spcPct val="0"/>
+              </a:spcAft>
+              <a:defRPr>
+                <a:solidFill>
+                  <a:schemeClr val="tx1"/>
+                </a:solidFill>
+                <a:latin typeface="Arial" panose="020B0604020202020204" pitchFamily="34" charset="0"/>
+              </a:defRPr>
+            </a:lvl9pPr>
+          </a:lstStyle>
+          <a:p>
+            <a:pPr marL="0" marR="0" lvl="0" indent="0" algn="l" defTabSz="914400" rtl="0" eaLnBrk="0" fontAlgn="base" latinLnBrk="0" hangingPunct="0">
+              <a:lnSpc>
+                <a:spcPct val="100000"/>
+              </a:lnSpc>
+              <a:spcBef>
+                <a:spcPct val="0"/>
+              </a:spcBef>
+              <a:spcAft>
+                <a:spcPct val="0"/>
+              </a:spcAft>
+              <a:buClrTx/>
+              <a:buSzTx/>
+              <a:buFontTx/>
+              <a:buNone/>
+              <a:tabLst/>
+            </a:pPr>
+            <a:r>
+              <a:rPr kumimoji="0" lang="zh-CN" altLang="zh-CN" b="0" i="0" u="none" strike="noStrike" cap="none" normalizeH="0" baseline="0" dirty="0" smtClean="0">
+                <a:ln>
+                  <a:noFill/>
+                </a:ln>
+                <a:solidFill>
+                  <a:srgbClr val="00796B"/>
+                </a:solidFill>
+                <a:effectLst/>
+                <a:latin typeface="Arial Unicode MS" panose="020B0604020202020204" pitchFamily="34" charset="-122"/>
+                <a:ea typeface="Monaco"/>
+              </a:rPr>
+              <a:t>*ngFor</a:t>
+            </a:r>
+            <a:r>
+              <a:rPr kumimoji="0" lang="zh-CN" altLang="zh-CN" sz="2800" b="0" i="0" u="none" strike="noStrike" cap="none" normalizeH="0" baseline="0" dirty="0" smtClean="0">
+                <a:ln>
+                  <a:noFill/>
+                </a:ln>
+                <a:solidFill>
+                  <a:srgbClr val="546E7A"/>
+                </a:solidFill>
+                <a:effectLst/>
+                <a:ea typeface="Helvetica Neue"/>
+              </a:rPr>
+              <a:t>、</a:t>
+            </a:r>
+            <a:r>
+              <a:rPr kumimoji="0" lang="zh-CN" altLang="zh-CN" b="0" i="0" u="none" strike="noStrike" cap="none" normalizeH="0" baseline="0" dirty="0" smtClean="0">
+                <a:ln>
+                  <a:noFill/>
+                </a:ln>
+                <a:solidFill>
+                  <a:srgbClr val="00796B"/>
+                </a:solidFill>
+                <a:effectLst/>
+                <a:latin typeface="Arial Unicode MS" panose="020B0604020202020204" pitchFamily="34" charset="-122"/>
+                <a:ea typeface="Monaco"/>
+              </a:rPr>
+              <a:t>{{hero.name}}</a:t>
+            </a:r>
+            <a:r>
+              <a:rPr kumimoji="0" lang="zh-CN" altLang="zh-CN" sz="2800" b="0" i="0" u="none" strike="noStrike" cap="none" normalizeH="0" baseline="0" dirty="0" smtClean="0">
+                <a:ln>
+                  <a:noFill/>
+                </a:ln>
+                <a:solidFill>
+                  <a:srgbClr val="546E7A"/>
+                </a:solidFill>
+                <a:effectLst/>
+                <a:ea typeface="Helvetica Neue"/>
+              </a:rPr>
+              <a:t>、</a:t>
+            </a:r>
+            <a:r>
+              <a:rPr kumimoji="0" lang="zh-CN" altLang="zh-CN" b="0" i="0" u="none" strike="noStrike" cap="none" normalizeH="0" baseline="0" dirty="0" smtClean="0">
+                <a:ln>
+                  <a:noFill/>
+                </a:ln>
+                <a:solidFill>
+                  <a:srgbClr val="00796B"/>
+                </a:solidFill>
+                <a:effectLst/>
+                <a:latin typeface="Arial Unicode MS" panose="020B0604020202020204" pitchFamily="34" charset="-122"/>
+                <a:ea typeface="Monaco"/>
+              </a:rPr>
+              <a:t>(click)</a:t>
+            </a:r>
+            <a:r>
+              <a:rPr kumimoji="0" lang="zh-CN" altLang="zh-CN" sz="2800" b="0" i="0" u="none" strike="noStrike" cap="none" normalizeH="0" baseline="0" dirty="0" smtClean="0">
+                <a:ln>
+                  <a:noFill/>
+                </a:ln>
+                <a:solidFill>
+                  <a:srgbClr val="546E7A"/>
+                </a:solidFill>
+                <a:effectLst/>
+                <a:ea typeface="Helvetica Neue"/>
+              </a:rPr>
+              <a:t>、</a:t>
+            </a:r>
+            <a:r>
+              <a:rPr kumimoji="0" lang="zh-CN" altLang="zh-CN" b="0" i="0" u="none" strike="noStrike" cap="none" normalizeH="0" baseline="0" dirty="0" smtClean="0">
+                <a:ln>
+                  <a:noFill/>
+                </a:ln>
+                <a:solidFill>
+                  <a:srgbClr val="00796B"/>
+                </a:solidFill>
+                <a:effectLst/>
+                <a:latin typeface="Arial Unicode MS" panose="020B0604020202020204" pitchFamily="34" charset="-122"/>
+                <a:ea typeface="Monaco"/>
+              </a:rPr>
+              <a:t>[hero]</a:t>
+            </a:r>
+            <a:r>
+              <a:rPr kumimoji="0" lang="zh-CN" altLang="zh-CN" sz="2800" b="0" i="0" u="none" strike="noStrike" cap="none" normalizeH="0" baseline="0" dirty="0" smtClean="0">
+                <a:ln>
+                  <a:noFill/>
+                </a:ln>
+                <a:solidFill>
+                  <a:srgbClr val="546E7A"/>
+                </a:solidFill>
+                <a:effectLst/>
+                <a:ea typeface="Helvetica Neue"/>
+              </a:rPr>
+              <a:t>和</a:t>
+            </a:r>
+            <a:r>
+              <a:rPr kumimoji="0" lang="zh-CN" altLang="zh-CN" b="0" i="0" u="none" strike="noStrike" cap="none" normalizeH="0" baseline="0" dirty="0" smtClean="0">
+                <a:ln>
+                  <a:noFill/>
+                </a:ln>
+                <a:solidFill>
+                  <a:srgbClr val="00796B"/>
+                </a:solidFill>
+                <a:effectLst/>
+                <a:latin typeface="Arial Unicode MS" panose="020B0604020202020204" pitchFamily="34" charset="-122"/>
+                <a:ea typeface="Monaco"/>
+              </a:rPr>
+              <a:t>&lt;hero-detail&gt;</a:t>
+            </a:r>
+            <a:r>
+              <a:rPr kumimoji="0" lang="zh-CN" altLang="zh-CN" sz="2400" b="0" i="0" u="none" strike="noStrike" cap="none" normalizeH="0" baseline="0" dirty="0" smtClean="0">
+                <a:ln>
+                  <a:noFill/>
+                </a:ln>
+                <a:solidFill>
+                  <a:schemeClr val="tx1"/>
+                </a:solidFill>
+                <a:effectLst/>
+              </a:rPr>
+              <a:t> </a:t>
+            </a:r>
+            <a:endParaRPr kumimoji="0" lang="zh-CN" altLang="zh-CN" sz="4000" b="0" i="0" u="none" strike="noStrike" cap="none" normalizeH="0" baseline="0" dirty="0" smtClean="0">
+              <a:ln>
+                <a:noFill/>
+              </a:ln>
+              <a:solidFill>
+                <a:schemeClr val="tx1"/>
+              </a:solidFill>
+              <a:effectLst/>
+              <a:latin typeface="Arial" panose="020B0604020202020204" pitchFamily="34" charset="0"/>
+            </a:endParaRPr>
+          </a:p>
+        </p:txBody>
+      </p:sp>
+    </p:spTree>
+    <p:extLst>
+      <p:ext uri="{BB962C8B-B14F-4D97-AF65-F5344CB8AC3E}">
+        <p14:creationId xmlns:p14="http://schemas.microsoft.com/office/powerpoint/2010/main" val="2912784082"/>
+      </p:ext>
+    </p:extLst>
+  </p:cSld>
+  <p:clrMapOvr>
+    <a:masterClrMapping/>
+  </p:clrMapOvr>
+</p:sld>
+</file>
+
+<file path=ppt/slides/slide12.xml><?xml version="1.0" encoding="utf-8"?>
+<p:sld xmlns:a="http://schemas.openxmlformats.org/drawingml/2006/main" xmlns:r="http://schemas.openxmlformats.org/officeDocument/2006/relationships" xmlns:p="http://schemas.openxmlformats.org/presentationml/2006/main">
+  <p:cSld>
+    <p:spTree>
+      <p:nvGrpSpPr>
+        <p:cNvPr id="1" name=""/>
+        <p:cNvGrpSpPr/>
+        <p:nvPr/>
+      </p:nvGrpSpPr>
+      <p:grpSpPr>
+        <a:xfrm>
+          <a:off x="0" y="0"/>
+          <a:ext cx="0" cy="0"/>
+          <a:chOff x="0" y="0"/>
+          <a:chExt cx="0" cy="0"/>
+        </a:xfrm>
+      </p:grpSpPr>
+      <p:sp>
+        <p:nvSpPr>
+          <p:cNvPr id="3" name="标题 2"/>
+          <p:cNvSpPr>
+            <a:spLocks noGrp="1"/>
+          </p:cNvSpPr>
+          <p:nvPr>
+            <p:ph type="ctrTitle"/>
+          </p:nvPr>
+        </p:nvSpPr>
+        <p:spPr>
+          <a:xfrm>
+            <a:off x="1291988" y="450376"/>
+            <a:ext cx="9144000" cy="1039718"/>
+          </a:xfrm>
+        </p:spPr>
+        <p:txBody>
+          <a:bodyPr>
             <a:normAutofit fontScale="90000"/>
           </a:bodyPr>
           <a:lstStyle/>
@@ -3375,6 +3970,121 @@
     <p:extLst>
       <p:ext uri="{BB962C8B-B14F-4D97-AF65-F5344CB8AC3E}">
         <p14:creationId xmlns:p14="http://schemas.microsoft.com/office/powerpoint/2010/main" val="2456361016"/>
+      </p:ext>
+    </p:extLst>
+  </p:cSld>
+  <p:clrMapOvr>
+    <a:masterClrMapping/>
+  </p:clrMapOvr>
+</p:sld>
+</file>
+
+<file path=ppt/slides/slide13.xml><?xml version="1.0" encoding="utf-8"?>
+<p:sld xmlns:a="http://schemas.openxmlformats.org/drawingml/2006/main" xmlns:r="http://schemas.openxmlformats.org/officeDocument/2006/relationships" xmlns:p="http://schemas.openxmlformats.org/presentationml/2006/main">
+  <p:cSld>
+    <p:spTree>
+      <p:nvGrpSpPr>
+        <p:cNvPr id="1" name=""/>
+        <p:cNvGrpSpPr/>
+        <p:nvPr/>
+      </p:nvGrpSpPr>
+      <p:grpSpPr>
+        <a:xfrm>
+          <a:off x="0" y="0"/>
+          <a:ext cx="0" cy="0"/>
+          <a:chOff x="0" y="0"/>
+          <a:chExt cx="0" cy="0"/>
+        </a:xfrm>
+      </p:grpSpPr>
+      <p:sp>
+        <p:nvSpPr>
+          <p:cNvPr id="4" name="矩形 3"/>
+          <p:cNvSpPr/>
+          <p:nvPr/>
+        </p:nvSpPr>
+        <p:spPr>
+          <a:xfrm>
+            <a:off x="574765" y="240715"/>
+            <a:ext cx="11025051" cy="369332"/>
+          </a:xfrm>
+          <a:prstGeom prst="rect">
+            <a:avLst/>
+          </a:prstGeom>
+        </p:spPr>
+        <p:txBody>
+          <a:bodyPr wrap="square">
+            <a:spAutoFit/>
+          </a:bodyPr>
+          <a:lstStyle/>
+          <a:p>
+            <a:r>
+              <a:rPr lang="zh-CN" altLang="en-US" dirty="0">
+                <a:solidFill>
+                  <a:srgbClr val="455A64"/>
+                </a:solidFill>
+                <a:latin typeface="Helvetica Neue"/>
+              </a:rPr>
+              <a:t>组件、指令和管道</a:t>
+            </a:r>
+            <a:r>
+              <a:rPr lang="zh-CN" altLang="en-US" b="1" dirty="0">
+                <a:solidFill>
+                  <a:srgbClr val="455A64"/>
+                </a:solidFill>
+                <a:latin typeface="Helvetica Neue"/>
+              </a:rPr>
+              <a:t>只能</a:t>
+            </a:r>
+            <a:r>
+              <a:rPr lang="zh-CN" altLang="en-US" dirty="0">
+                <a:solidFill>
+                  <a:srgbClr val="455A64"/>
+                </a:solidFill>
+                <a:latin typeface="Helvetica Neue"/>
+              </a:rPr>
+              <a:t>属于一个模块</a:t>
+            </a:r>
+            <a:r>
+              <a:rPr lang="zh-CN" altLang="en-US" dirty="0" smtClean="0">
+                <a:solidFill>
+                  <a:srgbClr val="455A64"/>
+                </a:solidFill>
+                <a:latin typeface="Helvetica Neue"/>
+              </a:rPr>
+              <a:t>。</a:t>
+            </a:r>
+            <a:r>
+              <a:rPr lang="zh-CN" altLang="en-US" b="1" dirty="0" smtClean="0">
+                <a:solidFill>
+                  <a:srgbClr val="455A64"/>
+                </a:solidFill>
+                <a:latin typeface="Helvetica Neue"/>
+              </a:rPr>
+              <a:t>永远</a:t>
+            </a:r>
+            <a:r>
+              <a:rPr lang="zh-CN" altLang="en-US" b="1" dirty="0">
+                <a:solidFill>
+                  <a:srgbClr val="455A64"/>
+                </a:solidFill>
+                <a:latin typeface="Helvetica Neue"/>
+              </a:rPr>
+              <a:t>不要再次声明属于其它模块的类。</a:t>
+            </a:r>
+            <a:endParaRPr lang="zh-CN" altLang="en-US" b="0" i="0" dirty="0">
+              <a:solidFill>
+                <a:srgbClr val="455A64"/>
+              </a:solidFill>
+              <a:effectLst/>
+              <a:latin typeface="Helvetica Neue"/>
+            </a:endParaRPr>
+          </a:p>
+        </p:txBody>
+      </p:sp>
+    </p:spTree>
+    <p:extLst>
+      <p:ext uri="{BB962C8B-B14F-4D97-AF65-F5344CB8AC3E}">
+        <p14:creationId xmlns:p14="http://schemas.microsoft.com/office/powerpoint/2010/main" val="2573781463"/>
       </p:ext>
     </p:extLst>
   </p:cSld>
@@ -4276,16 +4986,7 @@
                 </a:solidFill>
                 <a:latin typeface="Monaco"/>
               </a:rPr>
-              <a:t>Providers </a:t>
-            </a:r>
-            <a:r>
-              <a:rPr lang="en-US" altLang="zh-CN" dirty="0" smtClean="0">
-                <a:solidFill>
-                  <a:srgbClr val="00796B"/>
-                </a:solidFill>
-                <a:latin typeface="Monaco"/>
-              </a:rPr>
-              <a:t>–Service</a:t>
+              <a:t>Providers –Service</a:t>
             </a:r>
             <a:endParaRPr lang="zh-CN" altLang="en-US" dirty="0"/>
           </a:p>
@@ -4357,80 +5058,453 @@
       </p:grpSpPr>
       <p:sp>
         <p:nvSpPr>
-          <p:cNvPr id="6" name="矩形 5"/>
+          <p:cNvPr id="5" name="矩形 4"/>
           <p:cNvSpPr/>
           <p:nvPr/>
         </p:nvSpPr>
         <p:spPr>
           <a:xfrm>
-            <a:off x="277505" y="1973071"/>
-            <a:ext cx="11691582" cy="369332"/>
+            <a:off x="562685" y="300837"/>
+            <a:ext cx="1818126" cy="369332"/>
           </a:xfrm>
           <a:prstGeom prst="rect">
             <a:avLst/>
           </a:prstGeom>
         </p:spPr>
         <p:txBody>
-          <a:bodyPr wrap="square">
+          <a:bodyPr wrap="none">
             <a:spAutoFit/>
           </a:bodyPr>
           <a:lstStyle/>
           <a:p>
             <a:r>
-              <a:rPr lang="en-US" altLang="zh-CN" dirty="0"/>
-              <a:t>A </a:t>
-            </a:r>
-            <a:r>
-              <a:rPr lang="en-US" altLang="zh-CN" b="1" dirty="0"/>
-              <a:t>component</a:t>
-            </a:r>
-            <a:r>
-              <a:rPr lang="en-US" altLang="zh-CN" dirty="0"/>
-              <a:t> controls a patch of screen called a </a:t>
-            </a:r>
-            <a:r>
-              <a:rPr lang="en-US" altLang="zh-CN" b="1" dirty="0"/>
-              <a:t>view</a:t>
-            </a:r>
-            <a:r>
-              <a:rPr lang="en-US" altLang="zh-CN" dirty="0"/>
-              <a:t>.</a:t>
-            </a:r>
-            <a:endParaRPr lang="zh-CN" altLang="en-US" dirty="0"/>
-          </a:p>
-        </p:txBody>
-      </p:sp>
-      <p:sp>
-        <p:nvSpPr>
-          <p:cNvPr id="3" name="标题 2"/>
-          <p:cNvSpPr>
-            <a:spLocks noGrp="1"/>
-          </p:cNvSpPr>
-          <p:nvPr>
-            <p:ph type="ctrTitle"/>
-          </p:nvPr>
+              <a:rPr lang="en-US" altLang="zh-CN" b="1" dirty="0">
+                <a:solidFill>
+                  <a:srgbClr val="546E7A"/>
+                </a:solidFill>
+                <a:latin typeface="Helvetica Neue"/>
+              </a:rPr>
+              <a:t>Angular </a:t>
+            </a:r>
+            <a:r>
+              <a:rPr lang="zh-CN" altLang="en-US" b="1" dirty="0">
+                <a:solidFill>
+                  <a:srgbClr val="546E7A"/>
+                </a:solidFill>
+                <a:latin typeface="Helvetica Neue"/>
+              </a:rPr>
+              <a:t>模块化</a:t>
+            </a:r>
+            <a:endParaRPr lang="zh-CN" altLang="en-US" b="1" i="0" dirty="0">
+              <a:solidFill>
+                <a:srgbClr val="546E7A"/>
+              </a:solidFill>
+              <a:effectLst/>
+              <a:latin typeface="Helvetica Neue"/>
+            </a:endParaRPr>
+          </a:p>
+        </p:txBody>
+      </p:sp>
+      <p:sp>
+        <p:nvSpPr>
+          <p:cNvPr id="7" name="Rectangle 1"/>
+          <p:cNvSpPr>
+            <a:spLocks noChangeArrowheads="1"/>
+          </p:cNvSpPr>
+          <p:nvPr/>
+        </p:nvSpPr>
+        <p:spPr bwMode="auto">
+          <a:xfrm>
+            <a:off x="562685" y="729492"/>
+            <a:ext cx="3097323" cy="338554"/>
+          </a:xfrm>
+          <a:prstGeom prst="rect">
+            <a:avLst/>
+          </a:prstGeom>
+          <a:noFill/>
+          <a:ln>
+            <a:noFill/>
+          </a:ln>
+          <a:effectLst/>
+          <a:extLst>
+            <a:ext uri="{909E8E84-426E-40DD-AFC4-6F175D3DCCD1}">
+              <a14:hiddenFill xmlns:a14="http://schemas.microsoft.com/office/drawing/2010/main">
+                <a:solidFill>
+                  <a:schemeClr val="accent1"/>
+                </a:solidFill>
+              </a14:hiddenFill>
+            </a:ext>
+            <a:ext uri="{91240B29-F687-4F45-9708-019B960494DF}">
+              <a14:hiddenLine xmlns:a14="http://schemas.microsoft.com/office/drawing/2010/main" w="9525">
+                <a:solidFill>
+                  <a:schemeClr val="tx1"/>
+                </a:solidFill>
+                <a:miter lim="800000"/>
+                <a:headEnd/>
+                <a:tailEnd/>
+              </a14:hiddenLine>
+            </a:ext>
+            <a:ext uri="{AF507438-7753-43E0-B8FC-AC1667EBCBE1}">
+              <a14:hiddenEffects xmlns:a14="http://schemas.microsoft.com/office/drawing/2010/main">
+                <a:effectLst>
+                  <a:outerShdw dist="35921" dir="2700000" algn="ctr" rotWithShape="0">
+                    <a:schemeClr val="bg2"/>
+                  </a:outerShdw>
+                </a:effectLst>
+              </a14:hiddenEffects>
+            </a:ext>
+          </a:extLst>
+        </p:spPr>
+        <p:txBody>
+          <a:bodyPr vert="horz" wrap="none" lIns="91440" tIns="45720" rIns="91440" bIns="45720" numCol="1" anchor="ctr" anchorCtr="0" compatLnSpc="1">
+            <a:prstTxWarp prst="textNoShape">
+              <a:avLst/>
+            </a:prstTxWarp>
+            <a:spAutoFit/>
+          </a:bodyPr>
+          <a:lstStyle>
+            <a:lvl1pPr eaLnBrk="0" fontAlgn="base" hangingPunct="0">
+              <a:spcBef>
+                <a:spcPct val="0"/>
+              </a:spcBef>
+              <a:spcAft>
+                <a:spcPct val="0"/>
+              </a:spcAft>
+              <a:defRPr>
+                <a:solidFill>
+                  <a:schemeClr val="tx1"/>
+                </a:solidFill>
+                <a:latin typeface="Arial" panose="020B0604020202020204" pitchFamily="34" charset="0"/>
+              </a:defRPr>
+            </a:lvl1pPr>
+            <a:lvl2pPr eaLnBrk="0" fontAlgn="base" hangingPunct="0">
+              <a:spcBef>
+                <a:spcPct val="0"/>
+              </a:spcBef>
+              <a:spcAft>
+                <a:spcPct val="0"/>
+              </a:spcAft>
+              <a:defRPr>
+                <a:solidFill>
+                  <a:schemeClr val="tx1"/>
+                </a:solidFill>
+                <a:latin typeface="Arial" panose="020B0604020202020204" pitchFamily="34" charset="0"/>
+              </a:defRPr>
+            </a:lvl2pPr>
+            <a:lvl3pPr eaLnBrk="0" fontAlgn="base" hangingPunct="0">
+              <a:spcBef>
+                <a:spcPct val="0"/>
+              </a:spcBef>
+              <a:spcAft>
+                <a:spcPct val="0"/>
+              </a:spcAft>
+              <a:defRPr>
+                <a:solidFill>
+                  <a:schemeClr val="tx1"/>
+                </a:solidFill>
+                <a:latin typeface="Arial" panose="020B0604020202020204" pitchFamily="34" charset="0"/>
+              </a:defRPr>
+            </a:lvl3pPr>
+            <a:lvl4pPr eaLnBrk="0" fontAlgn="base" hangingPunct="0">
+              <a:spcBef>
+                <a:spcPct val="0"/>
+              </a:spcBef>
+              <a:spcAft>
+                <a:spcPct val="0"/>
+              </a:spcAft>
+              <a:defRPr>
+                <a:solidFill>
+                  <a:schemeClr val="tx1"/>
+                </a:solidFill>
+                <a:latin typeface="Arial" panose="020B0604020202020204" pitchFamily="34" charset="0"/>
+              </a:defRPr>
+            </a:lvl4pPr>
+            <a:lvl5pPr eaLnBrk="0" fontAlgn="base" hangingPunct="0">
+              <a:spcBef>
+                <a:spcPct val="0"/>
+              </a:spcBef>
+              <a:spcAft>
+                <a:spcPct val="0"/>
+              </a:spcAft>
+              <a:defRPr>
+                <a:solidFill>
+                  <a:schemeClr val="tx1"/>
+                </a:solidFill>
+                <a:latin typeface="Arial" panose="020B0604020202020204" pitchFamily="34" charset="0"/>
+              </a:defRPr>
+            </a:lvl5pPr>
+            <a:lvl6pPr eaLnBrk="0" fontAlgn="base" hangingPunct="0">
+              <a:spcBef>
+                <a:spcPct val="0"/>
+              </a:spcBef>
+              <a:spcAft>
+                <a:spcPct val="0"/>
+              </a:spcAft>
+              <a:defRPr>
+                <a:solidFill>
+                  <a:schemeClr val="tx1"/>
+                </a:solidFill>
+                <a:latin typeface="Arial" panose="020B0604020202020204" pitchFamily="34" charset="0"/>
+              </a:defRPr>
+            </a:lvl6pPr>
+            <a:lvl7pPr eaLnBrk="0" fontAlgn="base" hangingPunct="0">
+              <a:spcBef>
+                <a:spcPct val="0"/>
+              </a:spcBef>
+              <a:spcAft>
+                <a:spcPct val="0"/>
+              </a:spcAft>
+              <a:defRPr>
+                <a:solidFill>
+                  <a:schemeClr val="tx1"/>
+                </a:solidFill>
+                <a:latin typeface="Arial" panose="020B0604020202020204" pitchFamily="34" charset="0"/>
+              </a:defRPr>
+            </a:lvl7pPr>
+            <a:lvl8pPr eaLnBrk="0" fontAlgn="base" hangingPunct="0">
+              <a:spcBef>
+                <a:spcPct val="0"/>
+              </a:spcBef>
+              <a:spcAft>
+                <a:spcPct val="0"/>
+              </a:spcAft>
+              <a:defRPr>
+                <a:solidFill>
+                  <a:schemeClr val="tx1"/>
+                </a:solidFill>
+                <a:latin typeface="Arial" panose="020B0604020202020204" pitchFamily="34" charset="0"/>
+              </a:defRPr>
+            </a:lvl8pPr>
+            <a:lvl9pPr eaLnBrk="0" fontAlgn="base" hangingPunct="0">
+              <a:spcBef>
+                <a:spcPct val="0"/>
+              </a:spcBef>
+              <a:spcAft>
+                <a:spcPct val="0"/>
+              </a:spcAft>
+              <a:defRPr>
+                <a:solidFill>
+                  <a:schemeClr val="tx1"/>
+                </a:solidFill>
+                <a:latin typeface="Arial" panose="020B0604020202020204" pitchFamily="34" charset="0"/>
+              </a:defRPr>
+            </a:lvl9pPr>
+          </a:lstStyle>
+          <a:p>
+            <a:pPr marL="0" marR="0" lvl="0" indent="0" algn="l" defTabSz="914400" rtl="0" eaLnBrk="0" fontAlgn="base" latinLnBrk="0" hangingPunct="0">
+              <a:lnSpc>
+                <a:spcPct val="100000"/>
+              </a:lnSpc>
+              <a:spcBef>
+                <a:spcPct val="0"/>
+              </a:spcBef>
+              <a:spcAft>
+                <a:spcPct val="0"/>
+              </a:spcAft>
+              <a:buClrTx/>
+              <a:buSzTx/>
+              <a:buFontTx/>
+              <a:buNone/>
+              <a:tabLst/>
+            </a:pPr>
+            <a:r>
+              <a:rPr kumimoji="0" lang="zh-CN" altLang="zh-CN" sz="1100" b="0" i="0" u="none" strike="noStrike" cap="none" normalizeH="0" baseline="0" smtClean="0">
+                <a:ln>
+                  <a:noFill/>
+                </a:ln>
+                <a:solidFill>
+                  <a:srgbClr val="00796B"/>
+                </a:solidFill>
+                <a:effectLst/>
+                <a:latin typeface="Arial Unicode MS" panose="020B0604020202020204" pitchFamily="34" charset="-122"/>
+                <a:ea typeface="Monaco"/>
+              </a:rPr>
+              <a:t>FormsModule</a:t>
+            </a:r>
+            <a:r>
+              <a:rPr kumimoji="0" lang="zh-CN" altLang="zh-CN" sz="1600" b="0" i="0" u="none" strike="noStrike" cap="none" normalizeH="0" baseline="0" smtClean="0">
+                <a:ln>
+                  <a:noFill/>
+                </a:ln>
+                <a:solidFill>
+                  <a:srgbClr val="546E7A"/>
+                </a:solidFill>
+                <a:effectLst/>
+                <a:ea typeface="Helvetica Neue"/>
+              </a:rPr>
+              <a:t>、</a:t>
+            </a:r>
+            <a:r>
+              <a:rPr kumimoji="0" lang="zh-CN" altLang="zh-CN" sz="1100" b="0" i="0" u="none" strike="noStrike" cap="none" normalizeH="0" baseline="0" smtClean="0">
+                <a:ln>
+                  <a:noFill/>
+                </a:ln>
+                <a:solidFill>
+                  <a:srgbClr val="00796B"/>
+                </a:solidFill>
+                <a:effectLst/>
+                <a:latin typeface="Arial Unicode MS" panose="020B0604020202020204" pitchFamily="34" charset="-122"/>
+                <a:ea typeface="Monaco"/>
+              </a:rPr>
+              <a:t>HttpModule</a:t>
+            </a:r>
+            <a:r>
+              <a:rPr kumimoji="0" lang="zh-CN" altLang="zh-CN" sz="1600" b="0" i="0" u="none" strike="noStrike" cap="none" normalizeH="0" baseline="0" smtClean="0">
+                <a:ln>
+                  <a:noFill/>
+                </a:ln>
+                <a:solidFill>
+                  <a:srgbClr val="546E7A"/>
+                </a:solidFill>
+                <a:effectLst/>
+                <a:ea typeface="Helvetica Neue"/>
+              </a:rPr>
+              <a:t>、</a:t>
+            </a:r>
+            <a:r>
+              <a:rPr kumimoji="0" lang="zh-CN" altLang="zh-CN" sz="1100" b="0" i="0" u="none" strike="noStrike" cap="none" normalizeH="0" baseline="0" smtClean="0">
+                <a:ln>
+                  <a:noFill/>
+                </a:ln>
+                <a:solidFill>
+                  <a:srgbClr val="00796B"/>
+                </a:solidFill>
+                <a:effectLst/>
+                <a:latin typeface="Arial Unicode MS" panose="020B0604020202020204" pitchFamily="34" charset="-122"/>
+                <a:ea typeface="Monaco"/>
+              </a:rPr>
+              <a:t>RouterModule</a:t>
+            </a:r>
+            <a:r>
+              <a:rPr kumimoji="0" lang="zh-CN" altLang="zh-CN" sz="1000" b="0" i="0" u="none" strike="noStrike" cap="none" normalizeH="0" baseline="0" smtClean="0">
+                <a:ln>
+                  <a:noFill/>
+                </a:ln>
+                <a:solidFill>
+                  <a:schemeClr val="tx1"/>
+                </a:solidFill>
+                <a:effectLst/>
+              </a:rPr>
+              <a:t> </a:t>
+            </a:r>
+            <a:endParaRPr kumimoji="0" lang="zh-CN" altLang="zh-CN" sz="2400" b="0" i="0" u="none" strike="noStrike" cap="none" normalizeH="0" baseline="0" smtClean="0">
+              <a:ln>
+                <a:noFill/>
+              </a:ln>
+              <a:solidFill>
+                <a:schemeClr val="tx1"/>
+              </a:solidFill>
+              <a:effectLst/>
+              <a:latin typeface="Arial" panose="020B0604020202020204" pitchFamily="34" charset="0"/>
+            </a:endParaRPr>
+          </a:p>
+        </p:txBody>
+      </p:sp>
+      <p:sp>
+        <p:nvSpPr>
+          <p:cNvPr id="8" name="矩形 7"/>
+          <p:cNvSpPr/>
+          <p:nvPr/>
         </p:nvSpPr>
         <p:spPr>
           <a:xfrm>
-            <a:off x="1291988" y="450376"/>
-            <a:ext cx="9144000" cy="1039718"/>
+            <a:off x="562685" y="1127369"/>
+            <a:ext cx="1114408" cy="369332"/>
           </a:xfrm>
+          <a:prstGeom prst="rect">
+            <a:avLst/>
+          </a:prstGeom>
         </p:spPr>
         <p:txBody>
-          <a:bodyPr/>
-          <a:lstStyle/>
-          <a:p>
-            <a:r>
-              <a:rPr lang="zh-CN" altLang="en-US" dirty="0"/>
-              <a:t>组件</a:t>
-            </a:r>
+          <a:bodyPr wrap="none">
+            <a:spAutoFit/>
+          </a:bodyPr>
+          <a:lstStyle/>
+          <a:p>
+            <a:r>
+              <a:rPr lang="zh-CN" altLang="en-US" b="1" dirty="0">
+                <a:solidFill>
+                  <a:srgbClr val="546E7A"/>
+                </a:solidFill>
+                <a:latin typeface="Helvetica Neue"/>
+              </a:rPr>
+              <a:t>惰性加载</a:t>
+            </a:r>
+            <a:endParaRPr lang="zh-CN" altLang="en-US" dirty="0"/>
+          </a:p>
+        </p:txBody>
+      </p:sp>
+      <p:sp>
+        <p:nvSpPr>
+          <p:cNvPr id="9" name="矩形 8"/>
+          <p:cNvSpPr/>
+          <p:nvPr/>
+        </p:nvSpPr>
+        <p:spPr>
+          <a:xfrm>
+            <a:off x="562685" y="1556024"/>
+            <a:ext cx="2167581" cy="369332"/>
+          </a:xfrm>
+          <a:prstGeom prst="rect">
+            <a:avLst/>
+          </a:prstGeom>
+        </p:spPr>
+        <p:txBody>
+          <a:bodyPr wrap="none">
+            <a:spAutoFit/>
+          </a:bodyPr>
+          <a:lstStyle/>
+          <a:p>
+            <a:r>
+              <a:rPr lang="zh-CN" altLang="en-US" b="1" dirty="0">
+                <a:solidFill>
+                  <a:srgbClr val="546E7A"/>
+                </a:solidFill>
+                <a:latin typeface="Helvetica Neue"/>
+              </a:rPr>
+              <a:t>在 </a:t>
+            </a:r>
+            <a:r>
+              <a:rPr lang="en-US" altLang="zh-CN" b="1" dirty="0" err="1">
+                <a:solidFill>
+                  <a:srgbClr val="546E7A"/>
+                </a:solidFill>
+                <a:latin typeface="Helvetica Neue"/>
+              </a:rPr>
+              <a:t>main.ts</a:t>
+            </a:r>
+            <a:r>
+              <a:rPr lang="en-US" altLang="zh-CN" b="1" dirty="0">
+                <a:solidFill>
+                  <a:srgbClr val="546E7A"/>
+                </a:solidFill>
+                <a:latin typeface="Helvetica Neue"/>
+              </a:rPr>
+              <a:t> </a:t>
+            </a:r>
+            <a:r>
+              <a:rPr lang="zh-CN" altLang="en-US" b="1" dirty="0">
+                <a:solidFill>
+                  <a:srgbClr val="546E7A"/>
+                </a:solidFill>
+                <a:latin typeface="Helvetica Neue"/>
+              </a:rPr>
+              <a:t>中引导</a:t>
+            </a:r>
+            <a:endParaRPr lang="zh-CN" altLang="en-US" b="1" i="0" dirty="0">
+              <a:solidFill>
+                <a:srgbClr val="546E7A"/>
+              </a:solidFill>
+              <a:effectLst/>
+              <a:latin typeface="Helvetica Neue"/>
+            </a:endParaRPr>
           </a:p>
         </p:txBody>
       </p:sp>
     </p:spTree>
     <p:extLst>
       <p:ext uri="{BB962C8B-B14F-4D97-AF65-F5344CB8AC3E}">
-        <p14:creationId xmlns:p14="http://schemas.microsoft.com/office/powerpoint/2010/main" val="344364158"/>
+        <p14:creationId xmlns:p14="http://schemas.microsoft.com/office/powerpoint/2010/main" val="1796036963"/>
       </p:ext>
     </p:extLst>
   </p:cSld>
@@ -4459,6 +5533,51 @@
       </p:grpSpPr>
       <p:sp>
         <p:nvSpPr>
+          <p:cNvPr id="6" name="矩形 5"/>
+          <p:cNvSpPr/>
+          <p:nvPr/>
+        </p:nvSpPr>
+        <p:spPr>
+          <a:xfrm>
+            <a:off x="277505" y="1973071"/>
+            <a:ext cx="11691582" cy="369332"/>
+          </a:xfrm>
+          <a:prstGeom prst="rect">
+            <a:avLst/>
+          </a:prstGeom>
+        </p:spPr>
+        <p:txBody>
+          <a:bodyPr wrap="square">
+            <a:spAutoFit/>
+          </a:bodyPr>
+          <a:lstStyle/>
+          <a:p>
+            <a:r>
+              <a:rPr lang="en-US" altLang="zh-CN" dirty="0"/>
+              <a:t>A </a:t>
+            </a:r>
+            <a:r>
+              <a:rPr lang="en-US" altLang="zh-CN" b="1" dirty="0"/>
+              <a:t>component</a:t>
+            </a:r>
+            <a:r>
+              <a:rPr lang="en-US" altLang="zh-CN" dirty="0"/>
+              <a:t> controls a patch of screen called a </a:t>
+            </a:r>
+            <a:r>
+              <a:rPr lang="en-US" altLang="zh-CN" b="1" dirty="0"/>
+              <a:t>view</a:t>
+            </a:r>
+            <a:r>
+              <a:rPr lang="en-US" altLang="zh-CN" dirty="0"/>
+              <a:t>.</a:t>
+            </a:r>
+            <a:endParaRPr lang="zh-CN" altLang="en-US" dirty="0"/>
+          </a:p>
+        </p:txBody>
+      </p:sp>
+      <p:sp>
+        <p:nvSpPr>
           <p:cNvPr id="3" name="标题 2"/>
           <p:cNvSpPr>
             <a:spLocks noGrp="1"/>
@@ -4478,120 +5597,16 @@
           <a:lstStyle/>
           <a:p>
             <a:r>
-              <a:rPr lang="zh-CN" altLang="en-US" b="1" dirty="0"/>
-              <a:t>元数据</a:t>
-            </a:r>
-          </a:p>
-        </p:txBody>
-      </p:sp>
-      <p:sp>
-        <p:nvSpPr>
-          <p:cNvPr id="2" name="矩形 1"/>
-          <p:cNvSpPr/>
-          <p:nvPr/>
-        </p:nvSpPr>
-        <p:spPr>
-          <a:xfrm>
-            <a:off x="919793" y="1620250"/>
-            <a:ext cx="5493812" cy="369332"/>
-          </a:xfrm>
-          <a:prstGeom prst="rect">
-            <a:avLst/>
-          </a:prstGeom>
-        </p:spPr>
-        <p:txBody>
-          <a:bodyPr wrap="none">
-            <a:spAutoFit/>
-          </a:bodyPr>
-          <a:lstStyle/>
-          <a:p>
-            <a:r>
-              <a:rPr lang="en-US" altLang="zh-CN" dirty="0">
-                <a:solidFill>
-                  <a:srgbClr val="546E7A"/>
-                </a:solidFill>
-                <a:latin typeface="Helvetica Neue"/>
-              </a:rPr>
-              <a:t>Metadata tells Angular how to process a class.</a:t>
-            </a:r>
-            <a:endParaRPr lang="zh-CN" altLang="en-US" dirty="0"/>
-          </a:p>
-        </p:txBody>
-      </p:sp>
-      <p:sp>
-        <p:nvSpPr>
-          <p:cNvPr id="4" name="矩形 3"/>
-          <p:cNvSpPr/>
-          <p:nvPr/>
-        </p:nvSpPr>
-        <p:spPr>
-          <a:xfrm>
-            <a:off x="902606" y="2119738"/>
-            <a:ext cx="11021998" cy="369332"/>
-          </a:xfrm>
-          <a:prstGeom prst="rect">
-            <a:avLst/>
-          </a:prstGeom>
-        </p:spPr>
-        <p:txBody>
-          <a:bodyPr wrap="square">
-            <a:spAutoFit/>
-          </a:bodyPr>
-          <a:lstStyle/>
-          <a:p>
-            <a:r>
-              <a:rPr lang="en-US" altLang="zh-CN" dirty="0">
-                <a:solidFill>
-                  <a:srgbClr val="546E7A"/>
-                </a:solidFill>
-                <a:latin typeface="Helvetica Neue"/>
-              </a:rPr>
-              <a:t>In </a:t>
-            </a:r>
-            <a:r>
-              <a:rPr lang="en-US" altLang="zh-CN" dirty="0" err="1">
-                <a:solidFill>
-                  <a:srgbClr val="546E7A"/>
-                </a:solidFill>
-                <a:latin typeface="Helvetica Neue"/>
-              </a:rPr>
-              <a:t>TypeScript</a:t>
-            </a:r>
-            <a:r>
-              <a:rPr lang="en-US" altLang="zh-CN" dirty="0">
-                <a:solidFill>
-                  <a:srgbClr val="546E7A"/>
-                </a:solidFill>
-                <a:latin typeface="Helvetica Neue"/>
-              </a:rPr>
-              <a:t>, you attach metadata by using a </a:t>
-            </a:r>
-            <a:r>
-              <a:rPr lang="en-US" altLang="zh-CN" b="1" dirty="0">
-                <a:solidFill>
-                  <a:srgbClr val="546E7A"/>
-                </a:solidFill>
-                <a:latin typeface="Helvetica Neue"/>
-              </a:rPr>
-              <a:t>decorator</a:t>
-            </a:r>
-            <a:r>
-              <a:rPr lang="en-US" altLang="zh-CN" dirty="0">
-                <a:solidFill>
-                  <a:srgbClr val="546E7A"/>
-                </a:solidFill>
-                <a:latin typeface="Helvetica Neue"/>
-              </a:rPr>
-              <a:t>. </a:t>
-            </a:r>
-            <a:endParaRPr lang="zh-CN" altLang="en-US" dirty="0"/>
+              <a:rPr lang="zh-CN" altLang="en-US" dirty="0"/>
+              <a:t>组件</a:t>
+            </a:r>
           </a:p>
         </p:txBody>
       </p:sp>
     </p:spTree>
     <p:extLst>
       <p:ext uri="{BB962C8B-B14F-4D97-AF65-F5344CB8AC3E}">
-        <p14:creationId xmlns:p14="http://schemas.microsoft.com/office/powerpoint/2010/main" val="982976595"/>
+        <p14:creationId xmlns:p14="http://schemas.microsoft.com/office/powerpoint/2010/main" val="344364158"/>
       </p:ext>
     </p:extLst>
   </p:cSld>
@@ -4604,12 +5619,6 @@
 <file path=ppt/slides/slide6.xml><?xml version="1.0" encoding="utf-8"?>
 <p:sld xmlns:a="http://schemas.openxmlformats.org/drawingml/2006/main" xmlns:r="http://schemas.openxmlformats.org/officeDocument/2006/relationships" xmlns:p="http://schemas.openxmlformats.org/presentationml/2006/main">
   <p:cSld>
-    <p:bg>
-      <p:bgPr>
-        <a:noFill/>
-        <a:effectLst/>
-      </p:bgPr>
-    </p:bg>
     <p:spTree>
       <p:nvGrpSpPr>
         <p:cNvPr id="1" name=""/>
@@ -4646,88 +5655,40 @@
           <a:p>
             <a:r>
               <a:rPr lang="zh-CN" altLang="en-US" b="1" dirty="0"/>
-              <a:t>数据绑定</a:t>
-            </a:r>
-          </a:p>
-        </p:txBody>
-      </p:sp>
-      <p:sp>
-        <p:nvSpPr>
-          <p:cNvPr id="6" name="矩形 5"/>
+              <a:t>元数据</a:t>
+            </a:r>
+          </a:p>
+        </p:txBody>
+      </p:sp>
+      <p:sp>
+        <p:nvSpPr>
+          <p:cNvPr id="2" name="矩形 1"/>
           <p:cNvSpPr/>
           <p:nvPr/>
         </p:nvSpPr>
         <p:spPr>
           <a:xfrm>
-            <a:off x="532263" y="1633898"/>
-            <a:ext cx="11423176" cy="369332"/>
+            <a:off x="919793" y="1620250"/>
+            <a:ext cx="5493812" cy="369332"/>
           </a:xfrm>
           <a:prstGeom prst="rect">
             <a:avLst/>
           </a:prstGeom>
         </p:spPr>
         <p:txBody>
-          <a:bodyPr wrap="square">
+          <a:bodyPr wrap="none">
             <a:spAutoFit/>
           </a:bodyPr>
           <a:lstStyle/>
           <a:p>
             <a:r>
-              <a:rPr lang="en-US" altLang="zh-CN" b="1" dirty="0" smtClean="0">
-                <a:solidFill>
-                  <a:srgbClr val="1976D2"/>
+              <a:rPr lang="en-US" altLang="zh-CN" dirty="0">
+                <a:solidFill>
+                  <a:srgbClr val="546E7A"/>
                 </a:solidFill>
                 <a:latin typeface="Helvetica Neue"/>
-                <a:hlinkClick r:id="rId2"/>
-              </a:rPr>
-              <a:t>Interpolation</a:t>
-            </a:r>
-            <a:r>
-              <a:rPr lang="en-US" altLang="zh-CN" b="1" dirty="0" smtClean="0">
-                <a:solidFill>
-                  <a:srgbClr val="1976D2"/>
-                </a:solidFill>
-                <a:latin typeface="Helvetica Neue"/>
-              </a:rPr>
-              <a:t> - </a:t>
-            </a:r>
-            <a:r>
-              <a:rPr lang="zh-CN" altLang="en-US" b="1" dirty="0" smtClean="0">
-                <a:hlinkClick r:id="rId2"/>
-              </a:rPr>
-              <a:t>插值表达式</a:t>
-            </a:r>
-            <a:r>
-              <a:rPr lang="zh-CN" altLang="en-US" b="1" dirty="0" smtClean="0"/>
-              <a:t>  </a:t>
-            </a:r>
-            <a:r>
-              <a:rPr lang="en-US" altLang="zh-CN" dirty="0" smtClean="0">
-                <a:solidFill>
-                  <a:srgbClr val="FF0000"/>
-                </a:solidFill>
-              </a:rPr>
-              <a:t>{{</a:t>
-            </a:r>
-            <a:r>
-              <a:rPr lang="en-US" altLang="zh-CN" dirty="0">
-                <a:solidFill>
-                  <a:srgbClr val="FF0000"/>
-                </a:solidFill>
-              </a:rPr>
-              <a:t>hero.name</a:t>
-            </a:r>
-            <a:r>
-              <a:rPr lang="en-US" altLang="zh-CN" dirty="0" smtClean="0">
-                <a:solidFill>
-                  <a:srgbClr val="FF0000"/>
-                </a:solidFill>
-              </a:rPr>
-              <a:t>}}</a:t>
-            </a:r>
-            <a:r>
-              <a:rPr lang="zh-CN" altLang="en-US" dirty="0" smtClean="0"/>
-              <a:t>， 显示值</a:t>
+              </a:rPr>
+              <a:t>Metadata tells Angular how to process a class.</a:t>
             </a:r>
             <a:endParaRPr lang="zh-CN" altLang="en-US" dirty="0"/>
           </a:p>
@@ -4735,14 +5696,14 @@
       </p:sp>
       <p:sp>
         <p:nvSpPr>
-          <p:cNvPr id="7" name="矩形 6"/>
+          <p:cNvPr id="4" name="矩形 3"/>
           <p:cNvSpPr/>
           <p:nvPr/>
         </p:nvSpPr>
         <p:spPr>
           <a:xfrm>
-            <a:off x="532263" y="2106091"/>
-            <a:ext cx="11423176" cy="369332"/>
+            <a:off x="902606" y="2119738"/>
+            <a:ext cx="11021998" cy="369332"/>
           </a:xfrm>
           <a:prstGeom prst="rect">
             <a:avLst/>
@@ -4755,258 +5716,49 @@
           <a:lstStyle/>
           <a:p>
             <a:r>
-              <a:rPr lang="en-US" altLang="zh-CN" dirty="0"/>
-              <a:t> </a:t>
+              <a:rPr lang="en-US" altLang="zh-CN" dirty="0">
+                <a:solidFill>
+                  <a:srgbClr val="546E7A"/>
+                </a:solidFill>
+                <a:latin typeface="Helvetica Neue"/>
+              </a:rPr>
+              <a:t>In </a:t>
+            </a:r>
+            <a:r>
+              <a:rPr lang="en-US" altLang="zh-CN" dirty="0" err="1">
+                <a:solidFill>
+                  <a:srgbClr val="546E7A"/>
+                </a:solidFill>
+                <a:latin typeface="Helvetica Neue"/>
+              </a:rPr>
+              <a:t>TypeScript</a:t>
+            </a:r>
+            <a:r>
+              <a:rPr lang="en-US" altLang="zh-CN" dirty="0">
+                <a:solidFill>
+                  <a:srgbClr val="546E7A"/>
+                </a:solidFill>
+                <a:latin typeface="Helvetica Neue"/>
+              </a:rPr>
+              <a:t>, you attach metadata by using a </a:t>
             </a:r>
             <a:r>
               <a:rPr lang="en-US" altLang="zh-CN" b="1" dirty="0">
-                <a:hlinkClick r:id="rId3"/>
-              </a:rPr>
-              <a:t>property binding</a:t>
-            </a:r>
-            <a:r>
-              <a:rPr lang="en-US" altLang="zh-CN" b="1" dirty="0" smtClean="0">
-                <a:solidFill>
-                  <a:srgbClr val="1976D2"/>
+                <a:solidFill>
+                  <a:srgbClr val="546E7A"/>
                 </a:solidFill>
                 <a:latin typeface="Helvetica Neue"/>
               </a:rPr>
-              <a:t> -</a:t>
-            </a:r>
-            <a:r>
-              <a:rPr lang="zh-CN" altLang="en-US" b="1" dirty="0">
-                <a:hlinkClick r:id="rId3"/>
-              </a:rPr>
-              <a:t>属性</a:t>
-            </a:r>
-            <a:r>
-              <a:rPr lang="zh-CN" altLang="en-US" b="1" dirty="0" smtClean="0">
-                <a:hlinkClick r:id="rId3"/>
-              </a:rPr>
-              <a:t>绑定</a:t>
-            </a:r>
-            <a:r>
-              <a:rPr lang="zh-CN" altLang="en-US" b="1" dirty="0" smtClean="0"/>
-              <a:t> </a:t>
-            </a:r>
-            <a:r>
-              <a:rPr lang="zh-CN" altLang="en-US" b="1" dirty="0" smtClean="0">
-                <a:solidFill>
-                  <a:srgbClr val="FF0000"/>
-                </a:solidFill>
-              </a:rPr>
-              <a:t> </a:t>
-            </a:r>
-            <a:r>
-              <a:rPr lang="en-US" altLang="zh-CN" dirty="0" smtClean="0">
-                <a:solidFill>
-                  <a:srgbClr val="FF0000"/>
-                </a:solidFill>
-              </a:rPr>
-              <a:t>[</a:t>
+              <a:t>decorator</a:t>
             </a:r>
             <a:r>
               <a:rPr lang="en-US" altLang="zh-CN" dirty="0">
                 <a:solidFill>
-                  <a:srgbClr val="FF0000"/>
-                </a:solidFill>
-              </a:rPr>
-              <a:t>hero</a:t>
-            </a:r>
-            <a:r>
-              <a:rPr lang="en-US" altLang="zh-CN" dirty="0" smtClean="0">
-                <a:solidFill>
-                  <a:srgbClr val="FF0000"/>
-                </a:solidFill>
-              </a:rPr>
-              <a:t>] </a:t>
-            </a:r>
-            <a:r>
-              <a:rPr lang="zh-CN" altLang="en-US" dirty="0" smtClean="0"/>
-              <a:t>， 把父组件的值传到子组件的属性中去</a:t>
-            </a:r>
-            <a:endParaRPr lang="zh-CN" altLang="en-US" dirty="0"/>
-          </a:p>
-        </p:txBody>
-      </p:sp>
-      <p:sp>
-        <p:nvSpPr>
-          <p:cNvPr id="9" name="矩形 8"/>
-          <p:cNvSpPr/>
-          <p:nvPr/>
-        </p:nvSpPr>
-        <p:spPr>
-          <a:xfrm>
-            <a:off x="532263" y="2578284"/>
-            <a:ext cx="11423176" cy="369332"/>
-          </a:xfrm>
-          <a:prstGeom prst="rect">
-            <a:avLst/>
-          </a:prstGeom>
-        </p:spPr>
-        <p:txBody>
-          <a:bodyPr wrap="square">
-            <a:spAutoFit/>
-          </a:bodyPr>
-          <a:lstStyle/>
-          <a:p>
-            <a:r>
-              <a:rPr lang="en-US" altLang="zh-CN" dirty="0"/>
-              <a:t>  </a:t>
-            </a:r>
-            <a:r>
-              <a:rPr lang="en-US" altLang="zh-CN" b="1" dirty="0">
-                <a:hlinkClick r:id="rId4"/>
-              </a:rPr>
-              <a:t>event </a:t>
-            </a:r>
-            <a:r>
-              <a:rPr lang="en-US" altLang="zh-CN" b="1" dirty="0" smtClean="0">
-                <a:hlinkClick r:id="rId4"/>
-              </a:rPr>
-              <a:t>binding</a:t>
-            </a:r>
-            <a:r>
-              <a:rPr lang="en-US" altLang="zh-CN" b="1" dirty="0" smtClean="0"/>
-              <a:t> </a:t>
-            </a:r>
-            <a:r>
-              <a:rPr lang="en-US" altLang="zh-CN" b="1" dirty="0" smtClean="0">
-                <a:solidFill>
-                  <a:srgbClr val="1976D2"/>
+                  <a:srgbClr val="546E7A"/>
                 </a:solidFill>
                 <a:latin typeface="Helvetica Neue"/>
               </a:rPr>
-              <a:t>-</a:t>
-            </a:r>
-            <a:r>
-              <a:rPr lang="zh-CN" altLang="en-US" b="1" dirty="0" smtClean="0">
-                <a:hlinkClick r:id="rId3"/>
-              </a:rPr>
-              <a:t>事件绑定</a:t>
-            </a:r>
-            <a:r>
-              <a:rPr lang="zh-CN" altLang="en-US" b="1" dirty="0" smtClean="0"/>
-              <a:t>  </a:t>
-            </a:r>
-            <a:r>
-              <a:rPr lang="en-US" altLang="zh-CN" dirty="0" smtClean="0">
-                <a:solidFill>
-                  <a:srgbClr val="FF0000"/>
-                </a:solidFill>
-              </a:rPr>
-              <a:t>(</a:t>
-            </a:r>
-            <a:r>
-              <a:rPr lang="en-US" altLang="zh-CN" dirty="0">
-                <a:solidFill>
-                  <a:srgbClr val="FF0000"/>
-                </a:solidFill>
-              </a:rPr>
-              <a:t>click)</a:t>
-            </a:r>
-            <a:r>
-              <a:rPr lang="zh-CN" altLang="en-US" dirty="0" smtClean="0"/>
-              <a:t>， 调用组件方法</a:t>
-            </a:r>
-            <a:endParaRPr lang="zh-CN" altLang="en-US" dirty="0"/>
-          </a:p>
-        </p:txBody>
-      </p:sp>
-      <p:sp>
-        <p:nvSpPr>
-          <p:cNvPr id="10" name="矩形 9"/>
-          <p:cNvSpPr/>
-          <p:nvPr/>
-        </p:nvSpPr>
-        <p:spPr>
-          <a:xfrm>
-            <a:off x="532263" y="3050477"/>
-            <a:ext cx="11423176" cy="923330"/>
-          </a:xfrm>
-          <a:prstGeom prst="rect">
-            <a:avLst/>
-          </a:prstGeom>
-        </p:spPr>
-        <p:txBody>
-          <a:bodyPr wrap="square">
-            <a:spAutoFit/>
-          </a:bodyPr>
-          <a:lstStyle/>
-          <a:p>
-            <a:r>
-              <a:rPr lang="en-US" altLang="zh-CN" dirty="0"/>
-              <a:t>  </a:t>
-            </a:r>
-            <a:r>
-              <a:rPr lang="en-US" altLang="zh-CN" b="1" dirty="0"/>
-              <a:t>Two-way data </a:t>
-            </a:r>
-            <a:r>
-              <a:rPr lang="en-US" altLang="zh-CN" b="1" dirty="0" smtClean="0"/>
-              <a:t>binding - </a:t>
-            </a:r>
-            <a:r>
-              <a:rPr lang="zh-CN" altLang="en-US" b="1" dirty="0"/>
-              <a:t>双向</a:t>
-            </a:r>
-            <a:r>
-              <a:rPr lang="zh-CN" altLang="en-US" b="1" dirty="0"/>
-              <a:t>数据</a:t>
-            </a:r>
-            <a:r>
-              <a:rPr lang="zh-CN" altLang="en-US" b="1" dirty="0"/>
-              <a:t>绑定 </a:t>
-            </a:r>
-            <a:r>
-              <a:rPr lang="en-US" altLang="zh-CN" b="1" dirty="0" smtClean="0">
-                <a:solidFill>
-                  <a:srgbClr val="FF0000"/>
-                </a:solidFill>
-              </a:rPr>
-              <a:t>[</a:t>
-            </a:r>
-            <a:r>
-              <a:rPr lang="en-US" altLang="zh-CN" b="1" dirty="0">
-                <a:solidFill>
-                  <a:srgbClr val="FF0000"/>
-                </a:solidFill>
-              </a:rPr>
-              <a:t>(</a:t>
-            </a:r>
-            <a:r>
-              <a:rPr lang="zh-CN" altLang="zh-CN" dirty="0" smtClean="0">
-                <a:solidFill>
-                  <a:srgbClr val="FF0000"/>
-                </a:solidFill>
-                <a:latin typeface="Arial Unicode MS" panose="020B0604020202020204" pitchFamily="34" charset="-122"/>
-                <a:ea typeface="Monaco"/>
-              </a:rPr>
-              <a:t>ngModel</a:t>
-            </a:r>
-            <a:r>
-              <a:rPr lang="en-US" altLang="zh-CN" dirty="0" smtClean="0">
-                <a:solidFill>
-                  <a:srgbClr val="FF0000"/>
-                </a:solidFill>
-                <a:latin typeface="Arial Unicode MS" panose="020B0604020202020204" pitchFamily="34" charset="-122"/>
-                <a:ea typeface="Monaco"/>
-              </a:rPr>
-              <a:t>)]</a:t>
-            </a:r>
-            <a:r>
-              <a:rPr lang="zh-CN" altLang="en-US" dirty="0" smtClean="0">
-                <a:solidFill>
-                  <a:srgbClr val="00796B"/>
-                </a:solidFill>
-                <a:latin typeface="Arial Unicode MS" panose="020B0604020202020204" pitchFamily="34" charset="-122"/>
-                <a:ea typeface="Monaco"/>
-              </a:rPr>
-              <a:t>，</a:t>
-            </a:r>
-            <a:r>
-              <a:rPr lang="en-US" altLang="zh-CN" dirty="0"/>
-              <a:t>In two-way binding, a data property value flows to the input box from the component as with property binding. The user's changes also flow back to the component, resetting the property to the latest value, as with event binding.</a:t>
+              <a:t>. </a:t>
             </a:r>
             <a:endParaRPr lang="zh-CN" altLang="en-US" dirty="0"/>
           </a:p>
@@ -5015,7 +5767,7 @@
     </p:spTree>
     <p:extLst>
       <p:ext uri="{BB962C8B-B14F-4D97-AF65-F5344CB8AC3E}">
-        <p14:creationId xmlns:p14="http://schemas.microsoft.com/office/powerpoint/2010/main" val="4238728033"/>
+        <p14:creationId xmlns:p14="http://schemas.microsoft.com/office/powerpoint/2010/main" val="982976595"/>
       </p:ext>
     </p:extLst>
   </p:cSld>
@@ -5065,319 +5817,26 @@
           </a:xfrm>
         </p:spPr>
         <p:txBody>
-          <a:bodyPr>
-            <a:normAutofit/>
-          </a:bodyPr>
-          <a:lstStyle/>
-          <a:p>
-            <a:r>
-              <a:rPr lang="zh-CN" altLang="en-US" b="1" dirty="0" smtClean="0"/>
-              <a:t>指令</a:t>
-            </a:r>
-            <a:endParaRPr lang="zh-CN" altLang="en-US" b="1" dirty="0"/>
-          </a:p>
-        </p:txBody>
-      </p:sp>
-      <p:sp>
-        <p:nvSpPr>
-          <p:cNvPr id="4" name="Rectangle 2"/>
-          <p:cNvSpPr>
-            <a:spLocks noChangeArrowheads="1"/>
-          </p:cNvSpPr>
-          <p:nvPr/>
-        </p:nvSpPr>
-        <p:spPr bwMode="auto">
-          <a:xfrm>
-            <a:off x="549360" y="1765223"/>
-            <a:ext cx="10629256" cy="400110"/>
-          </a:xfrm>
-          <a:prstGeom prst="rect">
-            <a:avLst/>
-          </a:prstGeom>
-          <a:solidFill>
-            <a:srgbClr val="FFFFFF"/>
-          </a:solidFill>
-          <a:ln>
-            <a:noFill/>
-          </a:ln>
-          <a:effectLst/>
-          <a:extLst>
-            <a:ext uri="{91240B29-F687-4F45-9708-019B960494DF}">
-              <a14:hiddenLine xmlns:a14="http://schemas.microsoft.com/office/drawing/2010/main" w="9525">
-                <a:solidFill>
-                  <a:schemeClr val="tx1"/>
-                </a:solidFill>
-                <a:miter lim="800000"/>
-                <a:headEnd/>
-                <a:tailEnd/>
-              </a14:hiddenLine>
-            </a:ext>
-            <a:ext uri="{AF507438-7753-43E0-B8FC-AC1667EBCBE1}">
-              <a14:hiddenEffects xmlns:a14="http://schemas.microsoft.com/office/drawing/2010/main">
-                <a:effectLst>
-                  <a:outerShdw dist="35921" dir="2700000" algn="ctr" rotWithShape="0">
-                    <a:schemeClr val="bg2"/>
-                  </a:outerShdw>
-                </a:effectLst>
-              </a14:hiddenEffects>
-            </a:ext>
-          </a:extLst>
-        </p:spPr>
-        <p:txBody>
-          <a:bodyPr vert="horz" wrap="none" lIns="91440" tIns="45720" rIns="91440" bIns="45720" numCol="1" anchor="ctr" anchorCtr="0" compatLnSpc="1">
-            <a:prstTxWarp prst="textNoShape">
-              <a:avLst/>
-            </a:prstTxWarp>
-            <a:spAutoFit/>
-          </a:bodyPr>
-          <a:lstStyle>
-            <a:lvl1pPr eaLnBrk="0" fontAlgn="base" hangingPunct="0">
-              <a:spcBef>
-                <a:spcPct val="0"/>
-              </a:spcBef>
-              <a:spcAft>
-                <a:spcPct val="0"/>
-              </a:spcAft>
-              <a:defRPr>
-                <a:solidFill>
-                  <a:schemeClr val="tx1"/>
-                </a:solidFill>
-                <a:latin typeface="Arial" panose="020B0604020202020204" pitchFamily="34" charset="0"/>
-              </a:defRPr>
-            </a:lvl1pPr>
-            <a:lvl2pPr eaLnBrk="0" fontAlgn="base" hangingPunct="0">
-              <a:spcBef>
-                <a:spcPct val="0"/>
-              </a:spcBef>
-              <a:spcAft>
-                <a:spcPct val="0"/>
-              </a:spcAft>
-              <a:defRPr>
-                <a:solidFill>
-                  <a:schemeClr val="tx1"/>
-                </a:solidFill>
-                <a:latin typeface="Arial" panose="020B0604020202020204" pitchFamily="34" charset="0"/>
-              </a:defRPr>
-            </a:lvl2pPr>
-            <a:lvl3pPr eaLnBrk="0" fontAlgn="base" hangingPunct="0">
-              <a:spcBef>
-                <a:spcPct val="0"/>
-              </a:spcBef>
-              <a:spcAft>
-                <a:spcPct val="0"/>
-              </a:spcAft>
-              <a:defRPr>
-                <a:solidFill>
-                  <a:schemeClr val="tx1"/>
-                </a:solidFill>
-                <a:latin typeface="Arial" panose="020B0604020202020204" pitchFamily="34" charset="0"/>
-              </a:defRPr>
-            </a:lvl3pPr>
-            <a:lvl4pPr eaLnBrk="0" fontAlgn="base" hangingPunct="0">
-              <a:spcBef>
-                <a:spcPct val="0"/>
-              </a:spcBef>
-              <a:spcAft>
-                <a:spcPct val="0"/>
-              </a:spcAft>
-              <a:defRPr>
-                <a:solidFill>
-                  <a:schemeClr val="tx1"/>
-                </a:solidFill>
-                <a:latin typeface="Arial" panose="020B0604020202020204" pitchFamily="34" charset="0"/>
-              </a:defRPr>
-            </a:lvl4pPr>
-            <a:lvl5pPr eaLnBrk="0" fontAlgn="base" hangingPunct="0">
-              <a:spcBef>
-                <a:spcPct val="0"/>
-              </a:spcBef>
-              <a:spcAft>
-                <a:spcPct val="0"/>
-              </a:spcAft>
-              <a:defRPr>
-                <a:solidFill>
-                  <a:schemeClr val="tx1"/>
-                </a:solidFill>
-                <a:latin typeface="Arial" panose="020B0604020202020204" pitchFamily="34" charset="0"/>
-              </a:defRPr>
-            </a:lvl5pPr>
-            <a:lvl6pPr eaLnBrk="0" fontAlgn="base" hangingPunct="0">
-              <a:spcBef>
-                <a:spcPct val="0"/>
-              </a:spcBef>
-              <a:spcAft>
-                <a:spcPct val="0"/>
-              </a:spcAft>
-              <a:defRPr>
-                <a:solidFill>
-                  <a:schemeClr val="tx1"/>
-                </a:solidFill>
-                <a:latin typeface="Arial" panose="020B0604020202020204" pitchFamily="34" charset="0"/>
-              </a:defRPr>
-            </a:lvl6pPr>
-            <a:lvl7pPr eaLnBrk="0" fontAlgn="base" hangingPunct="0">
-              <a:spcBef>
-                <a:spcPct val="0"/>
-              </a:spcBef>
-              <a:spcAft>
-                <a:spcPct val="0"/>
-              </a:spcAft>
-              <a:defRPr>
-                <a:solidFill>
-                  <a:schemeClr val="tx1"/>
-                </a:solidFill>
-                <a:latin typeface="Arial" panose="020B0604020202020204" pitchFamily="34" charset="0"/>
-              </a:defRPr>
-            </a:lvl7pPr>
-            <a:lvl8pPr eaLnBrk="0" fontAlgn="base" hangingPunct="0">
-              <a:spcBef>
-                <a:spcPct val="0"/>
-              </a:spcBef>
-              <a:spcAft>
-                <a:spcPct val="0"/>
-              </a:spcAft>
-              <a:defRPr>
-                <a:solidFill>
-                  <a:schemeClr val="tx1"/>
-                </a:solidFill>
-                <a:latin typeface="Arial" panose="020B0604020202020204" pitchFamily="34" charset="0"/>
-              </a:defRPr>
-            </a:lvl8pPr>
-            <a:lvl9pPr eaLnBrk="0" fontAlgn="base" hangingPunct="0">
-              <a:spcBef>
-                <a:spcPct val="0"/>
-              </a:spcBef>
-              <a:spcAft>
-                <a:spcPct val="0"/>
-              </a:spcAft>
-              <a:defRPr>
-                <a:solidFill>
-                  <a:schemeClr val="tx1"/>
-                </a:solidFill>
-                <a:latin typeface="Arial" panose="020B0604020202020204" pitchFamily="34" charset="0"/>
-              </a:defRPr>
-            </a:lvl9pPr>
-          </a:lstStyle>
-          <a:p>
-            <a:pPr marL="0" marR="0" lvl="0" indent="0" algn="l" defTabSz="914400" rtl="0" eaLnBrk="0" fontAlgn="base" latinLnBrk="0" hangingPunct="0">
-              <a:lnSpc>
-                <a:spcPct val="100000"/>
-              </a:lnSpc>
-              <a:spcBef>
-                <a:spcPct val="0"/>
-              </a:spcBef>
-              <a:spcAft>
-                <a:spcPct val="0"/>
-              </a:spcAft>
-              <a:buClrTx/>
-              <a:buSzTx/>
-              <a:buFontTx/>
-              <a:buNone/>
-              <a:tabLst/>
-            </a:pPr>
-            <a:r>
-              <a:rPr kumimoji="0" lang="zh-CN" altLang="zh-CN" sz="2000" b="0" i="0" u="none" strike="noStrike" cap="none" normalizeH="0" baseline="0" dirty="0" smtClean="0">
-                <a:ln>
-                  <a:noFill/>
-                </a:ln>
-                <a:solidFill>
-                  <a:srgbClr val="546E7A"/>
-                </a:solidFill>
-                <a:effectLst/>
-                <a:latin typeface="Arial" panose="020B0604020202020204" pitchFamily="34" charset="0"/>
-                <a:ea typeface="Helvetica Neue"/>
-              </a:rPr>
-              <a:t>A directive is a class with a </a:t>
-            </a:r>
-            <a:r>
-              <a:rPr kumimoji="0" lang="zh-CN" altLang="zh-CN" sz="1400" b="0" i="0" u="none" strike="noStrike" cap="none" normalizeH="0" baseline="0" dirty="0" smtClean="0">
-                <a:ln>
-                  <a:noFill/>
-                </a:ln>
-                <a:solidFill>
-                  <a:srgbClr val="00796B"/>
-                </a:solidFill>
-                <a:effectLst/>
-                <a:latin typeface="Arial Unicode MS" panose="020B0604020202020204" pitchFamily="34" charset="-122"/>
-                <a:ea typeface="Monaco"/>
-              </a:rPr>
-              <a:t>@Directive</a:t>
-            </a:r>
-            <a:r>
-              <a:rPr kumimoji="0" lang="zh-CN" altLang="zh-CN" sz="2000" b="0" i="0" u="none" strike="noStrike" cap="none" normalizeH="0" baseline="0" dirty="0" smtClean="0">
-                <a:ln>
-                  <a:noFill/>
-                </a:ln>
-                <a:solidFill>
-                  <a:srgbClr val="546E7A"/>
-                </a:solidFill>
-                <a:effectLst/>
-                <a:ea typeface="Helvetica Neue"/>
-              </a:rPr>
-              <a:t> decorator. A component is a </a:t>
-            </a:r>
-            <a:r>
-              <a:rPr kumimoji="0" lang="zh-CN" altLang="zh-CN" sz="2000" b="1" i="0" u="none" strike="noStrike" cap="none" normalizeH="0" baseline="0" dirty="0" smtClean="0">
-                <a:ln>
-                  <a:noFill/>
-                </a:ln>
-                <a:solidFill>
-                  <a:srgbClr val="546E7A"/>
-                </a:solidFill>
-                <a:effectLst/>
-                <a:ea typeface="Helvetica Neue"/>
-              </a:rPr>
-              <a:t>directive-with-a-template</a:t>
-            </a:r>
-            <a:r>
-              <a:rPr kumimoji="0" lang="zh-CN" altLang="zh-CN" sz="2000" b="0" i="0" u="none" strike="noStrike" cap="none" normalizeH="0" baseline="0" dirty="0" smtClean="0">
-                <a:ln>
-                  <a:noFill/>
-                </a:ln>
-                <a:solidFill>
-                  <a:srgbClr val="546E7A"/>
-                </a:solidFill>
-                <a:effectLst/>
-                <a:ea typeface="Helvetica Neue"/>
-              </a:rPr>
-              <a:t>;</a:t>
-            </a:r>
-            <a:r>
-              <a:rPr kumimoji="0" lang="zh-CN" altLang="zh-CN" b="0" i="0" u="none" strike="noStrike" cap="none" normalizeH="0" baseline="0" dirty="0" smtClean="0">
-                <a:ln>
-                  <a:noFill/>
-                </a:ln>
-                <a:solidFill>
-                  <a:schemeClr val="tx1"/>
-                </a:solidFill>
-                <a:effectLst/>
-                <a:latin typeface="Arial" panose="020B0604020202020204" pitchFamily="34" charset="0"/>
-              </a:rPr>
-              <a:t> </a:t>
-            </a:r>
-            <a:endParaRPr kumimoji="0" lang="zh-CN" altLang="zh-CN" sz="3200" b="0" i="0" u="none" strike="noStrike" cap="none" normalizeH="0" baseline="0" dirty="0" smtClean="0">
-              <a:ln>
-                <a:noFill/>
-              </a:ln>
-              <a:solidFill>
-                <a:schemeClr val="tx1"/>
-              </a:solidFill>
-              <a:effectLst/>
-              <a:latin typeface="Arial" panose="020B0604020202020204" pitchFamily="34" charset="0"/>
-            </a:endParaRPr>
-          </a:p>
-        </p:txBody>
-      </p:sp>
-      <p:sp>
-        <p:nvSpPr>
-          <p:cNvPr id="5" name="矩形 4"/>
+          <a:bodyPr/>
+          <a:lstStyle/>
+          <a:p>
+            <a:r>
+              <a:rPr lang="zh-CN" altLang="en-US" b="1" dirty="0"/>
+              <a:t>数据绑定</a:t>
+            </a:r>
+          </a:p>
+        </p:txBody>
+      </p:sp>
+      <p:sp>
+        <p:nvSpPr>
+          <p:cNvPr id="6" name="矩形 5"/>
           <p:cNvSpPr/>
           <p:nvPr/>
         </p:nvSpPr>
         <p:spPr>
           <a:xfrm>
-            <a:off x="549359" y="2440462"/>
-            <a:ext cx="11174067" cy="369332"/>
+            <a:off x="532263" y="1633898"/>
+            <a:ext cx="11423176" cy="369332"/>
           </a:xfrm>
           <a:prstGeom prst="rect">
             <a:avLst/>
@@ -5390,83 +5849,61 @@
           <a:lstStyle/>
           <a:p>
             <a:r>
-              <a:rPr lang="zh-CN" altLang="en-US" b="1" dirty="0">
-                <a:solidFill>
-                  <a:srgbClr val="546E7A"/>
+              <a:rPr lang="en-US" altLang="zh-CN" b="1" dirty="0" smtClean="0">
+                <a:solidFill>
+                  <a:srgbClr val="1976D2"/>
                 </a:solidFill>
                 <a:latin typeface="Helvetica Neue"/>
-              </a:rPr>
-              <a:t>结构型</a:t>
-            </a:r>
-            <a:r>
-              <a:rPr lang="zh-CN" altLang="en-US" dirty="0">
-                <a:solidFill>
-                  <a:srgbClr val="546E7A"/>
+                <a:hlinkClick r:id="rId2"/>
+              </a:rPr>
+              <a:t>Interpolation</a:t>
+            </a:r>
+            <a:r>
+              <a:rPr lang="en-US" altLang="zh-CN" b="1" dirty="0" smtClean="0">
+                <a:solidFill>
+                  <a:srgbClr val="1976D2"/>
                 </a:solidFill>
                 <a:latin typeface="Helvetica Neue"/>
               </a:rPr>
-              <a:t>指令和</a:t>
-            </a:r>
-            <a:r>
-              <a:rPr lang="zh-CN" altLang="en-US" b="1" dirty="0">
-                <a:solidFill>
-                  <a:srgbClr val="546E7A"/>
-                </a:solidFill>
-                <a:latin typeface="Helvetica Neue"/>
-              </a:rPr>
-              <a:t>属性 </a:t>
-            </a:r>
-            <a:r>
-              <a:rPr lang="en-US" altLang="zh-CN" b="1" dirty="0">
-                <a:solidFill>
-                  <a:srgbClr val="546E7A"/>
-                </a:solidFill>
-                <a:latin typeface="Helvetica Neue"/>
-              </a:rPr>
-              <a:t>(attribute) </a:t>
-            </a:r>
-            <a:r>
-              <a:rPr lang="zh-CN" altLang="en-US" b="1" dirty="0">
-                <a:solidFill>
-                  <a:srgbClr val="546E7A"/>
-                </a:solidFill>
-                <a:latin typeface="Helvetica Neue"/>
-              </a:rPr>
-              <a:t>型</a:t>
-            </a:r>
-            <a:r>
-              <a:rPr lang="zh-CN" altLang="en-US" dirty="0" smtClean="0">
-                <a:solidFill>
-                  <a:srgbClr val="546E7A"/>
-                </a:solidFill>
-                <a:latin typeface="Helvetica Neue"/>
-              </a:rPr>
-              <a:t>指令   </a:t>
+              <a:t> - </a:t>
+            </a:r>
+            <a:r>
+              <a:rPr lang="zh-CN" altLang="en-US" b="1" dirty="0" smtClean="0">
+                <a:hlinkClick r:id="rId2"/>
+              </a:rPr>
+              <a:t>插值表达式</a:t>
+            </a:r>
+            <a:r>
+              <a:rPr lang="zh-CN" altLang="en-US" b="1" dirty="0" smtClean="0"/>
+              <a:t>  </a:t>
             </a:r>
             <a:r>
               <a:rPr lang="en-US" altLang="zh-CN" dirty="0" smtClean="0">
                 <a:solidFill>
-                  <a:srgbClr val="546E7A"/>
-                </a:solidFill>
-                <a:latin typeface="Helvetica Neue"/>
-              </a:rPr>
-              <a:t>	</a:t>
-            </a:r>
-            <a:r>
-              <a:rPr lang="en-US" altLang="zh-CN" b="1" dirty="0" smtClean="0"/>
-              <a:t>structural</a:t>
-            </a:r>
-            <a:r>
-              <a:rPr lang="en-US" altLang="zh-CN" dirty="0"/>
-              <a:t> and </a:t>
-            </a:r>
-            <a:r>
-              <a:rPr lang="en-US" altLang="zh-CN" b="1" dirty="0"/>
-              <a:t>attribute</a:t>
-            </a:r>
-            <a:r>
-              <a:rPr lang="en-US" altLang="zh-CN" dirty="0"/>
-              <a:t> directives</a:t>
+                  <a:srgbClr val="FF0000"/>
+                </a:solidFill>
+              </a:rPr>
+              <a:t>{{</a:t>
+            </a:r>
+            <a:r>
+              <a:rPr lang="en-US" altLang="zh-CN" dirty="0">
+                <a:solidFill>
+                  <a:srgbClr val="FF0000"/>
+                </a:solidFill>
+              </a:rPr>
+              <a:t>hero.name</a:t>
+            </a:r>
+            <a:r>
+              <a:rPr lang="en-US" altLang="zh-CN" dirty="0" smtClean="0">
+                <a:solidFill>
+                  <a:srgbClr val="FF0000"/>
+                </a:solidFill>
+              </a:rPr>
+              <a:t>}}</a:t>
+            </a:r>
+            <a:r>
+              <a:rPr lang="zh-CN" altLang="en-US" dirty="0" smtClean="0"/>
+              <a:t>， 显示值</a:t>
             </a:r>
             <a:endParaRPr lang="zh-CN" altLang="en-US" dirty="0"/>
           </a:p>
@@ -5474,14 +5911,14 @@
       </p:sp>
       <p:sp>
         <p:nvSpPr>
-          <p:cNvPr id="11" name="矩形 10"/>
+          <p:cNvPr id="7" name="矩形 6"/>
           <p:cNvSpPr/>
           <p:nvPr/>
         </p:nvSpPr>
         <p:spPr>
           <a:xfrm>
-            <a:off x="549358" y="3084923"/>
-            <a:ext cx="11174067" cy="369332"/>
+            <a:off x="532263" y="2106091"/>
+            <a:ext cx="11423176" cy="369332"/>
           </a:xfrm>
           <a:prstGeom prst="rect">
             <a:avLst/>
@@ -5494,22 +5931,75 @@
           <a:lstStyle/>
           <a:p>
             <a:r>
+              <a:rPr lang="en-US" altLang="zh-CN" dirty="0"/>
+              <a:t> </a:t>
+            </a:r>
+            <a:r>
               <a:rPr lang="en-US" altLang="zh-CN" b="1" dirty="0">
-                <a:solidFill>
-                  <a:srgbClr val="546E7A"/>
+                <a:hlinkClick r:id="rId3"/>
+              </a:rPr>
+              <a:t>property binding</a:t>
+            </a:r>
+            <a:r>
+              <a:rPr lang="en-US" altLang="zh-CN" b="1" dirty="0" smtClean="0">
+                <a:solidFill>
+                  <a:srgbClr val="1976D2"/>
                 </a:solidFill>
                 <a:latin typeface="Helvetica Neue"/>
               </a:rPr>
-              <a:t>Structural</a:t>
+              <a:t> -</a:t>
+            </a:r>
+            <a:r>
+              <a:rPr lang="zh-CN" altLang="en-US" b="1" dirty="0">
+                <a:hlinkClick r:id="rId3"/>
+              </a:rPr>
+              <a:t>属性</a:t>
+            </a:r>
+            <a:r>
+              <a:rPr lang="zh-CN" altLang="en-US" b="1" dirty="0" smtClean="0">
+                <a:hlinkClick r:id="rId3"/>
+              </a:rPr>
+              <a:t>绑定</a:t>
+            </a:r>
+            <a:r>
+              <a:rPr lang="zh-CN" altLang="en-US" b="1" dirty="0" smtClean="0"/>
+              <a:t> </a:t>
+            </a:r>
+            <a:r>
+              <a:rPr lang="zh-CN" altLang="en-US" b="1" dirty="0" smtClean="0">
+                <a:solidFill>
+                  <a:srgbClr val="FF0000"/>
+                </a:solidFill>
+              </a:rPr>
+              <a:t> </a:t>
+            </a:r>
+            <a:r>
+              <a:rPr lang="en-US" altLang="zh-CN" dirty="0" smtClean="0">
+                <a:solidFill>
+                  <a:srgbClr val="FF0000"/>
+                </a:solidFill>
+              </a:rPr>
+              <a:t>[</a:t>
             </a:r>
             <a:r>
               <a:rPr lang="en-US" altLang="zh-CN" dirty="0">
                 <a:solidFill>
-                  <a:srgbClr val="546E7A"/>
-                </a:solidFill>
-                <a:latin typeface="Helvetica Neue"/>
-              </a:rPr>
-              <a:t> directives alter layout by adding, removing, and replacing elements in DOM.</a:t>
+                  <a:srgbClr val="FF0000"/>
+                </a:solidFill>
+              </a:rPr>
+              <a:t>hero</a:t>
+            </a:r>
+            <a:r>
+              <a:rPr lang="en-US" altLang="zh-CN" dirty="0" smtClean="0">
+                <a:solidFill>
+                  <a:srgbClr val="FF0000"/>
+                </a:solidFill>
+              </a:rPr>
+              <a:t>] </a:t>
+            </a:r>
+            <a:r>
+              <a:rPr lang="zh-CN" altLang="en-US" dirty="0" smtClean="0"/>
+              <a:t>， 把父组件的值传到子组件的属性中去</a:t>
             </a:r>
             <a:endParaRPr lang="zh-CN" altLang="en-US" dirty="0"/>
           </a:p>
@@ -5517,14 +6007,14 @@
       </p:sp>
       <p:sp>
         <p:nvSpPr>
-          <p:cNvPr id="12" name="矩形 11"/>
+          <p:cNvPr id="9" name="矩形 8"/>
           <p:cNvSpPr/>
           <p:nvPr/>
         </p:nvSpPr>
         <p:spPr>
           <a:xfrm>
-            <a:off x="549357" y="3729384"/>
-            <a:ext cx="11174067" cy="646331"/>
+            <a:off x="532263" y="2578284"/>
+            <a:ext cx="11423176" cy="369332"/>
           </a:xfrm>
           <a:prstGeom prst="rect">
             <a:avLst/>
@@ -5537,22 +6027,154 @@
           <a:lstStyle/>
           <a:p>
             <a:r>
+              <a:rPr lang="en-US" altLang="zh-CN" dirty="0"/>
+              <a:t>  </a:t>
+            </a:r>
+            <a:r>
               <a:rPr lang="en-US" altLang="zh-CN" b="1" dirty="0">
-                <a:solidFill>
-                  <a:srgbClr val="546E7A"/>
+                <a:hlinkClick r:id="rId4"/>
+              </a:rPr>
+              <a:t>event </a:t>
+            </a:r>
+            <a:r>
+              <a:rPr lang="en-US" altLang="zh-CN" b="1" dirty="0" smtClean="0">
+                <a:hlinkClick r:id="rId4"/>
+              </a:rPr>
+              <a:t>binding</a:t>
+            </a:r>
+            <a:r>
+              <a:rPr lang="en-US" altLang="zh-CN" b="1" dirty="0" smtClean="0"/>
+              <a:t> </a:t>
+            </a:r>
+            <a:r>
+              <a:rPr lang="en-US" altLang="zh-CN" b="1" dirty="0" smtClean="0">
+                <a:solidFill>
+                  <a:srgbClr val="1976D2"/>
                 </a:solidFill>
                 <a:latin typeface="Helvetica Neue"/>
               </a:rPr>
-              <a:t>Attribute</a:t>
+              <a:t>-</a:t>
+            </a:r>
+            <a:r>
+              <a:rPr lang="zh-CN" altLang="en-US" b="1" dirty="0" smtClean="0">
+                <a:hlinkClick r:id="rId3"/>
+              </a:rPr>
+              <a:t>事件绑定</a:t>
+            </a:r>
+            <a:r>
+              <a:rPr lang="zh-CN" altLang="en-US" b="1" dirty="0" smtClean="0"/>
+              <a:t>  </a:t>
+            </a:r>
+            <a:r>
+              <a:rPr lang="en-US" altLang="zh-CN" dirty="0" smtClean="0">
+                <a:solidFill>
+                  <a:srgbClr val="FF0000"/>
+                </a:solidFill>
+              </a:rPr>
+              <a:t>(</a:t>
             </a:r>
             <a:r>
               <a:rPr lang="en-US" altLang="zh-CN" dirty="0">
                 <a:solidFill>
-                  <a:srgbClr val="546E7A"/>
-                </a:solidFill>
-                <a:latin typeface="Helvetica Neue"/>
-              </a:rPr>
-              <a:t> directives alter the appearance or behavior of an existing element. In templates they look like regular HTML attributes, hence the name.</a:t>
+                  <a:srgbClr val="FF0000"/>
+                </a:solidFill>
+              </a:rPr>
+              <a:t>click)</a:t>
+            </a:r>
+            <a:r>
+              <a:rPr lang="zh-CN" altLang="en-US" dirty="0" smtClean="0"/>
+              <a:t>， 调用组件方法</a:t>
+            </a:r>
+            <a:endParaRPr lang="zh-CN" altLang="en-US" dirty="0"/>
+          </a:p>
+        </p:txBody>
+      </p:sp>
+      <p:sp>
+        <p:nvSpPr>
+          <p:cNvPr id="10" name="矩形 9"/>
+          <p:cNvSpPr/>
+          <p:nvPr/>
+        </p:nvSpPr>
+        <p:spPr>
+          <a:xfrm>
+            <a:off x="532263" y="3050477"/>
+            <a:ext cx="11423176" cy="923330"/>
+          </a:xfrm>
+          <a:prstGeom prst="rect">
+            <a:avLst/>
+          </a:prstGeom>
+        </p:spPr>
+        <p:txBody>
+          <a:bodyPr wrap="square">
+            <a:spAutoFit/>
+          </a:bodyPr>
+          <a:lstStyle/>
+          <a:p>
+            <a:r>
+              <a:rPr lang="en-US" altLang="zh-CN" dirty="0"/>
+              <a:t>  </a:t>
+            </a:r>
+            <a:r>
+              <a:rPr lang="en-US" altLang="zh-CN" b="1" dirty="0"/>
+              <a:t>Two-way data </a:t>
+            </a:r>
+            <a:r>
+              <a:rPr lang="en-US" altLang="zh-CN" b="1" dirty="0" smtClean="0"/>
+              <a:t>binding - </a:t>
+            </a:r>
+            <a:r>
+              <a:rPr lang="zh-CN" altLang="en-US" b="1" dirty="0"/>
+              <a:t>双向数据绑定 </a:t>
+            </a:r>
+            <a:r>
+              <a:rPr lang="en-US" altLang="zh-CN" b="1" dirty="0" smtClean="0">
+                <a:solidFill>
+                  <a:srgbClr val="FF0000"/>
+                </a:solidFill>
+              </a:rPr>
+              <a:t>[</a:t>
+            </a:r>
+            <a:r>
+              <a:rPr lang="en-US" altLang="zh-CN" b="1" dirty="0">
+                <a:solidFill>
+                  <a:srgbClr val="FF0000"/>
+                </a:solidFill>
+              </a:rPr>
+              <a:t>(</a:t>
+            </a:r>
+            <a:r>
+              <a:rPr lang="zh-CN" altLang="zh-CN" dirty="0" smtClean="0">
+                <a:solidFill>
+                  <a:srgbClr val="FF0000"/>
+                </a:solidFill>
+                <a:latin typeface="Arial Unicode MS" panose="020B0604020202020204" pitchFamily="34" charset="-122"/>
+                <a:ea typeface="Monaco"/>
+              </a:rPr>
+              <a:t>ngModel</a:t>
+            </a:r>
+            <a:r>
+              <a:rPr lang="en-US" altLang="zh-CN" dirty="0" smtClean="0">
+                <a:solidFill>
+                  <a:srgbClr val="FF0000"/>
+                </a:solidFill>
+                <a:latin typeface="Arial Unicode MS" panose="020B0604020202020204" pitchFamily="34" charset="-122"/>
+                <a:ea typeface="Monaco"/>
+              </a:rPr>
+              <a:t>)]</a:t>
+            </a:r>
+            <a:r>
+              <a:rPr lang="zh-CN" altLang="en-US" dirty="0" smtClean="0">
+                <a:solidFill>
+                  <a:srgbClr val="00796B"/>
+                </a:solidFill>
+                <a:latin typeface="Arial Unicode MS" panose="020B0604020202020204" pitchFamily="34" charset="-122"/>
+                <a:ea typeface="Monaco"/>
+              </a:rPr>
+              <a:t>，</a:t>
+            </a:r>
+            <a:r>
+              <a:rPr lang="en-US" altLang="zh-CN" dirty="0"/>
+              <a:t>In two-way binding, a data property value flows to the input box from the component as with property binding. The user's changes also flow back to the component, resetting the property to the latest value, as with event binding.</a:t>
             </a:r>
             <a:endParaRPr lang="zh-CN" altLang="en-US" dirty="0"/>
           </a:p>
@@ -5561,7 +6183,7 @@
     </p:spTree>
     <p:extLst>
       <p:ext uri="{BB962C8B-B14F-4D97-AF65-F5344CB8AC3E}">
-        <p14:creationId xmlns:p14="http://schemas.microsoft.com/office/powerpoint/2010/main" val="3228061503"/>
+        <p14:creationId xmlns:p14="http://schemas.microsoft.com/office/powerpoint/2010/main" val="4238728033"/>
       </p:ext>
     </p:extLst>
   </p:cSld>
@@ -5618,7 +6240,7 @@
           <a:p>
             <a:r>
               <a:rPr lang="zh-CN" altLang="en-US" b="1" dirty="0" smtClean="0"/>
-              <a:t>服务</a:t>
+              <a:t>指令</a:t>
             </a:r>
             <a:endParaRPr lang="zh-CN" altLang="en-US" b="1" dirty="0"/>
           </a:p>
@@ -5626,384 +6248,28 @@
       </p:sp>
       <p:sp>
         <p:nvSpPr>
-          <p:cNvPr id="2" name="矩形 1"/>
-          <p:cNvSpPr/>
+          <p:cNvPr id="4" name="Rectangle 2"/>
+          <p:cNvSpPr>
+            <a:spLocks noChangeArrowheads="1"/>
+          </p:cNvSpPr>
           <p:nvPr/>
         </p:nvSpPr>
-        <p:spPr>
+        <p:spPr bwMode="auto">
           <a:xfrm>
-            <a:off x="509516" y="1490094"/>
-            <a:ext cx="11404979" cy="646331"/>
+            <a:off x="549360" y="1765223"/>
+            <a:ext cx="10629256" cy="400110"/>
           </a:xfrm>
           <a:prstGeom prst="rect">
             <a:avLst/>
           </a:prstGeom>
-        </p:spPr>
-        <p:txBody>
-          <a:bodyPr wrap="square">
-            <a:spAutoFit/>
-          </a:bodyPr>
-          <a:lstStyle/>
-          <a:p>
-            <a:r>
-              <a:rPr lang="en-US" altLang="zh-CN" dirty="0">
-                <a:solidFill>
-                  <a:srgbClr val="546E7A"/>
-                </a:solidFill>
-                <a:latin typeface="Helvetica Neue"/>
-              </a:rPr>
-              <a:t>Almost anything can be a service. A service is typically a class with a narrow, well-defined purpose. It should do something specific and do it well.</a:t>
-            </a:r>
-            <a:endParaRPr lang="zh-CN" altLang="en-US" dirty="0"/>
-          </a:p>
-        </p:txBody>
-      </p:sp>
-      <p:sp>
-        <p:nvSpPr>
-          <p:cNvPr id="6" name="矩形 5"/>
-          <p:cNvSpPr/>
-          <p:nvPr/>
-        </p:nvSpPr>
-        <p:spPr>
-          <a:xfrm>
-            <a:off x="509516" y="2345146"/>
-            <a:ext cx="1114408" cy="369332"/>
-          </a:xfrm>
-          <a:prstGeom prst="rect">
-            <a:avLst/>
-          </a:prstGeom>
-        </p:spPr>
-        <p:txBody>
-          <a:bodyPr wrap="none">
-            <a:spAutoFit/>
-          </a:bodyPr>
-          <a:lstStyle/>
-          <a:p>
-            <a:r>
-              <a:rPr lang="zh-CN" altLang="en-US" b="1" dirty="0">
-                <a:solidFill>
-                  <a:srgbClr val="546E7A"/>
-                </a:solidFill>
-                <a:latin typeface="Helvetica Neue"/>
-              </a:rPr>
-              <a:t>依赖注入</a:t>
-            </a:r>
-            <a:endParaRPr lang="zh-CN" altLang="en-US" b="1" i="0" dirty="0">
-              <a:solidFill>
-                <a:srgbClr val="546E7A"/>
-              </a:solidFill>
-              <a:effectLst/>
-              <a:latin typeface="Helvetica Neue"/>
-            </a:endParaRPr>
-          </a:p>
-        </p:txBody>
-      </p:sp>
-      <p:sp>
-        <p:nvSpPr>
-          <p:cNvPr id="7" name="矩形 6"/>
-          <p:cNvSpPr/>
-          <p:nvPr/>
-        </p:nvSpPr>
-        <p:spPr>
-          <a:xfrm>
-            <a:off x="1066720" y="2923199"/>
-            <a:ext cx="9369268" cy="1754326"/>
-          </a:xfrm>
-          <a:prstGeom prst="rect">
-            <a:avLst/>
-          </a:prstGeom>
-        </p:spPr>
-        <p:txBody>
-          <a:bodyPr wrap="square">
-            <a:spAutoFit/>
-          </a:bodyPr>
-          <a:lstStyle/>
-          <a:p>
-            <a:pPr>
-              <a:buFont typeface="Arial" panose="020B0604020202020204" pitchFamily="34" charset="0"/>
-              <a:buChar char="•"/>
-            </a:pPr>
-            <a:r>
-              <a:rPr lang="zh-CN" altLang="en-US" dirty="0">
-                <a:solidFill>
-                  <a:srgbClr val="546E7A"/>
-                </a:solidFill>
-                <a:latin typeface="Helvetica Neue"/>
-              </a:rPr>
-              <a:t>依赖注入渗透在整个 </a:t>
-            </a:r>
-            <a:r>
-              <a:rPr lang="en-US" altLang="zh-CN" dirty="0">
-                <a:solidFill>
-                  <a:srgbClr val="546E7A"/>
-                </a:solidFill>
-                <a:latin typeface="Helvetica Neue"/>
-              </a:rPr>
-              <a:t>Angular </a:t>
-            </a:r>
-            <a:r>
-              <a:rPr lang="zh-CN" altLang="en-US" dirty="0">
-                <a:solidFill>
-                  <a:srgbClr val="546E7A"/>
-                </a:solidFill>
-                <a:latin typeface="Helvetica Neue"/>
-              </a:rPr>
-              <a:t>框架中，被到处使用。</a:t>
-            </a:r>
-          </a:p>
-          <a:p>
-            <a:pPr>
-              <a:buFont typeface="Arial" panose="020B0604020202020204" pitchFamily="34" charset="0"/>
-              <a:buChar char="•"/>
-            </a:pPr>
-            <a:r>
-              <a:rPr lang="zh-CN" altLang="en-US" b="1" dirty="0">
-                <a:solidFill>
-                  <a:srgbClr val="546E7A"/>
-                </a:solidFill>
-                <a:latin typeface="Helvetica Neue"/>
-              </a:rPr>
-              <a:t>注入器 </a:t>
-            </a:r>
-            <a:r>
-              <a:rPr lang="en-US" altLang="zh-CN" b="1" dirty="0">
-                <a:solidFill>
-                  <a:srgbClr val="546E7A"/>
-                </a:solidFill>
-                <a:latin typeface="Helvetica Neue"/>
-              </a:rPr>
-              <a:t>(injector)</a:t>
-            </a:r>
-            <a:r>
-              <a:rPr lang="zh-CN" altLang="en-US" dirty="0">
-                <a:solidFill>
-                  <a:srgbClr val="546E7A"/>
-                </a:solidFill>
-                <a:latin typeface="Helvetica Neue"/>
-              </a:rPr>
-              <a:t> 是本机制的核心。</a:t>
-            </a:r>
-          </a:p>
-          <a:p>
-            <a:pPr marL="742950" lvl="1" indent="-285750">
-              <a:buFont typeface="Arial" panose="020B0604020202020204" pitchFamily="34" charset="0"/>
-              <a:buChar char="•"/>
-            </a:pPr>
-            <a:r>
-              <a:rPr lang="zh-CN" altLang="en-US" dirty="0">
-                <a:solidFill>
-                  <a:srgbClr val="546E7A"/>
-                </a:solidFill>
-                <a:latin typeface="Helvetica Neue"/>
-              </a:rPr>
-              <a:t>注入器负责维护一个</a:t>
-            </a:r>
-            <a:r>
-              <a:rPr lang="zh-CN" altLang="en-US" b="1" dirty="0">
-                <a:solidFill>
-                  <a:srgbClr val="546E7A"/>
-                </a:solidFill>
-                <a:latin typeface="Helvetica Neue"/>
-              </a:rPr>
-              <a:t>容器</a:t>
-            </a:r>
-            <a:r>
-              <a:rPr lang="zh-CN" altLang="en-US" dirty="0">
-                <a:solidFill>
-                  <a:srgbClr val="546E7A"/>
-                </a:solidFill>
-                <a:latin typeface="Helvetica Neue"/>
-              </a:rPr>
-              <a:t>，用于存放它创建过的服务实例。</a:t>
-            </a:r>
-          </a:p>
-          <a:p>
-            <a:pPr marL="742950" lvl="1" indent="-285750">
-              <a:buFont typeface="Arial" panose="020B0604020202020204" pitchFamily="34" charset="0"/>
-              <a:buChar char="•"/>
-            </a:pPr>
-            <a:r>
-              <a:rPr lang="zh-CN" altLang="en-US" dirty="0">
-                <a:solidFill>
-                  <a:srgbClr val="546E7A"/>
-                </a:solidFill>
-                <a:latin typeface="Helvetica Neue"/>
-              </a:rPr>
-              <a:t>注入器能使用</a:t>
-            </a:r>
-            <a:r>
-              <a:rPr lang="zh-CN" altLang="en-US" b="1" dirty="0">
-                <a:solidFill>
-                  <a:srgbClr val="546E7A"/>
-                </a:solidFill>
-                <a:latin typeface="Helvetica Neue"/>
-              </a:rPr>
-              <a:t>提供商</a:t>
-            </a:r>
-            <a:r>
-              <a:rPr lang="zh-CN" altLang="en-US" dirty="0">
-                <a:solidFill>
-                  <a:srgbClr val="546E7A"/>
-                </a:solidFill>
-                <a:latin typeface="Helvetica Neue"/>
-              </a:rPr>
-              <a:t>创建一个新的服务实例。</a:t>
-            </a:r>
-          </a:p>
-          <a:p>
-            <a:pPr>
-              <a:buFont typeface="Arial" panose="020B0604020202020204" pitchFamily="34" charset="0"/>
-              <a:buChar char="•"/>
-            </a:pPr>
-            <a:r>
-              <a:rPr lang="zh-CN" altLang="en-US" b="1" dirty="0">
-                <a:solidFill>
-                  <a:srgbClr val="546E7A"/>
-                </a:solidFill>
-                <a:latin typeface="Helvetica Neue"/>
-              </a:rPr>
-              <a:t>提供商</a:t>
-            </a:r>
-            <a:r>
-              <a:rPr lang="zh-CN" altLang="en-US" dirty="0">
-                <a:solidFill>
-                  <a:srgbClr val="546E7A"/>
-                </a:solidFill>
-                <a:latin typeface="Helvetica Neue"/>
-              </a:rPr>
-              <a:t>是一个用于创建服务的配方。</a:t>
-            </a:r>
-          </a:p>
-          <a:p>
-            <a:pPr>
-              <a:buFont typeface="Arial" panose="020B0604020202020204" pitchFamily="34" charset="0"/>
-              <a:buChar char="•"/>
-            </a:pPr>
-            <a:r>
-              <a:rPr lang="zh-CN" altLang="en-US" dirty="0">
-                <a:solidFill>
-                  <a:srgbClr val="546E7A"/>
-                </a:solidFill>
-                <a:latin typeface="Helvetica Neue"/>
-              </a:rPr>
-              <a:t>把</a:t>
-            </a:r>
-            <a:r>
-              <a:rPr lang="zh-CN" altLang="en-US" b="1" dirty="0">
-                <a:solidFill>
-                  <a:srgbClr val="546E7A"/>
-                </a:solidFill>
-                <a:latin typeface="Helvetica Neue"/>
-              </a:rPr>
-              <a:t>提供商</a:t>
-            </a:r>
-            <a:r>
-              <a:rPr lang="zh-CN" altLang="en-US" dirty="0">
-                <a:solidFill>
-                  <a:srgbClr val="546E7A"/>
-                </a:solidFill>
-                <a:latin typeface="Helvetica Neue"/>
-              </a:rPr>
-              <a:t>注册到注入器。</a:t>
-            </a:r>
-            <a:endParaRPr lang="zh-CN" altLang="en-US" b="0" i="0" dirty="0">
-              <a:solidFill>
-                <a:srgbClr val="546E7A"/>
-              </a:solidFill>
-              <a:effectLst/>
-              <a:latin typeface="Helvetica Neue"/>
-            </a:endParaRPr>
-          </a:p>
-        </p:txBody>
-      </p:sp>
-    </p:spTree>
-    <p:extLst>
-      <p:ext uri="{BB962C8B-B14F-4D97-AF65-F5344CB8AC3E}">
-        <p14:creationId xmlns:p14="http://schemas.microsoft.com/office/powerpoint/2010/main" val="2443509130"/>
-      </p:ext>
-    </p:extLst>
-  </p:cSld>
-  <p:clrMapOvr>
-    <a:masterClrMapping/>
-  </p:clrMapOvr>
-</p:sld>
-</file>
-
-<file path=ppt/slides/slide9.xml><?xml version="1.0" encoding="utf-8"?>
-<p:sld xmlns:a="http://schemas.openxmlformats.org/drawingml/2006/main" xmlns:r="http://schemas.openxmlformats.org/officeDocument/2006/relationships" xmlns:p="http://schemas.openxmlformats.org/presentationml/2006/main">
-  <p:cSld>
-    <p:spTree>
-      <p:nvGrpSpPr>
-        <p:cNvPr id="1" name=""/>
-        <p:cNvGrpSpPr/>
-        <p:nvPr/>
-      </p:nvGrpSpPr>
-      <p:grpSpPr>
-        <a:xfrm>
-          <a:off x="0" y="0"/>
-          <a:ext cx="0" cy="0"/>
-          <a:chOff x="0" y="0"/>
-          <a:chExt cx="0" cy="0"/>
-        </a:xfrm>
-      </p:grpSpPr>
-      <p:sp>
-        <p:nvSpPr>
-          <p:cNvPr id="3" name="标题 2"/>
-          <p:cNvSpPr>
-            <a:spLocks noGrp="1"/>
-          </p:cNvSpPr>
-          <p:nvPr>
-            <p:ph type="ctrTitle"/>
-          </p:nvPr>
-        </p:nvSpPr>
-        <p:spPr>
-          <a:xfrm>
-            <a:off x="1291988" y="450376"/>
-            <a:ext cx="9144000" cy="1039718"/>
-          </a:xfrm>
-        </p:spPr>
-        <p:txBody>
-          <a:bodyPr>
-            <a:normAutofit/>
-          </a:bodyPr>
-          <a:lstStyle/>
-          <a:p>
-            <a:r>
-              <a:rPr lang="zh-CN" altLang="en-US" dirty="0"/>
-              <a:t>模板语法</a:t>
-            </a:r>
-          </a:p>
-        </p:txBody>
-      </p:sp>
-      <p:sp>
-        <p:nvSpPr>
-          <p:cNvPr id="7" name="Rectangle 3"/>
-          <p:cNvSpPr>
-            <a:spLocks noChangeArrowheads="1"/>
-          </p:cNvSpPr>
-          <p:nvPr/>
-        </p:nvSpPr>
-        <p:spPr bwMode="auto">
-          <a:xfrm>
-            <a:off x="559558" y="1727553"/>
-            <a:ext cx="6346609" cy="523220"/>
-          </a:xfrm>
-          <a:prstGeom prst="rect">
-            <a:avLst/>
-          </a:prstGeom>
-          <a:noFill/>
+          <a:solidFill>
+            <a:srgbClr val="FFFFFF"/>
+          </a:solidFill>
           <a:ln>
             <a:noFill/>
           </a:ln>
           <a:effectLst/>
           <a:extLst>
-            <a:ext uri="{909E8E84-426E-40DD-AFC4-6F175D3DCCD1}">
-              <a14:hiddenFill xmlns:a14="http://schemas.microsoft.com/office/drawing/2010/main">
-                <a:solidFill>
-                  <a:schemeClr val="accent1"/>
-                </a:solidFill>
-              </a14:hiddenFill>
-            </a:ext>
             <a:ext uri="{91240B29-F687-4F45-9708-019B960494DF}">
               <a14:hiddenLine xmlns:a14="http://schemas.microsoft.com/office/drawing/2010/main" w="9525">
                 <a:solidFill>
@@ -6178,140 +6444,86 @@
               <a:tabLst/>
             </a:pPr>
             <a:r>
+              <a:rPr kumimoji="0" lang="zh-CN" altLang="zh-CN" sz="2000" b="0" i="0" u="none" strike="noStrike" cap="none" normalizeH="0" baseline="0" dirty="0" smtClean="0">
+                <a:ln>
+                  <a:noFill/>
+                </a:ln>
+                <a:solidFill>
+                  <a:srgbClr val="546E7A"/>
+                </a:solidFill>
+                <a:effectLst/>
+                <a:latin typeface="Arial" panose="020B0604020202020204" pitchFamily="34" charset="0"/>
+                <a:ea typeface="Helvetica Neue"/>
+              </a:rPr>
+              <a:t>A directive is a class with a </a:t>
+            </a:r>
+            <a:r>
+              <a:rPr kumimoji="0" lang="zh-CN" altLang="zh-CN" sz="1400" b="0" i="0" u="none" strike="noStrike" cap="none" normalizeH="0" baseline="0" dirty="0" smtClean="0">
+                <a:ln>
+                  <a:noFill/>
+                </a:ln>
+                <a:solidFill>
+                  <a:srgbClr val="00796B"/>
+                </a:solidFill>
+                <a:effectLst/>
+                <a:latin typeface="Arial Unicode MS" panose="020B0604020202020204" pitchFamily="34" charset="-122"/>
+                <a:ea typeface="Monaco"/>
+              </a:rPr>
+              <a:t>@Directive</a:t>
+            </a:r>
+            <a:r>
+              <a:rPr kumimoji="0" lang="zh-CN" altLang="zh-CN" sz="2000" b="0" i="0" u="none" strike="noStrike" cap="none" normalizeH="0" baseline="0" dirty="0" smtClean="0">
+                <a:ln>
+                  <a:noFill/>
+                </a:ln>
+                <a:solidFill>
+                  <a:srgbClr val="546E7A"/>
+                </a:solidFill>
+                <a:effectLst/>
+                <a:ea typeface="Helvetica Neue"/>
+              </a:rPr>
+              <a:t> decorator. A component is a </a:t>
+            </a:r>
+            <a:r>
+              <a:rPr kumimoji="0" lang="zh-CN" altLang="zh-CN" sz="2000" b="1" i="0" u="none" strike="noStrike" cap="none" normalizeH="0" baseline="0" dirty="0" smtClean="0">
+                <a:ln>
+                  <a:noFill/>
+                </a:ln>
+                <a:solidFill>
+                  <a:srgbClr val="546E7A"/>
+                </a:solidFill>
+                <a:effectLst/>
+                <a:ea typeface="Helvetica Neue"/>
+              </a:rPr>
+              <a:t>directive-with-a-template</a:t>
+            </a:r>
+            <a:r>
+              <a:rPr kumimoji="0" lang="zh-CN" altLang="zh-CN" sz="2000" b="0" i="0" u="none" strike="noStrike" cap="none" normalizeH="0" baseline="0" dirty="0" smtClean="0">
+                <a:ln>
+                  <a:noFill/>
+                </a:ln>
+                <a:solidFill>
+                  <a:srgbClr val="546E7A"/>
+                </a:solidFill>
+                <a:effectLst/>
+                <a:ea typeface="Helvetica Neue"/>
+              </a:rPr>
+              <a:t>;</a:t>
+            </a:r>
+            <a:r>
               <a:rPr kumimoji="0" lang="zh-CN" altLang="zh-CN" b="0" i="0" u="none" strike="noStrike" cap="none" normalizeH="0" baseline="0" dirty="0" smtClean="0">
                 <a:ln>
                   <a:noFill/>
                 </a:ln>
                 <a:solidFill>
-                  <a:srgbClr val="00796B"/>
+                  <a:schemeClr val="tx1"/>
                 </a:solidFill>
                 <a:effectLst/>
-                <a:latin typeface="Arial Unicode MS" panose="020B0604020202020204" pitchFamily="34" charset="-122"/>
-                <a:ea typeface="Monaco"/>
-              </a:rPr>
-              <a:t>*ngFor</a:t>
-            </a:r>
-            <a:r>
-              <a:rPr kumimoji="0" lang="zh-CN" altLang="zh-CN" sz="2800" b="0" i="0" u="none" strike="noStrike" cap="none" normalizeH="0" baseline="0" dirty="0" smtClean="0">
-                <a:ln>
-                  <a:noFill/>
-                </a:ln>
-                <a:solidFill>
-                  <a:srgbClr val="546E7A"/>
-                </a:solidFill>
-                <a:effectLst/>
-                <a:ea typeface="Helvetica Neue"/>
-              </a:rPr>
-              <a:t>、</a:t>
-            </a:r>
-            <a:r>
-              <a:rPr kumimoji="0" lang="zh-CN" altLang="zh-CN" b="0" i="0" u="none" strike="noStrike" cap="none" normalizeH="0" baseline="0" dirty="0" smtClean="0">
-                <a:ln>
-                  <a:noFill/>
-                </a:ln>
-                <a:solidFill>
-                  <a:srgbClr val="00796B"/>
-                </a:solidFill>
-                <a:effectLst/>
-                <a:latin typeface="Arial Unicode MS" panose="020B0604020202020204" pitchFamily="34" charset="-122"/>
-                <a:ea typeface="Monaco"/>
-              </a:rPr>
-              <a:t>{{hero.name}}</a:t>
-            </a:r>
-            <a:r>
-              <a:rPr kumimoji="0" lang="zh-CN" altLang="zh-CN" sz="2800" b="0" i="0" u="none" strike="noStrike" cap="none" normalizeH="0" baseline="0" dirty="0" smtClean="0">
-                <a:ln>
-                  <a:noFill/>
-                </a:ln>
-                <a:solidFill>
-                  <a:srgbClr val="546E7A"/>
-                </a:solidFill>
-                <a:effectLst/>
-                <a:ea typeface="Helvetica Neue"/>
-              </a:rPr>
-              <a:t>、</a:t>
-            </a:r>
-            <a:r>
-              <a:rPr kumimoji="0" lang="zh-CN" altLang="zh-CN" b="0" i="0" u="none" strike="noStrike" cap="none" normalizeH="0" baseline="0" dirty="0" smtClean="0">
-                <a:ln>
-                  <a:noFill/>
-                </a:ln>
-                <a:solidFill>
-                  <a:srgbClr val="00796B"/>
-                </a:solidFill>
-                <a:effectLst/>
-                <a:latin typeface="Arial Unicode MS" panose="020B0604020202020204" pitchFamily="34" charset="-122"/>
-                <a:ea typeface="Monaco"/>
-              </a:rPr>
-              <a:t>(click)</a:t>
-            </a:r>
-            <a:r>
-              <a:rPr kumimoji="0" lang="zh-CN" altLang="zh-CN" sz="2800" b="0" i="0" u="none" strike="noStrike" cap="none" normalizeH="0" baseline="0" dirty="0" smtClean="0">
-                <a:ln>
-                  <a:noFill/>
-                </a:ln>
-                <a:solidFill>
-                  <a:srgbClr val="546E7A"/>
-                </a:solidFill>
-                <a:effectLst/>
-                <a:ea typeface="Helvetica Neue"/>
-              </a:rPr>
-              <a:t>、</a:t>
-            </a:r>
-            <a:r>
-              <a:rPr kumimoji="0" lang="zh-CN" altLang="zh-CN" b="0" i="0" u="none" strike="noStrike" cap="none" normalizeH="0" baseline="0" dirty="0" smtClean="0">
-                <a:ln>
-                  <a:noFill/>
-                </a:ln>
-                <a:solidFill>
-                  <a:srgbClr val="00796B"/>
-                </a:solidFill>
-                <a:effectLst/>
-                <a:latin typeface="Arial Unicode MS" panose="020B0604020202020204" pitchFamily="34" charset="-122"/>
-                <a:ea typeface="Monaco"/>
-              </a:rPr>
-              <a:t>[hero]</a:t>
-            </a:r>
-            <a:r>
-              <a:rPr kumimoji="0" lang="zh-CN" altLang="zh-CN" sz="2800" b="0" i="0" u="none" strike="noStrike" cap="none" normalizeH="0" baseline="0" dirty="0" smtClean="0">
-                <a:ln>
-                  <a:noFill/>
-                </a:ln>
-                <a:solidFill>
-                  <a:srgbClr val="546E7A"/>
-                </a:solidFill>
-                <a:effectLst/>
-                <a:ea typeface="Helvetica Neue"/>
-              </a:rPr>
-              <a:t>和</a:t>
-            </a:r>
-            <a:r>
-              <a:rPr kumimoji="0" lang="zh-CN" altLang="zh-CN" b="0" i="0" u="none" strike="noStrike" cap="none" normalizeH="0" baseline="0" dirty="0" smtClean="0">
-                <a:ln>
-                  <a:noFill/>
-                </a:ln>
-                <a:solidFill>
-                  <a:srgbClr val="00796B"/>
-                </a:solidFill>
-                <a:effectLst/>
-                <a:latin typeface="Arial Unicode MS" panose="020B0604020202020204" pitchFamily="34" charset="-122"/>
-                <a:ea typeface="Monaco"/>
-              </a:rPr>
-              <a:t>&lt;hero-detail&gt;</a:t>
-            </a:r>
-            <a:r>
-              <a:rPr kumimoji="0" lang="zh-CN" altLang="zh-CN" sz="2400" b="0" i="0" u="none" strike="noStrike" cap="none" normalizeH="0" baseline="0" dirty="0" smtClean="0">
-                <a:ln>
-                  <a:noFill/>
-                </a:ln>
-                <a:solidFill>
-                  <a:schemeClr val="tx1"/>
-                </a:solidFill>
-                <a:effectLst/>
+                <a:latin typeface="Arial" panose="020B0604020202020204" pitchFamily="34" charset="0"/>
               </a:rPr>
               <a:t> </a:t>
             </a:r>
-            <a:endParaRPr kumimoji="0" lang="zh-CN" altLang="zh-CN" sz="4000" b="0" i="0" u="none" strike="noStrike" cap="none" normalizeH="0" baseline="0" dirty="0" smtClean="0">
+            <a:endParaRPr kumimoji="0" lang="zh-CN" altLang="zh-CN" sz="3200" b="0" i="0" u="none" strike="noStrike" cap="none" normalizeH="0" baseline="0" dirty="0" smtClean="0">
               <a:ln>
                 <a:noFill/>
               </a:ln>
@@ -6324,10 +6536,567 @@
           </a:p>
         </p:txBody>
       </p:sp>
+      <p:sp>
+        <p:nvSpPr>
+          <p:cNvPr id="5" name="矩形 4"/>
+          <p:cNvSpPr/>
+          <p:nvPr/>
+        </p:nvSpPr>
+        <p:spPr>
+          <a:xfrm>
+            <a:off x="549359" y="2440462"/>
+            <a:ext cx="11174067" cy="369332"/>
+          </a:xfrm>
+          <a:prstGeom prst="rect">
+            <a:avLst/>
+          </a:prstGeom>
+        </p:spPr>
+        <p:txBody>
+          <a:bodyPr wrap="square">
+            <a:spAutoFit/>
+          </a:bodyPr>
+          <a:lstStyle/>
+          <a:p>
+            <a:r>
+              <a:rPr lang="zh-CN" altLang="en-US" b="1" dirty="0">
+                <a:solidFill>
+                  <a:srgbClr val="FF0000"/>
+                </a:solidFill>
+                <a:latin typeface="Helvetica Neue"/>
+              </a:rPr>
+              <a:t>结构型</a:t>
+            </a:r>
+            <a:r>
+              <a:rPr lang="zh-CN" altLang="en-US" dirty="0">
+                <a:solidFill>
+                  <a:srgbClr val="FF0000"/>
+                </a:solidFill>
+                <a:latin typeface="Helvetica Neue"/>
+              </a:rPr>
+              <a:t>指令</a:t>
+            </a:r>
+            <a:r>
+              <a:rPr lang="zh-CN" altLang="en-US" dirty="0">
+                <a:solidFill>
+                  <a:srgbClr val="546E7A"/>
+                </a:solidFill>
+                <a:latin typeface="Helvetica Neue"/>
+              </a:rPr>
+              <a:t>和</a:t>
+            </a:r>
+            <a:r>
+              <a:rPr lang="zh-CN" altLang="en-US" b="1" dirty="0">
+                <a:solidFill>
+                  <a:srgbClr val="FF0000"/>
+                </a:solidFill>
+                <a:latin typeface="Helvetica Neue"/>
+              </a:rPr>
+              <a:t>属性 </a:t>
+            </a:r>
+            <a:r>
+              <a:rPr lang="en-US" altLang="zh-CN" b="1" dirty="0">
+                <a:solidFill>
+                  <a:srgbClr val="FF0000"/>
+                </a:solidFill>
+                <a:latin typeface="Helvetica Neue"/>
+              </a:rPr>
+              <a:t>(attribute) </a:t>
+            </a:r>
+            <a:r>
+              <a:rPr lang="zh-CN" altLang="en-US" b="1" dirty="0">
+                <a:solidFill>
+                  <a:srgbClr val="FF0000"/>
+                </a:solidFill>
+                <a:latin typeface="Helvetica Neue"/>
+              </a:rPr>
+              <a:t>型</a:t>
+            </a:r>
+            <a:r>
+              <a:rPr lang="zh-CN" altLang="en-US" dirty="0" smtClean="0">
+                <a:solidFill>
+                  <a:srgbClr val="FF0000"/>
+                </a:solidFill>
+                <a:latin typeface="Helvetica Neue"/>
+              </a:rPr>
+              <a:t>指令   </a:t>
+            </a:r>
+            <a:r>
+              <a:rPr lang="en-US" altLang="zh-CN" dirty="0" smtClean="0">
+                <a:solidFill>
+                  <a:srgbClr val="546E7A"/>
+                </a:solidFill>
+                <a:latin typeface="Helvetica Neue"/>
+              </a:rPr>
+              <a:t>	</a:t>
+            </a:r>
+            <a:r>
+              <a:rPr lang="en-US" altLang="zh-CN" b="1" dirty="0" smtClean="0"/>
+              <a:t>structural</a:t>
+            </a:r>
+            <a:r>
+              <a:rPr lang="en-US" altLang="zh-CN" dirty="0"/>
+              <a:t> and </a:t>
+            </a:r>
+            <a:r>
+              <a:rPr lang="en-US" altLang="zh-CN" b="1" dirty="0"/>
+              <a:t>attribute</a:t>
+            </a:r>
+            <a:r>
+              <a:rPr lang="en-US" altLang="zh-CN" dirty="0"/>
+              <a:t> directives</a:t>
+            </a:r>
+            <a:endParaRPr lang="zh-CN" altLang="en-US" dirty="0"/>
+          </a:p>
+        </p:txBody>
+      </p:sp>
+      <p:sp>
+        <p:nvSpPr>
+          <p:cNvPr id="11" name="矩形 10"/>
+          <p:cNvSpPr/>
+          <p:nvPr/>
+        </p:nvSpPr>
+        <p:spPr>
+          <a:xfrm>
+            <a:off x="549358" y="3084923"/>
+            <a:ext cx="11174067" cy="369332"/>
+          </a:xfrm>
+          <a:prstGeom prst="rect">
+            <a:avLst/>
+          </a:prstGeom>
+        </p:spPr>
+        <p:txBody>
+          <a:bodyPr wrap="square">
+            <a:spAutoFit/>
+          </a:bodyPr>
+          <a:lstStyle/>
+          <a:p>
+            <a:r>
+              <a:rPr lang="en-US" altLang="zh-CN" b="1" dirty="0">
+                <a:solidFill>
+                  <a:srgbClr val="546E7A"/>
+                </a:solidFill>
+                <a:latin typeface="Helvetica Neue"/>
+              </a:rPr>
+              <a:t>Structural</a:t>
+            </a:r>
+            <a:r>
+              <a:rPr lang="en-US" altLang="zh-CN" dirty="0">
+                <a:solidFill>
+                  <a:srgbClr val="546E7A"/>
+                </a:solidFill>
+                <a:latin typeface="Helvetica Neue"/>
+              </a:rPr>
+              <a:t> directives alter layout by adding, removing, and replacing elements in DOM.</a:t>
+            </a:r>
+            <a:endParaRPr lang="zh-CN" altLang="en-US" dirty="0"/>
+          </a:p>
+        </p:txBody>
+      </p:sp>
+      <p:sp>
+        <p:nvSpPr>
+          <p:cNvPr id="12" name="矩形 11"/>
+          <p:cNvSpPr/>
+          <p:nvPr/>
+        </p:nvSpPr>
+        <p:spPr>
+          <a:xfrm>
+            <a:off x="549357" y="3729384"/>
+            <a:ext cx="11174067" cy="646331"/>
+          </a:xfrm>
+          <a:prstGeom prst="rect">
+            <a:avLst/>
+          </a:prstGeom>
+        </p:spPr>
+        <p:txBody>
+          <a:bodyPr wrap="square">
+            <a:spAutoFit/>
+          </a:bodyPr>
+          <a:lstStyle/>
+          <a:p>
+            <a:r>
+              <a:rPr lang="en-US" altLang="zh-CN" b="1" dirty="0">
+                <a:solidFill>
+                  <a:srgbClr val="546E7A"/>
+                </a:solidFill>
+                <a:latin typeface="Helvetica Neue"/>
+              </a:rPr>
+              <a:t>Attribute</a:t>
+            </a:r>
+            <a:r>
+              <a:rPr lang="en-US" altLang="zh-CN" dirty="0">
+                <a:solidFill>
+                  <a:srgbClr val="546E7A"/>
+                </a:solidFill>
+                <a:latin typeface="Helvetica Neue"/>
+              </a:rPr>
+              <a:t> directives alter the appearance or behavior of an existing element. In templates they look like regular HTML attributes, hence the name.</a:t>
+            </a:r>
+            <a:endParaRPr lang="zh-CN" altLang="en-US" dirty="0"/>
+          </a:p>
+        </p:txBody>
+      </p:sp>
     </p:spTree>
     <p:extLst>
       <p:ext uri="{BB962C8B-B14F-4D97-AF65-F5344CB8AC3E}">
-        <p14:creationId xmlns:p14="http://schemas.microsoft.com/office/powerpoint/2010/main" val="2912784082"/>
+        <p14:creationId xmlns:p14="http://schemas.microsoft.com/office/powerpoint/2010/main" val="3228061503"/>
+      </p:ext>
+    </p:extLst>
+  </p:cSld>
+  <p:clrMapOvr>
+    <a:masterClrMapping/>
+  </p:clrMapOvr>
+</p:sld>
+</file>
+
+<file path=ppt/slides/slide9.xml><?xml version="1.0" encoding="utf-8"?>
+<p:sld xmlns:a="http://schemas.openxmlformats.org/drawingml/2006/main" xmlns:r="http://schemas.openxmlformats.org/officeDocument/2006/relationships" xmlns:p="http://schemas.openxmlformats.org/presentationml/2006/main">
+  <p:cSld>
+    <p:bg>
+      <p:bgPr>
+        <a:noFill/>
+        <a:effectLst/>
+      </p:bgPr>
+    </p:bg>
+    <p:spTree>
+      <p:nvGrpSpPr>
+        <p:cNvPr id="1" name=""/>
+        <p:cNvGrpSpPr/>
+        <p:nvPr/>
+      </p:nvGrpSpPr>
+      <p:grpSpPr>
+        <a:xfrm>
+          <a:off x="0" y="0"/>
+          <a:ext cx="0" cy="0"/>
+          <a:chOff x="0" y="0"/>
+          <a:chExt cx="0" cy="0"/>
+        </a:xfrm>
+      </p:grpSpPr>
+      <p:sp>
+        <p:nvSpPr>
+          <p:cNvPr id="3" name="标题 2"/>
+          <p:cNvSpPr>
+            <a:spLocks noGrp="1"/>
+          </p:cNvSpPr>
+          <p:nvPr>
+            <p:ph type="ctrTitle"/>
+          </p:nvPr>
+        </p:nvSpPr>
+        <p:spPr>
+          <a:xfrm>
+            <a:off x="1291988" y="450376"/>
+            <a:ext cx="9144000" cy="1039718"/>
+          </a:xfrm>
+        </p:spPr>
+        <p:txBody>
+          <a:bodyPr>
+            <a:normAutofit/>
+          </a:bodyPr>
+          <a:lstStyle/>
+          <a:p>
+            <a:r>
+              <a:rPr lang="zh-CN" altLang="en-US" b="1" dirty="0" smtClean="0"/>
+              <a:t>服务</a:t>
+            </a:r>
+            <a:endParaRPr lang="zh-CN" altLang="en-US" b="1" dirty="0"/>
+          </a:p>
+        </p:txBody>
+      </p:sp>
+      <p:sp>
+        <p:nvSpPr>
+          <p:cNvPr id="2" name="矩形 1"/>
+          <p:cNvSpPr/>
+          <p:nvPr/>
+        </p:nvSpPr>
+        <p:spPr>
+          <a:xfrm>
+            <a:off x="509516" y="1490094"/>
+            <a:ext cx="11404979" cy="646331"/>
+          </a:xfrm>
+          <a:prstGeom prst="rect">
+            <a:avLst/>
+          </a:prstGeom>
+        </p:spPr>
+        <p:txBody>
+          <a:bodyPr wrap="square">
+            <a:spAutoFit/>
+          </a:bodyPr>
+          <a:lstStyle/>
+          <a:p>
+            <a:r>
+              <a:rPr lang="en-US" altLang="zh-CN" dirty="0">
+                <a:solidFill>
+                  <a:srgbClr val="546E7A"/>
+                </a:solidFill>
+                <a:latin typeface="Helvetica Neue"/>
+              </a:rPr>
+              <a:t>Almost anything can be a service. A service is typically a class with a narrow, well-defined purpose. It should do something specific and do it well.</a:t>
+            </a:r>
+            <a:endParaRPr lang="zh-CN" altLang="en-US" dirty="0"/>
+          </a:p>
+        </p:txBody>
+      </p:sp>
+      <p:sp>
+        <p:nvSpPr>
+          <p:cNvPr id="6" name="矩形 5"/>
+          <p:cNvSpPr/>
+          <p:nvPr/>
+        </p:nvSpPr>
+        <p:spPr>
+          <a:xfrm>
+            <a:off x="509516" y="2345146"/>
+            <a:ext cx="1114408" cy="369332"/>
+          </a:xfrm>
+          <a:prstGeom prst="rect">
+            <a:avLst/>
+          </a:prstGeom>
+        </p:spPr>
+        <p:txBody>
+          <a:bodyPr wrap="none">
+            <a:spAutoFit/>
+          </a:bodyPr>
+          <a:lstStyle/>
+          <a:p>
+            <a:r>
+              <a:rPr lang="zh-CN" altLang="en-US" b="1" dirty="0">
+                <a:solidFill>
+                  <a:srgbClr val="546E7A"/>
+                </a:solidFill>
+                <a:latin typeface="Helvetica Neue"/>
+              </a:rPr>
+              <a:t>依赖注入</a:t>
+            </a:r>
+            <a:endParaRPr lang="zh-CN" altLang="en-US" b="1" i="0" dirty="0">
+              <a:solidFill>
+                <a:srgbClr val="546E7A"/>
+              </a:solidFill>
+              <a:effectLst/>
+              <a:latin typeface="Helvetica Neue"/>
+            </a:endParaRPr>
+          </a:p>
+        </p:txBody>
+      </p:sp>
+      <p:sp>
+        <p:nvSpPr>
+          <p:cNvPr id="7" name="矩形 6"/>
+          <p:cNvSpPr/>
+          <p:nvPr/>
+        </p:nvSpPr>
+        <p:spPr>
+          <a:xfrm>
+            <a:off x="1066720" y="2923199"/>
+            <a:ext cx="9369268" cy="1754326"/>
+          </a:xfrm>
+          <a:prstGeom prst="rect">
+            <a:avLst/>
+          </a:prstGeom>
+        </p:spPr>
+        <p:txBody>
+          <a:bodyPr wrap="square">
+            <a:spAutoFit/>
+          </a:bodyPr>
+          <a:lstStyle/>
+          <a:p>
+            <a:pPr>
+              <a:buFont typeface="Arial" panose="020B0604020202020204" pitchFamily="34" charset="0"/>
+              <a:buChar char="•"/>
+            </a:pPr>
+            <a:r>
+              <a:rPr lang="zh-CN" altLang="en-US" dirty="0">
+                <a:solidFill>
+                  <a:srgbClr val="546E7A"/>
+                </a:solidFill>
+                <a:latin typeface="Helvetica Neue"/>
+              </a:rPr>
+              <a:t>依赖注入渗透在整个 </a:t>
+            </a:r>
+            <a:r>
+              <a:rPr lang="en-US" altLang="zh-CN" dirty="0">
+                <a:solidFill>
+                  <a:srgbClr val="546E7A"/>
+                </a:solidFill>
+                <a:latin typeface="Helvetica Neue"/>
+              </a:rPr>
+              <a:t>Angular </a:t>
+            </a:r>
+            <a:r>
+              <a:rPr lang="zh-CN" altLang="en-US" dirty="0">
+                <a:solidFill>
+                  <a:srgbClr val="546E7A"/>
+                </a:solidFill>
+                <a:latin typeface="Helvetica Neue"/>
+              </a:rPr>
+              <a:t>框架中，被到处使用。</a:t>
+            </a:r>
+          </a:p>
+          <a:p>
+            <a:pPr>
+              <a:buFont typeface="Arial" panose="020B0604020202020204" pitchFamily="34" charset="0"/>
+              <a:buChar char="•"/>
+            </a:pPr>
+            <a:r>
+              <a:rPr lang="zh-CN" altLang="en-US" b="1" dirty="0">
+                <a:solidFill>
+                  <a:srgbClr val="546E7A"/>
+                </a:solidFill>
+                <a:latin typeface="Helvetica Neue"/>
+              </a:rPr>
+              <a:t>注入器 </a:t>
+            </a:r>
+            <a:r>
+              <a:rPr lang="en-US" altLang="zh-CN" b="1" dirty="0">
+                <a:solidFill>
+                  <a:srgbClr val="546E7A"/>
+                </a:solidFill>
+                <a:latin typeface="Helvetica Neue"/>
+              </a:rPr>
+              <a:t>(injector)</a:t>
+            </a:r>
+            <a:r>
+              <a:rPr lang="zh-CN" altLang="en-US" dirty="0">
+                <a:solidFill>
+                  <a:srgbClr val="546E7A"/>
+                </a:solidFill>
+                <a:latin typeface="Helvetica Neue"/>
+              </a:rPr>
+              <a:t> 是本机制的核心。</a:t>
+            </a:r>
+          </a:p>
+          <a:p>
+            <a:pPr marL="742950" lvl="1" indent="-285750">
+              <a:buFont typeface="Arial" panose="020B0604020202020204" pitchFamily="34" charset="0"/>
+              <a:buChar char="•"/>
+            </a:pPr>
+            <a:r>
+              <a:rPr lang="zh-CN" altLang="en-US" dirty="0">
+                <a:solidFill>
+                  <a:srgbClr val="546E7A"/>
+                </a:solidFill>
+                <a:latin typeface="Helvetica Neue"/>
+              </a:rPr>
+              <a:t>注入器负责维护一个</a:t>
+            </a:r>
+            <a:r>
+              <a:rPr lang="zh-CN" altLang="en-US" b="1" dirty="0">
+                <a:solidFill>
+                  <a:srgbClr val="546E7A"/>
+                </a:solidFill>
+                <a:latin typeface="Helvetica Neue"/>
+              </a:rPr>
+              <a:t>容器</a:t>
+            </a:r>
+            <a:r>
+              <a:rPr lang="zh-CN" altLang="en-US" dirty="0">
+                <a:solidFill>
+                  <a:srgbClr val="546E7A"/>
+                </a:solidFill>
+                <a:latin typeface="Helvetica Neue"/>
+              </a:rPr>
+              <a:t>，用于存放它创建过的服务实例。</a:t>
+            </a:r>
+          </a:p>
+          <a:p>
+            <a:pPr marL="742950" lvl="1" indent="-285750">
+              <a:buFont typeface="Arial" panose="020B0604020202020204" pitchFamily="34" charset="0"/>
+              <a:buChar char="•"/>
+            </a:pPr>
+            <a:r>
+              <a:rPr lang="zh-CN" altLang="en-US" dirty="0">
+                <a:solidFill>
+                  <a:srgbClr val="546E7A"/>
+                </a:solidFill>
+                <a:latin typeface="Helvetica Neue"/>
+              </a:rPr>
+              <a:t>注入器能使用</a:t>
+            </a:r>
+            <a:r>
+              <a:rPr lang="zh-CN" altLang="en-US" b="1" dirty="0">
+                <a:solidFill>
+                  <a:srgbClr val="546E7A"/>
+                </a:solidFill>
+                <a:latin typeface="Helvetica Neue"/>
+              </a:rPr>
+              <a:t>提供商</a:t>
+            </a:r>
+            <a:r>
+              <a:rPr lang="zh-CN" altLang="en-US" dirty="0">
+                <a:solidFill>
+                  <a:srgbClr val="546E7A"/>
+                </a:solidFill>
+                <a:latin typeface="Helvetica Neue"/>
+              </a:rPr>
+              <a:t>创建一个新的服务实例。</a:t>
+            </a:r>
+          </a:p>
+          <a:p>
+            <a:pPr>
+              <a:buFont typeface="Arial" panose="020B0604020202020204" pitchFamily="34" charset="0"/>
+              <a:buChar char="•"/>
+            </a:pPr>
+            <a:r>
+              <a:rPr lang="zh-CN" altLang="en-US" b="1" dirty="0">
+                <a:solidFill>
+                  <a:srgbClr val="546E7A"/>
+                </a:solidFill>
+                <a:latin typeface="Helvetica Neue"/>
+              </a:rPr>
+              <a:t>提供商</a:t>
+            </a:r>
+            <a:r>
+              <a:rPr lang="zh-CN" altLang="en-US" dirty="0">
+                <a:solidFill>
+                  <a:srgbClr val="546E7A"/>
+                </a:solidFill>
+                <a:latin typeface="Helvetica Neue"/>
+              </a:rPr>
+              <a:t>是一个用于创建服务的配方。</a:t>
+            </a:r>
+          </a:p>
+          <a:p>
+            <a:pPr>
+              <a:buFont typeface="Arial" panose="020B0604020202020204" pitchFamily="34" charset="0"/>
+              <a:buChar char="•"/>
+            </a:pPr>
+            <a:r>
+              <a:rPr lang="zh-CN" altLang="en-US" dirty="0">
+                <a:solidFill>
+                  <a:srgbClr val="546E7A"/>
+                </a:solidFill>
+                <a:latin typeface="Helvetica Neue"/>
+              </a:rPr>
+              <a:t>把</a:t>
+            </a:r>
+            <a:r>
+              <a:rPr lang="zh-CN" altLang="en-US" b="1" dirty="0">
+                <a:solidFill>
+                  <a:srgbClr val="546E7A"/>
+                </a:solidFill>
+                <a:latin typeface="Helvetica Neue"/>
+              </a:rPr>
+              <a:t>提供商</a:t>
+            </a:r>
+            <a:r>
+              <a:rPr lang="zh-CN" altLang="en-US" dirty="0">
+                <a:solidFill>
+                  <a:srgbClr val="546E7A"/>
+                </a:solidFill>
+                <a:latin typeface="Helvetica Neue"/>
+              </a:rPr>
+              <a:t>注册到注入器。</a:t>
+            </a:r>
+            <a:endParaRPr lang="zh-CN" altLang="en-US" b="0" i="0" dirty="0">
+              <a:solidFill>
+                <a:srgbClr val="546E7A"/>
+              </a:solidFill>
+              <a:effectLst/>
+              <a:latin typeface="Helvetica Neue"/>
+            </a:endParaRPr>
+          </a:p>
+        </p:txBody>
+      </p:sp>
+    </p:spTree>
+    <p:extLst>
+      <p:ext uri="{BB962C8B-B14F-4D97-AF65-F5344CB8AC3E}">
+        <p14:creationId xmlns:p14="http://schemas.microsoft.com/office/powerpoint/2010/main" val="2443509130"/>
       </p:ext>
     </p:extLst>
   </p:cSld>

--- a/Angular summary/Angular.pptx
+++ b/Angular summary/Angular.pptx
@@ -12,12 +12,17 @@
     <p:sldId id="257" r:id="rId6"/>
     <p:sldId id="260" r:id="rId7"/>
     <p:sldId id="263" r:id="rId8"/>
-    <p:sldId id="264" r:id="rId9"/>
-    <p:sldId id="265" r:id="rId10"/>
-    <p:sldId id="267" r:id="rId11"/>
-    <p:sldId id="258" r:id="rId12"/>
-    <p:sldId id="259" r:id="rId13"/>
-    <p:sldId id="268" r:id="rId14"/>
+    <p:sldId id="269" r:id="rId9"/>
+    <p:sldId id="264" r:id="rId10"/>
+    <p:sldId id="265" r:id="rId11"/>
+    <p:sldId id="272" r:id="rId12"/>
+    <p:sldId id="273" r:id="rId13"/>
+    <p:sldId id="270" r:id="rId14"/>
+    <p:sldId id="271" r:id="rId15"/>
+    <p:sldId id="267" r:id="rId16"/>
+    <p:sldId id="258" r:id="rId17"/>
+    <p:sldId id="259" r:id="rId18"/>
+    <p:sldId id="268" r:id="rId19"/>
   </p:sldIdLst>
   <p:sldSz cx="12192000" cy="6858000"/>
   <p:notesSz cx="6858000" cy="9144000"/>
@@ -255,7 +260,7 @@
           <a:p>
             <a:fld id="{5C5205B4-2139-4F1E-9E51-3064BBDFE32A}" type="datetimeFigureOut">
               <a:rPr lang="zh-CN" altLang="en-US" smtClean="0"/>
-              <a:t>2017/7/31</a:t>
+              <a:t>2017/8/1 Tuesday</a:t>
             </a:fld>
             <a:endParaRPr lang="zh-CN" altLang="en-US"/>
           </a:p>
@@ -425,7 +430,7 @@
           <a:p>
             <a:fld id="{5C5205B4-2139-4F1E-9E51-3064BBDFE32A}" type="datetimeFigureOut">
               <a:rPr lang="zh-CN" altLang="en-US" smtClean="0"/>
-              <a:t>2017/7/31</a:t>
+              <a:t>2017/8/1 Tuesday</a:t>
             </a:fld>
             <a:endParaRPr lang="zh-CN" altLang="en-US"/>
           </a:p>
@@ -605,7 +610,7 @@
           <a:p>
             <a:fld id="{5C5205B4-2139-4F1E-9E51-3064BBDFE32A}" type="datetimeFigureOut">
               <a:rPr lang="zh-CN" altLang="en-US" smtClean="0"/>
-              <a:t>2017/7/31</a:t>
+              <a:t>2017/8/1 Tuesday</a:t>
             </a:fld>
             <a:endParaRPr lang="zh-CN" altLang="en-US"/>
           </a:p>
@@ -775,7 +780,7 @@
           <a:p>
             <a:fld id="{5C5205B4-2139-4F1E-9E51-3064BBDFE32A}" type="datetimeFigureOut">
               <a:rPr lang="zh-CN" altLang="en-US" smtClean="0"/>
-              <a:t>2017/7/31</a:t>
+              <a:t>2017/8/1 Tuesday</a:t>
             </a:fld>
             <a:endParaRPr lang="zh-CN" altLang="en-US"/>
           </a:p>
@@ -1021,7 +1026,7 @@
           <a:p>
             <a:fld id="{5C5205B4-2139-4F1E-9E51-3064BBDFE32A}" type="datetimeFigureOut">
               <a:rPr lang="zh-CN" altLang="en-US" smtClean="0"/>
-              <a:t>2017/7/31</a:t>
+              <a:t>2017/8/1 Tuesday</a:t>
             </a:fld>
             <a:endParaRPr lang="zh-CN" altLang="en-US"/>
           </a:p>
@@ -1253,7 +1258,7 @@
           <a:p>
             <a:fld id="{5C5205B4-2139-4F1E-9E51-3064BBDFE32A}" type="datetimeFigureOut">
               <a:rPr lang="zh-CN" altLang="en-US" smtClean="0"/>
-              <a:t>2017/7/31</a:t>
+              <a:t>2017/8/1 Tuesday</a:t>
             </a:fld>
             <a:endParaRPr lang="zh-CN" altLang="en-US"/>
           </a:p>
@@ -1620,7 +1625,7 @@
           <a:p>
             <a:fld id="{5C5205B4-2139-4F1E-9E51-3064BBDFE32A}" type="datetimeFigureOut">
               <a:rPr lang="zh-CN" altLang="en-US" smtClean="0"/>
-              <a:t>2017/7/31</a:t>
+              <a:t>2017/8/1 Tuesday</a:t>
             </a:fld>
             <a:endParaRPr lang="zh-CN" altLang="en-US"/>
           </a:p>
@@ -1738,7 +1743,7 @@
           <a:p>
             <a:fld id="{5C5205B4-2139-4F1E-9E51-3064BBDFE32A}" type="datetimeFigureOut">
               <a:rPr lang="zh-CN" altLang="en-US" smtClean="0"/>
-              <a:t>2017/7/31</a:t>
+              <a:t>2017/8/1 Tuesday</a:t>
             </a:fld>
             <a:endParaRPr lang="zh-CN" altLang="en-US"/>
           </a:p>
@@ -1833,7 +1838,7 @@
           <a:p>
             <a:fld id="{5C5205B4-2139-4F1E-9E51-3064BBDFE32A}" type="datetimeFigureOut">
               <a:rPr lang="zh-CN" altLang="en-US" smtClean="0"/>
-              <a:t>2017/7/31</a:t>
+              <a:t>2017/8/1 Tuesday</a:t>
             </a:fld>
             <a:endParaRPr lang="zh-CN" altLang="en-US"/>
           </a:p>
@@ -2110,7 +2115,7 @@
           <a:p>
             <a:fld id="{5C5205B4-2139-4F1E-9E51-3064BBDFE32A}" type="datetimeFigureOut">
               <a:rPr lang="zh-CN" altLang="en-US" smtClean="0"/>
-              <a:t>2017/7/31</a:t>
+              <a:t>2017/8/1 Tuesday</a:t>
             </a:fld>
             <a:endParaRPr lang="zh-CN" altLang="en-US"/>
           </a:p>
@@ -2363,7 +2368,7 @@
           <a:p>
             <a:fld id="{5C5205B4-2139-4F1E-9E51-3064BBDFE32A}" type="datetimeFigureOut">
               <a:rPr lang="zh-CN" altLang="en-US" smtClean="0"/>
-              <a:t>2017/7/31</a:t>
+              <a:t>2017/8/1 Tuesday</a:t>
             </a:fld>
             <a:endParaRPr lang="zh-CN" altLang="en-US"/>
           </a:p>
@@ -2576,7 +2581,7 @@
           <a:p>
             <a:fld id="{5C5205B4-2139-4F1E-9E51-3064BBDFE32A}" type="datetimeFigureOut">
               <a:rPr lang="zh-CN" altLang="en-US" smtClean="0"/>
-              <a:t>2017/7/31</a:t>
+              <a:t>2017/8/1 Tuesday</a:t>
             </a:fld>
             <a:endParaRPr lang="zh-CN" altLang="en-US"/>
           </a:p>
@@ -3328,7 +3333,7 @@
         </p:nvSpPr>
         <p:spPr>
           <a:xfrm>
-            <a:off x="1379073" y="241370"/>
+            <a:off x="1291988" y="450376"/>
             <a:ext cx="9144000" cy="1039718"/>
           </a:xfrm>
         </p:spPr>
@@ -3339,8 +3344,8 @@
           <a:lstStyle/>
           <a:p>
             <a:r>
-              <a:rPr lang="zh-CN" altLang="en-US" dirty="0" smtClean="0"/>
-              <a:t>表单</a:t>
+              <a:rPr lang="zh-CN" altLang="en-US" b="1" dirty="0" smtClean="0"/>
+              <a:t>服务</a:t>
             </a:r>
             <a:endParaRPr lang="zh-CN" altLang="en-US" b="1" dirty="0"/>
           </a:p>
@@ -3348,20 +3353,54 @@
       </p:sp>
       <p:sp>
         <p:nvSpPr>
-          <p:cNvPr id="4" name="矩形 3"/>
+          <p:cNvPr id="2" name="矩形 1"/>
           <p:cNvSpPr/>
           <p:nvPr/>
         </p:nvSpPr>
         <p:spPr>
           <a:xfrm>
-            <a:off x="612756" y="1281088"/>
-            <a:ext cx="1811714" cy="2031325"/>
+            <a:off x="509516" y="1490094"/>
+            <a:ext cx="11404979" cy="646331"/>
           </a:xfrm>
           <a:prstGeom prst="rect">
             <a:avLst/>
           </a:prstGeom>
         </p:spPr>
         <p:txBody>
+          <a:bodyPr wrap="square">
+            <a:spAutoFit/>
+          </a:bodyPr>
+          <a:lstStyle/>
+          <a:p>
+            <a:r>
+              <a:rPr lang="en-US" altLang="zh-CN" dirty="0">
+                <a:solidFill>
+                  <a:srgbClr val="546E7A"/>
+                </a:solidFill>
+                <a:latin typeface="Helvetica Neue"/>
+              </a:rPr>
+              <a:t>Almost anything can be a service. A service is typically a class with a narrow, well-defined purpose. It should do something specific and do it well.</a:t>
+            </a:r>
+            <a:endParaRPr lang="zh-CN" altLang="en-US" dirty="0"/>
+          </a:p>
+        </p:txBody>
+      </p:sp>
+      <p:sp>
+        <p:nvSpPr>
+          <p:cNvPr id="6" name="矩形 5"/>
+          <p:cNvSpPr/>
+          <p:nvPr/>
+        </p:nvSpPr>
+        <p:spPr>
+          <a:xfrm>
+            <a:off x="509516" y="2345146"/>
+            <a:ext cx="1114408" cy="369332"/>
+          </a:xfrm>
+          <a:prstGeom prst="rect">
+            <a:avLst/>
+          </a:prstGeom>
+        </p:spPr>
+        <p:txBody>
           <a:bodyPr wrap="none">
             <a:spAutoFit/>
           </a:bodyPr>
@@ -3370,29 +3409,2635 @@
             <a:r>
               <a:rPr lang="zh-CN" altLang="en-US" b="1" dirty="0">
                 <a:solidFill>
+                  <a:srgbClr val="546E7A"/>
+                </a:solidFill>
+                <a:latin typeface="Helvetica Neue"/>
+              </a:rPr>
+              <a:t>依赖注入</a:t>
+            </a:r>
+            <a:endParaRPr lang="zh-CN" altLang="en-US" b="1" i="0" dirty="0">
+              <a:solidFill>
+                <a:srgbClr val="546E7A"/>
+              </a:solidFill>
+              <a:effectLst/>
+              <a:latin typeface="Helvetica Neue"/>
+            </a:endParaRPr>
+          </a:p>
+        </p:txBody>
+      </p:sp>
+      <p:sp>
+        <p:nvSpPr>
+          <p:cNvPr id="7" name="矩形 6"/>
+          <p:cNvSpPr/>
+          <p:nvPr/>
+        </p:nvSpPr>
+        <p:spPr>
+          <a:xfrm>
+            <a:off x="1066720" y="2923199"/>
+            <a:ext cx="9369268" cy="1754326"/>
+          </a:xfrm>
+          <a:prstGeom prst="rect">
+            <a:avLst/>
+          </a:prstGeom>
+        </p:spPr>
+        <p:txBody>
+          <a:bodyPr wrap="square">
+            <a:spAutoFit/>
+          </a:bodyPr>
+          <a:lstStyle/>
+          <a:p>
+            <a:pPr>
+              <a:buFont typeface="Arial" panose="020B0604020202020204" pitchFamily="34" charset="0"/>
+              <a:buChar char="•"/>
+            </a:pPr>
+            <a:r>
+              <a:rPr lang="zh-CN" altLang="en-US" dirty="0">
+                <a:solidFill>
+                  <a:srgbClr val="546E7A"/>
+                </a:solidFill>
+                <a:latin typeface="Helvetica Neue"/>
+              </a:rPr>
+              <a:t>依赖注入渗透在整个 </a:t>
+            </a:r>
+            <a:r>
+              <a:rPr lang="en-US" altLang="zh-CN" dirty="0">
+                <a:solidFill>
+                  <a:srgbClr val="546E7A"/>
+                </a:solidFill>
+                <a:latin typeface="Helvetica Neue"/>
+              </a:rPr>
+              <a:t>Angular </a:t>
+            </a:r>
+            <a:r>
+              <a:rPr lang="zh-CN" altLang="en-US" dirty="0">
+                <a:solidFill>
+                  <a:srgbClr val="546E7A"/>
+                </a:solidFill>
+                <a:latin typeface="Helvetica Neue"/>
+              </a:rPr>
+              <a:t>框架中，被到处使用。</a:t>
+            </a:r>
+          </a:p>
+          <a:p>
+            <a:pPr>
+              <a:buFont typeface="Arial" panose="020B0604020202020204" pitchFamily="34" charset="0"/>
+              <a:buChar char="•"/>
+            </a:pPr>
+            <a:r>
+              <a:rPr lang="zh-CN" altLang="en-US" b="1" dirty="0">
+                <a:solidFill>
+                  <a:srgbClr val="546E7A"/>
+                </a:solidFill>
+                <a:latin typeface="Helvetica Neue"/>
+              </a:rPr>
+              <a:t>注入器 </a:t>
+            </a:r>
+            <a:r>
+              <a:rPr lang="en-US" altLang="zh-CN" b="1" dirty="0">
+                <a:solidFill>
+                  <a:srgbClr val="546E7A"/>
+                </a:solidFill>
+                <a:latin typeface="Helvetica Neue"/>
+              </a:rPr>
+              <a:t>(injector)</a:t>
+            </a:r>
+            <a:r>
+              <a:rPr lang="zh-CN" altLang="en-US" dirty="0">
+                <a:solidFill>
+                  <a:srgbClr val="546E7A"/>
+                </a:solidFill>
+                <a:latin typeface="Helvetica Neue"/>
+              </a:rPr>
+              <a:t> 是本机制的核心。</a:t>
+            </a:r>
+          </a:p>
+          <a:p>
+            <a:pPr marL="742950" lvl="1" indent="-285750">
+              <a:buFont typeface="Arial" panose="020B0604020202020204" pitchFamily="34" charset="0"/>
+              <a:buChar char="•"/>
+            </a:pPr>
+            <a:r>
+              <a:rPr lang="zh-CN" altLang="en-US" dirty="0">
+                <a:solidFill>
+                  <a:srgbClr val="546E7A"/>
+                </a:solidFill>
+                <a:latin typeface="Helvetica Neue"/>
+              </a:rPr>
+              <a:t>注入器负责维护一个</a:t>
+            </a:r>
+            <a:r>
+              <a:rPr lang="zh-CN" altLang="en-US" b="1" dirty="0">
+                <a:solidFill>
+                  <a:srgbClr val="546E7A"/>
+                </a:solidFill>
+                <a:latin typeface="Helvetica Neue"/>
+              </a:rPr>
+              <a:t>容器</a:t>
+            </a:r>
+            <a:r>
+              <a:rPr lang="zh-CN" altLang="en-US" dirty="0">
+                <a:solidFill>
+                  <a:srgbClr val="546E7A"/>
+                </a:solidFill>
+                <a:latin typeface="Helvetica Neue"/>
+              </a:rPr>
+              <a:t>，用于存放它创建过的服务实例。</a:t>
+            </a:r>
+          </a:p>
+          <a:p>
+            <a:pPr marL="742950" lvl="1" indent="-285750">
+              <a:buFont typeface="Arial" panose="020B0604020202020204" pitchFamily="34" charset="0"/>
+              <a:buChar char="•"/>
+            </a:pPr>
+            <a:r>
+              <a:rPr lang="zh-CN" altLang="en-US" dirty="0">
+                <a:solidFill>
+                  <a:srgbClr val="546E7A"/>
+                </a:solidFill>
+                <a:latin typeface="Helvetica Neue"/>
+              </a:rPr>
+              <a:t>注入器能使用</a:t>
+            </a:r>
+            <a:r>
+              <a:rPr lang="zh-CN" altLang="en-US" b="1" dirty="0">
+                <a:solidFill>
+                  <a:srgbClr val="546E7A"/>
+                </a:solidFill>
+                <a:latin typeface="Helvetica Neue"/>
+              </a:rPr>
+              <a:t>提供商</a:t>
+            </a:r>
+            <a:r>
+              <a:rPr lang="zh-CN" altLang="en-US" dirty="0">
+                <a:solidFill>
+                  <a:srgbClr val="546E7A"/>
+                </a:solidFill>
+                <a:latin typeface="Helvetica Neue"/>
+              </a:rPr>
+              <a:t>创建一个新的服务实例。</a:t>
+            </a:r>
+          </a:p>
+          <a:p>
+            <a:pPr>
+              <a:buFont typeface="Arial" panose="020B0604020202020204" pitchFamily="34" charset="0"/>
+              <a:buChar char="•"/>
+            </a:pPr>
+            <a:r>
+              <a:rPr lang="zh-CN" altLang="en-US" b="1" dirty="0">
+                <a:solidFill>
+                  <a:srgbClr val="546E7A"/>
+                </a:solidFill>
+                <a:latin typeface="Helvetica Neue"/>
+              </a:rPr>
+              <a:t>提供商</a:t>
+            </a:r>
+            <a:r>
+              <a:rPr lang="zh-CN" altLang="en-US" dirty="0">
+                <a:solidFill>
+                  <a:srgbClr val="546E7A"/>
+                </a:solidFill>
+                <a:latin typeface="Helvetica Neue"/>
+              </a:rPr>
+              <a:t>是一个用于创建服务的配方。</a:t>
+            </a:r>
+          </a:p>
+          <a:p>
+            <a:pPr>
+              <a:buFont typeface="Arial" panose="020B0604020202020204" pitchFamily="34" charset="0"/>
+              <a:buChar char="•"/>
+            </a:pPr>
+            <a:r>
+              <a:rPr lang="zh-CN" altLang="en-US" dirty="0">
+                <a:solidFill>
+                  <a:srgbClr val="546E7A"/>
+                </a:solidFill>
+                <a:latin typeface="Helvetica Neue"/>
+              </a:rPr>
+              <a:t>把</a:t>
+            </a:r>
+            <a:r>
+              <a:rPr lang="zh-CN" altLang="en-US" b="1" dirty="0">
+                <a:solidFill>
+                  <a:srgbClr val="546E7A"/>
+                </a:solidFill>
+                <a:latin typeface="Helvetica Neue"/>
+              </a:rPr>
+              <a:t>提供商</a:t>
+            </a:r>
+            <a:r>
+              <a:rPr lang="zh-CN" altLang="en-US" dirty="0">
+                <a:solidFill>
+                  <a:srgbClr val="546E7A"/>
+                </a:solidFill>
+                <a:latin typeface="Helvetica Neue"/>
+              </a:rPr>
+              <a:t>注册到注入器。</a:t>
+            </a:r>
+            <a:endParaRPr lang="zh-CN" altLang="en-US" b="0" i="0" dirty="0">
+              <a:solidFill>
+                <a:srgbClr val="546E7A"/>
+              </a:solidFill>
+              <a:effectLst/>
+              <a:latin typeface="Helvetica Neue"/>
+            </a:endParaRPr>
+          </a:p>
+        </p:txBody>
+      </p:sp>
+    </p:spTree>
+    <p:extLst>
+      <p:ext uri="{BB962C8B-B14F-4D97-AF65-F5344CB8AC3E}">
+        <p14:creationId xmlns:p14="http://schemas.microsoft.com/office/powerpoint/2010/main" val="2443509130"/>
+      </p:ext>
+    </p:extLst>
+  </p:cSld>
+  <p:clrMapOvr>
+    <a:masterClrMapping/>
+  </p:clrMapOvr>
+</p:sld>
+</file>
+
+<file path=ppt/slides/slide11.xml><?xml version="1.0" encoding="utf-8"?>
+<p:sld xmlns:a="http://schemas.openxmlformats.org/drawingml/2006/main" xmlns:r="http://schemas.openxmlformats.org/officeDocument/2006/relationships" xmlns:p="http://schemas.openxmlformats.org/presentationml/2006/main">
+  <p:cSld>
+    <p:bg>
+      <p:bgPr>
+        <a:noFill/>
+        <a:effectLst/>
+      </p:bgPr>
+    </p:bg>
+    <p:spTree>
+      <p:nvGrpSpPr>
+        <p:cNvPr id="1" name=""/>
+        <p:cNvGrpSpPr/>
+        <p:nvPr/>
+      </p:nvGrpSpPr>
+      <p:grpSpPr>
+        <a:xfrm>
+          <a:off x="0" y="0"/>
+          <a:ext cx="0" cy="0"/>
+          <a:chOff x="0" y="0"/>
+          <a:chExt cx="0" cy="0"/>
+        </a:xfrm>
+      </p:grpSpPr>
+      <p:sp>
+        <p:nvSpPr>
+          <p:cNvPr id="3" name="标题 2"/>
+          <p:cNvSpPr>
+            <a:spLocks noGrp="1"/>
+          </p:cNvSpPr>
+          <p:nvPr>
+            <p:ph type="ctrTitle"/>
+          </p:nvPr>
+        </p:nvSpPr>
+        <p:spPr>
+          <a:xfrm>
+            <a:off x="1523929" y="254416"/>
+            <a:ext cx="9144000" cy="1039718"/>
+          </a:xfrm>
+        </p:spPr>
+        <p:txBody>
+          <a:bodyPr>
+            <a:normAutofit/>
+          </a:bodyPr>
+          <a:lstStyle/>
+          <a:p>
+            <a:r>
+              <a:rPr lang="zh-CN" altLang="en-US" b="1" dirty="0" smtClean="0"/>
+              <a:t>依赖注入</a:t>
+            </a:r>
+            <a:endParaRPr lang="zh-CN" altLang="en-US" b="1" dirty="0"/>
+          </a:p>
+        </p:txBody>
+      </p:sp>
+      <p:sp>
+        <p:nvSpPr>
+          <p:cNvPr id="4" name="Rectangle 2"/>
+          <p:cNvSpPr>
+            <a:spLocks noChangeArrowheads="1"/>
+          </p:cNvSpPr>
+          <p:nvPr/>
+        </p:nvSpPr>
+        <p:spPr bwMode="auto">
+          <a:xfrm>
+            <a:off x="734292" y="1630282"/>
+            <a:ext cx="3754581" cy="369332"/>
+          </a:xfrm>
+          <a:prstGeom prst="rect">
+            <a:avLst/>
+          </a:prstGeom>
+          <a:noFill/>
+          <a:ln>
+            <a:noFill/>
+          </a:ln>
+          <a:effectLst/>
+          <a:extLst>
+            <a:ext uri="{909E8E84-426E-40DD-AFC4-6F175D3DCCD1}">
+              <a14:hiddenFill xmlns:a14="http://schemas.microsoft.com/office/drawing/2010/main">
+                <a:solidFill>
+                  <a:schemeClr val="accent1"/>
+                </a:solidFill>
+              </a14:hiddenFill>
+            </a:ext>
+            <a:ext uri="{91240B29-F687-4F45-9708-019B960494DF}">
+              <a14:hiddenLine xmlns:a14="http://schemas.microsoft.com/office/drawing/2010/main" w="9525">
+                <a:solidFill>
+                  <a:schemeClr val="tx1"/>
+                </a:solidFill>
+                <a:miter lim="800000"/>
+                <a:headEnd/>
+                <a:tailEnd/>
+              </a14:hiddenLine>
+            </a:ext>
+            <a:ext uri="{AF507438-7753-43E0-B8FC-AC1667EBCBE1}">
+              <a14:hiddenEffects xmlns:a14="http://schemas.microsoft.com/office/drawing/2010/main">
+                <a:effectLst>
+                  <a:outerShdw dist="35921" dir="2700000" algn="ctr" rotWithShape="0">
+                    <a:schemeClr val="bg2"/>
+                  </a:outerShdw>
+                </a:effectLst>
+              </a14:hiddenEffects>
+            </a:ext>
+          </a:extLst>
+        </p:spPr>
+        <p:txBody>
+          <a:bodyPr vert="horz" wrap="square" lIns="0" tIns="0" rIns="0" bIns="0" numCol="1" anchor="ctr" anchorCtr="0" compatLnSpc="1">
+            <a:prstTxWarp prst="textNoShape">
+              <a:avLst/>
+            </a:prstTxWarp>
+            <a:spAutoFit/>
+          </a:bodyPr>
+          <a:lstStyle/>
+          <a:p>
+            <a:pPr marL="0" marR="0" lvl="0" indent="0" algn="l" defTabSz="914400" rtl="0" eaLnBrk="0" fontAlgn="base" latinLnBrk="0" hangingPunct="0">
+              <a:lnSpc>
+                <a:spcPct val="100000"/>
+              </a:lnSpc>
+              <a:spcBef>
+                <a:spcPct val="0"/>
+              </a:spcBef>
+              <a:spcAft>
+                <a:spcPct val="0"/>
+              </a:spcAft>
+              <a:buClrTx/>
+              <a:buSzTx/>
+              <a:tabLst/>
+            </a:pPr>
+            <a:r>
+              <a:rPr kumimoji="0" lang="zh-CN" altLang="zh-CN" sz="2400" b="0" i="0" u="none" strike="noStrike" cap="none" normalizeH="0" baseline="0" dirty="0" smtClean="0">
+                <a:ln>
+                  <a:noFill/>
+                </a:ln>
+                <a:solidFill>
+                  <a:srgbClr val="00796B"/>
+                </a:solidFill>
+                <a:effectLst/>
+                <a:latin typeface="Arial Unicode MS" panose="020B0604020202020204" pitchFamily="34" charset="-122"/>
+                <a:ea typeface="Monaco"/>
+              </a:rPr>
+              <a:t>@Injectable</a:t>
+            </a:r>
+            <a:r>
+              <a:rPr kumimoji="0" lang="zh-CN" altLang="zh-CN" sz="2400" b="0" i="0" u="none" strike="noStrike" cap="none" normalizeH="0" baseline="0" dirty="0" smtClean="0">
+                <a:ln>
+                  <a:noFill/>
+                </a:ln>
+                <a:solidFill>
                   <a:srgbClr val="455A64"/>
                 </a:solidFill>
+                <a:effectLst/>
+                <a:latin typeface="Arial Unicode MS" panose="020B0604020202020204" pitchFamily="34" charset="-122"/>
+                <a:ea typeface="Monaco"/>
+              </a:rPr>
+              <a:t>()</a:t>
+            </a:r>
+            <a:endParaRPr kumimoji="0" lang="zh-CN" altLang="zh-CN" sz="2000" b="0" i="0" u="none" strike="noStrike" cap="none" normalizeH="0" baseline="0" dirty="0" smtClean="0">
+              <a:ln>
+                <a:noFill/>
+              </a:ln>
+              <a:solidFill>
+                <a:srgbClr val="B0BEC5"/>
+              </a:solidFill>
+              <a:effectLst/>
+              <a:ea typeface="Monaco"/>
+            </a:endParaRPr>
+          </a:p>
+        </p:txBody>
+      </p:sp>
+      <p:sp>
+        <p:nvSpPr>
+          <p:cNvPr id="5" name="矩形 4"/>
+          <p:cNvSpPr/>
+          <p:nvPr/>
+        </p:nvSpPr>
+        <p:spPr>
+          <a:xfrm>
+            <a:off x="734291" y="2139802"/>
+            <a:ext cx="11028217" cy="369332"/>
+          </a:xfrm>
+          <a:prstGeom prst="rect">
+            <a:avLst/>
+          </a:prstGeom>
+        </p:spPr>
+        <p:txBody>
+          <a:bodyPr wrap="square">
+            <a:spAutoFit/>
+          </a:bodyPr>
+          <a:lstStyle/>
+          <a:p>
+            <a:r>
+              <a:rPr lang="en-US" altLang="zh-CN" dirty="0" smtClean="0">
+                <a:solidFill>
+                  <a:srgbClr val="546E7A"/>
+                </a:solidFill>
                 <a:latin typeface="Helvetica Neue"/>
               </a:rPr>
-              <a:t>模板驱动式表</a:t>
+              <a:t>Angular </a:t>
+            </a:r>
+            <a:r>
+              <a:rPr lang="en-US" altLang="zh-CN" dirty="0">
+                <a:solidFill>
+                  <a:srgbClr val="546E7A"/>
+                </a:solidFill>
+                <a:latin typeface="Helvetica Neue"/>
+              </a:rPr>
+              <a:t>creates an application-wide injector for you during the bootstrap process.</a:t>
+            </a:r>
+            <a:endParaRPr lang="zh-CN" altLang="en-US" dirty="0"/>
+          </a:p>
+        </p:txBody>
+      </p:sp>
+      <p:sp>
+        <p:nvSpPr>
+          <p:cNvPr id="8" name="矩形 7"/>
+          <p:cNvSpPr/>
+          <p:nvPr/>
+        </p:nvSpPr>
+        <p:spPr>
+          <a:xfrm>
+            <a:off x="734290" y="2649322"/>
+            <a:ext cx="11249891" cy="646331"/>
+          </a:xfrm>
+          <a:prstGeom prst="rect">
+            <a:avLst/>
+          </a:prstGeom>
+        </p:spPr>
+        <p:txBody>
+          <a:bodyPr wrap="square">
+            <a:spAutoFit/>
+          </a:bodyPr>
+          <a:lstStyle/>
+          <a:p>
+            <a:r>
+              <a:rPr lang="en-US" altLang="zh-CN" b="1" dirty="0" err="1" smtClean="0">
+                <a:solidFill>
+                  <a:srgbClr val="546E7A"/>
+                </a:solidFill>
+                <a:latin typeface="Helvetica Neue"/>
+              </a:rPr>
+              <a:t>NgModule</a:t>
+            </a:r>
+            <a:r>
+              <a:rPr lang="en-US" altLang="zh-CN" b="1" dirty="0" smtClean="0">
+                <a:solidFill>
+                  <a:srgbClr val="546E7A"/>
+                </a:solidFill>
+                <a:latin typeface="Helvetica Neue"/>
+              </a:rPr>
+              <a:t>/</a:t>
             </a:r>
             <a:r>
               <a:rPr lang="zh-CN" altLang="en-US" b="1" dirty="0" smtClean="0">
                 <a:solidFill>
+                  <a:srgbClr val="546E7A"/>
+                </a:solidFill>
+                <a:latin typeface="Helvetica Neue"/>
+              </a:rPr>
+              <a:t>组件  </a:t>
+            </a:r>
+            <a:endParaRPr lang="en-US" altLang="zh-CN" b="1" dirty="0" smtClean="0">
+              <a:solidFill>
+                <a:srgbClr val="546E7A"/>
+              </a:solidFill>
+              <a:latin typeface="Helvetica Neue"/>
+            </a:endParaRPr>
+          </a:p>
+          <a:p>
+            <a:r>
+              <a:rPr lang="en-US" altLang="zh-CN" b="1" dirty="0" smtClean="0">
+                <a:solidFill>
+                  <a:srgbClr val="546E7A"/>
+                </a:solidFill>
+                <a:latin typeface="Helvetica Neue"/>
+              </a:rPr>
+              <a:t>https</a:t>
+            </a:r>
+            <a:r>
+              <a:rPr lang="en-US" altLang="zh-CN" b="1" dirty="0">
+                <a:solidFill>
+                  <a:srgbClr val="546E7A"/>
+                </a:solidFill>
+                <a:latin typeface="Helvetica Neue"/>
+              </a:rPr>
+              <a:t>://angular.cn/docs/ts/latest/cookbook/ngmodule-faq.html#!#q-root-component-or-module</a:t>
+            </a:r>
+            <a:endParaRPr lang="en-US" altLang="zh-CN" b="1" i="0" dirty="0">
+              <a:solidFill>
+                <a:srgbClr val="546E7A"/>
+              </a:solidFill>
+              <a:effectLst/>
+              <a:latin typeface="Helvetica Neue"/>
+            </a:endParaRPr>
+          </a:p>
+        </p:txBody>
+      </p:sp>
+      <p:sp>
+        <p:nvSpPr>
+          <p:cNvPr id="9" name="Rectangle 3"/>
+          <p:cNvSpPr>
+            <a:spLocks noChangeArrowheads="1"/>
+          </p:cNvSpPr>
+          <p:nvPr/>
+        </p:nvSpPr>
+        <p:spPr bwMode="auto">
+          <a:xfrm>
+            <a:off x="734290" y="3530997"/>
+            <a:ext cx="10475945" cy="461665"/>
+          </a:xfrm>
+          <a:prstGeom prst="rect">
+            <a:avLst/>
+          </a:prstGeom>
+          <a:solidFill>
+            <a:srgbClr val="FFFFFF"/>
+          </a:solidFill>
+          <a:ln>
+            <a:noFill/>
+          </a:ln>
+          <a:effectLst/>
+          <a:extLst>
+            <a:ext uri="{91240B29-F687-4F45-9708-019B960494DF}">
+              <a14:hiddenLine xmlns:a14="http://schemas.microsoft.com/office/drawing/2010/main" w="9525">
+                <a:solidFill>
+                  <a:schemeClr val="tx1"/>
+                </a:solidFill>
+                <a:miter lim="800000"/>
+                <a:headEnd/>
+                <a:tailEnd/>
+              </a14:hiddenLine>
+            </a:ext>
+            <a:ext uri="{AF507438-7753-43E0-B8FC-AC1667EBCBE1}">
+              <a14:hiddenEffects xmlns:a14="http://schemas.microsoft.com/office/drawing/2010/main">
+                <a:effectLst>
+                  <a:outerShdw dist="35921" dir="2700000" algn="ctr" rotWithShape="0">
+                    <a:schemeClr val="bg2"/>
+                  </a:outerShdw>
+                </a:effectLst>
+              </a14:hiddenEffects>
+            </a:ext>
+          </a:extLst>
+        </p:spPr>
+        <p:txBody>
+          <a:bodyPr vert="horz" wrap="none" lIns="91440" tIns="45720" rIns="91440" bIns="45720" numCol="1" anchor="ctr" anchorCtr="0" compatLnSpc="1">
+            <a:prstTxWarp prst="textNoShape">
+              <a:avLst/>
+            </a:prstTxWarp>
+            <a:spAutoFit/>
+          </a:bodyPr>
+          <a:lstStyle>
+            <a:lvl1pPr eaLnBrk="0" fontAlgn="base" hangingPunct="0">
+              <a:spcBef>
+                <a:spcPct val="0"/>
+              </a:spcBef>
+              <a:spcAft>
+                <a:spcPct val="0"/>
+              </a:spcAft>
+              <a:defRPr>
+                <a:solidFill>
+                  <a:schemeClr val="tx1"/>
+                </a:solidFill>
+                <a:latin typeface="Arial" panose="020B0604020202020204" pitchFamily="34" charset="0"/>
+              </a:defRPr>
+            </a:lvl1pPr>
+            <a:lvl2pPr eaLnBrk="0" fontAlgn="base" hangingPunct="0">
+              <a:spcBef>
+                <a:spcPct val="0"/>
+              </a:spcBef>
+              <a:spcAft>
+                <a:spcPct val="0"/>
+              </a:spcAft>
+              <a:defRPr>
+                <a:solidFill>
+                  <a:schemeClr val="tx1"/>
+                </a:solidFill>
+                <a:latin typeface="Arial" panose="020B0604020202020204" pitchFamily="34" charset="0"/>
+              </a:defRPr>
+            </a:lvl2pPr>
+            <a:lvl3pPr eaLnBrk="0" fontAlgn="base" hangingPunct="0">
+              <a:spcBef>
+                <a:spcPct val="0"/>
+              </a:spcBef>
+              <a:spcAft>
+                <a:spcPct val="0"/>
+              </a:spcAft>
+              <a:defRPr>
+                <a:solidFill>
+                  <a:schemeClr val="tx1"/>
+                </a:solidFill>
+                <a:latin typeface="Arial" panose="020B0604020202020204" pitchFamily="34" charset="0"/>
+              </a:defRPr>
+            </a:lvl3pPr>
+            <a:lvl4pPr eaLnBrk="0" fontAlgn="base" hangingPunct="0">
+              <a:spcBef>
+                <a:spcPct val="0"/>
+              </a:spcBef>
+              <a:spcAft>
+                <a:spcPct val="0"/>
+              </a:spcAft>
+              <a:defRPr>
+                <a:solidFill>
+                  <a:schemeClr val="tx1"/>
+                </a:solidFill>
+                <a:latin typeface="Arial" panose="020B0604020202020204" pitchFamily="34" charset="0"/>
+              </a:defRPr>
+            </a:lvl4pPr>
+            <a:lvl5pPr eaLnBrk="0" fontAlgn="base" hangingPunct="0">
+              <a:spcBef>
+                <a:spcPct val="0"/>
+              </a:spcBef>
+              <a:spcAft>
+                <a:spcPct val="0"/>
+              </a:spcAft>
+              <a:defRPr>
+                <a:solidFill>
+                  <a:schemeClr val="tx1"/>
+                </a:solidFill>
+                <a:latin typeface="Arial" panose="020B0604020202020204" pitchFamily="34" charset="0"/>
+              </a:defRPr>
+            </a:lvl5pPr>
+            <a:lvl6pPr eaLnBrk="0" fontAlgn="base" hangingPunct="0">
+              <a:spcBef>
+                <a:spcPct val="0"/>
+              </a:spcBef>
+              <a:spcAft>
+                <a:spcPct val="0"/>
+              </a:spcAft>
+              <a:defRPr>
+                <a:solidFill>
+                  <a:schemeClr val="tx1"/>
+                </a:solidFill>
+                <a:latin typeface="Arial" panose="020B0604020202020204" pitchFamily="34" charset="0"/>
+              </a:defRPr>
+            </a:lvl6pPr>
+            <a:lvl7pPr eaLnBrk="0" fontAlgn="base" hangingPunct="0">
+              <a:spcBef>
+                <a:spcPct val="0"/>
+              </a:spcBef>
+              <a:spcAft>
+                <a:spcPct val="0"/>
+              </a:spcAft>
+              <a:defRPr>
+                <a:solidFill>
+                  <a:schemeClr val="tx1"/>
+                </a:solidFill>
+                <a:latin typeface="Arial" panose="020B0604020202020204" pitchFamily="34" charset="0"/>
+              </a:defRPr>
+            </a:lvl7pPr>
+            <a:lvl8pPr eaLnBrk="0" fontAlgn="base" hangingPunct="0">
+              <a:spcBef>
+                <a:spcPct val="0"/>
+              </a:spcBef>
+              <a:spcAft>
+                <a:spcPct val="0"/>
+              </a:spcAft>
+              <a:defRPr>
+                <a:solidFill>
+                  <a:schemeClr val="tx1"/>
+                </a:solidFill>
+                <a:latin typeface="Arial" panose="020B0604020202020204" pitchFamily="34" charset="0"/>
+              </a:defRPr>
+            </a:lvl8pPr>
+            <a:lvl9pPr eaLnBrk="0" fontAlgn="base" hangingPunct="0">
+              <a:spcBef>
+                <a:spcPct val="0"/>
+              </a:spcBef>
+              <a:spcAft>
+                <a:spcPct val="0"/>
+              </a:spcAft>
+              <a:defRPr>
+                <a:solidFill>
+                  <a:schemeClr val="tx1"/>
+                </a:solidFill>
+                <a:latin typeface="Arial" panose="020B0604020202020204" pitchFamily="34" charset="0"/>
+              </a:defRPr>
+            </a:lvl9pPr>
+          </a:lstStyle>
+          <a:p>
+            <a:pPr marL="0" marR="0" lvl="0" indent="0" algn="l" defTabSz="914400" rtl="0" eaLnBrk="0" fontAlgn="base" latinLnBrk="0" hangingPunct="0">
+              <a:lnSpc>
+                <a:spcPct val="100000"/>
+              </a:lnSpc>
+              <a:spcBef>
+                <a:spcPct val="0"/>
+              </a:spcBef>
+              <a:spcAft>
+                <a:spcPct val="0"/>
+              </a:spcAft>
+              <a:buClrTx/>
+              <a:buSzTx/>
+              <a:buFontTx/>
+              <a:buNone/>
+              <a:tabLst/>
+            </a:pPr>
+            <a:r>
+              <a:rPr kumimoji="0" lang="zh-CN" altLang="zh-CN" sz="1600" b="0" i="0" u="none" strike="noStrike" cap="none" normalizeH="0" baseline="0" dirty="0" smtClean="0">
+                <a:ln>
+                  <a:noFill/>
+                </a:ln>
+                <a:solidFill>
+                  <a:srgbClr val="00796B"/>
+                </a:solidFill>
+                <a:effectLst/>
+                <a:latin typeface="Arial Unicode MS" panose="020B0604020202020204" pitchFamily="34" charset="-122"/>
+                <a:ea typeface="Monaco"/>
+              </a:rPr>
+              <a:t>@Component</a:t>
+            </a:r>
+            <a:r>
+              <a:rPr kumimoji="0" lang="zh-CN" altLang="zh-CN" sz="2400" b="0" i="0" u="none" strike="noStrike" cap="none" normalizeH="0" baseline="0" dirty="0" smtClean="0">
+                <a:ln>
+                  <a:noFill/>
+                </a:ln>
+                <a:solidFill>
+                  <a:srgbClr val="546E7A"/>
+                </a:solidFill>
+                <a:effectLst/>
+                <a:ea typeface="Helvetica Neue"/>
+              </a:rPr>
+              <a:t>（和随后将会学到的</a:t>
+            </a:r>
+            <a:r>
+              <a:rPr kumimoji="0" lang="zh-CN" altLang="zh-CN" sz="1600" b="0" i="0" u="none" strike="noStrike" cap="none" normalizeH="0" baseline="0" dirty="0" smtClean="0">
+                <a:ln>
+                  <a:noFill/>
+                </a:ln>
+                <a:solidFill>
+                  <a:srgbClr val="00796B"/>
+                </a:solidFill>
+                <a:effectLst/>
+                <a:latin typeface="Arial Unicode MS" panose="020B0604020202020204" pitchFamily="34" charset="-122"/>
+                <a:ea typeface="Monaco"/>
+              </a:rPr>
+              <a:t>@Directive</a:t>
+            </a:r>
+            <a:r>
+              <a:rPr kumimoji="0" lang="zh-CN" altLang="zh-CN" sz="2400" b="0" i="0" u="none" strike="noStrike" cap="none" normalizeH="0" baseline="0" dirty="0" smtClean="0">
+                <a:ln>
+                  <a:noFill/>
+                </a:ln>
+                <a:solidFill>
+                  <a:srgbClr val="546E7A"/>
+                </a:solidFill>
+                <a:effectLst/>
+                <a:ea typeface="Helvetica Neue"/>
+              </a:rPr>
+              <a:t>和</a:t>
+            </a:r>
+            <a:r>
+              <a:rPr kumimoji="0" lang="zh-CN" altLang="zh-CN" sz="1600" b="0" i="0" u="none" strike="noStrike" cap="none" normalizeH="0" baseline="0" dirty="0" smtClean="0">
+                <a:ln>
+                  <a:noFill/>
+                </a:ln>
+                <a:solidFill>
+                  <a:srgbClr val="00796B"/>
+                </a:solidFill>
+                <a:effectLst/>
+                <a:latin typeface="Arial Unicode MS" panose="020B0604020202020204" pitchFamily="34" charset="-122"/>
+                <a:ea typeface="Monaco"/>
+              </a:rPr>
+              <a:t>@Pipe</a:t>
+            </a:r>
+            <a:r>
+              <a:rPr kumimoji="0" lang="zh-CN" altLang="zh-CN" sz="2400" b="0" i="0" u="none" strike="noStrike" cap="none" normalizeH="0" baseline="0" dirty="0" smtClean="0">
+                <a:ln>
+                  <a:noFill/>
+                </a:ln>
+                <a:solidFill>
+                  <a:srgbClr val="546E7A"/>
+                </a:solidFill>
+                <a:effectLst/>
+                <a:ea typeface="Helvetica Neue"/>
+              </a:rPr>
+              <a:t>一样）是 </a:t>
+            </a:r>
+            <a:r>
+              <a:rPr kumimoji="0" lang="zh-CN" altLang="zh-CN" sz="2400" b="0" i="0" u="none" strike="noStrike" cap="none" normalizeH="0" baseline="0" dirty="0" smtClean="0">
+                <a:ln>
+                  <a:noFill/>
+                </a:ln>
+                <a:solidFill>
+                  <a:srgbClr val="1976D2"/>
+                </a:solidFill>
+                <a:effectLst/>
+                <a:ea typeface="Helvetica Neue"/>
+                <a:hlinkClick r:id="rId2"/>
+              </a:rPr>
+              <a:t>Injectable</a:t>
+            </a:r>
+            <a:r>
+              <a:rPr kumimoji="0" lang="zh-CN" altLang="zh-CN" sz="2400" b="0" i="0" u="none" strike="noStrike" cap="none" normalizeH="0" baseline="0" dirty="0" smtClean="0">
+                <a:ln>
+                  <a:noFill/>
+                </a:ln>
+                <a:solidFill>
+                  <a:srgbClr val="546E7A"/>
+                </a:solidFill>
+                <a:effectLst/>
+                <a:ea typeface="Helvetica Neue"/>
+              </a:rPr>
+              <a:t> 的子类型。</a:t>
+            </a:r>
+            <a:r>
+              <a:rPr kumimoji="0" lang="zh-CN" altLang="zh-CN" sz="2000" b="0" i="0" u="none" strike="noStrike" cap="none" normalizeH="0" baseline="0" dirty="0" smtClean="0">
+                <a:ln>
+                  <a:noFill/>
+                </a:ln>
+                <a:solidFill>
+                  <a:schemeClr val="tx1"/>
+                </a:solidFill>
+                <a:effectLst/>
+                <a:latin typeface="Arial" panose="020B0604020202020204" pitchFamily="34" charset="0"/>
+              </a:rPr>
+              <a:t> </a:t>
+            </a:r>
+            <a:endParaRPr kumimoji="0" lang="zh-CN" altLang="zh-CN" sz="3600" b="0" i="0" u="none" strike="noStrike" cap="none" normalizeH="0" baseline="0" dirty="0" smtClean="0">
+              <a:ln>
+                <a:noFill/>
+              </a:ln>
+              <a:solidFill>
+                <a:schemeClr val="tx1"/>
+              </a:solidFill>
+              <a:effectLst/>
+              <a:latin typeface="Arial" panose="020B0604020202020204" pitchFamily="34" charset="0"/>
+            </a:endParaRPr>
+          </a:p>
+        </p:txBody>
+      </p:sp>
+      <p:sp>
+        <p:nvSpPr>
+          <p:cNvPr id="10" name="矩形 9"/>
+          <p:cNvSpPr/>
+          <p:nvPr/>
+        </p:nvSpPr>
+        <p:spPr>
+          <a:xfrm>
+            <a:off x="734290" y="4228007"/>
+            <a:ext cx="1579278" cy="369332"/>
+          </a:xfrm>
+          <a:prstGeom prst="rect">
+            <a:avLst/>
+          </a:prstGeom>
+        </p:spPr>
+        <p:txBody>
+          <a:bodyPr wrap="none">
+            <a:spAutoFit/>
+          </a:bodyPr>
+          <a:lstStyle/>
+          <a:p>
+            <a:r>
+              <a:rPr lang="zh-CN" altLang="en-US" b="1" dirty="0">
+                <a:solidFill>
+                  <a:srgbClr val="546E7A"/>
+                </a:solidFill>
+                <a:latin typeface="Helvetica Neue"/>
+              </a:rPr>
+              <a:t>别名类提供商</a:t>
+            </a:r>
+            <a:endParaRPr lang="zh-CN" altLang="en-US" b="1" i="0" dirty="0">
+              <a:solidFill>
+                <a:srgbClr val="546E7A"/>
+              </a:solidFill>
+              <a:effectLst/>
+              <a:latin typeface="Helvetica Neue"/>
+            </a:endParaRPr>
+          </a:p>
+        </p:txBody>
+      </p:sp>
+      <p:sp>
+        <p:nvSpPr>
+          <p:cNvPr id="11" name="Rectangle 4"/>
+          <p:cNvSpPr>
+            <a:spLocks noChangeArrowheads="1"/>
+          </p:cNvSpPr>
+          <p:nvPr/>
+        </p:nvSpPr>
+        <p:spPr bwMode="auto">
+          <a:xfrm>
+            <a:off x="734290" y="4743174"/>
+            <a:ext cx="4332917" cy="369332"/>
+          </a:xfrm>
+          <a:prstGeom prst="rect">
+            <a:avLst/>
+          </a:prstGeom>
+          <a:solidFill>
+            <a:srgbClr val="FFFFFF"/>
+          </a:solidFill>
+          <a:ln>
+            <a:noFill/>
+          </a:ln>
+          <a:effectLst/>
+          <a:extLst>
+            <a:ext uri="{91240B29-F687-4F45-9708-019B960494DF}">
+              <a14:hiddenLine xmlns:a14="http://schemas.microsoft.com/office/drawing/2010/main" w="9525">
+                <a:solidFill>
+                  <a:schemeClr val="tx1"/>
+                </a:solidFill>
+                <a:miter lim="800000"/>
+                <a:headEnd/>
+                <a:tailEnd/>
+              </a14:hiddenLine>
+            </a:ext>
+            <a:ext uri="{AF507438-7753-43E0-B8FC-AC1667EBCBE1}">
+              <a14:hiddenEffects xmlns:a14="http://schemas.microsoft.com/office/drawing/2010/main">
+                <a:effectLst>
+                  <a:outerShdw dist="35921" dir="2700000" algn="ctr" rotWithShape="0">
+                    <a:schemeClr val="bg2"/>
+                  </a:outerShdw>
+                </a:effectLst>
+              </a14:hiddenEffects>
+            </a:ext>
+          </a:extLst>
+        </p:spPr>
+        <p:txBody>
+          <a:bodyPr vert="horz" wrap="none" lIns="0" tIns="0" rIns="0" bIns="0" numCol="1" anchor="ctr" anchorCtr="0" compatLnSpc="1">
+            <a:prstTxWarp prst="textNoShape">
+              <a:avLst/>
+            </a:prstTxWarp>
+            <a:spAutoFit/>
+          </a:bodyPr>
+          <a:lstStyle/>
+          <a:p>
+            <a:pPr marL="0" marR="0" lvl="0" indent="0" algn="l" defTabSz="914400" rtl="0" eaLnBrk="0" fontAlgn="base" latinLnBrk="0" hangingPunct="0">
+              <a:lnSpc>
+                <a:spcPct val="100000"/>
+              </a:lnSpc>
+              <a:spcBef>
+                <a:spcPct val="0"/>
+              </a:spcBef>
+              <a:spcAft>
+                <a:spcPct val="0"/>
+              </a:spcAft>
+              <a:buClrTx/>
+              <a:buSzTx/>
+              <a:buFontTx/>
+              <a:buNone/>
+              <a:tabLst/>
+            </a:pPr>
+            <a:r>
+              <a:rPr kumimoji="0" lang="zh-CN" altLang="zh-CN" sz="1600" b="0" i="0" u="none" strike="noStrike" cap="none" normalizeH="0" baseline="0" dirty="0" smtClean="0">
+                <a:ln>
+                  <a:noFill/>
+                </a:ln>
+                <a:solidFill>
                   <a:srgbClr val="455A64"/>
                 </a:solidFill>
+                <a:effectLst/>
+                <a:latin typeface="Arial Unicode MS" panose="020B0604020202020204" pitchFamily="34" charset="-122"/>
+                <a:ea typeface="Monaco"/>
+              </a:rPr>
+              <a:t>{ provide: </a:t>
+            </a:r>
+            <a:r>
+              <a:rPr kumimoji="0" lang="zh-CN" altLang="zh-CN" sz="1600" b="0" i="0" u="none" strike="noStrike" cap="none" normalizeH="0" baseline="0" dirty="0" smtClean="0">
+                <a:ln>
+                  <a:noFill/>
+                </a:ln>
+                <a:solidFill>
+                  <a:srgbClr val="D81B60"/>
+                </a:solidFill>
+                <a:effectLst/>
+                <a:latin typeface="Arial Unicode MS" panose="020B0604020202020204" pitchFamily="34" charset="-122"/>
+                <a:ea typeface="Monaco"/>
+              </a:rPr>
+              <a:t>OldLogger</a:t>
+            </a:r>
+            <a:r>
+              <a:rPr kumimoji="0" lang="zh-CN" altLang="zh-CN" sz="1600" b="0" i="0" u="none" strike="noStrike" cap="none" normalizeH="0" baseline="0" dirty="0" smtClean="0">
+                <a:ln>
+                  <a:noFill/>
+                </a:ln>
+                <a:solidFill>
+                  <a:srgbClr val="455A64"/>
+                </a:solidFill>
+                <a:effectLst/>
+                <a:latin typeface="Arial Unicode MS" panose="020B0604020202020204" pitchFamily="34" charset="-122"/>
+                <a:ea typeface="Monaco"/>
+              </a:rPr>
+              <a:t>, useExisting: </a:t>
+            </a:r>
+            <a:r>
+              <a:rPr kumimoji="0" lang="zh-CN" altLang="zh-CN" sz="1600" b="0" i="0" u="none" strike="noStrike" cap="none" normalizeH="0" baseline="0" dirty="0" smtClean="0">
+                <a:ln>
+                  <a:noFill/>
+                </a:ln>
+                <a:solidFill>
+                  <a:srgbClr val="D81B60"/>
+                </a:solidFill>
+                <a:effectLst/>
+                <a:latin typeface="Arial Unicode MS" panose="020B0604020202020204" pitchFamily="34" charset="-122"/>
+                <a:ea typeface="Monaco"/>
+              </a:rPr>
+              <a:t>NewLogger</a:t>
+            </a:r>
+            <a:r>
+              <a:rPr kumimoji="0" lang="zh-CN" altLang="zh-CN" sz="1600" b="0" i="0" u="none" strike="noStrike" cap="none" normalizeH="0" baseline="0" dirty="0" smtClean="0">
+                <a:ln>
+                  <a:noFill/>
+                </a:ln>
+                <a:solidFill>
+                  <a:srgbClr val="455A64"/>
+                </a:solidFill>
+                <a:effectLst/>
+                <a:latin typeface="Arial Unicode MS" panose="020B0604020202020204" pitchFamily="34" charset="-122"/>
+                <a:ea typeface="Monaco"/>
+              </a:rPr>
+              <a:t>}</a:t>
+            </a:r>
+            <a:r>
+              <a:rPr kumimoji="0" lang="zh-CN" altLang="zh-CN" sz="2400" b="0" i="0" u="none" strike="noStrike" cap="none" normalizeH="0" baseline="0" dirty="0" smtClean="0">
+                <a:ln>
+                  <a:noFill/>
+                </a:ln>
+                <a:solidFill>
+                  <a:schemeClr val="tx1"/>
+                </a:solidFill>
+                <a:effectLst/>
+              </a:rPr>
+              <a:t> </a:t>
+            </a:r>
+            <a:endParaRPr kumimoji="0" lang="zh-CN" altLang="zh-CN" sz="4000" b="0" i="0" u="none" strike="noStrike" cap="none" normalizeH="0" baseline="0" dirty="0" smtClean="0">
+              <a:ln>
+                <a:noFill/>
+              </a:ln>
+              <a:solidFill>
+                <a:schemeClr val="tx1"/>
+              </a:solidFill>
+              <a:effectLst/>
+              <a:latin typeface="Arial" panose="020B0604020202020204" pitchFamily="34" charset="0"/>
+            </a:endParaRPr>
+          </a:p>
+        </p:txBody>
+      </p:sp>
+      <p:sp>
+        <p:nvSpPr>
+          <p:cNvPr id="12" name="矩形 11"/>
+          <p:cNvSpPr/>
+          <p:nvPr/>
+        </p:nvSpPr>
+        <p:spPr>
+          <a:xfrm>
+            <a:off x="734290" y="5258341"/>
+            <a:ext cx="1114408" cy="369332"/>
+          </a:xfrm>
+          <a:prstGeom prst="rect">
+            <a:avLst/>
+          </a:prstGeom>
+        </p:spPr>
+        <p:txBody>
+          <a:bodyPr wrap="none">
+            <a:spAutoFit/>
+          </a:bodyPr>
+          <a:lstStyle/>
+          <a:p>
+            <a:r>
+              <a:rPr lang="zh-CN" altLang="en-US" b="1" dirty="0">
+                <a:solidFill>
+                  <a:srgbClr val="546E7A"/>
+                </a:solidFill>
                 <a:latin typeface="Helvetica Neue"/>
               </a:rPr>
-              <a:t>单</a:t>
-            </a:r>
-            <a:endParaRPr lang="en-US" altLang="zh-CN" dirty="0" smtClean="0">
+              <a:t>值提供商</a:t>
+            </a:r>
+            <a:endParaRPr lang="zh-CN" altLang="en-US" b="1" i="0" dirty="0">
+              <a:solidFill>
+                <a:srgbClr val="546E7A"/>
+              </a:solidFill>
+              <a:effectLst/>
+              <a:latin typeface="Helvetica Neue"/>
+            </a:endParaRPr>
+          </a:p>
+        </p:txBody>
+      </p:sp>
+      <p:sp>
+        <p:nvSpPr>
+          <p:cNvPr id="14" name="矩形 13"/>
+          <p:cNvSpPr/>
+          <p:nvPr/>
+        </p:nvSpPr>
+        <p:spPr>
+          <a:xfrm>
+            <a:off x="734290" y="5773508"/>
+            <a:ext cx="2056973" cy="369332"/>
+          </a:xfrm>
+          <a:prstGeom prst="rect">
+            <a:avLst/>
+          </a:prstGeom>
+        </p:spPr>
+        <p:txBody>
+          <a:bodyPr wrap="none">
+            <a:spAutoFit/>
+          </a:bodyPr>
+          <a:lstStyle/>
+          <a:p>
+            <a:r>
+              <a:rPr lang="zh-CN" altLang="en-US" b="1" dirty="0" smtClean="0">
+                <a:solidFill>
+                  <a:srgbClr val="546E7A"/>
+                </a:solidFill>
+                <a:latin typeface="Helvetica Neue"/>
+              </a:rPr>
+              <a:t>* </a:t>
+            </a:r>
+            <a:r>
+              <a:rPr lang="en-US" altLang="zh-CN" b="1" dirty="0" err="1" smtClean="0">
+                <a:solidFill>
+                  <a:srgbClr val="546E7A"/>
+                </a:solidFill>
+                <a:latin typeface="Helvetica Neue"/>
+              </a:rPr>
+              <a:t>InjectionToken</a:t>
+            </a:r>
+            <a:endParaRPr lang="en-US" altLang="zh-CN" b="1" i="0" dirty="0">
+              <a:solidFill>
+                <a:srgbClr val="546E7A"/>
+              </a:solidFill>
+              <a:effectLst/>
+              <a:latin typeface="Helvetica Neue"/>
+            </a:endParaRPr>
+          </a:p>
+        </p:txBody>
+      </p:sp>
+      <p:sp>
+        <p:nvSpPr>
+          <p:cNvPr id="15" name="矩形 14"/>
+          <p:cNvSpPr/>
+          <p:nvPr/>
+        </p:nvSpPr>
+        <p:spPr>
+          <a:xfrm>
+            <a:off x="735243" y="6339312"/>
+            <a:ext cx="1348446" cy="369332"/>
+          </a:xfrm>
+          <a:prstGeom prst="rect">
+            <a:avLst/>
+          </a:prstGeom>
+        </p:spPr>
+        <p:txBody>
+          <a:bodyPr wrap="none">
+            <a:spAutoFit/>
+          </a:bodyPr>
+          <a:lstStyle/>
+          <a:p>
+            <a:r>
+              <a:rPr lang="en-US" altLang="zh-CN" b="1" dirty="0" smtClean="0">
+                <a:solidFill>
+                  <a:srgbClr val="546E7A"/>
+                </a:solidFill>
+                <a:latin typeface="Helvetica Neue"/>
+              </a:rPr>
+              <a:t>* </a:t>
+            </a:r>
+            <a:r>
+              <a:rPr lang="zh-CN" altLang="en-US" b="1" dirty="0" smtClean="0">
+                <a:solidFill>
+                  <a:srgbClr val="546E7A"/>
+                </a:solidFill>
+                <a:latin typeface="Helvetica Neue"/>
+              </a:rPr>
+              <a:t>可选</a:t>
+            </a:r>
+            <a:r>
+              <a:rPr lang="zh-CN" altLang="en-US" b="1" dirty="0">
+                <a:solidFill>
+                  <a:srgbClr val="546E7A"/>
+                </a:solidFill>
+                <a:latin typeface="Helvetica Neue"/>
+              </a:rPr>
+              <a:t>依赖</a:t>
+            </a:r>
+            <a:endParaRPr lang="zh-CN" altLang="en-US" b="1" i="0" dirty="0">
+              <a:solidFill>
+                <a:srgbClr val="546E7A"/>
+              </a:solidFill>
+              <a:effectLst/>
+              <a:latin typeface="Helvetica Neue"/>
+            </a:endParaRPr>
+          </a:p>
+        </p:txBody>
+      </p:sp>
+    </p:spTree>
+    <p:extLst>
+      <p:ext uri="{BB962C8B-B14F-4D97-AF65-F5344CB8AC3E}">
+        <p14:creationId xmlns:p14="http://schemas.microsoft.com/office/powerpoint/2010/main" val="281291365"/>
+      </p:ext>
+    </p:extLst>
+  </p:cSld>
+  <p:clrMapOvr>
+    <a:masterClrMapping/>
+  </p:clrMapOvr>
+</p:sld>
+</file>
+
+<file path=ppt/slides/slide12.xml><?xml version="1.0" encoding="utf-8"?>
+<p:sld xmlns:a="http://schemas.openxmlformats.org/drawingml/2006/main" xmlns:r="http://schemas.openxmlformats.org/officeDocument/2006/relationships" xmlns:p="http://schemas.openxmlformats.org/presentationml/2006/main">
+  <p:cSld>
+    <p:bg>
+      <p:bgPr>
+        <a:noFill/>
+        <a:effectLst/>
+      </p:bgPr>
+    </p:bg>
+    <p:spTree>
+      <p:nvGrpSpPr>
+        <p:cNvPr id="1" name=""/>
+        <p:cNvGrpSpPr/>
+        <p:nvPr/>
+      </p:nvGrpSpPr>
+      <p:grpSpPr>
+        <a:xfrm>
+          <a:off x="0" y="0"/>
+          <a:ext cx="0" cy="0"/>
+          <a:chOff x="0" y="0"/>
+          <a:chExt cx="0" cy="0"/>
+        </a:xfrm>
+      </p:grpSpPr>
+      <p:sp>
+        <p:nvSpPr>
+          <p:cNvPr id="13" name="矩形 12"/>
+          <p:cNvSpPr/>
+          <p:nvPr/>
+        </p:nvSpPr>
+        <p:spPr>
+          <a:xfrm>
+            <a:off x="734290" y="356380"/>
+            <a:ext cx="1346844" cy="369332"/>
+          </a:xfrm>
+          <a:prstGeom prst="rect">
+            <a:avLst/>
+          </a:prstGeom>
+        </p:spPr>
+        <p:txBody>
+          <a:bodyPr wrap="none">
+            <a:spAutoFit/>
+          </a:bodyPr>
+          <a:lstStyle/>
+          <a:p>
+            <a:r>
+              <a:rPr lang="zh-CN" altLang="en-US" b="1" dirty="0">
+                <a:solidFill>
+                  <a:srgbClr val="546E7A"/>
+                </a:solidFill>
+                <a:latin typeface="Helvetica Neue"/>
+              </a:rPr>
+              <a:t>工厂提供商</a:t>
+            </a:r>
+            <a:endParaRPr lang="zh-CN" altLang="en-US" b="1" i="0" dirty="0">
+              <a:solidFill>
+                <a:srgbClr val="546E7A"/>
+              </a:solidFill>
+              <a:effectLst/>
+              <a:latin typeface="Helvetica Neue"/>
+            </a:endParaRPr>
+          </a:p>
+        </p:txBody>
+      </p:sp>
+      <p:sp>
+        <p:nvSpPr>
+          <p:cNvPr id="6" name="Rectangle 2"/>
+          <p:cNvSpPr>
+            <a:spLocks noChangeArrowheads="1"/>
+          </p:cNvSpPr>
+          <p:nvPr/>
+        </p:nvSpPr>
+        <p:spPr bwMode="auto">
+          <a:xfrm>
+            <a:off x="858981" y="815953"/>
+            <a:ext cx="8306761" cy="1107996"/>
+          </a:xfrm>
+          <a:prstGeom prst="rect">
+            <a:avLst/>
+          </a:prstGeom>
+          <a:solidFill>
+            <a:srgbClr val="FFFFFF"/>
+          </a:solidFill>
+          <a:ln>
+            <a:noFill/>
+          </a:ln>
+          <a:effectLst/>
+          <a:extLst>
+            <a:ext uri="{91240B29-F687-4F45-9708-019B960494DF}">
+              <a14:hiddenLine xmlns:a14="http://schemas.microsoft.com/office/drawing/2010/main" w="9525">
+                <a:solidFill>
+                  <a:schemeClr val="tx1"/>
+                </a:solidFill>
+                <a:miter lim="800000"/>
+                <a:headEnd/>
+                <a:tailEnd/>
+              </a14:hiddenLine>
+            </a:ext>
+            <a:ext uri="{AF507438-7753-43E0-B8FC-AC1667EBCBE1}">
+              <a14:hiddenEffects xmlns:a14="http://schemas.microsoft.com/office/drawing/2010/main">
+                <a:effectLst>
+                  <a:outerShdw dist="35921" dir="2700000" algn="ctr" rotWithShape="0">
+                    <a:schemeClr val="bg2"/>
+                  </a:outerShdw>
+                </a:effectLst>
+              </a14:hiddenEffects>
+            </a:ext>
+          </a:extLst>
+        </p:spPr>
+        <p:txBody>
+          <a:bodyPr vert="horz" wrap="none" lIns="0" tIns="0" rIns="0" bIns="0" numCol="1" anchor="ctr" anchorCtr="0" compatLnSpc="1">
+            <a:prstTxWarp prst="textNoShape">
+              <a:avLst/>
+            </a:prstTxWarp>
+            <a:spAutoFit/>
+          </a:bodyPr>
+          <a:lstStyle/>
+          <a:p>
+            <a:pPr marL="0" marR="0" lvl="0" indent="0" algn="l" defTabSz="914400" rtl="0" eaLnBrk="0" fontAlgn="base" latinLnBrk="0" hangingPunct="0">
+              <a:lnSpc>
+                <a:spcPct val="100000"/>
+              </a:lnSpc>
+              <a:spcBef>
+                <a:spcPct val="0"/>
+              </a:spcBef>
+              <a:spcAft>
+                <a:spcPct val="0"/>
+              </a:spcAft>
+              <a:buClrTx/>
+              <a:buSzTx/>
+              <a:buFontTx/>
+              <a:buNone/>
+              <a:tabLst/>
+            </a:pPr>
+            <a:r>
+              <a:rPr kumimoji="0" lang="zh-CN" altLang="zh-CN" sz="2000" b="0" i="0" u="none" strike="noStrike" cap="none" normalizeH="0" baseline="0" dirty="0" smtClean="0">
+                <a:ln>
+                  <a:noFill/>
+                </a:ln>
+                <a:solidFill>
+                  <a:srgbClr val="D81B60"/>
+                </a:solidFill>
+                <a:effectLst/>
+                <a:latin typeface="Arial Unicode MS" panose="020B0604020202020204" pitchFamily="34" charset="-122"/>
+                <a:ea typeface="Monaco"/>
+              </a:rPr>
+              <a:t>let</a:t>
+            </a:r>
+            <a:r>
+              <a:rPr kumimoji="0" lang="zh-CN" altLang="zh-CN" sz="2000" b="0" i="0" u="none" strike="noStrike" cap="none" normalizeH="0" baseline="0" dirty="0" smtClean="0">
+                <a:ln>
+                  <a:noFill/>
+                </a:ln>
+                <a:solidFill>
+                  <a:srgbClr val="455A64"/>
+                </a:solidFill>
+                <a:effectLst/>
+                <a:latin typeface="Arial Unicode MS" panose="020B0604020202020204" pitchFamily="34" charset="-122"/>
+                <a:ea typeface="Monaco"/>
+              </a:rPr>
+              <a:t> heroServiceFactory = (logger: </a:t>
+            </a:r>
+            <a:r>
+              <a:rPr kumimoji="0" lang="zh-CN" altLang="zh-CN" sz="2000" b="0" i="0" u="none" strike="noStrike" cap="none" normalizeH="0" baseline="0" dirty="0" smtClean="0">
+                <a:ln>
+                  <a:noFill/>
+                </a:ln>
+                <a:solidFill>
+                  <a:srgbClr val="D81B60"/>
+                </a:solidFill>
+                <a:effectLst/>
+                <a:latin typeface="Arial Unicode MS" panose="020B0604020202020204" pitchFamily="34" charset="-122"/>
+                <a:ea typeface="Monaco"/>
+              </a:rPr>
+              <a:t>Logger</a:t>
+            </a:r>
+            <a:r>
+              <a:rPr kumimoji="0" lang="zh-CN" altLang="zh-CN" sz="2000" b="0" i="0" u="none" strike="noStrike" cap="none" normalizeH="0" baseline="0" dirty="0" smtClean="0">
+                <a:ln>
+                  <a:noFill/>
+                </a:ln>
+                <a:solidFill>
+                  <a:srgbClr val="455A64"/>
+                </a:solidFill>
+                <a:effectLst/>
+                <a:latin typeface="Arial Unicode MS" panose="020B0604020202020204" pitchFamily="34" charset="-122"/>
+                <a:ea typeface="Monaco"/>
+              </a:rPr>
+              <a:t>, userService: </a:t>
+            </a:r>
+            <a:r>
+              <a:rPr kumimoji="0" lang="zh-CN" altLang="zh-CN" sz="2000" b="0" i="0" u="none" strike="noStrike" cap="none" normalizeH="0" baseline="0" dirty="0" smtClean="0">
+                <a:ln>
+                  <a:noFill/>
+                </a:ln>
+                <a:solidFill>
+                  <a:srgbClr val="D81B60"/>
+                </a:solidFill>
+                <a:effectLst/>
+                <a:latin typeface="Arial Unicode MS" panose="020B0604020202020204" pitchFamily="34" charset="-122"/>
+                <a:ea typeface="Monaco"/>
+              </a:rPr>
+              <a:t>UserService</a:t>
+            </a:r>
+            <a:r>
+              <a:rPr kumimoji="0" lang="zh-CN" altLang="zh-CN" sz="2000" b="0" i="0" u="none" strike="noStrike" cap="none" normalizeH="0" baseline="0" dirty="0" smtClean="0">
+                <a:ln>
+                  <a:noFill/>
+                </a:ln>
+                <a:solidFill>
+                  <a:srgbClr val="455A64"/>
+                </a:solidFill>
+                <a:effectLst/>
+                <a:latin typeface="Arial Unicode MS" panose="020B0604020202020204" pitchFamily="34" charset="-122"/>
+                <a:ea typeface="Monaco"/>
+              </a:rPr>
+              <a:t>) =&gt; { </a:t>
+            </a:r>
+            <a:endParaRPr kumimoji="0" lang="en-US" altLang="zh-CN" sz="2000" b="0" i="0" u="none" strike="noStrike" cap="none" normalizeH="0" baseline="0" dirty="0" smtClean="0">
+              <a:ln>
+                <a:noFill/>
+              </a:ln>
               <a:solidFill>
                 <a:srgbClr val="455A64"/>
               </a:solidFill>
-              <a:latin typeface="Helvetica Neue"/>
+              <a:effectLst/>
+              <a:latin typeface="Arial Unicode MS" panose="020B0604020202020204" pitchFamily="34" charset="-122"/>
+              <a:ea typeface="Monaco"/>
             </a:endParaRPr>
           </a:p>
           <a:p>
+            <a:pPr marL="0" marR="0" lvl="0" indent="0" algn="l" defTabSz="914400" rtl="0" eaLnBrk="0" fontAlgn="base" latinLnBrk="0" hangingPunct="0">
+              <a:lnSpc>
+                <a:spcPct val="100000"/>
+              </a:lnSpc>
+              <a:spcBef>
+                <a:spcPct val="0"/>
+              </a:spcBef>
+              <a:spcAft>
+                <a:spcPct val="0"/>
+              </a:spcAft>
+              <a:buClrTx/>
+              <a:buSzTx/>
+              <a:buFontTx/>
+              <a:buNone/>
+              <a:tabLst/>
+            </a:pPr>
+            <a:r>
+              <a:rPr kumimoji="0" lang="en-US" altLang="zh-CN" sz="2000" b="0" i="0" u="none" strike="noStrike" cap="none" normalizeH="0" baseline="0" dirty="0" smtClean="0">
+                <a:ln>
+                  <a:noFill/>
+                </a:ln>
+                <a:solidFill>
+                  <a:srgbClr val="D81B60"/>
+                </a:solidFill>
+                <a:effectLst/>
+                <a:latin typeface="Arial Unicode MS" panose="020B0604020202020204" pitchFamily="34" charset="-122"/>
+                <a:ea typeface="Monaco"/>
+              </a:rPr>
+              <a:t>	</a:t>
+            </a:r>
+            <a:r>
+              <a:rPr kumimoji="0" lang="zh-CN" altLang="zh-CN" sz="2000" b="0" i="0" u="none" strike="noStrike" cap="none" normalizeH="0" baseline="0" dirty="0" smtClean="0">
+                <a:ln>
+                  <a:noFill/>
+                </a:ln>
+                <a:solidFill>
+                  <a:srgbClr val="D81B60"/>
+                </a:solidFill>
+                <a:effectLst/>
+                <a:latin typeface="Arial Unicode MS" panose="020B0604020202020204" pitchFamily="34" charset="-122"/>
+                <a:ea typeface="Monaco"/>
+              </a:rPr>
+              <a:t>return</a:t>
+            </a:r>
+            <a:r>
+              <a:rPr kumimoji="0" lang="zh-CN" altLang="zh-CN" sz="2000" b="0" i="0" u="none" strike="noStrike" cap="none" normalizeH="0" baseline="0" dirty="0" smtClean="0">
+                <a:ln>
+                  <a:noFill/>
+                </a:ln>
+                <a:solidFill>
+                  <a:srgbClr val="455A64"/>
+                </a:solidFill>
+                <a:effectLst/>
+                <a:latin typeface="Arial Unicode MS" panose="020B0604020202020204" pitchFamily="34" charset="-122"/>
+                <a:ea typeface="Monaco"/>
+              </a:rPr>
+              <a:t> </a:t>
+            </a:r>
+            <a:r>
+              <a:rPr kumimoji="0" lang="zh-CN" altLang="zh-CN" sz="2000" b="0" i="0" u="none" strike="noStrike" cap="none" normalizeH="0" baseline="0" dirty="0" smtClean="0">
+                <a:ln>
+                  <a:noFill/>
+                </a:ln>
+                <a:solidFill>
+                  <a:srgbClr val="D81B60"/>
+                </a:solidFill>
+                <a:effectLst/>
+                <a:latin typeface="Arial Unicode MS" panose="020B0604020202020204" pitchFamily="34" charset="-122"/>
+                <a:ea typeface="Monaco"/>
+              </a:rPr>
+              <a:t>new</a:t>
+            </a:r>
+            <a:r>
+              <a:rPr kumimoji="0" lang="zh-CN" altLang="zh-CN" sz="2000" b="0" i="0" u="none" strike="noStrike" cap="none" normalizeH="0" baseline="0" dirty="0" smtClean="0">
+                <a:ln>
+                  <a:noFill/>
+                </a:ln>
+                <a:solidFill>
+                  <a:srgbClr val="455A64"/>
+                </a:solidFill>
+                <a:effectLst/>
+                <a:latin typeface="Arial Unicode MS" panose="020B0604020202020204" pitchFamily="34" charset="-122"/>
+                <a:ea typeface="Monaco"/>
+              </a:rPr>
+              <a:t> </a:t>
+            </a:r>
+            <a:r>
+              <a:rPr kumimoji="0" lang="zh-CN" altLang="zh-CN" sz="2000" b="0" i="0" u="none" strike="noStrike" cap="none" normalizeH="0" baseline="0" dirty="0" smtClean="0">
+                <a:ln>
+                  <a:noFill/>
+                </a:ln>
+                <a:solidFill>
+                  <a:srgbClr val="D81B60"/>
+                </a:solidFill>
+                <a:effectLst/>
+                <a:latin typeface="Arial Unicode MS" panose="020B0604020202020204" pitchFamily="34" charset="-122"/>
+                <a:ea typeface="Monaco"/>
+              </a:rPr>
+              <a:t>HeroService</a:t>
+            </a:r>
+            <a:r>
+              <a:rPr kumimoji="0" lang="zh-CN" altLang="zh-CN" sz="2000" b="0" i="0" u="none" strike="noStrike" cap="none" normalizeH="0" baseline="0" dirty="0" smtClean="0">
+                <a:ln>
+                  <a:noFill/>
+                </a:ln>
+                <a:solidFill>
+                  <a:srgbClr val="455A64"/>
+                </a:solidFill>
+                <a:effectLst/>
+                <a:latin typeface="Arial Unicode MS" panose="020B0604020202020204" pitchFamily="34" charset="-122"/>
+                <a:ea typeface="Monaco"/>
+              </a:rPr>
+              <a:t>(logger, userService.user.isAuthorized);</a:t>
+            </a:r>
+            <a:endParaRPr kumimoji="0" lang="en-US" altLang="zh-CN" sz="2000" b="0" i="0" u="none" strike="noStrike" cap="none" normalizeH="0" baseline="0" dirty="0" smtClean="0">
+              <a:ln>
+                <a:noFill/>
+              </a:ln>
+              <a:solidFill>
+                <a:srgbClr val="455A64"/>
+              </a:solidFill>
+              <a:effectLst/>
+              <a:latin typeface="Arial Unicode MS" panose="020B0604020202020204" pitchFamily="34" charset="-122"/>
+              <a:ea typeface="Monaco"/>
+            </a:endParaRPr>
+          </a:p>
+          <a:p>
+            <a:pPr marL="0" marR="0" lvl="0" indent="0" algn="l" defTabSz="914400" rtl="0" eaLnBrk="0" fontAlgn="base" latinLnBrk="0" hangingPunct="0">
+              <a:lnSpc>
+                <a:spcPct val="100000"/>
+              </a:lnSpc>
+              <a:spcBef>
+                <a:spcPct val="0"/>
+              </a:spcBef>
+              <a:spcAft>
+                <a:spcPct val="0"/>
+              </a:spcAft>
+              <a:buClrTx/>
+              <a:buSzTx/>
+              <a:buFontTx/>
+              <a:buNone/>
+              <a:tabLst/>
+            </a:pPr>
+            <a:r>
+              <a:rPr kumimoji="0" lang="zh-CN" altLang="zh-CN" sz="2000" b="0" i="0" u="none" strike="noStrike" cap="none" normalizeH="0" baseline="0" dirty="0" smtClean="0">
+                <a:ln>
+                  <a:noFill/>
+                </a:ln>
+                <a:solidFill>
+                  <a:srgbClr val="455A64"/>
+                </a:solidFill>
+                <a:effectLst/>
+                <a:latin typeface="Arial Unicode MS" panose="020B0604020202020204" pitchFamily="34" charset="-122"/>
+                <a:ea typeface="Monaco"/>
+              </a:rPr>
+              <a:t> };</a:t>
+            </a:r>
+            <a:r>
+              <a:rPr kumimoji="0" lang="zh-CN" altLang="zh-CN" sz="3200" b="0" i="0" u="none" strike="noStrike" cap="none" normalizeH="0" baseline="0" dirty="0" smtClean="0">
+                <a:ln>
+                  <a:noFill/>
+                </a:ln>
+                <a:solidFill>
+                  <a:schemeClr val="tx1"/>
+                </a:solidFill>
+                <a:effectLst/>
+              </a:rPr>
+              <a:t> </a:t>
+            </a:r>
+            <a:endParaRPr kumimoji="0" lang="zh-CN" altLang="zh-CN" sz="4800" b="0" i="0" u="none" strike="noStrike" cap="none" normalizeH="0" baseline="0" dirty="0" smtClean="0">
+              <a:ln>
+                <a:noFill/>
+              </a:ln>
+              <a:solidFill>
+                <a:schemeClr val="tx1"/>
+              </a:solidFill>
+              <a:effectLst/>
+              <a:latin typeface="Arial" panose="020B0604020202020204" pitchFamily="34" charset="0"/>
+            </a:endParaRPr>
+          </a:p>
+        </p:txBody>
+      </p:sp>
+      <p:sp>
+        <p:nvSpPr>
+          <p:cNvPr id="7" name="Rectangle 3"/>
+          <p:cNvSpPr>
+            <a:spLocks noChangeArrowheads="1"/>
+          </p:cNvSpPr>
+          <p:nvPr/>
+        </p:nvSpPr>
+        <p:spPr bwMode="auto">
+          <a:xfrm>
+            <a:off x="858981" y="2311363"/>
+            <a:ext cx="7482818" cy="1538883"/>
+          </a:xfrm>
+          <a:prstGeom prst="rect">
+            <a:avLst/>
+          </a:prstGeom>
+          <a:solidFill>
+            <a:srgbClr val="FFFFFF"/>
+          </a:solidFill>
+          <a:ln>
+            <a:noFill/>
+          </a:ln>
+          <a:effectLst/>
+          <a:extLst>
+            <a:ext uri="{91240B29-F687-4F45-9708-019B960494DF}">
+              <a14:hiddenLine xmlns:a14="http://schemas.microsoft.com/office/drawing/2010/main" w="9525">
+                <a:solidFill>
+                  <a:schemeClr val="tx1"/>
+                </a:solidFill>
+                <a:miter lim="800000"/>
+                <a:headEnd/>
+                <a:tailEnd/>
+              </a14:hiddenLine>
+            </a:ext>
+            <a:ext uri="{AF507438-7753-43E0-B8FC-AC1667EBCBE1}">
+              <a14:hiddenEffects xmlns:a14="http://schemas.microsoft.com/office/drawing/2010/main">
+                <a:effectLst>
+                  <a:outerShdw dist="35921" dir="2700000" algn="ctr" rotWithShape="0">
+                    <a:schemeClr val="bg2"/>
+                  </a:outerShdw>
+                </a:effectLst>
+              </a14:hiddenEffects>
+            </a:ext>
+          </a:extLst>
+        </p:spPr>
+        <p:txBody>
+          <a:bodyPr vert="horz" wrap="square" lIns="0" tIns="0" rIns="0" bIns="0" numCol="1" anchor="ctr" anchorCtr="0" compatLnSpc="1">
+            <a:prstTxWarp prst="textNoShape">
+              <a:avLst/>
+            </a:prstTxWarp>
+            <a:spAutoFit/>
+          </a:bodyPr>
+          <a:lstStyle/>
+          <a:p>
+            <a:pPr marL="0" marR="0" lvl="0" indent="0" algn="l" defTabSz="914400" rtl="0" eaLnBrk="0" fontAlgn="base" latinLnBrk="0" hangingPunct="0">
+              <a:lnSpc>
+                <a:spcPct val="100000"/>
+              </a:lnSpc>
+              <a:spcBef>
+                <a:spcPct val="0"/>
+              </a:spcBef>
+              <a:spcAft>
+                <a:spcPct val="0"/>
+              </a:spcAft>
+              <a:buClrTx/>
+              <a:buSzTx/>
+              <a:buFontTx/>
+              <a:buNone/>
+              <a:tabLst/>
+            </a:pPr>
+            <a:r>
+              <a:rPr kumimoji="0" lang="zh-CN" altLang="zh-CN" b="0" i="0" u="none" strike="noStrike" cap="none" normalizeH="0" baseline="0" dirty="0" smtClean="0">
+                <a:ln>
+                  <a:noFill/>
+                </a:ln>
+                <a:solidFill>
+                  <a:srgbClr val="D81B60"/>
+                </a:solidFill>
+                <a:effectLst/>
+                <a:latin typeface="Arial Unicode MS" panose="020B0604020202020204" pitchFamily="34" charset="-122"/>
+                <a:ea typeface="Monaco"/>
+              </a:rPr>
+              <a:t>export</a:t>
+            </a:r>
+            <a:r>
+              <a:rPr kumimoji="0" lang="zh-CN" altLang="zh-CN" b="0" i="0" u="none" strike="noStrike" cap="none" normalizeH="0" baseline="0" dirty="0" smtClean="0">
+                <a:ln>
+                  <a:noFill/>
+                </a:ln>
+                <a:solidFill>
+                  <a:srgbClr val="455A64"/>
+                </a:solidFill>
+                <a:effectLst/>
+                <a:latin typeface="Arial Unicode MS" panose="020B0604020202020204" pitchFamily="34" charset="-122"/>
+                <a:ea typeface="Monaco"/>
+              </a:rPr>
+              <a:t> </a:t>
+            </a:r>
+            <a:r>
+              <a:rPr kumimoji="0" lang="zh-CN" altLang="zh-CN" b="0" i="0" u="none" strike="noStrike" cap="none" normalizeH="0" baseline="0" dirty="0" smtClean="0">
+                <a:ln>
+                  <a:noFill/>
+                </a:ln>
+                <a:solidFill>
+                  <a:srgbClr val="D81B60"/>
+                </a:solidFill>
+                <a:effectLst/>
+                <a:latin typeface="Arial Unicode MS" panose="020B0604020202020204" pitchFamily="34" charset="-122"/>
+                <a:ea typeface="Monaco"/>
+              </a:rPr>
+              <a:t>let</a:t>
+            </a:r>
+            <a:r>
+              <a:rPr kumimoji="0" lang="zh-CN" altLang="zh-CN" b="0" i="0" u="none" strike="noStrike" cap="none" normalizeH="0" baseline="0" dirty="0" smtClean="0">
+                <a:ln>
+                  <a:noFill/>
+                </a:ln>
+                <a:solidFill>
+                  <a:srgbClr val="455A64"/>
+                </a:solidFill>
+                <a:effectLst/>
+                <a:latin typeface="Arial Unicode MS" panose="020B0604020202020204" pitchFamily="34" charset="-122"/>
+                <a:ea typeface="Monaco"/>
+              </a:rPr>
+              <a:t> heroServiceProvider = { </a:t>
+            </a:r>
+            <a:endParaRPr kumimoji="0" lang="en-US" altLang="zh-CN" b="0" i="0" u="none" strike="noStrike" cap="none" normalizeH="0" baseline="0" dirty="0" smtClean="0">
+              <a:ln>
+                <a:noFill/>
+              </a:ln>
+              <a:solidFill>
+                <a:srgbClr val="455A64"/>
+              </a:solidFill>
+              <a:effectLst/>
+              <a:latin typeface="Arial Unicode MS" panose="020B0604020202020204" pitchFamily="34" charset="-122"/>
+              <a:ea typeface="Monaco"/>
+            </a:endParaRPr>
+          </a:p>
+          <a:p>
+            <a:pPr marL="0" marR="0" lvl="0" indent="0" algn="l" defTabSz="914400" rtl="0" eaLnBrk="0" fontAlgn="base" latinLnBrk="0" hangingPunct="0">
+              <a:lnSpc>
+                <a:spcPct val="100000"/>
+              </a:lnSpc>
+              <a:spcBef>
+                <a:spcPct val="0"/>
+              </a:spcBef>
+              <a:spcAft>
+                <a:spcPct val="0"/>
+              </a:spcAft>
+              <a:buClrTx/>
+              <a:buSzTx/>
+              <a:buFontTx/>
+              <a:buNone/>
+              <a:tabLst/>
+            </a:pPr>
+            <a:r>
+              <a:rPr kumimoji="0" lang="en-US" altLang="zh-CN" b="0" i="0" u="none" strike="noStrike" cap="none" normalizeH="0" baseline="0" dirty="0" smtClean="0">
+                <a:ln>
+                  <a:noFill/>
+                </a:ln>
+                <a:solidFill>
+                  <a:srgbClr val="455A64"/>
+                </a:solidFill>
+                <a:effectLst/>
+                <a:latin typeface="Arial Unicode MS" panose="020B0604020202020204" pitchFamily="34" charset="-122"/>
+                <a:ea typeface="Monaco"/>
+              </a:rPr>
+              <a:t>	</a:t>
+            </a:r>
+            <a:r>
+              <a:rPr kumimoji="0" lang="zh-CN" altLang="zh-CN" b="0" i="0" u="none" strike="noStrike" cap="none" normalizeH="0" baseline="0" dirty="0" smtClean="0">
+                <a:ln>
+                  <a:noFill/>
+                </a:ln>
+                <a:solidFill>
+                  <a:srgbClr val="455A64"/>
+                </a:solidFill>
+                <a:effectLst/>
+                <a:latin typeface="Arial Unicode MS" panose="020B0604020202020204" pitchFamily="34" charset="-122"/>
+                <a:ea typeface="Monaco"/>
+              </a:rPr>
+              <a:t>provide: </a:t>
+            </a:r>
+            <a:r>
+              <a:rPr kumimoji="0" lang="zh-CN" altLang="zh-CN" b="0" i="0" u="none" strike="noStrike" cap="none" normalizeH="0" baseline="0" dirty="0" smtClean="0">
+                <a:ln>
+                  <a:noFill/>
+                </a:ln>
+                <a:solidFill>
+                  <a:srgbClr val="D81B60"/>
+                </a:solidFill>
+                <a:effectLst/>
+                <a:latin typeface="Arial Unicode MS" panose="020B0604020202020204" pitchFamily="34" charset="-122"/>
+                <a:ea typeface="Monaco"/>
+              </a:rPr>
+              <a:t>HeroService</a:t>
+            </a:r>
+            <a:r>
+              <a:rPr kumimoji="0" lang="zh-CN" altLang="zh-CN" b="0" i="0" u="none" strike="noStrike" cap="none" normalizeH="0" baseline="0" dirty="0" smtClean="0">
+                <a:ln>
+                  <a:noFill/>
+                </a:ln>
+                <a:solidFill>
+                  <a:srgbClr val="455A64"/>
+                </a:solidFill>
+                <a:effectLst/>
+                <a:latin typeface="Arial Unicode MS" panose="020B0604020202020204" pitchFamily="34" charset="-122"/>
+                <a:ea typeface="Monaco"/>
+              </a:rPr>
+              <a:t>, </a:t>
+            </a:r>
+            <a:endParaRPr kumimoji="0" lang="en-US" altLang="zh-CN" b="0" i="0" u="none" strike="noStrike" cap="none" normalizeH="0" baseline="0" dirty="0" smtClean="0">
+              <a:ln>
+                <a:noFill/>
+              </a:ln>
+              <a:solidFill>
+                <a:srgbClr val="455A64"/>
+              </a:solidFill>
+              <a:effectLst/>
+              <a:latin typeface="Arial Unicode MS" panose="020B0604020202020204" pitchFamily="34" charset="-122"/>
+              <a:ea typeface="Monaco"/>
+            </a:endParaRPr>
+          </a:p>
+          <a:p>
+            <a:pPr marL="0" marR="0" lvl="0" indent="0" algn="l" defTabSz="914400" rtl="0" eaLnBrk="0" fontAlgn="base" latinLnBrk="0" hangingPunct="0">
+              <a:lnSpc>
+                <a:spcPct val="100000"/>
+              </a:lnSpc>
+              <a:spcBef>
+                <a:spcPct val="0"/>
+              </a:spcBef>
+              <a:spcAft>
+                <a:spcPct val="0"/>
+              </a:spcAft>
+              <a:buClrTx/>
+              <a:buSzTx/>
+              <a:buFontTx/>
+              <a:buNone/>
+              <a:tabLst/>
+            </a:pPr>
+            <a:r>
+              <a:rPr kumimoji="0" lang="en-US" altLang="zh-CN" b="0" i="0" u="none" strike="noStrike" cap="none" normalizeH="0" baseline="0" dirty="0" smtClean="0">
+                <a:ln>
+                  <a:noFill/>
+                </a:ln>
+                <a:solidFill>
+                  <a:srgbClr val="455A64"/>
+                </a:solidFill>
+                <a:effectLst/>
+                <a:latin typeface="Arial Unicode MS" panose="020B0604020202020204" pitchFamily="34" charset="-122"/>
+                <a:ea typeface="Monaco"/>
+              </a:rPr>
+              <a:t>	</a:t>
+            </a:r>
+            <a:r>
+              <a:rPr kumimoji="0" lang="zh-CN" altLang="zh-CN" b="0" i="0" u="none" strike="noStrike" cap="none" normalizeH="0" baseline="0" dirty="0" smtClean="0">
+                <a:ln>
+                  <a:noFill/>
+                </a:ln>
+                <a:solidFill>
+                  <a:srgbClr val="455A64"/>
+                </a:solidFill>
+                <a:effectLst/>
+                <a:latin typeface="Arial Unicode MS" panose="020B0604020202020204" pitchFamily="34" charset="-122"/>
+                <a:ea typeface="Monaco"/>
+              </a:rPr>
+              <a:t>useFactory: heroServiceFactory, </a:t>
+            </a:r>
+            <a:endParaRPr kumimoji="0" lang="en-US" altLang="zh-CN" b="0" i="0" u="none" strike="noStrike" cap="none" normalizeH="0" baseline="0" dirty="0" smtClean="0">
+              <a:ln>
+                <a:noFill/>
+              </a:ln>
+              <a:solidFill>
+                <a:srgbClr val="455A64"/>
+              </a:solidFill>
+              <a:effectLst/>
+              <a:latin typeface="Arial Unicode MS" panose="020B0604020202020204" pitchFamily="34" charset="-122"/>
+              <a:ea typeface="Monaco"/>
+            </a:endParaRPr>
+          </a:p>
+          <a:p>
+            <a:pPr marL="0" marR="0" lvl="0" indent="0" algn="l" defTabSz="914400" rtl="0" eaLnBrk="0" fontAlgn="base" latinLnBrk="0" hangingPunct="0">
+              <a:lnSpc>
+                <a:spcPct val="100000"/>
+              </a:lnSpc>
+              <a:spcBef>
+                <a:spcPct val="0"/>
+              </a:spcBef>
+              <a:spcAft>
+                <a:spcPct val="0"/>
+              </a:spcAft>
+              <a:buClrTx/>
+              <a:buSzTx/>
+              <a:buFontTx/>
+              <a:buNone/>
+              <a:tabLst/>
+            </a:pPr>
+            <a:r>
+              <a:rPr kumimoji="0" lang="en-US" altLang="zh-CN" b="0" i="0" u="none" strike="noStrike" cap="none" normalizeH="0" baseline="0" dirty="0" smtClean="0">
+                <a:ln>
+                  <a:noFill/>
+                </a:ln>
+                <a:solidFill>
+                  <a:srgbClr val="455A64"/>
+                </a:solidFill>
+                <a:effectLst/>
+                <a:latin typeface="Arial Unicode MS" panose="020B0604020202020204" pitchFamily="34" charset="-122"/>
+                <a:ea typeface="Monaco"/>
+              </a:rPr>
+              <a:t>	</a:t>
+            </a:r>
+            <a:r>
+              <a:rPr kumimoji="0" lang="zh-CN" altLang="zh-CN" b="0" i="0" u="none" strike="noStrike" cap="none" normalizeH="0" baseline="0" dirty="0" smtClean="0">
+                <a:ln>
+                  <a:noFill/>
+                </a:ln>
+                <a:solidFill>
+                  <a:srgbClr val="455A64"/>
+                </a:solidFill>
+                <a:effectLst/>
+                <a:latin typeface="Arial Unicode MS" panose="020B0604020202020204" pitchFamily="34" charset="-122"/>
+                <a:ea typeface="Monaco"/>
+              </a:rPr>
+              <a:t>deps: [</a:t>
+            </a:r>
+            <a:r>
+              <a:rPr kumimoji="0" lang="zh-CN" altLang="zh-CN" b="0" i="0" u="none" strike="noStrike" cap="none" normalizeH="0" baseline="0" dirty="0" smtClean="0">
+                <a:ln>
+                  <a:noFill/>
+                </a:ln>
+                <a:solidFill>
+                  <a:srgbClr val="D81B60"/>
+                </a:solidFill>
+                <a:effectLst/>
+                <a:latin typeface="Arial Unicode MS" panose="020B0604020202020204" pitchFamily="34" charset="-122"/>
+                <a:ea typeface="Monaco"/>
+              </a:rPr>
+              <a:t>Logger</a:t>
+            </a:r>
+            <a:r>
+              <a:rPr kumimoji="0" lang="zh-CN" altLang="zh-CN" b="0" i="0" u="none" strike="noStrike" cap="none" normalizeH="0" baseline="0" dirty="0" smtClean="0">
+                <a:ln>
+                  <a:noFill/>
+                </a:ln>
+                <a:solidFill>
+                  <a:srgbClr val="455A64"/>
+                </a:solidFill>
+                <a:effectLst/>
+                <a:latin typeface="Arial Unicode MS" panose="020B0604020202020204" pitchFamily="34" charset="-122"/>
+                <a:ea typeface="Monaco"/>
+              </a:rPr>
+              <a:t>, </a:t>
+            </a:r>
+            <a:r>
+              <a:rPr kumimoji="0" lang="zh-CN" altLang="zh-CN" b="0" i="0" u="none" strike="noStrike" cap="none" normalizeH="0" baseline="0" dirty="0" smtClean="0">
+                <a:ln>
+                  <a:noFill/>
+                </a:ln>
+                <a:solidFill>
+                  <a:srgbClr val="D81B60"/>
+                </a:solidFill>
+                <a:effectLst/>
+                <a:latin typeface="Arial Unicode MS" panose="020B0604020202020204" pitchFamily="34" charset="-122"/>
+                <a:ea typeface="Monaco"/>
+              </a:rPr>
+              <a:t>UserService</a:t>
+            </a:r>
+            <a:r>
+              <a:rPr kumimoji="0" lang="zh-CN" altLang="zh-CN" b="0" i="0" u="none" strike="noStrike" cap="none" normalizeH="0" baseline="0" dirty="0" smtClean="0">
+                <a:ln>
+                  <a:noFill/>
+                </a:ln>
+                <a:solidFill>
+                  <a:srgbClr val="455A64"/>
+                </a:solidFill>
+                <a:effectLst/>
+                <a:latin typeface="Arial Unicode MS" panose="020B0604020202020204" pitchFamily="34" charset="-122"/>
+                <a:ea typeface="Monaco"/>
+              </a:rPr>
+              <a:t>] </a:t>
+            </a:r>
+            <a:endParaRPr kumimoji="0" lang="en-US" altLang="zh-CN" b="0" i="0" u="none" strike="noStrike" cap="none" normalizeH="0" baseline="0" dirty="0" smtClean="0">
+              <a:ln>
+                <a:noFill/>
+              </a:ln>
+              <a:solidFill>
+                <a:srgbClr val="455A64"/>
+              </a:solidFill>
+              <a:effectLst/>
+              <a:latin typeface="Arial Unicode MS" panose="020B0604020202020204" pitchFamily="34" charset="-122"/>
+              <a:ea typeface="Monaco"/>
+            </a:endParaRPr>
+          </a:p>
+          <a:p>
+            <a:pPr marL="0" marR="0" lvl="0" indent="0" algn="l" defTabSz="914400" rtl="0" eaLnBrk="0" fontAlgn="base" latinLnBrk="0" hangingPunct="0">
+              <a:lnSpc>
+                <a:spcPct val="100000"/>
+              </a:lnSpc>
+              <a:spcBef>
+                <a:spcPct val="0"/>
+              </a:spcBef>
+              <a:spcAft>
+                <a:spcPct val="0"/>
+              </a:spcAft>
+              <a:buClrTx/>
+              <a:buSzTx/>
+              <a:buFontTx/>
+              <a:buNone/>
+              <a:tabLst/>
+            </a:pPr>
+            <a:r>
+              <a:rPr kumimoji="0" lang="zh-CN" altLang="zh-CN" b="0" i="0" u="none" strike="noStrike" cap="none" normalizeH="0" baseline="0" dirty="0" smtClean="0">
+                <a:ln>
+                  <a:noFill/>
+                </a:ln>
+                <a:solidFill>
+                  <a:srgbClr val="455A64"/>
+                </a:solidFill>
+                <a:effectLst/>
+                <a:latin typeface="Arial Unicode MS" panose="020B0604020202020204" pitchFamily="34" charset="-122"/>
+                <a:ea typeface="Monaco"/>
+              </a:rPr>
+              <a:t>};</a:t>
+            </a:r>
+            <a:r>
+              <a:rPr kumimoji="0" lang="zh-CN" altLang="zh-CN" sz="2800" b="0" i="0" u="none" strike="noStrike" cap="none" normalizeH="0" baseline="0" dirty="0" smtClean="0">
+                <a:ln>
+                  <a:noFill/>
+                </a:ln>
+                <a:solidFill>
+                  <a:schemeClr val="tx1"/>
+                </a:solidFill>
+                <a:effectLst/>
+              </a:rPr>
+              <a:t> </a:t>
+            </a:r>
+            <a:endParaRPr kumimoji="0" lang="zh-CN" altLang="zh-CN" sz="4400" b="0" i="0" u="none" strike="noStrike" cap="none" normalizeH="0" baseline="0" dirty="0" smtClean="0">
+              <a:ln>
+                <a:noFill/>
+              </a:ln>
+              <a:solidFill>
+                <a:schemeClr val="tx1"/>
+              </a:solidFill>
+              <a:effectLst/>
+              <a:latin typeface="Arial" panose="020B0604020202020204" pitchFamily="34" charset="0"/>
+            </a:endParaRPr>
+          </a:p>
+        </p:txBody>
+      </p:sp>
+      <p:sp>
+        <p:nvSpPr>
+          <p:cNvPr id="14" name="Rectangle 4"/>
+          <p:cNvSpPr>
+            <a:spLocks noChangeArrowheads="1"/>
+          </p:cNvSpPr>
+          <p:nvPr/>
+        </p:nvSpPr>
+        <p:spPr bwMode="auto">
+          <a:xfrm>
+            <a:off x="915081" y="4217486"/>
+            <a:ext cx="3685309" cy="2462213"/>
+          </a:xfrm>
+          <a:prstGeom prst="rect">
+            <a:avLst/>
+          </a:prstGeom>
+          <a:noFill/>
+          <a:ln>
+            <a:noFill/>
+          </a:ln>
+          <a:effectLst/>
+          <a:extLst>
+            <a:ext uri="{909E8E84-426E-40DD-AFC4-6F175D3DCCD1}">
+              <a14:hiddenFill xmlns:a14="http://schemas.microsoft.com/office/drawing/2010/main">
+                <a:solidFill>
+                  <a:schemeClr val="accent1"/>
+                </a:solidFill>
+              </a14:hiddenFill>
+            </a:ext>
+            <a:ext uri="{91240B29-F687-4F45-9708-019B960494DF}">
+              <a14:hiddenLine xmlns:a14="http://schemas.microsoft.com/office/drawing/2010/main" w="9525">
+                <a:solidFill>
+                  <a:schemeClr val="tx1"/>
+                </a:solidFill>
+                <a:miter lim="800000"/>
+                <a:headEnd/>
+                <a:tailEnd/>
+              </a14:hiddenLine>
+            </a:ext>
+            <a:ext uri="{AF507438-7753-43E0-B8FC-AC1667EBCBE1}">
+              <a14:hiddenEffects xmlns:a14="http://schemas.microsoft.com/office/drawing/2010/main">
+                <a:effectLst>
+                  <a:outerShdw dist="35921" dir="2700000" algn="ctr" rotWithShape="0">
+                    <a:schemeClr val="bg2"/>
+                  </a:outerShdw>
+                </a:effectLst>
+              </a14:hiddenEffects>
+            </a:ext>
+          </a:extLst>
+        </p:spPr>
+        <p:txBody>
+          <a:bodyPr vert="horz" wrap="square" lIns="0" tIns="0" rIns="0" bIns="0" numCol="1" anchor="ctr" anchorCtr="0" compatLnSpc="1">
+            <a:prstTxWarp prst="textNoShape">
+              <a:avLst/>
+            </a:prstTxWarp>
+            <a:spAutoFit/>
+          </a:bodyPr>
+          <a:lstStyle/>
+          <a:p>
+            <a:pPr marL="0" marR="0" lvl="0" indent="0" algn="l" defTabSz="914400" rtl="0" eaLnBrk="0" fontAlgn="base" latinLnBrk="0" hangingPunct="0">
+              <a:lnSpc>
+                <a:spcPct val="100000"/>
+              </a:lnSpc>
+              <a:spcBef>
+                <a:spcPct val="0"/>
+              </a:spcBef>
+              <a:spcAft>
+                <a:spcPct val="0"/>
+              </a:spcAft>
+              <a:buClrTx/>
+              <a:buSzTx/>
+              <a:tabLst/>
+            </a:pPr>
+            <a:r>
+              <a:rPr kumimoji="0" lang="zh-CN" altLang="zh-CN" sz="2000" b="0" i="0" u="none" strike="noStrike" cap="none" normalizeH="0" baseline="0" dirty="0" smtClean="0">
+                <a:ln>
+                  <a:noFill/>
+                </a:ln>
+                <a:solidFill>
+                  <a:srgbClr val="00796B"/>
+                </a:solidFill>
+                <a:effectLst/>
+                <a:latin typeface="Arial Unicode MS" panose="020B0604020202020204" pitchFamily="34" charset="-122"/>
+                <a:ea typeface="Monaco"/>
+              </a:rPr>
+              <a:t>@Component</a:t>
+            </a:r>
+            <a:r>
+              <a:rPr kumimoji="0" lang="zh-CN" altLang="zh-CN" sz="2000" b="0" i="0" u="none" strike="noStrike" cap="none" normalizeH="0" baseline="0" dirty="0" smtClean="0">
+                <a:ln>
+                  <a:noFill/>
+                </a:ln>
+                <a:solidFill>
+                  <a:srgbClr val="455A64"/>
+                </a:solidFill>
+                <a:effectLst/>
+                <a:latin typeface="Arial Unicode MS" panose="020B0604020202020204" pitchFamily="34" charset="-122"/>
+                <a:ea typeface="Monaco"/>
+              </a:rPr>
+              <a:t>({</a:t>
+            </a:r>
+            <a:endParaRPr kumimoji="0" lang="zh-CN" altLang="zh-CN" b="0" i="0" u="none" strike="noStrike" cap="none" normalizeH="0" baseline="0" dirty="0" smtClean="0">
+              <a:ln>
+                <a:noFill/>
+              </a:ln>
+              <a:solidFill>
+                <a:srgbClr val="B0BEC5"/>
+              </a:solidFill>
+              <a:effectLst/>
+              <a:ea typeface="Monaco"/>
+            </a:endParaRPr>
+          </a:p>
+          <a:p>
+            <a:pPr marL="0" marR="0" lvl="0" indent="0" algn="l" defTabSz="914400" rtl="0" eaLnBrk="0" fontAlgn="base" latinLnBrk="0" hangingPunct="0">
+              <a:lnSpc>
+                <a:spcPct val="100000"/>
+              </a:lnSpc>
+              <a:spcBef>
+                <a:spcPct val="0"/>
+              </a:spcBef>
+              <a:spcAft>
+                <a:spcPct val="0"/>
+              </a:spcAft>
+              <a:buClrTx/>
+              <a:buSzTx/>
+              <a:tabLst/>
+            </a:pPr>
+            <a:r>
+              <a:rPr kumimoji="0" lang="zh-CN" altLang="zh-CN" sz="2000" b="0" i="0" u="none" strike="noStrike" cap="none" normalizeH="0" baseline="0" dirty="0" smtClean="0">
+                <a:ln>
+                  <a:noFill/>
+                </a:ln>
+                <a:solidFill>
+                  <a:srgbClr val="455A64"/>
+                </a:solidFill>
+                <a:effectLst/>
+                <a:latin typeface="Arial Unicode MS" panose="020B0604020202020204" pitchFamily="34" charset="-122"/>
+                <a:ea typeface="Monaco"/>
+              </a:rPr>
+              <a:t>selector: </a:t>
+            </a:r>
+            <a:r>
+              <a:rPr kumimoji="0" lang="zh-CN" altLang="zh-CN" sz="2000" b="0" i="0" u="none" strike="noStrike" cap="none" normalizeH="0" baseline="0" dirty="0" smtClean="0">
+                <a:ln>
+                  <a:noFill/>
+                </a:ln>
+                <a:solidFill>
+                  <a:srgbClr val="00796B"/>
+                </a:solidFill>
+                <a:effectLst/>
+                <a:latin typeface="Arial Unicode MS" panose="020B0604020202020204" pitchFamily="34" charset="-122"/>
+                <a:ea typeface="Monaco"/>
+              </a:rPr>
+              <a:t>'my-heroes'</a:t>
+            </a:r>
+            <a:r>
+              <a:rPr kumimoji="0" lang="zh-CN" altLang="zh-CN" sz="2000" b="0" i="0" u="none" strike="noStrike" cap="none" normalizeH="0" baseline="0" dirty="0" smtClean="0">
+                <a:ln>
+                  <a:noFill/>
+                </a:ln>
+                <a:solidFill>
+                  <a:srgbClr val="455A64"/>
+                </a:solidFill>
+                <a:effectLst/>
+                <a:latin typeface="Arial Unicode MS" panose="020B0604020202020204" pitchFamily="34" charset="-122"/>
+                <a:ea typeface="Monaco"/>
+              </a:rPr>
+              <a:t>,</a:t>
+            </a:r>
+            <a:endParaRPr kumimoji="0" lang="zh-CN" altLang="zh-CN" b="0" i="0" u="none" strike="noStrike" cap="none" normalizeH="0" baseline="0" dirty="0" smtClean="0">
+              <a:ln>
+                <a:noFill/>
+              </a:ln>
+              <a:solidFill>
+                <a:srgbClr val="B0BEC5"/>
+              </a:solidFill>
+              <a:effectLst/>
+              <a:ea typeface="Monaco"/>
+            </a:endParaRPr>
+          </a:p>
+          <a:p>
+            <a:pPr marL="0" marR="0" lvl="0" indent="0" algn="l" defTabSz="914400" rtl="0" eaLnBrk="0" fontAlgn="base" latinLnBrk="0" hangingPunct="0">
+              <a:lnSpc>
+                <a:spcPct val="100000"/>
+              </a:lnSpc>
+              <a:spcBef>
+                <a:spcPct val="0"/>
+              </a:spcBef>
+              <a:spcAft>
+                <a:spcPct val="0"/>
+              </a:spcAft>
+              <a:buClrTx/>
+              <a:buSzTx/>
+              <a:tabLst/>
+            </a:pPr>
+            <a:r>
+              <a:rPr kumimoji="0" lang="zh-CN" altLang="zh-CN" sz="2000" b="0" i="0" u="none" strike="noStrike" cap="none" normalizeH="0" baseline="0" dirty="0" smtClean="0">
+                <a:ln>
+                  <a:noFill/>
+                </a:ln>
+                <a:solidFill>
+                  <a:srgbClr val="D81B60"/>
+                </a:solidFill>
+                <a:effectLst/>
+                <a:latin typeface="Arial Unicode MS" panose="020B0604020202020204" pitchFamily="34" charset="-122"/>
+                <a:ea typeface="Monaco"/>
+              </a:rPr>
+              <a:t>template</a:t>
+            </a:r>
+            <a:r>
+              <a:rPr kumimoji="0" lang="zh-CN" altLang="zh-CN" sz="2000" b="0" i="0" u="none" strike="noStrike" cap="none" normalizeH="0" baseline="0" dirty="0" smtClean="0">
+                <a:ln>
+                  <a:noFill/>
+                </a:ln>
+                <a:solidFill>
+                  <a:srgbClr val="455A64"/>
+                </a:solidFill>
+                <a:effectLst/>
+                <a:latin typeface="Arial Unicode MS" panose="020B0604020202020204" pitchFamily="34" charset="-122"/>
+                <a:ea typeface="Monaco"/>
+              </a:rPr>
+              <a:t>: </a:t>
+            </a:r>
+            <a:r>
+              <a:rPr kumimoji="0" lang="zh-CN" altLang="zh-CN" sz="2000" b="0" i="0" u="none" strike="noStrike" cap="none" normalizeH="0" baseline="0" dirty="0" smtClean="0">
+                <a:ln>
+                  <a:noFill/>
+                </a:ln>
+                <a:solidFill>
+                  <a:srgbClr val="00796B"/>
+                </a:solidFill>
+                <a:effectLst/>
+                <a:latin typeface="Arial Unicode MS" panose="020B0604020202020204" pitchFamily="34" charset="-122"/>
+                <a:ea typeface="Monaco"/>
+              </a:rPr>
+              <a:t>`</a:t>
+            </a:r>
+            <a:endParaRPr kumimoji="0" lang="zh-CN" altLang="zh-CN" b="0" i="0" u="none" strike="noStrike" cap="none" normalizeH="0" baseline="0" dirty="0" smtClean="0">
+              <a:ln>
+                <a:noFill/>
+              </a:ln>
+              <a:solidFill>
+                <a:srgbClr val="B0BEC5"/>
+              </a:solidFill>
+              <a:effectLst/>
+              <a:ea typeface="Monaco"/>
+            </a:endParaRPr>
+          </a:p>
+          <a:p>
+            <a:pPr marL="0" marR="0" lvl="0" indent="0" algn="l" defTabSz="914400" rtl="0" eaLnBrk="0" fontAlgn="base" latinLnBrk="0" hangingPunct="0">
+              <a:lnSpc>
+                <a:spcPct val="100000"/>
+              </a:lnSpc>
+              <a:spcBef>
+                <a:spcPct val="0"/>
+              </a:spcBef>
+              <a:spcAft>
+                <a:spcPct val="0"/>
+              </a:spcAft>
+              <a:buClrTx/>
+              <a:buSzTx/>
+              <a:tabLst/>
+            </a:pPr>
+            <a:r>
+              <a:rPr kumimoji="0" lang="zh-CN" altLang="zh-CN" sz="2000" b="0" i="0" u="none" strike="noStrike" cap="none" normalizeH="0" baseline="0" dirty="0" smtClean="0">
+                <a:ln>
+                  <a:noFill/>
+                </a:ln>
+                <a:solidFill>
+                  <a:srgbClr val="00796B"/>
+                </a:solidFill>
+                <a:effectLst/>
+                <a:latin typeface="Arial Unicode MS" panose="020B0604020202020204" pitchFamily="34" charset="-122"/>
+                <a:ea typeface="Monaco"/>
+              </a:rPr>
+              <a:t>&lt;h2&gt;Heroes&lt;/h2&gt;</a:t>
+            </a:r>
+            <a:endParaRPr kumimoji="0" lang="zh-CN" altLang="zh-CN" b="0" i="0" u="none" strike="noStrike" cap="none" normalizeH="0" baseline="0" dirty="0" smtClean="0">
+              <a:ln>
+                <a:noFill/>
+              </a:ln>
+              <a:solidFill>
+                <a:srgbClr val="B0BEC5"/>
+              </a:solidFill>
+              <a:effectLst/>
+              <a:ea typeface="Monaco"/>
+            </a:endParaRPr>
+          </a:p>
+          <a:p>
+            <a:pPr marL="0" marR="0" lvl="0" indent="0" algn="l" defTabSz="914400" rtl="0" eaLnBrk="0" fontAlgn="base" latinLnBrk="0" hangingPunct="0">
+              <a:lnSpc>
+                <a:spcPct val="100000"/>
+              </a:lnSpc>
+              <a:spcBef>
+                <a:spcPct val="0"/>
+              </a:spcBef>
+              <a:spcAft>
+                <a:spcPct val="0"/>
+              </a:spcAft>
+              <a:buClrTx/>
+              <a:buSzTx/>
+              <a:tabLst/>
+            </a:pPr>
+            <a:r>
+              <a:rPr kumimoji="0" lang="zh-CN" altLang="zh-CN" sz="2000" b="0" i="0" u="none" strike="noStrike" cap="none" normalizeH="0" baseline="0" dirty="0" smtClean="0">
+                <a:ln>
+                  <a:noFill/>
+                </a:ln>
+                <a:solidFill>
+                  <a:srgbClr val="00796B"/>
+                </a:solidFill>
+                <a:effectLst/>
+                <a:latin typeface="Arial Unicode MS" panose="020B0604020202020204" pitchFamily="34" charset="-122"/>
+                <a:ea typeface="Monaco"/>
+              </a:rPr>
+              <a:t>&lt;hero-list&gt;&lt;/hero-list&gt;</a:t>
+            </a:r>
+            <a:endParaRPr kumimoji="0" lang="zh-CN" altLang="zh-CN" b="0" i="0" u="none" strike="noStrike" cap="none" normalizeH="0" baseline="0" dirty="0" smtClean="0">
+              <a:ln>
+                <a:noFill/>
+              </a:ln>
+              <a:solidFill>
+                <a:srgbClr val="B0BEC5"/>
+              </a:solidFill>
+              <a:effectLst/>
+              <a:ea typeface="Monaco"/>
+            </a:endParaRPr>
+          </a:p>
+          <a:p>
+            <a:pPr marL="0" marR="0" lvl="0" indent="0" algn="l" defTabSz="914400" rtl="0" eaLnBrk="0" fontAlgn="base" latinLnBrk="0" hangingPunct="0">
+              <a:lnSpc>
+                <a:spcPct val="100000"/>
+              </a:lnSpc>
+              <a:spcBef>
+                <a:spcPct val="0"/>
+              </a:spcBef>
+              <a:spcAft>
+                <a:spcPct val="0"/>
+              </a:spcAft>
+              <a:buClrTx/>
+              <a:buSzTx/>
+              <a:tabLst/>
+            </a:pPr>
+            <a:r>
+              <a:rPr kumimoji="0" lang="zh-CN" altLang="zh-CN" sz="2000" b="0" i="0" u="none" strike="noStrike" cap="none" normalizeH="0" baseline="0" dirty="0" smtClean="0">
+                <a:ln>
+                  <a:noFill/>
+                </a:ln>
+                <a:solidFill>
+                  <a:srgbClr val="00796B"/>
+                </a:solidFill>
+                <a:effectLst/>
+                <a:latin typeface="Arial Unicode MS" panose="020B0604020202020204" pitchFamily="34" charset="-122"/>
+                <a:ea typeface="Monaco"/>
+              </a:rPr>
+              <a:t>`</a:t>
+            </a:r>
+            <a:r>
+              <a:rPr kumimoji="0" lang="zh-CN" altLang="zh-CN" sz="2000" b="0" i="0" u="none" strike="noStrike" cap="none" normalizeH="0" baseline="0" dirty="0" smtClean="0">
+                <a:ln>
+                  <a:noFill/>
+                </a:ln>
+                <a:solidFill>
+                  <a:srgbClr val="455A64"/>
+                </a:solidFill>
+                <a:effectLst/>
+                <a:latin typeface="Arial Unicode MS" panose="020B0604020202020204" pitchFamily="34" charset="-122"/>
+                <a:ea typeface="Monaco"/>
+              </a:rPr>
+              <a:t>,</a:t>
+            </a:r>
+            <a:endParaRPr kumimoji="0" lang="zh-CN" altLang="zh-CN" b="0" i="0" u="none" strike="noStrike" cap="none" normalizeH="0" baseline="0" dirty="0" smtClean="0">
+              <a:ln>
+                <a:noFill/>
+              </a:ln>
+              <a:solidFill>
+                <a:srgbClr val="B0BEC5"/>
+              </a:solidFill>
+              <a:effectLst/>
+              <a:ea typeface="Monaco"/>
+            </a:endParaRPr>
+          </a:p>
+          <a:p>
+            <a:pPr marL="0" marR="0" lvl="0" indent="0" algn="l" defTabSz="914400" rtl="0" eaLnBrk="0" fontAlgn="base" latinLnBrk="0" hangingPunct="0">
+              <a:lnSpc>
+                <a:spcPct val="100000"/>
+              </a:lnSpc>
+              <a:spcBef>
+                <a:spcPct val="0"/>
+              </a:spcBef>
+              <a:spcAft>
+                <a:spcPct val="0"/>
+              </a:spcAft>
+              <a:buClrTx/>
+              <a:buSzTx/>
+              <a:tabLst/>
+            </a:pPr>
+            <a:r>
+              <a:rPr kumimoji="0" lang="zh-CN" altLang="zh-CN" sz="2000" b="0" i="0" u="none" strike="noStrike" cap="none" normalizeH="0" baseline="0" dirty="0" smtClean="0">
+                <a:ln>
+                  <a:noFill/>
+                </a:ln>
+                <a:solidFill>
+                  <a:srgbClr val="455A64"/>
+                </a:solidFill>
+                <a:effectLst/>
+                <a:latin typeface="Arial Unicode MS" panose="020B0604020202020204" pitchFamily="34" charset="-122"/>
+                <a:ea typeface="Monaco"/>
+              </a:rPr>
+              <a:t>providers: [heroServiceProvider]</a:t>
+            </a:r>
+            <a:endParaRPr kumimoji="0" lang="zh-CN" altLang="zh-CN" b="0" i="0" u="none" strike="noStrike" cap="none" normalizeH="0" baseline="0" dirty="0" smtClean="0">
+              <a:ln>
+                <a:noFill/>
+              </a:ln>
+              <a:solidFill>
+                <a:srgbClr val="B0BEC5"/>
+              </a:solidFill>
+              <a:effectLst/>
+              <a:ea typeface="Monaco"/>
+            </a:endParaRPr>
+          </a:p>
+          <a:p>
+            <a:pPr marL="0" marR="0" lvl="0" indent="0" algn="l" defTabSz="914400" rtl="0" eaLnBrk="0" fontAlgn="base" latinLnBrk="0" hangingPunct="0">
+              <a:lnSpc>
+                <a:spcPct val="100000"/>
+              </a:lnSpc>
+              <a:spcBef>
+                <a:spcPct val="0"/>
+              </a:spcBef>
+              <a:spcAft>
+                <a:spcPct val="0"/>
+              </a:spcAft>
+              <a:buClrTx/>
+              <a:buSzTx/>
+              <a:tabLst/>
+            </a:pPr>
+            <a:r>
+              <a:rPr kumimoji="0" lang="zh-CN" altLang="zh-CN" sz="2000" b="0" i="0" u="none" strike="noStrike" cap="none" normalizeH="0" baseline="0" dirty="0" smtClean="0">
+                <a:ln>
+                  <a:noFill/>
+                </a:ln>
+                <a:solidFill>
+                  <a:srgbClr val="455A64"/>
+                </a:solidFill>
+                <a:effectLst/>
+                <a:latin typeface="Arial Unicode MS" panose="020B0604020202020204" pitchFamily="34" charset="-122"/>
+                <a:ea typeface="Monaco"/>
+              </a:rPr>
+              <a:t>})</a:t>
+            </a:r>
+            <a:endParaRPr kumimoji="0" lang="zh-CN" altLang="zh-CN" b="0" i="0" u="none" strike="noStrike" cap="none" normalizeH="0" baseline="0" dirty="0" smtClean="0">
+              <a:ln>
+                <a:noFill/>
+              </a:ln>
+              <a:solidFill>
+                <a:srgbClr val="B0BEC5"/>
+              </a:solidFill>
+              <a:effectLst/>
+              <a:ea typeface="Monaco"/>
+            </a:endParaRPr>
+          </a:p>
+        </p:txBody>
+      </p:sp>
+    </p:spTree>
+    <p:extLst>
+      <p:ext uri="{BB962C8B-B14F-4D97-AF65-F5344CB8AC3E}">
+        <p14:creationId xmlns:p14="http://schemas.microsoft.com/office/powerpoint/2010/main" val="622055179"/>
+      </p:ext>
+    </p:extLst>
+  </p:cSld>
+  <p:clrMapOvr>
+    <a:masterClrMapping/>
+  </p:clrMapOvr>
+</p:sld>
+</file>
+
+<file path=ppt/slides/slide13.xml><?xml version="1.0" encoding="utf-8"?>
+<p:sld xmlns:a="http://schemas.openxmlformats.org/drawingml/2006/main" xmlns:r="http://schemas.openxmlformats.org/officeDocument/2006/relationships" xmlns:p="http://schemas.openxmlformats.org/presentationml/2006/main">
+  <p:cSld>
+    <p:bg>
+      <p:bgPr>
+        <a:noFill/>
+        <a:effectLst/>
+      </p:bgPr>
+    </p:bg>
+    <p:spTree>
+      <p:nvGrpSpPr>
+        <p:cNvPr id="1" name=""/>
+        <p:cNvGrpSpPr/>
+        <p:nvPr/>
+      </p:nvGrpSpPr>
+      <p:grpSpPr>
+        <a:xfrm>
+          <a:off x="0" y="0"/>
+          <a:ext cx="0" cy="0"/>
+          <a:chOff x="0" y="0"/>
+          <a:chExt cx="0" cy="0"/>
+        </a:xfrm>
+      </p:grpSpPr>
+      <p:sp>
+        <p:nvSpPr>
+          <p:cNvPr id="3" name="标题 2"/>
+          <p:cNvSpPr>
+            <a:spLocks noGrp="1"/>
+          </p:cNvSpPr>
+          <p:nvPr>
+            <p:ph type="ctrTitle"/>
+          </p:nvPr>
+        </p:nvSpPr>
+        <p:spPr>
+          <a:xfrm>
+            <a:off x="1612272" y="176655"/>
+            <a:ext cx="9144000" cy="1039718"/>
+          </a:xfrm>
+        </p:spPr>
+        <p:txBody>
+          <a:bodyPr>
+            <a:normAutofit/>
+          </a:bodyPr>
+          <a:lstStyle/>
+          <a:p>
+            <a:r>
+              <a:rPr lang="zh-CN" altLang="en-US" b="1" dirty="0">
+                <a:solidFill>
+                  <a:srgbClr val="455A64"/>
+                </a:solidFill>
+                <a:latin typeface="Helvetica Neue"/>
+              </a:rPr>
+              <a:t>模板驱动式表单</a:t>
+            </a:r>
             <a:endParaRPr lang="en-US" altLang="zh-CN" dirty="0">
               <a:solidFill>
                 <a:srgbClr val="455A64"/>
@@ -3400,65 +6045,2370 @@
               <a:latin typeface="Helvetica Neue"/>
             </a:endParaRPr>
           </a:p>
-          <a:p>
-            <a:endParaRPr lang="en-US" altLang="zh-CN" dirty="0" smtClean="0">
+        </p:txBody>
+      </p:sp>
+      <p:sp>
+        <p:nvSpPr>
+          <p:cNvPr id="2" name="矩形 1"/>
+          <p:cNvSpPr/>
+          <p:nvPr/>
+        </p:nvSpPr>
+        <p:spPr>
+          <a:xfrm>
+            <a:off x="654318" y="1281088"/>
+            <a:ext cx="11274445" cy="646331"/>
+          </a:xfrm>
+          <a:prstGeom prst="rect">
+            <a:avLst/>
+          </a:prstGeom>
+        </p:spPr>
+        <p:txBody>
+          <a:bodyPr wrap="square">
+            <a:spAutoFit/>
+          </a:bodyPr>
+          <a:lstStyle/>
+          <a:p>
+            <a:r>
+              <a:rPr lang="en-US" altLang="zh-CN" dirty="0">
+                <a:solidFill>
+                  <a:srgbClr val="546E7A"/>
+                </a:solidFill>
+                <a:latin typeface="Helvetica Neue"/>
+              </a:rPr>
+              <a:t>You can build forms by writing templates in the Angular </a:t>
+            </a:r>
+            <a:r>
+              <a:rPr lang="en-US" altLang="zh-CN" dirty="0">
+                <a:solidFill>
+                  <a:srgbClr val="1976D2"/>
+                </a:solidFill>
+                <a:latin typeface="Helvetica Neue"/>
+                <a:hlinkClick r:id="rId2"/>
+              </a:rPr>
+              <a:t>template syntax</a:t>
+            </a:r>
+            <a:r>
+              <a:rPr lang="en-US" altLang="zh-CN" dirty="0">
+                <a:solidFill>
+                  <a:srgbClr val="546E7A"/>
+                </a:solidFill>
+                <a:latin typeface="Helvetica Neue"/>
+              </a:rPr>
+              <a:t> with the form-specific directives and techniques described in this page.</a:t>
+            </a:r>
+            <a:endParaRPr lang="zh-CN" altLang="en-US" dirty="0"/>
+          </a:p>
+        </p:txBody>
+      </p:sp>
+      <p:sp>
+        <p:nvSpPr>
+          <p:cNvPr id="5" name="矩形 4"/>
+          <p:cNvSpPr/>
+          <p:nvPr/>
+        </p:nvSpPr>
+        <p:spPr>
+          <a:xfrm>
+            <a:off x="654318" y="2748080"/>
+            <a:ext cx="1915909" cy="369332"/>
+          </a:xfrm>
+          <a:prstGeom prst="rect">
+            <a:avLst/>
+          </a:prstGeom>
+        </p:spPr>
+        <p:txBody>
+          <a:bodyPr wrap="none">
+            <a:spAutoFit/>
+          </a:bodyPr>
+          <a:lstStyle/>
+          <a:p>
+            <a:r>
+              <a:rPr lang="zh-CN" altLang="en-US" dirty="0">
+                <a:solidFill>
+                  <a:srgbClr val="00796B"/>
+                </a:solidFill>
+                <a:latin typeface="Monaco"/>
+              </a:rPr>
+              <a:t>导入</a:t>
+            </a:r>
+            <a:r>
+              <a:rPr lang="en-US" altLang="zh-CN" dirty="0" err="1" smtClean="0">
+                <a:solidFill>
+                  <a:srgbClr val="00796B"/>
+                </a:solidFill>
+                <a:latin typeface="Monaco"/>
+              </a:rPr>
+              <a:t>FormsModule</a:t>
+            </a:r>
+            <a:endParaRPr lang="zh-CN" altLang="en-US" dirty="0"/>
+          </a:p>
+        </p:txBody>
+      </p:sp>
+      <p:sp>
+        <p:nvSpPr>
+          <p:cNvPr id="6" name="Rectangle 1"/>
+          <p:cNvSpPr>
+            <a:spLocks noChangeArrowheads="1"/>
+          </p:cNvSpPr>
+          <p:nvPr/>
+        </p:nvSpPr>
+        <p:spPr bwMode="auto">
+          <a:xfrm>
+            <a:off x="741416" y="3317320"/>
+            <a:ext cx="10589758" cy="400110"/>
+          </a:xfrm>
+          <a:prstGeom prst="rect">
+            <a:avLst/>
+          </a:prstGeom>
+          <a:noFill/>
+          <a:ln>
+            <a:noFill/>
+          </a:ln>
+          <a:effectLst/>
+          <a:extLst>
+            <a:ext uri="{909E8E84-426E-40DD-AFC4-6F175D3DCCD1}">
+              <a14:hiddenFill xmlns:a14="http://schemas.microsoft.com/office/drawing/2010/main">
+                <a:solidFill>
+                  <a:schemeClr val="accent1"/>
+                </a:solidFill>
+              </a14:hiddenFill>
+            </a:ext>
+            <a:ext uri="{91240B29-F687-4F45-9708-019B960494DF}">
+              <a14:hiddenLine xmlns:a14="http://schemas.microsoft.com/office/drawing/2010/main" w="9525">
+                <a:solidFill>
+                  <a:schemeClr val="tx1"/>
+                </a:solidFill>
+                <a:miter lim="800000"/>
+                <a:headEnd/>
+                <a:tailEnd/>
+              </a14:hiddenLine>
+            </a:ext>
+            <a:ext uri="{AF507438-7753-43E0-B8FC-AC1667EBCBE1}">
+              <a14:hiddenEffects xmlns:a14="http://schemas.microsoft.com/office/drawing/2010/main">
+                <a:effectLst>
+                  <a:outerShdw dist="35921" dir="2700000" algn="ctr" rotWithShape="0">
+                    <a:schemeClr val="bg2"/>
+                  </a:outerShdw>
+                </a:effectLst>
+              </a14:hiddenEffects>
+            </a:ext>
+          </a:extLst>
+        </p:spPr>
+        <p:txBody>
+          <a:bodyPr vert="horz" wrap="none" lIns="91440" tIns="45720" rIns="91440" bIns="45720" numCol="1" anchor="ctr" anchorCtr="0" compatLnSpc="1">
+            <a:prstTxWarp prst="textNoShape">
+              <a:avLst/>
+            </a:prstTxWarp>
+            <a:spAutoFit/>
+          </a:bodyPr>
+          <a:lstStyle>
+            <a:lvl1pPr eaLnBrk="0" fontAlgn="base" hangingPunct="0">
+              <a:spcBef>
+                <a:spcPct val="0"/>
+              </a:spcBef>
+              <a:spcAft>
+                <a:spcPct val="0"/>
+              </a:spcAft>
+              <a:defRPr>
+                <a:solidFill>
+                  <a:schemeClr val="tx1"/>
+                </a:solidFill>
+                <a:latin typeface="Arial" panose="020B0604020202020204" pitchFamily="34" charset="0"/>
+              </a:defRPr>
+            </a:lvl1pPr>
+            <a:lvl2pPr eaLnBrk="0" fontAlgn="base" hangingPunct="0">
+              <a:spcBef>
+                <a:spcPct val="0"/>
+              </a:spcBef>
+              <a:spcAft>
+                <a:spcPct val="0"/>
+              </a:spcAft>
+              <a:defRPr>
+                <a:solidFill>
+                  <a:schemeClr val="tx1"/>
+                </a:solidFill>
+                <a:latin typeface="Arial" panose="020B0604020202020204" pitchFamily="34" charset="0"/>
+              </a:defRPr>
+            </a:lvl2pPr>
+            <a:lvl3pPr eaLnBrk="0" fontAlgn="base" hangingPunct="0">
+              <a:spcBef>
+                <a:spcPct val="0"/>
+              </a:spcBef>
+              <a:spcAft>
+                <a:spcPct val="0"/>
+              </a:spcAft>
+              <a:defRPr>
+                <a:solidFill>
+                  <a:schemeClr val="tx1"/>
+                </a:solidFill>
+                <a:latin typeface="Arial" panose="020B0604020202020204" pitchFamily="34" charset="0"/>
+              </a:defRPr>
+            </a:lvl3pPr>
+            <a:lvl4pPr eaLnBrk="0" fontAlgn="base" hangingPunct="0">
+              <a:spcBef>
+                <a:spcPct val="0"/>
+              </a:spcBef>
+              <a:spcAft>
+                <a:spcPct val="0"/>
+              </a:spcAft>
+              <a:defRPr>
+                <a:solidFill>
+                  <a:schemeClr val="tx1"/>
+                </a:solidFill>
+                <a:latin typeface="Arial" panose="020B0604020202020204" pitchFamily="34" charset="0"/>
+              </a:defRPr>
+            </a:lvl4pPr>
+            <a:lvl5pPr eaLnBrk="0" fontAlgn="base" hangingPunct="0">
+              <a:spcBef>
+                <a:spcPct val="0"/>
+              </a:spcBef>
+              <a:spcAft>
+                <a:spcPct val="0"/>
+              </a:spcAft>
+              <a:defRPr>
+                <a:solidFill>
+                  <a:schemeClr val="tx1"/>
+                </a:solidFill>
+                <a:latin typeface="Arial" panose="020B0604020202020204" pitchFamily="34" charset="0"/>
+              </a:defRPr>
+            </a:lvl5pPr>
+            <a:lvl6pPr eaLnBrk="0" fontAlgn="base" hangingPunct="0">
+              <a:spcBef>
+                <a:spcPct val="0"/>
+              </a:spcBef>
+              <a:spcAft>
+                <a:spcPct val="0"/>
+              </a:spcAft>
+              <a:defRPr>
+                <a:solidFill>
+                  <a:schemeClr val="tx1"/>
+                </a:solidFill>
+                <a:latin typeface="Arial" panose="020B0604020202020204" pitchFamily="34" charset="0"/>
+              </a:defRPr>
+            </a:lvl6pPr>
+            <a:lvl7pPr eaLnBrk="0" fontAlgn="base" hangingPunct="0">
+              <a:spcBef>
+                <a:spcPct val="0"/>
+              </a:spcBef>
+              <a:spcAft>
+                <a:spcPct val="0"/>
+              </a:spcAft>
+              <a:defRPr>
+                <a:solidFill>
+                  <a:schemeClr val="tx1"/>
+                </a:solidFill>
+                <a:latin typeface="Arial" panose="020B0604020202020204" pitchFamily="34" charset="0"/>
+              </a:defRPr>
+            </a:lvl7pPr>
+            <a:lvl8pPr eaLnBrk="0" fontAlgn="base" hangingPunct="0">
+              <a:spcBef>
+                <a:spcPct val="0"/>
+              </a:spcBef>
+              <a:spcAft>
+                <a:spcPct val="0"/>
+              </a:spcAft>
+              <a:defRPr>
+                <a:solidFill>
+                  <a:schemeClr val="tx1"/>
+                </a:solidFill>
+                <a:latin typeface="Arial" panose="020B0604020202020204" pitchFamily="34" charset="0"/>
+              </a:defRPr>
+            </a:lvl8pPr>
+            <a:lvl9pPr eaLnBrk="0" fontAlgn="base" hangingPunct="0">
+              <a:spcBef>
+                <a:spcPct val="0"/>
+              </a:spcBef>
+              <a:spcAft>
+                <a:spcPct val="0"/>
+              </a:spcAft>
+              <a:defRPr>
+                <a:solidFill>
+                  <a:schemeClr val="tx1"/>
+                </a:solidFill>
+                <a:latin typeface="Arial" panose="020B0604020202020204" pitchFamily="34" charset="0"/>
+              </a:defRPr>
+            </a:lvl9pPr>
+          </a:lstStyle>
+          <a:p>
+            <a:pPr marL="0" marR="0" lvl="0" indent="0" algn="l" defTabSz="914400" rtl="0" eaLnBrk="0" fontAlgn="base" latinLnBrk="0" hangingPunct="0">
+              <a:lnSpc>
+                <a:spcPct val="100000"/>
+              </a:lnSpc>
+              <a:spcBef>
+                <a:spcPct val="0"/>
+              </a:spcBef>
+              <a:spcAft>
+                <a:spcPct val="0"/>
+              </a:spcAft>
+              <a:buClrTx/>
+              <a:buSzTx/>
+              <a:buFontTx/>
+              <a:buNone/>
+              <a:tabLst/>
+            </a:pPr>
+            <a:r>
+              <a:rPr kumimoji="0" lang="zh-CN" altLang="zh-CN" sz="2000" b="0" i="0" u="none" strike="noStrike" cap="none" normalizeH="0" baseline="0" dirty="0" smtClean="0">
+                <a:ln>
+                  <a:noFill/>
+                </a:ln>
+                <a:solidFill>
+                  <a:srgbClr val="455A64"/>
+                </a:solidFill>
+                <a:effectLst/>
+                <a:latin typeface="Arial" panose="020B0604020202020204" pitchFamily="34" charset="0"/>
+                <a:ea typeface="Helvetica Neue"/>
+              </a:rPr>
+              <a:t>在模板驱动表单中，你只要导入了</a:t>
+            </a:r>
+            <a:r>
+              <a:rPr kumimoji="0" lang="zh-CN" altLang="zh-CN" sz="1600" b="0" i="0" u="none" strike="noStrike" cap="none" normalizeH="0" baseline="0" dirty="0" smtClean="0">
+                <a:ln>
+                  <a:noFill/>
+                </a:ln>
+                <a:solidFill>
+                  <a:srgbClr val="0097A7"/>
+                </a:solidFill>
+                <a:effectLst/>
+                <a:latin typeface="Arial Unicode MS" panose="020B0604020202020204" pitchFamily="34" charset="-122"/>
+                <a:ea typeface="Monaco"/>
+              </a:rPr>
+              <a:t>FormsModule</a:t>
+            </a:r>
+            <a:r>
+              <a:rPr kumimoji="0" lang="zh-CN" altLang="zh-CN" sz="2000" b="0" i="0" u="none" strike="noStrike" cap="none" normalizeH="0" baseline="0" dirty="0" smtClean="0">
+                <a:ln>
+                  <a:noFill/>
+                </a:ln>
+                <a:solidFill>
+                  <a:srgbClr val="455A64"/>
+                </a:solidFill>
+                <a:effectLst/>
+                <a:ea typeface="Helvetica Neue"/>
+              </a:rPr>
+              <a:t>就不用对</a:t>
+            </a:r>
+            <a:r>
+              <a:rPr kumimoji="0" lang="zh-CN" altLang="zh-CN" sz="1600" b="0" i="0" u="none" strike="noStrike" cap="none" normalizeH="0" baseline="0" dirty="0" smtClean="0">
+                <a:ln>
+                  <a:noFill/>
+                </a:ln>
+                <a:solidFill>
+                  <a:srgbClr val="0097A7"/>
+                </a:solidFill>
+                <a:effectLst/>
+                <a:latin typeface="Arial Unicode MS" panose="020B0604020202020204" pitchFamily="34" charset="-122"/>
+                <a:ea typeface="Monaco"/>
+              </a:rPr>
+              <a:t>&lt;form&gt;</a:t>
+            </a:r>
+            <a:r>
+              <a:rPr kumimoji="0" lang="zh-CN" altLang="zh-CN" sz="2000" b="0" i="0" u="none" strike="noStrike" cap="none" normalizeH="0" baseline="0" dirty="0" smtClean="0">
+                <a:ln>
+                  <a:noFill/>
+                </a:ln>
+                <a:solidFill>
+                  <a:srgbClr val="455A64"/>
+                </a:solidFill>
+                <a:effectLst/>
+                <a:ea typeface="Helvetica Neue"/>
+              </a:rPr>
+              <a:t>做任何改动来使用</a:t>
+            </a:r>
+            <a:r>
+              <a:rPr kumimoji="0" lang="zh-CN" altLang="zh-CN" sz="1600" b="0" i="0" u="none" strike="noStrike" cap="none" normalizeH="0" baseline="0" dirty="0" smtClean="0">
+                <a:ln>
+                  <a:noFill/>
+                </a:ln>
+                <a:solidFill>
+                  <a:srgbClr val="0097A7"/>
+                </a:solidFill>
+                <a:effectLst/>
+                <a:latin typeface="Arial Unicode MS" panose="020B0604020202020204" pitchFamily="34" charset="-122"/>
+                <a:ea typeface="Monaco"/>
+              </a:rPr>
+              <a:t>FormsModule</a:t>
+            </a:r>
+            <a:r>
+              <a:rPr kumimoji="0" lang="zh-CN" altLang="zh-CN" sz="2000" b="0" i="0" u="none" strike="noStrike" cap="none" normalizeH="0" baseline="0" dirty="0" smtClean="0">
+                <a:ln>
+                  <a:noFill/>
+                </a:ln>
+                <a:solidFill>
+                  <a:srgbClr val="455A64"/>
+                </a:solidFill>
+                <a:effectLst/>
+                <a:ea typeface="Helvetica Neue"/>
+              </a:rPr>
+              <a:t>。</a:t>
+            </a:r>
+            <a:r>
+              <a:rPr kumimoji="0" lang="zh-CN" altLang="zh-CN" b="0" i="0" u="none" strike="noStrike" cap="none" normalizeH="0" baseline="0" dirty="0" smtClean="0">
+                <a:ln>
+                  <a:noFill/>
+                </a:ln>
+                <a:solidFill>
+                  <a:schemeClr val="tx1"/>
+                </a:solidFill>
+                <a:effectLst/>
+                <a:latin typeface="Arial" panose="020B0604020202020204" pitchFamily="34" charset="0"/>
+              </a:rPr>
+              <a:t> </a:t>
+            </a:r>
+            <a:endParaRPr kumimoji="0" lang="zh-CN" altLang="zh-CN" sz="3200" b="0" i="0" u="none" strike="noStrike" cap="none" normalizeH="0" baseline="0" dirty="0" smtClean="0">
+              <a:ln>
+                <a:noFill/>
+              </a:ln>
               <a:solidFill>
-                <a:srgbClr val="455A64"/>
+                <a:schemeClr val="tx1"/>
+              </a:solidFill>
+              <a:effectLst/>
+              <a:latin typeface="Arial" panose="020B0604020202020204" pitchFamily="34" charset="0"/>
+            </a:endParaRPr>
+          </a:p>
+        </p:txBody>
+      </p:sp>
+      <p:sp>
+        <p:nvSpPr>
+          <p:cNvPr id="7" name="Rectangle 2"/>
+          <p:cNvSpPr>
+            <a:spLocks noChangeArrowheads="1"/>
+          </p:cNvSpPr>
+          <p:nvPr/>
+        </p:nvSpPr>
+        <p:spPr bwMode="auto">
+          <a:xfrm>
+            <a:off x="794557" y="3888797"/>
+            <a:ext cx="3181697" cy="369332"/>
+          </a:xfrm>
+          <a:prstGeom prst="rect">
+            <a:avLst/>
+          </a:prstGeom>
+          <a:solidFill>
+            <a:srgbClr val="FFFFFF"/>
+          </a:solidFill>
+          <a:ln>
+            <a:noFill/>
+          </a:ln>
+          <a:effectLst/>
+          <a:extLst>
+            <a:ext uri="{91240B29-F687-4F45-9708-019B960494DF}">
+              <a14:hiddenLine xmlns:a14="http://schemas.microsoft.com/office/drawing/2010/main" w="9525">
+                <a:solidFill>
+                  <a:schemeClr val="tx1"/>
+                </a:solidFill>
+                <a:miter lim="800000"/>
+                <a:headEnd/>
+                <a:tailEnd/>
+              </a14:hiddenLine>
+            </a:ext>
+            <a:ext uri="{AF507438-7753-43E0-B8FC-AC1667EBCBE1}">
+              <a14:hiddenEffects xmlns:a14="http://schemas.microsoft.com/office/drawing/2010/main">
+                <a:effectLst>
+                  <a:outerShdw dist="35921" dir="2700000" algn="ctr" rotWithShape="0">
+                    <a:schemeClr val="bg2"/>
+                  </a:outerShdw>
+                </a:effectLst>
+              </a14:hiddenEffects>
+            </a:ext>
+          </a:extLst>
+        </p:spPr>
+        <p:txBody>
+          <a:bodyPr vert="horz" wrap="square" lIns="0" tIns="0" rIns="0" bIns="0" numCol="1" anchor="ctr" anchorCtr="0" compatLnSpc="1">
+            <a:prstTxWarp prst="textNoShape">
+              <a:avLst/>
+            </a:prstTxWarp>
+            <a:spAutoFit/>
+          </a:bodyPr>
+          <a:lstStyle/>
+          <a:p>
+            <a:pPr marL="0" marR="0" lvl="0" indent="0" algn="l" defTabSz="914400" rtl="0" eaLnBrk="0" fontAlgn="base" latinLnBrk="0" hangingPunct="0">
+              <a:lnSpc>
+                <a:spcPct val="100000"/>
+              </a:lnSpc>
+              <a:spcBef>
+                <a:spcPct val="0"/>
+              </a:spcBef>
+              <a:spcAft>
+                <a:spcPct val="0"/>
+              </a:spcAft>
+              <a:buClrTx/>
+              <a:buSzTx/>
+              <a:buFontTx/>
+              <a:buNone/>
+              <a:tabLst/>
+            </a:pPr>
+            <a:r>
+              <a:rPr lang="zh-CN" altLang="zh-CN" sz="1600" dirty="0">
+                <a:solidFill>
+                  <a:srgbClr val="00796B"/>
+                </a:solidFill>
+                <a:latin typeface="Arial Unicode MS" panose="020B0604020202020204" pitchFamily="34" charset="-122"/>
+                <a:ea typeface="Monaco"/>
+              </a:rPr>
+              <a:t>&lt;form </a:t>
+            </a:r>
+            <a:r>
+              <a:rPr kumimoji="0" lang="zh-CN" altLang="zh-CN" sz="1600" b="0" i="0" u="none" strike="noStrike" cap="none" normalizeH="0" baseline="0" dirty="0" smtClean="0">
+                <a:ln>
+                  <a:noFill/>
+                </a:ln>
+                <a:solidFill>
+                  <a:srgbClr val="455A64"/>
+                </a:solidFill>
+                <a:effectLst/>
+                <a:latin typeface="Arial Unicode MS" panose="020B0604020202020204" pitchFamily="34" charset="-122"/>
+                <a:ea typeface="Monaco"/>
+              </a:rPr>
+              <a:t>#</a:t>
+            </a:r>
+            <a:r>
+              <a:rPr kumimoji="0" lang="zh-CN" altLang="zh-CN" sz="1600" b="0" i="0" u="none" strike="noStrike" cap="none" normalizeH="0" baseline="0" dirty="0" smtClean="0">
+                <a:ln>
+                  <a:noFill/>
+                </a:ln>
+                <a:solidFill>
+                  <a:srgbClr val="00796B"/>
+                </a:solidFill>
+                <a:effectLst/>
+                <a:latin typeface="Arial Unicode MS" panose="020B0604020202020204" pitchFamily="34" charset="-122"/>
+                <a:ea typeface="Monaco"/>
+              </a:rPr>
+              <a:t>heroForm</a:t>
+            </a:r>
+            <a:r>
+              <a:rPr kumimoji="0" lang="zh-CN" altLang="zh-CN" sz="1600" b="0" i="0" u="none" strike="noStrike" cap="none" normalizeH="0" baseline="0" dirty="0" smtClean="0">
+                <a:ln>
+                  <a:noFill/>
+                </a:ln>
+                <a:solidFill>
+                  <a:srgbClr val="455A64"/>
+                </a:solidFill>
+                <a:effectLst/>
+                <a:latin typeface="Arial Unicode MS" panose="020B0604020202020204" pitchFamily="34" charset="-122"/>
+                <a:ea typeface="Monaco"/>
+              </a:rPr>
+              <a:t>=</a:t>
+            </a:r>
+            <a:r>
+              <a:rPr kumimoji="0" lang="zh-CN" altLang="zh-CN" sz="1600" b="0" i="0" u="none" strike="noStrike" cap="none" normalizeH="0" baseline="0" dirty="0" smtClean="0">
+                <a:ln>
+                  <a:noFill/>
+                </a:ln>
+                <a:solidFill>
+                  <a:srgbClr val="00796B"/>
+                </a:solidFill>
+                <a:effectLst/>
+                <a:latin typeface="Arial Unicode MS" panose="020B0604020202020204" pitchFamily="34" charset="-122"/>
+                <a:ea typeface="Monaco"/>
+              </a:rPr>
+              <a:t>"ngForm</a:t>
+            </a:r>
+            <a:r>
+              <a:rPr lang="zh-CN" altLang="zh-CN" sz="1600" dirty="0">
+                <a:solidFill>
+                  <a:srgbClr val="00796B"/>
+                </a:solidFill>
+                <a:latin typeface="Arial Unicode MS" panose="020B0604020202020204" pitchFamily="34" charset="-122"/>
+                <a:ea typeface="Monaco"/>
+              </a:rPr>
+              <a:t>"&gt;</a:t>
+            </a:r>
+            <a:r>
+              <a:rPr kumimoji="0" lang="zh-CN" altLang="zh-CN" sz="2400" b="0" i="0" u="none" strike="noStrike" cap="none" normalizeH="0" baseline="0" dirty="0" smtClean="0">
+                <a:ln>
+                  <a:noFill/>
+                </a:ln>
+                <a:solidFill>
+                  <a:schemeClr val="tx1"/>
+                </a:solidFill>
+                <a:effectLst/>
+              </a:rPr>
+              <a:t> </a:t>
+            </a:r>
+            <a:endParaRPr kumimoji="0" lang="zh-CN" altLang="zh-CN" sz="4000" b="0" i="0" u="none" strike="noStrike" cap="none" normalizeH="0" baseline="0" dirty="0" smtClean="0">
+              <a:ln>
+                <a:noFill/>
+              </a:ln>
+              <a:solidFill>
+                <a:schemeClr val="tx1"/>
+              </a:solidFill>
+              <a:effectLst/>
+              <a:latin typeface="Arial" panose="020B0604020202020204" pitchFamily="34" charset="0"/>
+            </a:endParaRPr>
+          </a:p>
+        </p:txBody>
+      </p:sp>
+      <p:sp>
+        <p:nvSpPr>
+          <p:cNvPr id="8" name="Rectangle 3"/>
+          <p:cNvSpPr>
+            <a:spLocks noChangeArrowheads="1"/>
+          </p:cNvSpPr>
+          <p:nvPr/>
+        </p:nvSpPr>
+        <p:spPr bwMode="auto">
+          <a:xfrm>
+            <a:off x="654318" y="4482239"/>
+            <a:ext cx="8366393" cy="369332"/>
+          </a:xfrm>
+          <a:prstGeom prst="rect">
+            <a:avLst/>
+          </a:prstGeom>
+          <a:noFill/>
+          <a:ln>
+            <a:noFill/>
+          </a:ln>
+          <a:effectLst/>
+          <a:extLst>
+            <a:ext uri="{909E8E84-426E-40DD-AFC4-6F175D3DCCD1}">
+              <a14:hiddenFill xmlns:a14="http://schemas.microsoft.com/office/drawing/2010/main">
+                <a:solidFill>
+                  <a:schemeClr val="accent1"/>
+                </a:solidFill>
+              </a14:hiddenFill>
+            </a:ext>
+            <a:ext uri="{91240B29-F687-4F45-9708-019B960494DF}">
+              <a14:hiddenLine xmlns:a14="http://schemas.microsoft.com/office/drawing/2010/main" w="9525">
+                <a:solidFill>
+                  <a:schemeClr val="tx1"/>
+                </a:solidFill>
+                <a:miter lim="800000"/>
+                <a:headEnd/>
+                <a:tailEnd/>
+              </a14:hiddenLine>
+            </a:ext>
+            <a:ext uri="{AF507438-7753-43E0-B8FC-AC1667EBCBE1}">
+              <a14:hiddenEffects xmlns:a14="http://schemas.microsoft.com/office/drawing/2010/main">
+                <a:effectLst>
+                  <a:outerShdw dist="35921" dir="2700000" algn="ctr" rotWithShape="0">
+                    <a:schemeClr val="bg2"/>
+                  </a:outerShdw>
+                </a:effectLst>
+              </a14:hiddenEffects>
+            </a:ext>
+          </a:extLst>
+        </p:spPr>
+        <p:txBody>
+          <a:bodyPr vert="horz" wrap="none" lIns="91440" tIns="45720" rIns="91440" bIns="45720" numCol="1" anchor="ctr" anchorCtr="0" compatLnSpc="1">
+            <a:prstTxWarp prst="textNoShape">
+              <a:avLst/>
+            </a:prstTxWarp>
+            <a:spAutoFit/>
+          </a:bodyPr>
+          <a:lstStyle>
+            <a:lvl1pPr eaLnBrk="0" fontAlgn="base" hangingPunct="0">
+              <a:spcBef>
+                <a:spcPct val="0"/>
+              </a:spcBef>
+              <a:spcAft>
+                <a:spcPct val="0"/>
+              </a:spcAft>
+              <a:defRPr>
+                <a:solidFill>
+                  <a:schemeClr val="tx1"/>
+                </a:solidFill>
+                <a:latin typeface="Arial" panose="020B0604020202020204" pitchFamily="34" charset="0"/>
+              </a:defRPr>
+            </a:lvl1pPr>
+            <a:lvl2pPr eaLnBrk="0" fontAlgn="base" hangingPunct="0">
+              <a:spcBef>
+                <a:spcPct val="0"/>
+              </a:spcBef>
+              <a:spcAft>
+                <a:spcPct val="0"/>
+              </a:spcAft>
+              <a:defRPr>
+                <a:solidFill>
+                  <a:schemeClr val="tx1"/>
+                </a:solidFill>
+                <a:latin typeface="Arial" panose="020B0604020202020204" pitchFamily="34" charset="0"/>
+              </a:defRPr>
+            </a:lvl2pPr>
+            <a:lvl3pPr eaLnBrk="0" fontAlgn="base" hangingPunct="0">
+              <a:spcBef>
+                <a:spcPct val="0"/>
+              </a:spcBef>
+              <a:spcAft>
+                <a:spcPct val="0"/>
+              </a:spcAft>
+              <a:defRPr>
+                <a:solidFill>
+                  <a:schemeClr val="tx1"/>
+                </a:solidFill>
+                <a:latin typeface="Arial" panose="020B0604020202020204" pitchFamily="34" charset="0"/>
+              </a:defRPr>
+            </a:lvl3pPr>
+            <a:lvl4pPr eaLnBrk="0" fontAlgn="base" hangingPunct="0">
+              <a:spcBef>
+                <a:spcPct val="0"/>
+              </a:spcBef>
+              <a:spcAft>
+                <a:spcPct val="0"/>
+              </a:spcAft>
+              <a:defRPr>
+                <a:solidFill>
+                  <a:schemeClr val="tx1"/>
+                </a:solidFill>
+                <a:latin typeface="Arial" panose="020B0604020202020204" pitchFamily="34" charset="0"/>
+              </a:defRPr>
+            </a:lvl4pPr>
+            <a:lvl5pPr eaLnBrk="0" fontAlgn="base" hangingPunct="0">
+              <a:spcBef>
+                <a:spcPct val="0"/>
+              </a:spcBef>
+              <a:spcAft>
+                <a:spcPct val="0"/>
+              </a:spcAft>
+              <a:defRPr>
+                <a:solidFill>
+                  <a:schemeClr val="tx1"/>
+                </a:solidFill>
+                <a:latin typeface="Arial" panose="020B0604020202020204" pitchFamily="34" charset="0"/>
+              </a:defRPr>
+            </a:lvl5pPr>
+            <a:lvl6pPr eaLnBrk="0" fontAlgn="base" hangingPunct="0">
+              <a:spcBef>
+                <a:spcPct val="0"/>
+              </a:spcBef>
+              <a:spcAft>
+                <a:spcPct val="0"/>
+              </a:spcAft>
+              <a:defRPr>
+                <a:solidFill>
+                  <a:schemeClr val="tx1"/>
+                </a:solidFill>
+                <a:latin typeface="Arial" panose="020B0604020202020204" pitchFamily="34" charset="0"/>
+              </a:defRPr>
+            </a:lvl6pPr>
+            <a:lvl7pPr eaLnBrk="0" fontAlgn="base" hangingPunct="0">
+              <a:spcBef>
+                <a:spcPct val="0"/>
+              </a:spcBef>
+              <a:spcAft>
+                <a:spcPct val="0"/>
+              </a:spcAft>
+              <a:defRPr>
+                <a:solidFill>
+                  <a:schemeClr val="tx1"/>
+                </a:solidFill>
+                <a:latin typeface="Arial" panose="020B0604020202020204" pitchFamily="34" charset="0"/>
+              </a:defRPr>
+            </a:lvl7pPr>
+            <a:lvl8pPr eaLnBrk="0" fontAlgn="base" hangingPunct="0">
+              <a:spcBef>
+                <a:spcPct val="0"/>
+              </a:spcBef>
+              <a:spcAft>
+                <a:spcPct val="0"/>
+              </a:spcAft>
+              <a:defRPr>
+                <a:solidFill>
+                  <a:schemeClr val="tx1"/>
+                </a:solidFill>
+                <a:latin typeface="Arial" panose="020B0604020202020204" pitchFamily="34" charset="0"/>
+              </a:defRPr>
+            </a:lvl8pPr>
+            <a:lvl9pPr eaLnBrk="0" fontAlgn="base" hangingPunct="0">
+              <a:spcBef>
+                <a:spcPct val="0"/>
+              </a:spcBef>
+              <a:spcAft>
+                <a:spcPct val="0"/>
+              </a:spcAft>
+              <a:defRPr>
+                <a:solidFill>
+                  <a:schemeClr val="tx1"/>
+                </a:solidFill>
+                <a:latin typeface="Arial" panose="020B0604020202020204" pitchFamily="34" charset="0"/>
+              </a:defRPr>
+            </a:lvl9pPr>
+          </a:lstStyle>
+          <a:p>
+            <a:pPr lvl="0"/>
+            <a:r>
+              <a:rPr kumimoji="0" lang="zh-CN" altLang="zh-CN" b="0" i="0" u="none" strike="noStrike" cap="none" normalizeH="0" baseline="0" dirty="0" smtClean="0">
+                <a:ln>
+                  <a:noFill/>
+                </a:ln>
+                <a:solidFill>
+                  <a:srgbClr val="546E7A"/>
+                </a:solidFill>
+                <a:effectLst/>
+                <a:latin typeface="Arial" panose="020B0604020202020204" pitchFamily="34" charset="0"/>
+                <a:ea typeface="Helvetica Neue"/>
+              </a:rPr>
+              <a:t>当在表单中使用</a:t>
+            </a:r>
+            <a:r>
+              <a:rPr kumimoji="0" lang="zh-CN" altLang="zh-CN" sz="1600" b="0" i="0" u="none" strike="noStrike" cap="none" normalizeH="0" baseline="0" dirty="0" smtClean="0">
+                <a:ln>
+                  <a:noFill/>
+                </a:ln>
+                <a:solidFill>
+                  <a:srgbClr val="00796B"/>
+                </a:solidFill>
+                <a:effectLst/>
+                <a:latin typeface="Arial Unicode MS" panose="020B0604020202020204" pitchFamily="34" charset="-122"/>
+                <a:ea typeface="Monaco"/>
+              </a:rPr>
+              <a:t>[(ngModel)]</a:t>
+            </a:r>
+            <a:r>
+              <a:rPr kumimoji="0" lang="zh-CN" altLang="zh-CN" b="0" i="0" u="none" strike="noStrike" cap="none" normalizeH="0" baseline="0" dirty="0" smtClean="0">
+                <a:ln>
+                  <a:noFill/>
+                </a:ln>
+                <a:solidFill>
+                  <a:srgbClr val="546E7A"/>
+                </a:solidFill>
+                <a:effectLst/>
+                <a:ea typeface="Helvetica Neue"/>
+              </a:rPr>
+              <a:t>时，必须要定义</a:t>
+            </a:r>
+            <a:r>
+              <a:rPr kumimoji="0" lang="zh-CN" altLang="zh-CN" sz="1600" b="0" i="0" u="none" strike="noStrike" cap="none" normalizeH="0" baseline="0" dirty="0" smtClean="0">
+                <a:ln>
+                  <a:noFill/>
+                </a:ln>
+                <a:solidFill>
+                  <a:srgbClr val="00796B"/>
+                </a:solidFill>
+                <a:effectLst/>
+                <a:latin typeface="Arial Unicode MS" panose="020B0604020202020204" pitchFamily="34" charset="-122"/>
+                <a:ea typeface="Monaco"/>
+              </a:rPr>
+              <a:t>name</a:t>
+            </a:r>
+            <a:r>
+              <a:rPr kumimoji="0" lang="zh-CN" altLang="zh-CN" b="0" i="0" u="none" strike="noStrike" cap="none" normalizeH="0" baseline="0" dirty="0" smtClean="0">
+                <a:ln>
+                  <a:noFill/>
+                </a:ln>
+                <a:solidFill>
+                  <a:srgbClr val="546E7A"/>
+                </a:solidFill>
+                <a:effectLst/>
+                <a:ea typeface="Helvetica Neue"/>
+              </a:rPr>
+              <a:t>属性</a:t>
+            </a:r>
+            <a:r>
+              <a:rPr lang="zh-CN" altLang="en-US" dirty="0">
+                <a:solidFill>
+                  <a:srgbClr val="546E7A"/>
+                </a:solidFill>
+                <a:ea typeface="Helvetica Neue"/>
+              </a:rPr>
+              <a:t>，</a:t>
+            </a:r>
+            <a:r>
+              <a:rPr lang="en-US" altLang="zh-CN" dirty="0">
+                <a:solidFill>
+                  <a:srgbClr val="546E7A"/>
+                </a:solidFill>
+                <a:ea typeface="Helvetica Neue"/>
+              </a:rPr>
+              <a:t>Angular </a:t>
+            </a:r>
+            <a:r>
+              <a:rPr lang="zh-CN" altLang="en-US" dirty="0">
+                <a:solidFill>
+                  <a:srgbClr val="546E7A"/>
+                </a:solidFill>
+                <a:ea typeface="Helvetica Neue"/>
+              </a:rPr>
+              <a:t>表单用它注册控件</a:t>
+            </a:r>
+            <a:endParaRPr lang="zh-CN" altLang="zh-CN" dirty="0">
+              <a:solidFill>
+                <a:srgbClr val="546E7A"/>
+              </a:solidFill>
+              <a:ea typeface="Helvetica Neue"/>
+            </a:endParaRPr>
+          </a:p>
+        </p:txBody>
+      </p:sp>
+      <p:sp>
+        <p:nvSpPr>
+          <p:cNvPr id="9" name="Rectangle 4"/>
+          <p:cNvSpPr>
+            <a:spLocks noChangeArrowheads="1"/>
+          </p:cNvSpPr>
+          <p:nvPr/>
+        </p:nvSpPr>
+        <p:spPr bwMode="auto">
+          <a:xfrm>
+            <a:off x="741416" y="5119616"/>
+            <a:ext cx="9348713" cy="276999"/>
+          </a:xfrm>
+          <a:prstGeom prst="rect">
+            <a:avLst/>
+          </a:prstGeom>
+          <a:solidFill>
+            <a:srgbClr val="FFFFFF"/>
+          </a:solidFill>
+          <a:ln>
+            <a:noFill/>
+          </a:ln>
+          <a:effectLst/>
+          <a:extLst>
+            <a:ext uri="{91240B29-F687-4F45-9708-019B960494DF}">
+              <a14:hiddenLine xmlns:a14="http://schemas.microsoft.com/office/drawing/2010/main" w="9525">
+                <a:solidFill>
+                  <a:schemeClr val="tx1"/>
+                </a:solidFill>
+                <a:miter lim="800000"/>
+                <a:headEnd/>
+                <a:tailEnd/>
+              </a14:hiddenLine>
+            </a:ext>
+            <a:ext uri="{AF507438-7753-43E0-B8FC-AC1667EBCBE1}">
+              <a14:hiddenEffects xmlns:a14="http://schemas.microsoft.com/office/drawing/2010/main">
+                <a:effectLst>
+                  <a:outerShdw dist="35921" dir="2700000" algn="ctr" rotWithShape="0">
+                    <a:schemeClr val="bg2"/>
+                  </a:outerShdw>
+                </a:effectLst>
+              </a14:hiddenEffects>
+            </a:ext>
+          </a:extLst>
+        </p:spPr>
+        <p:txBody>
+          <a:bodyPr vert="horz" wrap="none" lIns="0" tIns="0" rIns="0" bIns="0" numCol="1" anchor="ctr" anchorCtr="0" compatLnSpc="1">
+            <a:prstTxWarp prst="textNoShape">
+              <a:avLst/>
+            </a:prstTxWarp>
+            <a:spAutoFit/>
+          </a:bodyPr>
+          <a:lstStyle/>
+          <a:p>
+            <a:pPr marL="0" marR="0" lvl="0" indent="0" algn="l" defTabSz="914400" rtl="0" eaLnBrk="0" fontAlgn="base" latinLnBrk="0" hangingPunct="0">
+              <a:lnSpc>
+                <a:spcPct val="100000"/>
+              </a:lnSpc>
+              <a:spcBef>
+                <a:spcPct val="0"/>
+              </a:spcBef>
+              <a:spcAft>
+                <a:spcPct val="0"/>
+              </a:spcAft>
+              <a:buClrTx/>
+              <a:buSzTx/>
+              <a:buFontTx/>
+              <a:buNone/>
+              <a:tabLst/>
+            </a:pPr>
+            <a:r>
+              <a:rPr lang="zh-CN" altLang="zh-CN" dirty="0">
+                <a:solidFill>
+                  <a:srgbClr val="00796B"/>
+                </a:solidFill>
+                <a:latin typeface="Arial Unicode MS" panose="020B0604020202020204" pitchFamily="34" charset="-122"/>
+                <a:ea typeface="Monaco"/>
+              </a:rPr>
+              <a:t>&lt;input type</a:t>
+            </a:r>
+            <a:r>
+              <a:rPr kumimoji="0" lang="zh-CN" altLang="zh-CN" b="0" i="0" u="none" strike="noStrike" cap="none" normalizeH="0" baseline="0" dirty="0" smtClean="0">
+                <a:ln>
+                  <a:noFill/>
+                </a:ln>
+                <a:solidFill>
+                  <a:srgbClr val="455A64"/>
+                </a:solidFill>
+                <a:effectLst/>
+                <a:latin typeface="Arial Unicode MS" panose="020B0604020202020204" pitchFamily="34" charset="-122"/>
+                <a:ea typeface="Monaco"/>
+              </a:rPr>
+              <a:t>=</a:t>
+            </a:r>
+            <a:r>
+              <a:rPr kumimoji="0" lang="zh-CN" altLang="zh-CN" b="0" i="0" u="none" strike="noStrike" cap="none" normalizeH="0" baseline="0" dirty="0" smtClean="0">
+                <a:ln>
+                  <a:noFill/>
+                </a:ln>
+                <a:solidFill>
+                  <a:srgbClr val="00796B"/>
+                </a:solidFill>
+                <a:effectLst/>
+                <a:latin typeface="Arial Unicode MS" panose="020B0604020202020204" pitchFamily="34" charset="-122"/>
+                <a:ea typeface="Monaco"/>
+              </a:rPr>
+              <a:t>"text"</a:t>
+            </a:r>
+            <a:r>
+              <a:rPr kumimoji="0" lang="zh-CN" altLang="zh-CN" b="0" i="0" u="none" strike="noStrike" cap="none" normalizeH="0" baseline="0" dirty="0" smtClean="0">
+                <a:ln>
+                  <a:noFill/>
+                </a:ln>
+                <a:solidFill>
+                  <a:srgbClr val="455A64"/>
+                </a:solidFill>
+                <a:effectLst/>
+                <a:latin typeface="Arial Unicode MS" panose="020B0604020202020204" pitchFamily="34" charset="-122"/>
+                <a:ea typeface="Monaco"/>
+              </a:rPr>
+              <a:t> </a:t>
+            </a:r>
+            <a:r>
+              <a:rPr kumimoji="0" lang="zh-CN" altLang="zh-CN" b="0" i="0" u="none" strike="noStrike" cap="none" normalizeH="0" baseline="0" dirty="0" smtClean="0">
+                <a:ln>
+                  <a:noFill/>
+                </a:ln>
+                <a:solidFill>
+                  <a:srgbClr val="00796B"/>
+                </a:solidFill>
+                <a:effectLst/>
+                <a:latin typeface="Arial Unicode MS" panose="020B0604020202020204" pitchFamily="34" charset="-122"/>
+                <a:ea typeface="Monaco"/>
+              </a:rPr>
+              <a:t>class</a:t>
+            </a:r>
+            <a:r>
+              <a:rPr kumimoji="0" lang="zh-CN" altLang="zh-CN" b="0" i="0" u="none" strike="noStrike" cap="none" normalizeH="0" baseline="0" dirty="0" smtClean="0">
+                <a:ln>
+                  <a:noFill/>
+                </a:ln>
+                <a:solidFill>
+                  <a:srgbClr val="455A64"/>
+                </a:solidFill>
+                <a:effectLst/>
+                <a:latin typeface="Arial Unicode MS" panose="020B0604020202020204" pitchFamily="34" charset="-122"/>
+                <a:ea typeface="Monaco"/>
+              </a:rPr>
+              <a:t>=</a:t>
+            </a:r>
+            <a:r>
+              <a:rPr kumimoji="0" lang="zh-CN" altLang="zh-CN" b="0" i="0" u="none" strike="noStrike" cap="none" normalizeH="0" baseline="0" dirty="0" smtClean="0">
+                <a:ln>
+                  <a:noFill/>
+                </a:ln>
+                <a:solidFill>
+                  <a:srgbClr val="00796B"/>
+                </a:solidFill>
+                <a:effectLst/>
+                <a:latin typeface="Arial Unicode MS" panose="020B0604020202020204" pitchFamily="34" charset="-122"/>
+                <a:ea typeface="Monaco"/>
+              </a:rPr>
+              <a:t>"form-control"</a:t>
+            </a:r>
+            <a:r>
+              <a:rPr kumimoji="0" lang="zh-CN" altLang="zh-CN" b="0" i="0" u="none" strike="noStrike" cap="none" normalizeH="0" baseline="0" dirty="0" smtClean="0">
+                <a:ln>
+                  <a:noFill/>
+                </a:ln>
+                <a:solidFill>
+                  <a:srgbClr val="455A64"/>
+                </a:solidFill>
+                <a:effectLst/>
+                <a:latin typeface="Arial Unicode MS" panose="020B0604020202020204" pitchFamily="34" charset="-122"/>
+                <a:ea typeface="Monaco"/>
+              </a:rPr>
+              <a:t> </a:t>
+            </a:r>
+            <a:r>
+              <a:rPr kumimoji="0" lang="zh-CN" altLang="zh-CN" b="0" i="0" u="none" strike="noStrike" cap="none" normalizeH="0" baseline="0" dirty="0" smtClean="0">
+                <a:ln>
+                  <a:noFill/>
+                </a:ln>
+                <a:solidFill>
+                  <a:srgbClr val="00796B"/>
+                </a:solidFill>
+                <a:effectLst/>
+                <a:latin typeface="Arial Unicode MS" panose="020B0604020202020204" pitchFamily="34" charset="-122"/>
+                <a:ea typeface="Monaco"/>
+              </a:rPr>
+              <a:t>required</a:t>
+            </a:r>
+            <a:r>
+              <a:rPr kumimoji="0" lang="zh-CN" altLang="zh-CN" b="0" i="0" u="none" strike="noStrike" cap="none" normalizeH="0" baseline="0" dirty="0" smtClean="0">
+                <a:ln>
+                  <a:noFill/>
+                </a:ln>
+                <a:solidFill>
+                  <a:srgbClr val="455A64"/>
+                </a:solidFill>
+                <a:effectLst/>
+                <a:latin typeface="Arial Unicode MS" panose="020B0604020202020204" pitchFamily="34" charset="-122"/>
+                <a:ea typeface="Monaco"/>
+              </a:rPr>
+              <a:t> [(</a:t>
+            </a:r>
+            <a:r>
+              <a:rPr kumimoji="0" lang="zh-CN" altLang="zh-CN" b="0" i="0" u="none" strike="noStrike" cap="none" normalizeH="0" baseline="0" dirty="0" smtClean="0">
+                <a:ln>
+                  <a:noFill/>
+                </a:ln>
+                <a:solidFill>
+                  <a:srgbClr val="00796B"/>
+                </a:solidFill>
+                <a:effectLst/>
+                <a:latin typeface="Arial Unicode MS" panose="020B0604020202020204" pitchFamily="34" charset="-122"/>
+                <a:ea typeface="Monaco"/>
+              </a:rPr>
+              <a:t>ngModel</a:t>
+            </a:r>
+            <a:r>
+              <a:rPr kumimoji="0" lang="zh-CN" altLang="zh-CN" b="0" i="0" u="none" strike="noStrike" cap="none" normalizeH="0" baseline="0" dirty="0" smtClean="0">
+                <a:ln>
+                  <a:noFill/>
+                </a:ln>
+                <a:solidFill>
+                  <a:srgbClr val="455A64"/>
+                </a:solidFill>
+                <a:effectLst/>
+                <a:latin typeface="Arial Unicode MS" panose="020B0604020202020204" pitchFamily="34" charset="-122"/>
+                <a:ea typeface="Monaco"/>
+              </a:rPr>
+              <a:t>)]=</a:t>
+            </a:r>
+            <a:r>
+              <a:rPr kumimoji="0" lang="zh-CN" altLang="zh-CN" b="0" i="0" u="none" strike="noStrike" cap="none" normalizeH="0" baseline="0" dirty="0" smtClean="0">
+                <a:ln>
+                  <a:noFill/>
+                </a:ln>
+                <a:solidFill>
+                  <a:srgbClr val="00796B"/>
+                </a:solidFill>
+                <a:effectLst/>
+                <a:latin typeface="Arial Unicode MS" panose="020B0604020202020204" pitchFamily="34" charset="-122"/>
+                <a:ea typeface="Monaco"/>
+              </a:rPr>
+              <a:t>"model.name"</a:t>
+            </a:r>
+            <a:r>
+              <a:rPr kumimoji="0" lang="zh-CN" altLang="zh-CN" b="0" i="0" u="none" strike="noStrike" cap="none" normalizeH="0" baseline="0" dirty="0" smtClean="0">
+                <a:ln>
+                  <a:noFill/>
+                </a:ln>
+                <a:solidFill>
+                  <a:srgbClr val="455A64"/>
+                </a:solidFill>
+                <a:effectLst/>
+                <a:latin typeface="Arial Unicode MS" panose="020B0604020202020204" pitchFamily="34" charset="-122"/>
+                <a:ea typeface="Monaco"/>
+              </a:rPr>
+              <a:t> </a:t>
+            </a:r>
+            <a:r>
+              <a:rPr kumimoji="0" lang="zh-CN" altLang="zh-CN" b="0" i="0" u="none" strike="noStrike" cap="none" normalizeH="0" baseline="0" dirty="0" smtClean="0">
+                <a:ln>
+                  <a:noFill/>
+                </a:ln>
+                <a:solidFill>
+                  <a:srgbClr val="00796B"/>
+                </a:solidFill>
+                <a:effectLst/>
+                <a:latin typeface="Arial Unicode MS" panose="020B0604020202020204" pitchFamily="34" charset="-122"/>
+                <a:ea typeface="Monaco"/>
+              </a:rPr>
+              <a:t>name</a:t>
+            </a:r>
+            <a:r>
+              <a:rPr kumimoji="0" lang="zh-CN" altLang="zh-CN" b="0" i="0" u="none" strike="noStrike" cap="none" normalizeH="0" baseline="0" dirty="0" smtClean="0">
+                <a:ln>
+                  <a:noFill/>
+                </a:ln>
+                <a:solidFill>
+                  <a:srgbClr val="455A64"/>
+                </a:solidFill>
+                <a:effectLst/>
+                <a:latin typeface="Arial Unicode MS" panose="020B0604020202020204" pitchFamily="34" charset="-122"/>
+                <a:ea typeface="Monaco"/>
+              </a:rPr>
+              <a:t>=</a:t>
+            </a:r>
+            <a:r>
+              <a:rPr kumimoji="0" lang="zh-CN" altLang="zh-CN" b="0" i="0" u="none" strike="noStrike" cap="none" normalizeH="0" baseline="0" dirty="0" smtClean="0">
+                <a:ln>
+                  <a:noFill/>
+                </a:ln>
+                <a:solidFill>
+                  <a:srgbClr val="00796B"/>
+                </a:solidFill>
+                <a:effectLst/>
+                <a:latin typeface="Arial Unicode MS" panose="020B0604020202020204" pitchFamily="34" charset="-122"/>
+                <a:ea typeface="Monaco"/>
+              </a:rPr>
+              <a:t>"</a:t>
+            </a:r>
+            <a:r>
+              <a:rPr lang="zh-CN" altLang="zh-CN" dirty="0">
+                <a:solidFill>
+                  <a:srgbClr val="00796B"/>
+                </a:solidFill>
+                <a:latin typeface="Arial Unicode MS" panose="020B0604020202020204" pitchFamily="34" charset="-122"/>
+                <a:ea typeface="Monaco"/>
+              </a:rPr>
+              <a:t>name"&gt; </a:t>
+            </a:r>
+          </a:p>
+        </p:txBody>
+      </p:sp>
+      <p:sp>
+        <p:nvSpPr>
+          <p:cNvPr id="10" name="矩形 9"/>
+          <p:cNvSpPr/>
+          <p:nvPr/>
+        </p:nvSpPr>
+        <p:spPr>
+          <a:xfrm>
+            <a:off x="654318" y="2122021"/>
+            <a:ext cx="3592650" cy="461665"/>
+          </a:xfrm>
+          <a:prstGeom prst="rect">
+            <a:avLst/>
+          </a:prstGeom>
+        </p:spPr>
+        <p:txBody>
+          <a:bodyPr wrap="none">
+            <a:spAutoFit/>
+          </a:bodyPr>
+          <a:lstStyle/>
+          <a:p>
+            <a:r>
+              <a:rPr lang="zh-CN" altLang="en-US" sz="2400" b="1" dirty="0">
+                <a:solidFill>
+                  <a:srgbClr val="546E7A"/>
+                </a:solidFill>
+                <a:latin typeface="Helvetica Neue"/>
+              </a:rPr>
+              <a:t>创建初始 </a:t>
+            </a:r>
+            <a:r>
+              <a:rPr lang="en-US" altLang="zh-CN" sz="2400" b="1" dirty="0">
+                <a:solidFill>
+                  <a:srgbClr val="546E7A"/>
+                </a:solidFill>
+                <a:latin typeface="Helvetica Neue"/>
+              </a:rPr>
+              <a:t>HTML </a:t>
+            </a:r>
+            <a:r>
+              <a:rPr lang="zh-CN" altLang="en-US" sz="2400" b="1" dirty="0">
+                <a:solidFill>
+                  <a:srgbClr val="546E7A"/>
+                </a:solidFill>
+                <a:latin typeface="Helvetica Neue"/>
+              </a:rPr>
+              <a:t>表单模板</a:t>
+            </a:r>
+            <a:endParaRPr lang="zh-CN" altLang="en-US" sz="2400" b="1" i="0" dirty="0">
+              <a:solidFill>
+                <a:srgbClr val="546E7A"/>
+              </a:solidFill>
+              <a:effectLst/>
+              <a:latin typeface="Helvetica Neue"/>
+            </a:endParaRPr>
+          </a:p>
+        </p:txBody>
+      </p:sp>
+    </p:spTree>
+    <p:extLst>
+      <p:ext uri="{BB962C8B-B14F-4D97-AF65-F5344CB8AC3E}">
+        <p14:creationId xmlns:p14="http://schemas.microsoft.com/office/powerpoint/2010/main" val="3213035394"/>
+      </p:ext>
+    </p:extLst>
+  </p:cSld>
+  <p:clrMapOvr>
+    <a:masterClrMapping/>
+  </p:clrMapOvr>
+</p:sld>
+</file>
+
+<file path=ppt/slides/slide14.xml><?xml version="1.0" encoding="utf-8"?>
+<p:sld xmlns:a="http://schemas.openxmlformats.org/drawingml/2006/main" xmlns:r="http://schemas.openxmlformats.org/officeDocument/2006/relationships" xmlns:p="http://schemas.openxmlformats.org/presentationml/2006/main">
+  <p:cSld>
+    <p:bg>
+      <p:bgPr>
+        <a:noFill/>
+        <a:effectLst/>
+      </p:bgPr>
+    </p:bg>
+    <p:spTree>
+      <p:nvGrpSpPr>
+        <p:cNvPr id="1" name=""/>
+        <p:cNvGrpSpPr/>
+        <p:nvPr/>
+      </p:nvGrpSpPr>
+      <p:grpSpPr>
+        <a:xfrm>
+          <a:off x="0" y="0"/>
+          <a:ext cx="0" cy="0"/>
+          <a:chOff x="0" y="0"/>
+          <a:chExt cx="0" cy="0"/>
+        </a:xfrm>
+      </p:grpSpPr>
+      <p:sp>
+        <p:nvSpPr>
+          <p:cNvPr id="10" name="矩形 9"/>
+          <p:cNvSpPr/>
+          <p:nvPr/>
+        </p:nvSpPr>
+        <p:spPr>
+          <a:xfrm>
+            <a:off x="654318" y="514897"/>
+            <a:ext cx="5915402" cy="461665"/>
+          </a:xfrm>
+          <a:prstGeom prst="rect">
+            <a:avLst/>
+          </a:prstGeom>
+        </p:spPr>
+        <p:txBody>
+          <a:bodyPr wrap="none">
+            <a:spAutoFit/>
+          </a:bodyPr>
+          <a:lstStyle/>
+          <a:p>
+            <a:r>
+              <a:rPr lang="zh-CN" altLang="en-US" sz="2400" b="1" dirty="0" smtClean="0">
+                <a:solidFill>
+                  <a:srgbClr val="546E7A"/>
+                </a:solidFill>
+                <a:latin typeface="Helvetica Neue"/>
+              </a:rPr>
+              <a:t>通过</a:t>
+            </a:r>
+            <a:r>
+              <a:rPr lang="zh-CN" altLang="en-US" sz="2400" b="1" dirty="0">
+                <a:solidFill>
+                  <a:srgbClr val="546E7A"/>
+                </a:solidFill>
+                <a:latin typeface="Helvetica Neue"/>
+              </a:rPr>
+              <a:t> </a:t>
+            </a:r>
+            <a:r>
+              <a:rPr lang="en-US" altLang="zh-CN" sz="2400" b="1" dirty="0" err="1">
+                <a:solidFill>
+                  <a:srgbClr val="546E7A"/>
+                </a:solidFill>
+                <a:latin typeface="Helvetica Neue"/>
+              </a:rPr>
+              <a:t>ngModel</a:t>
+            </a:r>
+            <a:r>
+              <a:rPr lang="en-US" altLang="zh-CN" sz="2400" b="1" dirty="0">
+                <a:solidFill>
+                  <a:srgbClr val="546E7A"/>
+                </a:solidFill>
+                <a:latin typeface="Helvetica Neue"/>
+              </a:rPr>
+              <a:t> </a:t>
+            </a:r>
+            <a:r>
+              <a:rPr lang="zh-CN" altLang="en-US" sz="2400" b="1" dirty="0">
+                <a:solidFill>
+                  <a:srgbClr val="546E7A"/>
+                </a:solidFill>
+                <a:latin typeface="Helvetica Neue"/>
+              </a:rPr>
+              <a:t>跟踪修改状态与有效性</a:t>
+            </a:r>
+            <a:r>
+              <a:rPr lang="zh-CN" altLang="en-US" sz="2400" b="1" dirty="0" smtClean="0">
+                <a:solidFill>
+                  <a:srgbClr val="546E7A"/>
+                </a:solidFill>
+                <a:latin typeface="Helvetica Neue"/>
+              </a:rPr>
+              <a:t>验证</a:t>
+            </a:r>
+            <a:endParaRPr lang="zh-CN" altLang="en-US" sz="2400" b="1" dirty="0">
+              <a:solidFill>
+                <a:srgbClr val="546E7A"/>
               </a:solidFill>
               <a:latin typeface="Helvetica Neue"/>
             </a:endParaRPr>
           </a:p>
-          <a:p>
-            <a:endParaRPr lang="en-US" altLang="zh-CN" dirty="0">
+        </p:txBody>
+      </p:sp>
+      <p:graphicFrame>
+        <p:nvGraphicFramePr>
+          <p:cNvPr id="11" name="表格 10"/>
+          <p:cNvGraphicFramePr>
+            <a:graphicFrameLocks noGrp="1"/>
+          </p:cNvGraphicFramePr>
+          <p:nvPr>
+            <p:extLst>
+              <p:ext uri="{D42A27DB-BD31-4B8C-83A1-F6EECF244321}">
+                <p14:modId xmlns:p14="http://schemas.microsoft.com/office/powerpoint/2010/main" val="1544371713"/>
+              </p:ext>
+            </p:extLst>
+          </p:nvPr>
+        </p:nvGraphicFramePr>
+        <p:xfrm>
+          <a:off x="654318" y="1083526"/>
+          <a:ext cx="10515600" cy="2316480"/>
+        </p:xfrm>
+        <a:graphic>
+          <a:graphicData uri="http://schemas.openxmlformats.org/drawingml/2006/table">
+            <a:tbl>
+              <a:tblPr/>
+              <a:tblGrid>
+                <a:gridCol w="3505200"/>
+                <a:gridCol w="3505200"/>
+                <a:gridCol w="3505200"/>
+              </a:tblGrid>
+              <a:tr h="0">
+                <a:tc>
+                  <a:txBody>
+                    <a:bodyPr/>
+                    <a:lstStyle/>
+                    <a:p>
+                      <a:pPr algn="l"/>
+                      <a:r>
+                        <a:rPr lang="zh-CN" altLang="en-US" b="0" dirty="0">
+                          <a:effectLst/>
+                          <a:latin typeface="Helvetica Neue"/>
+                        </a:rPr>
+                        <a:t>状态</a:t>
+                      </a:r>
+                    </a:p>
+                  </a:txBody>
+                  <a:tcPr marL="304800" marR="304800" marT="152400" marB="152400" anchor="ctr">
+                    <a:lnL>
+                      <a:noFill/>
+                    </a:lnL>
+                    <a:lnR w="9525" cap="flat" cmpd="sng" algn="ctr">
+                      <a:solidFill>
+                        <a:srgbClr val="ECEFF1"/>
+                      </a:solidFill>
+                      <a:prstDash val="solid"/>
+                      <a:round/>
+                      <a:headEnd type="none" w="med" len="med"/>
+                      <a:tailEnd type="none" w="med" len="med"/>
+                    </a:lnR>
+                    <a:lnT>
+                      <a:noFill/>
+                    </a:lnT>
+                    <a:lnB w="9525" cap="flat" cmpd="sng" algn="ctr">
+                      <a:solidFill>
+                        <a:srgbClr val="ECEFF1"/>
+                      </a:solidFill>
+                      <a:prstDash val="solid"/>
+                      <a:round/>
+                      <a:headEnd type="none" w="med" len="med"/>
+                      <a:tailEnd type="none" w="med" len="med"/>
+                    </a:lnB>
+                    <a:solidFill>
+                      <a:srgbClr val="FFFFFF"/>
+                    </a:solidFill>
+                  </a:tcPr>
+                </a:tc>
+                <a:tc>
+                  <a:txBody>
+                    <a:bodyPr/>
+                    <a:lstStyle/>
+                    <a:p>
+                      <a:pPr algn="l"/>
+                      <a:r>
+                        <a:rPr lang="zh-CN" altLang="en-US" b="0">
+                          <a:effectLst/>
+                          <a:latin typeface="Helvetica Neue"/>
+                        </a:rPr>
+                        <a:t>为真时的 </a:t>
+                      </a:r>
+                      <a:r>
+                        <a:rPr lang="en-US" b="0">
+                          <a:effectLst/>
+                          <a:latin typeface="Helvetica Neue"/>
+                        </a:rPr>
+                        <a:t>CSS </a:t>
+                      </a:r>
+                      <a:r>
+                        <a:rPr lang="zh-CN" altLang="en-US" b="0">
+                          <a:effectLst/>
+                          <a:latin typeface="Helvetica Neue"/>
+                        </a:rPr>
+                        <a:t>类</a:t>
+                      </a:r>
+                    </a:p>
+                  </a:txBody>
+                  <a:tcPr marL="304800" marR="304800" marT="152400" marB="152400" anchor="ctr">
+                    <a:lnL w="9525" cap="flat" cmpd="sng" algn="ctr">
+                      <a:solidFill>
+                        <a:srgbClr val="ECEFF1"/>
+                      </a:solidFill>
+                      <a:prstDash val="solid"/>
+                      <a:round/>
+                      <a:headEnd type="none" w="med" len="med"/>
+                      <a:tailEnd type="none" w="med" len="med"/>
+                    </a:lnL>
+                    <a:lnR w="9525" cap="flat" cmpd="sng" algn="ctr">
+                      <a:solidFill>
+                        <a:srgbClr val="ECEFF1"/>
+                      </a:solidFill>
+                      <a:prstDash val="solid"/>
+                      <a:round/>
+                      <a:headEnd type="none" w="med" len="med"/>
+                      <a:tailEnd type="none" w="med" len="med"/>
+                    </a:lnR>
+                    <a:lnT>
+                      <a:noFill/>
+                    </a:lnT>
+                    <a:lnB w="9525" cap="flat" cmpd="sng" algn="ctr">
+                      <a:solidFill>
+                        <a:srgbClr val="ECEFF1"/>
+                      </a:solidFill>
+                      <a:prstDash val="solid"/>
+                      <a:round/>
+                      <a:headEnd type="none" w="med" len="med"/>
+                      <a:tailEnd type="none" w="med" len="med"/>
+                    </a:lnB>
+                    <a:solidFill>
+                      <a:srgbClr val="FFFFFF"/>
+                    </a:solidFill>
+                  </a:tcPr>
+                </a:tc>
+                <a:tc>
+                  <a:txBody>
+                    <a:bodyPr/>
+                    <a:lstStyle/>
+                    <a:p>
+                      <a:pPr algn="l"/>
+                      <a:r>
+                        <a:rPr lang="zh-CN" altLang="en-US" b="0">
+                          <a:effectLst/>
+                          <a:latin typeface="Helvetica Neue"/>
+                        </a:rPr>
+                        <a:t>为假时的 </a:t>
+                      </a:r>
+                      <a:r>
+                        <a:rPr lang="en-US" b="0">
+                          <a:effectLst/>
+                          <a:latin typeface="Helvetica Neue"/>
+                        </a:rPr>
+                        <a:t>CSS </a:t>
+                      </a:r>
+                      <a:r>
+                        <a:rPr lang="zh-CN" altLang="en-US" b="0">
+                          <a:effectLst/>
+                          <a:latin typeface="Helvetica Neue"/>
+                        </a:rPr>
+                        <a:t>类</a:t>
+                      </a:r>
+                    </a:p>
+                  </a:txBody>
+                  <a:tcPr marL="304800" marR="304800" marT="152400" marB="152400" anchor="ctr">
+                    <a:lnL w="9525" cap="flat" cmpd="sng" algn="ctr">
+                      <a:solidFill>
+                        <a:srgbClr val="ECEFF1"/>
+                      </a:solidFill>
+                      <a:prstDash val="solid"/>
+                      <a:round/>
+                      <a:headEnd type="none" w="med" len="med"/>
+                      <a:tailEnd type="none" w="med" len="med"/>
+                    </a:lnL>
+                    <a:lnR w="9525" cap="flat" cmpd="sng" algn="ctr">
+                      <a:solidFill>
+                        <a:srgbClr val="ECEFF1"/>
+                      </a:solidFill>
+                      <a:prstDash val="solid"/>
+                      <a:round/>
+                      <a:headEnd type="none" w="med" len="med"/>
+                      <a:tailEnd type="none" w="med" len="med"/>
+                    </a:lnR>
+                    <a:lnT>
+                      <a:noFill/>
+                    </a:lnT>
+                    <a:lnB w="9525" cap="flat" cmpd="sng" algn="ctr">
+                      <a:solidFill>
+                        <a:srgbClr val="ECEFF1"/>
+                      </a:solidFill>
+                      <a:prstDash val="solid"/>
+                      <a:round/>
+                      <a:headEnd type="none" w="med" len="med"/>
+                      <a:tailEnd type="none" w="med" len="med"/>
+                    </a:lnB>
+                    <a:solidFill>
+                      <a:srgbClr val="FFFFFF"/>
+                    </a:solidFill>
+                  </a:tcPr>
+                </a:tc>
+              </a:tr>
+              <a:tr h="0">
+                <a:tc>
+                  <a:txBody>
+                    <a:bodyPr/>
+                    <a:lstStyle/>
+                    <a:p>
+                      <a:pPr algn="l"/>
+                      <a:r>
+                        <a:rPr lang="zh-CN" altLang="en-US" b="0">
+                          <a:effectLst/>
+                          <a:latin typeface="Helvetica Neue"/>
+                        </a:rPr>
+                        <a:t>控件被访问过。</a:t>
+                      </a:r>
+                    </a:p>
+                  </a:txBody>
+                  <a:tcPr marL="304800" marR="304800" marT="152400" marB="152400" anchor="ctr">
+                    <a:lnL>
+                      <a:noFill/>
+                    </a:lnL>
+                    <a:lnR>
+                      <a:noFill/>
+                    </a:lnR>
+                    <a:lnT w="9525" cap="flat" cmpd="sng" algn="ctr">
+                      <a:solidFill>
+                        <a:srgbClr val="ECEFF1"/>
+                      </a:solidFill>
+                      <a:prstDash val="solid"/>
+                      <a:round/>
+                      <a:headEnd type="none" w="med" len="med"/>
+                      <a:tailEnd type="none" w="med" len="med"/>
+                    </a:lnT>
+                    <a:lnB w="9525" cap="flat" cmpd="sng" algn="ctr">
+                      <a:solidFill>
+                        <a:srgbClr val="ECEFF1"/>
+                      </a:solidFill>
+                      <a:prstDash val="solid"/>
+                      <a:round/>
+                      <a:headEnd type="none" w="med" len="med"/>
+                      <a:tailEnd type="none" w="med" len="med"/>
+                    </a:lnB>
+                    <a:solidFill>
+                      <a:srgbClr val="FFFFFF"/>
+                    </a:solidFill>
+                  </a:tcPr>
+                </a:tc>
+                <a:tc>
+                  <a:txBody>
+                    <a:bodyPr/>
+                    <a:lstStyle/>
+                    <a:p>
+                      <a:pPr algn="l"/>
+                      <a:r>
+                        <a:rPr lang="en-US" b="0">
+                          <a:effectLst/>
+                        </a:rPr>
+                        <a:t>ng-touched</a:t>
+                      </a:r>
+                    </a:p>
+                  </a:txBody>
+                  <a:tcPr marL="304800" marR="304800" marT="152400" marB="152400" anchor="ctr">
+                    <a:lnL>
+                      <a:noFill/>
+                    </a:lnL>
+                    <a:lnR>
+                      <a:noFill/>
+                    </a:lnR>
+                    <a:lnT w="9525" cap="flat" cmpd="sng" algn="ctr">
+                      <a:solidFill>
+                        <a:srgbClr val="ECEFF1"/>
+                      </a:solidFill>
+                      <a:prstDash val="solid"/>
+                      <a:round/>
+                      <a:headEnd type="none" w="med" len="med"/>
+                      <a:tailEnd type="none" w="med" len="med"/>
+                    </a:lnT>
+                    <a:lnB w="9525" cap="flat" cmpd="sng" algn="ctr">
+                      <a:solidFill>
+                        <a:srgbClr val="ECEFF1"/>
+                      </a:solidFill>
+                      <a:prstDash val="solid"/>
+                      <a:round/>
+                      <a:headEnd type="none" w="med" len="med"/>
+                      <a:tailEnd type="none" w="med" len="med"/>
+                    </a:lnB>
+                    <a:solidFill>
+                      <a:srgbClr val="FFFFFF"/>
+                    </a:solidFill>
+                  </a:tcPr>
+                </a:tc>
+                <a:tc>
+                  <a:txBody>
+                    <a:bodyPr/>
+                    <a:lstStyle/>
+                    <a:p>
+                      <a:pPr algn="l"/>
+                      <a:r>
+                        <a:rPr lang="en-US" b="0">
+                          <a:effectLst/>
+                        </a:rPr>
+                        <a:t>ng-untouched</a:t>
+                      </a:r>
+                    </a:p>
+                  </a:txBody>
+                  <a:tcPr marL="304800" marR="304800" marT="152400" marB="152400" anchor="ctr">
+                    <a:lnL>
+                      <a:noFill/>
+                    </a:lnL>
+                    <a:lnR>
+                      <a:noFill/>
+                    </a:lnR>
+                    <a:lnT w="9525" cap="flat" cmpd="sng" algn="ctr">
+                      <a:solidFill>
+                        <a:srgbClr val="ECEFF1"/>
+                      </a:solidFill>
+                      <a:prstDash val="solid"/>
+                      <a:round/>
+                      <a:headEnd type="none" w="med" len="med"/>
+                      <a:tailEnd type="none" w="med" len="med"/>
+                    </a:lnT>
+                    <a:lnB w="9525" cap="flat" cmpd="sng" algn="ctr">
+                      <a:solidFill>
+                        <a:srgbClr val="ECEFF1"/>
+                      </a:solidFill>
+                      <a:prstDash val="solid"/>
+                      <a:round/>
+                      <a:headEnd type="none" w="med" len="med"/>
+                      <a:tailEnd type="none" w="med" len="med"/>
+                    </a:lnB>
+                    <a:solidFill>
+                      <a:srgbClr val="FFFFFF"/>
+                    </a:solidFill>
+                  </a:tcPr>
+                </a:tc>
+              </a:tr>
+              <a:tr h="0">
+                <a:tc>
+                  <a:txBody>
+                    <a:bodyPr/>
+                    <a:lstStyle/>
+                    <a:p>
+                      <a:pPr algn="l"/>
+                      <a:r>
+                        <a:rPr lang="zh-CN" altLang="en-US" b="0">
+                          <a:effectLst/>
+                          <a:latin typeface="Helvetica Neue"/>
+                        </a:rPr>
+                        <a:t>控件的值变化了。</a:t>
+                      </a:r>
+                    </a:p>
+                  </a:txBody>
+                  <a:tcPr marL="304800" marR="304800" marT="152400" marB="152400" anchor="ctr">
+                    <a:lnL>
+                      <a:noFill/>
+                    </a:lnL>
+                    <a:lnR>
+                      <a:noFill/>
+                    </a:lnR>
+                    <a:lnT w="9525" cap="flat" cmpd="sng" algn="ctr">
+                      <a:solidFill>
+                        <a:srgbClr val="ECEFF1"/>
+                      </a:solidFill>
+                      <a:prstDash val="solid"/>
+                      <a:round/>
+                      <a:headEnd type="none" w="med" len="med"/>
+                      <a:tailEnd type="none" w="med" len="med"/>
+                    </a:lnT>
+                    <a:lnB w="9525" cap="flat" cmpd="sng" algn="ctr">
+                      <a:solidFill>
+                        <a:srgbClr val="ECEFF1"/>
+                      </a:solidFill>
+                      <a:prstDash val="solid"/>
+                      <a:round/>
+                      <a:headEnd type="none" w="med" len="med"/>
+                      <a:tailEnd type="none" w="med" len="med"/>
+                    </a:lnB>
+                    <a:solidFill>
+                      <a:srgbClr val="FFFFFF"/>
+                    </a:solidFill>
+                  </a:tcPr>
+                </a:tc>
+                <a:tc>
+                  <a:txBody>
+                    <a:bodyPr/>
+                    <a:lstStyle/>
+                    <a:p>
+                      <a:pPr algn="l"/>
+                      <a:r>
+                        <a:rPr lang="en-US" b="0">
+                          <a:effectLst/>
+                        </a:rPr>
+                        <a:t>ng-dirty</a:t>
+                      </a:r>
+                    </a:p>
+                  </a:txBody>
+                  <a:tcPr marL="304800" marR="304800" marT="152400" marB="152400" anchor="ctr">
+                    <a:lnL>
+                      <a:noFill/>
+                    </a:lnL>
+                    <a:lnR>
+                      <a:noFill/>
+                    </a:lnR>
+                    <a:lnT w="9525" cap="flat" cmpd="sng" algn="ctr">
+                      <a:solidFill>
+                        <a:srgbClr val="ECEFF1"/>
+                      </a:solidFill>
+                      <a:prstDash val="solid"/>
+                      <a:round/>
+                      <a:headEnd type="none" w="med" len="med"/>
+                      <a:tailEnd type="none" w="med" len="med"/>
+                    </a:lnT>
+                    <a:lnB w="9525" cap="flat" cmpd="sng" algn="ctr">
+                      <a:solidFill>
+                        <a:srgbClr val="ECEFF1"/>
+                      </a:solidFill>
+                      <a:prstDash val="solid"/>
+                      <a:round/>
+                      <a:headEnd type="none" w="med" len="med"/>
+                      <a:tailEnd type="none" w="med" len="med"/>
+                    </a:lnB>
+                    <a:solidFill>
+                      <a:srgbClr val="FFFFFF"/>
+                    </a:solidFill>
+                  </a:tcPr>
+                </a:tc>
+                <a:tc>
+                  <a:txBody>
+                    <a:bodyPr/>
+                    <a:lstStyle/>
+                    <a:p>
+                      <a:pPr algn="l"/>
+                      <a:r>
+                        <a:rPr lang="en-US" b="0">
+                          <a:effectLst/>
+                        </a:rPr>
+                        <a:t>ng-pristine</a:t>
+                      </a:r>
+                    </a:p>
+                  </a:txBody>
+                  <a:tcPr marL="304800" marR="304800" marT="152400" marB="152400" anchor="ctr">
+                    <a:lnL>
+                      <a:noFill/>
+                    </a:lnL>
+                    <a:lnR>
+                      <a:noFill/>
+                    </a:lnR>
+                    <a:lnT w="9525" cap="flat" cmpd="sng" algn="ctr">
+                      <a:solidFill>
+                        <a:srgbClr val="ECEFF1"/>
+                      </a:solidFill>
+                      <a:prstDash val="solid"/>
+                      <a:round/>
+                      <a:headEnd type="none" w="med" len="med"/>
+                      <a:tailEnd type="none" w="med" len="med"/>
+                    </a:lnT>
+                    <a:lnB w="9525" cap="flat" cmpd="sng" algn="ctr">
+                      <a:solidFill>
+                        <a:srgbClr val="ECEFF1"/>
+                      </a:solidFill>
+                      <a:prstDash val="solid"/>
+                      <a:round/>
+                      <a:headEnd type="none" w="med" len="med"/>
+                      <a:tailEnd type="none" w="med" len="med"/>
+                    </a:lnB>
+                    <a:solidFill>
+                      <a:srgbClr val="FFFFFF"/>
+                    </a:solidFill>
+                  </a:tcPr>
+                </a:tc>
+              </a:tr>
+              <a:tr h="0">
+                <a:tc>
+                  <a:txBody>
+                    <a:bodyPr/>
+                    <a:lstStyle/>
+                    <a:p>
+                      <a:pPr algn="l"/>
+                      <a:r>
+                        <a:rPr lang="zh-CN" altLang="en-US" b="0">
+                          <a:effectLst/>
+                          <a:latin typeface="Helvetica Neue"/>
+                        </a:rPr>
+                        <a:t>控件的值有效。</a:t>
+                      </a:r>
+                    </a:p>
+                  </a:txBody>
+                  <a:tcPr marL="304800" marR="304800" marT="152400" marB="152400" anchor="ctr">
+                    <a:lnL>
+                      <a:noFill/>
+                    </a:lnL>
+                    <a:lnR>
+                      <a:noFill/>
+                    </a:lnR>
+                    <a:lnT w="9525" cap="flat" cmpd="sng" algn="ctr">
+                      <a:solidFill>
+                        <a:srgbClr val="ECEFF1"/>
+                      </a:solidFill>
+                      <a:prstDash val="solid"/>
+                      <a:round/>
+                      <a:headEnd type="none" w="med" len="med"/>
+                      <a:tailEnd type="none" w="med" len="med"/>
+                    </a:lnT>
+                    <a:lnB>
+                      <a:noFill/>
+                    </a:lnB>
+                    <a:solidFill>
+                      <a:srgbClr val="FFFFFF"/>
+                    </a:solidFill>
+                  </a:tcPr>
+                </a:tc>
+                <a:tc>
+                  <a:txBody>
+                    <a:bodyPr/>
+                    <a:lstStyle/>
+                    <a:p>
+                      <a:pPr algn="l"/>
+                      <a:r>
+                        <a:rPr lang="en-US" b="0" dirty="0">
+                          <a:effectLst/>
+                        </a:rPr>
+                        <a:t>ng-valid</a:t>
+                      </a:r>
+                    </a:p>
+                  </a:txBody>
+                  <a:tcPr marL="304800" marR="304800" marT="152400" marB="152400" anchor="ctr">
+                    <a:lnL>
+                      <a:noFill/>
+                    </a:lnL>
+                    <a:lnR>
+                      <a:noFill/>
+                    </a:lnR>
+                    <a:lnT w="9525" cap="flat" cmpd="sng" algn="ctr">
+                      <a:solidFill>
+                        <a:srgbClr val="ECEFF1"/>
+                      </a:solidFill>
+                      <a:prstDash val="solid"/>
+                      <a:round/>
+                      <a:headEnd type="none" w="med" len="med"/>
+                      <a:tailEnd type="none" w="med" len="med"/>
+                    </a:lnT>
+                    <a:lnB>
+                      <a:noFill/>
+                    </a:lnB>
+                    <a:solidFill>
+                      <a:srgbClr val="FFFFFF"/>
+                    </a:solidFill>
+                  </a:tcPr>
+                </a:tc>
+                <a:tc>
+                  <a:txBody>
+                    <a:bodyPr/>
+                    <a:lstStyle/>
+                    <a:p>
+                      <a:pPr algn="l"/>
+                      <a:r>
+                        <a:rPr lang="en-US" b="0" dirty="0">
+                          <a:effectLst/>
+                        </a:rPr>
+                        <a:t>ng-invalid</a:t>
+                      </a:r>
+                    </a:p>
+                  </a:txBody>
+                  <a:tcPr marL="304800" marR="304800" marT="152400" marB="152400" anchor="ctr">
+                    <a:lnL>
+                      <a:noFill/>
+                    </a:lnL>
+                    <a:lnR>
+                      <a:noFill/>
+                    </a:lnR>
+                    <a:lnT w="9525" cap="flat" cmpd="sng" algn="ctr">
+                      <a:solidFill>
+                        <a:srgbClr val="ECEFF1"/>
+                      </a:solidFill>
+                      <a:prstDash val="solid"/>
+                      <a:round/>
+                      <a:headEnd type="none" w="med" len="med"/>
+                      <a:tailEnd type="none" w="med" len="med"/>
+                    </a:lnT>
+                    <a:lnB>
+                      <a:noFill/>
+                    </a:lnB>
+                    <a:solidFill>
+                      <a:srgbClr val="FFFFFF"/>
+                    </a:solidFill>
+                  </a:tcPr>
+                </a:tc>
+              </a:tr>
+            </a:tbl>
+          </a:graphicData>
+        </a:graphic>
+      </p:graphicFrame>
+      <p:sp>
+        <p:nvSpPr>
+          <p:cNvPr id="12" name="Rectangle 2"/>
+          <p:cNvSpPr>
+            <a:spLocks noChangeArrowheads="1"/>
+          </p:cNvSpPr>
+          <p:nvPr/>
+        </p:nvSpPr>
+        <p:spPr bwMode="auto">
+          <a:xfrm>
+            <a:off x="654318" y="3560638"/>
+            <a:ext cx="11440700" cy="738664"/>
+          </a:xfrm>
+          <a:prstGeom prst="rect">
+            <a:avLst/>
+          </a:prstGeom>
+          <a:solidFill>
+            <a:srgbClr val="FFFFFF"/>
+          </a:solidFill>
+          <a:ln>
+            <a:noFill/>
+          </a:ln>
+          <a:effectLst/>
+          <a:extLst>
+            <a:ext uri="{91240B29-F687-4F45-9708-019B960494DF}">
+              <a14:hiddenLine xmlns:a14="http://schemas.microsoft.com/office/drawing/2010/main" w="9525">
+                <a:solidFill>
+                  <a:schemeClr val="tx1"/>
+                </a:solidFill>
+                <a:miter lim="800000"/>
+                <a:headEnd/>
+                <a:tailEnd/>
+              </a14:hiddenLine>
+            </a:ext>
+            <a:ext uri="{AF507438-7753-43E0-B8FC-AC1667EBCBE1}">
+              <a14:hiddenEffects xmlns:a14="http://schemas.microsoft.com/office/drawing/2010/main">
+                <a:effectLst>
+                  <a:outerShdw dist="35921" dir="2700000" algn="ctr" rotWithShape="0">
+                    <a:schemeClr val="bg2"/>
+                  </a:outerShdw>
+                </a:effectLst>
+              </a14:hiddenEffects>
+            </a:ext>
+          </a:extLst>
+        </p:spPr>
+        <p:txBody>
+          <a:bodyPr vert="horz" wrap="square" lIns="0" tIns="0" rIns="0" bIns="0" numCol="1" anchor="ctr" anchorCtr="0" compatLnSpc="1">
+            <a:prstTxWarp prst="textNoShape">
+              <a:avLst/>
+            </a:prstTxWarp>
+            <a:spAutoFit/>
+          </a:bodyPr>
+          <a:lstStyle/>
+          <a:p>
+            <a:pPr marL="0" marR="0" lvl="0" indent="0" algn="l" defTabSz="914400" rtl="0" eaLnBrk="0" fontAlgn="base" latinLnBrk="0" hangingPunct="0">
+              <a:lnSpc>
+                <a:spcPct val="100000"/>
+              </a:lnSpc>
+              <a:spcBef>
+                <a:spcPct val="0"/>
+              </a:spcBef>
+              <a:spcAft>
+                <a:spcPct val="0"/>
+              </a:spcAft>
+              <a:buClrTx/>
+              <a:buSzTx/>
+              <a:buFontTx/>
+              <a:buNone/>
+              <a:tabLst/>
+            </a:pPr>
+            <a:r>
+              <a:rPr lang="zh-CN" altLang="zh-CN" sz="2400" dirty="0">
+                <a:solidFill>
+                  <a:srgbClr val="00796B"/>
+                </a:solidFill>
+                <a:latin typeface="Arial Unicode MS" panose="020B0604020202020204" pitchFamily="34" charset="-122"/>
+                <a:ea typeface="Monaco"/>
+              </a:rPr>
+              <a:t>&lt;input </a:t>
+            </a:r>
+            <a:r>
+              <a:rPr lang="zh-CN" altLang="zh-CN" sz="2400" dirty="0" smtClean="0">
+                <a:solidFill>
+                  <a:srgbClr val="00796B"/>
+                </a:solidFill>
+                <a:latin typeface="Arial Unicode MS" panose="020B0604020202020204" pitchFamily="34" charset="-122"/>
+                <a:ea typeface="Monaco"/>
+              </a:rPr>
+              <a:t>required </a:t>
+            </a:r>
+            <a:r>
+              <a:rPr lang="zh-CN" altLang="zh-CN" sz="2400" dirty="0">
+                <a:solidFill>
+                  <a:srgbClr val="00796B"/>
+                </a:solidFill>
+                <a:latin typeface="Arial Unicode MS" panose="020B0604020202020204" pitchFamily="34" charset="-122"/>
+                <a:ea typeface="Monaco"/>
+              </a:rPr>
+              <a:t>[(ngModel)]="model.name" name="name" #name="ngModel"&gt; </a:t>
+            </a:r>
+            <a:endParaRPr lang="en-US" altLang="zh-CN" sz="2400" dirty="0">
               <a:solidFill>
-                <a:srgbClr val="455A64"/>
+                <a:srgbClr val="00796B"/>
               </a:solidFill>
-              <a:latin typeface="Helvetica Neue"/>
+              <a:latin typeface="Arial Unicode MS" panose="020B0604020202020204" pitchFamily="34" charset="-122"/>
+              <a:ea typeface="Monaco"/>
             </a:endParaRPr>
           </a:p>
           <a:p>
-            <a:r>
-              <a:rPr lang="zh-CN" altLang="en-US" dirty="0" smtClean="0">
+            <a:pPr marL="0" marR="0" lvl="0" indent="0" algn="l" defTabSz="914400" rtl="0" eaLnBrk="0" fontAlgn="base" latinLnBrk="0" hangingPunct="0">
+              <a:lnSpc>
+                <a:spcPct val="100000"/>
+              </a:lnSpc>
+              <a:spcBef>
+                <a:spcPct val="0"/>
+              </a:spcBef>
+              <a:spcAft>
+                <a:spcPct val="0"/>
+              </a:spcAft>
+              <a:buClrTx/>
+              <a:buSzTx/>
+              <a:buFontTx/>
+              <a:buNone/>
+              <a:tabLst/>
+            </a:pPr>
+            <a:r>
+              <a:rPr lang="zh-CN" altLang="zh-CN" sz="2400" dirty="0">
+                <a:solidFill>
+                  <a:srgbClr val="00796B"/>
+                </a:solidFill>
+                <a:latin typeface="Arial Unicode MS" panose="020B0604020202020204" pitchFamily="34" charset="-122"/>
+                <a:ea typeface="Monaco"/>
+              </a:rPr>
+              <a:t>&lt;div [hidden]="</a:t>
+            </a:r>
+            <a:r>
+              <a:rPr lang="zh-CN" altLang="zh-CN" sz="2400" dirty="0">
+                <a:solidFill>
+                  <a:srgbClr val="FF0000"/>
+                </a:solidFill>
+                <a:latin typeface="Arial Unicode MS" panose="020B0604020202020204" pitchFamily="34" charset="-122"/>
+                <a:ea typeface="Monaco"/>
+              </a:rPr>
+              <a:t>name.valid || name.pristine</a:t>
+            </a:r>
+            <a:r>
+              <a:rPr lang="zh-CN" altLang="zh-CN" sz="2400" dirty="0" smtClean="0">
+                <a:solidFill>
+                  <a:srgbClr val="00796B"/>
+                </a:solidFill>
+                <a:latin typeface="Arial Unicode MS" panose="020B0604020202020204" pitchFamily="34" charset="-122"/>
+                <a:ea typeface="Monaco"/>
+              </a:rPr>
+              <a:t>"&gt; </a:t>
+            </a:r>
+            <a:r>
+              <a:rPr lang="zh-CN" altLang="zh-CN" sz="2400" dirty="0">
+                <a:solidFill>
+                  <a:srgbClr val="00796B"/>
+                </a:solidFill>
+                <a:latin typeface="Arial Unicode MS" panose="020B0604020202020204" pitchFamily="34" charset="-122"/>
+                <a:ea typeface="Monaco"/>
+              </a:rPr>
+              <a:t>Name is required &lt;/div&gt; </a:t>
+            </a:r>
+          </a:p>
+        </p:txBody>
+      </p:sp>
+      <p:sp>
+        <p:nvSpPr>
+          <p:cNvPr id="13" name="矩形 12"/>
+          <p:cNvSpPr/>
+          <p:nvPr/>
+        </p:nvSpPr>
+        <p:spPr>
+          <a:xfrm>
+            <a:off x="654318" y="4574371"/>
+            <a:ext cx="2741456" cy="369332"/>
+          </a:xfrm>
+          <a:prstGeom prst="rect">
+            <a:avLst/>
+          </a:prstGeom>
+        </p:spPr>
+        <p:txBody>
+          <a:bodyPr wrap="none">
+            <a:spAutoFit/>
+          </a:bodyPr>
+          <a:lstStyle/>
+          <a:p>
+            <a:r>
+              <a:rPr lang="zh-CN" altLang="en-US" b="1" dirty="0">
+                <a:solidFill>
+                  <a:srgbClr val="546E7A"/>
+                </a:solidFill>
+                <a:latin typeface="Helvetica Neue"/>
+              </a:rPr>
+              <a:t>重置控件的“全新”状态</a:t>
+            </a:r>
+            <a:endParaRPr lang="zh-CN" altLang="en-US" dirty="0"/>
+          </a:p>
+        </p:txBody>
+      </p:sp>
+      <p:sp>
+        <p:nvSpPr>
+          <p:cNvPr id="14" name="Rectangle 3"/>
+          <p:cNvSpPr>
+            <a:spLocks noChangeArrowheads="1"/>
+          </p:cNvSpPr>
+          <p:nvPr/>
+        </p:nvSpPr>
+        <p:spPr bwMode="auto">
+          <a:xfrm>
+            <a:off x="1080655" y="5001400"/>
+            <a:ext cx="1133324" cy="369332"/>
+          </a:xfrm>
+          <a:prstGeom prst="rect">
+            <a:avLst/>
+          </a:prstGeom>
+          <a:solidFill>
+            <a:srgbClr val="FFFFFF"/>
+          </a:solidFill>
+          <a:ln>
+            <a:noFill/>
+          </a:ln>
+          <a:effectLst/>
+          <a:extLst>
+            <a:ext uri="{91240B29-F687-4F45-9708-019B960494DF}">
+              <a14:hiddenLine xmlns:a14="http://schemas.microsoft.com/office/drawing/2010/main" w="9525">
+                <a:solidFill>
+                  <a:schemeClr val="tx1"/>
+                </a:solidFill>
+                <a:miter lim="800000"/>
+                <a:headEnd/>
+                <a:tailEnd/>
+              </a14:hiddenLine>
+            </a:ext>
+            <a:ext uri="{AF507438-7753-43E0-B8FC-AC1667EBCBE1}">
+              <a14:hiddenEffects xmlns:a14="http://schemas.microsoft.com/office/drawing/2010/main">
+                <a:effectLst>
+                  <a:outerShdw dist="35921" dir="2700000" algn="ctr" rotWithShape="0">
+                    <a:schemeClr val="bg2"/>
+                  </a:outerShdw>
+                </a:effectLst>
+              </a14:hiddenEffects>
+            </a:ext>
+          </a:extLst>
+        </p:spPr>
+        <p:txBody>
+          <a:bodyPr vert="horz" wrap="none" lIns="0" tIns="0" rIns="0" bIns="0" numCol="1" anchor="ctr" anchorCtr="0" compatLnSpc="1">
+            <a:prstTxWarp prst="textNoShape">
+              <a:avLst/>
+            </a:prstTxWarp>
+            <a:spAutoFit/>
+          </a:bodyPr>
+          <a:lstStyle/>
+          <a:p>
+            <a:pPr marL="0" marR="0" lvl="0" indent="0" algn="l" defTabSz="914400" rtl="0" eaLnBrk="0" fontAlgn="base" latinLnBrk="0" hangingPunct="0">
+              <a:lnSpc>
+                <a:spcPct val="100000"/>
+              </a:lnSpc>
+              <a:spcBef>
+                <a:spcPct val="0"/>
+              </a:spcBef>
+              <a:spcAft>
+                <a:spcPct val="0"/>
+              </a:spcAft>
+              <a:buClrTx/>
+              <a:buSzTx/>
+              <a:buFontTx/>
+              <a:buNone/>
+              <a:tabLst/>
+            </a:pPr>
+            <a:r>
+              <a:rPr kumimoji="0" lang="en-US" altLang="zh-CN" sz="1600" b="0" i="0" u="none" strike="noStrike" cap="none" normalizeH="0" baseline="0" dirty="0" smtClean="0">
+                <a:ln>
+                  <a:noFill/>
+                </a:ln>
+                <a:solidFill>
+                  <a:srgbClr val="00796B"/>
+                </a:solidFill>
+                <a:effectLst/>
+                <a:latin typeface="Arial Unicode MS" panose="020B0604020202020204" pitchFamily="34" charset="-122"/>
+                <a:ea typeface="Monaco"/>
+              </a:rPr>
+              <a:t>f</a:t>
+            </a:r>
+            <a:r>
+              <a:rPr kumimoji="0" lang="zh-CN" altLang="zh-CN" sz="1600" b="0" i="0" u="none" strike="noStrike" cap="none" normalizeH="0" baseline="0" dirty="0" smtClean="0">
+                <a:ln>
+                  <a:noFill/>
+                </a:ln>
+                <a:solidFill>
+                  <a:srgbClr val="00796B"/>
+                </a:solidFill>
+                <a:effectLst/>
+                <a:latin typeface="Arial Unicode MS" panose="020B0604020202020204" pitchFamily="34" charset="-122"/>
+                <a:ea typeface="Monaco"/>
+              </a:rPr>
+              <a:t>orm.reset()</a:t>
+            </a:r>
+            <a:r>
+              <a:rPr kumimoji="0" lang="zh-CN" altLang="zh-CN" sz="2400" b="0" i="0" u="none" strike="noStrike" cap="none" normalizeH="0" baseline="0" dirty="0" smtClean="0">
+                <a:ln>
+                  <a:noFill/>
+                </a:ln>
+                <a:solidFill>
+                  <a:schemeClr val="tx1"/>
+                </a:solidFill>
+                <a:effectLst/>
+              </a:rPr>
+              <a:t> </a:t>
+            </a:r>
+            <a:endParaRPr kumimoji="0" lang="zh-CN" altLang="zh-CN" sz="4000" b="0" i="0" u="none" strike="noStrike" cap="none" normalizeH="0" baseline="0" dirty="0" smtClean="0">
+              <a:ln>
+                <a:noFill/>
+              </a:ln>
+              <a:solidFill>
+                <a:schemeClr val="tx1"/>
+              </a:solidFill>
+              <a:effectLst/>
+              <a:latin typeface="Arial" panose="020B0604020202020204" pitchFamily="34" charset="0"/>
+            </a:endParaRPr>
+          </a:p>
+        </p:txBody>
+      </p:sp>
+    </p:spTree>
+    <p:extLst>
+      <p:ext uri="{BB962C8B-B14F-4D97-AF65-F5344CB8AC3E}">
+        <p14:creationId xmlns:p14="http://schemas.microsoft.com/office/powerpoint/2010/main" val="4163541602"/>
+      </p:ext>
+    </p:extLst>
+  </p:cSld>
+  <p:clrMapOvr>
+    <a:masterClrMapping/>
+  </p:clrMapOvr>
+</p:sld>
+</file>
+
+<file path=ppt/slides/slide15.xml><?xml version="1.0" encoding="utf-8"?>
+<p:sld xmlns:a="http://schemas.openxmlformats.org/drawingml/2006/main" xmlns:r="http://schemas.openxmlformats.org/officeDocument/2006/relationships" xmlns:p="http://schemas.openxmlformats.org/presentationml/2006/main">
+  <p:cSld>
+    <p:bg>
+      <p:bgPr>
+        <a:noFill/>
+        <a:effectLst/>
+      </p:bgPr>
+    </p:bg>
+    <p:spTree>
+      <p:nvGrpSpPr>
+        <p:cNvPr id="1" name=""/>
+        <p:cNvGrpSpPr/>
+        <p:nvPr/>
+      </p:nvGrpSpPr>
+      <p:grpSpPr>
+        <a:xfrm>
+          <a:off x="0" y="0"/>
+          <a:ext cx="0" cy="0"/>
+          <a:chOff x="0" y="0"/>
+          <a:chExt cx="0" cy="0"/>
+        </a:xfrm>
+      </p:grpSpPr>
+      <p:sp>
+        <p:nvSpPr>
+          <p:cNvPr id="3" name="标题 2"/>
+          <p:cNvSpPr>
+            <a:spLocks noGrp="1"/>
+          </p:cNvSpPr>
+          <p:nvPr>
+            <p:ph type="ctrTitle"/>
+          </p:nvPr>
+        </p:nvSpPr>
+        <p:spPr>
+          <a:xfrm>
+            <a:off x="1379073" y="241370"/>
+            <a:ext cx="9144000" cy="1039718"/>
+          </a:xfrm>
+        </p:spPr>
+        <p:txBody>
+          <a:bodyPr>
+            <a:normAutofit/>
+          </a:bodyPr>
+          <a:lstStyle/>
+          <a:p>
+            <a:r>
+              <a:rPr lang="zh-CN" altLang="en-US" b="1" dirty="0">
                 <a:solidFill>
                   <a:srgbClr val="455A64"/>
                 </a:solidFill>
                 <a:latin typeface="Helvetica Neue"/>
               </a:rPr>
-              <a:t> </a:t>
-            </a:r>
-            <a:endParaRPr lang="en-US" altLang="zh-CN" dirty="0" smtClean="0">
-              <a:solidFill>
-                <a:srgbClr val="455A64"/>
-              </a:solidFill>
-              <a:latin typeface="Helvetica Neue"/>
-            </a:endParaRPr>
-          </a:p>
-          <a:p>
-            <a:endParaRPr lang="en-US" altLang="zh-CN" b="1" dirty="0">
-              <a:solidFill>
-                <a:srgbClr val="455A64"/>
-              </a:solidFill>
-              <a:latin typeface="Helvetica Neue"/>
-            </a:endParaRPr>
-          </a:p>
-          <a:p>
-            <a:r>
-              <a:rPr lang="zh-CN" altLang="en-US" b="1" dirty="0" smtClean="0">
-                <a:solidFill>
-                  <a:srgbClr val="455A64"/>
-                </a:solidFill>
-                <a:latin typeface="Helvetica Neue"/>
-              </a:rPr>
-              <a:t>响应</a:t>
-            </a:r>
-            <a:r>
-              <a:rPr lang="zh-CN" altLang="en-US" b="1" dirty="0">
-                <a:solidFill>
-                  <a:srgbClr val="455A64"/>
-                </a:solidFill>
-                <a:latin typeface="Helvetica Neue"/>
-              </a:rPr>
-              <a:t>式表单</a:t>
+              <a:t>响应式表单</a:t>
             </a:r>
             <a:endParaRPr lang="zh-CN" altLang="en-US" dirty="0"/>
           </a:p>
@@ -3477,7 +8427,7 @@
 </p:sld>
 </file>
 
-<file path=ppt/slides/slide11.xml><?xml version="1.0" encoding="utf-8"?>
+<file path=ppt/slides/slide16.xml><?xml version="1.0" encoding="utf-8"?>
 <p:sld xmlns:a="http://schemas.openxmlformats.org/drawingml/2006/main" xmlns:r="http://schemas.openxmlformats.org/officeDocument/2006/relationships" xmlns:p="http://schemas.openxmlformats.org/presentationml/2006/main">
   <p:cSld>
     <p:spTree>
@@ -3885,7 +8835,7 @@
 </p:sld>
 </file>
 
-<file path=ppt/slides/slide12.xml><?xml version="1.0" encoding="utf-8"?>
+<file path=ppt/slides/slide17.xml><?xml version="1.0" encoding="utf-8"?>
 <p:sld xmlns:a="http://schemas.openxmlformats.org/drawingml/2006/main" xmlns:r="http://schemas.openxmlformats.org/officeDocument/2006/relationships" xmlns:p="http://schemas.openxmlformats.org/presentationml/2006/main">
   <p:cSld>
     <p:spTree>
@@ -3979,7 +8929,7 @@
 </p:sld>
 </file>
 
-<file path=ppt/slides/slide13.xml><?xml version="1.0" encoding="utf-8"?>
+<file path=ppt/slides/slide18.xml><?xml version="1.0" encoding="utf-8"?>
 <p:sld xmlns:a="http://schemas.openxmlformats.org/drawingml/2006/main" xmlns:r="http://schemas.openxmlformats.org/officeDocument/2006/relationships" xmlns:p="http://schemas.openxmlformats.org/presentationml/2006/main">
   <p:cSld>
     <p:spTree>
@@ -5064,7 +10014,7 @@
         </p:nvSpPr>
         <p:spPr>
           <a:xfrm>
-            <a:off x="562685" y="300837"/>
+            <a:off x="562685" y="342400"/>
             <a:ext cx="1818126" cy="369332"/>
           </a:xfrm>
           <a:prstGeom prst="rect">
@@ -5115,8 +10065,8 @@
         </p:nvSpPr>
         <p:spPr bwMode="auto">
           <a:xfrm>
-            <a:off x="562685" y="729492"/>
-            <a:ext cx="3097323" cy="338554"/>
+            <a:off x="1471748" y="647944"/>
+            <a:ext cx="4427815" cy="461665"/>
           </a:xfrm>
           <a:prstGeom prst="rect">
             <a:avLst/>
@@ -5308,7 +10258,7 @@
               <a:tabLst/>
             </a:pPr>
             <a:r>
-              <a:rPr kumimoji="0" lang="zh-CN" altLang="zh-CN" sz="1100" b="0" i="0" u="none" strike="noStrike" cap="none" normalizeH="0" baseline="0" smtClean="0">
+              <a:rPr kumimoji="0" lang="zh-CN" altLang="zh-CN" sz="1600" b="0" i="0" u="none" strike="noStrike" cap="none" normalizeH="0" baseline="0" dirty="0" smtClean="0">
                 <a:ln>
                   <a:noFill/>
                 </a:ln>
@@ -5322,7 +10272,7 @@
               <a:t>FormsModule</a:t>
             </a:r>
             <a:r>
-              <a:rPr kumimoji="0" lang="zh-CN" altLang="zh-CN" sz="1600" b="0" i="0" u="none" strike="noStrike" cap="none" normalizeH="0" baseline="0" smtClean="0">
+              <a:rPr kumimoji="0" lang="zh-CN" altLang="zh-CN" sz="2400" b="0" i="0" u="none" strike="noStrike" cap="none" normalizeH="0" baseline="0" dirty="0" smtClean="0">
                 <a:ln>
                   <a:noFill/>
                 </a:ln>
@@ -5335,7 +10285,7 @@
               <a:t>、</a:t>
             </a:r>
             <a:r>
-              <a:rPr kumimoji="0" lang="zh-CN" altLang="zh-CN" sz="1100" b="0" i="0" u="none" strike="noStrike" cap="none" normalizeH="0" baseline="0" smtClean="0">
+              <a:rPr kumimoji="0" lang="zh-CN" altLang="zh-CN" sz="1600" b="0" i="0" u="none" strike="noStrike" cap="none" normalizeH="0" baseline="0" dirty="0" smtClean="0">
                 <a:ln>
                   <a:noFill/>
                 </a:ln>
@@ -5349,7 +10299,7 @@
               <a:t>HttpModule</a:t>
             </a:r>
             <a:r>
-              <a:rPr kumimoji="0" lang="zh-CN" altLang="zh-CN" sz="1600" b="0" i="0" u="none" strike="noStrike" cap="none" normalizeH="0" baseline="0" smtClean="0">
+              <a:rPr kumimoji="0" lang="zh-CN" altLang="zh-CN" sz="2400" b="0" i="0" u="none" strike="noStrike" cap="none" normalizeH="0" baseline="0" dirty="0" smtClean="0">
                 <a:ln>
                   <a:noFill/>
                 </a:ln>
@@ -5362,7 +10312,7 @@
               <a:t>、</a:t>
             </a:r>
             <a:r>
-              <a:rPr kumimoji="0" lang="zh-CN" altLang="zh-CN" sz="1100" b="0" i="0" u="none" strike="noStrike" cap="none" normalizeH="0" baseline="0" smtClean="0">
+              <a:rPr kumimoji="0" lang="zh-CN" altLang="zh-CN" sz="1600" b="0" i="0" u="none" strike="noStrike" cap="none" normalizeH="0" baseline="0" dirty="0" smtClean="0">
                 <a:ln>
                   <a:noFill/>
                 </a:ln>
@@ -5376,7 +10326,7 @@
               <a:t>RouterModule</a:t>
             </a:r>
             <a:r>
-              <a:rPr kumimoji="0" lang="zh-CN" altLang="zh-CN" sz="1000" b="0" i="0" u="none" strike="noStrike" cap="none" normalizeH="0" baseline="0" smtClean="0">
+              <a:rPr kumimoji="0" lang="zh-CN" altLang="zh-CN" sz="1200" b="0" i="0" u="none" strike="noStrike" cap="none" normalizeH="0" baseline="0" dirty="0" smtClean="0">
                 <a:ln>
                   <a:noFill/>
                 </a:ln>
@@ -5387,7 +10337,7 @@
               </a:rPr>
               <a:t> </a:t>
             </a:r>
-            <a:endParaRPr kumimoji="0" lang="zh-CN" altLang="zh-CN" sz="2400" b="0" i="0" u="none" strike="noStrike" cap="none" normalizeH="0" baseline="0" smtClean="0">
+            <a:endParaRPr kumimoji="0" lang="zh-CN" altLang="zh-CN" sz="3600" b="0" i="0" u="none" strike="noStrike" cap="none" normalizeH="0" baseline="0" dirty="0" smtClean="0">
               <a:ln>
                 <a:noFill/>
               </a:ln>
@@ -5408,7 +10358,7 @@
         </p:nvSpPr>
         <p:spPr>
           <a:xfrm>
-            <a:off x="562685" y="1127369"/>
+            <a:off x="562685" y="1168932"/>
             <a:ext cx="1114408" cy="369332"/>
           </a:xfrm>
           <a:prstGeom prst="rect">
@@ -5442,7 +10392,7 @@
         </p:nvSpPr>
         <p:spPr>
           <a:xfrm>
-            <a:off x="562685" y="1556024"/>
+            <a:off x="562685" y="1597587"/>
             <a:ext cx="2167581" cy="369332"/>
           </a:xfrm>
           <a:prstGeom prst="rect">
@@ -6228,7 +11178,7 @@
         </p:nvSpPr>
         <p:spPr>
           <a:xfrm>
-            <a:off x="1291988" y="450376"/>
+            <a:off x="1524000" y="391703"/>
             <a:ext cx="9144000" cy="1039718"/>
           </a:xfrm>
         </p:spPr>
@@ -6239,10 +11189,68 @@
           <a:lstStyle/>
           <a:p>
             <a:r>
-              <a:rPr lang="zh-CN" altLang="en-US" b="1" dirty="0" smtClean="0"/>
-              <a:t>指令</a:t>
+              <a:rPr lang="zh-CN" altLang="en-US" cap="all" dirty="0" smtClean="0"/>
+              <a:t>用户输入</a:t>
             </a:r>
             <a:endParaRPr lang="zh-CN" altLang="en-US" b="1" dirty="0"/>
+          </a:p>
+        </p:txBody>
+      </p:sp>
+      <p:sp>
+        <p:nvSpPr>
+          <p:cNvPr id="2" name="矩形 1"/>
+          <p:cNvSpPr/>
+          <p:nvPr/>
+        </p:nvSpPr>
+        <p:spPr>
+          <a:xfrm>
+            <a:off x="757377" y="1490094"/>
+            <a:ext cx="3445174" cy="369332"/>
+          </a:xfrm>
+          <a:prstGeom prst="rect">
+            <a:avLst/>
+          </a:prstGeom>
+        </p:spPr>
+        <p:txBody>
+          <a:bodyPr wrap="none">
+            <a:spAutoFit/>
+          </a:bodyPr>
+          <a:lstStyle/>
+          <a:p>
+            <a:r>
+              <a:rPr lang="zh-CN" altLang="en-US" b="1" dirty="0">
+                <a:solidFill>
+                  <a:srgbClr val="546E7A"/>
+                </a:solidFill>
+                <a:latin typeface="Helvetica Neue"/>
+              </a:rPr>
+              <a:t>通过 </a:t>
+            </a:r>
+            <a:r>
+              <a:rPr lang="en-US" altLang="zh-CN" b="1" dirty="0">
+                <a:solidFill>
+                  <a:srgbClr val="546E7A"/>
+                </a:solidFill>
+                <a:latin typeface="Helvetica Neue"/>
+              </a:rPr>
+              <a:t>$event </a:t>
+            </a:r>
+            <a:r>
+              <a:rPr lang="zh-CN" altLang="en-US" b="1" dirty="0">
+                <a:solidFill>
+                  <a:srgbClr val="546E7A"/>
+                </a:solidFill>
+                <a:latin typeface="Helvetica Neue"/>
+              </a:rPr>
+              <a:t>对象取得用户输入</a:t>
+            </a:r>
+            <a:endParaRPr lang="zh-CN" altLang="en-US" b="1" i="0" dirty="0">
+              <a:solidFill>
+                <a:srgbClr val="546E7A"/>
+              </a:solidFill>
+              <a:effectLst/>
+              <a:latin typeface="Helvetica Neue"/>
+            </a:endParaRPr>
           </a:p>
         </p:txBody>
       </p:sp>
@@ -6256,8 +11264,8 @@
         </p:nvSpPr>
         <p:spPr bwMode="auto">
           <a:xfrm>
-            <a:off x="549360" y="1765223"/>
-            <a:ext cx="10629256" cy="400110"/>
+            <a:off x="1291988" y="1908647"/>
+            <a:ext cx="3093796" cy="369332"/>
           </a:xfrm>
           <a:prstGeom prst="rect">
             <a:avLst/>
@@ -6292,140 +11300,13 @@
           </a:extLst>
         </p:spPr>
         <p:txBody>
-          <a:bodyPr vert="horz" wrap="none" lIns="91440" tIns="45720" rIns="91440" bIns="45720" numCol="1" anchor="ctr" anchorCtr="0" compatLnSpc="1">
+          <a:bodyPr vert="horz" wrap="none" lIns="0" tIns="0" rIns="0" bIns="0" numCol="1" anchor="ctr" anchorCtr="0" compatLnSpc="1">
             <a:prstTxWarp prst="textNoShape">
               <a:avLst/>
             </a:prstTxWarp>
             <a:spAutoFit/>
           </a:bodyPr>
-          <a:lstStyle>
-            <a:lvl1pPr eaLnBrk="0" fontAlgn="base" hangingPunct="0">
-              <a:spcBef>
-                <a:spcPct val="0"/>
-              </a:spcBef>
-              <a:spcAft>
-                <a:spcPct val="0"/>
-              </a:spcAft>
-              <a:defRPr>
-                <a:solidFill>
-                  <a:schemeClr val="tx1"/>
-                </a:solidFill>
-                <a:latin typeface="Arial" panose="020B0604020202020204" pitchFamily="34" charset="0"/>
-              </a:defRPr>
-            </a:lvl1pPr>
-            <a:lvl2pPr eaLnBrk="0" fontAlgn="base" hangingPunct="0">
-              <a:spcBef>
-                <a:spcPct val="0"/>
-              </a:spcBef>
-              <a:spcAft>
-                <a:spcPct val="0"/>
-              </a:spcAft>
-              <a:defRPr>
-                <a:solidFill>
-                  <a:schemeClr val="tx1"/>
-                </a:solidFill>
-                <a:latin typeface="Arial" panose="020B0604020202020204" pitchFamily="34" charset="0"/>
-              </a:defRPr>
-            </a:lvl2pPr>
-            <a:lvl3pPr eaLnBrk="0" fontAlgn="base" hangingPunct="0">
-              <a:spcBef>
-                <a:spcPct val="0"/>
-              </a:spcBef>
-              <a:spcAft>
-                <a:spcPct val="0"/>
-              </a:spcAft>
-              <a:defRPr>
-                <a:solidFill>
-                  <a:schemeClr val="tx1"/>
-                </a:solidFill>
-                <a:latin typeface="Arial" panose="020B0604020202020204" pitchFamily="34" charset="0"/>
-              </a:defRPr>
-            </a:lvl3pPr>
-            <a:lvl4pPr eaLnBrk="0" fontAlgn="base" hangingPunct="0">
-              <a:spcBef>
-                <a:spcPct val="0"/>
-              </a:spcBef>
-              <a:spcAft>
-                <a:spcPct val="0"/>
-              </a:spcAft>
-              <a:defRPr>
-                <a:solidFill>
-                  <a:schemeClr val="tx1"/>
-                </a:solidFill>
-                <a:latin typeface="Arial" panose="020B0604020202020204" pitchFamily="34" charset="0"/>
-              </a:defRPr>
-            </a:lvl4pPr>
-            <a:lvl5pPr eaLnBrk="0" fontAlgn="base" hangingPunct="0">
-              <a:spcBef>
-                <a:spcPct val="0"/>
-              </a:spcBef>
-              <a:spcAft>
-                <a:spcPct val="0"/>
-              </a:spcAft>
-              <a:defRPr>
-                <a:solidFill>
-                  <a:schemeClr val="tx1"/>
-                </a:solidFill>
-                <a:latin typeface="Arial" panose="020B0604020202020204" pitchFamily="34" charset="0"/>
-              </a:defRPr>
-            </a:lvl5pPr>
-            <a:lvl6pPr eaLnBrk="0" fontAlgn="base" hangingPunct="0">
-              <a:spcBef>
-                <a:spcPct val="0"/>
-              </a:spcBef>
-              <a:spcAft>
-                <a:spcPct val="0"/>
-              </a:spcAft>
-              <a:defRPr>
-                <a:solidFill>
-                  <a:schemeClr val="tx1"/>
-                </a:solidFill>
-                <a:latin typeface="Arial" panose="020B0604020202020204" pitchFamily="34" charset="0"/>
-              </a:defRPr>
-            </a:lvl6pPr>
-            <a:lvl7pPr eaLnBrk="0" fontAlgn="base" hangingPunct="0">
-              <a:spcBef>
-                <a:spcPct val="0"/>
-              </a:spcBef>
-              <a:spcAft>
-                <a:spcPct val="0"/>
-              </a:spcAft>
-              <a:defRPr>
-                <a:solidFill>
-                  <a:schemeClr val="tx1"/>
-                </a:solidFill>
-                <a:latin typeface="Arial" panose="020B0604020202020204" pitchFamily="34" charset="0"/>
-              </a:defRPr>
-            </a:lvl7pPr>
-            <a:lvl8pPr eaLnBrk="0" fontAlgn="base" hangingPunct="0">
-              <a:spcBef>
-                <a:spcPct val="0"/>
-              </a:spcBef>
-              <a:spcAft>
-                <a:spcPct val="0"/>
-              </a:spcAft>
-              <a:defRPr>
-                <a:solidFill>
-                  <a:schemeClr val="tx1"/>
-                </a:solidFill>
-                <a:latin typeface="Arial" panose="020B0604020202020204" pitchFamily="34" charset="0"/>
-              </a:defRPr>
-            </a:lvl8pPr>
-            <a:lvl9pPr eaLnBrk="0" fontAlgn="base" hangingPunct="0">
-              <a:spcBef>
-                <a:spcPct val="0"/>
-              </a:spcBef>
-              <a:spcAft>
-                <a:spcPct val="0"/>
-              </a:spcAft>
-              <a:defRPr>
-                <a:solidFill>
-                  <a:schemeClr val="tx1"/>
-                </a:solidFill>
-                <a:latin typeface="Arial" panose="020B0604020202020204" pitchFamily="34" charset="0"/>
-              </a:defRPr>
-            </a:lvl9pPr>
-          </a:lstStyle>
+          <a:lstStyle/>
           <a:p>
             <a:pPr marL="0" marR="0" lvl="0" indent="0" algn="l" defTabSz="914400" rtl="0" eaLnBrk="0" fontAlgn="base" latinLnBrk="0" hangingPunct="0">
               <a:lnSpc>
@@ -6444,21 +11325,7 @@
               <a:tabLst/>
             </a:pPr>
             <a:r>
-              <a:rPr kumimoji="0" lang="zh-CN" altLang="zh-CN" sz="2000" b="0" i="0" u="none" strike="noStrike" cap="none" normalizeH="0" baseline="0" dirty="0" smtClean="0">
-                <a:ln>
-                  <a:noFill/>
-                </a:ln>
-                <a:solidFill>
-                  <a:srgbClr val="546E7A"/>
-                </a:solidFill>
-                <a:effectLst/>
-                <a:latin typeface="Arial" panose="020B0604020202020204" pitchFamily="34" charset="0"/>
-                <a:ea typeface="Helvetica Neue"/>
-              </a:rPr>
-              <a:t>A directive is a class with a </a:t>
-            </a:r>
-            <a:r>
-              <a:rPr kumimoji="0" lang="zh-CN" altLang="zh-CN" sz="1400" b="0" i="0" u="none" strike="noStrike" cap="none" normalizeH="0" baseline="0" dirty="0" smtClean="0">
+              <a:rPr kumimoji="0" lang="zh-CN" altLang="zh-CN" sz="1600" b="0" i="0" u="none" strike="noStrike" cap="none" normalizeH="0" baseline="0" smtClean="0">
                 <a:ln>
                   <a:noFill/>
                 </a:ln>
@@ -6469,49 +11336,10 @@
                 <a:latin typeface="Arial Unicode MS" panose="020B0604020202020204" pitchFamily="34" charset="-122"/>
                 <a:ea typeface="Monaco"/>
               </a:rPr>
-              <a:t>@Directive</a:t>
-            </a:r>
-            <a:r>
-              <a:rPr kumimoji="0" lang="zh-CN" altLang="zh-CN" sz="2000" b="0" i="0" u="none" strike="noStrike" cap="none" normalizeH="0" baseline="0" dirty="0" smtClean="0">
-                <a:ln>
-                  <a:noFill/>
-                </a:ln>
-                <a:solidFill>
-                  <a:srgbClr val="546E7A"/>
-                </a:solidFill>
-                <a:effectLst/>
-                <a:ea typeface="Helvetica Neue"/>
-              </a:rPr>
-              <a:t> decorator. A component is a </a:t>
-            </a:r>
-            <a:r>
-              <a:rPr kumimoji="0" lang="zh-CN" altLang="zh-CN" sz="2000" b="1" i="0" u="none" strike="noStrike" cap="none" normalizeH="0" baseline="0" dirty="0" smtClean="0">
-                <a:ln>
-                  <a:noFill/>
-                </a:ln>
-                <a:solidFill>
-                  <a:srgbClr val="546E7A"/>
-                </a:solidFill>
-                <a:effectLst/>
-                <a:ea typeface="Helvetica Neue"/>
-              </a:rPr>
-              <a:t>directive-with-a-template</a:t>
-            </a:r>
-            <a:r>
-              <a:rPr kumimoji="0" lang="zh-CN" altLang="zh-CN" sz="2000" b="0" i="0" u="none" strike="noStrike" cap="none" normalizeH="0" baseline="0" dirty="0" smtClean="0">
-                <a:ln>
-                  <a:noFill/>
-                </a:ln>
-                <a:solidFill>
-                  <a:srgbClr val="546E7A"/>
-                </a:solidFill>
-                <a:effectLst/>
-                <a:ea typeface="Helvetica Neue"/>
-              </a:rPr>
-              <a:t>;</a:t>
-            </a:r>
-            <a:r>
-              <a:rPr kumimoji="0" lang="zh-CN" altLang="zh-CN" b="0" i="0" u="none" strike="noStrike" cap="none" normalizeH="0" baseline="0" dirty="0" smtClean="0">
+              <a:t>&lt;input (keyup)="onKey($event)"&gt;</a:t>
+            </a:r>
+            <a:r>
+              <a:rPr kumimoji="0" lang="zh-CN" altLang="zh-CN" sz="2400" b="0" i="0" u="none" strike="noStrike" cap="none" normalizeH="0" baseline="0" smtClean="0">
                 <a:ln>
                   <a:noFill/>
                 </a:ln>
@@ -6519,11 +11347,10 @@
                   <a:schemeClr val="tx1"/>
                 </a:solidFill>
                 <a:effectLst/>
-                <a:latin typeface="Arial" panose="020B0604020202020204" pitchFamily="34" charset="0"/>
               </a:rPr>
               <a:t> </a:t>
             </a:r>
-            <a:endParaRPr kumimoji="0" lang="zh-CN" altLang="zh-CN" sz="3200" b="0" i="0" u="none" strike="noStrike" cap="none" normalizeH="0" baseline="0" dirty="0" smtClean="0">
+            <a:endParaRPr kumimoji="0" lang="zh-CN" altLang="zh-CN" sz="4000" b="0" i="0" u="none" strike="noStrike" cap="none" normalizeH="0" baseline="0" smtClean="0">
               <a:ln>
                 <a:noFill/>
               </a:ln>
@@ -6544,15 +11371,15 @@
         </p:nvSpPr>
         <p:spPr>
           <a:xfrm>
-            <a:off x="549359" y="2440462"/>
-            <a:ext cx="11174067" cy="369332"/>
+            <a:off x="757377" y="2511866"/>
+            <a:ext cx="3903633" cy="369332"/>
           </a:xfrm>
           <a:prstGeom prst="rect">
             <a:avLst/>
           </a:prstGeom>
         </p:spPr>
         <p:txBody>
-          <a:bodyPr wrap="square">
+          <a:bodyPr wrap="none">
             <a:spAutoFit/>
           </a:bodyPr>
           <a:lstStyle/>
@@ -6560,185 +11387,470 @@
             <a:r>
               <a:rPr lang="zh-CN" altLang="en-US" b="1" dirty="0">
                 <a:solidFill>
-                  <a:srgbClr val="FF0000"/>
+                  <a:srgbClr val="546E7A"/>
                 </a:solidFill>
                 <a:latin typeface="Helvetica Neue"/>
               </a:rPr>
-              <a:t>结构型</a:t>
-            </a:r>
-            <a:r>
-              <a:rPr lang="zh-CN" altLang="en-US" dirty="0">
-                <a:solidFill>
-                  <a:srgbClr val="FF0000"/>
-                </a:solidFill>
-                <a:latin typeface="Helvetica Neue"/>
-              </a:rPr>
-              <a:t>指令</a:t>
-            </a:r>
-            <a:r>
-              <a:rPr lang="zh-CN" altLang="en-US" dirty="0">
-                <a:solidFill>
-                  <a:srgbClr val="546E7A"/>
-                </a:solidFill>
-                <a:latin typeface="Helvetica Neue"/>
-              </a:rPr>
-              <a:t>和</a:t>
-            </a:r>
-            <a:r>
-              <a:rPr lang="zh-CN" altLang="en-US" b="1" dirty="0">
-                <a:solidFill>
-                  <a:srgbClr val="FF0000"/>
-                </a:solidFill>
-                <a:latin typeface="Helvetica Neue"/>
-              </a:rPr>
-              <a:t>属性 </a:t>
-            </a:r>
-            <a:r>
-              <a:rPr lang="en-US" altLang="zh-CN" b="1" dirty="0">
-                <a:solidFill>
-                  <a:srgbClr val="FF0000"/>
-                </a:solidFill>
-                <a:latin typeface="Helvetica Neue"/>
-              </a:rPr>
-              <a:t>(attribute) </a:t>
-            </a:r>
-            <a:r>
-              <a:rPr lang="zh-CN" altLang="en-US" b="1" dirty="0">
-                <a:solidFill>
-                  <a:srgbClr val="FF0000"/>
-                </a:solidFill>
-                <a:latin typeface="Helvetica Neue"/>
-              </a:rPr>
-              <a:t>型</a:t>
-            </a:r>
-            <a:r>
-              <a:rPr lang="zh-CN" altLang="en-US" dirty="0" smtClean="0">
-                <a:solidFill>
-                  <a:srgbClr val="FF0000"/>
-                </a:solidFill>
-                <a:latin typeface="Helvetica Neue"/>
-              </a:rPr>
-              <a:t>指令   </a:t>
-            </a:r>
-            <a:r>
-              <a:rPr lang="en-US" altLang="zh-CN" dirty="0" smtClean="0">
-                <a:solidFill>
-                  <a:srgbClr val="546E7A"/>
-                </a:solidFill>
-                <a:latin typeface="Helvetica Neue"/>
-              </a:rPr>
-              <a:t>	</a:t>
-            </a:r>
-            <a:r>
-              <a:rPr lang="en-US" altLang="zh-CN" b="1" dirty="0" smtClean="0"/>
-              <a:t>structural</a:t>
-            </a:r>
-            <a:r>
-              <a:rPr lang="en-US" altLang="zh-CN" dirty="0"/>
-              <a:t> and </a:t>
-            </a:r>
-            <a:r>
-              <a:rPr lang="en-US" altLang="zh-CN" b="1" dirty="0"/>
-              <a:t>attribute</a:t>
-            </a:r>
-            <a:r>
-              <a:rPr lang="en-US" altLang="zh-CN" dirty="0"/>
-              <a:t> directives</a:t>
-            </a:r>
-            <a:endParaRPr lang="zh-CN" altLang="en-US" dirty="0"/>
-          </a:p>
-        </p:txBody>
-      </p:sp>
-      <p:sp>
-        <p:nvSpPr>
-          <p:cNvPr id="11" name="矩形 10"/>
+              <a:t>从一个模板引用变量中获得用户输入</a:t>
+            </a:r>
+            <a:endParaRPr lang="zh-CN" altLang="en-US" b="1" i="0" dirty="0">
+              <a:solidFill>
+                <a:srgbClr val="546E7A"/>
+              </a:solidFill>
+              <a:effectLst/>
+              <a:latin typeface="Helvetica Neue"/>
+            </a:endParaRPr>
+          </a:p>
+        </p:txBody>
+      </p:sp>
+      <p:sp>
+        <p:nvSpPr>
+          <p:cNvPr id="8" name="Rectangle 3"/>
+          <p:cNvSpPr>
+            <a:spLocks noChangeArrowheads="1"/>
+          </p:cNvSpPr>
+          <p:nvPr/>
+        </p:nvSpPr>
+        <p:spPr bwMode="auto">
+          <a:xfrm>
+            <a:off x="1291988" y="3084307"/>
+            <a:ext cx="4342535" cy="430887"/>
+          </a:xfrm>
+          <a:prstGeom prst="rect">
+            <a:avLst/>
+          </a:prstGeom>
+          <a:solidFill>
+            <a:srgbClr val="FFFFFF"/>
+          </a:solidFill>
+          <a:ln>
+            <a:noFill/>
+          </a:ln>
+          <a:effectLst/>
+          <a:extLst>
+            <a:ext uri="{91240B29-F687-4F45-9708-019B960494DF}">
+              <a14:hiddenLine xmlns:a14="http://schemas.microsoft.com/office/drawing/2010/main" w="9525">
+                <a:solidFill>
+                  <a:schemeClr val="tx1"/>
+                </a:solidFill>
+                <a:miter lim="800000"/>
+                <a:headEnd/>
+                <a:tailEnd/>
+              </a14:hiddenLine>
+            </a:ext>
+            <a:ext uri="{AF507438-7753-43E0-B8FC-AC1667EBCBE1}">
+              <a14:hiddenEffects xmlns:a14="http://schemas.microsoft.com/office/drawing/2010/main">
+                <a:effectLst>
+                  <a:outerShdw dist="35921" dir="2700000" algn="ctr" rotWithShape="0">
+                    <a:schemeClr val="bg2"/>
+                  </a:outerShdw>
+                </a:effectLst>
+              </a14:hiddenEffects>
+            </a:ext>
+          </a:extLst>
+        </p:spPr>
+        <p:txBody>
+          <a:bodyPr vert="horz" wrap="none" lIns="0" tIns="0" rIns="0" bIns="0" numCol="1" anchor="ctr" anchorCtr="0" compatLnSpc="1">
+            <a:prstTxWarp prst="textNoShape">
+              <a:avLst/>
+            </a:prstTxWarp>
+            <a:spAutoFit/>
+          </a:bodyPr>
+          <a:lstStyle/>
+          <a:p>
+            <a:pPr marL="0" marR="0" lvl="0" indent="0" algn="l" defTabSz="914400" rtl="0" eaLnBrk="0" fontAlgn="base" latinLnBrk="0" hangingPunct="0">
+              <a:lnSpc>
+                <a:spcPct val="100000"/>
+              </a:lnSpc>
+              <a:spcBef>
+                <a:spcPct val="0"/>
+              </a:spcBef>
+              <a:spcAft>
+                <a:spcPct val="0"/>
+              </a:spcAft>
+              <a:buClrTx/>
+              <a:buSzTx/>
+              <a:buFontTx/>
+              <a:buNone/>
+              <a:tabLst/>
+            </a:pPr>
+            <a:r>
+              <a:rPr kumimoji="0" lang="zh-CN" altLang="zh-CN" b="0" i="0" u="none" strike="noStrike" cap="none" normalizeH="0" baseline="0" dirty="0" smtClean="0">
+                <a:ln>
+                  <a:noFill/>
+                </a:ln>
+                <a:solidFill>
+                  <a:srgbClr val="00796B"/>
+                </a:solidFill>
+                <a:effectLst/>
+                <a:latin typeface="Arial Unicode MS" panose="020B0604020202020204" pitchFamily="34" charset="-122"/>
+                <a:ea typeface="Monaco"/>
+              </a:rPr>
+              <a:t>&lt;input #box (keyup)="onKey(box.value)"&gt;</a:t>
+            </a:r>
+            <a:r>
+              <a:rPr kumimoji="0" lang="zh-CN" altLang="zh-CN" sz="2800" b="0" i="0" u="none" strike="noStrike" cap="none" normalizeH="0" baseline="0" dirty="0" smtClean="0">
+                <a:ln>
+                  <a:noFill/>
+                </a:ln>
+                <a:solidFill>
+                  <a:schemeClr val="tx1"/>
+                </a:solidFill>
+                <a:effectLst/>
+              </a:rPr>
+              <a:t> </a:t>
+            </a:r>
+            <a:endParaRPr kumimoji="0" lang="zh-CN" altLang="zh-CN" sz="4400" b="0" i="0" u="none" strike="noStrike" cap="none" normalizeH="0" baseline="0" dirty="0" smtClean="0">
+              <a:ln>
+                <a:noFill/>
+              </a:ln>
+              <a:solidFill>
+                <a:schemeClr val="tx1"/>
+              </a:solidFill>
+              <a:effectLst/>
+              <a:latin typeface="Arial" panose="020B0604020202020204" pitchFamily="34" charset="0"/>
+            </a:endParaRPr>
+          </a:p>
+        </p:txBody>
+      </p:sp>
+      <p:sp>
+        <p:nvSpPr>
+          <p:cNvPr id="12" name="矩形 11"/>
           <p:cNvSpPr/>
           <p:nvPr/>
         </p:nvSpPr>
         <p:spPr>
           <a:xfrm>
-            <a:off x="549358" y="3084923"/>
-            <a:ext cx="11174067" cy="369332"/>
+            <a:off x="757377" y="3718303"/>
+            <a:ext cx="6096000" cy="369332"/>
           </a:xfrm>
           <a:prstGeom prst="rect">
             <a:avLst/>
           </a:prstGeom>
         </p:spPr>
         <p:txBody>
-          <a:bodyPr wrap="square">
+          <a:bodyPr>
             <a:spAutoFit/>
           </a:bodyPr>
           <a:lstStyle/>
           <a:p>
-            <a:r>
-              <a:rPr lang="en-US" altLang="zh-CN" b="1" dirty="0">
+            <a:pPr lvl="0" eaLnBrk="0" fontAlgn="base" hangingPunct="0">
+              <a:spcBef>
+                <a:spcPct val="0"/>
+              </a:spcBef>
+              <a:spcAft>
+                <a:spcPct val="0"/>
+              </a:spcAft>
+            </a:pPr>
+            <a:r>
+              <a:rPr lang="zh-CN" altLang="zh-CN" b="1" dirty="0">
                 <a:solidFill>
                   <a:srgbClr val="546E7A"/>
                 </a:solidFill>
-                <a:latin typeface="Helvetica Neue"/>
-              </a:rPr>
-              <a:t>Structural</a:t>
-            </a:r>
-            <a:r>
-              <a:rPr lang="en-US" altLang="zh-CN" dirty="0">
+                <a:latin typeface="Arial" panose="020B0604020202020204" pitchFamily="34" charset="0"/>
+                <a:ea typeface="Helvetica Neue"/>
+              </a:rPr>
+              <a:t>按键事件过滤（通过</a:t>
+            </a:r>
+            <a:r>
+              <a:rPr lang="zh-CN" altLang="zh-CN" sz="1400" b="1" dirty="0">
+                <a:solidFill>
+                  <a:srgbClr val="00796B"/>
+                </a:solidFill>
+                <a:latin typeface="Arial Unicode MS" panose="020B0604020202020204" pitchFamily="34" charset="-122"/>
+                <a:ea typeface="Monaco"/>
+              </a:rPr>
+              <a:t>key.enter</a:t>
+            </a:r>
+            <a:r>
+              <a:rPr lang="zh-CN" altLang="zh-CN" b="1" dirty="0" smtClean="0">
                 <a:solidFill>
                   <a:srgbClr val="546E7A"/>
                 </a:solidFill>
-                <a:latin typeface="Helvetica Neue"/>
-              </a:rPr>
-              <a:t> directives alter layout by adding, removing, and replacing elements in DOM.</a:t>
-            </a:r>
-            <a:endParaRPr lang="zh-CN" altLang="en-US" dirty="0"/>
-          </a:p>
-        </p:txBody>
-      </p:sp>
-      <p:sp>
-        <p:nvSpPr>
-          <p:cNvPr id="12" name="矩形 11"/>
+                <a:ea typeface="Helvetica Neue"/>
+              </a:rPr>
+              <a:t>）</a:t>
+            </a:r>
+            <a:endParaRPr lang="zh-CN" altLang="zh-CN" b="1" dirty="0">
+              <a:solidFill>
+                <a:srgbClr val="546E7A"/>
+              </a:solidFill>
+              <a:latin typeface="Arial" panose="020B0604020202020204" pitchFamily="34" charset="0"/>
+              <a:ea typeface="Helvetica Neue"/>
+            </a:endParaRPr>
+          </a:p>
+        </p:txBody>
+      </p:sp>
+      <p:sp>
+        <p:nvSpPr>
+          <p:cNvPr id="13" name="Rectangle 5"/>
+          <p:cNvSpPr>
+            <a:spLocks noChangeArrowheads="1"/>
+          </p:cNvSpPr>
+          <p:nvPr/>
+        </p:nvSpPr>
+        <p:spPr bwMode="auto">
+          <a:xfrm>
+            <a:off x="1291988" y="4202270"/>
+            <a:ext cx="5086329" cy="430887"/>
+          </a:xfrm>
+          <a:prstGeom prst="rect">
+            <a:avLst/>
+          </a:prstGeom>
+          <a:solidFill>
+            <a:srgbClr val="FFFFFF"/>
+          </a:solidFill>
+          <a:ln>
+            <a:noFill/>
+          </a:ln>
+          <a:effectLst/>
+          <a:extLst>
+            <a:ext uri="{91240B29-F687-4F45-9708-019B960494DF}">
+              <a14:hiddenLine xmlns:a14="http://schemas.microsoft.com/office/drawing/2010/main" w="9525">
+                <a:solidFill>
+                  <a:schemeClr val="tx1"/>
+                </a:solidFill>
+                <a:miter lim="800000"/>
+                <a:headEnd/>
+                <a:tailEnd/>
+              </a14:hiddenLine>
+            </a:ext>
+            <a:ext uri="{AF507438-7753-43E0-B8FC-AC1667EBCBE1}">
+              <a14:hiddenEffects xmlns:a14="http://schemas.microsoft.com/office/drawing/2010/main">
+                <a:effectLst>
+                  <a:outerShdw dist="35921" dir="2700000" algn="ctr" rotWithShape="0">
+                    <a:schemeClr val="bg2"/>
+                  </a:outerShdw>
+                </a:effectLst>
+              </a14:hiddenEffects>
+            </a:ext>
+          </a:extLst>
+        </p:spPr>
+        <p:txBody>
+          <a:bodyPr vert="horz" wrap="none" lIns="0" tIns="0" rIns="0" bIns="0" numCol="1" anchor="ctr" anchorCtr="0" compatLnSpc="1">
+            <a:prstTxWarp prst="textNoShape">
+              <a:avLst/>
+            </a:prstTxWarp>
+            <a:spAutoFit/>
+          </a:bodyPr>
+          <a:lstStyle/>
+          <a:p>
+            <a:pPr marL="0" marR="0" lvl="0" indent="0" algn="l" defTabSz="914400" rtl="0" eaLnBrk="0" fontAlgn="base" latinLnBrk="0" hangingPunct="0">
+              <a:lnSpc>
+                <a:spcPct val="100000"/>
+              </a:lnSpc>
+              <a:spcBef>
+                <a:spcPct val="0"/>
+              </a:spcBef>
+              <a:spcAft>
+                <a:spcPct val="0"/>
+              </a:spcAft>
+              <a:buClrTx/>
+              <a:buSzTx/>
+              <a:buFontTx/>
+              <a:buNone/>
+              <a:tabLst/>
+            </a:pPr>
+            <a:r>
+              <a:rPr kumimoji="0" lang="zh-CN" altLang="zh-CN" b="0" i="0" u="none" strike="noStrike" cap="none" normalizeH="0" baseline="0" smtClean="0">
+                <a:ln>
+                  <a:noFill/>
+                </a:ln>
+                <a:solidFill>
+                  <a:srgbClr val="00796B"/>
+                </a:solidFill>
+                <a:effectLst/>
+                <a:latin typeface="Arial Unicode MS" panose="020B0604020202020204" pitchFamily="34" charset="-122"/>
+                <a:ea typeface="Monaco"/>
+              </a:rPr>
+              <a:t>&lt;input #box (keyup.enter)="onEnter(box.value)"&gt;</a:t>
+            </a:r>
+            <a:r>
+              <a:rPr kumimoji="0" lang="zh-CN" altLang="zh-CN" sz="2800" b="0" i="0" u="none" strike="noStrike" cap="none" normalizeH="0" baseline="0" smtClean="0">
+                <a:ln>
+                  <a:noFill/>
+                </a:ln>
+                <a:solidFill>
+                  <a:schemeClr val="tx1"/>
+                </a:solidFill>
+                <a:effectLst/>
+              </a:rPr>
+              <a:t> </a:t>
+            </a:r>
+            <a:endParaRPr kumimoji="0" lang="zh-CN" altLang="zh-CN" sz="4400" b="0" i="0" u="none" strike="noStrike" cap="none" normalizeH="0" baseline="0" smtClean="0">
+              <a:ln>
+                <a:noFill/>
+              </a:ln>
+              <a:solidFill>
+                <a:schemeClr val="tx1"/>
+              </a:solidFill>
+              <a:effectLst/>
+              <a:latin typeface="Arial" panose="020B0604020202020204" pitchFamily="34" charset="0"/>
+            </a:endParaRPr>
+          </a:p>
+        </p:txBody>
+      </p:sp>
+      <p:sp>
+        <p:nvSpPr>
+          <p:cNvPr id="14" name="矩形 13"/>
           <p:cNvSpPr/>
           <p:nvPr/>
         </p:nvSpPr>
         <p:spPr>
           <a:xfrm>
-            <a:off x="549357" y="3729384"/>
-            <a:ext cx="11174067" cy="646331"/>
+            <a:off x="757377" y="4814089"/>
+            <a:ext cx="2398413" cy="369332"/>
           </a:xfrm>
           <a:prstGeom prst="rect">
             <a:avLst/>
           </a:prstGeom>
         </p:spPr>
         <p:txBody>
-          <a:bodyPr wrap="square">
+          <a:bodyPr wrap="none">
             <a:spAutoFit/>
           </a:bodyPr>
           <a:lstStyle/>
           <a:p>
             <a:r>
+              <a:rPr lang="zh-CN" altLang="en-US" b="1" dirty="0">
+                <a:solidFill>
+                  <a:srgbClr val="546E7A"/>
+                </a:solidFill>
+                <a:latin typeface="Helvetica Neue"/>
+              </a:rPr>
+              <a:t>失去焦点事件 </a:t>
+            </a:r>
+            <a:r>
               <a:rPr lang="en-US" altLang="zh-CN" b="1" dirty="0">
                 <a:solidFill>
                   <a:srgbClr val="546E7A"/>
                 </a:solidFill>
                 <a:latin typeface="Helvetica Neue"/>
               </a:rPr>
-              <a:t>Attribute</a:t>
-            </a:r>
-            <a:r>
-              <a:rPr lang="en-US" altLang="zh-CN" dirty="0">
-                <a:solidFill>
-                  <a:srgbClr val="546E7A"/>
-                </a:solidFill>
-                <a:latin typeface="Helvetica Neue"/>
-              </a:rPr>
-              <a:t> directives alter the appearance or behavior of an existing element. In templates they look like regular HTML attributes, hence the name.</a:t>
-            </a:r>
-            <a:endParaRPr lang="zh-CN" altLang="en-US" dirty="0"/>
+              <a:t>(blur)</a:t>
+            </a:r>
+            <a:endParaRPr lang="en-US" altLang="zh-CN" b="1" i="0" dirty="0">
+              <a:solidFill>
+                <a:srgbClr val="546E7A"/>
+              </a:solidFill>
+              <a:effectLst/>
+              <a:latin typeface="Helvetica Neue"/>
+            </a:endParaRPr>
+          </a:p>
+        </p:txBody>
+      </p:sp>
+      <p:sp>
+        <p:nvSpPr>
+          <p:cNvPr id="15" name="Rectangle 6"/>
+          <p:cNvSpPr>
+            <a:spLocks noChangeArrowheads="1"/>
+          </p:cNvSpPr>
+          <p:nvPr/>
+        </p:nvSpPr>
+        <p:spPr bwMode="auto">
+          <a:xfrm>
+            <a:off x="1291988" y="5248275"/>
+            <a:ext cx="2765181" cy="430887"/>
+          </a:xfrm>
+          <a:prstGeom prst="rect">
+            <a:avLst/>
+          </a:prstGeom>
+          <a:solidFill>
+            <a:srgbClr val="FFFFFF"/>
+          </a:solidFill>
+          <a:ln>
+            <a:noFill/>
+          </a:ln>
+          <a:effectLst/>
+          <a:extLst>
+            <a:ext uri="{91240B29-F687-4F45-9708-019B960494DF}">
+              <a14:hiddenLine xmlns:a14="http://schemas.microsoft.com/office/drawing/2010/main" w="9525">
+                <a:solidFill>
+                  <a:schemeClr val="tx1"/>
+                </a:solidFill>
+                <a:miter lim="800000"/>
+                <a:headEnd/>
+                <a:tailEnd/>
+              </a14:hiddenLine>
+            </a:ext>
+            <a:ext uri="{AF507438-7753-43E0-B8FC-AC1667EBCBE1}">
+              <a14:hiddenEffects xmlns:a14="http://schemas.microsoft.com/office/drawing/2010/main">
+                <a:effectLst>
+                  <a:outerShdw dist="35921" dir="2700000" algn="ctr" rotWithShape="0">
+                    <a:schemeClr val="bg2"/>
+                  </a:outerShdw>
+                </a:effectLst>
+              </a14:hiddenEffects>
+            </a:ext>
+          </a:extLst>
+        </p:spPr>
+        <p:txBody>
+          <a:bodyPr vert="horz" wrap="none" lIns="0" tIns="0" rIns="0" bIns="0" numCol="1" anchor="ctr" anchorCtr="0" compatLnSpc="1">
+            <a:prstTxWarp prst="textNoShape">
+              <a:avLst/>
+            </a:prstTxWarp>
+            <a:spAutoFit/>
+          </a:bodyPr>
+          <a:lstStyle/>
+          <a:p>
+            <a:pPr marL="0" marR="0" lvl="0" indent="0" algn="l" defTabSz="914400" rtl="0" eaLnBrk="0" fontAlgn="base" latinLnBrk="0" hangingPunct="0">
+              <a:lnSpc>
+                <a:spcPct val="100000"/>
+              </a:lnSpc>
+              <a:spcBef>
+                <a:spcPct val="0"/>
+              </a:spcBef>
+              <a:spcAft>
+                <a:spcPct val="0"/>
+              </a:spcAft>
+              <a:buClrTx/>
+              <a:buSzTx/>
+              <a:buFontTx/>
+              <a:buNone/>
+              <a:tabLst/>
+            </a:pPr>
+            <a:r>
+              <a:rPr kumimoji="0" lang="zh-CN" altLang="zh-CN" b="0" i="0" u="none" strike="noStrike" cap="none" normalizeH="0" baseline="0" smtClean="0">
+                <a:ln>
+                  <a:noFill/>
+                </a:ln>
+                <a:solidFill>
+                  <a:srgbClr val="00796B"/>
+                </a:solidFill>
+                <a:effectLst/>
+                <a:latin typeface="Arial Unicode MS" panose="020B0604020202020204" pitchFamily="34" charset="-122"/>
+                <a:ea typeface="Monaco"/>
+              </a:rPr>
+              <a:t>(blur)="update(box.value)"</a:t>
+            </a:r>
+            <a:r>
+              <a:rPr kumimoji="0" lang="zh-CN" altLang="zh-CN" sz="2800" b="0" i="0" u="none" strike="noStrike" cap="none" normalizeH="0" baseline="0" smtClean="0">
+                <a:ln>
+                  <a:noFill/>
+                </a:ln>
+                <a:solidFill>
+                  <a:schemeClr val="tx1"/>
+                </a:solidFill>
+                <a:effectLst/>
+              </a:rPr>
+              <a:t> </a:t>
+            </a:r>
+            <a:endParaRPr kumimoji="0" lang="zh-CN" altLang="zh-CN" sz="4400" b="0" i="0" u="none" strike="noStrike" cap="none" normalizeH="0" baseline="0" smtClean="0">
+              <a:ln>
+                <a:noFill/>
+              </a:ln>
+              <a:solidFill>
+                <a:schemeClr val="tx1"/>
+              </a:solidFill>
+              <a:effectLst/>
+              <a:latin typeface="Arial" panose="020B0604020202020204" pitchFamily="34" charset="0"/>
+            </a:endParaRPr>
           </a:p>
         </p:txBody>
       </p:sp>
     </p:spTree>
     <p:extLst>
       <p:ext uri="{BB962C8B-B14F-4D97-AF65-F5344CB8AC3E}">
-        <p14:creationId xmlns:p14="http://schemas.microsoft.com/office/powerpoint/2010/main" val="3228061503"/>
+        <p14:creationId xmlns:p14="http://schemas.microsoft.com/office/powerpoint/2010/main" val="1184245690"/>
       </p:ext>
     </p:extLst>
   </p:cSld>
@@ -6795,7 +11907,7 @@
           <a:p>
             <a:r>
               <a:rPr lang="zh-CN" altLang="en-US" b="1" dirty="0" smtClean="0"/>
-              <a:t>服务</a:t>
+              <a:t>指令</a:t>
             </a:r>
             <a:endParaRPr lang="zh-CN" altLang="en-US" b="1" dirty="0"/>
           </a:p>
@@ -6803,14 +11915,304 @@
       </p:sp>
       <p:sp>
         <p:nvSpPr>
-          <p:cNvPr id="2" name="矩形 1"/>
+          <p:cNvPr id="4" name="Rectangle 2"/>
+          <p:cNvSpPr>
+            <a:spLocks noChangeArrowheads="1"/>
+          </p:cNvSpPr>
+          <p:nvPr/>
+        </p:nvSpPr>
+        <p:spPr bwMode="auto">
+          <a:xfrm>
+            <a:off x="549360" y="1765223"/>
+            <a:ext cx="10629256" cy="400110"/>
+          </a:xfrm>
+          <a:prstGeom prst="rect">
+            <a:avLst/>
+          </a:prstGeom>
+          <a:solidFill>
+            <a:srgbClr val="FFFFFF"/>
+          </a:solidFill>
+          <a:ln>
+            <a:noFill/>
+          </a:ln>
+          <a:effectLst/>
+          <a:extLst>
+            <a:ext uri="{91240B29-F687-4F45-9708-019B960494DF}">
+              <a14:hiddenLine xmlns:a14="http://schemas.microsoft.com/office/drawing/2010/main" w="9525">
+                <a:solidFill>
+                  <a:schemeClr val="tx1"/>
+                </a:solidFill>
+                <a:miter lim="800000"/>
+                <a:headEnd/>
+                <a:tailEnd/>
+              </a14:hiddenLine>
+            </a:ext>
+            <a:ext uri="{AF507438-7753-43E0-B8FC-AC1667EBCBE1}">
+              <a14:hiddenEffects xmlns:a14="http://schemas.microsoft.com/office/drawing/2010/main">
+                <a:effectLst>
+                  <a:outerShdw dist="35921" dir="2700000" algn="ctr" rotWithShape="0">
+                    <a:schemeClr val="bg2"/>
+                  </a:outerShdw>
+                </a:effectLst>
+              </a14:hiddenEffects>
+            </a:ext>
+          </a:extLst>
+        </p:spPr>
+        <p:txBody>
+          <a:bodyPr vert="horz" wrap="none" lIns="91440" tIns="45720" rIns="91440" bIns="45720" numCol="1" anchor="ctr" anchorCtr="0" compatLnSpc="1">
+            <a:prstTxWarp prst="textNoShape">
+              <a:avLst/>
+            </a:prstTxWarp>
+            <a:spAutoFit/>
+          </a:bodyPr>
+          <a:lstStyle>
+            <a:lvl1pPr eaLnBrk="0" fontAlgn="base" hangingPunct="0">
+              <a:spcBef>
+                <a:spcPct val="0"/>
+              </a:spcBef>
+              <a:spcAft>
+                <a:spcPct val="0"/>
+              </a:spcAft>
+              <a:defRPr>
+                <a:solidFill>
+                  <a:schemeClr val="tx1"/>
+                </a:solidFill>
+                <a:latin typeface="Arial" panose="020B0604020202020204" pitchFamily="34" charset="0"/>
+              </a:defRPr>
+            </a:lvl1pPr>
+            <a:lvl2pPr eaLnBrk="0" fontAlgn="base" hangingPunct="0">
+              <a:spcBef>
+                <a:spcPct val="0"/>
+              </a:spcBef>
+              <a:spcAft>
+                <a:spcPct val="0"/>
+              </a:spcAft>
+              <a:defRPr>
+                <a:solidFill>
+                  <a:schemeClr val="tx1"/>
+                </a:solidFill>
+                <a:latin typeface="Arial" panose="020B0604020202020204" pitchFamily="34" charset="0"/>
+              </a:defRPr>
+            </a:lvl2pPr>
+            <a:lvl3pPr eaLnBrk="0" fontAlgn="base" hangingPunct="0">
+              <a:spcBef>
+                <a:spcPct val="0"/>
+              </a:spcBef>
+              <a:spcAft>
+                <a:spcPct val="0"/>
+              </a:spcAft>
+              <a:defRPr>
+                <a:solidFill>
+                  <a:schemeClr val="tx1"/>
+                </a:solidFill>
+                <a:latin typeface="Arial" panose="020B0604020202020204" pitchFamily="34" charset="0"/>
+              </a:defRPr>
+            </a:lvl3pPr>
+            <a:lvl4pPr eaLnBrk="0" fontAlgn="base" hangingPunct="0">
+              <a:spcBef>
+                <a:spcPct val="0"/>
+              </a:spcBef>
+              <a:spcAft>
+                <a:spcPct val="0"/>
+              </a:spcAft>
+              <a:defRPr>
+                <a:solidFill>
+                  <a:schemeClr val="tx1"/>
+                </a:solidFill>
+                <a:latin typeface="Arial" panose="020B0604020202020204" pitchFamily="34" charset="0"/>
+              </a:defRPr>
+            </a:lvl4pPr>
+            <a:lvl5pPr eaLnBrk="0" fontAlgn="base" hangingPunct="0">
+              <a:spcBef>
+                <a:spcPct val="0"/>
+              </a:spcBef>
+              <a:spcAft>
+                <a:spcPct val="0"/>
+              </a:spcAft>
+              <a:defRPr>
+                <a:solidFill>
+                  <a:schemeClr val="tx1"/>
+                </a:solidFill>
+                <a:latin typeface="Arial" panose="020B0604020202020204" pitchFamily="34" charset="0"/>
+              </a:defRPr>
+            </a:lvl5pPr>
+            <a:lvl6pPr eaLnBrk="0" fontAlgn="base" hangingPunct="0">
+              <a:spcBef>
+                <a:spcPct val="0"/>
+              </a:spcBef>
+              <a:spcAft>
+                <a:spcPct val="0"/>
+              </a:spcAft>
+              <a:defRPr>
+                <a:solidFill>
+                  <a:schemeClr val="tx1"/>
+                </a:solidFill>
+                <a:latin typeface="Arial" panose="020B0604020202020204" pitchFamily="34" charset="0"/>
+              </a:defRPr>
+            </a:lvl6pPr>
+            <a:lvl7pPr eaLnBrk="0" fontAlgn="base" hangingPunct="0">
+              <a:spcBef>
+                <a:spcPct val="0"/>
+              </a:spcBef>
+              <a:spcAft>
+                <a:spcPct val="0"/>
+              </a:spcAft>
+              <a:defRPr>
+                <a:solidFill>
+                  <a:schemeClr val="tx1"/>
+                </a:solidFill>
+                <a:latin typeface="Arial" panose="020B0604020202020204" pitchFamily="34" charset="0"/>
+              </a:defRPr>
+            </a:lvl7pPr>
+            <a:lvl8pPr eaLnBrk="0" fontAlgn="base" hangingPunct="0">
+              <a:spcBef>
+                <a:spcPct val="0"/>
+              </a:spcBef>
+              <a:spcAft>
+                <a:spcPct val="0"/>
+              </a:spcAft>
+              <a:defRPr>
+                <a:solidFill>
+                  <a:schemeClr val="tx1"/>
+                </a:solidFill>
+                <a:latin typeface="Arial" panose="020B0604020202020204" pitchFamily="34" charset="0"/>
+              </a:defRPr>
+            </a:lvl8pPr>
+            <a:lvl9pPr eaLnBrk="0" fontAlgn="base" hangingPunct="0">
+              <a:spcBef>
+                <a:spcPct val="0"/>
+              </a:spcBef>
+              <a:spcAft>
+                <a:spcPct val="0"/>
+              </a:spcAft>
+              <a:defRPr>
+                <a:solidFill>
+                  <a:schemeClr val="tx1"/>
+                </a:solidFill>
+                <a:latin typeface="Arial" panose="020B0604020202020204" pitchFamily="34" charset="0"/>
+              </a:defRPr>
+            </a:lvl9pPr>
+          </a:lstStyle>
+          <a:p>
+            <a:pPr marL="0" marR="0" lvl="0" indent="0" algn="l" defTabSz="914400" rtl="0" eaLnBrk="0" fontAlgn="base" latinLnBrk="0" hangingPunct="0">
+              <a:lnSpc>
+                <a:spcPct val="100000"/>
+              </a:lnSpc>
+              <a:spcBef>
+                <a:spcPct val="0"/>
+              </a:spcBef>
+              <a:spcAft>
+                <a:spcPct val="0"/>
+              </a:spcAft>
+              <a:buClrTx/>
+              <a:buSzTx/>
+              <a:buFontTx/>
+              <a:buNone/>
+              <a:tabLst/>
+            </a:pPr>
+            <a:r>
+              <a:rPr kumimoji="0" lang="zh-CN" altLang="zh-CN" sz="2000" b="0" i="0" u="none" strike="noStrike" cap="none" normalizeH="0" baseline="0" dirty="0" smtClean="0">
+                <a:ln>
+                  <a:noFill/>
+                </a:ln>
+                <a:solidFill>
+                  <a:srgbClr val="546E7A"/>
+                </a:solidFill>
+                <a:effectLst/>
+                <a:latin typeface="Arial" panose="020B0604020202020204" pitchFamily="34" charset="0"/>
+                <a:ea typeface="Helvetica Neue"/>
+              </a:rPr>
+              <a:t>A directive is a class with a </a:t>
+            </a:r>
+            <a:r>
+              <a:rPr kumimoji="0" lang="zh-CN" altLang="zh-CN" sz="1400" b="0" i="0" u="none" strike="noStrike" cap="none" normalizeH="0" baseline="0" dirty="0" smtClean="0">
+                <a:ln>
+                  <a:noFill/>
+                </a:ln>
+                <a:solidFill>
+                  <a:srgbClr val="00796B"/>
+                </a:solidFill>
+                <a:effectLst/>
+                <a:latin typeface="Arial Unicode MS" panose="020B0604020202020204" pitchFamily="34" charset="-122"/>
+                <a:ea typeface="Monaco"/>
+              </a:rPr>
+              <a:t>@Directive</a:t>
+            </a:r>
+            <a:r>
+              <a:rPr kumimoji="0" lang="zh-CN" altLang="zh-CN" sz="2000" b="0" i="0" u="none" strike="noStrike" cap="none" normalizeH="0" baseline="0" dirty="0" smtClean="0">
+                <a:ln>
+                  <a:noFill/>
+                </a:ln>
+                <a:solidFill>
+                  <a:srgbClr val="546E7A"/>
+                </a:solidFill>
+                <a:effectLst/>
+                <a:ea typeface="Helvetica Neue"/>
+              </a:rPr>
+              <a:t> decorator. A component is a </a:t>
+            </a:r>
+            <a:r>
+              <a:rPr kumimoji="0" lang="zh-CN" altLang="zh-CN" sz="2000" b="1" i="0" u="none" strike="noStrike" cap="none" normalizeH="0" baseline="0" dirty="0" smtClean="0">
+                <a:ln>
+                  <a:noFill/>
+                </a:ln>
+                <a:solidFill>
+                  <a:srgbClr val="546E7A"/>
+                </a:solidFill>
+                <a:effectLst/>
+                <a:ea typeface="Helvetica Neue"/>
+              </a:rPr>
+              <a:t>directive-with-a-template</a:t>
+            </a:r>
+            <a:r>
+              <a:rPr kumimoji="0" lang="zh-CN" altLang="zh-CN" sz="2000" b="0" i="0" u="none" strike="noStrike" cap="none" normalizeH="0" baseline="0" dirty="0" smtClean="0">
+                <a:ln>
+                  <a:noFill/>
+                </a:ln>
+                <a:solidFill>
+                  <a:srgbClr val="546E7A"/>
+                </a:solidFill>
+                <a:effectLst/>
+                <a:ea typeface="Helvetica Neue"/>
+              </a:rPr>
+              <a:t>;</a:t>
+            </a:r>
+            <a:r>
+              <a:rPr kumimoji="0" lang="zh-CN" altLang="zh-CN" b="0" i="0" u="none" strike="noStrike" cap="none" normalizeH="0" baseline="0" dirty="0" smtClean="0">
+                <a:ln>
+                  <a:noFill/>
+                </a:ln>
+                <a:solidFill>
+                  <a:schemeClr val="tx1"/>
+                </a:solidFill>
+                <a:effectLst/>
+                <a:latin typeface="Arial" panose="020B0604020202020204" pitchFamily="34" charset="0"/>
+              </a:rPr>
+              <a:t> </a:t>
+            </a:r>
+            <a:endParaRPr kumimoji="0" lang="zh-CN" altLang="zh-CN" sz="3200" b="0" i="0" u="none" strike="noStrike" cap="none" normalizeH="0" baseline="0" dirty="0" smtClean="0">
+              <a:ln>
+                <a:noFill/>
+              </a:ln>
+              <a:solidFill>
+                <a:schemeClr val="tx1"/>
+              </a:solidFill>
+              <a:effectLst/>
+              <a:latin typeface="Arial" panose="020B0604020202020204" pitchFamily="34" charset="0"/>
+            </a:endParaRPr>
+          </a:p>
+        </p:txBody>
+      </p:sp>
+      <p:sp>
+        <p:nvSpPr>
+          <p:cNvPr id="5" name="矩形 4"/>
           <p:cNvSpPr/>
           <p:nvPr/>
         </p:nvSpPr>
         <p:spPr>
           <a:xfrm>
-            <a:off x="509516" y="1490094"/>
-            <a:ext cx="11404979" cy="646331"/>
+            <a:off x="549359" y="2440462"/>
+            <a:ext cx="11174067" cy="369332"/>
           </a:xfrm>
           <a:prstGeom prst="rect">
             <a:avLst/>
@@ -6823,13 +12225,92 @@
           <a:lstStyle/>
           <a:p>
             <a:r>
-              <a:rPr lang="en-US" altLang="zh-CN" dirty="0">
+              <a:rPr lang="zh-CN" altLang="en-US" b="1" dirty="0">
+                <a:solidFill>
+                  <a:srgbClr val="FF0000"/>
+                </a:solidFill>
+                <a:latin typeface="Helvetica Neue"/>
+              </a:rPr>
+              <a:t>结构型</a:t>
+            </a:r>
+            <a:r>
+              <a:rPr lang="zh-CN" altLang="en-US" dirty="0">
+                <a:solidFill>
+                  <a:srgbClr val="FF0000"/>
+                </a:solidFill>
+                <a:latin typeface="Helvetica Neue"/>
+              </a:rPr>
+              <a:t>指令</a:t>
+            </a:r>
+            <a:r>
+              <a:rPr lang="zh-CN" altLang="en-US" dirty="0">
                 <a:solidFill>
                   <a:srgbClr val="546E7A"/>
                 </a:solidFill>
                 <a:latin typeface="Helvetica Neue"/>
               </a:rPr>
-              <a:t>Almost anything can be a service. A service is typically a class with a narrow, well-defined purpose. It should do something specific and do it well.</a:t>
+              <a:t>和</a:t>
+            </a:r>
+            <a:r>
+              <a:rPr lang="zh-CN" altLang="en-US" b="1" dirty="0">
+                <a:solidFill>
+                  <a:srgbClr val="FF0000"/>
+                </a:solidFill>
+                <a:latin typeface="Helvetica Neue"/>
+              </a:rPr>
+              <a:t>属性 </a:t>
+            </a:r>
+            <a:r>
+              <a:rPr lang="en-US" altLang="zh-CN" b="1" dirty="0">
+                <a:solidFill>
+                  <a:srgbClr val="FF0000"/>
+                </a:solidFill>
+                <a:latin typeface="Helvetica Neue"/>
+              </a:rPr>
+              <a:t>(attribute) </a:t>
+            </a:r>
+            <a:r>
+              <a:rPr lang="zh-CN" altLang="en-US" b="1" dirty="0">
+                <a:solidFill>
+                  <a:srgbClr val="FF0000"/>
+                </a:solidFill>
+                <a:latin typeface="Helvetica Neue"/>
+              </a:rPr>
+              <a:t>型</a:t>
+            </a:r>
+            <a:r>
+              <a:rPr lang="zh-CN" altLang="en-US" dirty="0" smtClean="0">
+                <a:solidFill>
+                  <a:srgbClr val="FF0000"/>
+                </a:solidFill>
+                <a:latin typeface="Helvetica Neue"/>
+              </a:rPr>
+              <a:t>指令   </a:t>
+            </a:r>
+            <a:r>
+              <a:rPr lang="en-US" altLang="zh-CN" dirty="0" smtClean="0">
+                <a:solidFill>
+                  <a:srgbClr val="546E7A"/>
+                </a:solidFill>
+                <a:latin typeface="Helvetica Neue"/>
+              </a:rPr>
+              <a:t>	</a:t>
+            </a:r>
+            <a:r>
+              <a:rPr lang="en-US" altLang="zh-CN" b="1" dirty="0" smtClean="0"/>
+              <a:t>structural</a:t>
+            </a:r>
+            <a:r>
+              <a:rPr lang="en-US" altLang="zh-CN" dirty="0"/>
+              <a:t> and </a:t>
+            </a:r>
+            <a:r>
+              <a:rPr lang="en-US" altLang="zh-CN" b="1" dirty="0"/>
+              <a:t>attribute</a:t>
+            </a:r>
+            <a:r>
+              <a:rPr lang="en-US" altLang="zh-CN" dirty="0"/>
+              <a:t> directives</a:t>
             </a:r>
             <a:endParaRPr lang="zh-CN" altLang="en-US" dirty="0"/>
           </a:p>
@@ -6837,54 +12318,57 @@
       </p:sp>
       <p:sp>
         <p:nvSpPr>
-          <p:cNvPr id="6" name="矩形 5"/>
+          <p:cNvPr id="11" name="矩形 10"/>
           <p:cNvSpPr/>
           <p:nvPr/>
         </p:nvSpPr>
         <p:spPr>
           <a:xfrm>
-            <a:off x="509516" y="2345146"/>
-            <a:ext cx="1114408" cy="369332"/>
+            <a:off x="549358" y="3084923"/>
+            <a:ext cx="11174067" cy="369332"/>
           </a:xfrm>
           <a:prstGeom prst="rect">
             <a:avLst/>
           </a:prstGeom>
         </p:spPr>
         <p:txBody>
-          <a:bodyPr wrap="none">
+          <a:bodyPr wrap="square">
             <a:spAutoFit/>
           </a:bodyPr>
           <a:lstStyle/>
           <a:p>
             <a:r>
-              <a:rPr lang="zh-CN" altLang="en-US" b="1" dirty="0">
+              <a:rPr lang="en-US" altLang="zh-CN" b="1" dirty="0">
                 <a:solidFill>
                   <a:srgbClr val="546E7A"/>
                 </a:solidFill>
                 <a:latin typeface="Helvetica Neue"/>
               </a:rPr>
-              <a:t>依赖注入</a:t>
-            </a:r>
-            <a:endParaRPr lang="zh-CN" altLang="en-US" b="1" i="0" dirty="0">
-              <a:solidFill>
-                <a:srgbClr val="546E7A"/>
-              </a:solidFill>
-              <a:effectLst/>
-              <a:latin typeface="Helvetica Neue"/>
-            </a:endParaRPr>
-          </a:p>
-        </p:txBody>
-      </p:sp>
-      <p:sp>
-        <p:nvSpPr>
-          <p:cNvPr id="7" name="矩形 6"/>
+              <a:t>Structural</a:t>
+            </a:r>
+            <a:r>
+              <a:rPr lang="en-US" altLang="zh-CN" dirty="0">
+                <a:solidFill>
+                  <a:srgbClr val="546E7A"/>
+                </a:solidFill>
+                <a:latin typeface="Helvetica Neue"/>
+              </a:rPr>
+              <a:t> directives alter layout by adding, removing, and replacing elements in DOM.</a:t>
+            </a:r>
+            <a:endParaRPr lang="zh-CN" altLang="en-US" dirty="0"/>
+          </a:p>
+        </p:txBody>
+      </p:sp>
+      <p:sp>
+        <p:nvSpPr>
+          <p:cNvPr id="12" name="矩形 11"/>
           <p:cNvSpPr/>
           <p:nvPr/>
         </p:nvSpPr>
         <p:spPr>
           <a:xfrm>
-            <a:off x="1066720" y="2923199"/>
-            <a:ext cx="9369268" cy="1754326"/>
+            <a:off x="549357" y="3729384"/>
+            <a:ext cx="11174067" cy="646331"/>
           </a:xfrm>
           <a:prstGeom prst="rect">
             <a:avLst/>
@@ -6896,18 +12380,14 @@
           </a:bodyPr>
           <a:lstStyle/>
           <a:p>
-            <a:pPr>
-              <a:buFont typeface="Arial" panose="020B0604020202020204" pitchFamily="34" charset="0"/>
-              <a:buChar char="•"/>
-            </a:pPr>
-            <a:r>
-              <a:rPr lang="zh-CN" altLang="en-US" dirty="0">
+            <a:r>
+              <a:rPr lang="en-US" altLang="zh-CN" b="1" dirty="0">
                 <a:solidFill>
                   <a:srgbClr val="546E7A"/>
                 </a:solidFill>
                 <a:latin typeface="Helvetica Neue"/>
               </a:rPr>
-              <a:t>依赖注入渗透在整个 </a:t>
+              <a:t>Attribute</a:t>
             </a:r>
             <a:r>
               <a:rPr lang="en-US" altLang="zh-CN" dirty="0">
@@ -6916,187 +12396,16 @@
                 </a:solidFill>
                 <a:latin typeface="Helvetica Neue"/>
               </a:rPr>
-              <a:t>Angular </a:t>
-            </a:r>
-            <a:r>
-              <a:rPr lang="zh-CN" altLang="en-US" dirty="0">
-                <a:solidFill>
-                  <a:srgbClr val="546E7A"/>
-                </a:solidFill>
-                <a:latin typeface="Helvetica Neue"/>
-              </a:rPr>
-              <a:t>框架中，被到处使用。</a:t>
-            </a:r>
-          </a:p>
-          <a:p>
-            <a:pPr>
-              <a:buFont typeface="Arial" panose="020B0604020202020204" pitchFamily="34" charset="0"/>
-              <a:buChar char="•"/>
-            </a:pPr>
-            <a:r>
-              <a:rPr lang="zh-CN" altLang="en-US" b="1" dirty="0">
-                <a:solidFill>
-                  <a:srgbClr val="546E7A"/>
-                </a:solidFill>
-                <a:latin typeface="Helvetica Neue"/>
-              </a:rPr>
-              <a:t>注入器 </a:t>
-            </a:r>
-            <a:r>
-              <a:rPr lang="en-US" altLang="zh-CN" b="1" dirty="0">
-                <a:solidFill>
-                  <a:srgbClr val="546E7A"/>
-                </a:solidFill>
-                <a:latin typeface="Helvetica Neue"/>
-              </a:rPr>
-              <a:t>(injector)</a:t>
-            </a:r>
-            <a:r>
-              <a:rPr lang="zh-CN" altLang="en-US" dirty="0">
-                <a:solidFill>
-                  <a:srgbClr val="546E7A"/>
-                </a:solidFill>
-                <a:latin typeface="Helvetica Neue"/>
-              </a:rPr>
-              <a:t> 是本机制的核心。</a:t>
-            </a:r>
-          </a:p>
-          <a:p>
-            <a:pPr marL="742950" lvl="1" indent="-285750">
-              <a:buFont typeface="Arial" panose="020B0604020202020204" pitchFamily="34" charset="0"/>
-              <a:buChar char="•"/>
-            </a:pPr>
-            <a:r>
-              <a:rPr lang="zh-CN" altLang="en-US" dirty="0">
-                <a:solidFill>
-                  <a:srgbClr val="546E7A"/>
-                </a:solidFill>
-                <a:latin typeface="Helvetica Neue"/>
-              </a:rPr>
-              <a:t>注入器负责维护一个</a:t>
-            </a:r>
-            <a:r>
-              <a:rPr lang="zh-CN" altLang="en-US" b="1" dirty="0">
-                <a:solidFill>
-                  <a:srgbClr val="546E7A"/>
-                </a:solidFill>
-                <a:latin typeface="Helvetica Neue"/>
-              </a:rPr>
-              <a:t>容器</a:t>
-            </a:r>
-            <a:r>
-              <a:rPr lang="zh-CN" altLang="en-US" dirty="0">
-                <a:solidFill>
-                  <a:srgbClr val="546E7A"/>
-                </a:solidFill>
-                <a:latin typeface="Helvetica Neue"/>
-              </a:rPr>
-              <a:t>，用于存放它创建过的服务实例。</a:t>
-            </a:r>
-          </a:p>
-          <a:p>
-            <a:pPr marL="742950" lvl="1" indent="-285750">
-              <a:buFont typeface="Arial" panose="020B0604020202020204" pitchFamily="34" charset="0"/>
-              <a:buChar char="•"/>
-            </a:pPr>
-            <a:r>
-              <a:rPr lang="zh-CN" altLang="en-US" dirty="0">
-                <a:solidFill>
-                  <a:srgbClr val="546E7A"/>
-                </a:solidFill>
-                <a:latin typeface="Helvetica Neue"/>
-              </a:rPr>
-              <a:t>注入器能使用</a:t>
-            </a:r>
-            <a:r>
-              <a:rPr lang="zh-CN" altLang="en-US" b="1" dirty="0">
-                <a:solidFill>
-                  <a:srgbClr val="546E7A"/>
-                </a:solidFill>
-                <a:latin typeface="Helvetica Neue"/>
-              </a:rPr>
-              <a:t>提供商</a:t>
-            </a:r>
-            <a:r>
-              <a:rPr lang="zh-CN" altLang="en-US" dirty="0">
-                <a:solidFill>
-                  <a:srgbClr val="546E7A"/>
-                </a:solidFill>
-                <a:latin typeface="Helvetica Neue"/>
-              </a:rPr>
-              <a:t>创建一个新的服务实例。</a:t>
-            </a:r>
-          </a:p>
-          <a:p>
-            <a:pPr>
-              <a:buFont typeface="Arial" panose="020B0604020202020204" pitchFamily="34" charset="0"/>
-              <a:buChar char="•"/>
-            </a:pPr>
-            <a:r>
-              <a:rPr lang="zh-CN" altLang="en-US" b="1" dirty="0">
-                <a:solidFill>
-                  <a:srgbClr val="546E7A"/>
-                </a:solidFill>
-                <a:latin typeface="Helvetica Neue"/>
-              </a:rPr>
-              <a:t>提供商</a:t>
-            </a:r>
-            <a:r>
-              <a:rPr lang="zh-CN" altLang="en-US" dirty="0">
-                <a:solidFill>
-                  <a:srgbClr val="546E7A"/>
-                </a:solidFill>
-                <a:latin typeface="Helvetica Neue"/>
-              </a:rPr>
-              <a:t>是一个用于创建服务的配方。</a:t>
-            </a:r>
-          </a:p>
-          <a:p>
-            <a:pPr>
-              <a:buFont typeface="Arial" panose="020B0604020202020204" pitchFamily="34" charset="0"/>
-              <a:buChar char="•"/>
-            </a:pPr>
-            <a:r>
-              <a:rPr lang="zh-CN" altLang="en-US" dirty="0">
-                <a:solidFill>
-                  <a:srgbClr val="546E7A"/>
-                </a:solidFill>
-                <a:latin typeface="Helvetica Neue"/>
-              </a:rPr>
-              <a:t>把</a:t>
-            </a:r>
-            <a:r>
-              <a:rPr lang="zh-CN" altLang="en-US" b="1" dirty="0">
-                <a:solidFill>
-                  <a:srgbClr val="546E7A"/>
-                </a:solidFill>
-                <a:latin typeface="Helvetica Neue"/>
-              </a:rPr>
-              <a:t>提供商</a:t>
-            </a:r>
-            <a:r>
-              <a:rPr lang="zh-CN" altLang="en-US" dirty="0">
-                <a:solidFill>
-                  <a:srgbClr val="546E7A"/>
-                </a:solidFill>
-                <a:latin typeface="Helvetica Neue"/>
-              </a:rPr>
-              <a:t>注册到注入器。</a:t>
-            </a:r>
-            <a:endParaRPr lang="zh-CN" altLang="en-US" b="0" i="0" dirty="0">
-              <a:solidFill>
-                <a:srgbClr val="546E7A"/>
-              </a:solidFill>
-              <a:effectLst/>
-              <a:latin typeface="Helvetica Neue"/>
-            </a:endParaRPr>
+              <a:t> directives alter the appearance or behavior of an existing element. In templates they look like regular HTML attributes, hence the name.</a:t>
+            </a:r>
+            <a:endParaRPr lang="zh-CN" altLang="en-US" dirty="0"/>
           </a:p>
         </p:txBody>
       </p:sp>
     </p:spTree>
     <p:extLst>
       <p:ext uri="{BB962C8B-B14F-4D97-AF65-F5344CB8AC3E}">
-        <p14:creationId xmlns:p14="http://schemas.microsoft.com/office/powerpoint/2010/main" val="2443509130"/>
+        <p14:creationId xmlns:p14="http://schemas.microsoft.com/office/powerpoint/2010/main" val="3228061503"/>
       </p:ext>
     </p:extLst>
   </p:cSld>

--- a/Angular summary/Angular.pptx
+++ b/Angular summary/Angular.pptx
@@ -20,9 +20,8 @@
     <p:sldId id="270" r:id="rId14"/>
     <p:sldId id="271" r:id="rId15"/>
     <p:sldId id="267" r:id="rId16"/>
-    <p:sldId id="258" r:id="rId17"/>
-    <p:sldId id="259" r:id="rId18"/>
-    <p:sldId id="268" r:id="rId19"/>
+    <p:sldId id="259" r:id="rId17"/>
+    <p:sldId id="268" r:id="rId18"/>
   </p:sldIdLst>
   <p:sldSz cx="12192000" cy="6858000"/>
   <p:notesSz cx="6858000" cy="9144000"/>
@@ -260,7 +259,7 @@
           <a:p>
             <a:fld id="{5C5205B4-2139-4F1E-9E51-3064BBDFE32A}" type="datetimeFigureOut">
               <a:rPr lang="zh-CN" altLang="en-US" smtClean="0"/>
-              <a:t>2017/8/1 Tuesday</a:t>
+              <a:t>2017/8/2 Wednesday</a:t>
             </a:fld>
             <a:endParaRPr lang="zh-CN" altLang="en-US"/>
           </a:p>
@@ -430,7 +429,7 @@
           <a:p>
             <a:fld id="{5C5205B4-2139-4F1E-9E51-3064BBDFE32A}" type="datetimeFigureOut">
               <a:rPr lang="zh-CN" altLang="en-US" smtClean="0"/>
-              <a:t>2017/8/1 Tuesday</a:t>
+              <a:t>2017/8/2 Wednesday</a:t>
             </a:fld>
             <a:endParaRPr lang="zh-CN" altLang="en-US"/>
           </a:p>
@@ -610,7 +609,7 @@
           <a:p>
             <a:fld id="{5C5205B4-2139-4F1E-9E51-3064BBDFE32A}" type="datetimeFigureOut">
               <a:rPr lang="zh-CN" altLang="en-US" smtClean="0"/>
-              <a:t>2017/8/1 Tuesday</a:t>
+              <a:t>2017/8/2 Wednesday</a:t>
             </a:fld>
             <a:endParaRPr lang="zh-CN" altLang="en-US"/>
           </a:p>
@@ -780,7 +779,7 @@
           <a:p>
             <a:fld id="{5C5205B4-2139-4F1E-9E51-3064BBDFE32A}" type="datetimeFigureOut">
               <a:rPr lang="zh-CN" altLang="en-US" smtClean="0"/>
-              <a:t>2017/8/1 Tuesday</a:t>
+              <a:t>2017/8/2 Wednesday</a:t>
             </a:fld>
             <a:endParaRPr lang="zh-CN" altLang="en-US"/>
           </a:p>
@@ -1026,7 +1025,7 @@
           <a:p>
             <a:fld id="{5C5205B4-2139-4F1E-9E51-3064BBDFE32A}" type="datetimeFigureOut">
               <a:rPr lang="zh-CN" altLang="en-US" smtClean="0"/>
-              <a:t>2017/8/1 Tuesday</a:t>
+              <a:t>2017/8/2 Wednesday</a:t>
             </a:fld>
             <a:endParaRPr lang="zh-CN" altLang="en-US"/>
           </a:p>
@@ -1258,7 +1257,7 @@
           <a:p>
             <a:fld id="{5C5205B4-2139-4F1E-9E51-3064BBDFE32A}" type="datetimeFigureOut">
               <a:rPr lang="zh-CN" altLang="en-US" smtClean="0"/>
-              <a:t>2017/8/1 Tuesday</a:t>
+              <a:t>2017/8/2 Wednesday</a:t>
             </a:fld>
             <a:endParaRPr lang="zh-CN" altLang="en-US"/>
           </a:p>
@@ -1625,7 +1624,7 @@
           <a:p>
             <a:fld id="{5C5205B4-2139-4F1E-9E51-3064BBDFE32A}" type="datetimeFigureOut">
               <a:rPr lang="zh-CN" altLang="en-US" smtClean="0"/>
-              <a:t>2017/8/1 Tuesday</a:t>
+              <a:t>2017/8/2 Wednesday</a:t>
             </a:fld>
             <a:endParaRPr lang="zh-CN" altLang="en-US"/>
           </a:p>
@@ -1743,7 +1742,7 @@
           <a:p>
             <a:fld id="{5C5205B4-2139-4F1E-9E51-3064BBDFE32A}" type="datetimeFigureOut">
               <a:rPr lang="zh-CN" altLang="en-US" smtClean="0"/>
-              <a:t>2017/8/1 Tuesday</a:t>
+              <a:t>2017/8/2 Wednesday</a:t>
             </a:fld>
             <a:endParaRPr lang="zh-CN" altLang="en-US"/>
           </a:p>
@@ -1838,7 +1837,7 @@
           <a:p>
             <a:fld id="{5C5205B4-2139-4F1E-9E51-3064BBDFE32A}" type="datetimeFigureOut">
               <a:rPr lang="zh-CN" altLang="en-US" smtClean="0"/>
-              <a:t>2017/8/1 Tuesday</a:t>
+              <a:t>2017/8/2 Wednesday</a:t>
             </a:fld>
             <a:endParaRPr lang="zh-CN" altLang="en-US"/>
           </a:p>
@@ -2115,7 +2114,7 @@
           <a:p>
             <a:fld id="{5C5205B4-2139-4F1E-9E51-3064BBDFE32A}" type="datetimeFigureOut">
               <a:rPr lang="zh-CN" altLang="en-US" smtClean="0"/>
-              <a:t>2017/8/1 Tuesday</a:t>
+              <a:t>2017/8/2 Wednesday</a:t>
             </a:fld>
             <a:endParaRPr lang="zh-CN" altLang="en-US"/>
           </a:p>
@@ -2368,7 +2367,7 @@
           <a:p>
             <a:fld id="{5C5205B4-2139-4F1E-9E51-3064BBDFE32A}" type="datetimeFigureOut">
               <a:rPr lang="zh-CN" altLang="en-US" smtClean="0"/>
-              <a:t>2017/8/1 Tuesday</a:t>
+              <a:t>2017/8/2 Wednesday</a:t>
             </a:fld>
             <a:endParaRPr lang="zh-CN" altLang="en-US"/>
           </a:p>
@@ -2581,7 +2580,7 @@
           <a:p>
             <a:fld id="{5C5205B4-2139-4F1E-9E51-3064BBDFE32A}" type="datetimeFigureOut">
               <a:rPr lang="zh-CN" altLang="en-US" smtClean="0"/>
-              <a:t>2017/8/1 Tuesday</a:t>
+              <a:t>2017/8/2 Wednesday</a:t>
             </a:fld>
             <a:endParaRPr lang="zh-CN" altLang="en-US"/>
           </a:p>
@@ -8462,414 +8461,6 @@
         </p:spPr>
         <p:txBody>
           <a:bodyPr>
-            <a:normAutofit/>
-          </a:bodyPr>
-          <a:lstStyle/>
-          <a:p>
-            <a:r>
-              <a:rPr lang="zh-CN" altLang="en-US" dirty="0"/>
-              <a:t>模板语法</a:t>
-            </a:r>
-          </a:p>
-        </p:txBody>
-      </p:sp>
-      <p:sp>
-        <p:nvSpPr>
-          <p:cNvPr id="7" name="Rectangle 3"/>
-          <p:cNvSpPr>
-            <a:spLocks noChangeArrowheads="1"/>
-          </p:cNvSpPr>
-          <p:nvPr/>
-        </p:nvSpPr>
-        <p:spPr bwMode="auto">
-          <a:xfrm>
-            <a:off x="559558" y="1727553"/>
-            <a:ext cx="6346609" cy="523220"/>
-          </a:xfrm>
-          <a:prstGeom prst="rect">
-            <a:avLst/>
-          </a:prstGeom>
-          <a:noFill/>
-          <a:ln>
-            <a:noFill/>
-          </a:ln>
-          <a:effectLst/>
-          <a:extLst>
-            <a:ext uri="{909E8E84-426E-40DD-AFC4-6F175D3DCCD1}">
-              <a14:hiddenFill xmlns:a14="http://schemas.microsoft.com/office/drawing/2010/main">
-                <a:solidFill>
-                  <a:schemeClr val="accent1"/>
-                </a:solidFill>
-              </a14:hiddenFill>
-            </a:ext>
-            <a:ext uri="{91240B29-F687-4F45-9708-019B960494DF}">
-              <a14:hiddenLine xmlns:a14="http://schemas.microsoft.com/office/drawing/2010/main" w="9525">
-                <a:solidFill>
-                  <a:schemeClr val="tx1"/>
-                </a:solidFill>
-                <a:miter lim="800000"/>
-                <a:headEnd/>
-                <a:tailEnd/>
-              </a14:hiddenLine>
-            </a:ext>
-            <a:ext uri="{AF507438-7753-43E0-B8FC-AC1667EBCBE1}">
-              <a14:hiddenEffects xmlns:a14="http://schemas.microsoft.com/office/drawing/2010/main">
-                <a:effectLst>
-                  <a:outerShdw dist="35921" dir="2700000" algn="ctr" rotWithShape="0">
-                    <a:schemeClr val="bg2"/>
-                  </a:outerShdw>
-                </a:effectLst>
-              </a14:hiddenEffects>
-            </a:ext>
-          </a:extLst>
-        </p:spPr>
-        <p:txBody>
-          <a:bodyPr vert="horz" wrap="none" lIns="91440" tIns="45720" rIns="91440" bIns="45720" numCol="1" anchor="ctr" anchorCtr="0" compatLnSpc="1">
-            <a:prstTxWarp prst="textNoShape">
-              <a:avLst/>
-            </a:prstTxWarp>
-            <a:spAutoFit/>
-          </a:bodyPr>
-          <a:lstStyle>
-            <a:lvl1pPr eaLnBrk="0" fontAlgn="base" hangingPunct="0">
-              <a:spcBef>
-                <a:spcPct val="0"/>
-              </a:spcBef>
-              <a:spcAft>
-                <a:spcPct val="0"/>
-              </a:spcAft>
-              <a:defRPr>
-                <a:solidFill>
-                  <a:schemeClr val="tx1"/>
-                </a:solidFill>
-                <a:latin typeface="Arial" panose="020B0604020202020204" pitchFamily="34" charset="0"/>
-              </a:defRPr>
-            </a:lvl1pPr>
-            <a:lvl2pPr eaLnBrk="0" fontAlgn="base" hangingPunct="0">
-              <a:spcBef>
-                <a:spcPct val="0"/>
-              </a:spcBef>
-              <a:spcAft>
-                <a:spcPct val="0"/>
-              </a:spcAft>
-              <a:defRPr>
-                <a:solidFill>
-                  <a:schemeClr val="tx1"/>
-                </a:solidFill>
-                <a:latin typeface="Arial" panose="020B0604020202020204" pitchFamily="34" charset="0"/>
-              </a:defRPr>
-            </a:lvl2pPr>
-            <a:lvl3pPr eaLnBrk="0" fontAlgn="base" hangingPunct="0">
-              <a:spcBef>
-                <a:spcPct val="0"/>
-              </a:spcBef>
-              <a:spcAft>
-                <a:spcPct val="0"/>
-              </a:spcAft>
-              <a:defRPr>
-                <a:solidFill>
-                  <a:schemeClr val="tx1"/>
-                </a:solidFill>
-                <a:latin typeface="Arial" panose="020B0604020202020204" pitchFamily="34" charset="0"/>
-              </a:defRPr>
-            </a:lvl3pPr>
-            <a:lvl4pPr eaLnBrk="0" fontAlgn="base" hangingPunct="0">
-              <a:spcBef>
-                <a:spcPct val="0"/>
-              </a:spcBef>
-              <a:spcAft>
-                <a:spcPct val="0"/>
-              </a:spcAft>
-              <a:defRPr>
-                <a:solidFill>
-                  <a:schemeClr val="tx1"/>
-                </a:solidFill>
-                <a:latin typeface="Arial" panose="020B0604020202020204" pitchFamily="34" charset="0"/>
-              </a:defRPr>
-            </a:lvl4pPr>
-            <a:lvl5pPr eaLnBrk="0" fontAlgn="base" hangingPunct="0">
-              <a:spcBef>
-                <a:spcPct val="0"/>
-              </a:spcBef>
-              <a:spcAft>
-                <a:spcPct val="0"/>
-              </a:spcAft>
-              <a:defRPr>
-                <a:solidFill>
-                  <a:schemeClr val="tx1"/>
-                </a:solidFill>
-                <a:latin typeface="Arial" panose="020B0604020202020204" pitchFamily="34" charset="0"/>
-              </a:defRPr>
-            </a:lvl5pPr>
-            <a:lvl6pPr eaLnBrk="0" fontAlgn="base" hangingPunct="0">
-              <a:spcBef>
-                <a:spcPct val="0"/>
-              </a:spcBef>
-              <a:spcAft>
-                <a:spcPct val="0"/>
-              </a:spcAft>
-              <a:defRPr>
-                <a:solidFill>
-                  <a:schemeClr val="tx1"/>
-                </a:solidFill>
-                <a:latin typeface="Arial" panose="020B0604020202020204" pitchFamily="34" charset="0"/>
-              </a:defRPr>
-            </a:lvl6pPr>
-            <a:lvl7pPr eaLnBrk="0" fontAlgn="base" hangingPunct="0">
-              <a:spcBef>
-                <a:spcPct val="0"/>
-              </a:spcBef>
-              <a:spcAft>
-                <a:spcPct val="0"/>
-              </a:spcAft>
-              <a:defRPr>
-                <a:solidFill>
-                  <a:schemeClr val="tx1"/>
-                </a:solidFill>
-                <a:latin typeface="Arial" panose="020B0604020202020204" pitchFamily="34" charset="0"/>
-              </a:defRPr>
-            </a:lvl7pPr>
-            <a:lvl8pPr eaLnBrk="0" fontAlgn="base" hangingPunct="0">
-              <a:spcBef>
-                <a:spcPct val="0"/>
-              </a:spcBef>
-              <a:spcAft>
-                <a:spcPct val="0"/>
-              </a:spcAft>
-              <a:defRPr>
-                <a:solidFill>
-                  <a:schemeClr val="tx1"/>
-                </a:solidFill>
-                <a:latin typeface="Arial" panose="020B0604020202020204" pitchFamily="34" charset="0"/>
-              </a:defRPr>
-            </a:lvl8pPr>
-            <a:lvl9pPr eaLnBrk="0" fontAlgn="base" hangingPunct="0">
-              <a:spcBef>
-                <a:spcPct val="0"/>
-              </a:spcBef>
-              <a:spcAft>
-                <a:spcPct val="0"/>
-              </a:spcAft>
-              <a:defRPr>
-                <a:solidFill>
-                  <a:schemeClr val="tx1"/>
-                </a:solidFill>
-                <a:latin typeface="Arial" panose="020B0604020202020204" pitchFamily="34" charset="0"/>
-              </a:defRPr>
-            </a:lvl9pPr>
-          </a:lstStyle>
-          <a:p>
-            <a:pPr marL="0" marR="0" lvl="0" indent="0" algn="l" defTabSz="914400" rtl="0" eaLnBrk="0" fontAlgn="base" latinLnBrk="0" hangingPunct="0">
-              <a:lnSpc>
-                <a:spcPct val="100000"/>
-              </a:lnSpc>
-              <a:spcBef>
-                <a:spcPct val="0"/>
-              </a:spcBef>
-              <a:spcAft>
-                <a:spcPct val="0"/>
-              </a:spcAft>
-              <a:buClrTx/>
-              <a:buSzTx/>
-              <a:buFontTx/>
-              <a:buNone/>
-              <a:tabLst/>
-            </a:pPr>
-            <a:r>
-              <a:rPr kumimoji="0" lang="zh-CN" altLang="zh-CN" b="0" i="0" u="none" strike="noStrike" cap="none" normalizeH="0" baseline="0" dirty="0" smtClean="0">
-                <a:ln>
-                  <a:noFill/>
-                </a:ln>
-                <a:solidFill>
-                  <a:srgbClr val="00796B"/>
-                </a:solidFill>
-                <a:effectLst/>
-                <a:latin typeface="Arial Unicode MS" panose="020B0604020202020204" pitchFamily="34" charset="-122"/>
-                <a:ea typeface="Monaco"/>
-              </a:rPr>
-              <a:t>*ngFor</a:t>
-            </a:r>
-            <a:r>
-              <a:rPr kumimoji="0" lang="zh-CN" altLang="zh-CN" sz="2800" b="0" i="0" u="none" strike="noStrike" cap="none" normalizeH="0" baseline="0" dirty="0" smtClean="0">
-                <a:ln>
-                  <a:noFill/>
-                </a:ln>
-                <a:solidFill>
-                  <a:srgbClr val="546E7A"/>
-                </a:solidFill>
-                <a:effectLst/>
-                <a:ea typeface="Helvetica Neue"/>
-              </a:rPr>
-              <a:t>、</a:t>
-            </a:r>
-            <a:r>
-              <a:rPr kumimoji="0" lang="zh-CN" altLang="zh-CN" b="0" i="0" u="none" strike="noStrike" cap="none" normalizeH="0" baseline="0" dirty="0" smtClean="0">
-                <a:ln>
-                  <a:noFill/>
-                </a:ln>
-                <a:solidFill>
-                  <a:srgbClr val="00796B"/>
-                </a:solidFill>
-                <a:effectLst/>
-                <a:latin typeface="Arial Unicode MS" panose="020B0604020202020204" pitchFamily="34" charset="-122"/>
-                <a:ea typeface="Monaco"/>
-              </a:rPr>
-              <a:t>{{hero.name}}</a:t>
-            </a:r>
-            <a:r>
-              <a:rPr kumimoji="0" lang="zh-CN" altLang="zh-CN" sz="2800" b="0" i="0" u="none" strike="noStrike" cap="none" normalizeH="0" baseline="0" dirty="0" smtClean="0">
-                <a:ln>
-                  <a:noFill/>
-                </a:ln>
-                <a:solidFill>
-                  <a:srgbClr val="546E7A"/>
-                </a:solidFill>
-                <a:effectLst/>
-                <a:ea typeface="Helvetica Neue"/>
-              </a:rPr>
-              <a:t>、</a:t>
-            </a:r>
-            <a:r>
-              <a:rPr kumimoji="0" lang="zh-CN" altLang="zh-CN" b="0" i="0" u="none" strike="noStrike" cap="none" normalizeH="0" baseline="0" dirty="0" smtClean="0">
-                <a:ln>
-                  <a:noFill/>
-                </a:ln>
-                <a:solidFill>
-                  <a:srgbClr val="00796B"/>
-                </a:solidFill>
-                <a:effectLst/>
-                <a:latin typeface="Arial Unicode MS" panose="020B0604020202020204" pitchFamily="34" charset="-122"/>
-                <a:ea typeface="Monaco"/>
-              </a:rPr>
-              <a:t>(click)</a:t>
-            </a:r>
-            <a:r>
-              <a:rPr kumimoji="0" lang="zh-CN" altLang="zh-CN" sz="2800" b="0" i="0" u="none" strike="noStrike" cap="none" normalizeH="0" baseline="0" dirty="0" smtClean="0">
-                <a:ln>
-                  <a:noFill/>
-                </a:ln>
-                <a:solidFill>
-                  <a:srgbClr val="546E7A"/>
-                </a:solidFill>
-                <a:effectLst/>
-                <a:ea typeface="Helvetica Neue"/>
-              </a:rPr>
-              <a:t>、</a:t>
-            </a:r>
-            <a:r>
-              <a:rPr kumimoji="0" lang="zh-CN" altLang="zh-CN" b="0" i="0" u="none" strike="noStrike" cap="none" normalizeH="0" baseline="0" dirty="0" smtClean="0">
-                <a:ln>
-                  <a:noFill/>
-                </a:ln>
-                <a:solidFill>
-                  <a:srgbClr val="00796B"/>
-                </a:solidFill>
-                <a:effectLst/>
-                <a:latin typeface="Arial Unicode MS" panose="020B0604020202020204" pitchFamily="34" charset="-122"/>
-                <a:ea typeface="Monaco"/>
-              </a:rPr>
-              <a:t>[hero]</a:t>
-            </a:r>
-            <a:r>
-              <a:rPr kumimoji="0" lang="zh-CN" altLang="zh-CN" sz="2800" b="0" i="0" u="none" strike="noStrike" cap="none" normalizeH="0" baseline="0" dirty="0" smtClean="0">
-                <a:ln>
-                  <a:noFill/>
-                </a:ln>
-                <a:solidFill>
-                  <a:srgbClr val="546E7A"/>
-                </a:solidFill>
-                <a:effectLst/>
-                <a:ea typeface="Helvetica Neue"/>
-              </a:rPr>
-              <a:t>和</a:t>
-            </a:r>
-            <a:r>
-              <a:rPr kumimoji="0" lang="zh-CN" altLang="zh-CN" b="0" i="0" u="none" strike="noStrike" cap="none" normalizeH="0" baseline="0" dirty="0" smtClean="0">
-                <a:ln>
-                  <a:noFill/>
-                </a:ln>
-                <a:solidFill>
-                  <a:srgbClr val="00796B"/>
-                </a:solidFill>
-                <a:effectLst/>
-                <a:latin typeface="Arial Unicode MS" panose="020B0604020202020204" pitchFamily="34" charset="-122"/>
-                <a:ea typeface="Monaco"/>
-              </a:rPr>
-              <a:t>&lt;hero-detail&gt;</a:t>
-            </a:r>
-            <a:r>
-              <a:rPr kumimoji="0" lang="zh-CN" altLang="zh-CN" sz="2400" b="0" i="0" u="none" strike="noStrike" cap="none" normalizeH="0" baseline="0" dirty="0" smtClean="0">
-                <a:ln>
-                  <a:noFill/>
-                </a:ln>
-                <a:solidFill>
-                  <a:schemeClr val="tx1"/>
-                </a:solidFill>
-                <a:effectLst/>
-              </a:rPr>
-              <a:t> </a:t>
-            </a:r>
-            <a:endParaRPr kumimoji="0" lang="zh-CN" altLang="zh-CN" sz="4000" b="0" i="0" u="none" strike="noStrike" cap="none" normalizeH="0" baseline="0" dirty="0" smtClean="0">
-              <a:ln>
-                <a:noFill/>
-              </a:ln>
-              <a:solidFill>
-                <a:schemeClr val="tx1"/>
-              </a:solidFill>
-              <a:effectLst/>
-              <a:latin typeface="Arial" panose="020B0604020202020204" pitchFamily="34" charset="0"/>
-            </a:endParaRPr>
-          </a:p>
-        </p:txBody>
-      </p:sp>
-    </p:spTree>
-    <p:extLst>
-      <p:ext uri="{BB962C8B-B14F-4D97-AF65-F5344CB8AC3E}">
-        <p14:creationId xmlns:p14="http://schemas.microsoft.com/office/powerpoint/2010/main" val="2912784082"/>
-      </p:ext>
-    </p:extLst>
-  </p:cSld>
-  <p:clrMapOvr>
-    <a:masterClrMapping/>
-  </p:clrMapOvr>
-</p:sld>
-</file>
-
-<file path=ppt/slides/slide17.xml><?xml version="1.0" encoding="utf-8"?>
-<p:sld xmlns:a="http://schemas.openxmlformats.org/drawingml/2006/main" xmlns:r="http://schemas.openxmlformats.org/officeDocument/2006/relationships" xmlns:p="http://schemas.openxmlformats.org/presentationml/2006/main">
-  <p:cSld>
-    <p:spTree>
-      <p:nvGrpSpPr>
-        <p:cNvPr id="1" name=""/>
-        <p:cNvGrpSpPr/>
-        <p:nvPr/>
-      </p:nvGrpSpPr>
-      <p:grpSpPr>
-        <a:xfrm>
-          <a:off x="0" y="0"/>
-          <a:ext cx="0" cy="0"/>
-          <a:chOff x="0" y="0"/>
-          <a:chExt cx="0" cy="0"/>
-        </a:xfrm>
-      </p:grpSpPr>
-      <p:sp>
-        <p:nvSpPr>
-          <p:cNvPr id="3" name="标题 2"/>
-          <p:cNvSpPr>
-            <a:spLocks noGrp="1"/>
-          </p:cNvSpPr>
-          <p:nvPr>
-            <p:ph type="ctrTitle"/>
-          </p:nvPr>
-        </p:nvSpPr>
-        <p:spPr>
-          <a:xfrm>
-            <a:off x="1291988" y="450376"/>
-            <a:ext cx="9144000" cy="1039718"/>
-          </a:xfrm>
-        </p:spPr>
-        <p:txBody>
-          <a:bodyPr>
             <a:normAutofit fontScale="90000"/>
           </a:bodyPr>
           <a:lstStyle/>
@@ -8929,7 +8520,7 @@
 </p:sld>
 </file>
 
-<file path=ppt/slides/slide18.xml><?xml version="1.0" encoding="utf-8"?>
+<file path=ppt/slides/slide17.xml><?xml version="1.0" encoding="utf-8"?>
 <p:sld xmlns:a="http://schemas.openxmlformats.org/drawingml/2006/main" xmlns:r="http://schemas.openxmlformats.org/officeDocument/2006/relationships" xmlns:p="http://schemas.openxmlformats.org/presentationml/2006/main">
   <p:cSld>
     <p:spTree>

--- a/Angular summary/Angular.pptx
+++ b/Angular summary/Angular.pptx
@@ -17,11 +17,8 @@
     <p:sldId id="265" r:id="rId11"/>
     <p:sldId id="272" r:id="rId12"/>
     <p:sldId id="273" r:id="rId13"/>
-    <p:sldId id="270" r:id="rId14"/>
-    <p:sldId id="271" r:id="rId15"/>
-    <p:sldId id="267" r:id="rId16"/>
-    <p:sldId id="259" r:id="rId17"/>
-    <p:sldId id="268" r:id="rId18"/>
+    <p:sldId id="259" r:id="rId14"/>
+    <p:sldId id="268" r:id="rId15"/>
   </p:sldIdLst>
   <p:sldSz cx="12192000" cy="6858000"/>
   <p:notesSz cx="6858000" cy="9144000"/>
@@ -5986,12 +5983,6 @@
 <file path=ppt/slides/slide13.xml><?xml version="1.0" encoding="utf-8"?>
 <p:sld xmlns:a="http://schemas.openxmlformats.org/drawingml/2006/main" xmlns:r="http://schemas.openxmlformats.org/officeDocument/2006/relationships" xmlns:p="http://schemas.openxmlformats.org/presentationml/2006/main">
   <p:cSld>
-    <p:bg>
-      <p:bgPr>
-        <a:noFill/>
-        <a:effectLst/>
-      </p:bgPr>
-    </p:bg>
     <p:spTree>
       <p:nvGrpSpPr>
         <p:cNvPr id="1" name=""/>
@@ -6018,2443 +6009,6 @@
         </p:nvSpPr>
         <p:spPr>
           <a:xfrm>
-            <a:off x="1612272" y="176655"/>
-            <a:ext cx="9144000" cy="1039718"/>
-          </a:xfrm>
-        </p:spPr>
-        <p:txBody>
-          <a:bodyPr>
-            <a:normAutofit/>
-          </a:bodyPr>
-          <a:lstStyle/>
-          <a:p>
-            <a:r>
-              <a:rPr lang="zh-CN" altLang="en-US" b="1" dirty="0">
-                <a:solidFill>
-                  <a:srgbClr val="455A64"/>
-                </a:solidFill>
-                <a:latin typeface="Helvetica Neue"/>
-              </a:rPr>
-              <a:t>模板驱动式表单</a:t>
-            </a:r>
-            <a:endParaRPr lang="en-US" altLang="zh-CN" dirty="0">
-              <a:solidFill>
-                <a:srgbClr val="455A64"/>
-              </a:solidFill>
-              <a:latin typeface="Helvetica Neue"/>
-            </a:endParaRPr>
-          </a:p>
-        </p:txBody>
-      </p:sp>
-      <p:sp>
-        <p:nvSpPr>
-          <p:cNvPr id="2" name="矩形 1"/>
-          <p:cNvSpPr/>
-          <p:nvPr/>
-        </p:nvSpPr>
-        <p:spPr>
-          <a:xfrm>
-            <a:off x="654318" y="1281088"/>
-            <a:ext cx="11274445" cy="646331"/>
-          </a:xfrm>
-          <a:prstGeom prst="rect">
-            <a:avLst/>
-          </a:prstGeom>
-        </p:spPr>
-        <p:txBody>
-          <a:bodyPr wrap="square">
-            <a:spAutoFit/>
-          </a:bodyPr>
-          <a:lstStyle/>
-          <a:p>
-            <a:r>
-              <a:rPr lang="en-US" altLang="zh-CN" dirty="0">
-                <a:solidFill>
-                  <a:srgbClr val="546E7A"/>
-                </a:solidFill>
-                <a:latin typeface="Helvetica Neue"/>
-              </a:rPr>
-              <a:t>You can build forms by writing templates in the Angular </a:t>
-            </a:r>
-            <a:r>
-              <a:rPr lang="en-US" altLang="zh-CN" dirty="0">
-                <a:solidFill>
-                  <a:srgbClr val="1976D2"/>
-                </a:solidFill>
-                <a:latin typeface="Helvetica Neue"/>
-                <a:hlinkClick r:id="rId2"/>
-              </a:rPr>
-              <a:t>template syntax</a:t>
-            </a:r>
-            <a:r>
-              <a:rPr lang="en-US" altLang="zh-CN" dirty="0">
-                <a:solidFill>
-                  <a:srgbClr val="546E7A"/>
-                </a:solidFill>
-                <a:latin typeface="Helvetica Neue"/>
-              </a:rPr>
-              <a:t> with the form-specific directives and techniques described in this page.</a:t>
-            </a:r>
-            <a:endParaRPr lang="zh-CN" altLang="en-US" dirty="0"/>
-          </a:p>
-        </p:txBody>
-      </p:sp>
-      <p:sp>
-        <p:nvSpPr>
-          <p:cNvPr id="5" name="矩形 4"/>
-          <p:cNvSpPr/>
-          <p:nvPr/>
-        </p:nvSpPr>
-        <p:spPr>
-          <a:xfrm>
-            <a:off x="654318" y="2748080"/>
-            <a:ext cx="1915909" cy="369332"/>
-          </a:xfrm>
-          <a:prstGeom prst="rect">
-            <a:avLst/>
-          </a:prstGeom>
-        </p:spPr>
-        <p:txBody>
-          <a:bodyPr wrap="none">
-            <a:spAutoFit/>
-          </a:bodyPr>
-          <a:lstStyle/>
-          <a:p>
-            <a:r>
-              <a:rPr lang="zh-CN" altLang="en-US" dirty="0">
-                <a:solidFill>
-                  <a:srgbClr val="00796B"/>
-                </a:solidFill>
-                <a:latin typeface="Monaco"/>
-              </a:rPr>
-              <a:t>导入</a:t>
-            </a:r>
-            <a:r>
-              <a:rPr lang="en-US" altLang="zh-CN" dirty="0" err="1" smtClean="0">
-                <a:solidFill>
-                  <a:srgbClr val="00796B"/>
-                </a:solidFill>
-                <a:latin typeface="Monaco"/>
-              </a:rPr>
-              <a:t>FormsModule</a:t>
-            </a:r>
-            <a:endParaRPr lang="zh-CN" altLang="en-US" dirty="0"/>
-          </a:p>
-        </p:txBody>
-      </p:sp>
-      <p:sp>
-        <p:nvSpPr>
-          <p:cNvPr id="6" name="Rectangle 1"/>
-          <p:cNvSpPr>
-            <a:spLocks noChangeArrowheads="1"/>
-          </p:cNvSpPr>
-          <p:nvPr/>
-        </p:nvSpPr>
-        <p:spPr bwMode="auto">
-          <a:xfrm>
-            <a:off x="741416" y="3317320"/>
-            <a:ext cx="10589758" cy="400110"/>
-          </a:xfrm>
-          <a:prstGeom prst="rect">
-            <a:avLst/>
-          </a:prstGeom>
-          <a:noFill/>
-          <a:ln>
-            <a:noFill/>
-          </a:ln>
-          <a:effectLst/>
-          <a:extLst>
-            <a:ext uri="{909E8E84-426E-40DD-AFC4-6F175D3DCCD1}">
-              <a14:hiddenFill xmlns:a14="http://schemas.microsoft.com/office/drawing/2010/main">
-                <a:solidFill>
-                  <a:schemeClr val="accent1"/>
-                </a:solidFill>
-              </a14:hiddenFill>
-            </a:ext>
-            <a:ext uri="{91240B29-F687-4F45-9708-019B960494DF}">
-              <a14:hiddenLine xmlns:a14="http://schemas.microsoft.com/office/drawing/2010/main" w="9525">
-                <a:solidFill>
-                  <a:schemeClr val="tx1"/>
-                </a:solidFill>
-                <a:miter lim="800000"/>
-                <a:headEnd/>
-                <a:tailEnd/>
-              </a14:hiddenLine>
-            </a:ext>
-            <a:ext uri="{AF507438-7753-43E0-B8FC-AC1667EBCBE1}">
-              <a14:hiddenEffects xmlns:a14="http://schemas.microsoft.com/office/drawing/2010/main">
-                <a:effectLst>
-                  <a:outerShdw dist="35921" dir="2700000" algn="ctr" rotWithShape="0">
-                    <a:schemeClr val="bg2"/>
-                  </a:outerShdw>
-                </a:effectLst>
-              </a14:hiddenEffects>
-            </a:ext>
-          </a:extLst>
-        </p:spPr>
-        <p:txBody>
-          <a:bodyPr vert="horz" wrap="none" lIns="91440" tIns="45720" rIns="91440" bIns="45720" numCol="1" anchor="ctr" anchorCtr="0" compatLnSpc="1">
-            <a:prstTxWarp prst="textNoShape">
-              <a:avLst/>
-            </a:prstTxWarp>
-            <a:spAutoFit/>
-          </a:bodyPr>
-          <a:lstStyle>
-            <a:lvl1pPr eaLnBrk="0" fontAlgn="base" hangingPunct="0">
-              <a:spcBef>
-                <a:spcPct val="0"/>
-              </a:spcBef>
-              <a:spcAft>
-                <a:spcPct val="0"/>
-              </a:spcAft>
-              <a:defRPr>
-                <a:solidFill>
-                  <a:schemeClr val="tx1"/>
-                </a:solidFill>
-                <a:latin typeface="Arial" panose="020B0604020202020204" pitchFamily="34" charset="0"/>
-              </a:defRPr>
-            </a:lvl1pPr>
-            <a:lvl2pPr eaLnBrk="0" fontAlgn="base" hangingPunct="0">
-              <a:spcBef>
-                <a:spcPct val="0"/>
-              </a:spcBef>
-              <a:spcAft>
-                <a:spcPct val="0"/>
-              </a:spcAft>
-              <a:defRPr>
-                <a:solidFill>
-                  <a:schemeClr val="tx1"/>
-                </a:solidFill>
-                <a:latin typeface="Arial" panose="020B0604020202020204" pitchFamily="34" charset="0"/>
-              </a:defRPr>
-            </a:lvl2pPr>
-            <a:lvl3pPr eaLnBrk="0" fontAlgn="base" hangingPunct="0">
-              <a:spcBef>
-                <a:spcPct val="0"/>
-              </a:spcBef>
-              <a:spcAft>
-                <a:spcPct val="0"/>
-              </a:spcAft>
-              <a:defRPr>
-                <a:solidFill>
-                  <a:schemeClr val="tx1"/>
-                </a:solidFill>
-                <a:latin typeface="Arial" panose="020B0604020202020204" pitchFamily="34" charset="0"/>
-              </a:defRPr>
-            </a:lvl3pPr>
-            <a:lvl4pPr eaLnBrk="0" fontAlgn="base" hangingPunct="0">
-              <a:spcBef>
-                <a:spcPct val="0"/>
-              </a:spcBef>
-              <a:spcAft>
-                <a:spcPct val="0"/>
-              </a:spcAft>
-              <a:defRPr>
-                <a:solidFill>
-                  <a:schemeClr val="tx1"/>
-                </a:solidFill>
-                <a:latin typeface="Arial" panose="020B0604020202020204" pitchFamily="34" charset="0"/>
-              </a:defRPr>
-            </a:lvl4pPr>
-            <a:lvl5pPr eaLnBrk="0" fontAlgn="base" hangingPunct="0">
-              <a:spcBef>
-                <a:spcPct val="0"/>
-              </a:spcBef>
-              <a:spcAft>
-                <a:spcPct val="0"/>
-              </a:spcAft>
-              <a:defRPr>
-                <a:solidFill>
-                  <a:schemeClr val="tx1"/>
-                </a:solidFill>
-                <a:latin typeface="Arial" panose="020B0604020202020204" pitchFamily="34" charset="0"/>
-              </a:defRPr>
-            </a:lvl5pPr>
-            <a:lvl6pPr eaLnBrk="0" fontAlgn="base" hangingPunct="0">
-              <a:spcBef>
-                <a:spcPct val="0"/>
-              </a:spcBef>
-              <a:spcAft>
-                <a:spcPct val="0"/>
-              </a:spcAft>
-              <a:defRPr>
-                <a:solidFill>
-                  <a:schemeClr val="tx1"/>
-                </a:solidFill>
-                <a:latin typeface="Arial" panose="020B0604020202020204" pitchFamily="34" charset="0"/>
-              </a:defRPr>
-            </a:lvl6pPr>
-            <a:lvl7pPr eaLnBrk="0" fontAlgn="base" hangingPunct="0">
-              <a:spcBef>
-                <a:spcPct val="0"/>
-              </a:spcBef>
-              <a:spcAft>
-                <a:spcPct val="0"/>
-              </a:spcAft>
-              <a:defRPr>
-                <a:solidFill>
-                  <a:schemeClr val="tx1"/>
-                </a:solidFill>
-                <a:latin typeface="Arial" panose="020B0604020202020204" pitchFamily="34" charset="0"/>
-              </a:defRPr>
-            </a:lvl7pPr>
-            <a:lvl8pPr eaLnBrk="0" fontAlgn="base" hangingPunct="0">
-              <a:spcBef>
-                <a:spcPct val="0"/>
-              </a:spcBef>
-              <a:spcAft>
-                <a:spcPct val="0"/>
-              </a:spcAft>
-              <a:defRPr>
-                <a:solidFill>
-                  <a:schemeClr val="tx1"/>
-                </a:solidFill>
-                <a:latin typeface="Arial" panose="020B0604020202020204" pitchFamily="34" charset="0"/>
-              </a:defRPr>
-            </a:lvl8pPr>
-            <a:lvl9pPr eaLnBrk="0" fontAlgn="base" hangingPunct="0">
-              <a:spcBef>
-                <a:spcPct val="0"/>
-              </a:spcBef>
-              <a:spcAft>
-                <a:spcPct val="0"/>
-              </a:spcAft>
-              <a:defRPr>
-                <a:solidFill>
-                  <a:schemeClr val="tx1"/>
-                </a:solidFill>
-                <a:latin typeface="Arial" panose="020B0604020202020204" pitchFamily="34" charset="0"/>
-              </a:defRPr>
-            </a:lvl9pPr>
-          </a:lstStyle>
-          <a:p>
-            <a:pPr marL="0" marR="0" lvl="0" indent="0" algn="l" defTabSz="914400" rtl="0" eaLnBrk="0" fontAlgn="base" latinLnBrk="0" hangingPunct="0">
-              <a:lnSpc>
-                <a:spcPct val="100000"/>
-              </a:lnSpc>
-              <a:spcBef>
-                <a:spcPct val="0"/>
-              </a:spcBef>
-              <a:spcAft>
-                <a:spcPct val="0"/>
-              </a:spcAft>
-              <a:buClrTx/>
-              <a:buSzTx/>
-              <a:buFontTx/>
-              <a:buNone/>
-              <a:tabLst/>
-            </a:pPr>
-            <a:r>
-              <a:rPr kumimoji="0" lang="zh-CN" altLang="zh-CN" sz="2000" b="0" i="0" u="none" strike="noStrike" cap="none" normalizeH="0" baseline="0" dirty="0" smtClean="0">
-                <a:ln>
-                  <a:noFill/>
-                </a:ln>
-                <a:solidFill>
-                  <a:srgbClr val="455A64"/>
-                </a:solidFill>
-                <a:effectLst/>
-                <a:latin typeface="Arial" panose="020B0604020202020204" pitchFamily="34" charset="0"/>
-                <a:ea typeface="Helvetica Neue"/>
-              </a:rPr>
-              <a:t>在模板驱动表单中，你只要导入了</a:t>
-            </a:r>
-            <a:r>
-              <a:rPr kumimoji="0" lang="zh-CN" altLang="zh-CN" sz="1600" b="0" i="0" u="none" strike="noStrike" cap="none" normalizeH="0" baseline="0" dirty="0" smtClean="0">
-                <a:ln>
-                  <a:noFill/>
-                </a:ln>
-                <a:solidFill>
-                  <a:srgbClr val="0097A7"/>
-                </a:solidFill>
-                <a:effectLst/>
-                <a:latin typeface="Arial Unicode MS" panose="020B0604020202020204" pitchFamily="34" charset="-122"/>
-                <a:ea typeface="Monaco"/>
-              </a:rPr>
-              <a:t>FormsModule</a:t>
-            </a:r>
-            <a:r>
-              <a:rPr kumimoji="0" lang="zh-CN" altLang="zh-CN" sz="2000" b="0" i="0" u="none" strike="noStrike" cap="none" normalizeH="0" baseline="0" dirty="0" smtClean="0">
-                <a:ln>
-                  <a:noFill/>
-                </a:ln>
-                <a:solidFill>
-                  <a:srgbClr val="455A64"/>
-                </a:solidFill>
-                <a:effectLst/>
-                <a:ea typeface="Helvetica Neue"/>
-              </a:rPr>
-              <a:t>就不用对</a:t>
-            </a:r>
-            <a:r>
-              <a:rPr kumimoji="0" lang="zh-CN" altLang="zh-CN" sz="1600" b="0" i="0" u="none" strike="noStrike" cap="none" normalizeH="0" baseline="0" dirty="0" smtClean="0">
-                <a:ln>
-                  <a:noFill/>
-                </a:ln>
-                <a:solidFill>
-                  <a:srgbClr val="0097A7"/>
-                </a:solidFill>
-                <a:effectLst/>
-                <a:latin typeface="Arial Unicode MS" panose="020B0604020202020204" pitchFamily="34" charset="-122"/>
-                <a:ea typeface="Monaco"/>
-              </a:rPr>
-              <a:t>&lt;form&gt;</a:t>
-            </a:r>
-            <a:r>
-              <a:rPr kumimoji="0" lang="zh-CN" altLang="zh-CN" sz="2000" b="0" i="0" u="none" strike="noStrike" cap="none" normalizeH="0" baseline="0" dirty="0" smtClean="0">
-                <a:ln>
-                  <a:noFill/>
-                </a:ln>
-                <a:solidFill>
-                  <a:srgbClr val="455A64"/>
-                </a:solidFill>
-                <a:effectLst/>
-                <a:ea typeface="Helvetica Neue"/>
-              </a:rPr>
-              <a:t>做任何改动来使用</a:t>
-            </a:r>
-            <a:r>
-              <a:rPr kumimoji="0" lang="zh-CN" altLang="zh-CN" sz="1600" b="0" i="0" u="none" strike="noStrike" cap="none" normalizeH="0" baseline="0" dirty="0" smtClean="0">
-                <a:ln>
-                  <a:noFill/>
-                </a:ln>
-                <a:solidFill>
-                  <a:srgbClr val="0097A7"/>
-                </a:solidFill>
-                <a:effectLst/>
-                <a:latin typeface="Arial Unicode MS" panose="020B0604020202020204" pitchFamily="34" charset="-122"/>
-                <a:ea typeface="Monaco"/>
-              </a:rPr>
-              <a:t>FormsModule</a:t>
-            </a:r>
-            <a:r>
-              <a:rPr kumimoji="0" lang="zh-CN" altLang="zh-CN" sz="2000" b="0" i="0" u="none" strike="noStrike" cap="none" normalizeH="0" baseline="0" dirty="0" smtClean="0">
-                <a:ln>
-                  <a:noFill/>
-                </a:ln>
-                <a:solidFill>
-                  <a:srgbClr val="455A64"/>
-                </a:solidFill>
-                <a:effectLst/>
-                <a:ea typeface="Helvetica Neue"/>
-              </a:rPr>
-              <a:t>。</a:t>
-            </a:r>
-            <a:r>
-              <a:rPr kumimoji="0" lang="zh-CN" altLang="zh-CN" b="0" i="0" u="none" strike="noStrike" cap="none" normalizeH="0" baseline="0" dirty="0" smtClean="0">
-                <a:ln>
-                  <a:noFill/>
-                </a:ln>
-                <a:solidFill>
-                  <a:schemeClr val="tx1"/>
-                </a:solidFill>
-                <a:effectLst/>
-                <a:latin typeface="Arial" panose="020B0604020202020204" pitchFamily="34" charset="0"/>
-              </a:rPr>
-              <a:t> </a:t>
-            </a:r>
-            <a:endParaRPr kumimoji="0" lang="zh-CN" altLang="zh-CN" sz="3200" b="0" i="0" u="none" strike="noStrike" cap="none" normalizeH="0" baseline="0" dirty="0" smtClean="0">
-              <a:ln>
-                <a:noFill/>
-              </a:ln>
-              <a:solidFill>
-                <a:schemeClr val="tx1"/>
-              </a:solidFill>
-              <a:effectLst/>
-              <a:latin typeface="Arial" panose="020B0604020202020204" pitchFamily="34" charset="0"/>
-            </a:endParaRPr>
-          </a:p>
-        </p:txBody>
-      </p:sp>
-      <p:sp>
-        <p:nvSpPr>
-          <p:cNvPr id="7" name="Rectangle 2"/>
-          <p:cNvSpPr>
-            <a:spLocks noChangeArrowheads="1"/>
-          </p:cNvSpPr>
-          <p:nvPr/>
-        </p:nvSpPr>
-        <p:spPr bwMode="auto">
-          <a:xfrm>
-            <a:off x="794557" y="3888797"/>
-            <a:ext cx="3181697" cy="369332"/>
-          </a:xfrm>
-          <a:prstGeom prst="rect">
-            <a:avLst/>
-          </a:prstGeom>
-          <a:solidFill>
-            <a:srgbClr val="FFFFFF"/>
-          </a:solidFill>
-          <a:ln>
-            <a:noFill/>
-          </a:ln>
-          <a:effectLst/>
-          <a:extLst>
-            <a:ext uri="{91240B29-F687-4F45-9708-019B960494DF}">
-              <a14:hiddenLine xmlns:a14="http://schemas.microsoft.com/office/drawing/2010/main" w="9525">
-                <a:solidFill>
-                  <a:schemeClr val="tx1"/>
-                </a:solidFill>
-                <a:miter lim="800000"/>
-                <a:headEnd/>
-                <a:tailEnd/>
-              </a14:hiddenLine>
-            </a:ext>
-            <a:ext uri="{AF507438-7753-43E0-B8FC-AC1667EBCBE1}">
-              <a14:hiddenEffects xmlns:a14="http://schemas.microsoft.com/office/drawing/2010/main">
-                <a:effectLst>
-                  <a:outerShdw dist="35921" dir="2700000" algn="ctr" rotWithShape="0">
-                    <a:schemeClr val="bg2"/>
-                  </a:outerShdw>
-                </a:effectLst>
-              </a14:hiddenEffects>
-            </a:ext>
-          </a:extLst>
-        </p:spPr>
-        <p:txBody>
-          <a:bodyPr vert="horz" wrap="square" lIns="0" tIns="0" rIns="0" bIns="0" numCol="1" anchor="ctr" anchorCtr="0" compatLnSpc="1">
-            <a:prstTxWarp prst="textNoShape">
-              <a:avLst/>
-            </a:prstTxWarp>
-            <a:spAutoFit/>
-          </a:bodyPr>
-          <a:lstStyle/>
-          <a:p>
-            <a:pPr marL="0" marR="0" lvl="0" indent="0" algn="l" defTabSz="914400" rtl="0" eaLnBrk="0" fontAlgn="base" latinLnBrk="0" hangingPunct="0">
-              <a:lnSpc>
-                <a:spcPct val="100000"/>
-              </a:lnSpc>
-              <a:spcBef>
-                <a:spcPct val="0"/>
-              </a:spcBef>
-              <a:spcAft>
-                <a:spcPct val="0"/>
-              </a:spcAft>
-              <a:buClrTx/>
-              <a:buSzTx/>
-              <a:buFontTx/>
-              <a:buNone/>
-              <a:tabLst/>
-            </a:pPr>
-            <a:r>
-              <a:rPr lang="zh-CN" altLang="zh-CN" sz="1600" dirty="0">
-                <a:solidFill>
-                  <a:srgbClr val="00796B"/>
-                </a:solidFill>
-                <a:latin typeface="Arial Unicode MS" panose="020B0604020202020204" pitchFamily="34" charset="-122"/>
-                <a:ea typeface="Monaco"/>
-              </a:rPr>
-              <a:t>&lt;form </a:t>
-            </a:r>
-            <a:r>
-              <a:rPr kumimoji="0" lang="zh-CN" altLang="zh-CN" sz="1600" b="0" i="0" u="none" strike="noStrike" cap="none" normalizeH="0" baseline="0" dirty="0" smtClean="0">
-                <a:ln>
-                  <a:noFill/>
-                </a:ln>
-                <a:solidFill>
-                  <a:srgbClr val="455A64"/>
-                </a:solidFill>
-                <a:effectLst/>
-                <a:latin typeface="Arial Unicode MS" panose="020B0604020202020204" pitchFamily="34" charset="-122"/>
-                <a:ea typeface="Monaco"/>
-              </a:rPr>
-              <a:t>#</a:t>
-            </a:r>
-            <a:r>
-              <a:rPr kumimoji="0" lang="zh-CN" altLang="zh-CN" sz="1600" b="0" i="0" u="none" strike="noStrike" cap="none" normalizeH="0" baseline="0" dirty="0" smtClean="0">
-                <a:ln>
-                  <a:noFill/>
-                </a:ln>
-                <a:solidFill>
-                  <a:srgbClr val="00796B"/>
-                </a:solidFill>
-                <a:effectLst/>
-                <a:latin typeface="Arial Unicode MS" panose="020B0604020202020204" pitchFamily="34" charset="-122"/>
-                <a:ea typeface="Monaco"/>
-              </a:rPr>
-              <a:t>heroForm</a:t>
-            </a:r>
-            <a:r>
-              <a:rPr kumimoji="0" lang="zh-CN" altLang="zh-CN" sz="1600" b="0" i="0" u="none" strike="noStrike" cap="none" normalizeH="0" baseline="0" dirty="0" smtClean="0">
-                <a:ln>
-                  <a:noFill/>
-                </a:ln>
-                <a:solidFill>
-                  <a:srgbClr val="455A64"/>
-                </a:solidFill>
-                <a:effectLst/>
-                <a:latin typeface="Arial Unicode MS" panose="020B0604020202020204" pitchFamily="34" charset="-122"/>
-                <a:ea typeface="Monaco"/>
-              </a:rPr>
-              <a:t>=</a:t>
-            </a:r>
-            <a:r>
-              <a:rPr kumimoji="0" lang="zh-CN" altLang="zh-CN" sz="1600" b="0" i="0" u="none" strike="noStrike" cap="none" normalizeH="0" baseline="0" dirty="0" smtClean="0">
-                <a:ln>
-                  <a:noFill/>
-                </a:ln>
-                <a:solidFill>
-                  <a:srgbClr val="00796B"/>
-                </a:solidFill>
-                <a:effectLst/>
-                <a:latin typeface="Arial Unicode MS" panose="020B0604020202020204" pitchFamily="34" charset="-122"/>
-                <a:ea typeface="Monaco"/>
-              </a:rPr>
-              <a:t>"ngForm</a:t>
-            </a:r>
-            <a:r>
-              <a:rPr lang="zh-CN" altLang="zh-CN" sz="1600" dirty="0">
-                <a:solidFill>
-                  <a:srgbClr val="00796B"/>
-                </a:solidFill>
-                <a:latin typeface="Arial Unicode MS" panose="020B0604020202020204" pitchFamily="34" charset="-122"/>
-                <a:ea typeface="Monaco"/>
-              </a:rPr>
-              <a:t>"&gt;</a:t>
-            </a:r>
-            <a:r>
-              <a:rPr kumimoji="0" lang="zh-CN" altLang="zh-CN" sz="2400" b="0" i="0" u="none" strike="noStrike" cap="none" normalizeH="0" baseline="0" dirty="0" smtClean="0">
-                <a:ln>
-                  <a:noFill/>
-                </a:ln>
-                <a:solidFill>
-                  <a:schemeClr val="tx1"/>
-                </a:solidFill>
-                <a:effectLst/>
-              </a:rPr>
-              <a:t> </a:t>
-            </a:r>
-            <a:endParaRPr kumimoji="0" lang="zh-CN" altLang="zh-CN" sz="4000" b="0" i="0" u="none" strike="noStrike" cap="none" normalizeH="0" baseline="0" dirty="0" smtClean="0">
-              <a:ln>
-                <a:noFill/>
-              </a:ln>
-              <a:solidFill>
-                <a:schemeClr val="tx1"/>
-              </a:solidFill>
-              <a:effectLst/>
-              <a:latin typeface="Arial" panose="020B0604020202020204" pitchFamily="34" charset="0"/>
-            </a:endParaRPr>
-          </a:p>
-        </p:txBody>
-      </p:sp>
-      <p:sp>
-        <p:nvSpPr>
-          <p:cNvPr id="8" name="Rectangle 3"/>
-          <p:cNvSpPr>
-            <a:spLocks noChangeArrowheads="1"/>
-          </p:cNvSpPr>
-          <p:nvPr/>
-        </p:nvSpPr>
-        <p:spPr bwMode="auto">
-          <a:xfrm>
-            <a:off x="654318" y="4482239"/>
-            <a:ext cx="8366393" cy="369332"/>
-          </a:xfrm>
-          <a:prstGeom prst="rect">
-            <a:avLst/>
-          </a:prstGeom>
-          <a:noFill/>
-          <a:ln>
-            <a:noFill/>
-          </a:ln>
-          <a:effectLst/>
-          <a:extLst>
-            <a:ext uri="{909E8E84-426E-40DD-AFC4-6F175D3DCCD1}">
-              <a14:hiddenFill xmlns:a14="http://schemas.microsoft.com/office/drawing/2010/main">
-                <a:solidFill>
-                  <a:schemeClr val="accent1"/>
-                </a:solidFill>
-              </a14:hiddenFill>
-            </a:ext>
-            <a:ext uri="{91240B29-F687-4F45-9708-019B960494DF}">
-              <a14:hiddenLine xmlns:a14="http://schemas.microsoft.com/office/drawing/2010/main" w="9525">
-                <a:solidFill>
-                  <a:schemeClr val="tx1"/>
-                </a:solidFill>
-                <a:miter lim="800000"/>
-                <a:headEnd/>
-                <a:tailEnd/>
-              </a14:hiddenLine>
-            </a:ext>
-            <a:ext uri="{AF507438-7753-43E0-B8FC-AC1667EBCBE1}">
-              <a14:hiddenEffects xmlns:a14="http://schemas.microsoft.com/office/drawing/2010/main">
-                <a:effectLst>
-                  <a:outerShdw dist="35921" dir="2700000" algn="ctr" rotWithShape="0">
-                    <a:schemeClr val="bg2"/>
-                  </a:outerShdw>
-                </a:effectLst>
-              </a14:hiddenEffects>
-            </a:ext>
-          </a:extLst>
-        </p:spPr>
-        <p:txBody>
-          <a:bodyPr vert="horz" wrap="none" lIns="91440" tIns="45720" rIns="91440" bIns="45720" numCol="1" anchor="ctr" anchorCtr="0" compatLnSpc="1">
-            <a:prstTxWarp prst="textNoShape">
-              <a:avLst/>
-            </a:prstTxWarp>
-            <a:spAutoFit/>
-          </a:bodyPr>
-          <a:lstStyle>
-            <a:lvl1pPr eaLnBrk="0" fontAlgn="base" hangingPunct="0">
-              <a:spcBef>
-                <a:spcPct val="0"/>
-              </a:spcBef>
-              <a:spcAft>
-                <a:spcPct val="0"/>
-              </a:spcAft>
-              <a:defRPr>
-                <a:solidFill>
-                  <a:schemeClr val="tx1"/>
-                </a:solidFill>
-                <a:latin typeface="Arial" panose="020B0604020202020204" pitchFamily="34" charset="0"/>
-              </a:defRPr>
-            </a:lvl1pPr>
-            <a:lvl2pPr eaLnBrk="0" fontAlgn="base" hangingPunct="0">
-              <a:spcBef>
-                <a:spcPct val="0"/>
-              </a:spcBef>
-              <a:spcAft>
-                <a:spcPct val="0"/>
-              </a:spcAft>
-              <a:defRPr>
-                <a:solidFill>
-                  <a:schemeClr val="tx1"/>
-                </a:solidFill>
-                <a:latin typeface="Arial" panose="020B0604020202020204" pitchFamily="34" charset="0"/>
-              </a:defRPr>
-            </a:lvl2pPr>
-            <a:lvl3pPr eaLnBrk="0" fontAlgn="base" hangingPunct="0">
-              <a:spcBef>
-                <a:spcPct val="0"/>
-              </a:spcBef>
-              <a:spcAft>
-                <a:spcPct val="0"/>
-              </a:spcAft>
-              <a:defRPr>
-                <a:solidFill>
-                  <a:schemeClr val="tx1"/>
-                </a:solidFill>
-                <a:latin typeface="Arial" panose="020B0604020202020204" pitchFamily="34" charset="0"/>
-              </a:defRPr>
-            </a:lvl3pPr>
-            <a:lvl4pPr eaLnBrk="0" fontAlgn="base" hangingPunct="0">
-              <a:spcBef>
-                <a:spcPct val="0"/>
-              </a:spcBef>
-              <a:spcAft>
-                <a:spcPct val="0"/>
-              </a:spcAft>
-              <a:defRPr>
-                <a:solidFill>
-                  <a:schemeClr val="tx1"/>
-                </a:solidFill>
-                <a:latin typeface="Arial" panose="020B0604020202020204" pitchFamily="34" charset="0"/>
-              </a:defRPr>
-            </a:lvl4pPr>
-            <a:lvl5pPr eaLnBrk="0" fontAlgn="base" hangingPunct="0">
-              <a:spcBef>
-                <a:spcPct val="0"/>
-              </a:spcBef>
-              <a:spcAft>
-                <a:spcPct val="0"/>
-              </a:spcAft>
-              <a:defRPr>
-                <a:solidFill>
-                  <a:schemeClr val="tx1"/>
-                </a:solidFill>
-                <a:latin typeface="Arial" panose="020B0604020202020204" pitchFamily="34" charset="0"/>
-              </a:defRPr>
-            </a:lvl5pPr>
-            <a:lvl6pPr eaLnBrk="0" fontAlgn="base" hangingPunct="0">
-              <a:spcBef>
-                <a:spcPct val="0"/>
-              </a:spcBef>
-              <a:spcAft>
-                <a:spcPct val="0"/>
-              </a:spcAft>
-              <a:defRPr>
-                <a:solidFill>
-                  <a:schemeClr val="tx1"/>
-                </a:solidFill>
-                <a:latin typeface="Arial" panose="020B0604020202020204" pitchFamily="34" charset="0"/>
-              </a:defRPr>
-            </a:lvl6pPr>
-            <a:lvl7pPr eaLnBrk="0" fontAlgn="base" hangingPunct="0">
-              <a:spcBef>
-                <a:spcPct val="0"/>
-              </a:spcBef>
-              <a:spcAft>
-                <a:spcPct val="0"/>
-              </a:spcAft>
-              <a:defRPr>
-                <a:solidFill>
-                  <a:schemeClr val="tx1"/>
-                </a:solidFill>
-                <a:latin typeface="Arial" panose="020B0604020202020204" pitchFamily="34" charset="0"/>
-              </a:defRPr>
-            </a:lvl7pPr>
-            <a:lvl8pPr eaLnBrk="0" fontAlgn="base" hangingPunct="0">
-              <a:spcBef>
-                <a:spcPct val="0"/>
-              </a:spcBef>
-              <a:spcAft>
-                <a:spcPct val="0"/>
-              </a:spcAft>
-              <a:defRPr>
-                <a:solidFill>
-                  <a:schemeClr val="tx1"/>
-                </a:solidFill>
-                <a:latin typeface="Arial" panose="020B0604020202020204" pitchFamily="34" charset="0"/>
-              </a:defRPr>
-            </a:lvl8pPr>
-            <a:lvl9pPr eaLnBrk="0" fontAlgn="base" hangingPunct="0">
-              <a:spcBef>
-                <a:spcPct val="0"/>
-              </a:spcBef>
-              <a:spcAft>
-                <a:spcPct val="0"/>
-              </a:spcAft>
-              <a:defRPr>
-                <a:solidFill>
-                  <a:schemeClr val="tx1"/>
-                </a:solidFill>
-                <a:latin typeface="Arial" panose="020B0604020202020204" pitchFamily="34" charset="0"/>
-              </a:defRPr>
-            </a:lvl9pPr>
-          </a:lstStyle>
-          <a:p>
-            <a:pPr lvl="0"/>
-            <a:r>
-              <a:rPr kumimoji="0" lang="zh-CN" altLang="zh-CN" b="0" i="0" u="none" strike="noStrike" cap="none" normalizeH="0" baseline="0" dirty="0" smtClean="0">
-                <a:ln>
-                  <a:noFill/>
-                </a:ln>
-                <a:solidFill>
-                  <a:srgbClr val="546E7A"/>
-                </a:solidFill>
-                <a:effectLst/>
-                <a:latin typeface="Arial" panose="020B0604020202020204" pitchFamily="34" charset="0"/>
-                <a:ea typeface="Helvetica Neue"/>
-              </a:rPr>
-              <a:t>当在表单中使用</a:t>
-            </a:r>
-            <a:r>
-              <a:rPr kumimoji="0" lang="zh-CN" altLang="zh-CN" sz="1600" b="0" i="0" u="none" strike="noStrike" cap="none" normalizeH="0" baseline="0" dirty="0" smtClean="0">
-                <a:ln>
-                  <a:noFill/>
-                </a:ln>
-                <a:solidFill>
-                  <a:srgbClr val="00796B"/>
-                </a:solidFill>
-                <a:effectLst/>
-                <a:latin typeface="Arial Unicode MS" panose="020B0604020202020204" pitchFamily="34" charset="-122"/>
-                <a:ea typeface="Monaco"/>
-              </a:rPr>
-              <a:t>[(ngModel)]</a:t>
-            </a:r>
-            <a:r>
-              <a:rPr kumimoji="0" lang="zh-CN" altLang="zh-CN" b="0" i="0" u="none" strike="noStrike" cap="none" normalizeH="0" baseline="0" dirty="0" smtClean="0">
-                <a:ln>
-                  <a:noFill/>
-                </a:ln>
-                <a:solidFill>
-                  <a:srgbClr val="546E7A"/>
-                </a:solidFill>
-                <a:effectLst/>
-                <a:ea typeface="Helvetica Neue"/>
-              </a:rPr>
-              <a:t>时，必须要定义</a:t>
-            </a:r>
-            <a:r>
-              <a:rPr kumimoji="0" lang="zh-CN" altLang="zh-CN" sz="1600" b="0" i="0" u="none" strike="noStrike" cap="none" normalizeH="0" baseline="0" dirty="0" smtClean="0">
-                <a:ln>
-                  <a:noFill/>
-                </a:ln>
-                <a:solidFill>
-                  <a:srgbClr val="00796B"/>
-                </a:solidFill>
-                <a:effectLst/>
-                <a:latin typeface="Arial Unicode MS" panose="020B0604020202020204" pitchFamily="34" charset="-122"/>
-                <a:ea typeface="Monaco"/>
-              </a:rPr>
-              <a:t>name</a:t>
-            </a:r>
-            <a:r>
-              <a:rPr kumimoji="0" lang="zh-CN" altLang="zh-CN" b="0" i="0" u="none" strike="noStrike" cap="none" normalizeH="0" baseline="0" dirty="0" smtClean="0">
-                <a:ln>
-                  <a:noFill/>
-                </a:ln>
-                <a:solidFill>
-                  <a:srgbClr val="546E7A"/>
-                </a:solidFill>
-                <a:effectLst/>
-                <a:ea typeface="Helvetica Neue"/>
-              </a:rPr>
-              <a:t>属性</a:t>
-            </a:r>
-            <a:r>
-              <a:rPr lang="zh-CN" altLang="en-US" dirty="0">
-                <a:solidFill>
-                  <a:srgbClr val="546E7A"/>
-                </a:solidFill>
-                <a:ea typeface="Helvetica Neue"/>
-              </a:rPr>
-              <a:t>，</a:t>
-            </a:r>
-            <a:r>
-              <a:rPr lang="en-US" altLang="zh-CN" dirty="0">
-                <a:solidFill>
-                  <a:srgbClr val="546E7A"/>
-                </a:solidFill>
-                <a:ea typeface="Helvetica Neue"/>
-              </a:rPr>
-              <a:t>Angular </a:t>
-            </a:r>
-            <a:r>
-              <a:rPr lang="zh-CN" altLang="en-US" dirty="0">
-                <a:solidFill>
-                  <a:srgbClr val="546E7A"/>
-                </a:solidFill>
-                <a:ea typeface="Helvetica Neue"/>
-              </a:rPr>
-              <a:t>表单用它注册控件</a:t>
-            </a:r>
-            <a:endParaRPr lang="zh-CN" altLang="zh-CN" dirty="0">
-              <a:solidFill>
-                <a:srgbClr val="546E7A"/>
-              </a:solidFill>
-              <a:ea typeface="Helvetica Neue"/>
-            </a:endParaRPr>
-          </a:p>
-        </p:txBody>
-      </p:sp>
-      <p:sp>
-        <p:nvSpPr>
-          <p:cNvPr id="9" name="Rectangle 4"/>
-          <p:cNvSpPr>
-            <a:spLocks noChangeArrowheads="1"/>
-          </p:cNvSpPr>
-          <p:nvPr/>
-        </p:nvSpPr>
-        <p:spPr bwMode="auto">
-          <a:xfrm>
-            <a:off x="741416" y="5119616"/>
-            <a:ext cx="9348713" cy="276999"/>
-          </a:xfrm>
-          <a:prstGeom prst="rect">
-            <a:avLst/>
-          </a:prstGeom>
-          <a:solidFill>
-            <a:srgbClr val="FFFFFF"/>
-          </a:solidFill>
-          <a:ln>
-            <a:noFill/>
-          </a:ln>
-          <a:effectLst/>
-          <a:extLst>
-            <a:ext uri="{91240B29-F687-4F45-9708-019B960494DF}">
-              <a14:hiddenLine xmlns:a14="http://schemas.microsoft.com/office/drawing/2010/main" w="9525">
-                <a:solidFill>
-                  <a:schemeClr val="tx1"/>
-                </a:solidFill>
-                <a:miter lim="800000"/>
-                <a:headEnd/>
-                <a:tailEnd/>
-              </a14:hiddenLine>
-            </a:ext>
-            <a:ext uri="{AF507438-7753-43E0-B8FC-AC1667EBCBE1}">
-              <a14:hiddenEffects xmlns:a14="http://schemas.microsoft.com/office/drawing/2010/main">
-                <a:effectLst>
-                  <a:outerShdw dist="35921" dir="2700000" algn="ctr" rotWithShape="0">
-                    <a:schemeClr val="bg2"/>
-                  </a:outerShdw>
-                </a:effectLst>
-              </a14:hiddenEffects>
-            </a:ext>
-          </a:extLst>
-        </p:spPr>
-        <p:txBody>
-          <a:bodyPr vert="horz" wrap="none" lIns="0" tIns="0" rIns="0" bIns="0" numCol="1" anchor="ctr" anchorCtr="0" compatLnSpc="1">
-            <a:prstTxWarp prst="textNoShape">
-              <a:avLst/>
-            </a:prstTxWarp>
-            <a:spAutoFit/>
-          </a:bodyPr>
-          <a:lstStyle/>
-          <a:p>
-            <a:pPr marL="0" marR="0" lvl="0" indent="0" algn="l" defTabSz="914400" rtl="0" eaLnBrk="0" fontAlgn="base" latinLnBrk="0" hangingPunct="0">
-              <a:lnSpc>
-                <a:spcPct val="100000"/>
-              </a:lnSpc>
-              <a:spcBef>
-                <a:spcPct val="0"/>
-              </a:spcBef>
-              <a:spcAft>
-                <a:spcPct val="0"/>
-              </a:spcAft>
-              <a:buClrTx/>
-              <a:buSzTx/>
-              <a:buFontTx/>
-              <a:buNone/>
-              <a:tabLst/>
-            </a:pPr>
-            <a:r>
-              <a:rPr lang="zh-CN" altLang="zh-CN" dirty="0">
-                <a:solidFill>
-                  <a:srgbClr val="00796B"/>
-                </a:solidFill>
-                <a:latin typeface="Arial Unicode MS" panose="020B0604020202020204" pitchFamily="34" charset="-122"/>
-                <a:ea typeface="Monaco"/>
-              </a:rPr>
-              <a:t>&lt;input type</a:t>
-            </a:r>
-            <a:r>
-              <a:rPr kumimoji="0" lang="zh-CN" altLang="zh-CN" b="0" i="0" u="none" strike="noStrike" cap="none" normalizeH="0" baseline="0" dirty="0" smtClean="0">
-                <a:ln>
-                  <a:noFill/>
-                </a:ln>
-                <a:solidFill>
-                  <a:srgbClr val="455A64"/>
-                </a:solidFill>
-                <a:effectLst/>
-                <a:latin typeface="Arial Unicode MS" panose="020B0604020202020204" pitchFamily="34" charset="-122"/>
-                <a:ea typeface="Monaco"/>
-              </a:rPr>
-              <a:t>=</a:t>
-            </a:r>
-            <a:r>
-              <a:rPr kumimoji="0" lang="zh-CN" altLang="zh-CN" b="0" i="0" u="none" strike="noStrike" cap="none" normalizeH="0" baseline="0" dirty="0" smtClean="0">
-                <a:ln>
-                  <a:noFill/>
-                </a:ln>
-                <a:solidFill>
-                  <a:srgbClr val="00796B"/>
-                </a:solidFill>
-                <a:effectLst/>
-                <a:latin typeface="Arial Unicode MS" panose="020B0604020202020204" pitchFamily="34" charset="-122"/>
-                <a:ea typeface="Monaco"/>
-              </a:rPr>
-              <a:t>"text"</a:t>
-            </a:r>
-            <a:r>
-              <a:rPr kumimoji="0" lang="zh-CN" altLang="zh-CN" b="0" i="0" u="none" strike="noStrike" cap="none" normalizeH="0" baseline="0" dirty="0" smtClean="0">
-                <a:ln>
-                  <a:noFill/>
-                </a:ln>
-                <a:solidFill>
-                  <a:srgbClr val="455A64"/>
-                </a:solidFill>
-                <a:effectLst/>
-                <a:latin typeface="Arial Unicode MS" panose="020B0604020202020204" pitchFamily="34" charset="-122"/>
-                <a:ea typeface="Monaco"/>
-              </a:rPr>
-              <a:t> </a:t>
-            </a:r>
-            <a:r>
-              <a:rPr kumimoji="0" lang="zh-CN" altLang="zh-CN" b="0" i="0" u="none" strike="noStrike" cap="none" normalizeH="0" baseline="0" dirty="0" smtClean="0">
-                <a:ln>
-                  <a:noFill/>
-                </a:ln>
-                <a:solidFill>
-                  <a:srgbClr val="00796B"/>
-                </a:solidFill>
-                <a:effectLst/>
-                <a:latin typeface="Arial Unicode MS" panose="020B0604020202020204" pitchFamily="34" charset="-122"/>
-                <a:ea typeface="Monaco"/>
-              </a:rPr>
-              <a:t>class</a:t>
-            </a:r>
-            <a:r>
-              <a:rPr kumimoji="0" lang="zh-CN" altLang="zh-CN" b="0" i="0" u="none" strike="noStrike" cap="none" normalizeH="0" baseline="0" dirty="0" smtClean="0">
-                <a:ln>
-                  <a:noFill/>
-                </a:ln>
-                <a:solidFill>
-                  <a:srgbClr val="455A64"/>
-                </a:solidFill>
-                <a:effectLst/>
-                <a:latin typeface="Arial Unicode MS" panose="020B0604020202020204" pitchFamily="34" charset="-122"/>
-                <a:ea typeface="Monaco"/>
-              </a:rPr>
-              <a:t>=</a:t>
-            </a:r>
-            <a:r>
-              <a:rPr kumimoji="0" lang="zh-CN" altLang="zh-CN" b="0" i="0" u="none" strike="noStrike" cap="none" normalizeH="0" baseline="0" dirty="0" smtClean="0">
-                <a:ln>
-                  <a:noFill/>
-                </a:ln>
-                <a:solidFill>
-                  <a:srgbClr val="00796B"/>
-                </a:solidFill>
-                <a:effectLst/>
-                <a:latin typeface="Arial Unicode MS" panose="020B0604020202020204" pitchFamily="34" charset="-122"/>
-                <a:ea typeface="Monaco"/>
-              </a:rPr>
-              <a:t>"form-control"</a:t>
-            </a:r>
-            <a:r>
-              <a:rPr kumimoji="0" lang="zh-CN" altLang="zh-CN" b="0" i="0" u="none" strike="noStrike" cap="none" normalizeH="0" baseline="0" dirty="0" smtClean="0">
-                <a:ln>
-                  <a:noFill/>
-                </a:ln>
-                <a:solidFill>
-                  <a:srgbClr val="455A64"/>
-                </a:solidFill>
-                <a:effectLst/>
-                <a:latin typeface="Arial Unicode MS" panose="020B0604020202020204" pitchFamily="34" charset="-122"/>
-                <a:ea typeface="Monaco"/>
-              </a:rPr>
-              <a:t> </a:t>
-            </a:r>
-            <a:r>
-              <a:rPr kumimoji="0" lang="zh-CN" altLang="zh-CN" b="0" i="0" u="none" strike="noStrike" cap="none" normalizeH="0" baseline="0" dirty="0" smtClean="0">
-                <a:ln>
-                  <a:noFill/>
-                </a:ln>
-                <a:solidFill>
-                  <a:srgbClr val="00796B"/>
-                </a:solidFill>
-                <a:effectLst/>
-                <a:latin typeface="Arial Unicode MS" panose="020B0604020202020204" pitchFamily="34" charset="-122"/>
-                <a:ea typeface="Monaco"/>
-              </a:rPr>
-              <a:t>required</a:t>
-            </a:r>
-            <a:r>
-              <a:rPr kumimoji="0" lang="zh-CN" altLang="zh-CN" b="0" i="0" u="none" strike="noStrike" cap="none" normalizeH="0" baseline="0" dirty="0" smtClean="0">
-                <a:ln>
-                  <a:noFill/>
-                </a:ln>
-                <a:solidFill>
-                  <a:srgbClr val="455A64"/>
-                </a:solidFill>
-                <a:effectLst/>
-                <a:latin typeface="Arial Unicode MS" panose="020B0604020202020204" pitchFamily="34" charset="-122"/>
-                <a:ea typeface="Monaco"/>
-              </a:rPr>
-              <a:t> [(</a:t>
-            </a:r>
-            <a:r>
-              <a:rPr kumimoji="0" lang="zh-CN" altLang="zh-CN" b="0" i="0" u="none" strike="noStrike" cap="none" normalizeH="0" baseline="0" dirty="0" smtClean="0">
-                <a:ln>
-                  <a:noFill/>
-                </a:ln>
-                <a:solidFill>
-                  <a:srgbClr val="00796B"/>
-                </a:solidFill>
-                <a:effectLst/>
-                <a:latin typeface="Arial Unicode MS" panose="020B0604020202020204" pitchFamily="34" charset="-122"/>
-                <a:ea typeface="Monaco"/>
-              </a:rPr>
-              <a:t>ngModel</a:t>
-            </a:r>
-            <a:r>
-              <a:rPr kumimoji="0" lang="zh-CN" altLang="zh-CN" b="0" i="0" u="none" strike="noStrike" cap="none" normalizeH="0" baseline="0" dirty="0" smtClean="0">
-                <a:ln>
-                  <a:noFill/>
-                </a:ln>
-                <a:solidFill>
-                  <a:srgbClr val="455A64"/>
-                </a:solidFill>
-                <a:effectLst/>
-                <a:latin typeface="Arial Unicode MS" panose="020B0604020202020204" pitchFamily="34" charset="-122"/>
-                <a:ea typeface="Monaco"/>
-              </a:rPr>
-              <a:t>)]=</a:t>
-            </a:r>
-            <a:r>
-              <a:rPr kumimoji="0" lang="zh-CN" altLang="zh-CN" b="0" i="0" u="none" strike="noStrike" cap="none" normalizeH="0" baseline="0" dirty="0" smtClean="0">
-                <a:ln>
-                  <a:noFill/>
-                </a:ln>
-                <a:solidFill>
-                  <a:srgbClr val="00796B"/>
-                </a:solidFill>
-                <a:effectLst/>
-                <a:latin typeface="Arial Unicode MS" panose="020B0604020202020204" pitchFamily="34" charset="-122"/>
-                <a:ea typeface="Monaco"/>
-              </a:rPr>
-              <a:t>"model.name"</a:t>
-            </a:r>
-            <a:r>
-              <a:rPr kumimoji="0" lang="zh-CN" altLang="zh-CN" b="0" i="0" u="none" strike="noStrike" cap="none" normalizeH="0" baseline="0" dirty="0" smtClean="0">
-                <a:ln>
-                  <a:noFill/>
-                </a:ln>
-                <a:solidFill>
-                  <a:srgbClr val="455A64"/>
-                </a:solidFill>
-                <a:effectLst/>
-                <a:latin typeface="Arial Unicode MS" panose="020B0604020202020204" pitchFamily="34" charset="-122"/>
-                <a:ea typeface="Monaco"/>
-              </a:rPr>
-              <a:t> </a:t>
-            </a:r>
-            <a:r>
-              <a:rPr kumimoji="0" lang="zh-CN" altLang="zh-CN" b="0" i="0" u="none" strike="noStrike" cap="none" normalizeH="0" baseline="0" dirty="0" smtClean="0">
-                <a:ln>
-                  <a:noFill/>
-                </a:ln>
-                <a:solidFill>
-                  <a:srgbClr val="00796B"/>
-                </a:solidFill>
-                <a:effectLst/>
-                <a:latin typeface="Arial Unicode MS" panose="020B0604020202020204" pitchFamily="34" charset="-122"/>
-                <a:ea typeface="Monaco"/>
-              </a:rPr>
-              <a:t>name</a:t>
-            </a:r>
-            <a:r>
-              <a:rPr kumimoji="0" lang="zh-CN" altLang="zh-CN" b="0" i="0" u="none" strike="noStrike" cap="none" normalizeH="0" baseline="0" dirty="0" smtClean="0">
-                <a:ln>
-                  <a:noFill/>
-                </a:ln>
-                <a:solidFill>
-                  <a:srgbClr val="455A64"/>
-                </a:solidFill>
-                <a:effectLst/>
-                <a:latin typeface="Arial Unicode MS" panose="020B0604020202020204" pitchFamily="34" charset="-122"/>
-                <a:ea typeface="Monaco"/>
-              </a:rPr>
-              <a:t>=</a:t>
-            </a:r>
-            <a:r>
-              <a:rPr kumimoji="0" lang="zh-CN" altLang="zh-CN" b="0" i="0" u="none" strike="noStrike" cap="none" normalizeH="0" baseline="0" dirty="0" smtClean="0">
-                <a:ln>
-                  <a:noFill/>
-                </a:ln>
-                <a:solidFill>
-                  <a:srgbClr val="00796B"/>
-                </a:solidFill>
-                <a:effectLst/>
-                <a:latin typeface="Arial Unicode MS" panose="020B0604020202020204" pitchFamily="34" charset="-122"/>
-                <a:ea typeface="Monaco"/>
-              </a:rPr>
-              <a:t>"</a:t>
-            </a:r>
-            <a:r>
-              <a:rPr lang="zh-CN" altLang="zh-CN" dirty="0">
-                <a:solidFill>
-                  <a:srgbClr val="00796B"/>
-                </a:solidFill>
-                <a:latin typeface="Arial Unicode MS" panose="020B0604020202020204" pitchFamily="34" charset="-122"/>
-                <a:ea typeface="Monaco"/>
-              </a:rPr>
-              <a:t>name"&gt; </a:t>
-            </a:r>
-          </a:p>
-        </p:txBody>
-      </p:sp>
-      <p:sp>
-        <p:nvSpPr>
-          <p:cNvPr id="10" name="矩形 9"/>
-          <p:cNvSpPr/>
-          <p:nvPr/>
-        </p:nvSpPr>
-        <p:spPr>
-          <a:xfrm>
-            <a:off x="654318" y="2122021"/>
-            <a:ext cx="3592650" cy="461665"/>
-          </a:xfrm>
-          <a:prstGeom prst="rect">
-            <a:avLst/>
-          </a:prstGeom>
-        </p:spPr>
-        <p:txBody>
-          <a:bodyPr wrap="none">
-            <a:spAutoFit/>
-          </a:bodyPr>
-          <a:lstStyle/>
-          <a:p>
-            <a:r>
-              <a:rPr lang="zh-CN" altLang="en-US" sz="2400" b="1" dirty="0">
-                <a:solidFill>
-                  <a:srgbClr val="546E7A"/>
-                </a:solidFill>
-                <a:latin typeface="Helvetica Neue"/>
-              </a:rPr>
-              <a:t>创建初始 </a:t>
-            </a:r>
-            <a:r>
-              <a:rPr lang="en-US" altLang="zh-CN" sz="2400" b="1" dirty="0">
-                <a:solidFill>
-                  <a:srgbClr val="546E7A"/>
-                </a:solidFill>
-                <a:latin typeface="Helvetica Neue"/>
-              </a:rPr>
-              <a:t>HTML </a:t>
-            </a:r>
-            <a:r>
-              <a:rPr lang="zh-CN" altLang="en-US" sz="2400" b="1" dirty="0">
-                <a:solidFill>
-                  <a:srgbClr val="546E7A"/>
-                </a:solidFill>
-                <a:latin typeface="Helvetica Neue"/>
-              </a:rPr>
-              <a:t>表单模板</a:t>
-            </a:r>
-            <a:endParaRPr lang="zh-CN" altLang="en-US" sz="2400" b="1" i="0" dirty="0">
-              <a:solidFill>
-                <a:srgbClr val="546E7A"/>
-              </a:solidFill>
-              <a:effectLst/>
-              <a:latin typeface="Helvetica Neue"/>
-            </a:endParaRPr>
-          </a:p>
-        </p:txBody>
-      </p:sp>
-    </p:spTree>
-    <p:extLst>
-      <p:ext uri="{BB962C8B-B14F-4D97-AF65-F5344CB8AC3E}">
-        <p14:creationId xmlns:p14="http://schemas.microsoft.com/office/powerpoint/2010/main" val="3213035394"/>
-      </p:ext>
-    </p:extLst>
-  </p:cSld>
-  <p:clrMapOvr>
-    <a:masterClrMapping/>
-  </p:clrMapOvr>
-</p:sld>
-</file>
-
-<file path=ppt/slides/slide14.xml><?xml version="1.0" encoding="utf-8"?>
-<p:sld xmlns:a="http://schemas.openxmlformats.org/drawingml/2006/main" xmlns:r="http://schemas.openxmlformats.org/officeDocument/2006/relationships" xmlns:p="http://schemas.openxmlformats.org/presentationml/2006/main">
-  <p:cSld>
-    <p:bg>
-      <p:bgPr>
-        <a:noFill/>
-        <a:effectLst/>
-      </p:bgPr>
-    </p:bg>
-    <p:spTree>
-      <p:nvGrpSpPr>
-        <p:cNvPr id="1" name=""/>
-        <p:cNvGrpSpPr/>
-        <p:nvPr/>
-      </p:nvGrpSpPr>
-      <p:grpSpPr>
-        <a:xfrm>
-          <a:off x="0" y="0"/>
-          <a:ext cx="0" cy="0"/>
-          <a:chOff x="0" y="0"/>
-          <a:chExt cx="0" cy="0"/>
-        </a:xfrm>
-      </p:grpSpPr>
-      <p:sp>
-        <p:nvSpPr>
-          <p:cNvPr id="10" name="矩形 9"/>
-          <p:cNvSpPr/>
-          <p:nvPr/>
-        </p:nvSpPr>
-        <p:spPr>
-          <a:xfrm>
-            <a:off x="654318" y="514897"/>
-            <a:ext cx="5915402" cy="461665"/>
-          </a:xfrm>
-          <a:prstGeom prst="rect">
-            <a:avLst/>
-          </a:prstGeom>
-        </p:spPr>
-        <p:txBody>
-          <a:bodyPr wrap="none">
-            <a:spAutoFit/>
-          </a:bodyPr>
-          <a:lstStyle/>
-          <a:p>
-            <a:r>
-              <a:rPr lang="zh-CN" altLang="en-US" sz="2400" b="1" dirty="0" smtClean="0">
-                <a:solidFill>
-                  <a:srgbClr val="546E7A"/>
-                </a:solidFill>
-                <a:latin typeface="Helvetica Neue"/>
-              </a:rPr>
-              <a:t>通过</a:t>
-            </a:r>
-            <a:r>
-              <a:rPr lang="zh-CN" altLang="en-US" sz="2400" b="1" dirty="0">
-                <a:solidFill>
-                  <a:srgbClr val="546E7A"/>
-                </a:solidFill>
-                <a:latin typeface="Helvetica Neue"/>
-              </a:rPr>
-              <a:t> </a:t>
-            </a:r>
-            <a:r>
-              <a:rPr lang="en-US" altLang="zh-CN" sz="2400" b="1" dirty="0" err="1">
-                <a:solidFill>
-                  <a:srgbClr val="546E7A"/>
-                </a:solidFill>
-                <a:latin typeface="Helvetica Neue"/>
-              </a:rPr>
-              <a:t>ngModel</a:t>
-            </a:r>
-            <a:r>
-              <a:rPr lang="en-US" altLang="zh-CN" sz="2400" b="1" dirty="0">
-                <a:solidFill>
-                  <a:srgbClr val="546E7A"/>
-                </a:solidFill>
-                <a:latin typeface="Helvetica Neue"/>
-              </a:rPr>
-              <a:t> </a:t>
-            </a:r>
-            <a:r>
-              <a:rPr lang="zh-CN" altLang="en-US" sz="2400" b="1" dirty="0">
-                <a:solidFill>
-                  <a:srgbClr val="546E7A"/>
-                </a:solidFill>
-                <a:latin typeface="Helvetica Neue"/>
-              </a:rPr>
-              <a:t>跟踪修改状态与有效性</a:t>
-            </a:r>
-            <a:r>
-              <a:rPr lang="zh-CN" altLang="en-US" sz="2400" b="1" dirty="0" smtClean="0">
-                <a:solidFill>
-                  <a:srgbClr val="546E7A"/>
-                </a:solidFill>
-                <a:latin typeface="Helvetica Neue"/>
-              </a:rPr>
-              <a:t>验证</a:t>
-            </a:r>
-            <a:endParaRPr lang="zh-CN" altLang="en-US" sz="2400" b="1" dirty="0">
-              <a:solidFill>
-                <a:srgbClr val="546E7A"/>
-              </a:solidFill>
-              <a:latin typeface="Helvetica Neue"/>
-            </a:endParaRPr>
-          </a:p>
-        </p:txBody>
-      </p:sp>
-      <p:graphicFrame>
-        <p:nvGraphicFramePr>
-          <p:cNvPr id="11" name="表格 10"/>
-          <p:cNvGraphicFramePr>
-            <a:graphicFrameLocks noGrp="1"/>
-          </p:cNvGraphicFramePr>
-          <p:nvPr>
-            <p:extLst>
-              <p:ext uri="{D42A27DB-BD31-4B8C-83A1-F6EECF244321}">
-                <p14:modId xmlns:p14="http://schemas.microsoft.com/office/powerpoint/2010/main" val="1544371713"/>
-              </p:ext>
-            </p:extLst>
-          </p:nvPr>
-        </p:nvGraphicFramePr>
-        <p:xfrm>
-          <a:off x="654318" y="1083526"/>
-          <a:ext cx="10515600" cy="2316480"/>
-        </p:xfrm>
-        <a:graphic>
-          <a:graphicData uri="http://schemas.openxmlformats.org/drawingml/2006/table">
-            <a:tbl>
-              <a:tblPr/>
-              <a:tblGrid>
-                <a:gridCol w="3505200"/>
-                <a:gridCol w="3505200"/>
-                <a:gridCol w="3505200"/>
-              </a:tblGrid>
-              <a:tr h="0">
-                <a:tc>
-                  <a:txBody>
-                    <a:bodyPr/>
-                    <a:lstStyle/>
-                    <a:p>
-                      <a:pPr algn="l"/>
-                      <a:r>
-                        <a:rPr lang="zh-CN" altLang="en-US" b="0" dirty="0">
-                          <a:effectLst/>
-                          <a:latin typeface="Helvetica Neue"/>
-                        </a:rPr>
-                        <a:t>状态</a:t>
-                      </a:r>
-                    </a:p>
-                  </a:txBody>
-                  <a:tcPr marL="304800" marR="304800" marT="152400" marB="152400" anchor="ctr">
-                    <a:lnL>
-                      <a:noFill/>
-                    </a:lnL>
-                    <a:lnR w="9525" cap="flat" cmpd="sng" algn="ctr">
-                      <a:solidFill>
-                        <a:srgbClr val="ECEFF1"/>
-                      </a:solidFill>
-                      <a:prstDash val="solid"/>
-                      <a:round/>
-                      <a:headEnd type="none" w="med" len="med"/>
-                      <a:tailEnd type="none" w="med" len="med"/>
-                    </a:lnR>
-                    <a:lnT>
-                      <a:noFill/>
-                    </a:lnT>
-                    <a:lnB w="9525" cap="flat" cmpd="sng" algn="ctr">
-                      <a:solidFill>
-                        <a:srgbClr val="ECEFF1"/>
-                      </a:solidFill>
-                      <a:prstDash val="solid"/>
-                      <a:round/>
-                      <a:headEnd type="none" w="med" len="med"/>
-                      <a:tailEnd type="none" w="med" len="med"/>
-                    </a:lnB>
-                    <a:solidFill>
-                      <a:srgbClr val="FFFFFF"/>
-                    </a:solidFill>
-                  </a:tcPr>
-                </a:tc>
-                <a:tc>
-                  <a:txBody>
-                    <a:bodyPr/>
-                    <a:lstStyle/>
-                    <a:p>
-                      <a:pPr algn="l"/>
-                      <a:r>
-                        <a:rPr lang="zh-CN" altLang="en-US" b="0">
-                          <a:effectLst/>
-                          <a:latin typeface="Helvetica Neue"/>
-                        </a:rPr>
-                        <a:t>为真时的 </a:t>
-                      </a:r>
-                      <a:r>
-                        <a:rPr lang="en-US" b="0">
-                          <a:effectLst/>
-                          <a:latin typeface="Helvetica Neue"/>
-                        </a:rPr>
-                        <a:t>CSS </a:t>
-                      </a:r>
-                      <a:r>
-                        <a:rPr lang="zh-CN" altLang="en-US" b="0">
-                          <a:effectLst/>
-                          <a:latin typeface="Helvetica Neue"/>
-                        </a:rPr>
-                        <a:t>类</a:t>
-                      </a:r>
-                    </a:p>
-                  </a:txBody>
-                  <a:tcPr marL="304800" marR="304800" marT="152400" marB="152400" anchor="ctr">
-                    <a:lnL w="9525" cap="flat" cmpd="sng" algn="ctr">
-                      <a:solidFill>
-                        <a:srgbClr val="ECEFF1"/>
-                      </a:solidFill>
-                      <a:prstDash val="solid"/>
-                      <a:round/>
-                      <a:headEnd type="none" w="med" len="med"/>
-                      <a:tailEnd type="none" w="med" len="med"/>
-                    </a:lnL>
-                    <a:lnR w="9525" cap="flat" cmpd="sng" algn="ctr">
-                      <a:solidFill>
-                        <a:srgbClr val="ECEFF1"/>
-                      </a:solidFill>
-                      <a:prstDash val="solid"/>
-                      <a:round/>
-                      <a:headEnd type="none" w="med" len="med"/>
-                      <a:tailEnd type="none" w="med" len="med"/>
-                    </a:lnR>
-                    <a:lnT>
-                      <a:noFill/>
-                    </a:lnT>
-                    <a:lnB w="9525" cap="flat" cmpd="sng" algn="ctr">
-                      <a:solidFill>
-                        <a:srgbClr val="ECEFF1"/>
-                      </a:solidFill>
-                      <a:prstDash val="solid"/>
-                      <a:round/>
-                      <a:headEnd type="none" w="med" len="med"/>
-                      <a:tailEnd type="none" w="med" len="med"/>
-                    </a:lnB>
-                    <a:solidFill>
-                      <a:srgbClr val="FFFFFF"/>
-                    </a:solidFill>
-                  </a:tcPr>
-                </a:tc>
-                <a:tc>
-                  <a:txBody>
-                    <a:bodyPr/>
-                    <a:lstStyle/>
-                    <a:p>
-                      <a:pPr algn="l"/>
-                      <a:r>
-                        <a:rPr lang="zh-CN" altLang="en-US" b="0">
-                          <a:effectLst/>
-                          <a:latin typeface="Helvetica Neue"/>
-                        </a:rPr>
-                        <a:t>为假时的 </a:t>
-                      </a:r>
-                      <a:r>
-                        <a:rPr lang="en-US" b="0">
-                          <a:effectLst/>
-                          <a:latin typeface="Helvetica Neue"/>
-                        </a:rPr>
-                        <a:t>CSS </a:t>
-                      </a:r>
-                      <a:r>
-                        <a:rPr lang="zh-CN" altLang="en-US" b="0">
-                          <a:effectLst/>
-                          <a:latin typeface="Helvetica Neue"/>
-                        </a:rPr>
-                        <a:t>类</a:t>
-                      </a:r>
-                    </a:p>
-                  </a:txBody>
-                  <a:tcPr marL="304800" marR="304800" marT="152400" marB="152400" anchor="ctr">
-                    <a:lnL w="9525" cap="flat" cmpd="sng" algn="ctr">
-                      <a:solidFill>
-                        <a:srgbClr val="ECEFF1"/>
-                      </a:solidFill>
-                      <a:prstDash val="solid"/>
-                      <a:round/>
-                      <a:headEnd type="none" w="med" len="med"/>
-                      <a:tailEnd type="none" w="med" len="med"/>
-                    </a:lnL>
-                    <a:lnR w="9525" cap="flat" cmpd="sng" algn="ctr">
-                      <a:solidFill>
-                        <a:srgbClr val="ECEFF1"/>
-                      </a:solidFill>
-                      <a:prstDash val="solid"/>
-                      <a:round/>
-                      <a:headEnd type="none" w="med" len="med"/>
-                      <a:tailEnd type="none" w="med" len="med"/>
-                    </a:lnR>
-                    <a:lnT>
-                      <a:noFill/>
-                    </a:lnT>
-                    <a:lnB w="9525" cap="flat" cmpd="sng" algn="ctr">
-                      <a:solidFill>
-                        <a:srgbClr val="ECEFF1"/>
-                      </a:solidFill>
-                      <a:prstDash val="solid"/>
-                      <a:round/>
-                      <a:headEnd type="none" w="med" len="med"/>
-                      <a:tailEnd type="none" w="med" len="med"/>
-                    </a:lnB>
-                    <a:solidFill>
-                      <a:srgbClr val="FFFFFF"/>
-                    </a:solidFill>
-                  </a:tcPr>
-                </a:tc>
-              </a:tr>
-              <a:tr h="0">
-                <a:tc>
-                  <a:txBody>
-                    <a:bodyPr/>
-                    <a:lstStyle/>
-                    <a:p>
-                      <a:pPr algn="l"/>
-                      <a:r>
-                        <a:rPr lang="zh-CN" altLang="en-US" b="0">
-                          <a:effectLst/>
-                          <a:latin typeface="Helvetica Neue"/>
-                        </a:rPr>
-                        <a:t>控件被访问过。</a:t>
-                      </a:r>
-                    </a:p>
-                  </a:txBody>
-                  <a:tcPr marL="304800" marR="304800" marT="152400" marB="152400" anchor="ctr">
-                    <a:lnL>
-                      <a:noFill/>
-                    </a:lnL>
-                    <a:lnR>
-                      <a:noFill/>
-                    </a:lnR>
-                    <a:lnT w="9525" cap="flat" cmpd="sng" algn="ctr">
-                      <a:solidFill>
-                        <a:srgbClr val="ECEFF1"/>
-                      </a:solidFill>
-                      <a:prstDash val="solid"/>
-                      <a:round/>
-                      <a:headEnd type="none" w="med" len="med"/>
-                      <a:tailEnd type="none" w="med" len="med"/>
-                    </a:lnT>
-                    <a:lnB w="9525" cap="flat" cmpd="sng" algn="ctr">
-                      <a:solidFill>
-                        <a:srgbClr val="ECEFF1"/>
-                      </a:solidFill>
-                      <a:prstDash val="solid"/>
-                      <a:round/>
-                      <a:headEnd type="none" w="med" len="med"/>
-                      <a:tailEnd type="none" w="med" len="med"/>
-                    </a:lnB>
-                    <a:solidFill>
-                      <a:srgbClr val="FFFFFF"/>
-                    </a:solidFill>
-                  </a:tcPr>
-                </a:tc>
-                <a:tc>
-                  <a:txBody>
-                    <a:bodyPr/>
-                    <a:lstStyle/>
-                    <a:p>
-                      <a:pPr algn="l"/>
-                      <a:r>
-                        <a:rPr lang="en-US" b="0">
-                          <a:effectLst/>
-                        </a:rPr>
-                        <a:t>ng-touched</a:t>
-                      </a:r>
-                    </a:p>
-                  </a:txBody>
-                  <a:tcPr marL="304800" marR="304800" marT="152400" marB="152400" anchor="ctr">
-                    <a:lnL>
-                      <a:noFill/>
-                    </a:lnL>
-                    <a:lnR>
-                      <a:noFill/>
-                    </a:lnR>
-                    <a:lnT w="9525" cap="flat" cmpd="sng" algn="ctr">
-                      <a:solidFill>
-                        <a:srgbClr val="ECEFF1"/>
-                      </a:solidFill>
-                      <a:prstDash val="solid"/>
-                      <a:round/>
-                      <a:headEnd type="none" w="med" len="med"/>
-                      <a:tailEnd type="none" w="med" len="med"/>
-                    </a:lnT>
-                    <a:lnB w="9525" cap="flat" cmpd="sng" algn="ctr">
-                      <a:solidFill>
-                        <a:srgbClr val="ECEFF1"/>
-                      </a:solidFill>
-                      <a:prstDash val="solid"/>
-                      <a:round/>
-                      <a:headEnd type="none" w="med" len="med"/>
-                      <a:tailEnd type="none" w="med" len="med"/>
-                    </a:lnB>
-                    <a:solidFill>
-                      <a:srgbClr val="FFFFFF"/>
-                    </a:solidFill>
-                  </a:tcPr>
-                </a:tc>
-                <a:tc>
-                  <a:txBody>
-                    <a:bodyPr/>
-                    <a:lstStyle/>
-                    <a:p>
-                      <a:pPr algn="l"/>
-                      <a:r>
-                        <a:rPr lang="en-US" b="0">
-                          <a:effectLst/>
-                        </a:rPr>
-                        <a:t>ng-untouched</a:t>
-                      </a:r>
-                    </a:p>
-                  </a:txBody>
-                  <a:tcPr marL="304800" marR="304800" marT="152400" marB="152400" anchor="ctr">
-                    <a:lnL>
-                      <a:noFill/>
-                    </a:lnL>
-                    <a:lnR>
-                      <a:noFill/>
-                    </a:lnR>
-                    <a:lnT w="9525" cap="flat" cmpd="sng" algn="ctr">
-                      <a:solidFill>
-                        <a:srgbClr val="ECEFF1"/>
-                      </a:solidFill>
-                      <a:prstDash val="solid"/>
-                      <a:round/>
-                      <a:headEnd type="none" w="med" len="med"/>
-                      <a:tailEnd type="none" w="med" len="med"/>
-                    </a:lnT>
-                    <a:lnB w="9525" cap="flat" cmpd="sng" algn="ctr">
-                      <a:solidFill>
-                        <a:srgbClr val="ECEFF1"/>
-                      </a:solidFill>
-                      <a:prstDash val="solid"/>
-                      <a:round/>
-                      <a:headEnd type="none" w="med" len="med"/>
-                      <a:tailEnd type="none" w="med" len="med"/>
-                    </a:lnB>
-                    <a:solidFill>
-                      <a:srgbClr val="FFFFFF"/>
-                    </a:solidFill>
-                  </a:tcPr>
-                </a:tc>
-              </a:tr>
-              <a:tr h="0">
-                <a:tc>
-                  <a:txBody>
-                    <a:bodyPr/>
-                    <a:lstStyle/>
-                    <a:p>
-                      <a:pPr algn="l"/>
-                      <a:r>
-                        <a:rPr lang="zh-CN" altLang="en-US" b="0">
-                          <a:effectLst/>
-                          <a:latin typeface="Helvetica Neue"/>
-                        </a:rPr>
-                        <a:t>控件的值变化了。</a:t>
-                      </a:r>
-                    </a:p>
-                  </a:txBody>
-                  <a:tcPr marL="304800" marR="304800" marT="152400" marB="152400" anchor="ctr">
-                    <a:lnL>
-                      <a:noFill/>
-                    </a:lnL>
-                    <a:lnR>
-                      <a:noFill/>
-                    </a:lnR>
-                    <a:lnT w="9525" cap="flat" cmpd="sng" algn="ctr">
-                      <a:solidFill>
-                        <a:srgbClr val="ECEFF1"/>
-                      </a:solidFill>
-                      <a:prstDash val="solid"/>
-                      <a:round/>
-                      <a:headEnd type="none" w="med" len="med"/>
-                      <a:tailEnd type="none" w="med" len="med"/>
-                    </a:lnT>
-                    <a:lnB w="9525" cap="flat" cmpd="sng" algn="ctr">
-                      <a:solidFill>
-                        <a:srgbClr val="ECEFF1"/>
-                      </a:solidFill>
-                      <a:prstDash val="solid"/>
-                      <a:round/>
-                      <a:headEnd type="none" w="med" len="med"/>
-                      <a:tailEnd type="none" w="med" len="med"/>
-                    </a:lnB>
-                    <a:solidFill>
-                      <a:srgbClr val="FFFFFF"/>
-                    </a:solidFill>
-                  </a:tcPr>
-                </a:tc>
-                <a:tc>
-                  <a:txBody>
-                    <a:bodyPr/>
-                    <a:lstStyle/>
-                    <a:p>
-                      <a:pPr algn="l"/>
-                      <a:r>
-                        <a:rPr lang="en-US" b="0">
-                          <a:effectLst/>
-                        </a:rPr>
-                        <a:t>ng-dirty</a:t>
-                      </a:r>
-                    </a:p>
-                  </a:txBody>
-                  <a:tcPr marL="304800" marR="304800" marT="152400" marB="152400" anchor="ctr">
-                    <a:lnL>
-                      <a:noFill/>
-                    </a:lnL>
-                    <a:lnR>
-                      <a:noFill/>
-                    </a:lnR>
-                    <a:lnT w="9525" cap="flat" cmpd="sng" algn="ctr">
-                      <a:solidFill>
-                        <a:srgbClr val="ECEFF1"/>
-                      </a:solidFill>
-                      <a:prstDash val="solid"/>
-                      <a:round/>
-                      <a:headEnd type="none" w="med" len="med"/>
-                      <a:tailEnd type="none" w="med" len="med"/>
-                    </a:lnT>
-                    <a:lnB w="9525" cap="flat" cmpd="sng" algn="ctr">
-                      <a:solidFill>
-                        <a:srgbClr val="ECEFF1"/>
-                      </a:solidFill>
-                      <a:prstDash val="solid"/>
-                      <a:round/>
-                      <a:headEnd type="none" w="med" len="med"/>
-                      <a:tailEnd type="none" w="med" len="med"/>
-                    </a:lnB>
-                    <a:solidFill>
-                      <a:srgbClr val="FFFFFF"/>
-                    </a:solidFill>
-                  </a:tcPr>
-                </a:tc>
-                <a:tc>
-                  <a:txBody>
-                    <a:bodyPr/>
-                    <a:lstStyle/>
-                    <a:p>
-                      <a:pPr algn="l"/>
-                      <a:r>
-                        <a:rPr lang="en-US" b="0">
-                          <a:effectLst/>
-                        </a:rPr>
-                        <a:t>ng-pristine</a:t>
-                      </a:r>
-                    </a:p>
-                  </a:txBody>
-                  <a:tcPr marL="304800" marR="304800" marT="152400" marB="152400" anchor="ctr">
-                    <a:lnL>
-                      <a:noFill/>
-                    </a:lnL>
-                    <a:lnR>
-                      <a:noFill/>
-                    </a:lnR>
-                    <a:lnT w="9525" cap="flat" cmpd="sng" algn="ctr">
-                      <a:solidFill>
-                        <a:srgbClr val="ECEFF1"/>
-                      </a:solidFill>
-                      <a:prstDash val="solid"/>
-                      <a:round/>
-                      <a:headEnd type="none" w="med" len="med"/>
-                      <a:tailEnd type="none" w="med" len="med"/>
-                    </a:lnT>
-                    <a:lnB w="9525" cap="flat" cmpd="sng" algn="ctr">
-                      <a:solidFill>
-                        <a:srgbClr val="ECEFF1"/>
-                      </a:solidFill>
-                      <a:prstDash val="solid"/>
-                      <a:round/>
-                      <a:headEnd type="none" w="med" len="med"/>
-                      <a:tailEnd type="none" w="med" len="med"/>
-                    </a:lnB>
-                    <a:solidFill>
-                      <a:srgbClr val="FFFFFF"/>
-                    </a:solidFill>
-                  </a:tcPr>
-                </a:tc>
-              </a:tr>
-              <a:tr h="0">
-                <a:tc>
-                  <a:txBody>
-                    <a:bodyPr/>
-                    <a:lstStyle/>
-                    <a:p>
-                      <a:pPr algn="l"/>
-                      <a:r>
-                        <a:rPr lang="zh-CN" altLang="en-US" b="0">
-                          <a:effectLst/>
-                          <a:latin typeface="Helvetica Neue"/>
-                        </a:rPr>
-                        <a:t>控件的值有效。</a:t>
-                      </a:r>
-                    </a:p>
-                  </a:txBody>
-                  <a:tcPr marL="304800" marR="304800" marT="152400" marB="152400" anchor="ctr">
-                    <a:lnL>
-                      <a:noFill/>
-                    </a:lnL>
-                    <a:lnR>
-                      <a:noFill/>
-                    </a:lnR>
-                    <a:lnT w="9525" cap="flat" cmpd="sng" algn="ctr">
-                      <a:solidFill>
-                        <a:srgbClr val="ECEFF1"/>
-                      </a:solidFill>
-                      <a:prstDash val="solid"/>
-                      <a:round/>
-                      <a:headEnd type="none" w="med" len="med"/>
-                      <a:tailEnd type="none" w="med" len="med"/>
-                    </a:lnT>
-                    <a:lnB>
-                      <a:noFill/>
-                    </a:lnB>
-                    <a:solidFill>
-                      <a:srgbClr val="FFFFFF"/>
-                    </a:solidFill>
-                  </a:tcPr>
-                </a:tc>
-                <a:tc>
-                  <a:txBody>
-                    <a:bodyPr/>
-                    <a:lstStyle/>
-                    <a:p>
-                      <a:pPr algn="l"/>
-                      <a:r>
-                        <a:rPr lang="en-US" b="0" dirty="0">
-                          <a:effectLst/>
-                        </a:rPr>
-                        <a:t>ng-valid</a:t>
-                      </a:r>
-                    </a:p>
-                  </a:txBody>
-                  <a:tcPr marL="304800" marR="304800" marT="152400" marB="152400" anchor="ctr">
-                    <a:lnL>
-                      <a:noFill/>
-                    </a:lnL>
-                    <a:lnR>
-                      <a:noFill/>
-                    </a:lnR>
-                    <a:lnT w="9525" cap="flat" cmpd="sng" algn="ctr">
-                      <a:solidFill>
-                        <a:srgbClr val="ECEFF1"/>
-                      </a:solidFill>
-                      <a:prstDash val="solid"/>
-                      <a:round/>
-                      <a:headEnd type="none" w="med" len="med"/>
-                      <a:tailEnd type="none" w="med" len="med"/>
-                    </a:lnT>
-                    <a:lnB>
-                      <a:noFill/>
-                    </a:lnB>
-                    <a:solidFill>
-                      <a:srgbClr val="FFFFFF"/>
-                    </a:solidFill>
-                  </a:tcPr>
-                </a:tc>
-                <a:tc>
-                  <a:txBody>
-                    <a:bodyPr/>
-                    <a:lstStyle/>
-                    <a:p>
-                      <a:pPr algn="l"/>
-                      <a:r>
-                        <a:rPr lang="en-US" b="0" dirty="0">
-                          <a:effectLst/>
-                        </a:rPr>
-                        <a:t>ng-invalid</a:t>
-                      </a:r>
-                    </a:p>
-                  </a:txBody>
-                  <a:tcPr marL="304800" marR="304800" marT="152400" marB="152400" anchor="ctr">
-                    <a:lnL>
-                      <a:noFill/>
-                    </a:lnL>
-                    <a:lnR>
-                      <a:noFill/>
-                    </a:lnR>
-                    <a:lnT w="9525" cap="flat" cmpd="sng" algn="ctr">
-                      <a:solidFill>
-                        <a:srgbClr val="ECEFF1"/>
-                      </a:solidFill>
-                      <a:prstDash val="solid"/>
-                      <a:round/>
-                      <a:headEnd type="none" w="med" len="med"/>
-                      <a:tailEnd type="none" w="med" len="med"/>
-                    </a:lnT>
-                    <a:lnB>
-                      <a:noFill/>
-                    </a:lnB>
-                    <a:solidFill>
-                      <a:srgbClr val="FFFFFF"/>
-                    </a:solidFill>
-                  </a:tcPr>
-                </a:tc>
-              </a:tr>
-            </a:tbl>
-          </a:graphicData>
-        </a:graphic>
-      </p:graphicFrame>
-      <p:sp>
-        <p:nvSpPr>
-          <p:cNvPr id="12" name="Rectangle 2"/>
-          <p:cNvSpPr>
-            <a:spLocks noChangeArrowheads="1"/>
-          </p:cNvSpPr>
-          <p:nvPr/>
-        </p:nvSpPr>
-        <p:spPr bwMode="auto">
-          <a:xfrm>
-            <a:off x="654318" y="3560638"/>
-            <a:ext cx="11440700" cy="738664"/>
-          </a:xfrm>
-          <a:prstGeom prst="rect">
-            <a:avLst/>
-          </a:prstGeom>
-          <a:solidFill>
-            <a:srgbClr val="FFFFFF"/>
-          </a:solidFill>
-          <a:ln>
-            <a:noFill/>
-          </a:ln>
-          <a:effectLst/>
-          <a:extLst>
-            <a:ext uri="{91240B29-F687-4F45-9708-019B960494DF}">
-              <a14:hiddenLine xmlns:a14="http://schemas.microsoft.com/office/drawing/2010/main" w="9525">
-                <a:solidFill>
-                  <a:schemeClr val="tx1"/>
-                </a:solidFill>
-                <a:miter lim="800000"/>
-                <a:headEnd/>
-                <a:tailEnd/>
-              </a14:hiddenLine>
-            </a:ext>
-            <a:ext uri="{AF507438-7753-43E0-B8FC-AC1667EBCBE1}">
-              <a14:hiddenEffects xmlns:a14="http://schemas.microsoft.com/office/drawing/2010/main">
-                <a:effectLst>
-                  <a:outerShdw dist="35921" dir="2700000" algn="ctr" rotWithShape="0">
-                    <a:schemeClr val="bg2"/>
-                  </a:outerShdw>
-                </a:effectLst>
-              </a14:hiddenEffects>
-            </a:ext>
-          </a:extLst>
-        </p:spPr>
-        <p:txBody>
-          <a:bodyPr vert="horz" wrap="square" lIns="0" tIns="0" rIns="0" bIns="0" numCol="1" anchor="ctr" anchorCtr="0" compatLnSpc="1">
-            <a:prstTxWarp prst="textNoShape">
-              <a:avLst/>
-            </a:prstTxWarp>
-            <a:spAutoFit/>
-          </a:bodyPr>
-          <a:lstStyle/>
-          <a:p>
-            <a:pPr marL="0" marR="0" lvl="0" indent="0" algn="l" defTabSz="914400" rtl="0" eaLnBrk="0" fontAlgn="base" latinLnBrk="0" hangingPunct="0">
-              <a:lnSpc>
-                <a:spcPct val="100000"/>
-              </a:lnSpc>
-              <a:spcBef>
-                <a:spcPct val="0"/>
-              </a:spcBef>
-              <a:spcAft>
-                <a:spcPct val="0"/>
-              </a:spcAft>
-              <a:buClrTx/>
-              <a:buSzTx/>
-              <a:buFontTx/>
-              <a:buNone/>
-              <a:tabLst/>
-            </a:pPr>
-            <a:r>
-              <a:rPr lang="zh-CN" altLang="zh-CN" sz="2400" dirty="0">
-                <a:solidFill>
-                  <a:srgbClr val="00796B"/>
-                </a:solidFill>
-                <a:latin typeface="Arial Unicode MS" panose="020B0604020202020204" pitchFamily="34" charset="-122"/>
-                <a:ea typeface="Monaco"/>
-              </a:rPr>
-              <a:t>&lt;input </a:t>
-            </a:r>
-            <a:r>
-              <a:rPr lang="zh-CN" altLang="zh-CN" sz="2400" dirty="0" smtClean="0">
-                <a:solidFill>
-                  <a:srgbClr val="00796B"/>
-                </a:solidFill>
-                <a:latin typeface="Arial Unicode MS" panose="020B0604020202020204" pitchFamily="34" charset="-122"/>
-                <a:ea typeface="Monaco"/>
-              </a:rPr>
-              <a:t>required </a:t>
-            </a:r>
-            <a:r>
-              <a:rPr lang="zh-CN" altLang="zh-CN" sz="2400" dirty="0">
-                <a:solidFill>
-                  <a:srgbClr val="00796B"/>
-                </a:solidFill>
-                <a:latin typeface="Arial Unicode MS" panose="020B0604020202020204" pitchFamily="34" charset="-122"/>
-                <a:ea typeface="Monaco"/>
-              </a:rPr>
-              <a:t>[(ngModel)]="model.name" name="name" #name="ngModel"&gt; </a:t>
-            </a:r>
-            <a:endParaRPr lang="en-US" altLang="zh-CN" sz="2400" dirty="0">
-              <a:solidFill>
-                <a:srgbClr val="00796B"/>
-              </a:solidFill>
-              <a:latin typeface="Arial Unicode MS" panose="020B0604020202020204" pitchFamily="34" charset="-122"/>
-              <a:ea typeface="Monaco"/>
-            </a:endParaRPr>
-          </a:p>
-          <a:p>
-            <a:pPr marL="0" marR="0" lvl="0" indent="0" algn="l" defTabSz="914400" rtl="0" eaLnBrk="0" fontAlgn="base" latinLnBrk="0" hangingPunct="0">
-              <a:lnSpc>
-                <a:spcPct val="100000"/>
-              </a:lnSpc>
-              <a:spcBef>
-                <a:spcPct val="0"/>
-              </a:spcBef>
-              <a:spcAft>
-                <a:spcPct val="0"/>
-              </a:spcAft>
-              <a:buClrTx/>
-              <a:buSzTx/>
-              <a:buFontTx/>
-              <a:buNone/>
-              <a:tabLst/>
-            </a:pPr>
-            <a:r>
-              <a:rPr lang="zh-CN" altLang="zh-CN" sz="2400" dirty="0">
-                <a:solidFill>
-                  <a:srgbClr val="00796B"/>
-                </a:solidFill>
-                <a:latin typeface="Arial Unicode MS" panose="020B0604020202020204" pitchFamily="34" charset="-122"/>
-                <a:ea typeface="Monaco"/>
-              </a:rPr>
-              <a:t>&lt;div [hidden]="</a:t>
-            </a:r>
-            <a:r>
-              <a:rPr lang="zh-CN" altLang="zh-CN" sz="2400" dirty="0">
-                <a:solidFill>
-                  <a:srgbClr val="FF0000"/>
-                </a:solidFill>
-                <a:latin typeface="Arial Unicode MS" panose="020B0604020202020204" pitchFamily="34" charset="-122"/>
-                <a:ea typeface="Monaco"/>
-              </a:rPr>
-              <a:t>name.valid || name.pristine</a:t>
-            </a:r>
-            <a:r>
-              <a:rPr lang="zh-CN" altLang="zh-CN" sz="2400" dirty="0" smtClean="0">
-                <a:solidFill>
-                  <a:srgbClr val="00796B"/>
-                </a:solidFill>
-                <a:latin typeface="Arial Unicode MS" panose="020B0604020202020204" pitchFamily="34" charset="-122"/>
-                <a:ea typeface="Monaco"/>
-              </a:rPr>
-              <a:t>"&gt; </a:t>
-            </a:r>
-            <a:r>
-              <a:rPr lang="zh-CN" altLang="zh-CN" sz="2400" dirty="0">
-                <a:solidFill>
-                  <a:srgbClr val="00796B"/>
-                </a:solidFill>
-                <a:latin typeface="Arial Unicode MS" panose="020B0604020202020204" pitchFamily="34" charset="-122"/>
-                <a:ea typeface="Monaco"/>
-              </a:rPr>
-              <a:t>Name is required &lt;/div&gt; </a:t>
-            </a:r>
-          </a:p>
-        </p:txBody>
-      </p:sp>
-      <p:sp>
-        <p:nvSpPr>
-          <p:cNvPr id="13" name="矩形 12"/>
-          <p:cNvSpPr/>
-          <p:nvPr/>
-        </p:nvSpPr>
-        <p:spPr>
-          <a:xfrm>
-            <a:off x="654318" y="4574371"/>
-            <a:ext cx="2741456" cy="369332"/>
-          </a:xfrm>
-          <a:prstGeom prst="rect">
-            <a:avLst/>
-          </a:prstGeom>
-        </p:spPr>
-        <p:txBody>
-          <a:bodyPr wrap="none">
-            <a:spAutoFit/>
-          </a:bodyPr>
-          <a:lstStyle/>
-          <a:p>
-            <a:r>
-              <a:rPr lang="zh-CN" altLang="en-US" b="1" dirty="0">
-                <a:solidFill>
-                  <a:srgbClr val="546E7A"/>
-                </a:solidFill>
-                <a:latin typeface="Helvetica Neue"/>
-              </a:rPr>
-              <a:t>重置控件的“全新”状态</a:t>
-            </a:r>
-            <a:endParaRPr lang="zh-CN" altLang="en-US" dirty="0"/>
-          </a:p>
-        </p:txBody>
-      </p:sp>
-      <p:sp>
-        <p:nvSpPr>
-          <p:cNvPr id="14" name="Rectangle 3"/>
-          <p:cNvSpPr>
-            <a:spLocks noChangeArrowheads="1"/>
-          </p:cNvSpPr>
-          <p:nvPr/>
-        </p:nvSpPr>
-        <p:spPr bwMode="auto">
-          <a:xfrm>
-            <a:off x="1080655" y="5001400"/>
-            <a:ext cx="1133324" cy="369332"/>
-          </a:xfrm>
-          <a:prstGeom prst="rect">
-            <a:avLst/>
-          </a:prstGeom>
-          <a:solidFill>
-            <a:srgbClr val="FFFFFF"/>
-          </a:solidFill>
-          <a:ln>
-            <a:noFill/>
-          </a:ln>
-          <a:effectLst/>
-          <a:extLst>
-            <a:ext uri="{91240B29-F687-4F45-9708-019B960494DF}">
-              <a14:hiddenLine xmlns:a14="http://schemas.microsoft.com/office/drawing/2010/main" w="9525">
-                <a:solidFill>
-                  <a:schemeClr val="tx1"/>
-                </a:solidFill>
-                <a:miter lim="800000"/>
-                <a:headEnd/>
-                <a:tailEnd/>
-              </a14:hiddenLine>
-            </a:ext>
-            <a:ext uri="{AF507438-7753-43E0-B8FC-AC1667EBCBE1}">
-              <a14:hiddenEffects xmlns:a14="http://schemas.microsoft.com/office/drawing/2010/main">
-                <a:effectLst>
-                  <a:outerShdw dist="35921" dir="2700000" algn="ctr" rotWithShape="0">
-                    <a:schemeClr val="bg2"/>
-                  </a:outerShdw>
-                </a:effectLst>
-              </a14:hiddenEffects>
-            </a:ext>
-          </a:extLst>
-        </p:spPr>
-        <p:txBody>
-          <a:bodyPr vert="horz" wrap="none" lIns="0" tIns="0" rIns="0" bIns="0" numCol="1" anchor="ctr" anchorCtr="0" compatLnSpc="1">
-            <a:prstTxWarp prst="textNoShape">
-              <a:avLst/>
-            </a:prstTxWarp>
-            <a:spAutoFit/>
-          </a:bodyPr>
-          <a:lstStyle/>
-          <a:p>
-            <a:pPr marL="0" marR="0" lvl="0" indent="0" algn="l" defTabSz="914400" rtl="0" eaLnBrk="0" fontAlgn="base" latinLnBrk="0" hangingPunct="0">
-              <a:lnSpc>
-                <a:spcPct val="100000"/>
-              </a:lnSpc>
-              <a:spcBef>
-                <a:spcPct val="0"/>
-              </a:spcBef>
-              <a:spcAft>
-                <a:spcPct val="0"/>
-              </a:spcAft>
-              <a:buClrTx/>
-              <a:buSzTx/>
-              <a:buFontTx/>
-              <a:buNone/>
-              <a:tabLst/>
-            </a:pPr>
-            <a:r>
-              <a:rPr kumimoji="0" lang="en-US" altLang="zh-CN" sz="1600" b="0" i="0" u="none" strike="noStrike" cap="none" normalizeH="0" baseline="0" dirty="0" smtClean="0">
-                <a:ln>
-                  <a:noFill/>
-                </a:ln>
-                <a:solidFill>
-                  <a:srgbClr val="00796B"/>
-                </a:solidFill>
-                <a:effectLst/>
-                <a:latin typeface="Arial Unicode MS" panose="020B0604020202020204" pitchFamily="34" charset="-122"/>
-                <a:ea typeface="Monaco"/>
-              </a:rPr>
-              <a:t>f</a:t>
-            </a:r>
-            <a:r>
-              <a:rPr kumimoji="0" lang="zh-CN" altLang="zh-CN" sz="1600" b="0" i="0" u="none" strike="noStrike" cap="none" normalizeH="0" baseline="0" dirty="0" smtClean="0">
-                <a:ln>
-                  <a:noFill/>
-                </a:ln>
-                <a:solidFill>
-                  <a:srgbClr val="00796B"/>
-                </a:solidFill>
-                <a:effectLst/>
-                <a:latin typeface="Arial Unicode MS" panose="020B0604020202020204" pitchFamily="34" charset="-122"/>
-                <a:ea typeface="Monaco"/>
-              </a:rPr>
-              <a:t>orm.reset()</a:t>
-            </a:r>
-            <a:r>
-              <a:rPr kumimoji="0" lang="zh-CN" altLang="zh-CN" sz="2400" b="0" i="0" u="none" strike="noStrike" cap="none" normalizeH="0" baseline="0" dirty="0" smtClean="0">
-                <a:ln>
-                  <a:noFill/>
-                </a:ln>
-                <a:solidFill>
-                  <a:schemeClr val="tx1"/>
-                </a:solidFill>
-                <a:effectLst/>
-              </a:rPr>
-              <a:t> </a:t>
-            </a:r>
-            <a:endParaRPr kumimoji="0" lang="zh-CN" altLang="zh-CN" sz="4000" b="0" i="0" u="none" strike="noStrike" cap="none" normalizeH="0" baseline="0" dirty="0" smtClean="0">
-              <a:ln>
-                <a:noFill/>
-              </a:ln>
-              <a:solidFill>
-                <a:schemeClr val="tx1"/>
-              </a:solidFill>
-              <a:effectLst/>
-              <a:latin typeface="Arial" panose="020B0604020202020204" pitchFamily="34" charset="0"/>
-            </a:endParaRPr>
-          </a:p>
-        </p:txBody>
-      </p:sp>
-    </p:spTree>
-    <p:extLst>
-      <p:ext uri="{BB962C8B-B14F-4D97-AF65-F5344CB8AC3E}">
-        <p14:creationId xmlns:p14="http://schemas.microsoft.com/office/powerpoint/2010/main" val="4163541602"/>
-      </p:ext>
-    </p:extLst>
-  </p:cSld>
-  <p:clrMapOvr>
-    <a:masterClrMapping/>
-  </p:clrMapOvr>
-</p:sld>
-</file>
-
-<file path=ppt/slides/slide15.xml><?xml version="1.0" encoding="utf-8"?>
-<p:sld xmlns:a="http://schemas.openxmlformats.org/drawingml/2006/main" xmlns:r="http://schemas.openxmlformats.org/officeDocument/2006/relationships" xmlns:p="http://schemas.openxmlformats.org/presentationml/2006/main">
-  <p:cSld>
-    <p:bg>
-      <p:bgPr>
-        <a:noFill/>
-        <a:effectLst/>
-      </p:bgPr>
-    </p:bg>
-    <p:spTree>
-      <p:nvGrpSpPr>
-        <p:cNvPr id="1" name=""/>
-        <p:cNvGrpSpPr/>
-        <p:nvPr/>
-      </p:nvGrpSpPr>
-      <p:grpSpPr>
-        <a:xfrm>
-          <a:off x="0" y="0"/>
-          <a:ext cx="0" cy="0"/>
-          <a:chOff x="0" y="0"/>
-          <a:chExt cx="0" cy="0"/>
-        </a:xfrm>
-      </p:grpSpPr>
-      <p:sp>
-        <p:nvSpPr>
-          <p:cNvPr id="3" name="标题 2"/>
-          <p:cNvSpPr>
-            <a:spLocks noGrp="1"/>
-          </p:cNvSpPr>
-          <p:nvPr>
-            <p:ph type="ctrTitle"/>
-          </p:nvPr>
-        </p:nvSpPr>
-        <p:spPr>
-          <a:xfrm>
-            <a:off x="1379073" y="241370"/>
-            <a:ext cx="9144000" cy="1039718"/>
-          </a:xfrm>
-        </p:spPr>
-        <p:txBody>
-          <a:bodyPr>
-            <a:normAutofit/>
-          </a:bodyPr>
-          <a:lstStyle/>
-          <a:p>
-            <a:r>
-              <a:rPr lang="zh-CN" altLang="en-US" b="1" dirty="0">
-                <a:solidFill>
-                  <a:srgbClr val="455A64"/>
-                </a:solidFill>
-                <a:latin typeface="Helvetica Neue"/>
-              </a:rPr>
-              <a:t>响应式表单</a:t>
-            </a:r>
-            <a:endParaRPr lang="zh-CN" altLang="en-US" dirty="0"/>
-          </a:p>
-        </p:txBody>
-      </p:sp>
-    </p:spTree>
-    <p:extLst>
-      <p:ext uri="{BB962C8B-B14F-4D97-AF65-F5344CB8AC3E}">
-        <p14:creationId xmlns:p14="http://schemas.microsoft.com/office/powerpoint/2010/main" val="3941020985"/>
-      </p:ext>
-    </p:extLst>
-  </p:cSld>
-  <p:clrMapOvr>
-    <a:masterClrMapping/>
-  </p:clrMapOvr>
-</p:sld>
-</file>
-
-<file path=ppt/slides/slide16.xml><?xml version="1.0" encoding="utf-8"?>
-<p:sld xmlns:a="http://schemas.openxmlformats.org/drawingml/2006/main" xmlns:r="http://schemas.openxmlformats.org/officeDocument/2006/relationships" xmlns:p="http://schemas.openxmlformats.org/presentationml/2006/main">
-  <p:cSld>
-    <p:spTree>
-      <p:nvGrpSpPr>
-        <p:cNvPr id="1" name=""/>
-        <p:cNvGrpSpPr/>
-        <p:nvPr/>
-      </p:nvGrpSpPr>
-      <p:grpSpPr>
-        <a:xfrm>
-          <a:off x="0" y="0"/>
-          <a:ext cx="0" cy="0"/>
-          <a:chOff x="0" y="0"/>
-          <a:chExt cx="0" cy="0"/>
-        </a:xfrm>
-      </p:grpSpPr>
-      <p:sp>
-        <p:nvSpPr>
-          <p:cNvPr id="3" name="标题 2"/>
-          <p:cNvSpPr>
-            <a:spLocks noGrp="1"/>
-          </p:cNvSpPr>
-          <p:nvPr>
-            <p:ph type="ctrTitle"/>
-          </p:nvPr>
-        </p:nvSpPr>
-        <p:spPr>
-          <a:xfrm>
             <a:off x="1291988" y="450376"/>
             <a:ext cx="9144000" cy="1039718"/>
           </a:xfrm>
@@ -8520,7 +6074,7 @@
 </p:sld>
 </file>
 
-<file path=ppt/slides/slide17.xml><?xml version="1.0" encoding="utf-8"?>
+<file path=ppt/slides/slide14.xml><?xml version="1.0" encoding="utf-8"?>
 <p:sld xmlns:a="http://schemas.openxmlformats.org/drawingml/2006/main" xmlns:r="http://schemas.openxmlformats.org/officeDocument/2006/relationships" xmlns:p="http://schemas.openxmlformats.org/presentationml/2006/main">
   <p:cSld>
     <p:spTree>
